--- a/SE495/Lectures/5-Securing Funding/Securing Funding.pptx
+++ b/SE495/Lectures/5-Securing Funding/Securing Funding.pptx
@@ -5,7 +5,7 @@
     <p:sldMasterId id="2147483648" r:id="rId1"/>
   </p:sldMasterIdLst>
   <p:notesMasterIdLst>
-    <p:notesMasterId r:id="rId41"/>
+    <p:notesMasterId r:id="rId42"/>
   </p:notesMasterIdLst>
   <p:sldIdLst>
     <p:sldId id="256" r:id="rId2"/>
@@ -22,31 +22,32 @@
     <p:sldId id="756" r:id="rId13"/>
     <p:sldId id="757" r:id="rId14"/>
     <p:sldId id="758" r:id="rId15"/>
-    <p:sldId id="760" r:id="rId16"/>
-    <p:sldId id="759" r:id="rId17"/>
-    <p:sldId id="761" r:id="rId18"/>
-    <p:sldId id="762" r:id="rId19"/>
-    <p:sldId id="763" r:id="rId20"/>
-    <p:sldId id="765" r:id="rId21"/>
-    <p:sldId id="766" r:id="rId22"/>
-    <p:sldId id="770" r:id="rId23"/>
-    <p:sldId id="771" r:id="rId24"/>
-    <p:sldId id="767" r:id="rId25"/>
-    <p:sldId id="769" r:id="rId26"/>
-    <p:sldId id="768" r:id="rId27"/>
-    <p:sldId id="772" r:id="rId28"/>
-    <p:sldId id="773" r:id="rId29"/>
-    <p:sldId id="774" r:id="rId30"/>
-    <p:sldId id="775" r:id="rId31"/>
-    <p:sldId id="777" r:id="rId32"/>
-    <p:sldId id="776" r:id="rId33"/>
-    <p:sldId id="778" r:id="rId34"/>
-    <p:sldId id="779" r:id="rId35"/>
-    <p:sldId id="780" r:id="rId36"/>
-    <p:sldId id="781" r:id="rId37"/>
-    <p:sldId id="782" r:id="rId38"/>
-    <p:sldId id="783" r:id="rId39"/>
-    <p:sldId id="784" r:id="rId40"/>
+    <p:sldId id="785" r:id="rId16"/>
+    <p:sldId id="760" r:id="rId17"/>
+    <p:sldId id="759" r:id="rId18"/>
+    <p:sldId id="761" r:id="rId19"/>
+    <p:sldId id="762" r:id="rId20"/>
+    <p:sldId id="763" r:id="rId21"/>
+    <p:sldId id="765" r:id="rId22"/>
+    <p:sldId id="766" r:id="rId23"/>
+    <p:sldId id="770" r:id="rId24"/>
+    <p:sldId id="771" r:id="rId25"/>
+    <p:sldId id="767" r:id="rId26"/>
+    <p:sldId id="769" r:id="rId27"/>
+    <p:sldId id="768" r:id="rId28"/>
+    <p:sldId id="772" r:id="rId29"/>
+    <p:sldId id="773" r:id="rId30"/>
+    <p:sldId id="774" r:id="rId31"/>
+    <p:sldId id="775" r:id="rId32"/>
+    <p:sldId id="777" r:id="rId33"/>
+    <p:sldId id="776" r:id="rId34"/>
+    <p:sldId id="778" r:id="rId35"/>
+    <p:sldId id="779" r:id="rId36"/>
+    <p:sldId id="780" r:id="rId37"/>
+    <p:sldId id="781" r:id="rId38"/>
+    <p:sldId id="782" r:id="rId39"/>
+    <p:sldId id="783" r:id="rId40"/>
+    <p:sldId id="784" r:id="rId41"/>
   </p:sldIdLst>
   <p:sldSz cx="12192000" cy="6858000"/>
   <p:notesSz cx="6858000" cy="9144000"/>
@@ -1011,14 +1012,11 @@
         <a:lstStyle/>
         <a:p>
           <a:r>
-            <a:rPr lang="en-US" smtClean="0">
+            <a:rPr lang="en-US">
               <a:latin typeface="Candara" panose="020E0502030303020204" pitchFamily="34" charset="0"/>
             </a:rPr>
             <a:t>Problem statement</a:t>
           </a:r>
-          <a:endParaRPr lang="en-US">
-            <a:latin typeface="Candara" panose="020E0502030303020204" pitchFamily="34" charset="0"/>
-          </a:endParaRPr>
         </a:p>
       </dgm:t>
     </dgm:pt>
@@ -1056,14 +1054,11 @@
         <a:lstStyle/>
         <a:p>
           <a:r>
-            <a:rPr lang="en-US" smtClean="0">
+            <a:rPr lang="en-US">
               <a:latin typeface="Candara" panose="020E0502030303020204" pitchFamily="34" charset="0"/>
             </a:rPr>
             <a:t>Solution</a:t>
           </a:r>
-          <a:endParaRPr lang="en-US">
-            <a:latin typeface="Candara" panose="020E0502030303020204" pitchFamily="34" charset="0"/>
-          </a:endParaRPr>
         </a:p>
       </dgm:t>
     </dgm:pt>
@@ -1101,14 +1096,11 @@
         <a:lstStyle/>
         <a:p>
           <a:r>
-            <a:rPr lang="en-US" smtClean="0">
+            <a:rPr lang="en-US">
               <a:latin typeface="Candara" panose="020E0502030303020204" pitchFamily="34" charset="0"/>
             </a:rPr>
             <a:t>Market opportunity</a:t>
           </a:r>
-          <a:endParaRPr lang="en-US">
-            <a:latin typeface="Candara" panose="020E0502030303020204" pitchFamily="34" charset="0"/>
-          </a:endParaRPr>
         </a:p>
       </dgm:t>
     </dgm:pt>
@@ -1146,14 +1138,11 @@
         <a:lstStyle/>
         <a:p>
           <a:r>
-            <a:rPr lang="en-US" smtClean="0">
+            <a:rPr lang="en-US">
               <a:latin typeface="Candara" panose="020E0502030303020204" pitchFamily="34" charset="0"/>
             </a:rPr>
             <a:t>Competitive advantage</a:t>
           </a:r>
-          <a:endParaRPr lang="en-US">
-            <a:latin typeface="Candara" panose="020E0502030303020204" pitchFamily="34" charset="0"/>
-          </a:endParaRPr>
         </a:p>
       </dgm:t>
     </dgm:pt>
@@ -1191,14 +1180,11 @@
         <a:lstStyle/>
         <a:p>
           <a:r>
-            <a:rPr lang="en-US" smtClean="0">
+            <a:rPr lang="en-US">
               <a:latin typeface="Candara" panose="020E0502030303020204" pitchFamily="34" charset="0"/>
             </a:rPr>
             <a:t>Business model</a:t>
           </a:r>
-          <a:endParaRPr lang="en-US">
-            <a:latin typeface="Candara" panose="020E0502030303020204" pitchFamily="34" charset="0"/>
-          </a:endParaRPr>
         </a:p>
       </dgm:t>
     </dgm:pt>
@@ -1236,14 +1222,11 @@
         <a:lstStyle/>
         <a:p>
           <a:r>
-            <a:rPr lang="en-US" smtClean="0">
+            <a:rPr lang="en-US">
               <a:latin typeface="Candara" panose="020E0502030303020204" pitchFamily="34" charset="0"/>
             </a:rPr>
             <a:t>Team</a:t>
           </a:r>
-          <a:endParaRPr lang="en-US">
-            <a:latin typeface="Candara" panose="020E0502030303020204" pitchFamily="34" charset="0"/>
-          </a:endParaRPr>
         </a:p>
       </dgm:t>
     </dgm:pt>
@@ -1281,13 +1264,6 @@
         </dgm:presLayoutVars>
       </dgm:prSet>
       <dgm:spPr/>
-      <dgm:t>
-        <a:bodyPr/>
-        <a:lstStyle/>
-        <a:p>
-          <a:endParaRPr lang="en-US"/>
-        </a:p>
-      </dgm:t>
     </dgm:pt>
     <dgm:pt modelId="{37D3A03D-4EB1-495F-9E90-D98F0857BB95}" type="pres">
       <dgm:prSet presAssocID="{39C09DCE-7211-47BA-A43A-D370FA8D73D2}" presName="node" presStyleLbl="node1" presStyleIdx="0" presStyleCnt="6">
@@ -1296,13 +1272,6 @@
         </dgm:presLayoutVars>
       </dgm:prSet>
       <dgm:spPr/>
-      <dgm:t>
-        <a:bodyPr/>
-        <a:lstStyle/>
-        <a:p>
-          <a:endParaRPr lang="en-US"/>
-        </a:p>
-      </dgm:t>
     </dgm:pt>
     <dgm:pt modelId="{46810A3B-2D05-49F0-A97A-CD9ACC5D8A13}" type="pres">
       <dgm:prSet presAssocID="{57E08C8C-0929-4BB9-8276-F436AE100295}" presName="sibTrans" presStyleCnt="0"/>
@@ -1315,13 +1284,6 @@
         </dgm:presLayoutVars>
       </dgm:prSet>
       <dgm:spPr/>
-      <dgm:t>
-        <a:bodyPr/>
-        <a:lstStyle/>
-        <a:p>
-          <a:endParaRPr lang="en-US"/>
-        </a:p>
-      </dgm:t>
     </dgm:pt>
     <dgm:pt modelId="{CFD22EA4-C0A9-406C-A843-E0428EF8C74F}" type="pres">
       <dgm:prSet presAssocID="{49726AA2-DA3D-4754-8721-BEAB2D910312}" presName="sibTrans" presStyleCnt="0"/>
@@ -1334,13 +1296,6 @@
         </dgm:presLayoutVars>
       </dgm:prSet>
       <dgm:spPr/>
-      <dgm:t>
-        <a:bodyPr/>
-        <a:lstStyle/>
-        <a:p>
-          <a:endParaRPr lang="en-US"/>
-        </a:p>
-      </dgm:t>
     </dgm:pt>
     <dgm:pt modelId="{A05D8108-CD4F-425D-B622-7BE6E37F9FCD}" type="pres">
       <dgm:prSet presAssocID="{C1355496-27EC-43AE-8666-53FE7431987B}" presName="sibTrans" presStyleCnt="0"/>
@@ -1353,13 +1308,6 @@
         </dgm:presLayoutVars>
       </dgm:prSet>
       <dgm:spPr/>
-      <dgm:t>
-        <a:bodyPr/>
-        <a:lstStyle/>
-        <a:p>
-          <a:endParaRPr lang="en-US"/>
-        </a:p>
-      </dgm:t>
     </dgm:pt>
     <dgm:pt modelId="{B93D2235-C6A9-482F-B404-C25E4F69C50D}" type="pres">
       <dgm:prSet presAssocID="{1168AD87-B9CF-43B8-BA47-80A826305D1F}" presName="sibTrans" presStyleCnt="0"/>
@@ -1372,13 +1320,6 @@
         </dgm:presLayoutVars>
       </dgm:prSet>
       <dgm:spPr/>
-      <dgm:t>
-        <a:bodyPr/>
-        <a:lstStyle/>
-        <a:p>
-          <a:endParaRPr lang="en-US"/>
-        </a:p>
-      </dgm:t>
     </dgm:pt>
     <dgm:pt modelId="{E5B2D578-BA62-41CE-9BFC-017916B499BA}" type="pres">
       <dgm:prSet presAssocID="{81324782-D34A-4BBA-BB90-A454956C5FE4}" presName="sibTrans" presStyleCnt="0"/>
@@ -1391,29 +1332,22 @@
         </dgm:presLayoutVars>
       </dgm:prSet>
       <dgm:spPr/>
-      <dgm:t>
-        <a:bodyPr/>
-        <a:lstStyle/>
-        <a:p>
-          <a:endParaRPr lang="en-US"/>
-        </a:p>
-      </dgm:t>
     </dgm:pt>
   </dgm:ptLst>
   <dgm:cxnLst>
-    <dgm:cxn modelId="{A8A3899D-3E0E-4EFF-B1BE-00895F3A47A4}" type="presOf" srcId="{09327994-CD71-4396-8F23-2160A20A70B8}" destId="{7104323F-6C65-47AD-9BF5-B74885318834}" srcOrd="0" destOrd="0" presId="urn:microsoft.com/office/officeart/2005/8/layout/default"/>
-    <dgm:cxn modelId="{D21F3CE0-3109-4AD6-BA63-119837EFAF80}" srcId="{7BFECA89-3F06-4C0D-A281-A165F7DBF19B}" destId="{09327994-CD71-4396-8F23-2160A20A70B8}" srcOrd="4" destOrd="0" parTransId="{275AB4B1-00B8-4D28-B932-26D4B13F065E}" sibTransId="{81324782-D34A-4BBA-BB90-A454956C5FE4}"/>
-    <dgm:cxn modelId="{C9D413D0-FCE0-4BCC-B27D-22885CA1FB83}" srcId="{7BFECA89-3F06-4C0D-A281-A165F7DBF19B}" destId="{66AEE996-7063-4453-9938-51551EE35BB4}" srcOrd="5" destOrd="0" parTransId="{A87EA9CD-B9EA-4136-A9E8-A4D0F35AF84C}" sibTransId="{06913FB1-AFAD-4F79-8102-216775677043}"/>
+    <dgm:cxn modelId="{271D3321-5705-4500-8A5B-84CEE524F461}" type="presOf" srcId="{7BFECA89-3F06-4C0D-A281-A165F7DBF19B}" destId="{0F86BDA9-3828-4136-BD40-08241ECA2551}" srcOrd="0" destOrd="0" presId="urn:microsoft.com/office/officeart/2005/8/layout/default"/>
     <dgm:cxn modelId="{E8B69C4E-3FA2-465D-9DB1-61C6DFEE32B8}" type="presOf" srcId="{295B555D-AA7D-4246-B69D-FDD1E904230D}" destId="{33F2F352-21D5-4438-AD44-922C87306AB6}" srcOrd="0" destOrd="0" presId="urn:microsoft.com/office/officeart/2005/8/layout/default"/>
     <dgm:cxn modelId="{92424E58-9A31-4E9E-9BFC-AD2804DAF11E}" srcId="{7BFECA89-3F06-4C0D-A281-A165F7DBF19B}" destId="{39C09DCE-7211-47BA-A43A-D370FA8D73D2}" srcOrd="0" destOrd="0" parTransId="{2E3E19EC-9F2C-4162-B38D-A7044A4B45AF}" sibTransId="{57E08C8C-0929-4BB9-8276-F436AE100295}"/>
+    <dgm:cxn modelId="{13AB4293-25EA-4BDF-8300-3B427CF2136D}" type="presOf" srcId="{39C09DCE-7211-47BA-A43A-D370FA8D73D2}" destId="{37D3A03D-4EB1-495F-9E90-D98F0857BB95}" srcOrd="0" destOrd="0" presId="urn:microsoft.com/office/officeart/2005/8/layout/default"/>
+    <dgm:cxn modelId="{A8A3899D-3E0E-4EFF-B1BE-00895F3A47A4}" type="presOf" srcId="{09327994-CD71-4396-8F23-2160A20A70B8}" destId="{7104323F-6C65-47AD-9BF5-B74885318834}" srcOrd="0" destOrd="0" presId="urn:microsoft.com/office/officeart/2005/8/layout/default"/>
+    <dgm:cxn modelId="{20BF939D-C77A-41D5-921E-363AB6587158}" srcId="{7BFECA89-3F06-4C0D-A281-A165F7DBF19B}" destId="{295B555D-AA7D-4246-B69D-FDD1E904230D}" srcOrd="2" destOrd="0" parTransId="{B0FB1B12-5DA3-4B81-8FCC-DD3F63DD0A59}" sibTransId="{C1355496-27EC-43AE-8666-53FE7431987B}"/>
+    <dgm:cxn modelId="{787DE4B5-A6AF-4B52-87F2-BEACD57AAD2B}" srcId="{7BFECA89-3F06-4C0D-A281-A165F7DBF19B}" destId="{4F5753A4-C3B6-47F6-8829-C869BC86C1F0}" srcOrd="1" destOrd="0" parTransId="{063A4745-D547-4F5B-8417-D5B690B18BBF}" sibTransId="{49726AA2-DA3D-4754-8721-BEAB2D910312}"/>
+    <dgm:cxn modelId="{C99AF3B5-4F93-45FF-95D8-740B5F5BD442}" type="presOf" srcId="{74AA8E5E-DEC5-4CC1-B53C-6BADBA82AF75}" destId="{1BB0E963-99C3-4857-A230-DA6C31DECDCC}" srcOrd="0" destOrd="0" presId="urn:microsoft.com/office/officeart/2005/8/layout/default"/>
+    <dgm:cxn modelId="{375006CA-40A6-44FA-9E72-A278C89DCAE9}" type="presOf" srcId="{4F5753A4-C3B6-47F6-8829-C869BC86C1F0}" destId="{A5E03356-BB04-46A7-B2E6-57C997B56F3F}" srcOrd="0" destOrd="0" presId="urn:microsoft.com/office/officeart/2005/8/layout/default"/>
+    <dgm:cxn modelId="{C9D413D0-FCE0-4BCC-B27D-22885CA1FB83}" srcId="{7BFECA89-3F06-4C0D-A281-A165F7DBF19B}" destId="{66AEE996-7063-4453-9938-51551EE35BB4}" srcOrd="5" destOrd="0" parTransId="{A87EA9CD-B9EA-4136-A9E8-A4D0F35AF84C}" sibTransId="{06913FB1-AFAD-4F79-8102-216775677043}"/>
+    <dgm:cxn modelId="{D21F3CE0-3109-4AD6-BA63-119837EFAF80}" srcId="{7BFECA89-3F06-4C0D-A281-A165F7DBF19B}" destId="{09327994-CD71-4396-8F23-2160A20A70B8}" srcOrd="4" destOrd="0" parTransId="{275AB4B1-00B8-4D28-B932-26D4B13F065E}" sibTransId="{81324782-D34A-4BBA-BB90-A454956C5FE4}"/>
+    <dgm:cxn modelId="{6A76BEE1-7A94-42A6-A3C6-35E0C6AD8389}" type="presOf" srcId="{66AEE996-7063-4453-9938-51551EE35BB4}" destId="{9077DD8E-EC60-40FA-963A-D844858E2C9A}" srcOrd="0" destOrd="0" presId="urn:microsoft.com/office/officeart/2005/8/layout/default"/>
     <dgm:cxn modelId="{E7EDADEA-05E8-4319-9A14-C6BACD2B9251}" srcId="{7BFECA89-3F06-4C0D-A281-A165F7DBF19B}" destId="{74AA8E5E-DEC5-4CC1-B53C-6BADBA82AF75}" srcOrd="3" destOrd="0" parTransId="{7AC14614-332F-43BA-9DD3-DF22B8495FDB}" sibTransId="{1168AD87-B9CF-43B8-BA47-80A826305D1F}"/>
-    <dgm:cxn modelId="{20BF939D-C77A-41D5-921E-363AB6587158}" srcId="{7BFECA89-3F06-4C0D-A281-A165F7DBF19B}" destId="{295B555D-AA7D-4246-B69D-FDD1E904230D}" srcOrd="2" destOrd="0" parTransId="{B0FB1B12-5DA3-4B81-8FCC-DD3F63DD0A59}" sibTransId="{C1355496-27EC-43AE-8666-53FE7431987B}"/>
-    <dgm:cxn modelId="{375006CA-40A6-44FA-9E72-A278C89DCAE9}" type="presOf" srcId="{4F5753A4-C3B6-47F6-8829-C869BC86C1F0}" destId="{A5E03356-BB04-46A7-B2E6-57C997B56F3F}" srcOrd="0" destOrd="0" presId="urn:microsoft.com/office/officeart/2005/8/layout/default"/>
-    <dgm:cxn modelId="{6A76BEE1-7A94-42A6-A3C6-35E0C6AD8389}" type="presOf" srcId="{66AEE996-7063-4453-9938-51551EE35BB4}" destId="{9077DD8E-EC60-40FA-963A-D844858E2C9A}" srcOrd="0" destOrd="0" presId="urn:microsoft.com/office/officeart/2005/8/layout/default"/>
-    <dgm:cxn modelId="{13AB4293-25EA-4BDF-8300-3B427CF2136D}" type="presOf" srcId="{39C09DCE-7211-47BA-A43A-D370FA8D73D2}" destId="{37D3A03D-4EB1-495F-9E90-D98F0857BB95}" srcOrd="0" destOrd="0" presId="urn:microsoft.com/office/officeart/2005/8/layout/default"/>
-    <dgm:cxn modelId="{271D3321-5705-4500-8A5B-84CEE524F461}" type="presOf" srcId="{7BFECA89-3F06-4C0D-A281-A165F7DBF19B}" destId="{0F86BDA9-3828-4136-BD40-08241ECA2551}" srcOrd="0" destOrd="0" presId="urn:microsoft.com/office/officeart/2005/8/layout/default"/>
-    <dgm:cxn modelId="{C99AF3B5-4F93-45FF-95D8-740B5F5BD442}" type="presOf" srcId="{74AA8E5E-DEC5-4CC1-B53C-6BADBA82AF75}" destId="{1BB0E963-99C3-4857-A230-DA6C31DECDCC}" srcOrd="0" destOrd="0" presId="urn:microsoft.com/office/officeart/2005/8/layout/default"/>
-    <dgm:cxn modelId="{787DE4B5-A6AF-4B52-87F2-BEACD57AAD2B}" srcId="{7BFECA89-3F06-4C0D-A281-A165F7DBF19B}" destId="{4F5753A4-C3B6-47F6-8829-C869BC86C1F0}" srcOrd="1" destOrd="0" parTransId="{063A4745-D547-4F5B-8417-D5B690B18BBF}" sibTransId="{49726AA2-DA3D-4754-8721-BEAB2D910312}"/>
     <dgm:cxn modelId="{63626D02-A10F-43D4-985A-BB5C87213D95}" type="presParOf" srcId="{0F86BDA9-3828-4136-BD40-08241ECA2551}" destId="{37D3A03D-4EB1-495F-9E90-D98F0857BB95}" srcOrd="0" destOrd="0" presId="urn:microsoft.com/office/officeart/2005/8/layout/default"/>
     <dgm:cxn modelId="{5FD6F95C-424F-42B2-93BA-5E0FD40D53FE}" type="presParOf" srcId="{0F86BDA9-3828-4136-BD40-08241ECA2551}" destId="{46810A3B-2D05-49F0-A97A-CD9ACC5D8A13}" srcOrd="1" destOrd="0" presId="urn:microsoft.com/office/officeart/2005/8/layout/default"/>
     <dgm:cxn modelId="{0C83ADFE-32CD-42D9-88FC-52296AF83B97}" type="presParOf" srcId="{0F86BDA9-3828-4136-BD40-08241ECA2551}" destId="{A5E03356-BB04-46A7-B2E6-57C997B56F3F}" srcOrd="2" destOrd="0" presId="urn:microsoft.com/office/officeart/2005/8/layout/default"/>
@@ -1497,7 +1431,7 @@
         </a:bodyPr>
         <a:lstStyle/>
         <a:p>
-          <a:pPr lvl="0" algn="ctr" defTabSz="1200150">
+          <a:pPr marL="0" lvl="0" indent="0" algn="ctr" defTabSz="1200150">
             <a:lnSpc>
               <a:spcPct val="90000"/>
             </a:lnSpc>
@@ -1507,16 +1441,14 @@
             <a:spcAft>
               <a:spcPct val="35000"/>
             </a:spcAft>
+            <a:buNone/>
           </a:pPr>
           <a:r>
-            <a:rPr lang="en-US" sz="2700" kern="1200" smtClean="0">
+            <a:rPr lang="en-US" sz="2700" kern="1200">
               <a:latin typeface="Candara" panose="020E0502030303020204" pitchFamily="34" charset="0"/>
             </a:rPr>
             <a:t>Problem statement</a:t>
           </a:r>
-          <a:endParaRPr lang="en-US" sz="2700" kern="1200">
-            <a:latin typeface="Candara" panose="020E0502030303020204" pitchFamily="34" charset="0"/>
-          </a:endParaRPr>
         </a:p>
       </dsp:txBody>
       <dsp:txXfrm>
@@ -1577,7 +1509,7 @@
         </a:bodyPr>
         <a:lstStyle/>
         <a:p>
-          <a:pPr lvl="0" algn="ctr" defTabSz="1200150">
+          <a:pPr marL="0" lvl="0" indent="0" algn="ctr" defTabSz="1200150">
             <a:lnSpc>
               <a:spcPct val="90000"/>
             </a:lnSpc>
@@ -1587,16 +1519,14 @@
             <a:spcAft>
               <a:spcPct val="35000"/>
             </a:spcAft>
+            <a:buNone/>
           </a:pPr>
           <a:r>
-            <a:rPr lang="en-US" sz="2700" kern="1200" smtClean="0">
+            <a:rPr lang="en-US" sz="2700" kern="1200">
               <a:latin typeface="Candara" panose="020E0502030303020204" pitchFamily="34" charset="0"/>
             </a:rPr>
             <a:t>Solution</a:t>
           </a:r>
-          <a:endParaRPr lang="en-US" sz="2700" kern="1200">
-            <a:latin typeface="Candara" panose="020E0502030303020204" pitchFamily="34" charset="0"/>
-          </a:endParaRPr>
         </a:p>
       </dsp:txBody>
       <dsp:txXfrm>
@@ -1657,7 +1587,7 @@
         </a:bodyPr>
         <a:lstStyle/>
         <a:p>
-          <a:pPr lvl="0" algn="ctr" defTabSz="1200150">
+          <a:pPr marL="0" lvl="0" indent="0" algn="ctr" defTabSz="1200150">
             <a:lnSpc>
               <a:spcPct val="90000"/>
             </a:lnSpc>
@@ -1667,16 +1597,14 @@
             <a:spcAft>
               <a:spcPct val="35000"/>
             </a:spcAft>
+            <a:buNone/>
           </a:pPr>
           <a:r>
-            <a:rPr lang="en-US" sz="2700" kern="1200" smtClean="0">
+            <a:rPr lang="en-US" sz="2700" kern="1200">
               <a:latin typeface="Candara" panose="020E0502030303020204" pitchFamily="34" charset="0"/>
             </a:rPr>
             <a:t>Market opportunity</a:t>
           </a:r>
-          <a:endParaRPr lang="en-US" sz="2700" kern="1200">
-            <a:latin typeface="Candara" panose="020E0502030303020204" pitchFamily="34" charset="0"/>
-          </a:endParaRPr>
         </a:p>
       </dsp:txBody>
       <dsp:txXfrm>
@@ -1737,7 +1665,7 @@
         </a:bodyPr>
         <a:lstStyle/>
         <a:p>
-          <a:pPr lvl="0" algn="ctr" defTabSz="1200150">
+          <a:pPr marL="0" lvl="0" indent="0" algn="ctr" defTabSz="1200150">
             <a:lnSpc>
               <a:spcPct val="90000"/>
             </a:lnSpc>
@@ -1747,16 +1675,14 @@
             <a:spcAft>
               <a:spcPct val="35000"/>
             </a:spcAft>
+            <a:buNone/>
           </a:pPr>
           <a:r>
-            <a:rPr lang="en-US" sz="2700" kern="1200" smtClean="0">
+            <a:rPr lang="en-US" sz="2700" kern="1200">
               <a:latin typeface="Candara" panose="020E0502030303020204" pitchFamily="34" charset="0"/>
             </a:rPr>
             <a:t>Competitive advantage</a:t>
           </a:r>
-          <a:endParaRPr lang="en-US" sz="2700" kern="1200">
-            <a:latin typeface="Candara" panose="020E0502030303020204" pitchFamily="34" charset="0"/>
-          </a:endParaRPr>
         </a:p>
       </dsp:txBody>
       <dsp:txXfrm>
@@ -1817,7 +1743,7 @@
         </a:bodyPr>
         <a:lstStyle/>
         <a:p>
-          <a:pPr lvl="0" algn="ctr" defTabSz="1200150">
+          <a:pPr marL="0" lvl="0" indent="0" algn="ctr" defTabSz="1200150">
             <a:lnSpc>
               <a:spcPct val="90000"/>
             </a:lnSpc>
@@ -1827,16 +1753,14 @@
             <a:spcAft>
               <a:spcPct val="35000"/>
             </a:spcAft>
+            <a:buNone/>
           </a:pPr>
           <a:r>
-            <a:rPr lang="en-US" sz="2700" kern="1200" smtClean="0">
+            <a:rPr lang="en-US" sz="2700" kern="1200">
               <a:latin typeface="Candara" panose="020E0502030303020204" pitchFamily="34" charset="0"/>
             </a:rPr>
             <a:t>Business model</a:t>
           </a:r>
-          <a:endParaRPr lang="en-US" sz="2700" kern="1200">
-            <a:latin typeface="Candara" panose="020E0502030303020204" pitchFamily="34" charset="0"/>
-          </a:endParaRPr>
         </a:p>
       </dsp:txBody>
       <dsp:txXfrm>
@@ -1897,7 +1821,7 @@
         </a:bodyPr>
         <a:lstStyle/>
         <a:p>
-          <a:pPr lvl="0" algn="ctr" defTabSz="1200150">
+          <a:pPr marL="0" lvl="0" indent="0" algn="ctr" defTabSz="1200150">
             <a:lnSpc>
               <a:spcPct val="90000"/>
             </a:lnSpc>
@@ -1907,16 +1831,14 @@
             <a:spcAft>
               <a:spcPct val="35000"/>
             </a:spcAft>
+            <a:buNone/>
           </a:pPr>
           <a:r>
-            <a:rPr lang="en-US" sz="2700" kern="1200" smtClean="0">
+            <a:rPr lang="en-US" sz="2700" kern="1200">
               <a:latin typeface="Candara" panose="020E0502030303020204" pitchFamily="34" charset="0"/>
             </a:rPr>
             <a:t>Team</a:t>
           </a:r>
-          <a:endParaRPr lang="en-US" sz="2700" kern="1200">
-            <a:latin typeface="Candara" panose="020E0502030303020204" pitchFamily="34" charset="0"/>
-          </a:endParaRPr>
         </a:p>
       </dsp:txBody>
       <dsp:txXfrm>
@@ -3268,7 +3190,7 @@
           <a:p>
             <a:fld id="{41DA9887-9249-49FD-809A-BACB264048C3}" type="datetimeFigureOut">
               <a:rPr lang="en-US" smtClean="0"/>
-              <a:t>11/13/2023</a:t>
+              <a:t>1/29/2024</a:t>
             </a:fld>
             <a:endParaRPr lang="en-US"/>
           </a:p>
@@ -3670,7 +3592,7 @@
           <a:p>
             <a:fld id="{EF213E56-3C1A-435A-851B-5B1F221C2038}" type="datetime1">
               <a:rPr lang="en-US" smtClean="0"/>
-              <a:t>11/13/2023</a:t>
+              <a:t>1/29/2024</a:t>
             </a:fld>
             <a:endParaRPr lang="en-US"/>
           </a:p>
@@ -3971,7 +3893,7 @@
           <a:p>
             <a:fld id="{B4696837-4851-4AA6-8AED-554226C981D1}" type="datetime1">
               <a:rPr lang="en-US" smtClean="0"/>
-              <a:t>11/13/2023</a:t>
+              <a:t>1/29/2024</a:t>
             </a:fld>
             <a:endParaRPr lang="en-US"/>
           </a:p>
@@ -4149,7 +4071,7 @@
           <a:p>
             <a:fld id="{BADD32E1-BB70-4827-BA33-FF5AFC435BE9}" type="datetime1">
               <a:rPr lang="en-US" smtClean="0"/>
-              <a:t>11/13/2023</a:t>
+              <a:t>1/29/2024</a:t>
             </a:fld>
             <a:endParaRPr lang="en-US"/>
           </a:p>
@@ -4392,7 +4314,7 @@
             </a:pPr>
             <a:fld id="{40B9EAF6-54F2-4DF5-9C6B-3F6F95B86356}" type="datetime1">
               <a:rPr lang="en-US" smtClean="0"/>
-              <a:t>11/13/2023</a:t>
+              <a:t>1/29/2024</a:t>
             </a:fld>
             <a:endParaRPr lang="en-US"/>
           </a:p>
@@ -4572,7 +4494,7 @@
             </a:pPr>
             <a:fld id="{D3D64A56-6FF4-479A-8655-719A18A98C4B}" type="datetime1">
               <a:rPr lang="en-US" smtClean="0"/>
-              <a:t>11/13/2023</a:t>
+              <a:t>1/29/2024</a:t>
             </a:fld>
             <a:endParaRPr lang="en-US"/>
           </a:p>
@@ -4853,7 +4775,7 @@
           <a:p>
             <a:fld id="{BB961044-FC46-4CBC-9061-59528F4899F3}" type="datetime1">
               <a:rPr lang="en-US" smtClean="0"/>
-              <a:t>11/13/2023</a:t>
+              <a:t>1/29/2024</a:t>
             </a:fld>
             <a:endParaRPr lang="en-US"/>
           </a:p>
@@ -5203,7 +5125,7 @@
           <a:p>
             <a:fld id="{4466A08C-77F3-471E-A5C4-1D2068144BAC}" type="datetime1">
               <a:rPr lang="en-US" smtClean="0"/>
-              <a:t>11/13/2023</a:t>
+              <a:t>1/29/2024</a:t>
             </a:fld>
             <a:endParaRPr lang="en-US"/>
           </a:p>
@@ -5432,7 +5354,7 @@
           <a:p>
             <a:fld id="{B90A7AD1-16F4-44C3-AE32-24C59A599E9D}" type="datetime1">
               <a:rPr lang="en-US" smtClean="0"/>
-              <a:t>11/13/2023</a:t>
+              <a:t>1/29/2024</a:t>
             </a:fld>
             <a:endParaRPr lang="en-US"/>
           </a:p>
@@ -5796,7 +5718,7 @@
           <a:p>
             <a:fld id="{B583DB4F-4316-4DF5-A229-BC1D787C82A0}" type="datetime1">
               <a:rPr lang="en-US" smtClean="0"/>
-              <a:t>11/13/2023</a:t>
+              <a:t>1/29/2024</a:t>
             </a:fld>
             <a:endParaRPr lang="en-US"/>
           </a:p>
@@ -5891,7 +5813,7 @@
           <a:p>
             <a:fld id="{AE6064B7-7A9F-432D-B7B9-6824267AA574}" type="datetime1">
               <a:rPr lang="en-US" smtClean="0"/>
-              <a:t>11/13/2023</a:t>
+              <a:t>1/29/2024</a:t>
             </a:fld>
             <a:endParaRPr lang="en-US"/>
           </a:p>
@@ -6116,7 +6038,7 @@
             <a:fld id="{B2F5E2FA-C428-4CE7-95B0-168D3259A5BB}" type="datetimeFigureOut">
               <a:rPr lang="en-US" smtClean="0"/>
               <a:pPr/>
-              <a:t>11/13/2023</a:t>
+              <a:t>1/29/2024</a:t>
             </a:fld>
             <a:endParaRPr lang="en-US"/>
           </a:p>
@@ -6293,7 +6215,7 @@
           <a:p>
             <a:fld id="{4E1C93A2-B712-486A-8AB5-D41B95D547BE}" type="datetime1">
               <a:rPr lang="en-US" smtClean="0"/>
-              <a:t>11/13/2023</a:t>
+              <a:t>1/29/2024</a:t>
             </a:fld>
             <a:endParaRPr lang="en-US"/>
           </a:p>
@@ -6568,7 +6490,7 @@
           <a:p>
             <a:fld id="{CAB2F318-F19F-4608-B7EF-F7FB8A482213}" type="datetime1">
               <a:rPr lang="en-US" smtClean="0"/>
-              <a:t>11/13/2023</a:t>
+              <a:t>1/29/2024</a:t>
             </a:fld>
             <a:endParaRPr lang="en-US"/>
           </a:p>
@@ -6820,7 +6742,7 @@
           <a:p>
             <a:fld id="{BB9CEF8C-69D6-4C3E-B892-F682F307A7B6}" type="datetime1">
               <a:rPr lang="en-US" smtClean="0"/>
-              <a:t>11/13/2023</a:t>
+              <a:t>1/29/2024</a:t>
             </a:fld>
             <a:endParaRPr lang="en-US"/>
           </a:p>
@@ -7031,7 +6953,7 @@
           <a:p>
             <a:fld id="{FB737C73-4A31-4C17-AFB7-7B8470027787}" type="datetime1">
               <a:rPr lang="en-US" smtClean="0"/>
-              <a:t>11/13/2023</a:t>
+              <a:t>1/29/2024</a:t>
             </a:fld>
             <a:endParaRPr lang="en-US"/>
           </a:p>
@@ -7687,18 +7609,9 @@
           </a:p>
           <a:p>
             <a:r>
-              <a:rPr lang="en-US" dirty="0" smtClean="0"/>
-              <a:t>A </a:t>
-            </a:r>
-            <a:r>
-              <a:rPr lang="en-US" dirty="0"/>
-              <a:t>compelling pitch is crucial for securing funding and support for a business</a:t>
-            </a:r>
-            <a:r>
-              <a:rPr lang="en-US" dirty="0" smtClean="0"/>
-              <a:t>.</a:t>
-            </a:r>
-            <a:endParaRPr lang="en-US" dirty="0"/>
+              <a:rPr lang="en-US" dirty="0"/>
+              <a:t>A compelling pitch is crucial for securing funding and support for a business.</a:t>
+            </a:r>
           </a:p>
         </p:txBody>
       </p:sp>
@@ -7817,60 +7730,40 @@
           <a:p>
             <a:r>
               <a:rPr lang="en-US" dirty="0"/>
-              <a:t>Focus on the </a:t>
-            </a:r>
-            <a:r>
-              <a:rPr lang="en-US" dirty="0" smtClean="0"/>
-              <a:t>essentials</a:t>
+              <a:t>Focus on the essentials</a:t>
             </a:r>
           </a:p>
           <a:p>
             <a:pPr lvl="1"/>
             <a:r>
-              <a:rPr lang="en-US" dirty="0" smtClean="0"/>
-              <a:t>Avoid </a:t>
-            </a:r>
-            <a:r>
-              <a:rPr lang="en-US" dirty="0"/>
-              <a:t>unnecessary details and focus on the key elements of the pitch.</a:t>
-            </a:r>
-          </a:p>
-          <a:p>
-            <a:r>
-              <a:rPr lang="en-US" dirty="0" smtClean="0"/>
+              <a:rPr lang="en-US" dirty="0"/>
+              <a:t>Avoid unnecessary details and focus on the key elements of the pitch.</a:t>
+            </a:r>
+          </a:p>
+          <a:p>
+            <a:r>
+              <a:rPr lang="en-US" dirty="0"/>
               <a:t>Practice</a:t>
             </a:r>
           </a:p>
           <a:p>
             <a:pPr lvl="1"/>
             <a:r>
-              <a:rPr lang="en-US" dirty="0" smtClean="0"/>
-              <a:t>Rehearse </a:t>
-            </a:r>
-            <a:r>
-              <a:rPr lang="en-US" dirty="0"/>
-              <a:t>the pitch to ensure a smooth and confident delivery.</a:t>
-            </a:r>
-          </a:p>
-          <a:p>
-            <a:r>
-              <a:rPr lang="en-US" dirty="0"/>
-              <a:t>Use storytelling </a:t>
-            </a:r>
-            <a:r>
-              <a:rPr lang="en-US" dirty="0" smtClean="0"/>
-              <a:t>techniques</a:t>
+              <a:rPr lang="en-US" dirty="0"/>
+              <a:t>Rehearse the pitch to ensure a smooth and confident delivery.</a:t>
+            </a:r>
+          </a:p>
+          <a:p>
+            <a:r>
+              <a:rPr lang="en-US" dirty="0"/>
+              <a:t>Use storytelling techniques</a:t>
             </a:r>
           </a:p>
           <a:p>
             <a:pPr lvl="1"/>
             <a:r>
-              <a:rPr lang="en-US" dirty="0" smtClean="0"/>
-              <a:t>Use </a:t>
-            </a:r>
-            <a:r>
-              <a:rPr lang="en-US" dirty="0"/>
-              <a:t>anecdotes and examples to make the pitch more engaging and memorable.</a:t>
+              <a:rPr lang="en-US" dirty="0"/>
+              <a:t>Use anecdotes and examples to make the pitch more engaging and memorable.</a:t>
             </a:r>
           </a:p>
         </p:txBody>
@@ -8097,7 +7990,7 @@
           <a:p>
             <a:r>
               <a:rPr lang="en-US" dirty="0"/>
-              <a:t>Final tips</a:t>
+              <a:t>Crafting a Compelling Pitch</a:t>
             </a:r>
           </a:p>
         </p:txBody>
@@ -8119,19 +8012,49 @@
           <a:p>
             <a:r>
               <a:rPr lang="en-US" dirty="0"/>
-              <a:t>Be authentic and passionate about the business.</a:t>
-            </a:r>
-          </a:p>
-          <a:p>
-            <a:r>
-              <a:rPr lang="en-US" dirty="0"/>
-              <a:t>Use visual aids to support the pitch.</a:t>
-            </a:r>
-          </a:p>
-          <a:p>
-            <a:r>
-              <a:rPr lang="en-US" dirty="0"/>
-              <a:t>Anticipate questions and have a clear call to action.</a:t>
+              <a:t>Understanding Your Audience</a:t>
+            </a:r>
+          </a:p>
+          <a:p>
+            <a:r>
+              <a:rPr lang="en-US" dirty="0"/>
+              <a:t>Defining Your Value Proposition</a:t>
+            </a:r>
+          </a:p>
+          <a:p>
+            <a:r>
+              <a:rPr lang="en-US" dirty="0"/>
+              <a:t>Crafting a Captivating Story</a:t>
+            </a:r>
+          </a:p>
+          <a:p>
+            <a:r>
+              <a:rPr lang="en-US" dirty="0"/>
+              <a:t>Building a Strong Brand</a:t>
+            </a:r>
+          </a:p>
+          <a:p>
+            <a:r>
+              <a:rPr lang="en-US" dirty="0"/>
+              <a:t>Creating a Compelling Demo</a:t>
+            </a:r>
+          </a:p>
+          <a:p>
+            <a:r>
+              <a:rPr lang="en-US" dirty="0"/>
+              <a:t>Preparing for Common Questions</a:t>
+            </a:r>
+          </a:p>
+          <a:p>
+            <a:r>
+              <a:rPr lang="en-US" dirty="0"/>
+              <a:t>Practicing Your Pitch</a:t>
+            </a:r>
+          </a:p>
+          <a:p>
+            <a:r>
+              <a:rPr lang="en-US" dirty="0"/>
+              <a:t>Delivering a Confident and Effective Pitch</a:t>
             </a:r>
           </a:p>
         </p:txBody>
@@ -8192,7 +8115,7 @@
       </p:grpSpPr>
       <p:sp>
         <p:nvSpPr>
-          <p:cNvPr id="5" name="Title 4"/>
+          <p:cNvPr id="2" name="Title 1"/>
           <p:cNvSpPr>
             <a:spLocks noGrp="1"/>
           </p:cNvSpPr>
@@ -8207,27 +8130,42 @@
           <a:p>
             <a:r>
               <a:rPr lang="en-US" dirty="0"/>
-              <a:t>Investor Perspectives and Expectations</a:t>
-            </a:r>
-          </a:p>
-        </p:txBody>
-      </p:sp>
-      <p:sp>
-        <p:nvSpPr>
-          <p:cNvPr id="6" name="Text Placeholder 5"/>
-          <p:cNvSpPr>
-            <a:spLocks noGrp="1"/>
-          </p:cNvSpPr>
-          <p:nvPr>
-            <p:ph type="body" idx="1"/>
-          </p:nvPr>
-        </p:nvSpPr>
-        <p:spPr/>
-        <p:txBody>
-          <a:bodyPr/>
-          <a:lstStyle/>
-          <a:p>
-            <a:endParaRPr lang="en-US"/>
+              <a:t>Final tips</a:t>
+            </a:r>
+          </a:p>
+        </p:txBody>
+      </p:sp>
+      <p:sp>
+        <p:nvSpPr>
+          <p:cNvPr id="3" name="Content Placeholder 2"/>
+          <p:cNvSpPr>
+            <a:spLocks noGrp="1"/>
+          </p:cNvSpPr>
+          <p:nvPr>
+            <p:ph idx="1"/>
+          </p:nvPr>
+        </p:nvSpPr>
+        <p:spPr/>
+        <p:txBody>
+          <a:bodyPr/>
+          <a:lstStyle/>
+          <a:p>
+            <a:r>
+              <a:rPr lang="en-US" dirty="0"/>
+              <a:t>Be authentic and passionate about the business.</a:t>
+            </a:r>
+          </a:p>
+          <a:p>
+            <a:r>
+              <a:rPr lang="en-US" dirty="0"/>
+              <a:t>Use visual aids to support the pitch.</a:t>
+            </a:r>
+          </a:p>
+          <a:p>
+            <a:r>
+              <a:rPr lang="en-US" dirty="0"/>
+              <a:t>Anticipate questions and have a clear call to action.</a:t>
+            </a:r>
           </a:p>
         </p:txBody>
       </p:sp>
@@ -8258,7 +8196,7 @@
     </p:spTree>
     <p:extLst>
       <p:ext uri="{BB962C8B-B14F-4D97-AF65-F5344CB8AC3E}">
-        <p14:creationId xmlns:p14="http://schemas.microsoft.com/office/powerpoint/2010/main" val="3656958942"/>
+        <p14:creationId xmlns:p14="http://schemas.microsoft.com/office/powerpoint/2010/main" val="526589974"/>
       </p:ext>
     </p:extLst>
   </p:cSld>
@@ -8287,7 +8225,7 @@
       </p:grpSpPr>
       <p:sp>
         <p:nvSpPr>
-          <p:cNvPr id="2" name="Title 1"/>
+          <p:cNvPr id="5" name="Title 4"/>
           <p:cNvSpPr>
             <a:spLocks noGrp="1"/>
           </p:cNvSpPr>
@@ -8302,45 +8240,27 @@
           <a:p>
             <a:r>
               <a:rPr lang="en-US" dirty="0"/>
-              <a:t>Introduction</a:t>
-            </a:r>
-          </a:p>
-        </p:txBody>
-      </p:sp>
-      <p:sp>
-        <p:nvSpPr>
-          <p:cNvPr id="3" name="Content Placeholder 2"/>
-          <p:cNvSpPr>
-            <a:spLocks noGrp="1"/>
-          </p:cNvSpPr>
-          <p:nvPr>
-            <p:ph idx="1"/>
-          </p:nvPr>
-        </p:nvSpPr>
-        <p:spPr/>
-        <p:txBody>
-          <a:bodyPr/>
-          <a:lstStyle/>
-          <a:p>
-            <a:r>
-              <a:rPr lang="en-US" dirty="0"/>
-              <a:t>Investors are individuals or organizations that provide capital to startups in exchange for equity or other forms of return.</a:t>
-            </a:r>
-          </a:p>
-          <a:p>
-            <a:r>
-              <a:rPr lang="en-US" dirty="0" smtClean="0"/>
-              <a:t>Understanding </a:t>
-            </a:r>
-            <a:r>
-              <a:rPr lang="en-US" dirty="0"/>
-              <a:t>investor perspectives is crucial for crafting a compelling pitch and securing funding</a:t>
-            </a:r>
-            <a:r>
-              <a:rPr lang="en-US" dirty="0" smtClean="0"/>
-              <a:t>.</a:t>
-            </a:r>
-            <a:endParaRPr lang="en-US" dirty="0"/>
+              <a:t>Investor Perspectives and Expectations</a:t>
+            </a:r>
+          </a:p>
+        </p:txBody>
+      </p:sp>
+      <p:sp>
+        <p:nvSpPr>
+          <p:cNvPr id="6" name="Text Placeholder 5"/>
+          <p:cNvSpPr>
+            <a:spLocks noGrp="1"/>
+          </p:cNvSpPr>
+          <p:nvPr>
+            <p:ph type="body" idx="1"/>
+          </p:nvPr>
+        </p:nvSpPr>
+        <p:spPr/>
+        <p:txBody>
+          <a:bodyPr/>
+          <a:lstStyle/>
+          <a:p>
+            <a:endParaRPr lang="en-US"/>
           </a:p>
         </p:txBody>
       </p:sp>
@@ -8363,6 +8283,110 @@
               <a:rPr lang="en-US" smtClean="0"/>
               <a:pPr/>
               <a:t>16</a:t>
+            </a:fld>
+            <a:endParaRPr lang="en-US" dirty="0"/>
+          </a:p>
+        </p:txBody>
+      </p:sp>
+    </p:spTree>
+    <p:extLst>
+      <p:ext uri="{BB962C8B-B14F-4D97-AF65-F5344CB8AC3E}">
+        <p14:creationId xmlns:p14="http://schemas.microsoft.com/office/powerpoint/2010/main" val="3656958942"/>
+      </p:ext>
+    </p:extLst>
+  </p:cSld>
+  <p:clrMapOvr>
+    <a:masterClrMapping/>
+  </p:clrMapOvr>
+</p:sld>
+</file>
+
+<file path=ppt/slides/slide17.xml><?xml version="1.0" encoding="utf-8"?>
+<p:sld xmlns:a="http://schemas.openxmlformats.org/drawingml/2006/main" xmlns:r="http://schemas.openxmlformats.org/officeDocument/2006/relationships" xmlns:p="http://schemas.openxmlformats.org/presentationml/2006/main">
+  <p:cSld>
+    <p:spTree>
+      <p:nvGrpSpPr>
+        <p:cNvPr id="1" name=""/>
+        <p:cNvGrpSpPr/>
+        <p:nvPr/>
+      </p:nvGrpSpPr>
+      <p:grpSpPr>
+        <a:xfrm>
+          <a:off x="0" y="0"/>
+          <a:ext cx="0" cy="0"/>
+          <a:chOff x="0" y="0"/>
+          <a:chExt cx="0" cy="0"/>
+        </a:xfrm>
+      </p:grpSpPr>
+      <p:sp>
+        <p:nvSpPr>
+          <p:cNvPr id="2" name="Title 1"/>
+          <p:cNvSpPr>
+            <a:spLocks noGrp="1"/>
+          </p:cNvSpPr>
+          <p:nvPr>
+            <p:ph type="title"/>
+          </p:nvPr>
+        </p:nvSpPr>
+        <p:spPr/>
+        <p:txBody>
+          <a:bodyPr/>
+          <a:lstStyle/>
+          <a:p>
+            <a:r>
+              <a:rPr lang="en-US" dirty="0"/>
+              <a:t>Introduction</a:t>
+            </a:r>
+          </a:p>
+        </p:txBody>
+      </p:sp>
+      <p:sp>
+        <p:nvSpPr>
+          <p:cNvPr id="3" name="Content Placeholder 2"/>
+          <p:cNvSpPr>
+            <a:spLocks noGrp="1"/>
+          </p:cNvSpPr>
+          <p:nvPr>
+            <p:ph idx="1"/>
+          </p:nvPr>
+        </p:nvSpPr>
+        <p:spPr/>
+        <p:txBody>
+          <a:bodyPr/>
+          <a:lstStyle/>
+          <a:p>
+            <a:r>
+              <a:rPr lang="en-US" dirty="0"/>
+              <a:t>Investors are individuals or organizations that provide capital to startups in exchange for equity or other forms of return.</a:t>
+            </a:r>
+          </a:p>
+          <a:p>
+            <a:r>
+              <a:rPr lang="en-US" dirty="0"/>
+              <a:t>Understanding investor perspectives is crucial for crafting a compelling pitch and securing funding.</a:t>
+            </a:r>
+          </a:p>
+        </p:txBody>
+      </p:sp>
+      <p:sp>
+        <p:nvSpPr>
+          <p:cNvPr id="4" name="Slide Number Placeholder 3"/>
+          <p:cNvSpPr>
+            <a:spLocks noGrp="1"/>
+          </p:cNvSpPr>
+          <p:nvPr>
+            <p:ph type="sldNum" sz="quarter" idx="12"/>
+          </p:nvPr>
+        </p:nvSpPr>
+        <p:spPr/>
+        <p:txBody>
+          <a:bodyPr/>
+          <a:lstStyle/>
+          <a:p>
+            <a:fld id="{B8DACC02-A2BD-4578-8E03-6D891060A695}" type="slidenum">
+              <a:rPr lang="en-US" smtClean="0"/>
+              <a:pPr/>
+              <a:t>17</a:t>
             </a:fld>
             <a:endParaRPr lang="en-US" dirty="0"/>
           </a:p>
@@ -8422,134 +8446,6 @@
 </p:sld>
 </file>
 
-<file path=ppt/slides/slide17.xml><?xml version="1.0" encoding="utf-8"?>
-<p:sld xmlns:a="http://schemas.openxmlformats.org/drawingml/2006/main" xmlns:r="http://schemas.openxmlformats.org/officeDocument/2006/relationships" xmlns:p="http://schemas.openxmlformats.org/presentationml/2006/main">
-  <p:cSld>
-    <p:spTree>
-      <p:nvGrpSpPr>
-        <p:cNvPr id="1" name=""/>
-        <p:cNvGrpSpPr/>
-        <p:nvPr/>
-      </p:nvGrpSpPr>
-      <p:grpSpPr>
-        <a:xfrm>
-          <a:off x="0" y="0"/>
-          <a:ext cx="0" cy="0"/>
-          <a:chOff x="0" y="0"/>
-          <a:chExt cx="0" cy="0"/>
-        </a:xfrm>
-      </p:grpSpPr>
-      <p:sp>
-        <p:nvSpPr>
-          <p:cNvPr id="2" name="Title 1"/>
-          <p:cNvSpPr>
-            <a:spLocks noGrp="1"/>
-          </p:cNvSpPr>
-          <p:nvPr>
-            <p:ph type="title"/>
-          </p:nvPr>
-        </p:nvSpPr>
-        <p:spPr/>
-        <p:txBody>
-          <a:bodyPr/>
-          <a:lstStyle/>
-          <a:p>
-            <a:r>
-              <a:rPr lang="en-US" dirty="0"/>
-              <a:t>Types of Investors and Their Expectations</a:t>
-            </a:r>
-          </a:p>
-        </p:txBody>
-      </p:sp>
-      <p:sp>
-        <p:nvSpPr>
-          <p:cNvPr id="3" name="Content Placeholder 2"/>
-          <p:cNvSpPr>
-            <a:spLocks noGrp="1"/>
-          </p:cNvSpPr>
-          <p:nvPr>
-            <p:ph idx="1"/>
-          </p:nvPr>
-        </p:nvSpPr>
-        <p:spPr/>
-        <p:txBody>
-          <a:bodyPr>
-            <a:normAutofit/>
-          </a:bodyPr>
-          <a:lstStyle/>
-          <a:p>
-            <a:r>
-              <a:rPr lang="en-US" dirty="0" smtClean="0"/>
-              <a:t>Friends/Family</a:t>
-            </a:r>
-          </a:p>
-          <a:p>
-            <a:pPr lvl="1"/>
-            <a:r>
-              <a:rPr lang="en-US" dirty="0" smtClean="0"/>
-              <a:t>Friends </a:t>
-            </a:r>
-            <a:r>
-              <a:rPr lang="en-US" dirty="0"/>
-              <a:t>and family investors are typically motivated by a personal relationship with the entrepreneur and have a lower risk tolerance. </a:t>
-            </a:r>
-            <a:endParaRPr lang="en-US" dirty="0" smtClean="0"/>
-          </a:p>
-          <a:p>
-            <a:pPr lvl="1"/>
-            <a:r>
-              <a:rPr lang="en-US" dirty="0" smtClean="0"/>
-              <a:t>They </a:t>
-            </a:r>
-            <a:r>
-              <a:rPr lang="en-US" dirty="0"/>
-              <a:t>expect a lower return on investment and are more focused on supporting the entrepreneur</a:t>
-            </a:r>
-            <a:r>
-              <a:rPr lang="en-US" dirty="0" smtClean="0"/>
-              <a:t>.</a:t>
-            </a:r>
-            <a:endParaRPr lang="en-US" dirty="0"/>
-          </a:p>
-        </p:txBody>
-      </p:sp>
-      <p:sp>
-        <p:nvSpPr>
-          <p:cNvPr id="4" name="Slide Number Placeholder 3"/>
-          <p:cNvSpPr>
-            <a:spLocks noGrp="1"/>
-          </p:cNvSpPr>
-          <p:nvPr>
-            <p:ph type="sldNum" sz="quarter" idx="12"/>
-          </p:nvPr>
-        </p:nvSpPr>
-        <p:spPr/>
-        <p:txBody>
-          <a:bodyPr/>
-          <a:lstStyle/>
-          <a:p>
-            <a:fld id="{B8DACC02-A2BD-4578-8E03-6D891060A695}" type="slidenum">
-              <a:rPr lang="en-US" smtClean="0"/>
-              <a:pPr/>
-              <a:t>17</a:t>
-            </a:fld>
-            <a:endParaRPr lang="en-US" dirty="0"/>
-          </a:p>
-        </p:txBody>
-      </p:sp>
-    </p:spTree>
-    <p:extLst>
-      <p:ext uri="{BB962C8B-B14F-4D97-AF65-F5344CB8AC3E}">
-        <p14:creationId xmlns:p14="http://schemas.microsoft.com/office/powerpoint/2010/main" val="1866511371"/>
-      </p:ext>
-    </p:extLst>
-  </p:cSld>
-  <p:clrMapOvr>
-    <a:masterClrMapping/>
-  </p:clrMapOvr>
-</p:sld>
-</file>
-
 <file path=ppt/slides/slide18.xml><?xml version="1.0" encoding="utf-8"?>
 <p:sld xmlns:a="http://schemas.openxmlformats.org/drawingml/2006/main" xmlns:r="http://schemas.openxmlformats.org/officeDocument/2006/relationships" xmlns:p="http://schemas.openxmlformats.org/presentationml/2006/main">
   <p:cSld>
@@ -8607,42 +8503,23 @@
           <a:lstStyle/>
           <a:p>
             <a:r>
-              <a:rPr lang="en-US" dirty="0" smtClean="0"/>
-              <a:t>Angels</a:t>
-            </a:r>
-            <a:r>
-              <a:rPr lang="en-US" dirty="0"/>
-              <a:t>: </a:t>
-            </a:r>
-            <a:endParaRPr lang="en-US" dirty="0" smtClean="0"/>
+              <a:rPr lang="en-US" dirty="0"/>
+              <a:t>Friends/Family</a:t>
+            </a:r>
           </a:p>
           <a:p>
             <a:pPr lvl="1"/>
             <a:r>
-              <a:rPr lang="en-US" dirty="0" smtClean="0"/>
-              <a:t>Angel </a:t>
-            </a:r>
-            <a:r>
-              <a:rPr lang="en-US" dirty="0"/>
-              <a:t>investors are typically high net worth individuals who invest their own personal capital in startups in exchange for equity. </a:t>
-            </a:r>
-            <a:endParaRPr lang="en-US" dirty="0" smtClean="0"/>
+              <a:rPr lang="en-US" dirty="0"/>
+              <a:t>Friends and family investors are typically motivated by a personal relationship with the entrepreneur and have a lower risk tolerance. </a:t>
+            </a:r>
           </a:p>
           <a:p>
             <a:pPr lvl="1"/>
             <a:r>
-              <a:rPr lang="en-US" dirty="0" smtClean="0"/>
-              <a:t>They </a:t>
-            </a:r>
-            <a:r>
-              <a:rPr lang="en-US" dirty="0"/>
-              <a:t>have a higher risk tolerance than friends/family investors and expect a higher return on investment</a:t>
-            </a:r>
-            <a:r>
-              <a:rPr lang="en-US" dirty="0" smtClean="0"/>
-              <a:t>.</a:t>
-            </a:r>
-            <a:endParaRPr lang="en-US" dirty="0"/>
+              <a:rPr lang="en-US" dirty="0"/>
+              <a:t>They expect a lower return on investment and are more focused on supporting the entrepreneur.</a:t>
+            </a:r>
           </a:p>
         </p:txBody>
       </p:sp>
@@ -8665,6 +8542,120 @@
               <a:rPr lang="en-US" smtClean="0"/>
               <a:pPr/>
               <a:t>18</a:t>
+            </a:fld>
+            <a:endParaRPr lang="en-US" dirty="0"/>
+          </a:p>
+        </p:txBody>
+      </p:sp>
+    </p:spTree>
+    <p:extLst>
+      <p:ext uri="{BB962C8B-B14F-4D97-AF65-F5344CB8AC3E}">
+        <p14:creationId xmlns:p14="http://schemas.microsoft.com/office/powerpoint/2010/main" val="1866511371"/>
+      </p:ext>
+    </p:extLst>
+  </p:cSld>
+  <p:clrMapOvr>
+    <a:masterClrMapping/>
+  </p:clrMapOvr>
+</p:sld>
+</file>
+
+<file path=ppt/slides/slide19.xml><?xml version="1.0" encoding="utf-8"?>
+<p:sld xmlns:a="http://schemas.openxmlformats.org/drawingml/2006/main" xmlns:r="http://schemas.openxmlformats.org/officeDocument/2006/relationships" xmlns:p="http://schemas.openxmlformats.org/presentationml/2006/main">
+  <p:cSld>
+    <p:spTree>
+      <p:nvGrpSpPr>
+        <p:cNvPr id="1" name=""/>
+        <p:cNvGrpSpPr/>
+        <p:nvPr/>
+      </p:nvGrpSpPr>
+      <p:grpSpPr>
+        <a:xfrm>
+          <a:off x="0" y="0"/>
+          <a:ext cx="0" cy="0"/>
+          <a:chOff x="0" y="0"/>
+          <a:chExt cx="0" cy="0"/>
+        </a:xfrm>
+      </p:grpSpPr>
+      <p:sp>
+        <p:nvSpPr>
+          <p:cNvPr id="2" name="Title 1"/>
+          <p:cNvSpPr>
+            <a:spLocks noGrp="1"/>
+          </p:cNvSpPr>
+          <p:nvPr>
+            <p:ph type="title"/>
+          </p:nvPr>
+        </p:nvSpPr>
+        <p:spPr/>
+        <p:txBody>
+          <a:bodyPr/>
+          <a:lstStyle/>
+          <a:p>
+            <a:r>
+              <a:rPr lang="en-US" dirty="0"/>
+              <a:t>Types of Investors and Their Expectations</a:t>
+            </a:r>
+          </a:p>
+        </p:txBody>
+      </p:sp>
+      <p:sp>
+        <p:nvSpPr>
+          <p:cNvPr id="3" name="Content Placeholder 2"/>
+          <p:cNvSpPr>
+            <a:spLocks noGrp="1"/>
+          </p:cNvSpPr>
+          <p:nvPr>
+            <p:ph idx="1"/>
+          </p:nvPr>
+        </p:nvSpPr>
+        <p:spPr/>
+        <p:txBody>
+          <a:bodyPr>
+            <a:normAutofit/>
+          </a:bodyPr>
+          <a:lstStyle/>
+          <a:p>
+            <a:r>
+              <a:rPr lang="en-US" dirty="0"/>
+              <a:t>Angels: </a:t>
+            </a:r>
+          </a:p>
+          <a:p>
+            <a:pPr lvl="1"/>
+            <a:r>
+              <a:rPr lang="en-US" dirty="0"/>
+              <a:t>Angel investors are typically high net worth individuals who invest their own personal capital in startups in exchange for equity. </a:t>
+            </a:r>
+          </a:p>
+          <a:p>
+            <a:pPr lvl="1"/>
+            <a:r>
+              <a:rPr lang="en-US" dirty="0"/>
+              <a:t>They have a higher risk tolerance than friends/family investors and expect a higher return on investment.</a:t>
+            </a:r>
+          </a:p>
+        </p:txBody>
+      </p:sp>
+      <p:sp>
+        <p:nvSpPr>
+          <p:cNvPr id="4" name="Slide Number Placeholder 3"/>
+          <p:cNvSpPr>
+            <a:spLocks noGrp="1"/>
+          </p:cNvSpPr>
+          <p:nvPr>
+            <p:ph type="sldNum" sz="quarter" idx="12"/>
+          </p:nvPr>
+        </p:nvSpPr>
+        <p:spPr/>
+        <p:txBody>
+          <a:bodyPr/>
+          <a:lstStyle/>
+          <a:p>
+            <a:fld id="{B8DACC02-A2BD-4578-8E03-6D891060A695}" type="slidenum">
+              <a:rPr lang="en-US" smtClean="0"/>
+              <a:pPr/>
+              <a:t>19</a:t>
             </a:fld>
             <a:endParaRPr lang="en-US" dirty="0"/>
           </a:p>
@@ -8724,7 +8715,7 @@
 </p:sld>
 </file>
 
-<file path=ppt/slides/slide19.xml><?xml version="1.0" encoding="utf-8"?>
+<file path=ppt/slides/slide2.xml><?xml version="1.0" encoding="utf-8"?>
 <p:sld xmlns:a="http://schemas.openxmlformats.org/drawingml/2006/main" xmlns:r="http://schemas.openxmlformats.org/officeDocument/2006/relationships" xmlns:p="http://schemas.openxmlformats.org/presentationml/2006/main">
   <p:cSld>
     <p:spTree>
@@ -8758,6 +8749,131 @@
           <a:p>
             <a:r>
               <a:rPr lang="en-US" dirty="0"/>
+              <a:t>Outline</a:t>
+            </a:r>
+          </a:p>
+        </p:txBody>
+      </p:sp>
+      <p:sp>
+        <p:nvSpPr>
+          <p:cNvPr id="3" name="Content Placeholder 2"/>
+          <p:cNvSpPr>
+            <a:spLocks noGrp="1"/>
+          </p:cNvSpPr>
+          <p:nvPr>
+            <p:ph idx="1"/>
+          </p:nvPr>
+        </p:nvSpPr>
+        <p:spPr/>
+        <p:txBody>
+          <a:bodyPr/>
+          <a:lstStyle/>
+          <a:p>
+            <a:r>
+              <a:rPr lang="en-US" dirty="0"/>
+              <a:t>Overview</a:t>
+            </a:r>
+          </a:p>
+          <a:p>
+            <a:r>
+              <a:rPr lang="en-US" dirty="0"/>
+              <a:t>Crafting a Compelling Pitch</a:t>
+            </a:r>
+          </a:p>
+          <a:p>
+            <a:r>
+              <a:rPr lang="en-US" dirty="0"/>
+              <a:t>Investor Perspectives and Expectations</a:t>
+            </a:r>
+          </a:p>
+          <a:p>
+            <a:r>
+              <a:rPr lang="en-US" dirty="0"/>
+              <a:t>Due Diligence and Valuation</a:t>
+            </a:r>
+          </a:p>
+          <a:p>
+            <a:r>
+              <a:rPr lang="en-US" dirty="0"/>
+              <a:t>Incubators and Accelerators</a:t>
+            </a:r>
+          </a:p>
+          <a:p>
+            <a:endParaRPr lang="en-US" dirty="0"/>
+          </a:p>
+        </p:txBody>
+      </p:sp>
+      <p:sp>
+        <p:nvSpPr>
+          <p:cNvPr id="4" name="Slide Number Placeholder 3"/>
+          <p:cNvSpPr>
+            <a:spLocks noGrp="1"/>
+          </p:cNvSpPr>
+          <p:nvPr>
+            <p:ph type="sldNum" sz="quarter" idx="12"/>
+          </p:nvPr>
+        </p:nvSpPr>
+        <p:spPr/>
+        <p:txBody>
+          <a:bodyPr/>
+          <a:lstStyle/>
+          <a:p>
+            <a:fld id="{B8DACC02-A2BD-4578-8E03-6D891060A695}" type="slidenum">
+              <a:rPr lang="en-US" smtClean="0"/>
+              <a:pPr/>
+              <a:t>2</a:t>
+            </a:fld>
+            <a:endParaRPr lang="en-US" dirty="0"/>
+          </a:p>
+        </p:txBody>
+      </p:sp>
+    </p:spTree>
+    <p:extLst>
+      <p:ext uri="{BB962C8B-B14F-4D97-AF65-F5344CB8AC3E}">
+        <p14:creationId xmlns:p14="http://schemas.microsoft.com/office/powerpoint/2010/main" val="4056791088"/>
+      </p:ext>
+    </p:extLst>
+  </p:cSld>
+  <p:clrMapOvr>
+    <a:masterClrMapping/>
+  </p:clrMapOvr>
+</p:sld>
+</file>
+
+<file path=ppt/slides/slide20.xml><?xml version="1.0" encoding="utf-8"?>
+<p:sld xmlns:a="http://schemas.openxmlformats.org/drawingml/2006/main" xmlns:r="http://schemas.openxmlformats.org/officeDocument/2006/relationships" xmlns:p="http://schemas.openxmlformats.org/presentationml/2006/main">
+  <p:cSld>
+    <p:spTree>
+      <p:nvGrpSpPr>
+        <p:cNvPr id="1" name=""/>
+        <p:cNvGrpSpPr/>
+        <p:nvPr/>
+      </p:nvGrpSpPr>
+      <p:grpSpPr>
+        <a:xfrm>
+          <a:off x="0" y="0"/>
+          <a:ext cx="0" cy="0"/>
+          <a:chOff x="0" y="0"/>
+          <a:chExt cx="0" cy="0"/>
+        </a:xfrm>
+      </p:grpSpPr>
+      <p:sp>
+        <p:nvSpPr>
+          <p:cNvPr id="2" name="Title 1"/>
+          <p:cNvSpPr>
+            <a:spLocks noGrp="1"/>
+          </p:cNvSpPr>
+          <p:nvPr>
+            <p:ph type="title"/>
+          </p:nvPr>
+        </p:nvSpPr>
+        <p:spPr/>
+        <p:txBody>
+          <a:bodyPr/>
+          <a:lstStyle/>
+          <a:p>
+            <a:r>
+              <a:rPr lang="en-US" dirty="0"/>
               <a:t>Types of Investors and Their Expectations</a:t>
             </a:r>
           </a:p>
@@ -8781,31 +8897,22 @@
           <a:lstStyle/>
           <a:p>
             <a:r>
-              <a:rPr lang="en-US" dirty="0" smtClean="0"/>
+              <a:rPr lang="en-US" dirty="0"/>
               <a:t>VCs</a:t>
             </a:r>
           </a:p>
           <a:p>
             <a:pPr lvl="1"/>
             <a:r>
-              <a:rPr lang="en-US" dirty="0" smtClean="0"/>
-              <a:t>Venture </a:t>
-            </a:r>
-            <a:r>
-              <a:rPr lang="en-US" dirty="0"/>
-              <a:t>capitalists (VCs) invest capital in startups in exchange for equity and take an active role in the company's growth. </a:t>
-            </a:r>
-            <a:endParaRPr lang="en-US" dirty="0" smtClean="0"/>
+              <a:rPr lang="en-US" dirty="0"/>
+              <a:t>Venture capitalists (VCs) invest capital in startups in exchange for equity and take an active role in the company's growth. </a:t>
+            </a:r>
           </a:p>
           <a:p>
             <a:pPr lvl="1"/>
             <a:r>
-              <a:rPr lang="en-US" dirty="0" smtClean="0"/>
-              <a:t>They </a:t>
-            </a:r>
-            <a:r>
-              <a:rPr lang="en-US" dirty="0"/>
-              <a:t>have a high risk tolerance and expect a significant return on investment.</a:t>
+              <a:rPr lang="en-US" dirty="0"/>
+              <a:t>They have a high risk tolerance and expect a significant return on investment.</a:t>
             </a:r>
           </a:p>
         </p:txBody>
@@ -8828,7 +8935,7 @@
             <a:fld id="{B8DACC02-A2BD-4578-8E03-6D891060A695}" type="slidenum">
               <a:rPr lang="en-US" smtClean="0"/>
               <a:pPr/>
-              <a:t>19</a:t>
+              <a:t>20</a:t>
             </a:fld>
             <a:endParaRPr lang="en-US" dirty="0"/>
           </a:p>
@@ -8888,7 +8995,7 @@
 </p:sld>
 </file>
 
-<file path=ppt/slides/slide2.xml><?xml version="1.0" encoding="utf-8"?>
+<file path=ppt/slides/slide21.xml><?xml version="1.0" encoding="utf-8"?>
 <p:sld xmlns:a="http://schemas.openxmlformats.org/drawingml/2006/main" xmlns:r="http://schemas.openxmlformats.org/officeDocument/2006/relationships" xmlns:p="http://schemas.openxmlformats.org/presentationml/2006/main">
   <p:cSld>
     <p:spTree>
@@ -8917,14 +9024,15 @@
         </p:nvSpPr>
         <p:spPr/>
         <p:txBody>
-          <a:bodyPr/>
-          <a:lstStyle/>
-          <a:p>
-            <a:r>
-              <a:rPr lang="en-US" dirty="0" smtClean="0"/>
-              <a:t>Outline</a:t>
-            </a:r>
-            <a:endParaRPr lang="en-US" dirty="0"/>
+          <a:bodyPr>
+            <a:normAutofit fontScale="90000"/>
+          </a:bodyPr>
+          <a:lstStyle/>
+          <a:p>
+            <a:r>
+              <a:rPr lang="en-US" dirty="0"/>
+              <a:t> Importance of Understanding Investor Perspectives</a:t>
+            </a:r>
           </a:p>
         </p:txBody>
       </p:sp>
@@ -8944,61 +9052,15 @@
           <a:lstStyle/>
           <a:p>
             <a:r>
-              <a:rPr lang="en-US" dirty="0" smtClean="0"/>
-              <a:t>Overview</a:t>
-            </a:r>
-          </a:p>
-          <a:p>
-            <a:r>
-              <a:rPr lang="en-US" dirty="0"/>
-              <a:t>Crafting a Compelling </a:t>
-            </a:r>
-            <a:r>
-              <a:rPr lang="en-US" dirty="0" smtClean="0"/>
-              <a:t>Pitch</a:t>
-            </a:r>
-          </a:p>
-          <a:p>
-            <a:r>
-              <a:rPr lang="en-US" dirty="0"/>
-              <a:t>Investor Perspectives and </a:t>
-            </a:r>
-            <a:r>
-              <a:rPr lang="en-US" dirty="0" smtClean="0"/>
-              <a:t>Expectations</a:t>
-            </a:r>
-          </a:p>
-          <a:p>
-            <a:r>
-              <a:rPr lang="en-US" dirty="0" smtClean="0"/>
-              <a:t>Due </a:t>
-            </a:r>
-            <a:r>
-              <a:rPr lang="en-US" dirty="0"/>
-              <a:t>Diligence and </a:t>
-            </a:r>
-            <a:r>
-              <a:rPr lang="en-US" dirty="0" smtClean="0"/>
-              <a:t>Valuation</a:t>
-            </a:r>
-          </a:p>
-          <a:p>
-            <a:r>
-              <a:rPr lang="en-US" dirty="0" smtClean="0"/>
-              <a:t>Incubators </a:t>
-            </a:r>
-            <a:r>
-              <a:rPr lang="en-US" dirty="0"/>
-              <a:t>and </a:t>
-            </a:r>
-            <a:r>
-              <a:rPr lang="en-US" dirty="0" smtClean="0"/>
-              <a:t>Accelerators</a:t>
-            </a:r>
-            <a:endParaRPr lang="en-US" dirty="0" smtClean="0"/>
-          </a:p>
-          <a:p>
-            <a:endParaRPr lang="en-US" dirty="0"/>
+              <a:rPr lang="en-US" dirty="0"/>
+              <a:t>Understanding investor perspectives helps entrepreneurs tailor their pitch to the specific investor.</a:t>
+            </a:r>
+          </a:p>
+          <a:p>
+            <a:r>
+              <a:rPr lang="en-US" dirty="0"/>
+              <a:t>A well-crafted pitch that addresses investor concerns can increase the chances of securing funding.</a:t>
+            </a:r>
           </a:p>
         </p:txBody>
       </p:sp>
@@ -9020,118 +9082,7 @@
             <a:fld id="{B8DACC02-A2BD-4578-8E03-6D891060A695}" type="slidenum">
               <a:rPr lang="en-US" smtClean="0"/>
               <a:pPr/>
-              <a:t>2</a:t>
-            </a:fld>
-            <a:endParaRPr lang="en-US" dirty="0"/>
-          </a:p>
-        </p:txBody>
-      </p:sp>
-    </p:spTree>
-    <p:extLst>
-      <p:ext uri="{BB962C8B-B14F-4D97-AF65-F5344CB8AC3E}">
-        <p14:creationId xmlns:p14="http://schemas.microsoft.com/office/powerpoint/2010/main" val="4056791088"/>
-      </p:ext>
-    </p:extLst>
-  </p:cSld>
-  <p:clrMapOvr>
-    <a:masterClrMapping/>
-  </p:clrMapOvr>
-</p:sld>
-</file>
-
-<file path=ppt/slides/slide20.xml><?xml version="1.0" encoding="utf-8"?>
-<p:sld xmlns:a="http://schemas.openxmlformats.org/drawingml/2006/main" xmlns:r="http://schemas.openxmlformats.org/officeDocument/2006/relationships" xmlns:p="http://schemas.openxmlformats.org/presentationml/2006/main">
-  <p:cSld>
-    <p:spTree>
-      <p:nvGrpSpPr>
-        <p:cNvPr id="1" name=""/>
-        <p:cNvGrpSpPr/>
-        <p:nvPr/>
-      </p:nvGrpSpPr>
-      <p:grpSpPr>
-        <a:xfrm>
-          <a:off x="0" y="0"/>
-          <a:ext cx="0" cy="0"/>
-          <a:chOff x="0" y="0"/>
-          <a:chExt cx="0" cy="0"/>
-        </a:xfrm>
-      </p:grpSpPr>
-      <p:sp>
-        <p:nvSpPr>
-          <p:cNvPr id="2" name="Title 1"/>
-          <p:cNvSpPr>
-            <a:spLocks noGrp="1"/>
-          </p:cNvSpPr>
-          <p:nvPr>
-            <p:ph type="title"/>
-          </p:nvPr>
-        </p:nvSpPr>
-        <p:spPr/>
-        <p:txBody>
-          <a:bodyPr>
-            <a:normAutofit fontScale="90000"/>
-          </a:bodyPr>
-          <a:lstStyle/>
-          <a:p>
-            <a:r>
-              <a:rPr lang="en-US" dirty="0"/>
-              <a:t> Importance of Understanding Investor Perspectives</a:t>
-            </a:r>
-          </a:p>
-        </p:txBody>
-      </p:sp>
-      <p:sp>
-        <p:nvSpPr>
-          <p:cNvPr id="3" name="Content Placeholder 2"/>
-          <p:cNvSpPr>
-            <a:spLocks noGrp="1"/>
-          </p:cNvSpPr>
-          <p:nvPr>
-            <p:ph idx="1"/>
-          </p:nvPr>
-        </p:nvSpPr>
-        <p:spPr/>
-        <p:txBody>
-          <a:bodyPr/>
-          <a:lstStyle/>
-          <a:p>
-            <a:r>
-              <a:rPr lang="en-US" dirty="0"/>
-              <a:t>Understanding investor perspectives helps entrepreneurs tailor their pitch to the specific investor.</a:t>
-            </a:r>
-          </a:p>
-          <a:p>
-            <a:r>
-              <a:rPr lang="en-US" dirty="0"/>
-              <a:t>A well-crafted pitch that addresses investor concerns can increase the chances of securing funding</a:t>
-            </a:r>
-            <a:r>
-              <a:rPr lang="en-US" dirty="0" smtClean="0"/>
-              <a:t>.</a:t>
-            </a:r>
-            <a:endParaRPr lang="en-US" dirty="0"/>
-          </a:p>
-        </p:txBody>
-      </p:sp>
-      <p:sp>
-        <p:nvSpPr>
-          <p:cNvPr id="4" name="Slide Number Placeholder 3"/>
-          <p:cNvSpPr>
-            <a:spLocks noGrp="1"/>
-          </p:cNvSpPr>
-          <p:nvPr>
-            <p:ph type="sldNum" sz="quarter" idx="12"/>
-          </p:nvPr>
-        </p:nvSpPr>
-        <p:spPr/>
-        <p:txBody>
-          <a:bodyPr/>
-          <a:lstStyle/>
-          <a:p>
-            <a:fld id="{B8DACC02-A2BD-4578-8E03-6D891060A695}" type="slidenum">
-              <a:rPr lang="en-US" smtClean="0"/>
-              <a:pPr/>
-              <a:t>20</a:t>
+              <a:t>21</a:t>
             </a:fld>
             <a:endParaRPr lang="en-US" dirty="0"/>
           </a:p>
@@ -9191,121 +9142,6 @@
 </p:sld>
 </file>
 
-<file path=ppt/slides/slide21.xml><?xml version="1.0" encoding="utf-8"?>
-<p:sld xmlns:a="http://schemas.openxmlformats.org/drawingml/2006/main" xmlns:r="http://schemas.openxmlformats.org/officeDocument/2006/relationships" xmlns:p="http://schemas.openxmlformats.org/presentationml/2006/main">
-  <p:cSld>
-    <p:spTree>
-      <p:nvGrpSpPr>
-        <p:cNvPr id="1" name=""/>
-        <p:cNvGrpSpPr/>
-        <p:nvPr/>
-      </p:nvGrpSpPr>
-      <p:grpSpPr>
-        <a:xfrm>
-          <a:off x="0" y="0"/>
-          <a:ext cx="0" cy="0"/>
-          <a:chOff x="0" y="0"/>
-          <a:chExt cx="0" cy="0"/>
-        </a:xfrm>
-      </p:grpSpPr>
-      <p:sp>
-        <p:nvSpPr>
-          <p:cNvPr id="2" name="Title 1"/>
-          <p:cNvSpPr>
-            <a:spLocks noGrp="1"/>
-          </p:cNvSpPr>
-          <p:nvPr>
-            <p:ph type="title"/>
-          </p:nvPr>
-        </p:nvSpPr>
-        <p:spPr/>
-        <p:txBody>
-          <a:bodyPr/>
-          <a:lstStyle/>
-          <a:p>
-            <a:r>
-              <a:rPr lang="en-US" dirty="0"/>
-              <a:t>Meets Investor Expectations</a:t>
-            </a:r>
-          </a:p>
-        </p:txBody>
-      </p:sp>
-      <p:sp>
-        <p:nvSpPr>
-          <p:cNvPr id="3" name="Content Placeholder 2"/>
-          <p:cNvSpPr>
-            <a:spLocks noGrp="1"/>
-          </p:cNvSpPr>
-          <p:nvPr>
-            <p:ph idx="1"/>
-          </p:nvPr>
-        </p:nvSpPr>
-        <p:spPr/>
-        <p:txBody>
-          <a:bodyPr/>
-          <a:lstStyle/>
-          <a:p>
-            <a:r>
-              <a:rPr lang="en-US" dirty="0"/>
-              <a:t>Focus on the problem the startup is solving and the solution it offers.</a:t>
-            </a:r>
-          </a:p>
-          <a:p>
-            <a:r>
-              <a:rPr lang="en-US" dirty="0"/>
-              <a:t>Highlight the market opportunity and the startup's competitive advantage.</a:t>
-            </a:r>
-          </a:p>
-          <a:p>
-            <a:r>
-              <a:rPr lang="en-US" dirty="0"/>
-              <a:t>Emphasize the team's relevant skills and experience</a:t>
-            </a:r>
-            <a:r>
-              <a:rPr lang="en-US" dirty="0" smtClean="0"/>
-              <a:t>.</a:t>
-            </a:r>
-            <a:endParaRPr lang="en-US" dirty="0"/>
-          </a:p>
-        </p:txBody>
-      </p:sp>
-      <p:sp>
-        <p:nvSpPr>
-          <p:cNvPr id="4" name="Slide Number Placeholder 3"/>
-          <p:cNvSpPr>
-            <a:spLocks noGrp="1"/>
-          </p:cNvSpPr>
-          <p:nvPr>
-            <p:ph type="sldNum" sz="quarter" idx="12"/>
-          </p:nvPr>
-        </p:nvSpPr>
-        <p:spPr/>
-        <p:txBody>
-          <a:bodyPr/>
-          <a:lstStyle/>
-          <a:p>
-            <a:fld id="{B8DACC02-A2BD-4578-8E03-6D891060A695}" type="slidenum">
-              <a:rPr lang="en-US" smtClean="0"/>
-              <a:pPr/>
-              <a:t>21</a:t>
-            </a:fld>
-            <a:endParaRPr lang="en-US" dirty="0"/>
-          </a:p>
-        </p:txBody>
-      </p:sp>
-    </p:spTree>
-    <p:extLst>
-      <p:ext uri="{BB962C8B-B14F-4D97-AF65-F5344CB8AC3E}">
-        <p14:creationId xmlns:p14="http://schemas.microsoft.com/office/powerpoint/2010/main" val="3745380419"/>
-      </p:ext>
-    </p:extLst>
-  </p:cSld>
-  <p:clrMapOvr>
-    <a:masterClrMapping/>
-  </p:clrMapOvr>
-</p:sld>
-</file>
-
 <file path=ppt/slides/slide22.xml><?xml version="1.0" encoding="utf-8"?>
 <p:sld xmlns:a="http://schemas.openxmlformats.org/drawingml/2006/main" xmlns:r="http://schemas.openxmlformats.org/officeDocument/2006/relationships" xmlns:p="http://schemas.openxmlformats.org/presentationml/2006/main">
   <p:cSld>
@@ -9340,7 +9176,7 @@
           <a:p>
             <a:r>
               <a:rPr lang="en-US" dirty="0"/>
-              <a:t>Crowdfunding</a:t>
+              <a:t>Meets Investor Expectations</a:t>
             </a:r>
           </a:p>
         </p:txBody>
@@ -9361,32 +9197,20 @@
           <a:lstStyle/>
           <a:p>
             <a:r>
-              <a:rPr lang="en-US" dirty="0" smtClean="0"/>
-              <a:t>A </a:t>
-            </a:r>
-            <a:r>
-              <a:rPr lang="en-US" dirty="0"/>
-              <a:t>method of raising capital through small contributions from a large number of people, typically through an online platform.</a:t>
-            </a:r>
-          </a:p>
-          <a:p>
-            <a:r>
-              <a:rPr lang="en-US" dirty="0" smtClean="0"/>
-              <a:t>Crowdfunding </a:t>
-            </a:r>
-            <a:r>
-              <a:rPr lang="en-US" dirty="0"/>
-              <a:t>can provide valuable marketing and exposure for a startup, and it can help entrepreneurs validate their idea and build a community of supporters.</a:t>
-            </a:r>
-          </a:p>
-          <a:p>
-            <a:r>
-              <a:rPr lang="en-US" dirty="0" smtClean="0"/>
-              <a:t>Crowdfunding </a:t>
-            </a:r>
-            <a:r>
-              <a:rPr lang="en-US" dirty="0"/>
-              <a:t>may not provide enough capital to meet a startup's needs, and it can be time-consuming and resource-intensive.</a:t>
+              <a:rPr lang="en-US" dirty="0"/>
+              <a:t>Focus on the problem the startup is solving and the solution it offers.</a:t>
+            </a:r>
+          </a:p>
+          <a:p>
+            <a:r>
+              <a:rPr lang="en-US" dirty="0"/>
+              <a:t>Highlight the market opportunity and the startup's competitive advantage.</a:t>
+            </a:r>
+          </a:p>
+          <a:p>
+            <a:r>
+              <a:rPr lang="en-US" dirty="0"/>
+              <a:t>Emphasize the team's relevant skills and experience.</a:t>
             </a:r>
           </a:p>
         </p:txBody>
@@ -9410,6 +9234,116 @@
               <a:rPr lang="en-US" smtClean="0"/>
               <a:pPr/>
               <a:t>22</a:t>
+            </a:fld>
+            <a:endParaRPr lang="en-US" dirty="0"/>
+          </a:p>
+        </p:txBody>
+      </p:sp>
+    </p:spTree>
+    <p:extLst>
+      <p:ext uri="{BB962C8B-B14F-4D97-AF65-F5344CB8AC3E}">
+        <p14:creationId xmlns:p14="http://schemas.microsoft.com/office/powerpoint/2010/main" val="3745380419"/>
+      </p:ext>
+    </p:extLst>
+  </p:cSld>
+  <p:clrMapOvr>
+    <a:masterClrMapping/>
+  </p:clrMapOvr>
+</p:sld>
+</file>
+
+<file path=ppt/slides/slide23.xml><?xml version="1.0" encoding="utf-8"?>
+<p:sld xmlns:a="http://schemas.openxmlformats.org/drawingml/2006/main" xmlns:r="http://schemas.openxmlformats.org/officeDocument/2006/relationships" xmlns:p="http://schemas.openxmlformats.org/presentationml/2006/main">
+  <p:cSld>
+    <p:spTree>
+      <p:nvGrpSpPr>
+        <p:cNvPr id="1" name=""/>
+        <p:cNvGrpSpPr/>
+        <p:nvPr/>
+      </p:nvGrpSpPr>
+      <p:grpSpPr>
+        <a:xfrm>
+          <a:off x="0" y="0"/>
+          <a:ext cx="0" cy="0"/>
+          <a:chOff x="0" y="0"/>
+          <a:chExt cx="0" cy="0"/>
+        </a:xfrm>
+      </p:grpSpPr>
+      <p:sp>
+        <p:nvSpPr>
+          <p:cNvPr id="2" name="Title 1"/>
+          <p:cNvSpPr>
+            <a:spLocks noGrp="1"/>
+          </p:cNvSpPr>
+          <p:nvPr>
+            <p:ph type="title"/>
+          </p:nvPr>
+        </p:nvSpPr>
+        <p:spPr/>
+        <p:txBody>
+          <a:bodyPr/>
+          <a:lstStyle/>
+          <a:p>
+            <a:r>
+              <a:rPr lang="en-US" dirty="0"/>
+              <a:t>Crowdfunding</a:t>
+            </a:r>
+          </a:p>
+        </p:txBody>
+      </p:sp>
+      <p:sp>
+        <p:nvSpPr>
+          <p:cNvPr id="3" name="Content Placeholder 2"/>
+          <p:cNvSpPr>
+            <a:spLocks noGrp="1"/>
+          </p:cNvSpPr>
+          <p:nvPr>
+            <p:ph idx="1"/>
+          </p:nvPr>
+        </p:nvSpPr>
+        <p:spPr/>
+        <p:txBody>
+          <a:bodyPr/>
+          <a:lstStyle/>
+          <a:p>
+            <a:r>
+              <a:rPr lang="en-US" dirty="0"/>
+              <a:t>A method of raising capital through small contributions from a large number of people, typically through an online platform.</a:t>
+            </a:r>
+          </a:p>
+          <a:p>
+            <a:r>
+              <a:rPr lang="en-US" dirty="0"/>
+              <a:t>Crowdfunding can provide valuable marketing and exposure for a startup, and it can help entrepreneurs validate their idea and build a community of supporters.</a:t>
+            </a:r>
+          </a:p>
+          <a:p>
+            <a:r>
+              <a:rPr lang="en-US" dirty="0"/>
+              <a:t>Crowdfunding may not provide enough capital to meet a startup's needs, and it can be time-consuming and resource-intensive.</a:t>
+            </a:r>
+          </a:p>
+        </p:txBody>
+      </p:sp>
+      <p:sp>
+        <p:nvSpPr>
+          <p:cNvPr id="4" name="Slide Number Placeholder 3"/>
+          <p:cNvSpPr>
+            <a:spLocks noGrp="1"/>
+          </p:cNvSpPr>
+          <p:nvPr>
+            <p:ph type="sldNum" sz="quarter" idx="12"/>
+          </p:nvPr>
+        </p:nvSpPr>
+        <p:spPr/>
+        <p:txBody>
+          <a:bodyPr/>
+          <a:lstStyle/>
+          <a:p>
+            <a:fld id="{B8DACC02-A2BD-4578-8E03-6D891060A695}" type="slidenum">
+              <a:rPr lang="en-US" smtClean="0"/>
+              <a:pPr/>
+              <a:t>23</a:t>
             </a:fld>
             <a:endParaRPr lang="en-US" dirty="0"/>
           </a:p>
@@ -9469,7 +9403,7 @@
 </p:sld>
 </file>
 
-<file path=ppt/slides/slide23.xml><?xml version="1.0" encoding="utf-8"?>
+<file path=ppt/slides/slide24.xml><?xml version="1.0" encoding="utf-8"?>
 <p:sld xmlns:a="http://schemas.openxmlformats.org/drawingml/2006/main" xmlns:r="http://schemas.openxmlformats.org/officeDocument/2006/relationships" xmlns:p="http://schemas.openxmlformats.org/presentationml/2006/main">
   <p:cSld>
     <p:spTree>
@@ -9545,7 +9479,7 @@
             <a:fld id="{B8DACC02-A2BD-4578-8E03-6D891060A695}" type="slidenum">
               <a:rPr lang="en-US" smtClean="0"/>
               <a:pPr/>
-              <a:t>23</a:t>
+              <a:t>24</a:t>
             </a:fld>
             <a:endParaRPr lang="en-US" dirty="0"/>
           </a:p>
@@ -9603,120 +9537,6 @@
 </p:sld>
 </file>
 
-<file path=ppt/slides/slide24.xml><?xml version="1.0" encoding="utf-8"?>
-<p:sld xmlns:a="http://schemas.openxmlformats.org/drawingml/2006/main" xmlns:r="http://schemas.openxmlformats.org/officeDocument/2006/relationships" xmlns:p="http://schemas.openxmlformats.org/presentationml/2006/main">
-  <p:cSld>
-    <p:spTree>
-      <p:nvGrpSpPr>
-        <p:cNvPr id="1" name=""/>
-        <p:cNvGrpSpPr/>
-        <p:nvPr/>
-      </p:nvGrpSpPr>
-      <p:grpSpPr>
-        <a:xfrm>
-          <a:off x="0" y="0"/>
-          <a:ext cx="0" cy="0"/>
-          <a:chOff x="0" y="0"/>
-          <a:chExt cx="0" cy="0"/>
-        </a:xfrm>
-      </p:grpSpPr>
-      <p:sp>
-        <p:nvSpPr>
-          <p:cNvPr id="2" name="Title 1"/>
-          <p:cNvSpPr>
-            <a:spLocks noGrp="1"/>
-          </p:cNvSpPr>
-          <p:nvPr>
-            <p:ph type="title"/>
-          </p:nvPr>
-        </p:nvSpPr>
-        <p:spPr/>
-        <p:txBody>
-          <a:bodyPr/>
-          <a:lstStyle/>
-          <a:p>
-            <a:r>
-              <a:rPr lang="en-US" dirty="0"/>
-              <a:t>Final tips</a:t>
-            </a:r>
-          </a:p>
-        </p:txBody>
-      </p:sp>
-      <p:sp>
-        <p:nvSpPr>
-          <p:cNvPr id="3" name="Content Placeholder 2"/>
-          <p:cNvSpPr>
-            <a:spLocks noGrp="1"/>
-          </p:cNvSpPr>
-          <p:nvPr>
-            <p:ph idx="1"/>
-          </p:nvPr>
-        </p:nvSpPr>
-        <p:spPr/>
-        <p:txBody>
-          <a:bodyPr/>
-          <a:lstStyle/>
-          <a:p>
-            <a:r>
-              <a:rPr lang="en-US" dirty="0" smtClean="0"/>
-              <a:t>Research </a:t>
-            </a:r>
-            <a:r>
-              <a:rPr lang="en-US" dirty="0"/>
-              <a:t>the investor's interests and preferences before crafting a pitch.</a:t>
-            </a:r>
-          </a:p>
-          <a:p>
-            <a:r>
-              <a:rPr lang="en-US" dirty="0"/>
-              <a:t>Use storytelling techniques to engage the investor and make the pitch more memorable.</a:t>
-            </a:r>
-          </a:p>
-          <a:p>
-            <a:r>
-              <a:rPr lang="en-US" dirty="0"/>
-              <a:t>Anticipate questions and have a clear call to action.</a:t>
-            </a:r>
-          </a:p>
-        </p:txBody>
-      </p:sp>
-      <p:sp>
-        <p:nvSpPr>
-          <p:cNvPr id="4" name="Slide Number Placeholder 3"/>
-          <p:cNvSpPr>
-            <a:spLocks noGrp="1"/>
-          </p:cNvSpPr>
-          <p:nvPr>
-            <p:ph type="sldNum" sz="quarter" idx="12"/>
-          </p:nvPr>
-        </p:nvSpPr>
-        <p:spPr/>
-        <p:txBody>
-          <a:bodyPr/>
-          <a:lstStyle/>
-          <a:p>
-            <a:fld id="{B8DACC02-A2BD-4578-8E03-6D891060A695}" type="slidenum">
-              <a:rPr lang="en-US" smtClean="0"/>
-              <a:pPr/>
-              <a:t>24</a:t>
-            </a:fld>
-            <a:endParaRPr lang="en-US" dirty="0"/>
-          </a:p>
-        </p:txBody>
-      </p:sp>
-    </p:spTree>
-    <p:extLst>
-      <p:ext uri="{BB962C8B-B14F-4D97-AF65-F5344CB8AC3E}">
-        <p14:creationId xmlns:p14="http://schemas.microsoft.com/office/powerpoint/2010/main" val="2662691597"/>
-      </p:ext>
-    </p:extLst>
-  </p:cSld>
-  <p:clrMapOvr>
-    <a:masterClrMapping/>
-  </p:clrMapOvr>
-</p:sld>
-</file>
-
 <file path=ppt/slides/slide25.xml><?xml version="1.0" encoding="utf-8"?>
 <p:sld xmlns:a="http://schemas.openxmlformats.org/drawingml/2006/main" xmlns:r="http://schemas.openxmlformats.org/officeDocument/2006/relationships" xmlns:p="http://schemas.openxmlformats.org/presentationml/2006/main">
   <p:cSld>
@@ -9736,7 +9556,7 @@
       </p:grpSpPr>
       <p:sp>
         <p:nvSpPr>
-          <p:cNvPr id="5" name="Title 4"/>
+          <p:cNvPr id="2" name="Title 1"/>
           <p:cNvSpPr>
             <a:spLocks noGrp="1"/>
           </p:cNvSpPr>
@@ -9751,32 +9571,42 @@
           <a:p>
             <a:r>
               <a:rPr lang="en-US" dirty="0"/>
-              <a:t> Due </a:t>
-            </a:r>
-            <a:r>
-              <a:rPr lang="en-US" dirty="0" smtClean="0"/>
-              <a:t>Diligence and Valuation</a:t>
-            </a:r>
-            <a:endParaRPr lang="en-US" dirty="0"/>
-          </a:p>
-        </p:txBody>
-      </p:sp>
-      <p:sp>
-        <p:nvSpPr>
-          <p:cNvPr id="6" name="Text Placeholder 5"/>
-          <p:cNvSpPr>
-            <a:spLocks noGrp="1"/>
-          </p:cNvSpPr>
-          <p:nvPr>
-            <p:ph type="body" idx="1"/>
-          </p:nvPr>
-        </p:nvSpPr>
-        <p:spPr/>
-        <p:txBody>
-          <a:bodyPr/>
-          <a:lstStyle/>
-          <a:p>
-            <a:endParaRPr lang="en-US"/>
+              <a:t>Final tips</a:t>
+            </a:r>
+          </a:p>
+        </p:txBody>
+      </p:sp>
+      <p:sp>
+        <p:nvSpPr>
+          <p:cNvPr id="3" name="Content Placeholder 2"/>
+          <p:cNvSpPr>
+            <a:spLocks noGrp="1"/>
+          </p:cNvSpPr>
+          <p:nvPr>
+            <p:ph idx="1"/>
+          </p:nvPr>
+        </p:nvSpPr>
+        <p:spPr/>
+        <p:txBody>
+          <a:bodyPr/>
+          <a:lstStyle/>
+          <a:p>
+            <a:r>
+              <a:rPr lang="en-US" dirty="0"/>
+              <a:t>Research the investor's interests and preferences before crafting a pitch.</a:t>
+            </a:r>
+          </a:p>
+          <a:p>
+            <a:r>
+              <a:rPr lang="en-US" dirty="0"/>
+              <a:t>Use storytelling techniques to engage the investor and make the pitch more memorable.</a:t>
+            </a:r>
+          </a:p>
+          <a:p>
+            <a:r>
+              <a:rPr lang="en-US" dirty="0"/>
+              <a:t>Anticipate questions and have a clear call to action.</a:t>
+            </a:r>
           </a:p>
         </p:txBody>
       </p:sp>
@@ -9807,7 +9637,7 @@
     </p:spTree>
     <p:extLst>
       <p:ext uri="{BB962C8B-B14F-4D97-AF65-F5344CB8AC3E}">
-        <p14:creationId xmlns:p14="http://schemas.microsoft.com/office/powerpoint/2010/main" val="2221831318"/>
+        <p14:creationId xmlns:p14="http://schemas.microsoft.com/office/powerpoint/2010/main" val="2662691597"/>
       </p:ext>
     </p:extLst>
   </p:cSld>
@@ -9836,7 +9666,7 @@
       </p:grpSpPr>
       <p:sp>
         <p:nvSpPr>
-          <p:cNvPr id="2" name="Title 1"/>
+          <p:cNvPr id="5" name="Title 4"/>
           <p:cNvSpPr>
             <a:spLocks noGrp="1"/>
           </p:cNvSpPr>
@@ -9851,40 +9681,27 @@
           <a:p>
             <a:r>
               <a:rPr lang="en-US" dirty="0"/>
-              <a:t>Due Diligence Process</a:t>
-            </a:r>
-          </a:p>
-        </p:txBody>
-      </p:sp>
-      <p:sp>
-        <p:nvSpPr>
-          <p:cNvPr id="3" name="Content Placeholder 2"/>
-          <p:cNvSpPr>
-            <a:spLocks noGrp="1"/>
-          </p:cNvSpPr>
-          <p:nvPr>
-            <p:ph idx="1"/>
-          </p:nvPr>
-        </p:nvSpPr>
-        <p:spPr/>
-        <p:txBody>
-          <a:bodyPr/>
-          <a:lstStyle/>
-          <a:p>
-            <a:r>
-              <a:rPr lang="en-US" dirty="0"/>
-              <a:t>Due diligence is the process of conducting a thorough examination of a business or investment opportunity to confirm all facts and assess its potential for growth.</a:t>
-            </a:r>
-          </a:p>
-          <a:p>
-            <a:r>
-              <a:rPr lang="en-US" dirty="0" smtClean="0"/>
-              <a:t>Due </a:t>
-            </a:r>
-            <a:r>
-              <a:rPr lang="en-US" dirty="0"/>
-              <a:t>diligence is crucial for investors to make informed decisions and for entrepreneurs to secure funding.</a:t>
-            </a:r>
+              <a:t> Due Diligence and Valuation</a:t>
+            </a:r>
+          </a:p>
+        </p:txBody>
+      </p:sp>
+      <p:sp>
+        <p:nvSpPr>
+          <p:cNvPr id="6" name="Text Placeholder 5"/>
+          <p:cNvSpPr>
+            <a:spLocks noGrp="1"/>
+          </p:cNvSpPr>
+          <p:nvPr>
+            <p:ph type="body" idx="1"/>
+          </p:nvPr>
+        </p:nvSpPr>
+        <p:spPr/>
+        <p:txBody>
+          <a:bodyPr/>
+          <a:lstStyle/>
+          <a:p>
+            <a:endParaRPr lang="en-US"/>
           </a:p>
         </p:txBody>
       </p:sp>
@@ -9915,7 +9732,7 @@
     </p:spTree>
     <p:extLst>
       <p:ext uri="{BB962C8B-B14F-4D97-AF65-F5344CB8AC3E}">
-        <p14:creationId xmlns:p14="http://schemas.microsoft.com/office/powerpoint/2010/main" val="334524276"/>
+        <p14:creationId xmlns:p14="http://schemas.microsoft.com/office/powerpoint/2010/main" val="2221831318"/>
       </p:ext>
     </p:extLst>
   </p:cSld>
@@ -9959,7 +9776,7 @@
           <a:p>
             <a:r>
               <a:rPr lang="en-US" dirty="0"/>
-              <a:t>Key Items to Include in a Due Diligence Package</a:t>
+              <a:t>Due Diligence Process</a:t>
             </a:r>
           </a:p>
         </p:txBody>
@@ -9981,85 +9798,13 @@
           <a:p>
             <a:r>
               <a:rPr lang="en-US" dirty="0"/>
-              <a:t>Business </a:t>
-            </a:r>
-            <a:r>
-              <a:rPr lang="en-US" dirty="0" smtClean="0"/>
-              <a:t>plan</a:t>
-            </a:r>
-          </a:p>
-          <a:p>
-            <a:pPr lvl="1"/>
-            <a:r>
-              <a:rPr lang="en-US" dirty="0" smtClean="0"/>
-              <a:t>A </a:t>
-            </a:r>
-            <a:r>
-              <a:rPr lang="en-US" dirty="0"/>
-              <a:t>comprehensive plan outlining the business model, market opportunity, competitive landscape, and growth strategy.</a:t>
-            </a:r>
-          </a:p>
-          <a:p>
-            <a:r>
-              <a:rPr lang="en-US" dirty="0"/>
-              <a:t>Financial </a:t>
-            </a:r>
-            <a:r>
-              <a:rPr lang="en-US" dirty="0" smtClean="0"/>
-              <a:t>projections</a:t>
-            </a:r>
-          </a:p>
-          <a:p>
-            <a:pPr lvl="1"/>
-            <a:r>
-              <a:rPr lang="en-US" dirty="0" smtClean="0"/>
-              <a:t>Detailed </a:t>
-            </a:r>
-            <a:r>
-              <a:rPr lang="en-US" dirty="0"/>
-              <a:t>financial statements, including income statements, balance sheets, and cash flow statements.</a:t>
-            </a:r>
-          </a:p>
-          <a:p>
-            <a:r>
-              <a:rPr lang="en-US" dirty="0"/>
-              <a:t>Market </a:t>
-            </a:r>
-            <a:r>
-              <a:rPr lang="en-US" dirty="0" smtClean="0"/>
-              <a:t>research</a:t>
-            </a:r>
-          </a:p>
-          <a:p>
-            <a:pPr lvl="1"/>
-            <a:r>
-              <a:rPr lang="en-US" dirty="0" smtClean="0"/>
-              <a:t>Analysis </a:t>
-            </a:r>
-            <a:r>
-              <a:rPr lang="en-US" dirty="0"/>
-              <a:t>of the target market, including size, growth potential, and trends.</a:t>
-            </a:r>
-          </a:p>
-          <a:p>
-            <a:r>
-              <a:rPr lang="en-US" dirty="0"/>
-              <a:t>Legal </a:t>
-            </a:r>
-            <a:r>
-              <a:rPr lang="en-US" dirty="0" smtClean="0"/>
-              <a:t>documents</a:t>
-            </a:r>
-          </a:p>
-          <a:p>
-            <a:pPr lvl="1"/>
-            <a:r>
-              <a:rPr lang="en-US" dirty="0" smtClean="0"/>
-              <a:t>Copies </a:t>
-            </a:r>
-            <a:r>
-              <a:rPr lang="en-US" dirty="0"/>
-              <a:t>of all relevant legal documents, such as contracts, patents, and trademarks.</a:t>
+              <a:t>Due diligence is the process of conducting a thorough examination of a business or investment opportunity to confirm all facts and assess its potential for growth.</a:t>
+            </a:r>
+          </a:p>
+          <a:p>
+            <a:r>
+              <a:rPr lang="en-US" dirty="0"/>
+              <a:t>Due diligence is crucial for investors to make informed decisions and for entrepreneurs to secure funding.</a:t>
             </a:r>
           </a:p>
         </p:txBody>
@@ -10091,7 +9836,7 @@
     </p:spTree>
     <p:extLst>
       <p:ext uri="{BB962C8B-B14F-4D97-AF65-F5344CB8AC3E}">
-        <p14:creationId xmlns:p14="http://schemas.microsoft.com/office/powerpoint/2010/main" val="815546488"/>
+        <p14:creationId xmlns:p14="http://schemas.microsoft.com/office/powerpoint/2010/main" val="334524276"/>
       </p:ext>
     </p:extLst>
   </p:cSld>
@@ -10135,7 +9880,7 @@
           <a:p>
             <a:r>
               <a:rPr lang="en-US" dirty="0"/>
-              <a:t>Overview of Valuations and Term Sheets</a:t>
+              <a:t>Key Items to Include in a Due Diligence Package</a:t>
             </a:r>
           </a:p>
         </p:txBody>
@@ -10156,40 +9901,54 @@
           <a:lstStyle/>
           <a:p>
             <a:r>
-              <a:rPr lang="en-US" dirty="0" smtClean="0"/>
-              <a:t>Valuation</a:t>
+              <a:rPr lang="en-US" dirty="0"/>
+              <a:t>Business plan</a:t>
             </a:r>
           </a:p>
           <a:p>
             <a:pPr lvl="1"/>
             <a:r>
-              <a:rPr lang="en-US" dirty="0" smtClean="0"/>
-              <a:t>The </a:t>
-            </a:r>
-            <a:r>
-              <a:rPr lang="en-US" dirty="0"/>
-              <a:t>process of determining the economic value of a business or asset.</a:t>
-            </a:r>
-          </a:p>
-          <a:p>
-            <a:r>
-              <a:rPr lang="en-US" dirty="0"/>
-              <a:t>Term </a:t>
-            </a:r>
-            <a:r>
-              <a:rPr lang="en-US" dirty="0" smtClean="0"/>
-              <a:t>sheet</a:t>
+              <a:rPr lang="en-US" dirty="0"/>
+              <a:t>A comprehensive plan outlining the business model, market opportunity, competitive landscape, and growth strategy.</a:t>
+            </a:r>
+          </a:p>
+          <a:p>
+            <a:r>
+              <a:rPr lang="en-US" dirty="0"/>
+              <a:t>Financial projections</a:t>
             </a:r>
           </a:p>
           <a:p>
             <a:pPr lvl="1"/>
             <a:r>
-              <a:rPr lang="en-US" dirty="0" smtClean="0"/>
-              <a:t>A </a:t>
-            </a:r>
-            <a:r>
-              <a:rPr lang="en-US" dirty="0"/>
-              <a:t>non-binding agreement outlining the basic terms and conditions of a proposed investment.</a:t>
+              <a:rPr lang="en-US" dirty="0"/>
+              <a:t>Detailed financial statements, including income statements, balance sheets, and cash flow statements.</a:t>
+            </a:r>
+          </a:p>
+          <a:p>
+            <a:r>
+              <a:rPr lang="en-US" dirty="0"/>
+              <a:t>Market research</a:t>
+            </a:r>
+          </a:p>
+          <a:p>
+            <a:pPr lvl="1"/>
+            <a:r>
+              <a:rPr lang="en-US" dirty="0"/>
+              <a:t>Analysis of the target market, including size, growth potential, and trends.</a:t>
+            </a:r>
+          </a:p>
+          <a:p>
+            <a:r>
+              <a:rPr lang="en-US" dirty="0"/>
+              <a:t>Legal documents</a:t>
+            </a:r>
+          </a:p>
+          <a:p>
+            <a:pPr lvl="1"/>
+            <a:r>
+              <a:rPr lang="en-US" dirty="0"/>
+              <a:t>Copies of all relevant legal documents, such as contracts, patents, and trademarks.</a:t>
             </a:r>
           </a:p>
         </p:txBody>
@@ -10221,7 +9980,7 @@
     </p:spTree>
     <p:extLst>
       <p:ext uri="{BB962C8B-B14F-4D97-AF65-F5344CB8AC3E}">
-        <p14:creationId xmlns:p14="http://schemas.microsoft.com/office/powerpoint/2010/main" val="1141293993"/>
+        <p14:creationId xmlns:p14="http://schemas.microsoft.com/office/powerpoint/2010/main" val="815546488"/>
       </p:ext>
     </p:extLst>
   </p:cSld>
@@ -10260,14 +10019,12 @@
         </p:nvSpPr>
         <p:spPr/>
         <p:txBody>
-          <a:bodyPr>
-            <a:normAutofit fontScale="90000"/>
-          </a:bodyPr>
-          <a:lstStyle/>
-          <a:p>
-            <a:r>
-              <a:rPr lang="en-US" dirty="0"/>
-              <a:t>Importance of Understanding Terms and Conditions</a:t>
+          <a:bodyPr/>
+          <a:lstStyle/>
+          <a:p>
+            <a:r>
+              <a:rPr lang="en-US" dirty="0"/>
+              <a:t>Overview of Valuations and Term Sheets</a:t>
             </a:r>
           </a:p>
         </p:txBody>
@@ -10289,13 +10046,27 @@
           <a:p>
             <a:r>
               <a:rPr lang="en-US" dirty="0"/>
-              <a:t>Understanding the terms and conditions of funding agreements is crucial for entrepreneurs to avoid misunderstandings and ensure they receive the funding they need.</a:t>
-            </a:r>
-          </a:p>
-          <a:p>
-            <a:r>
-              <a:rPr lang="en-US" dirty="0"/>
-              <a:t>Key terms to focus on include valuation, equity ownership, board representation, and liquidation preferences.</a:t>
+              <a:t>Valuation</a:t>
+            </a:r>
+          </a:p>
+          <a:p>
+            <a:pPr lvl="1"/>
+            <a:r>
+              <a:rPr lang="en-US" dirty="0"/>
+              <a:t>The process of determining the economic value of a business or asset.</a:t>
+            </a:r>
+          </a:p>
+          <a:p>
+            <a:r>
+              <a:rPr lang="en-US" dirty="0"/>
+              <a:t>Term sheet</a:t>
+            </a:r>
+          </a:p>
+          <a:p>
+            <a:pPr lvl="1"/>
+            <a:r>
+              <a:rPr lang="en-US" dirty="0"/>
+              <a:t>A non-binding agreement outlining the basic terms and conditions of a proposed investment.</a:t>
             </a:r>
           </a:p>
         </p:txBody>
@@ -10327,7 +10098,7 @@
     </p:spTree>
     <p:extLst>
       <p:ext uri="{BB962C8B-B14F-4D97-AF65-F5344CB8AC3E}">
-        <p14:creationId xmlns:p14="http://schemas.microsoft.com/office/powerpoint/2010/main" val="993812852"/>
+        <p14:creationId xmlns:p14="http://schemas.microsoft.com/office/powerpoint/2010/main" val="1141293993"/>
       </p:ext>
     </p:extLst>
   </p:cSld>
@@ -10370,10 +10141,9 @@
           <a:lstStyle/>
           <a:p>
             <a:r>
-              <a:rPr lang="en-US" dirty="0" smtClean="0"/>
+              <a:rPr lang="en-US" dirty="0"/>
               <a:t>Overview</a:t>
             </a:r>
-            <a:endParaRPr lang="en-US" dirty="0"/>
           </a:p>
         </p:txBody>
       </p:sp>
@@ -10430,13 +10200,6 @@
   <p:clrMapOvr>
     <a:masterClrMapping/>
   </p:clrMapOvr>
-  <p:timing>
-    <p:tnLst>
-      <p:par>
-        <p:cTn id="1" dur="indefinite" restart="never" nodeType="tmRoot"/>
-      </p:par>
-    </p:tnLst>
-  </p:timing>
 </p:sld>
 </file>
 
@@ -10469,12 +10232,14 @@
         </p:nvSpPr>
         <p:spPr/>
         <p:txBody>
-          <a:bodyPr/>
-          <a:lstStyle/>
-          <a:p>
-            <a:r>
-              <a:rPr lang="en-US" dirty="0"/>
-              <a:t>Factors that Contributed to Success</a:t>
+          <a:bodyPr>
+            <a:normAutofit fontScale="90000"/>
+          </a:bodyPr>
+          <a:lstStyle/>
+          <a:p>
+            <a:r>
+              <a:rPr lang="en-US" dirty="0"/>
+              <a:t>Importance of Understanding Terms and Conditions</a:t>
             </a:r>
           </a:p>
         </p:txBody>
@@ -10496,33 +10261,14 @@
           <a:p>
             <a:r>
               <a:rPr lang="en-US" dirty="0"/>
-              <a:t>Strong </a:t>
-            </a:r>
-            <a:r>
-              <a:rPr lang="en-US" dirty="0" smtClean="0"/>
-              <a:t>leadership</a:t>
-            </a:r>
-          </a:p>
-          <a:p>
-            <a:r>
-              <a:rPr lang="en-US" dirty="0" smtClean="0"/>
-              <a:t>Innovative </a:t>
-            </a:r>
-            <a:r>
-              <a:rPr lang="en-US" dirty="0"/>
-              <a:t>products or </a:t>
-            </a:r>
-            <a:r>
-              <a:rPr lang="en-US" dirty="0" smtClean="0"/>
-              <a:t>services</a:t>
-            </a:r>
-          </a:p>
-          <a:p>
-            <a:r>
-              <a:rPr lang="en-US" dirty="0" smtClean="0"/>
-              <a:t>Market timing</a:t>
-            </a:r>
-            <a:endParaRPr lang="en-US" dirty="0"/>
+              <a:t>Understanding the terms and conditions of funding agreements is crucial for entrepreneurs to avoid misunderstandings and ensure they receive the funding they need.</a:t>
+            </a:r>
+          </a:p>
+          <a:p>
+            <a:r>
+              <a:rPr lang="en-US" dirty="0"/>
+              <a:t>Key terms to focus on include valuation, equity ownership, board representation, and liquidation preferences.</a:t>
+            </a:r>
           </a:p>
         </p:txBody>
       </p:sp>
@@ -10553,7 +10299,7 @@
     </p:spTree>
     <p:extLst>
       <p:ext uri="{BB962C8B-B14F-4D97-AF65-F5344CB8AC3E}">
-        <p14:creationId xmlns:p14="http://schemas.microsoft.com/office/powerpoint/2010/main" val="3881086945"/>
+        <p14:creationId xmlns:p14="http://schemas.microsoft.com/office/powerpoint/2010/main" val="993812852"/>
       </p:ext>
     </p:extLst>
   </p:cSld>
@@ -10582,7 +10328,7 @@
       </p:grpSpPr>
       <p:sp>
         <p:nvSpPr>
-          <p:cNvPr id="5" name="Title 4"/>
+          <p:cNvPr id="2" name="Title 1"/>
           <p:cNvSpPr>
             <a:spLocks noGrp="1"/>
           </p:cNvSpPr>
@@ -10597,32 +10343,42 @@
           <a:p>
             <a:r>
               <a:rPr lang="en-US" dirty="0"/>
-              <a:t>Incubators and </a:t>
-            </a:r>
-            <a:r>
-              <a:rPr lang="en-US" dirty="0" smtClean="0"/>
-              <a:t>Accelerators</a:t>
-            </a:r>
-            <a:endParaRPr lang="en-US" dirty="0"/>
-          </a:p>
-        </p:txBody>
-      </p:sp>
-      <p:sp>
-        <p:nvSpPr>
-          <p:cNvPr id="6" name="Text Placeholder 5"/>
-          <p:cNvSpPr>
-            <a:spLocks noGrp="1"/>
-          </p:cNvSpPr>
-          <p:nvPr>
-            <p:ph type="body" idx="1"/>
-          </p:nvPr>
-        </p:nvSpPr>
-        <p:spPr/>
-        <p:txBody>
-          <a:bodyPr/>
-          <a:lstStyle/>
-          <a:p>
-            <a:endParaRPr lang="en-US"/>
+              <a:t>Factors that Contributed to Success</a:t>
+            </a:r>
+          </a:p>
+        </p:txBody>
+      </p:sp>
+      <p:sp>
+        <p:nvSpPr>
+          <p:cNvPr id="3" name="Content Placeholder 2"/>
+          <p:cNvSpPr>
+            <a:spLocks noGrp="1"/>
+          </p:cNvSpPr>
+          <p:nvPr>
+            <p:ph idx="1"/>
+          </p:nvPr>
+        </p:nvSpPr>
+        <p:spPr/>
+        <p:txBody>
+          <a:bodyPr/>
+          <a:lstStyle/>
+          <a:p>
+            <a:r>
+              <a:rPr lang="en-US" dirty="0"/>
+              <a:t>Strong leadership</a:t>
+            </a:r>
+          </a:p>
+          <a:p>
+            <a:r>
+              <a:rPr lang="en-US" dirty="0"/>
+              <a:t>Innovative products or services</a:t>
+            </a:r>
+          </a:p>
+          <a:p>
+            <a:r>
+              <a:rPr lang="en-US" dirty="0"/>
+              <a:t>Market timing</a:t>
+            </a:r>
           </a:p>
         </p:txBody>
       </p:sp>
@@ -10653,7 +10409,7 @@
     </p:spTree>
     <p:extLst>
       <p:ext uri="{BB962C8B-B14F-4D97-AF65-F5344CB8AC3E}">
-        <p14:creationId xmlns:p14="http://schemas.microsoft.com/office/powerpoint/2010/main" val="3037168298"/>
+        <p14:creationId xmlns:p14="http://schemas.microsoft.com/office/powerpoint/2010/main" val="3881086945"/>
       </p:ext>
     </p:extLst>
   </p:cSld>
@@ -10682,7 +10438,7 @@
       </p:grpSpPr>
       <p:sp>
         <p:nvSpPr>
-          <p:cNvPr id="2" name="Title 1"/>
+          <p:cNvPr id="5" name="Title 4"/>
           <p:cNvSpPr>
             <a:spLocks noGrp="1"/>
           </p:cNvSpPr>
@@ -10699,6 +10455,25 @@
               <a:rPr lang="en-US" dirty="0"/>
               <a:t>Incubators and Accelerators</a:t>
             </a:r>
+          </a:p>
+        </p:txBody>
+      </p:sp>
+      <p:sp>
+        <p:nvSpPr>
+          <p:cNvPr id="6" name="Text Placeholder 5"/>
+          <p:cNvSpPr>
+            <a:spLocks noGrp="1"/>
+          </p:cNvSpPr>
+          <p:nvPr>
+            <p:ph type="body" idx="1"/>
+          </p:nvPr>
+        </p:nvSpPr>
+        <p:spPr/>
+        <p:txBody>
+          <a:bodyPr/>
+          <a:lstStyle/>
+          <a:p>
+            <a:endParaRPr lang="en-US"/>
           </a:p>
         </p:txBody>
       </p:sp>
@@ -10721,6 +10496,82 @@
               <a:rPr lang="en-US" smtClean="0"/>
               <a:pPr/>
               <a:t>32</a:t>
+            </a:fld>
+            <a:endParaRPr lang="en-US" dirty="0"/>
+          </a:p>
+        </p:txBody>
+      </p:sp>
+    </p:spTree>
+    <p:extLst>
+      <p:ext uri="{BB962C8B-B14F-4D97-AF65-F5344CB8AC3E}">
+        <p14:creationId xmlns:p14="http://schemas.microsoft.com/office/powerpoint/2010/main" val="3037168298"/>
+      </p:ext>
+    </p:extLst>
+  </p:cSld>
+  <p:clrMapOvr>
+    <a:masterClrMapping/>
+  </p:clrMapOvr>
+</p:sld>
+</file>
+
+<file path=ppt/slides/slide33.xml><?xml version="1.0" encoding="utf-8"?>
+<p:sld xmlns:a="http://schemas.openxmlformats.org/drawingml/2006/main" xmlns:r="http://schemas.openxmlformats.org/officeDocument/2006/relationships" xmlns:p="http://schemas.openxmlformats.org/presentationml/2006/main">
+  <p:cSld>
+    <p:spTree>
+      <p:nvGrpSpPr>
+        <p:cNvPr id="1" name=""/>
+        <p:cNvGrpSpPr/>
+        <p:nvPr/>
+      </p:nvGrpSpPr>
+      <p:grpSpPr>
+        <a:xfrm>
+          <a:off x="0" y="0"/>
+          <a:ext cx="0" cy="0"/>
+          <a:chOff x="0" y="0"/>
+          <a:chExt cx="0" cy="0"/>
+        </a:xfrm>
+      </p:grpSpPr>
+      <p:sp>
+        <p:nvSpPr>
+          <p:cNvPr id="2" name="Title 1"/>
+          <p:cNvSpPr>
+            <a:spLocks noGrp="1"/>
+          </p:cNvSpPr>
+          <p:nvPr>
+            <p:ph type="title"/>
+          </p:nvPr>
+        </p:nvSpPr>
+        <p:spPr/>
+        <p:txBody>
+          <a:bodyPr/>
+          <a:lstStyle/>
+          <a:p>
+            <a:r>
+              <a:rPr lang="en-US" dirty="0"/>
+              <a:t>Incubators and Accelerators</a:t>
+            </a:r>
+          </a:p>
+        </p:txBody>
+      </p:sp>
+      <p:sp>
+        <p:nvSpPr>
+          <p:cNvPr id="4" name="Slide Number Placeholder 3"/>
+          <p:cNvSpPr>
+            <a:spLocks noGrp="1"/>
+          </p:cNvSpPr>
+          <p:nvPr>
+            <p:ph type="sldNum" sz="quarter" idx="12"/>
+          </p:nvPr>
+        </p:nvSpPr>
+        <p:spPr/>
+        <p:txBody>
+          <a:bodyPr/>
+          <a:lstStyle/>
+          <a:p>
+            <a:fld id="{B8DACC02-A2BD-4578-8E03-6D891060A695}" type="slidenum">
+              <a:rPr lang="en-US" smtClean="0"/>
+              <a:pPr/>
+              <a:t>33</a:t>
             </a:fld>
             <a:endParaRPr lang="en-US" dirty="0"/>
           </a:p>
@@ -10780,118 +10631,6 @@
 </p:sld>
 </file>
 
-<file path=ppt/slides/slide33.xml><?xml version="1.0" encoding="utf-8"?>
-<p:sld xmlns:a="http://schemas.openxmlformats.org/drawingml/2006/main" xmlns:r="http://schemas.openxmlformats.org/officeDocument/2006/relationships" xmlns:p="http://schemas.openxmlformats.org/presentationml/2006/main">
-  <p:cSld>
-    <p:spTree>
-      <p:nvGrpSpPr>
-        <p:cNvPr id="1" name=""/>
-        <p:cNvGrpSpPr/>
-        <p:nvPr/>
-      </p:nvGrpSpPr>
-      <p:grpSpPr>
-        <a:xfrm>
-          <a:off x="0" y="0"/>
-          <a:ext cx="0" cy="0"/>
-          <a:chOff x="0" y="0"/>
-          <a:chExt cx="0" cy="0"/>
-        </a:xfrm>
-      </p:grpSpPr>
-      <p:sp>
-        <p:nvSpPr>
-          <p:cNvPr id="2" name="Title 1"/>
-          <p:cNvSpPr>
-            <a:spLocks noGrp="1"/>
-          </p:cNvSpPr>
-          <p:nvPr>
-            <p:ph type="title"/>
-          </p:nvPr>
-        </p:nvSpPr>
-        <p:spPr/>
-        <p:txBody>
-          <a:bodyPr/>
-          <a:lstStyle/>
-          <a:p>
-            <a:r>
-              <a:rPr lang="en-US" dirty="0"/>
-              <a:t>Incubators and Accelerators</a:t>
-            </a:r>
-          </a:p>
-        </p:txBody>
-      </p:sp>
-      <p:sp>
-        <p:nvSpPr>
-          <p:cNvPr id="3" name="Content Placeholder 2"/>
-          <p:cNvSpPr>
-            <a:spLocks noGrp="1"/>
-          </p:cNvSpPr>
-          <p:nvPr>
-            <p:ph idx="1"/>
-          </p:nvPr>
-        </p:nvSpPr>
-        <p:spPr/>
-        <p:txBody>
-          <a:bodyPr/>
-          <a:lstStyle/>
-          <a:p>
-            <a:r>
-              <a:rPr lang="en-US" dirty="0" smtClean="0"/>
-              <a:t>Incubators </a:t>
-            </a:r>
-            <a:r>
-              <a:rPr lang="en-US" dirty="0"/>
-              <a:t>and accelerators are programs designed to support early-stage startups and help them grow and succeed.</a:t>
-            </a:r>
-          </a:p>
-          <a:p>
-            <a:r>
-              <a:rPr lang="en-US" dirty="0" smtClean="0"/>
-              <a:t>Incubators </a:t>
-            </a:r>
-            <a:r>
-              <a:rPr lang="en-US" dirty="0"/>
-              <a:t>focus on nurturing startups in their early stages, while accelerators provide a more structured program with a fixed duration and a focus on scaling.</a:t>
-            </a:r>
-          </a:p>
-        </p:txBody>
-      </p:sp>
-      <p:sp>
-        <p:nvSpPr>
-          <p:cNvPr id="4" name="Slide Number Placeholder 3"/>
-          <p:cNvSpPr>
-            <a:spLocks noGrp="1"/>
-          </p:cNvSpPr>
-          <p:nvPr>
-            <p:ph type="sldNum" sz="quarter" idx="12"/>
-          </p:nvPr>
-        </p:nvSpPr>
-        <p:spPr/>
-        <p:txBody>
-          <a:bodyPr/>
-          <a:lstStyle/>
-          <a:p>
-            <a:fld id="{B8DACC02-A2BD-4578-8E03-6D891060A695}" type="slidenum">
-              <a:rPr lang="en-US" smtClean="0"/>
-              <a:pPr/>
-              <a:t>33</a:t>
-            </a:fld>
-            <a:endParaRPr lang="en-US" dirty="0"/>
-          </a:p>
-        </p:txBody>
-      </p:sp>
-    </p:spTree>
-    <p:extLst>
-      <p:ext uri="{BB962C8B-B14F-4D97-AF65-F5344CB8AC3E}">
-        <p14:creationId xmlns:p14="http://schemas.microsoft.com/office/powerpoint/2010/main" val="3389040952"/>
-      </p:ext>
-    </p:extLst>
-  </p:cSld>
-  <p:clrMapOvr>
-    <a:masterClrMapping/>
-  </p:clrMapOvr>
-</p:sld>
-</file>
-
 <file path=ppt/slides/slide34.xml><?xml version="1.0" encoding="utf-8"?>
 <p:sld xmlns:a="http://schemas.openxmlformats.org/drawingml/2006/main" xmlns:r="http://schemas.openxmlformats.org/officeDocument/2006/relationships" xmlns:p="http://schemas.openxmlformats.org/presentationml/2006/main">
   <p:cSld>
@@ -10924,7 +10663,114 @@
           <a:bodyPr/>
           <a:lstStyle/>
           <a:p>
-            <a:endParaRPr lang="en-US"/>
+            <a:r>
+              <a:rPr lang="en-US" dirty="0"/>
+              <a:t>Incubators and Accelerators</a:t>
+            </a:r>
+          </a:p>
+        </p:txBody>
+      </p:sp>
+      <p:sp>
+        <p:nvSpPr>
+          <p:cNvPr id="3" name="Content Placeholder 2"/>
+          <p:cNvSpPr>
+            <a:spLocks noGrp="1"/>
+          </p:cNvSpPr>
+          <p:nvPr>
+            <p:ph idx="1"/>
+          </p:nvPr>
+        </p:nvSpPr>
+        <p:spPr/>
+        <p:txBody>
+          <a:bodyPr/>
+          <a:lstStyle/>
+          <a:p>
+            <a:r>
+              <a:rPr lang="en-US" dirty="0"/>
+              <a:t>Incubators and accelerators are programs designed to support early-stage startups and help them grow and succeed.</a:t>
+            </a:r>
+          </a:p>
+          <a:p>
+            <a:r>
+              <a:rPr lang="en-US" dirty="0"/>
+              <a:t>Incubators focus on nurturing startups in their early stages, while accelerators provide a more structured program with a fixed duration and a focus on scaling.</a:t>
+            </a:r>
+          </a:p>
+        </p:txBody>
+      </p:sp>
+      <p:sp>
+        <p:nvSpPr>
+          <p:cNvPr id="4" name="Slide Number Placeholder 3"/>
+          <p:cNvSpPr>
+            <a:spLocks noGrp="1"/>
+          </p:cNvSpPr>
+          <p:nvPr>
+            <p:ph type="sldNum" sz="quarter" idx="12"/>
+          </p:nvPr>
+        </p:nvSpPr>
+        <p:spPr/>
+        <p:txBody>
+          <a:bodyPr/>
+          <a:lstStyle/>
+          <a:p>
+            <a:fld id="{B8DACC02-A2BD-4578-8E03-6D891060A695}" type="slidenum">
+              <a:rPr lang="en-US" smtClean="0"/>
+              <a:pPr/>
+              <a:t>34</a:t>
+            </a:fld>
+            <a:endParaRPr lang="en-US" dirty="0"/>
+          </a:p>
+        </p:txBody>
+      </p:sp>
+    </p:spTree>
+    <p:extLst>
+      <p:ext uri="{BB962C8B-B14F-4D97-AF65-F5344CB8AC3E}">
+        <p14:creationId xmlns:p14="http://schemas.microsoft.com/office/powerpoint/2010/main" val="3389040952"/>
+      </p:ext>
+    </p:extLst>
+  </p:cSld>
+  <p:clrMapOvr>
+    <a:masterClrMapping/>
+  </p:clrMapOvr>
+</p:sld>
+</file>
+
+<file path=ppt/slides/slide35.xml><?xml version="1.0" encoding="utf-8"?>
+<p:sld xmlns:a="http://schemas.openxmlformats.org/drawingml/2006/main" xmlns:r="http://schemas.openxmlformats.org/officeDocument/2006/relationships" xmlns:p="http://schemas.openxmlformats.org/presentationml/2006/main">
+  <p:cSld>
+    <p:spTree>
+      <p:nvGrpSpPr>
+        <p:cNvPr id="1" name=""/>
+        <p:cNvGrpSpPr/>
+        <p:nvPr/>
+      </p:nvGrpSpPr>
+      <p:grpSpPr>
+        <a:xfrm>
+          <a:off x="0" y="0"/>
+          <a:ext cx="0" cy="0"/>
+          <a:chOff x="0" y="0"/>
+          <a:chExt cx="0" cy="0"/>
+        </a:xfrm>
+      </p:grpSpPr>
+      <p:sp>
+        <p:nvSpPr>
+          <p:cNvPr id="2" name="Title 1"/>
+          <p:cNvSpPr>
+            <a:spLocks noGrp="1"/>
+          </p:cNvSpPr>
+          <p:nvPr>
+            <p:ph type="title"/>
+          </p:nvPr>
+        </p:nvSpPr>
+        <p:spPr/>
+        <p:txBody>
+          <a:bodyPr/>
+          <a:lstStyle/>
+          <a:p>
+            <a:r>
+              <a:rPr lang="en-US" dirty="0"/>
+              <a:t>Incubators and Accelerators</a:t>
+            </a:r>
           </a:p>
         </p:txBody>
       </p:sp>
@@ -10949,30 +10795,14 @@
           <a:lstStyle/>
           <a:p>
             <a:r>
-              <a:rPr lang="en-US" dirty="0" smtClean="0"/>
-              <a:t>Incubators </a:t>
-            </a:r>
-            <a:r>
-              <a:rPr lang="en-US" dirty="0"/>
-              <a:t>focus on nurturing startups in their early </a:t>
-            </a:r>
-            <a:r>
-              <a:rPr lang="en-US" dirty="0" smtClean="0"/>
-              <a:t>stages</a:t>
-            </a:r>
-          </a:p>
-          <a:p>
-            <a:r>
-              <a:rPr lang="en-US" dirty="0"/>
-              <a:t>A</a:t>
-            </a:r>
-            <a:r>
-              <a:rPr lang="en-US" dirty="0" smtClean="0"/>
-              <a:t>ccelerators </a:t>
-            </a:r>
-            <a:r>
-              <a:rPr lang="en-US" dirty="0"/>
-              <a:t>provide a more structured program with a fixed duration and a focus on scaling.</a:t>
+              <a:rPr lang="en-US" dirty="0"/>
+              <a:t>Incubators focus on nurturing startups in their early stages</a:t>
+            </a:r>
+          </a:p>
+          <a:p>
+            <a:r>
+              <a:rPr lang="en-US" dirty="0"/>
+              <a:t>Accelerators provide a more structured program with a fixed duration and a focus on scaling.</a:t>
             </a:r>
           </a:p>
         </p:txBody>
@@ -10995,7 +10825,7 @@
             <a:fld id="{B8DACC02-A2BD-4578-8E03-6D891060A695}" type="slidenum">
               <a:rPr lang="en-US" smtClean="0"/>
               <a:pPr/>
-              <a:t>34</a:t>
+              <a:t>35</a:t>
             </a:fld>
             <a:endParaRPr lang="en-US" dirty="0"/>
           </a:p>
@@ -11053,172 +10883,6 @@
 </p:sld>
 </file>
 
-<file path=ppt/slides/slide35.xml><?xml version="1.0" encoding="utf-8"?>
-<p:sld xmlns:a="http://schemas.openxmlformats.org/drawingml/2006/main" xmlns:r="http://schemas.openxmlformats.org/officeDocument/2006/relationships" xmlns:p="http://schemas.openxmlformats.org/presentationml/2006/main">
-  <p:cSld>
-    <p:spTree>
-      <p:nvGrpSpPr>
-        <p:cNvPr id="1" name=""/>
-        <p:cNvGrpSpPr/>
-        <p:nvPr/>
-      </p:nvGrpSpPr>
-      <p:grpSpPr>
-        <a:xfrm>
-          <a:off x="0" y="0"/>
-          <a:ext cx="0" cy="0"/>
-          <a:chOff x="0" y="0"/>
-          <a:chExt cx="0" cy="0"/>
-        </a:xfrm>
-      </p:grpSpPr>
-      <p:sp>
-        <p:nvSpPr>
-          <p:cNvPr id="2" name="Title 1"/>
-          <p:cNvSpPr>
-            <a:spLocks noGrp="1"/>
-          </p:cNvSpPr>
-          <p:nvPr>
-            <p:ph type="title"/>
-          </p:nvPr>
-        </p:nvSpPr>
-        <p:spPr/>
-        <p:txBody>
-          <a:bodyPr/>
-          <a:lstStyle/>
-          <a:p>
-            <a:r>
-              <a:rPr lang="en-US" dirty="0" smtClean="0"/>
-              <a:t>Types </a:t>
-            </a:r>
-            <a:r>
-              <a:rPr lang="en-US" dirty="0"/>
-              <a:t>of Incubators and Accelerators</a:t>
-            </a:r>
-          </a:p>
-        </p:txBody>
-      </p:sp>
-      <p:sp>
-        <p:nvSpPr>
-          <p:cNvPr id="3" name="Content Placeholder 2"/>
-          <p:cNvSpPr>
-            <a:spLocks noGrp="1"/>
-          </p:cNvSpPr>
-          <p:nvPr>
-            <p:ph idx="1"/>
-          </p:nvPr>
-        </p:nvSpPr>
-        <p:spPr/>
-        <p:txBody>
-          <a:bodyPr/>
-          <a:lstStyle/>
-          <a:p>
-            <a:r>
-              <a:rPr lang="en-US" dirty="0"/>
-              <a:t>Incubators:</a:t>
-            </a:r>
-          </a:p>
-          <a:p>
-            <a:pPr lvl="1"/>
-            <a:r>
-              <a:rPr lang="en-US" dirty="0"/>
-              <a:t>University-based incubators</a:t>
-            </a:r>
-          </a:p>
-          <a:p>
-            <a:pPr lvl="1"/>
-            <a:r>
-              <a:rPr lang="en-US" dirty="0"/>
-              <a:t>Independent incubators</a:t>
-            </a:r>
-          </a:p>
-          <a:p>
-            <a:pPr lvl="1"/>
-            <a:r>
-              <a:rPr lang="en-US" dirty="0"/>
-              <a:t>Corporate incubators</a:t>
-            </a:r>
-          </a:p>
-          <a:p>
-            <a:r>
-              <a:rPr lang="en-US" dirty="0"/>
-              <a:t>Accelerators:</a:t>
-            </a:r>
-          </a:p>
-          <a:p>
-            <a:pPr lvl="1"/>
-            <a:r>
-              <a:rPr lang="en-US" dirty="0"/>
-              <a:t>General accelerators</a:t>
-            </a:r>
-          </a:p>
-          <a:p>
-            <a:pPr lvl="1"/>
-            <a:r>
-              <a:rPr lang="en-US" dirty="0"/>
-              <a:t>Sector-specific accelerators (e.g., </a:t>
-            </a:r>
-            <a:r>
-              <a:rPr lang="en-US" dirty="0" err="1"/>
-              <a:t>fintech</a:t>
-            </a:r>
-            <a:r>
-              <a:rPr lang="en-US" dirty="0"/>
-              <a:t>, </a:t>
-            </a:r>
-            <a:r>
-              <a:rPr lang="en-US" dirty="0" err="1"/>
-              <a:t>healthtech</a:t>
-            </a:r>
-            <a:r>
-              <a:rPr lang="en-US" dirty="0"/>
-              <a:t>)</a:t>
-            </a:r>
-          </a:p>
-          <a:p>
-            <a:pPr lvl="1"/>
-            <a:r>
-              <a:rPr lang="en-US" dirty="0"/>
-              <a:t>Corporate accelerators</a:t>
-            </a:r>
-          </a:p>
-        </p:txBody>
-      </p:sp>
-      <p:sp>
-        <p:nvSpPr>
-          <p:cNvPr id="4" name="Slide Number Placeholder 3"/>
-          <p:cNvSpPr>
-            <a:spLocks noGrp="1"/>
-          </p:cNvSpPr>
-          <p:nvPr>
-            <p:ph type="sldNum" sz="quarter" idx="12"/>
-          </p:nvPr>
-        </p:nvSpPr>
-        <p:spPr/>
-        <p:txBody>
-          <a:bodyPr/>
-          <a:lstStyle/>
-          <a:p>
-            <a:fld id="{B8DACC02-A2BD-4578-8E03-6D891060A695}" type="slidenum">
-              <a:rPr lang="en-US" smtClean="0"/>
-              <a:pPr/>
-              <a:t>35</a:t>
-            </a:fld>
-            <a:endParaRPr lang="en-US" dirty="0"/>
-          </a:p>
-        </p:txBody>
-      </p:sp>
-    </p:spTree>
-    <p:extLst>
-      <p:ext uri="{BB962C8B-B14F-4D97-AF65-F5344CB8AC3E}">
-        <p14:creationId xmlns:p14="http://schemas.microsoft.com/office/powerpoint/2010/main" val="566255972"/>
-      </p:ext>
-    </p:extLst>
-  </p:cSld>
-  <p:clrMapOvr>
-    <a:masterClrMapping/>
-  </p:clrMapOvr>
-</p:sld>
-</file>
-
 <file path=ppt/slides/slide36.xml><?xml version="1.0" encoding="utf-8"?>
 <p:sld xmlns:a="http://schemas.openxmlformats.org/drawingml/2006/main" xmlns:r="http://schemas.openxmlformats.org/officeDocument/2006/relationships" xmlns:p="http://schemas.openxmlformats.org/presentationml/2006/main">
   <p:cSld>
@@ -11253,7 +10917,7 @@
           <a:p>
             <a:r>
               <a:rPr lang="en-US" dirty="0"/>
-              <a:t>Benefits of Incubators and Accelerators</a:t>
+              <a:t>Types of Incubators and Accelerators</a:t>
             </a:r>
           </a:p>
         </p:txBody>
@@ -11275,64 +10939,71 @@
           <a:p>
             <a:r>
               <a:rPr lang="en-US" dirty="0"/>
-              <a:t>Access to </a:t>
-            </a:r>
-            <a:r>
-              <a:rPr lang="en-US" dirty="0" smtClean="0"/>
-              <a:t>resources</a:t>
+              <a:t>Incubators:</a:t>
             </a:r>
           </a:p>
           <a:p>
             <a:pPr lvl="1"/>
             <a:r>
-              <a:rPr lang="en-US" dirty="0" smtClean="0"/>
-              <a:t>Incubators </a:t>
-            </a:r>
-            <a:r>
-              <a:rPr lang="en-US" dirty="0"/>
-              <a:t>and accelerators provide startups with access to resources such as office space, mentorship, networking opportunities, and funding.</a:t>
-            </a:r>
-          </a:p>
-          <a:p>
-            <a:r>
-              <a:rPr lang="en-US" dirty="0"/>
-              <a:t>Guidance and </a:t>
-            </a:r>
-            <a:r>
-              <a:rPr lang="en-US" dirty="0" smtClean="0"/>
-              <a:t>support</a:t>
+              <a:rPr lang="en-US" dirty="0"/>
+              <a:t>University-based incubators</a:t>
             </a:r>
           </a:p>
           <a:p>
             <a:pPr lvl="1"/>
             <a:r>
-              <a:rPr lang="en-US" dirty="0" smtClean="0"/>
-              <a:t>Startups </a:t>
-            </a:r>
-            <a:r>
-              <a:rPr lang="en-US" dirty="0"/>
-              <a:t>receive guidance and support from experienced entrepreneurs, investors, and industry experts.</a:t>
-            </a:r>
-          </a:p>
-          <a:p>
-            <a:r>
-              <a:rPr lang="en-US" dirty="0"/>
-              <a:t>Focus and </a:t>
-            </a:r>
-            <a:r>
-              <a:rPr lang="en-US" dirty="0" smtClean="0"/>
-              <a:t>accountability</a:t>
+              <a:rPr lang="en-US" dirty="0"/>
+              <a:t>Independent incubators</a:t>
             </a:r>
           </a:p>
           <a:p>
             <a:pPr lvl="1"/>
             <a:r>
-              <a:rPr lang="en-US" dirty="0" smtClean="0"/>
-              <a:t>Incubators </a:t>
-            </a:r>
-            <a:r>
-              <a:rPr lang="en-US" dirty="0"/>
-              <a:t>and accelerators provide a structured environment that helps startups stay focused and accountable.</a:t>
+              <a:rPr lang="en-US" dirty="0"/>
+              <a:t>Corporate incubators</a:t>
+            </a:r>
+          </a:p>
+          <a:p>
+            <a:r>
+              <a:rPr lang="en-US" dirty="0"/>
+              <a:t>Accelerators:</a:t>
+            </a:r>
+          </a:p>
+          <a:p>
+            <a:pPr lvl="1"/>
+            <a:r>
+              <a:rPr lang="en-US" dirty="0"/>
+              <a:t>General accelerators</a:t>
+            </a:r>
+          </a:p>
+          <a:p>
+            <a:pPr lvl="1"/>
+            <a:r>
+              <a:rPr lang="en-US" dirty="0"/>
+              <a:t>Sector-specific accelerators (e.g., </a:t>
+            </a:r>
+            <a:r>
+              <a:rPr lang="en-US" dirty="0" err="1"/>
+              <a:t>fintech</a:t>
+            </a:r>
+            <a:r>
+              <a:rPr lang="en-US" dirty="0"/>
+              <a:t>, </a:t>
+            </a:r>
+            <a:r>
+              <a:rPr lang="en-US" dirty="0" err="1"/>
+              <a:t>healthtech</a:t>
+            </a:r>
+            <a:r>
+              <a:rPr lang="en-US" dirty="0"/>
+              <a:t>)</a:t>
+            </a:r>
+          </a:p>
+          <a:p>
+            <a:pPr lvl="1"/>
+            <a:r>
+              <a:rPr lang="en-US" dirty="0"/>
+              <a:t>Corporate accelerators</a:t>
             </a:r>
           </a:p>
         </p:txBody>
@@ -11364,7 +11035,7 @@
     </p:spTree>
     <p:extLst>
       <p:ext uri="{BB962C8B-B14F-4D97-AF65-F5344CB8AC3E}">
-        <p14:creationId xmlns:p14="http://schemas.microsoft.com/office/powerpoint/2010/main" val="2619956534"/>
+        <p14:creationId xmlns:p14="http://schemas.microsoft.com/office/powerpoint/2010/main" val="566255972"/>
       </p:ext>
     </p:extLst>
   </p:cSld>
@@ -11408,7 +11079,7 @@
           <a:p>
             <a:r>
               <a:rPr lang="en-US" dirty="0"/>
-              <a:t>Incubator and Accelerator Programs</a:t>
+              <a:t>Benefits of Incubators and Accelerators</a:t>
             </a:r>
           </a:p>
         </p:txBody>
@@ -11425,76 +11096,45 @@
         </p:nvSpPr>
         <p:spPr/>
         <p:txBody>
-          <a:bodyPr>
-            <a:normAutofit/>
-          </a:bodyPr>
-          <a:lstStyle/>
-          <a:p>
-            <a:r>
-              <a:rPr lang="en-US" dirty="0"/>
-              <a:t>Typical programs offered by incubators:</a:t>
+          <a:bodyPr/>
+          <a:lstStyle/>
+          <a:p>
+            <a:r>
+              <a:rPr lang="en-US" dirty="0"/>
+              <a:t>Access to resources</a:t>
             </a:r>
           </a:p>
           <a:p>
             <a:pPr lvl="1"/>
             <a:r>
               <a:rPr lang="en-US" dirty="0"/>
-              <a:t>Business planning and strategy</a:t>
+              <a:t>Incubators and accelerators provide startups with access to resources such as office space, mentorship, networking opportunities, and funding.</a:t>
+            </a:r>
+          </a:p>
+          <a:p>
+            <a:r>
+              <a:rPr lang="en-US" dirty="0"/>
+              <a:t>Guidance and support</a:t>
             </a:r>
           </a:p>
           <a:p>
             <a:pPr lvl="1"/>
             <a:r>
               <a:rPr lang="en-US" dirty="0"/>
-              <a:t>Marketing and branding</a:t>
+              <a:t>Startups receive guidance and support from experienced entrepreneurs, investors, and industry experts.</a:t>
+            </a:r>
+          </a:p>
+          <a:p>
+            <a:r>
+              <a:rPr lang="en-US" dirty="0"/>
+              <a:t>Focus and accountability</a:t>
             </a:r>
           </a:p>
           <a:p>
             <a:pPr lvl="1"/>
             <a:r>
               <a:rPr lang="en-US" dirty="0"/>
-              <a:t>Legal and regulatory compliance</a:t>
-            </a:r>
-          </a:p>
-          <a:p>
-            <a:pPr lvl="1"/>
-            <a:r>
-              <a:rPr lang="en-US" dirty="0"/>
-              <a:t>Access to funding and finance</a:t>
-            </a:r>
-          </a:p>
-          <a:p>
-            <a:r>
-              <a:rPr lang="en-US" dirty="0"/>
-              <a:t>Typical programs offered by accelerators:</a:t>
-            </a:r>
-          </a:p>
-          <a:p>
-            <a:pPr lvl="1"/>
-            <a:r>
-              <a:rPr lang="en-US" dirty="0"/>
-              <a:t>Mentorship and coaching</a:t>
-            </a:r>
-          </a:p>
-          <a:p>
-            <a:pPr lvl="1"/>
-            <a:r>
-              <a:rPr lang="en-US" dirty="0"/>
-              <a:t>Workshops and training sessions</a:t>
-            </a:r>
-          </a:p>
-          <a:p>
-            <a:pPr lvl="1"/>
-            <a:r>
-              <a:rPr lang="en-US" dirty="0"/>
-              <a:t>Pitching and presentation skills</a:t>
-            </a:r>
-          </a:p>
-          <a:p>
-            <a:pPr lvl="1"/>
-            <a:r>
-              <a:rPr lang="en-US" dirty="0"/>
-              <a:t>Access to funding and investors</a:t>
+              <a:t>Incubators and accelerators provide a structured environment that helps startups stay focused and accountable.</a:t>
             </a:r>
           </a:p>
         </p:txBody>
@@ -11526,7 +11166,7 @@
     </p:spTree>
     <p:extLst>
       <p:ext uri="{BB962C8B-B14F-4D97-AF65-F5344CB8AC3E}">
-        <p14:creationId xmlns:p14="http://schemas.microsoft.com/office/powerpoint/2010/main" val="1245689597"/>
+        <p14:creationId xmlns:p14="http://schemas.microsoft.com/office/powerpoint/2010/main" val="2619956534"/>
       </p:ext>
     </p:extLst>
   </p:cSld>
@@ -11565,136 +11205,98 @@
         </p:nvSpPr>
         <p:spPr/>
         <p:txBody>
+          <a:bodyPr/>
+          <a:lstStyle/>
+          <a:p>
+            <a:r>
+              <a:rPr lang="en-US" dirty="0"/>
+              <a:t>Incubator and Accelerator Programs</a:t>
+            </a:r>
+          </a:p>
+        </p:txBody>
+      </p:sp>
+      <p:sp>
+        <p:nvSpPr>
+          <p:cNvPr id="3" name="Content Placeholder 2"/>
+          <p:cNvSpPr>
+            <a:spLocks noGrp="1"/>
+          </p:cNvSpPr>
+          <p:nvPr>
+            <p:ph idx="1"/>
+          </p:nvPr>
+        </p:nvSpPr>
+        <p:spPr/>
+        <p:txBody>
           <a:bodyPr>
-            <a:normAutofit fontScale="90000"/>
+            <a:normAutofit/>
           </a:bodyPr>
           <a:lstStyle/>
           <a:p>
             <a:r>
               <a:rPr lang="en-US" dirty="0"/>
-              <a:t>Examples of Successful Incubators and Accelerators</a:t>
-            </a:r>
-          </a:p>
-        </p:txBody>
-      </p:sp>
-      <p:sp>
-        <p:nvSpPr>
-          <p:cNvPr id="3" name="Content Placeholder 2"/>
-          <p:cNvSpPr>
-            <a:spLocks noGrp="1"/>
-          </p:cNvSpPr>
-          <p:nvPr>
-            <p:ph idx="1"/>
-          </p:nvPr>
-        </p:nvSpPr>
-        <p:spPr/>
-        <p:txBody>
-          <a:bodyPr/>
-          <a:lstStyle/>
-          <a:p>
-            <a:r>
-              <a:rPr lang="en-US" dirty="0"/>
-              <a:t>Incubators:</a:t>
+              <a:t>Typical programs offered by incubators:</a:t>
             </a:r>
           </a:p>
           <a:p>
             <a:pPr lvl="1"/>
             <a:r>
               <a:rPr lang="en-US" dirty="0"/>
-              <a:t>Y </a:t>
-            </a:r>
-            <a:r>
-              <a:rPr lang="en-US" dirty="0" err="1"/>
-              <a:t>Combinator</a:t>
-            </a:r>
-            <a:r>
-              <a:rPr lang="en-US" dirty="0"/>
-              <a:t> (Airbnb, Dropbox, </a:t>
-            </a:r>
-            <a:r>
-              <a:rPr lang="en-US" dirty="0" err="1"/>
-              <a:t>Reddit</a:t>
-            </a:r>
-            <a:r>
-              <a:rPr lang="en-US" dirty="0"/>
-              <a:t>)</a:t>
+              <a:t>Business planning and strategy</a:t>
             </a:r>
           </a:p>
           <a:p>
             <a:pPr lvl="1"/>
             <a:r>
               <a:rPr lang="en-US" dirty="0"/>
-              <a:t>500 Startups (</a:t>
-            </a:r>
-            <a:r>
-              <a:rPr lang="en-US" dirty="0" err="1"/>
-              <a:t>Twilio</a:t>
-            </a:r>
-            <a:r>
-              <a:rPr lang="en-US" dirty="0"/>
-              <a:t>, </a:t>
-            </a:r>
-            <a:r>
-              <a:rPr lang="en-US" dirty="0" err="1"/>
-              <a:t>SendGrid</a:t>
-            </a:r>
-            <a:r>
-              <a:rPr lang="en-US" dirty="0"/>
-              <a:t>, Intercom)</a:t>
+              <a:t>Marketing and branding</a:t>
             </a:r>
           </a:p>
           <a:p>
             <a:pPr lvl="1"/>
             <a:r>
-              <a:rPr lang="en-US" dirty="0" err="1"/>
-              <a:t>Techstars</a:t>
-            </a:r>
-            <a:r>
-              <a:rPr lang="en-US" dirty="0"/>
-              <a:t> (</a:t>
-            </a:r>
-            <a:r>
-              <a:rPr lang="en-US" dirty="0" err="1"/>
-              <a:t>SendGrid</a:t>
-            </a:r>
-            <a:r>
-              <a:rPr lang="en-US" dirty="0"/>
-              <a:t>, Sphero, Fitbit)</a:t>
-            </a:r>
-          </a:p>
-          <a:p>
-            <a:r>
-              <a:rPr lang="en-US" dirty="0"/>
-              <a:t>Accelerators:</a:t>
+              <a:rPr lang="en-US" dirty="0"/>
+              <a:t>Legal and regulatory compliance</a:t>
             </a:r>
           </a:p>
           <a:p>
             <a:pPr lvl="1"/>
             <a:r>
-              <a:rPr lang="en-US" dirty="0" err="1"/>
-              <a:t>Accel</a:t>
-            </a:r>
-            <a:r>
-              <a:rPr lang="en-US" dirty="0"/>
-              <a:t> (Dropbox, Facebook, Spotify)</a:t>
+              <a:rPr lang="en-US" dirty="0"/>
+              <a:t>Access to funding and finance</a:t>
+            </a:r>
+          </a:p>
+          <a:p>
+            <a:r>
+              <a:rPr lang="en-US" dirty="0"/>
+              <a:t>Typical programs offered by accelerators:</a:t>
             </a:r>
           </a:p>
           <a:p>
             <a:pPr lvl="1"/>
             <a:r>
               <a:rPr lang="en-US" dirty="0"/>
-              <a:t>KPCB (Google, Twitter, Uber)</a:t>
+              <a:t>Mentorship and coaching</a:t>
             </a:r>
           </a:p>
           <a:p>
             <a:pPr lvl="1"/>
             <a:r>
-              <a:rPr lang="en-US" dirty="0" err="1"/>
-              <a:t>Greylock</a:t>
-            </a:r>
-            <a:r>
-              <a:rPr lang="en-US" dirty="0"/>
-              <a:t> (Airbnb, Facebook, LinkedIn)</a:t>
+              <a:rPr lang="en-US" dirty="0"/>
+              <a:t>Workshops and training sessions</a:t>
+            </a:r>
+          </a:p>
+          <a:p>
+            <a:pPr lvl="1"/>
+            <a:r>
+              <a:rPr lang="en-US" dirty="0"/>
+              <a:t>Pitching and presentation skills</a:t>
+            </a:r>
+          </a:p>
+          <a:p>
+            <a:pPr lvl="1"/>
+            <a:r>
+              <a:rPr lang="en-US" dirty="0"/>
+              <a:t>Access to funding and investors</a:t>
             </a:r>
           </a:p>
         </p:txBody>
@@ -11726,7 +11328,7 @@
     </p:spTree>
     <p:extLst>
       <p:ext uri="{BB962C8B-B14F-4D97-AF65-F5344CB8AC3E}">
-        <p14:creationId xmlns:p14="http://schemas.microsoft.com/office/powerpoint/2010/main" val="1967487476"/>
+        <p14:creationId xmlns:p14="http://schemas.microsoft.com/office/powerpoint/2010/main" val="1245689597"/>
       </p:ext>
     </p:extLst>
   </p:cSld>
@@ -11765,22 +11367,15 @@
         </p:nvSpPr>
         <p:spPr/>
         <p:txBody>
-          <a:bodyPr/>
-          <a:lstStyle/>
-          <a:p>
-            <a:r>
-              <a:rPr lang="en-US" dirty="0" smtClean="0"/>
-              <a:t>Saudi </a:t>
-            </a:r>
-            <a:r>
-              <a:rPr lang="en-US" dirty="0"/>
-              <a:t>Incubators and Accelerators</a:t>
-            </a:r>
-            <a:r>
-              <a:rPr lang="en-US" dirty="0" smtClean="0"/>
-              <a:t> </a:t>
-            </a:r>
-            <a:endParaRPr lang="en-US" dirty="0"/>
+          <a:bodyPr>
+            <a:normAutofit fontScale="90000"/>
+          </a:bodyPr>
+          <a:lstStyle/>
+          <a:p>
+            <a:r>
+              <a:rPr lang="en-US" dirty="0"/>
+              <a:t>Examples of Successful Incubators and Accelerators</a:t>
+            </a:r>
           </a:p>
         </p:txBody>
       </p:sp>
@@ -11796,88 +11391,112 @@
         </p:nvSpPr>
         <p:spPr/>
         <p:txBody>
-          <a:bodyPr>
-            <a:normAutofit fontScale="92500" lnSpcReduction="20000"/>
-          </a:bodyPr>
-          <a:lstStyle/>
-          <a:p>
-            <a:r>
-              <a:rPr lang="en-US" dirty="0"/>
-              <a:t>9/10ths</a:t>
-            </a:r>
-          </a:p>
-          <a:p>
-            <a:r>
-              <a:rPr lang="en-US" dirty="0"/>
-              <a:t>KAUST Innovation Fund</a:t>
-            </a:r>
-          </a:p>
-          <a:p>
-            <a:r>
-              <a:rPr lang="en-US" dirty="0"/>
-              <a:t>Riyadh Valley Company</a:t>
-            </a:r>
-          </a:p>
-          <a:p>
-            <a:r>
-              <a:rPr lang="en-US" dirty="0"/>
-              <a:t>Business Incubators and Accelerators Company</a:t>
-            </a:r>
-          </a:p>
-          <a:p>
+          <a:bodyPr/>
+          <a:lstStyle/>
+          <a:p>
+            <a:r>
+              <a:rPr lang="en-US" dirty="0"/>
+              <a:t>Incubators:</a:t>
+            </a:r>
+          </a:p>
+          <a:p>
+            <a:pPr lvl="1"/>
+            <a:r>
+              <a:rPr lang="en-US" dirty="0"/>
+              <a:t>Y </a:t>
+            </a:r>
             <a:r>
               <a:rPr lang="en-US" dirty="0" err="1"/>
-              <a:t>Taqadam</a:t>
-            </a:r>
-            <a:endParaRPr lang="en-US" dirty="0"/>
-          </a:p>
-          <a:p>
+              <a:t>Combinator</a:t>
+            </a:r>
+            <a:r>
+              <a:rPr lang="en-US" dirty="0"/>
+              <a:t> (Airbnb, Dropbox, </a:t>
+            </a:r>
             <a:r>
               <a:rPr lang="en-US" dirty="0" err="1"/>
-              <a:t>Falak</a:t>
-            </a:r>
-            <a:r>
-              <a:rPr lang="en-US" dirty="0"/>
-              <a:t> Business Hub</a:t>
-            </a:r>
-          </a:p>
-          <a:p>
+              <a:t>Reddit</a:t>
+            </a:r>
+            <a:r>
+              <a:rPr lang="en-US" dirty="0"/>
+              <a:t>)</a:t>
+            </a:r>
+          </a:p>
+          <a:p>
+            <a:pPr lvl="1"/>
+            <a:r>
+              <a:rPr lang="en-US" dirty="0"/>
+              <a:t>500 Startups (</a:t>
+            </a:r>
             <a:r>
               <a:rPr lang="en-US" dirty="0" err="1"/>
-              <a:t>Nomow</a:t>
-            </a:r>
-            <a:r>
-              <a:rPr lang="en-US" dirty="0"/>
-              <a:t> Incubator</a:t>
-            </a:r>
-          </a:p>
-          <a:p>
-            <a:r>
-              <a:rPr lang="en-US" dirty="0"/>
-              <a:t>SURE International Technology</a:t>
-            </a:r>
-          </a:p>
-          <a:p>
-            <a:r>
-              <a:rPr lang="en-US" dirty="0"/>
-              <a:t>Startups House</a:t>
-            </a:r>
-          </a:p>
-          <a:p>
+              <a:t>Twilio</a:t>
+            </a:r>
+            <a:r>
+              <a:rPr lang="en-US" dirty="0"/>
+              <a:t>, </a:t>
+            </a:r>
             <a:r>
               <a:rPr lang="en-US" dirty="0" err="1"/>
-              <a:t>Wa'ed</a:t>
-            </a:r>
-            <a:endParaRPr lang="en-US" dirty="0"/>
-          </a:p>
-          <a:p>
+              <a:t>SendGrid</a:t>
+            </a:r>
+            <a:r>
+              <a:rPr lang="en-US" dirty="0"/>
+              <a:t>, Intercom)</a:t>
+            </a:r>
+          </a:p>
+          <a:p>
+            <a:pPr lvl="1"/>
             <a:r>
               <a:rPr lang="en-US" dirty="0" err="1"/>
-              <a:t>Wadi</a:t>
-            </a:r>
-            <a:r>
-              <a:rPr lang="en-US" dirty="0"/>
-              <a:t> Makkah</a:t>
+              <a:t>Techstars</a:t>
+            </a:r>
+            <a:r>
+              <a:rPr lang="en-US" dirty="0"/>
+              <a:t> (</a:t>
+            </a:r>
+            <a:r>
+              <a:rPr lang="en-US" dirty="0" err="1"/>
+              <a:t>SendGrid</a:t>
+            </a:r>
+            <a:r>
+              <a:rPr lang="en-US" dirty="0"/>
+              <a:t>, Sphero, Fitbit)</a:t>
+            </a:r>
+          </a:p>
+          <a:p>
+            <a:r>
+              <a:rPr lang="en-US" dirty="0"/>
+              <a:t>Accelerators:</a:t>
+            </a:r>
+          </a:p>
+          <a:p>
+            <a:pPr lvl="1"/>
+            <a:r>
+              <a:rPr lang="en-US" dirty="0" err="1"/>
+              <a:t>Accel</a:t>
+            </a:r>
+            <a:r>
+              <a:rPr lang="en-US" dirty="0"/>
+              <a:t> (Dropbox, Facebook, Spotify)</a:t>
+            </a:r>
+          </a:p>
+          <a:p>
+            <a:pPr lvl="1"/>
+            <a:r>
+              <a:rPr lang="en-US" dirty="0"/>
+              <a:t>KPCB (Google, Twitter, Uber)</a:t>
+            </a:r>
+          </a:p>
+          <a:p>
+            <a:pPr lvl="1"/>
+            <a:r>
+              <a:rPr lang="en-US" dirty="0" err="1"/>
+              <a:t>Greylock</a:t>
+            </a:r>
+            <a:r>
+              <a:rPr lang="en-US" dirty="0"/>
+              <a:t> (Airbnb, Facebook, LinkedIn)</a:t>
             </a:r>
           </a:p>
         </p:txBody>
@@ -11909,7 +11528,7 @@
     </p:spTree>
     <p:extLst>
       <p:ext uri="{BB962C8B-B14F-4D97-AF65-F5344CB8AC3E}">
-        <p14:creationId xmlns:p14="http://schemas.microsoft.com/office/powerpoint/2010/main" val="369944038"/>
+        <p14:creationId xmlns:p14="http://schemas.microsoft.com/office/powerpoint/2010/main" val="1967487476"/>
       </p:ext>
     </p:extLst>
   </p:cSld>
@@ -12008,13 +11627,180 @@
   <p:clrMapOvr>
     <a:masterClrMapping/>
   </p:clrMapOvr>
-  <p:timing>
-    <p:tnLst>
-      <p:par>
-        <p:cTn id="1" dur="indefinite" restart="never" nodeType="tmRoot"/>
-      </p:par>
-    </p:tnLst>
-  </p:timing>
+</p:sld>
+</file>
+
+<file path=ppt/slides/slide40.xml><?xml version="1.0" encoding="utf-8"?>
+<p:sld xmlns:a="http://schemas.openxmlformats.org/drawingml/2006/main" xmlns:r="http://schemas.openxmlformats.org/officeDocument/2006/relationships" xmlns:p="http://schemas.openxmlformats.org/presentationml/2006/main">
+  <p:cSld>
+    <p:spTree>
+      <p:nvGrpSpPr>
+        <p:cNvPr id="1" name=""/>
+        <p:cNvGrpSpPr/>
+        <p:nvPr/>
+      </p:nvGrpSpPr>
+      <p:grpSpPr>
+        <a:xfrm>
+          <a:off x="0" y="0"/>
+          <a:ext cx="0" cy="0"/>
+          <a:chOff x="0" y="0"/>
+          <a:chExt cx="0" cy="0"/>
+        </a:xfrm>
+      </p:grpSpPr>
+      <p:sp>
+        <p:nvSpPr>
+          <p:cNvPr id="2" name="Title 1"/>
+          <p:cNvSpPr>
+            <a:spLocks noGrp="1"/>
+          </p:cNvSpPr>
+          <p:nvPr>
+            <p:ph type="title"/>
+          </p:nvPr>
+        </p:nvSpPr>
+        <p:spPr/>
+        <p:txBody>
+          <a:bodyPr/>
+          <a:lstStyle/>
+          <a:p>
+            <a:r>
+              <a:rPr lang="en-US" dirty="0"/>
+              <a:t>Saudi Incubators and Accelerators </a:t>
+            </a:r>
+          </a:p>
+        </p:txBody>
+      </p:sp>
+      <p:sp>
+        <p:nvSpPr>
+          <p:cNvPr id="3" name="Content Placeholder 2"/>
+          <p:cNvSpPr>
+            <a:spLocks noGrp="1"/>
+          </p:cNvSpPr>
+          <p:nvPr>
+            <p:ph idx="1"/>
+          </p:nvPr>
+        </p:nvSpPr>
+        <p:spPr/>
+        <p:txBody>
+          <a:bodyPr>
+            <a:normAutofit fontScale="92500" lnSpcReduction="20000"/>
+          </a:bodyPr>
+          <a:lstStyle/>
+          <a:p>
+            <a:r>
+              <a:rPr lang="en-US" dirty="0"/>
+              <a:t>9/10ths</a:t>
+            </a:r>
+          </a:p>
+          <a:p>
+            <a:r>
+              <a:rPr lang="en-US" dirty="0"/>
+              <a:t>KAUST Innovation Fund</a:t>
+            </a:r>
+          </a:p>
+          <a:p>
+            <a:r>
+              <a:rPr lang="en-US" dirty="0"/>
+              <a:t>Riyadh Valley Company</a:t>
+            </a:r>
+          </a:p>
+          <a:p>
+            <a:r>
+              <a:rPr lang="en-US" dirty="0"/>
+              <a:t>Business Incubators and Accelerators Company</a:t>
+            </a:r>
+          </a:p>
+          <a:p>
+            <a:r>
+              <a:rPr lang="en-US" dirty="0" err="1"/>
+              <a:t>Taqadam</a:t>
+            </a:r>
+            <a:endParaRPr lang="en-US" dirty="0"/>
+          </a:p>
+          <a:p>
+            <a:r>
+              <a:rPr lang="en-US" dirty="0" err="1"/>
+              <a:t>Falak</a:t>
+            </a:r>
+            <a:r>
+              <a:rPr lang="en-US" dirty="0"/>
+              <a:t> Business Hub</a:t>
+            </a:r>
+          </a:p>
+          <a:p>
+            <a:r>
+              <a:rPr lang="en-US" dirty="0" err="1"/>
+              <a:t>Nomow</a:t>
+            </a:r>
+            <a:r>
+              <a:rPr lang="en-US" dirty="0"/>
+              <a:t> Incubator</a:t>
+            </a:r>
+          </a:p>
+          <a:p>
+            <a:r>
+              <a:rPr lang="en-US" dirty="0"/>
+              <a:t>SURE International Technology</a:t>
+            </a:r>
+          </a:p>
+          <a:p>
+            <a:r>
+              <a:rPr lang="en-US" dirty="0"/>
+              <a:t>Startups House</a:t>
+            </a:r>
+          </a:p>
+          <a:p>
+            <a:r>
+              <a:rPr lang="en-US" dirty="0" err="1"/>
+              <a:t>Wa'ed</a:t>
+            </a:r>
+            <a:endParaRPr lang="en-US" dirty="0"/>
+          </a:p>
+          <a:p>
+            <a:r>
+              <a:rPr lang="en-US" dirty="0" err="1"/>
+              <a:t>Wadi</a:t>
+            </a:r>
+            <a:r>
+              <a:rPr lang="en-US" dirty="0"/>
+              <a:t> Makkah</a:t>
+            </a:r>
+          </a:p>
+        </p:txBody>
+      </p:sp>
+      <p:sp>
+        <p:nvSpPr>
+          <p:cNvPr id="4" name="Slide Number Placeholder 3"/>
+          <p:cNvSpPr>
+            <a:spLocks noGrp="1"/>
+          </p:cNvSpPr>
+          <p:nvPr>
+            <p:ph type="sldNum" sz="quarter" idx="12"/>
+          </p:nvPr>
+        </p:nvSpPr>
+        <p:spPr/>
+        <p:txBody>
+          <a:bodyPr/>
+          <a:lstStyle/>
+          <a:p>
+            <a:fld id="{B8DACC02-A2BD-4578-8E03-6D891060A695}" type="slidenum">
+              <a:rPr lang="en-US" smtClean="0"/>
+              <a:pPr/>
+              <a:t>40</a:t>
+            </a:fld>
+            <a:endParaRPr lang="en-US" dirty="0"/>
+          </a:p>
+        </p:txBody>
+      </p:sp>
+    </p:spTree>
+    <p:extLst>
+      <p:ext uri="{BB962C8B-B14F-4D97-AF65-F5344CB8AC3E}">
+        <p14:creationId xmlns:p14="http://schemas.microsoft.com/office/powerpoint/2010/main" val="369944038"/>
+      </p:ext>
+    </p:extLst>
+  </p:cSld>
+  <p:clrMapOvr>
+    <a:masterClrMapping/>
+  </p:clrMapOvr>
 </p:sld>
 </file>
 
@@ -12079,18 +11865,9 @@
           </a:p>
           <a:p>
             <a:r>
-              <a:rPr lang="en-US" dirty="0" smtClean="0"/>
-              <a:t>Pitching </a:t>
-            </a:r>
-            <a:r>
-              <a:rPr lang="en-US" dirty="0"/>
-              <a:t>is crucial for securing funding, as it allows entrepreneurs to showcase their idea, team, and vision to investors, and convince them to invest in their business</a:t>
-            </a:r>
-            <a:r>
-              <a:rPr lang="en-US" dirty="0" smtClean="0"/>
-              <a:t>.</a:t>
-            </a:r>
-            <a:endParaRPr lang="en-US" dirty="0"/>
+              <a:rPr lang="en-US" dirty="0"/>
+              <a:t>Pitching is crucial for securing funding, as it allows entrepreneurs to showcase their idea, team, and vision to investors, and convince them to invest in their business.</a:t>
+            </a:r>
           </a:p>
         </p:txBody>
       </p:sp>
@@ -12169,13 +11946,6 @@
   <p:clrMapOvr>
     <a:masterClrMapping/>
   </p:clrMapOvr>
-  <p:timing>
-    <p:tnLst>
-      <p:par>
-        <p:cTn id="1" dur="indefinite" restart="never" nodeType="tmRoot"/>
-      </p:par>
-    </p:tnLst>
-  </p:timing>
 </p:sld>
 </file>
 
@@ -12237,43 +12007,27 @@
           <a:p>
             <a:r>
               <a:rPr lang="en-US" dirty="0"/>
-              <a:t>Elevator </a:t>
-            </a:r>
-            <a:r>
-              <a:rPr lang="en-US" dirty="0" smtClean="0"/>
-              <a:t>pitch</a:t>
+              <a:t>Elevator pitch</a:t>
             </a:r>
           </a:p>
           <a:p>
             <a:pPr lvl="1"/>
             <a:r>
-              <a:rPr lang="en-US" dirty="0" smtClean="0"/>
-              <a:t>A </a:t>
-            </a:r>
-            <a:r>
-              <a:rPr lang="en-US" dirty="0"/>
-              <a:t>brief, 30-second to 1-minute pitch that highlights the key aspects of a business idea, often used in informal settings.</a:t>
-            </a:r>
-          </a:p>
-          <a:p>
-            <a:r>
-              <a:rPr lang="en-US" dirty="0"/>
-              <a:t>Pitch </a:t>
-            </a:r>
-            <a:r>
-              <a:rPr lang="en-US" dirty="0" smtClean="0"/>
-              <a:t>deck</a:t>
+              <a:rPr lang="en-US" dirty="0"/>
+              <a:t>A brief, 30-second to 1-minute pitch that highlights the key aspects of a business idea, often used in informal settings.</a:t>
+            </a:r>
+          </a:p>
+          <a:p>
+            <a:r>
+              <a:rPr lang="en-US" dirty="0"/>
+              <a:t>Pitch deck</a:t>
             </a:r>
           </a:p>
           <a:p>
             <a:pPr lvl="1"/>
             <a:r>
-              <a:rPr lang="en-US" dirty="0" smtClean="0"/>
-              <a:t>A </a:t>
-            </a:r>
-            <a:r>
-              <a:rPr lang="en-US" dirty="0"/>
-              <a:t>visual presentation that summarizes a business idea or plan, typically consisting of 10-20 slides, used in formal pitching sessions.</a:t>
+              <a:rPr lang="en-US" dirty="0"/>
+              <a:t>A visual presentation that summarizes a business idea or plan, typically consisting of 10-20 slides, used in formal pitching sessions.</a:t>
             </a:r>
           </a:p>
           <a:p>
@@ -12286,20 +12040,15 @@
             <a:pPr lvl="1"/>
             <a:r>
               <a:rPr lang="en-US" dirty="0"/>
-              <a:t>Executive </a:t>
-            </a:r>
-            <a:r>
-              <a:rPr lang="en-US" dirty="0" smtClean="0"/>
-              <a:t>summary</a:t>
+              <a:t>Executive summary</a:t>
             </a:r>
           </a:p>
           <a:p>
             <a:pPr lvl="1"/>
             <a:r>
-              <a:rPr lang="en-US" dirty="0" smtClean="0"/>
+              <a:rPr lang="en-US" dirty="0"/>
               <a:t>Business plan</a:t>
             </a:r>
-            <a:endParaRPr lang="en-US" dirty="0"/>
           </a:p>
         </p:txBody>
       </p:sp>
@@ -12436,12 +12185,8 @@
           <a:lstStyle/>
           <a:p>
             <a:r>
-              <a:rPr lang="en-US" dirty="0" smtClean="0"/>
-              <a:t>With </a:t>
-            </a:r>
-            <a:r>
-              <a:rPr lang="en-US" dirty="0"/>
-              <a:t>many startups vying for funding, a compelling pitch is crucial for standing out from the crowd and securing investor interest.</a:t>
+              <a:rPr lang="en-US" dirty="0"/>
+              <a:t>With many startups vying for funding, a compelling pitch is crucial for standing out from the crowd and securing investor interest.</a:t>
             </a:r>
           </a:p>
           <a:p>
@@ -12620,59 +12365,42 @@
           <a:lstStyle/>
           <a:p>
             <a:r>
-              <a:rPr lang="en-US" dirty="0" smtClean="0"/>
+              <a:rPr lang="en-US" dirty="0"/>
               <a:t>Research</a:t>
             </a:r>
           </a:p>
           <a:p>
             <a:pPr lvl="1"/>
             <a:r>
-              <a:rPr lang="en-US" dirty="0" smtClean="0"/>
-              <a:t>Understand </a:t>
-            </a:r>
-            <a:r>
-              <a:rPr lang="en-US" dirty="0"/>
-              <a:t>the investor's interests, preferences, and criteria for investment.</a:t>
-            </a:r>
-          </a:p>
-          <a:p>
-            <a:r>
-              <a:rPr lang="en-US" dirty="0" smtClean="0"/>
+              <a:rPr lang="en-US" dirty="0"/>
+              <a:t>Understand the investor's interests, preferences, and criteria for investment.</a:t>
+            </a:r>
+          </a:p>
+          <a:p>
+            <a:r>
+              <a:rPr lang="en-US" dirty="0"/>
               <a:t>Practice</a:t>
             </a:r>
           </a:p>
           <a:p>
             <a:pPr lvl="1"/>
             <a:r>
-              <a:rPr lang="en-US" dirty="0" smtClean="0"/>
-              <a:t>Rehearse </a:t>
-            </a:r>
-            <a:r>
-              <a:rPr lang="en-US" dirty="0"/>
-              <a:t>the pitch to ensure a smooth and confident delivery.</a:t>
-            </a:r>
-          </a:p>
-          <a:p>
-            <a:r>
-              <a:rPr lang="en-US" dirty="0" smtClean="0"/>
+              <a:rPr lang="en-US" dirty="0"/>
+              <a:t>Rehearse the pitch to ensure a smooth and confident delivery.</a:t>
+            </a:r>
+          </a:p>
+          <a:p>
+            <a:r>
+              <a:rPr lang="en-US" dirty="0"/>
               <a:t>Perfect</a:t>
             </a:r>
           </a:p>
           <a:p>
             <a:pPr lvl="1"/>
             <a:r>
-              <a:rPr lang="en-US" dirty="0" smtClean="0"/>
-              <a:t>Refine </a:t>
-            </a:r>
-            <a:r>
-              <a:rPr lang="en-US" dirty="0"/>
-              <a:t>the pitch based on feedback from mentors, advisors, and potential investors</a:t>
-            </a:r>
-            <a:r>
-              <a:rPr lang="en-US" dirty="0" smtClean="0"/>
-              <a:t>.</a:t>
-            </a:r>
-            <a:endParaRPr lang="en-US" dirty="0"/>
+              <a:rPr lang="en-US" dirty="0"/>
+              <a:t>Refine the pitch based on feedback from mentors, advisors, and potential investors.</a:t>
+            </a:r>
           </a:p>
         </p:txBody>
       </p:sp>
@@ -12768,59 +12496,42 @@
           <a:lstStyle/>
           <a:p>
             <a:r>
-              <a:rPr lang="en-US" dirty="0" smtClean="0"/>
+              <a:rPr lang="en-US" dirty="0"/>
               <a:t>Confidence</a:t>
             </a:r>
           </a:p>
           <a:p>
             <a:pPr lvl="1"/>
             <a:r>
-              <a:rPr lang="en-US" dirty="0" smtClean="0"/>
-              <a:t>Show </a:t>
-            </a:r>
-            <a:r>
-              <a:rPr lang="en-US" dirty="0"/>
-              <a:t>confidence in the business idea and team.</a:t>
-            </a:r>
-          </a:p>
-          <a:p>
-            <a:r>
-              <a:rPr lang="en-US" dirty="0" smtClean="0"/>
+              <a:rPr lang="en-US" dirty="0"/>
+              <a:t>Show confidence in the business idea and team.</a:t>
+            </a:r>
+          </a:p>
+          <a:p>
+            <a:r>
+              <a:rPr lang="en-US" dirty="0"/>
               <a:t>Passion</a:t>
             </a:r>
           </a:p>
           <a:p>
             <a:pPr lvl="1"/>
             <a:r>
-              <a:rPr lang="en-US" dirty="0" smtClean="0"/>
-              <a:t>Demonstrate </a:t>
-            </a:r>
-            <a:r>
-              <a:rPr lang="en-US" dirty="0"/>
-              <a:t>passion for the business and its potential impact.</a:t>
-            </a:r>
-          </a:p>
-          <a:p>
-            <a:r>
-              <a:rPr lang="en-US" dirty="0" smtClean="0"/>
+              <a:rPr lang="en-US" dirty="0"/>
+              <a:t>Demonstrate passion for the business and its potential impact.</a:t>
+            </a:r>
+          </a:p>
+          <a:p>
+            <a:r>
+              <a:rPr lang="en-US" dirty="0"/>
               <a:t>Storytelling</a:t>
             </a:r>
           </a:p>
           <a:p>
             <a:pPr lvl="1"/>
             <a:r>
-              <a:rPr lang="en-US" dirty="0" smtClean="0"/>
-              <a:t>Use </a:t>
-            </a:r>
-            <a:r>
-              <a:rPr lang="en-US" dirty="0"/>
-              <a:t>storytelling techniques to engage the audience and make the pitch memorable</a:t>
-            </a:r>
-            <a:r>
-              <a:rPr lang="en-US" dirty="0" smtClean="0"/>
-              <a:t>.</a:t>
-            </a:r>
-            <a:endParaRPr lang="en-US" dirty="0"/>
+              <a:rPr lang="en-US" dirty="0"/>
+              <a:t>Use storytelling techniques to engage the audience and make the pitch memorable.</a:t>
+            </a:r>
           </a:p>
         </p:txBody>
       </p:sp>

--- a/SE495/Lectures/5-Securing Funding/Securing Funding.pptx
+++ b/SE495/Lectures/5-Securing Funding/Securing Funding.pptx
@@ -5,7 +5,7 @@
     <p:sldMasterId id="2147483648" r:id="rId1"/>
   </p:sldMasterIdLst>
   <p:notesMasterIdLst>
-    <p:notesMasterId r:id="rId42"/>
+    <p:notesMasterId r:id="rId43"/>
   </p:notesMasterIdLst>
   <p:sldIdLst>
     <p:sldId id="256" r:id="rId2"/>
@@ -13,41 +13,42 @@
     <p:sldId id="749" r:id="rId4"/>
     <p:sldId id="764" r:id="rId5"/>
     <p:sldId id="748" r:id="rId6"/>
-    <p:sldId id="750" r:id="rId7"/>
-    <p:sldId id="751" r:id="rId8"/>
-    <p:sldId id="752" r:id="rId9"/>
-    <p:sldId id="753" r:id="rId10"/>
-    <p:sldId id="755" r:id="rId11"/>
-    <p:sldId id="754" r:id="rId12"/>
-    <p:sldId id="756" r:id="rId13"/>
-    <p:sldId id="757" r:id="rId14"/>
-    <p:sldId id="758" r:id="rId15"/>
-    <p:sldId id="785" r:id="rId16"/>
-    <p:sldId id="760" r:id="rId17"/>
-    <p:sldId id="759" r:id="rId18"/>
-    <p:sldId id="761" r:id="rId19"/>
-    <p:sldId id="762" r:id="rId20"/>
-    <p:sldId id="763" r:id="rId21"/>
-    <p:sldId id="765" r:id="rId22"/>
-    <p:sldId id="766" r:id="rId23"/>
-    <p:sldId id="770" r:id="rId24"/>
-    <p:sldId id="771" r:id="rId25"/>
-    <p:sldId id="767" r:id="rId26"/>
-    <p:sldId id="769" r:id="rId27"/>
-    <p:sldId id="768" r:id="rId28"/>
-    <p:sldId id="772" r:id="rId29"/>
-    <p:sldId id="773" r:id="rId30"/>
-    <p:sldId id="774" r:id="rId31"/>
-    <p:sldId id="775" r:id="rId32"/>
-    <p:sldId id="777" r:id="rId33"/>
-    <p:sldId id="776" r:id="rId34"/>
-    <p:sldId id="778" r:id="rId35"/>
-    <p:sldId id="779" r:id="rId36"/>
-    <p:sldId id="780" r:id="rId37"/>
-    <p:sldId id="781" r:id="rId38"/>
-    <p:sldId id="782" r:id="rId39"/>
-    <p:sldId id="783" r:id="rId40"/>
-    <p:sldId id="784" r:id="rId41"/>
+    <p:sldId id="786" r:id="rId7"/>
+    <p:sldId id="750" r:id="rId8"/>
+    <p:sldId id="751" r:id="rId9"/>
+    <p:sldId id="752" r:id="rId10"/>
+    <p:sldId id="753" r:id="rId11"/>
+    <p:sldId id="755" r:id="rId12"/>
+    <p:sldId id="754" r:id="rId13"/>
+    <p:sldId id="756" r:id="rId14"/>
+    <p:sldId id="757" r:id="rId15"/>
+    <p:sldId id="758" r:id="rId16"/>
+    <p:sldId id="785" r:id="rId17"/>
+    <p:sldId id="760" r:id="rId18"/>
+    <p:sldId id="759" r:id="rId19"/>
+    <p:sldId id="761" r:id="rId20"/>
+    <p:sldId id="762" r:id="rId21"/>
+    <p:sldId id="763" r:id="rId22"/>
+    <p:sldId id="765" r:id="rId23"/>
+    <p:sldId id="766" r:id="rId24"/>
+    <p:sldId id="770" r:id="rId25"/>
+    <p:sldId id="771" r:id="rId26"/>
+    <p:sldId id="767" r:id="rId27"/>
+    <p:sldId id="769" r:id="rId28"/>
+    <p:sldId id="768" r:id="rId29"/>
+    <p:sldId id="772" r:id="rId30"/>
+    <p:sldId id="773" r:id="rId31"/>
+    <p:sldId id="774" r:id="rId32"/>
+    <p:sldId id="775" r:id="rId33"/>
+    <p:sldId id="777" r:id="rId34"/>
+    <p:sldId id="776" r:id="rId35"/>
+    <p:sldId id="778" r:id="rId36"/>
+    <p:sldId id="779" r:id="rId37"/>
+    <p:sldId id="780" r:id="rId38"/>
+    <p:sldId id="781" r:id="rId39"/>
+    <p:sldId id="782" r:id="rId40"/>
+    <p:sldId id="783" r:id="rId41"/>
+    <p:sldId id="784" r:id="rId42"/>
   </p:sldIdLst>
   <p:sldSz cx="12192000" cy="6858000"/>
   <p:notesSz cx="6858000" cy="9144000"/>
@@ -3190,7 +3191,7 @@
           <a:p>
             <a:fld id="{41DA9887-9249-49FD-809A-BACB264048C3}" type="datetimeFigureOut">
               <a:rPr lang="en-US" smtClean="0"/>
-              <a:t>1/29/2024</a:t>
+              <a:t>2/3/2024</a:t>
             </a:fld>
             <a:endParaRPr lang="en-US"/>
           </a:p>
@@ -3592,7 +3593,7 @@
           <a:p>
             <a:fld id="{EF213E56-3C1A-435A-851B-5B1F221C2038}" type="datetime1">
               <a:rPr lang="en-US" smtClean="0"/>
-              <a:t>1/29/2024</a:t>
+              <a:t>2/3/2024</a:t>
             </a:fld>
             <a:endParaRPr lang="en-US"/>
           </a:p>
@@ -3893,7 +3894,7 @@
           <a:p>
             <a:fld id="{B4696837-4851-4AA6-8AED-554226C981D1}" type="datetime1">
               <a:rPr lang="en-US" smtClean="0"/>
-              <a:t>1/29/2024</a:t>
+              <a:t>2/3/2024</a:t>
             </a:fld>
             <a:endParaRPr lang="en-US"/>
           </a:p>
@@ -4071,7 +4072,7 @@
           <a:p>
             <a:fld id="{BADD32E1-BB70-4827-BA33-FF5AFC435BE9}" type="datetime1">
               <a:rPr lang="en-US" smtClean="0"/>
-              <a:t>1/29/2024</a:t>
+              <a:t>2/3/2024</a:t>
             </a:fld>
             <a:endParaRPr lang="en-US"/>
           </a:p>
@@ -4314,7 +4315,7 @@
             </a:pPr>
             <a:fld id="{40B9EAF6-54F2-4DF5-9C6B-3F6F95B86356}" type="datetime1">
               <a:rPr lang="en-US" smtClean="0"/>
-              <a:t>1/29/2024</a:t>
+              <a:t>2/3/2024</a:t>
             </a:fld>
             <a:endParaRPr lang="en-US"/>
           </a:p>
@@ -4494,7 +4495,7 @@
             </a:pPr>
             <a:fld id="{D3D64A56-6FF4-479A-8655-719A18A98C4B}" type="datetime1">
               <a:rPr lang="en-US" smtClean="0"/>
-              <a:t>1/29/2024</a:t>
+              <a:t>2/3/2024</a:t>
             </a:fld>
             <a:endParaRPr lang="en-US"/>
           </a:p>
@@ -4775,7 +4776,7 @@
           <a:p>
             <a:fld id="{BB961044-FC46-4CBC-9061-59528F4899F3}" type="datetime1">
               <a:rPr lang="en-US" smtClean="0"/>
-              <a:t>1/29/2024</a:t>
+              <a:t>2/3/2024</a:t>
             </a:fld>
             <a:endParaRPr lang="en-US"/>
           </a:p>
@@ -5125,7 +5126,7 @@
           <a:p>
             <a:fld id="{4466A08C-77F3-471E-A5C4-1D2068144BAC}" type="datetime1">
               <a:rPr lang="en-US" smtClean="0"/>
-              <a:t>1/29/2024</a:t>
+              <a:t>2/3/2024</a:t>
             </a:fld>
             <a:endParaRPr lang="en-US"/>
           </a:p>
@@ -5354,7 +5355,7 @@
           <a:p>
             <a:fld id="{B90A7AD1-16F4-44C3-AE32-24C59A599E9D}" type="datetime1">
               <a:rPr lang="en-US" smtClean="0"/>
-              <a:t>1/29/2024</a:t>
+              <a:t>2/3/2024</a:t>
             </a:fld>
             <a:endParaRPr lang="en-US"/>
           </a:p>
@@ -5718,7 +5719,7 @@
           <a:p>
             <a:fld id="{B583DB4F-4316-4DF5-A229-BC1D787C82A0}" type="datetime1">
               <a:rPr lang="en-US" smtClean="0"/>
-              <a:t>1/29/2024</a:t>
+              <a:t>2/3/2024</a:t>
             </a:fld>
             <a:endParaRPr lang="en-US"/>
           </a:p>
@@ -5813,7 +5814,7 @@
           <a:p>
             <a:fld id="{AE6064B7-7A9F-432D-B7B9-6824267AA574}" type="datetime1">
               <a:rPr lang="en-US" smtClean="0"/>
-              <a:t>1/29/2024</a:t>
+              <a:t>2/3/2024</a:t>
             </a:fld>
             <a:endParaRPr lang="en-US"/>
           </a:p>
@@ -6038,7 +6039,7 @@
             <a:fld id="{B2F5E2FA-C428-4CE7-95B0-168D3259A5BB}" type="datetimeFigureOut">
               <a:rPr lang="en-US" smtClean="0"/>
               <a:pPr/>
-              <a:t>1/29/2024</a:t>
+              <a:t>2/3/2024</a:t>
             </a:fld>
             <a:endParaRPr lang="en-US"/>
           </a:p>
@@ -6215,7 +6216,7 @@
           <a:p>
             <a:fld id="{4E1C93A2-B712-486A-8AB5-D41B95D547BE}" type="datetime1">
               <a:rPr lang="en-US" smtClean="0"/>
-              <a:t>1/29/2024</a:t>
+              <a:t>2/3/2024</a:t>
             </a:fld>
             <a:endParaRPr lang="en-US"/>
           </a:p>
@@ -6490,7 +6491,7 @@
           <a:p>
             <a:fld id="{CAB2F318-F19F-4608-B7EF-F7FB8A482213}" type="datetime1">
               <a:rPr lang="en-US" smtClean="0"/>
-              <a:t>1/29/2024</a:t>
+              <a:t>2/3/2024</a:t>
             </a:fld>
             <a:endParaRPr lang="en-US"/>
           </a:p>
@@ -6742,7 +6743,7 @@
           <a:p>
             <a:fld id="{BB9CEF8C-69D6-4C3E-B892-F682F307A7B6}" type="datetime1">
               <a:rPr lang="en-US" smtClean="0"/>
-              <a:t>1/29/2024</a:t>
+              <a:t>2/3/2024</a:t>
             </a:fld>
             <a:endParaRPr lang="en-US"/>
           </a:p>
@@ -6953,7 +6954,7 @@
           <a:p>
             <a:fld id="{FB737C73-4A31-4C17-AFB7-7B8470027787}" type="datetime1">
               <a:rPr lang="en-US" smtClean="0"/>
-              <a:t>1/29/2024</a:t>
+              <a:t>2/3/2024</a:t>
             </a:fld>
             <a:endParaRPr lang="en-US"/>
           </a:p>
@@ -7472,7 +7473,7 @@
       </p:grpSpPr>
       <p:sp>
         <p:nvSpPr>
-          <p:cNvPr id="5" name="Title 4"/>
+          <p:cNvPr id="2" name="Title 1"/>
           <p:cNvSpPr>
             <a:spLocks noGrp="1"/>
           </p:cNvSpPr>
@@ -7487,27 +7488,63 @@
           <a:p>
             <a:r>
               <a:rPr lang="en-US" dirty="0"/>
-              <a:t>Crafting a Compelling Pitch</a:t>
-            </a:r>
-          </a:p>
-        </p:txBody>
-      </p:sp>
-      <p:sp>
-        <p:nvSpPr>
-          <p:cNvPr id="6" name="Text Placeholder 5"/>
-          <p:cNvSpPr>
-            <a:spLocks noGrp="1"/>
-          </p:cNvSpPr>
-          <p:nvPr>
-            <p:ph type="body" idx="1"/>
-          </p:nvPr>
-        </p:nvSpPr>
-        <p:spPr/>
-        <p:txBody>
-          <a:bodyPr/>
-          <a:lstStyle/>
-          <a:p>
-            <a:endParaRPr lang="en-US"/>
+              <a:t> Confidence, Passion, and Storytelling</a:t>
+            </a:r>
+          </a:p>
+        </p:txBody>
+      </p:sp>
+      <p:sp>
+        <p:nvSpPr>
+          <p:cNvPr id="3" name="Content Placeholder 2"/>
+          <p:cNvSpPr>
+            <a:spLocks noGrp="1"/>
+          </p:cNvSpPr>
+          <p:nvPr>
+            <p:ph idx="1"/>
+          </p:nvPr>
+        </p:nvSpPr>
+        <p:spPr/>
+        <p:txBody>
+          <a:bodyPr/>
+          <a:lstStyle/>
+          <a:p>
+            <a:r>
+              <a:rPr lang="en-US" dirty="0"/>
+              <a:t>Confidence</a:t>
+            </a:r>
+          </a:p>
+          <a:p>
+            <a:pPr lvl="1"/>
+            <a:r>
+              <a:rPr lang="en-US" dirty="0"/>
+              <a:t>Show confidence in the business idea and team.</a:t>
+            </a:r>
+          </a:p>
+          <a:p>
+            <a:r>
+              <a:rPr lang="en-US" dirty="0"/>
+              <a:t>Passion</a:t>
+            </a:r>
+          </a:p>
+          <a:p>
+            <a:pPr lvl="1"/>
+            <a:r>
+              <a:rPr lang="en-US" dirty="0"/>
+              <a:t>Demonstrate passion for the business and its potential impact.</a:t>
+            </a:r>
+          </a:p>
+          <a:p>
+            <a:r>
+              <a:rPr lang="en-US" dirty="0"/>
+              <a:t>Storytelling</a:t>
+            </a:r>
+          </a:p>
+          <a:p>
+            <a:pPr lvl="1"/>
+            <a:r>
+              <a:rPr lang="en-US" dirty="0"/>
+              <a:t>Use storytelling techniques to engage the audience and make the pitch memorable.</a:t>
+            </a:r>
           </a:p>
         </p:txBody>
       </p:sp>
@@ -7538,7 +7575,7 @@
     </p:spTree>
     <p:extLst>
       <p:ext uri="{BB962C8B-B14F-4D97-AF65-F5344CB8AC3E}">
-        <p14:creationId xmlns:p14="http://schemas.microsoft.com/office/powerpoint/2010/main" val="3357294653"/>
+        <p14:creationId xmlns:p14="http://schemas.microsoft.com/office/powerpoint/2010/main" val="1594691222"/>
       </p:ext>
     </p:extLst>
   </p:cSld>
@@ -7567,7 +7604,7 @@
       </p:grpSpPr>
       <p:sp>
         <p:nvSpPr>
-          <p:cNvPr id="2" name="Title 1"/>
+          <p:cNvPr id="5" name="Title 4"/>
           <p:cNvSpPr>
             <a:spLocks noGrp="1"/>
           </p:cNvSpPr>
@@ -7589,29 +7626,20 @@
       </p:sp>
       <p:sp>
         <p:nvSpPr>
-          <p:cNvPr id="3" name="Content Placeholder 2"/>
-          <p:cNvSpPr>
-            <a:spLocks noGrp="1"/>
-          </p:cNvSpPr>
-          <p:nvPr>
-            <p:ph idx="1"/>
-          </p:nvPr>
-        </p:nvSpPr>
-        <p:spPr/>
-        <p:txBody>
-          <a:bodyPr/>
-          <a:lstStyle/>
-          <a:p>
-            <a:r>
-              <a:rPr lang="en-US" dirty="0"/>
-              <a:t>A pitch is a presentation that entrepreneurs use to convince investors or stakeholders to invest in their business.</a:t>
-            </a:r>
-          </a:p>
-          <a:p>
-            <a:r>
-              <a:rPr lang="en-US" dirty="0"/>
-              <a:t>A compelling pitch is crucial for securing funding and support for a business.</a:t>
-            </a:r>
+          <p:cNvPr id="6" name="Text Placeholder 5"/>
+          <p:cNvSpPr>
+            <a:spLocks noGrp="1"/>
+          </p:cNvSpPr>
+          <p:nvPr>
+            <p:ph type="body" idx="1"/>
+          </p:nvPr>
+        </p:nvSpPr>
+        <p:spPr/>
+        <p:txBody>
+          <a:bodyPr/>
+          <a:lstStyle/>
+          <a:p>
+            <a:endParaRPr lang="en-US"/>
           </a:p>
         </p:txBody>
       </p:sp>
@@ -7639,32 +7667,10 @@
           </a:p>
         </p:txBody>
       </p:sp>
-      <p:graphicFrame>
-        <p:nvGraphicFramePr>
-          <p:cNvPr id="5" name="Diagram 4"/>
-          <p:cNvGraphicFramePr/>
-          <p:nvPr>
-            <p:extLst>
-              <p:ext uri="{D42A27DB-BD31-4B8C-83A1-F6EECF244321}">
-                <p14:modId xmlns:p14="http://schemas.microsoft.com/office/powerpoint/2010/main" val="974247855"/>
-              </p:ext>
-            </p:extLst>
-          </p:nvPr>
-        </p:nvGraphicFramePr>
-        <p:xfrm>
-          <a:off x="4188604" y="3134824"/>
-          <a:ext cx="6439139" cy="3217727"/>
-        </p:xfrm>
-        <a:graphic>
-          <a:graphicData uri="http://schemas.openxmlformats.org/drawingml/2006/diagram">
-            <dgm:relIds xmlns:dgm="http://schemas.openxmlformats.org/drawingml/2006/diagram" xmlns:r="http://schemas.openxmlformats.org/officeDocument/2006/relationships" r:dm="rId2" r:lo="rId3" r:qs="rId4" r:cs="rId5"/>
-          </a:graphicData>
-        </a:graphic>
-      </p:graphicFrame>
     </p:spTree>
     <p:extLst>
       <p:ext uri="{BB962C8B-B14F-4D97-AF65-F5344CB8AC3E}">
-        <p14:creationId xmlns:p14="http://schemas.microsoft.com/office/powerpoint/2010/main" val="3954808368"/>
+        <p14:creationId xmlns:p14="http://schemas.microsoft.com/office/powerpoint/2010/main" val="3357294653"/>
       </p:ext>
     </p:extLst>
   </p:cSld>
@@ -7708,7 +7714,7 @@
           <a:p>
             <a:r>
               <a:rPr lang="en-US" dirty="0"/>
-              <a:t>Tips for Creating a Clear and Concise Pitch</a:t>
+              <a:t>Crafting a Compelling Pitch</a:t>
             </a:r>
           </a:p>
         </p:txBody>
@@ -7730,40 +7736,13 @@
           <a:p>
             <a:r>
               <a:rPr lang="en-US" dirty="0"/>
-              <a:t>Focus on the essentials</a:t>
-            </a:r>
-          </a:p>
-          <a:p>
-            <a:pPr lvl="1"/>
-            <a:r>
-              <a:rPr lang="en-US" dirty="0"/>
-              <a:t>Avoid unnecessary details and focus on the key elements of the pitch.</a:t>
-            </a:r>
-          </a:p>
-          <a:p>
-            <a:r>
-              <a:rPr lang="en-US" dirty="0"/>
-              <a:t>Practice</a:t>
-            </a:r>
-          </a:p>
-          <a:p>
-            <a:pPr lvl="1"/>
-            <a:r>
-              <a:rPr lang="en-US" dirty="0"/>
-              <a:t>Rehearse the pitch to ensure a smooth and confident delivery.</a:t>
-            </a:r>
-          </a:p>
-          <a:p>
-            <a:r>
-              <a:rPr lang="en-US" dirty="0"/>
-              <a:t>Use storytelling techniques</a:t>
-            </a:r>
-          </a:p>
-          <a:p>
-            <a:pPr lvl="1"/>
-            <a:r>
-              <a:rPr lang="en-US" dirty="0"/>
-              <a:t>Use anecdotes and examples to make the pitch more engaging and memorable.</a:t>
+              <a:t>A pitch is a presentation that entrepreneurs use to convince investors or stakeholders to invest in their business.</a:t>
+            </a:r>
+          </a:p>
+          <a:p>
+            <a:r>
+              <a:rPr lang="en-US" dirty="0"/>
+              <a:t>A compelling pitch is crucial for securing funding and support for a business.</a:t>
             </a:r>
           </a:p>
         </p:txBody>
@@ -7787,6 +7766,159 @@
               <a:rPr lang="en-US" smtClean="0"/>
               <a:pPr/>
               <a:t>12</a:t>
+            </a:fld>
+            <a:endParaRPr lang="en-US" dirty="0"/>
+          </a:p>
+        </p:txBody>
+      </p:sp>
+      <p:graphicFrame>
+        <p:nvGraphicFramePr>
+          <p:cNvPr id="5" name="Diagram 4"/>
+          <p:cNvGraphicFramePr/>
+          <p:nvPr>
+            <p:extLst>
+              <p:ext uri="{D42A27DB-BD31-4B8C-83A1-F6EECF244321}">
+                <p14:modId xmlns:p14="http://schemas.microsoft.com/office/powerpoint/2010/main" val="974247855"/>
+              </p:ext>
+            </p:extLst>
+          </p:nvPr>
+        </p:nvGraphicFramePr>
+        <p:xfrm>
+          <a:off x="4188604" y="3134824"/>
+          <a:ext cx="6439139" cy="3217727"/>
+        </p:xfrm>
+        <a:graphic>
+          <a:graphicData uri="http://schemas.openxmlformats.org/drawingml/2006/diagram">
+            <dgm:relIds xmlns:dgm="http://schemas.openxmlformats.org/drawingml/2006/diagram" xmlns:r="http://schemas.openxmlformats.org/officeDocument/2006/relationships" r:dm="rId2" r:lo="rId3" r:qs="rId4" r:cs="rId5"/>
+          </a:graphicData>
+        </a:graphic>
+      </p:graphicFrame>
+    </p:spTree>
+    <p:extLst>
+      <p:ext uri="{BB962C8B-B14F-4D97-AF65-F5344CB8AC3E}">
+        <p14:creationId xmlns:p14="http://schemas.microsoft.com/office/powerpoint/2010/main" val="3954808368"/>
+      </p:ext>
+    </p:extLst>
+  </p:cSld>
+  <p:clrMapOvr>
+    <a:masterClrMapping/>
+  </p:clrMapOvr>
+</p:sld>
+</file>
+
+<file path=ppt/slides/slide13.xml><?xml version="1.0" encoding="utf-8"?>
+<p:sld xmlns:a="http://schemas.openxmlformats.org/drawingml/2006/main" xmlns:r="http://schemas.openxmlformats.org/officeDocument/2006/relationships" xmlns:p="http://schemas.openxmlformats.org/presentationml/2006/main">
+  <p:cSld>
+    <p:spTree>
+      <p:nvGrpSpPr>
+        <p:cNvPr id="1" name=""/>
+        <p:cNvGrpSpPr/>
+        <p:nvPr/>
+      </p:nvGrpSpPr>
+      <p:grpSpPr>
+        <a:xfrm>
+          <a:off x="0" y="0"/>
+          <a:ext cx="0" cy="0"/>
+          <a:chOff x="0" y="0"/>
+          <a:chExt cx="0" cy="0"/>
+        </a:xfrm>
+      </p:grpSpPr>
+      <p:sp>
+        <p:nvSpPr>
+          <p:cNvPr id="2" name="Title 1"/>
+          <p:cNvSpPr>
+            <a:spLocks noGrp="1"/>
+          </p:cNvSpPr>
+          <p:nvPr>
+            <p:ph type="title"/>
+          </p:nvPr>
+        </p:nvSpPr>
+        <p:spPr/>
+        <p:txBody>
+          <a:bodyPr/>
+          <a:lstStyle/>
+          <a:p>
+            <a:r>
+              <a:rPr lang="en-US" dirty="0"/>
+              <a:t>Tips for Creating a Clear and Concise Pitch</a:t>
+            </a:r>
+          </a:p>
+        </p:txBody>
+      </p:sp>
+      <p:sp>
+        <p:nvSpPr>
+          <p:cNvPr id="3" name="Content Placeholder 2"/>
+          <p:cNvSpPr>
+            <a:spLocks noGrp="1"/>
+          </p:cNvSpPr>
+          <p:nvPr>
+            <p:ph idx="1"/>
+          </p:nvPr>
+        </p:nvSpPr>
+        <p:spPr/>
+        <p:txBody>
+          <a:bodyPr/>
+          <a:lstStyle/>
+          <a:p>
+            <a:r>
+              <a:rPr lang="en-US" dirty="0"/>
+              <a:t>Focus on the essentials</a:t>
+            </a:r>
+          </a:p>
+          <a:p>
+            <a:pPr lvl="1"/>
+            <a:r>
+              <a:rPr lang="en-US" dirty="0"/>
+              <a:t>Avoid unnecessary details and focus on the key elements of the pitch.</a:t>
+            </a:r>
+          </a:p>
+          <a:p>
+            <a:r>
+              <a:rPr lang="en-US" dirty="0"/>
+              <a:t>Practice</a:t>
+            </a:r>
+          </a:p>
+          <a:p>
+            <a:pPr lvl="1"/>
+            <a:r>
+              <a:rPr lang="en-US" dirty="0"/>
+              <a:t>Rehearse the pitch to ensure a smooth and confident delivery.</a:t>
+            </a:r>
+          </a:p>
+          <a:p>
+            <a:r>
+              <a:rPr lang="en-US" dirty="0"/>
+              <a:t>Use storytelling techniques</a:t>
+            </a:r>
+          </a:p>
+          <a:p>
+            <a:pPr lvl="1"/>
+            <a:r>
+              <a:rPr lang="en-US" dirty="0"/>
+              <a:t>Use anecdotes and examples to make the pitch more engaging and memorable.</a:t>
+            </a:r>
+          </a:p>
+        </p:txBody>
+      </p:sp>
+      <p:sp>
+        <p:nvSpPr>
+          <p:cNvPr id="4" name="Slide Number Placeholder 3"/>
+          <p:cNvSpPr>
+            <a:spLocks noGrp="1"/>
+          </p:cNvSpPr>
+          <p:nvPr>
+            <p:ph type="sldNum" sz="quarter" idx="12"/>
+          </p:nvPr>
+        </p:nvSpPr>
+        <p:spPr/>
+        <p:txBody>
+          <a:bodyPr/>
+          <a:lstStyle/>
+          <a:p>
+            <a:fld id="{B8DACC02-A2BD-4578-8E03-6D891060A695}" type="slidenum">
+              <a:rPr lang="en-US" smtClean="0"/>
+              <a:pPr/>
+              <a:t>13</a:t>
             </a:fld>
             <a:endParaRPr lang="en-US" dirty="0"/>
           </a:p>
@@ -7846,116 +7978,6 @@
 </p:sld>
 </file>
 
-<file path=ppt/slides/slide13.xml><?xml version="1.0" encoding="utf-8"?>
-<p:sld xmlns:a="http://schemas.openxmlformats.org/drawingml/2006/main" xmlns:r="http://schemas.openxmlformats.org/officeDocument/2006/relationships" xmlns:p="http://schemas.openxmlformats.org/presentationml/2006/main">
-  <p:cSld>
-    <p:spTree>
-      <p:nvGrpSpPr>
-        <p:cNvPr id="1" name=""/>
-        <p:cNvGrpSpPr/>
-        <p:nvPr/>
-      </p:nvGrpSpPr>
-      <p:grpSpPr>
-        <a:xfrm>
-          <a:off x="0" y="0"/>
-          <a:ext cx="0" cy="0"/>
-          <a:chOff x="0" y="0"/>
-          <a:chExt cx="0" cy="0"/>
-        </a:xfrm>
-      </p:grpSpPr>
-      <p:sp>
-        <p:nvSpPr>
-          <p:cNvPr id="2" name="Title 1"/>
-          <p:cNvSpPr>
-            <a:spLocks noGrp="1"/>
-          </p:cNvSpPr>
-          <p:nvPr>
-            <p:ph type="title"/>
-          </p:nvPr>
-        </p:nvSpPr>
-        <p:spPr/>
-        <p:txBody>
-          <a:bodyPr/>
-          <a:lstStyle/>
-          <a:p>
-            <a:r>
-              <a:rPr lang="en-US" dirty="0"/>
-              <a:t> Common Mistakes to Avoid in a Pitch</a:t>
-            </a:r>
-          </a:p>
-        </p:txBody>
-      </p:sp>
-      <p:sp>
-        <p:nvSpPr>
-          <p:cNvPr id="3" name="Content Placeholder 2"/>
-          <p:cNvSpPr>
-            <a:spLocks noGrp="1"/>
-          </p:cNvSpPr>
-          <p:nvPr>
-            <p:ph idx="1"/>
-          </p:nvPr>
-        </p:nvSpPr>
-        <p:spPr/>
-        <p:txBody>
-          <a:bodyPr/>
-          <a:lstStyle/>
-          <a:p>
-            <a:r>
-              <a:rPr lang="en-US" dirty="0"/>
-              <a:t>Lack of preparation: Failing to research the investor's interests and preferences.</a:t>
-            </a:r>
-          </a:p>
-          <a:p>
-            <a:r>
-              <a:rPr lang="en-US" dirty="0"/>
-              <a:t>Poor storytelling: Failing to engage the audience with a compelling narrative.</a:t>
-            </a:r>
-          </a:p>
-          <a:p>
-            <a:r>
-              <a:rPr lang="en-US" dirty="0"/>
-              <a:t>Overemphasis on technology: Focusing too much on the technical details of the product or service.</a:t>
-            </a:r>
-          </a:p>
-        </p:txBody>
-      </p:sp>
-      <p:sp>
-        <p:nvSpPr>
-          <p:cNvPr id="4" name="Slide Number Placeholder 3"/>
-          <p:cNvSpPr>
-            <a:spLocks noGrp="1"/>
-          </p:cNvSpPr>
-          <p:nvPr>
-            <p:ph type="sldNum" sz="quarter" idx="12"/>
-          </p:nvPr>
-        </p:nvSpPr>
-        <p:spPr/>
-        <p:txBody>
-          <a:bodyPr/>
-          <a:lstStyle/>
-          <a:p>
-            <a:fld id="{B8DACC02-A2BD-4578-8E03-6D891060A695}" type="slidenum">
-              <a:rPr lang="en-US" smtClean="0"/>
-              <a:pPr/>
-              <a:t>13</a:t>
-            </a:fld>
-            <a:endParaRPr lang="en-US" dirty="0"/>
-          </a:p>
-        </p:txBody>
-      </p:sp>
-    </p:spTree>
-    <p:extLst>
-      <p:ext uri="{BB962C8B-B14F-4D97-AF65-F5344CB8AC3E}">
-        <p14:creationId xmlns:p14="http://schemas.microsoft.com/office/powerpoint/2010/main" val="2793348912"/>
-      </p:ext>
-    </p:extLst>
-  </p:cSld>
-  <p:clrMapOvr>
-    <a:masterClrMapping/>
-  </p:clrMapOvr>
-</p:sld>
-</file>
-
 <file path=ppt/slides/slide14.xml><?xml version="1.0" encoding="utf-8"?>
 <p:sld xmlns:a="http://schemas.openxmlformats.org/drawingml/2006/main" xmlns:r="http://schemas.openxmlformats.org/officeDocument/2006/relationships" xmlns:p="http://schemas.openxmlformats.org/presentationml/2006/main">
   <p:cSld>
@@ -7990,7 +8012,7 @@
           <a:p>
             <a:r>
               <a:rPr lang="en-US" dirty="0"/>
-              <a:t>Crafting a Compelling Pitch</a:t>
+              <a:t> Common Mistakes to Avoid in a Pitch</a:t>
             </a:r>
           </a:p>
         </p:txBody>
@@ -8012,49 +8034,19 @@
           <a:p>
             <a:r>
               <a:rPr lang="en-US" dirty="0"/>
-              <a:t>Understanding Your Audience</a:t>
-            </a:r>
-          </a:p>
-          <a:p>
-            <a:r>
-              <a:rPr lang="en-US" dirty="0"/>
-              <a:t>Defining Your Value Proposition</a:t>
-            </a:r>
-          </a:p>
-          <a:p>
-            <a:r>
-              <a:rPr lang="en-US" dirty="0"/>
-              <a:t>Crafting a Captivating Story</a:t>
-            </a:r>
-          </a:p>
-          <a:p>
-            <a:r>
-              <a:rPr lang="en-US" dirty="0"/>
-              <a:t>Building a Strong Brand</a:t>
-            </a:r>
-          </a:p>
-          <a:p>
-            <a:r>
-              <a:rPr lang="en-US" dirty="0"/>
-              <a:t>Creating a Compelling Demo</a:t>
-            </a:r>
-          </a:p>
-          <a:p>
-            <a:r>
-              <a:rPr lang="en-US" dirty="0"/>
-              <a:t>Preparing for Common Questions</a:t>
-            </a:r>
-          </a:p>
-          <a:p>
-            <a:r>
-              <a:rPr lang="en-US" dirty="0"/>
-              <a:t>Practicing Your Pitch</a:t>
-            </a:r>
-          </a:p>
-          <a:p>
-            <a:r>
-              <a:rPr lang="en-US" dirty="0"/>
-              <a:t>Delivering a Confident and Effective Pitch</a:t>
+              <a:t>Lack of preparation: Failing to research the investor's interests and preferences.</a:t>
+            </a:r>
+          </a:p>
+          <a:p>
+            <a:r>
+              <a:rPr lang="en-US" dirty="0"/>
+              <a:t>Poor storytelling: Failing to engage the audience with a compelling narrative.</a:t>
+            </a:r>
+          </a:p>
+          <a:p>
+            <a:r>
+              <a:rPr lang="en-US" dirty="0"/>
+              <a:t>Overemphasis on technology: Focusing too much on the technical details of the product or service.</a:t>
             </a:r>
           </a:p>
         </p:txBody>
@@ -8086,7 +8078,7 @@
     </p:spTree>
     <p:extLst>
       <p:ext uri="{BB962C8B-B14F-4D97-AF65-F5344CB8AC3E}">
-        <p14:creationId xmlns:p14="http://schemas.microsoft.com/office/powerpoint/2010/main" val="2550264859"/>
+        <p14:creationId xmlns:p14="http://schemas.microsoft.com/office/powerpoint/2010/main" val="2793348912"/>
       </p:ext>
     </p:extLst>
   </p:cSld>
@@ -8130,7 +8122,7 @@
           <a:p>
             <a:r>
               <a:rPr lang="en-US" dirty="0"/>
-              <a:t>Final tips</a:t>
+              <a:t>Crafting a Compelling Pitch</a:t>
             </a:r>
           </a:p>
         </p:txBody>
@@ -8152,19 +8144,49 @@
           <a:p>
             <a:r>
               <a:rPr lang="en-US" dirty="0"/>
-              <a:t>Be authentic and passionate about the business.</a:t>
-            </a:r>
-          </a:p>
-          <a:p>
-            <a:r>
-              <a:rPr lang="en-US" dirty="0"/>
-              <a:t>Use visual aids to support the pitch.</a:t>
-            </a:r>
-          </a:p>
-          <a:p>
-            <a:r>
-              <a:rPr lang="en-US" dirty="0"/>
-              <a:t>Anticipate questions and have a clear call to action.</a:t>
+              <a:t>Understanding Your Audience</a:t>
+            </a:r>
+          </a:p>
+          <a:p>
+            <a:r>
+              <a:rPr lang="en-US" dirty="0"/>
+              <a:t>Defining Your Value Proposition</a:t>
+            </a:r>
+          </a:p>
+          <a:p>
+            <a:r>
+              <a:rPr lang="en-US" dirty="0"/>
+              <a:t>Crafting a Captivating Story</a:t>
+            </a:r>
+          </a:p>
+          <a:p>
+            <a:r>
+              <a:rPr lang="en-US" dirty="0"/>
+              <a:t>Building a Strong Brand</a:t>
+            </a:r>
+          </a:p>
+          <a:p>
+            <a:r>
+              <a:rPr lang="en-US" dirty="0"/>
+              <a:t>Creating a Compelling Demo</a:t>
+            </a:r>
+          </a:p>
+          <a:p>
+            <a:r>
+              <a:rPr lang="en-US" dirty="0"/>
+              <a:t>Preparing for Common Questions</a:t>
+            </a:r>
+          </a:p>
+          <a:p>
+            <a:r>
+              <a:rPr lang="en-US" dirty="0"/>
+              <a:t>Practicing Your Pitch</a:t>
+            </a:r>
+          </a:p>
+          <a:p>
+            <a:r>
+              <a:rPr lang="en-US" dirty="0"/>
+              <a:t>Delivering a Confident and Effective Pitch</a:t>
             </a:r>
           </a:p>
         </p:txBody>
@@ -8196,7 +8218,7 @@
     </p:spTree>
     <p:extLst>
       <p:ext uri="{BB962C8B-B14F-4D97-AF65-F5344CB8AC3E}">
-        <p14:creationId xmlns:p14="http://schemas.microsoft.com/office/powerpoint/2010/main" val="526589974"/>
+        <p14:creationId xmlns:p14="http://schemas.microsoft.com/office/powerpoint/2010/main" val="2550264859"/>
       </p:ext>
     </p:extLst>
   </p:cSld>
@@ -8225,7 +8247,7 @@
       </p:grpSpPr>
       <p:sp>
         <p:nvSpPr>
-          <p:cNvPr id="5" name="Title 4"/>
+          <p:cNvPr id="2" name="Title 1"/>
           <p:cNvSpPr>
             <a:spLocks noGrp="1"/>
           </p:cNvSpPr>
@@ -8240,27 +8262,42 @@
           <a:p>
             <a:r>
               <a:rPr lang="en-US" dirty="0"/>
-              <a:t>Investor Perspectives and Expectations</a:t>
-            </a:r>
-          </a:p>
-        </p:txBody>
-      </p:sp>
-      <p:sp>
-        <p:nvSpPr>
-          <p:cNvPr id="6" name="Text Placeholder 5"/>
-          <p:cNvSpPr>
-            <a:spLocks noGrp="1"/>
-          </p:cNvSpPr>
-          <p:nvPr>
-            <p:ph type="body" idx="1"/>
-          </p:nvPr>
-        </p:nvSpPr>
-        <p:spPr/>
-        <p:txBody>
-          <a:bodyPr/>
-          <a:lstStyle/>
-          <a:p>
-            <a:endParaRPr lang="en-US"/>
+              <a:t>Final tips</a:t>
+            </a:r>
+          </a:p>
+        </p:txBody>
+      </p:sp>
+      <p:sp>
+        <p:nvSpPr>
+          <p:cNvPr id="3" name="Content Placeholder 2"/>
+          <p:cNvSpPr>
+            <a:spLocks noGrp="1"/>
+          </p:cNvSpPr>
+          <p:nvPr>
+            <p:ph idx="1"/>
+          </p:nvPr>
+        </p:nvSpPr>
+        <p:spPr/>
+        <p:txBody>
+          <a:bodyPr/>
+          <a:lstStyle/>
+          <a:p>
+            <a:r>
+              <a:rPr lang="en-US" dirty="0"/>
+              <a:t>Be authentic and passionate about the business.</a:t>
+            </a:r>
+          </a:p>
+          <a:p>
+            <a:r>
+              <a:rPr lang="en-US" dirty="0"/>
+              <a:t>Use visual aids to support the pitch.</a:t>
+            </a:r>
+          </a:p>
+          <a:p>
+            <a:r>
+              <a:rPr lang="en-US" dirty="0"/>
+              <a:t>Anticipate questions and have a clear call to action.</a:t>
+            </a:r>
           </a:p>
         </p:txBody>
       </p:sp>
@@ -8291,7 +8328,7 @@
     </p:spTree>
     <p:extLst>
       <p:ext uri="{BB962C8B-B14F-4D97-AF65-F5344CB8AC3E}">
-        <p14:creationId xmlns:p14="http://schemas.microsoft.com/office/powerpoint/2010/main" val="3656958942"/>
+        <p14:creationId xmlns:p14="http://schemas.microsoft.com/office/powerpoint/2010/main" val="526589974"/>
       </p:ext>
     </p:extLst>
   </p:cSld>
@@ -8320,7 +8357,7 @@
       </p:grpSpPr>
       <p:sp>
         <p:nvSpPr>
-          <p:cNvPr id="2" name="Title 1"/>
+          <p:cNvPr id="5" name="Title 4"/>
           <p:cNvSpPr>
             <a:spLocks noGrp="1"/>
           </p:cNvSpPr>
@@ -8335,36 +8372,27 @@
           <a:p>
             <a:r>
               <a:rPr lang="en-US" dirty="0"/>
-              <a:t>Introduction</a:t>
-            </a:r>
-          </a:p>
-        </p:txBody>
-      </p:sp>
-      <p:sp>
-        <p:nvSpPr>
-          <p:cNvPr id="3" name="Content Placeholder 2"/>
-          <p:cNvSpPr>
-            <a:spLocks noGrp="1"/>
-          </p:cNvSpPr>
-          <p:nvPr>
-            <p:ph idx="1"/>
-          </p:nvPr>
-        </p:nvSpPr>
-        <p:spPr/>
-        <p:txBody>
-          <a:bodyPr/>
-          <a:lstStyle/>
-          <a:p>
-            <a:r>
-              <a:rPr lang="en-US" dirty="0"/>
-              <a:t>Investors are individuals or organizations that provide capital to startups in exchange for equity or other forms of return.</a:t>
-            </a:r>
-          </a:p>
-          <a:p>
-            <a:r>
-              <a:rPr lang="en-US" dirty="0"/>
-              <a:t>Understanding investor perspectives is crucial for crafting a compelling pitch and securing funding.</a:t>
-            </a:r>
+              <a:t>Investor Perspectives and Expectations</a:t>
+            </a:r>
+          </a:p>
+        </p:txBody>
+      </p:sp>
+      <p:sp>
+        <p:nvSpPr>
+          <p:cNvPr id="6" name="Text Placeholder 5"/>
+          <p:cNvSpPr>
+            <a:spLocks noGrp="1"/>
+          </p:cNvSpPr>
+          <p:nvPr>
+            <p:ph type="body" idx="1"/>
+          </p:nvPr>
+        </p:nvSpPr>
+        <p:spPr/>
+        <p:txBody>
+          <a:bodyPr/>
+          <a:lstStyle/>
+          <a:p>
+            <a:endParaRPr lang="en-US"/>
           </a:p>
         </p:txBody>
       </p:sp>
@@ -8387,6 +8415,110 @@
               <a:rPr lang="en-US" smtClean="0"/>
               <a:pPr/>
               <a:t>17</a:t>
+            </a:fld>
+            <a:endParaRPr lang="en-US" dirty="0"/>
+          </a:p>
+        </p:txBody>
+      </p:sp>
+    </p:spTree>
+    <p:extLst>
+      <p:ext uri="{BB962C8B-B14F-4D97-AF65-F5344CB8AC3E}">
+        <p14:creationId xmlns:p14="http://schemas.microsoft.com/office/powerpoint/2010/main" val="3656958942"/>
+      </p:ext>
+    </p:extLst>
+  </p:cSld>
+  <p:clrMapOvr>
+    <a:masterClrMapping/>
+  </p:clrMapOvr>
+</p:sld>
+</file>
+
+<file path=ppt/slides/slide18.xml><?xml version="1.0" encoding="utf-8"?>
+<p:sld xmlns:a="http://schemas.openxmlformats.org/drawingml/2006/main" xmlns:r="http://schemas.openxmlformats.org/officeDocument/2006/relationships" xmlns:p="http://schemas.openxmlformats.org/presentationml/2006/main">
+  <p:cSld>
+    <p:spTree>
+      <p:nvGrpSpPr>
+        <p:cNvPr id="1" name=""/>
+        <p:cNvGrpSpPr/>
+        <p:nvPr/>
+      </p:nvGrpSpPr>
+      <p:grpSpPr>
+        <a:xfrm>
+          <a:off x="0" y="0"/>
+          <a:ext cx="0" cy="0"/>
+          <a:chOff x="0" y="0"/>
+          <a:chExt cx="0" cy="0"/>
+        </a:xfrm>
+      </p:grpSpPr>
+      <p:sp>
+        <p:nvSpPr>
+          <p:cNvPr id="2" name="Title 1"/>
+          <p:cNvSpPr>
+            <a:spLocks noGrp="1"/>
+          </p:cNvSpPr>
+          <p:nvPr>
+            <p:ph type="title"/>
+          </p:nvPr>
+        </p:nvSpPr>
+        <p:spPr/>
+        <p:txBody>
+          <a:bodyPr/>
+          <a:lstStyle/>
+          <a:p>
+            <a:r>
+              <a:rPr lang="en-US" dirty="0"/>
+              <a:t>Introduction</a:t>
+            </a:r>
+          </a:p>
+        </p:txBody>
+      </p:sp>
+      <p:sp>
+        <p:nvSpPr>
+          <p:cNvPr id="3" name="Content Placeholder 2"/>
+          <p:cNvSpPr>
+            <a:spLocks noGrp="1"/>
+          </p:cNvSpPr>
+          <p:nvPr>
+            <p:ph idx="1"/>
+          </p:nvPr>
+        </p:nvSpPr>
+        <p:spPr/>
+        <p:txBody>
+          <a:bodyPr/>
+          <a:lstStyle/>
+          <a:p>
+            <a:r>
+              <a:rPr lang="en-US" dirty="0"/>
+              <a:t>Investors are individuals or organizations that provide capital to startups in exchange for equity or other forms of return.</a:t>
+            </a:r>
+          </a:p>
+          <a:p>
+            <a:r>
+              <a:rPr lang="en-US" dirty="0"/>
+              <a:t>Understanding investor perspectives is crucial for crafting a compelling pitch and securing funding.</a:t>
+            </a:r>
+          </a:p>
+        </p:txBody>
+      </p:sp>
+      <p:sp>
+        <p:nvSpPr>
+          <p:cNvPr id="4" name="Slide Number Placeholder 3"/>
+          <p:cNvSpPr>
+            <a:spLocks noGrp="1"/>
+          </p:cNvSpPr>
+          <p:nvPr>
+            <p:ph type="sldNum" sz="quarter" idx="12"/>
+          </p:nvPr>
+        </p:nvSpPr>
+        <p:spPr/>
+        <p:txBody>
+          <a:bodyPr/>
+          <a:lstStyle/>
+          <a:p>
+            <a:fld id="{B8DACC02-A2BD-4578-8E03-6D891060A695}" type="slidenum">
+              <a:rPr lang="en-US" smtClean="0"/>
+              <a:pPr/>
+              <a:t>18</a:t>
             </a:fld>
             <a:endParaRPr lang="en-US" dirty="0"/>
           </a:p>
@@ -8446,120 +8578,6 @@
 </p:sld>
 </file>
 
-<file path=ppt/slides/slide18.xml><?xml version="1.0" encoding="utf-8"?>
-<p:sld xmlns:a="http://schemas.openxmlformats.org/drawingml/2006/main" xmlns:r="http://schemas.openxmlformats.org/officeDocument/2006/relationships" xmlns:p="http://schemas.openxmlformats.org/presentationml/2006/main">
-  <p:cSld>
-    <p:spTree>
-      <p:nvGrpSpPr>
-        <p:cNvPr id="1" name=""/>
-        <p:cNvGrpSpPr/>
-        <p:nvPr/>
-      </p:nvGrpSpPr>
-      <p:grpSpPr>
-        <a:xfrm>
-          <a:off x="0" y="0"/>
-          <a:ext cx="0" cy="0"/>
-          <a:chOff x="0" y="0"/>
-          <a:chExt cx="0" cy="0"/>
-        </a:xfrm>
-      </p:grpSpPr>
-      <p:sp>
-        <p:nvSpPr>
-          <p:cNvPr id="2" name="Title 1"/>
-          <p:cNvSpPr>
-            <a:spLocks noGrp="1"/>
-          </p:cNvSpPr>
-          <p:nvPr>
-            <p:ph type="title"/>
-          </p:nvPr>
-        </p:nvSpPr>
-        <p:spPr/>
-        <p:txBody>
-          <a:bodyPr/>
-          <a:lstStyle/>
-          <a:p>
-            <a:r>
-              <a:rPr lang="en-US" dirty="0"/>
-              <a:t>Types of Investors and Their Expectations</a:t>
-            </a:r>
-          </a:p>
-        </p:txBody>
-      </p:sp>
-      <p:sp>
-        <p:nvSpPr>
-          <p:cNvPr id="3" name="Content Placeholder 2"/>
-          <p:cNvSpPr>
-            <a:spLocks noGrp="1"/>
-          </p:cNvSpPr>
-          <p:nvPr>
-            <p:ph idx="1"/>
-          </p:nvPr>
-        </p:nvSpPr>
-        <p:spPr/>
-        <p:txBody>
-          <a:bodyPr>
-            <a:normAutofit/>
-          </a:bodyPr>
-          <a:lstStyle/>
-          <a:p>
-            <a:r>
-              <a:rPr lang="en-US" dirty="0"/>
-              <a:t>Friends/Family</a:t>
-            </a:r>
-          </a:p>
-          <a:p>
-            <a:pPr lvl="1"/>
-            <a:r>
-              <a:rPr lang="en-US" dirty="0"/>
-              <a:t>Friends and family investors are typically motivated by a personal relationship with the entrepreneur and have a lower risk tolerance. </a:t>
-            </a:r>
-          </a:p>
-          <a:p>
-            <a:pPr lvl="1"/>
-            <a:r>
-              <a:rPr lang="en-US" dirty="0"/>
-              <a:t>They expect a lower return on investment and are more focused on supporting the entrepreneur.</a:t>
-            </a:r>
-          </a:p>
-        </p:txBody>
-      </p:sp>
-      <p:sp>
-        <p:nvSpPr>
-          <p:cNvPr id="4" name="Slide Number Placeholder 3"/>
-          <p:cNvSpPr>
-            <a:spLocks noGrp="1"/>
-          </p:cNvSpPr>
-          <p:nvPr>
-            <p:ph type="sldNum" sz="quarter" idx="12"/>
-          </p:nvPr>
-        </p:nvSpPr>
-        <p:spPr/>
-        <p:txBody>
-          <a:bodyPr/>
-          <a:lstStyle/>
-          <a:p>
-            <a:fld id="{B8DACC02-A2BD-4578-8E03-6D891060A695}" type="slidenum">
-              <a:rPr lang="en-US" smtClean="0"/>
-              <a:pPr/>
-              <a:t>18</a:t>
-            </a:fld>
-            <a:endParaRPr lang="en-US" dirty="0"/>
-          </a:p>
-        </p:txBody>
-      </p:sp>
-    </p:spTree>
-    <p:extLst>
-      <p:ext uri="{BB962C8B-B14F-4D97-AF65-F5344CB8AC3E}">
-        <p14:creationId xmlns:p14="http://schemas.microsoft.com/office/powerpoint/2010/main" val="1866511371"/>
-      </p:ext>
-    </p:extLst>
-  </p:cSld>
-  <p:clrMapOvr>
-    <a:masterClrMapping/>
-  </p:clrMapOvr>
-</p:sld>
-</file>
-
 <file path=ppt/slides/slide19.xml><?xml version="1.0" encoding="utf-8"?>
 <p:sld xmlns:a="http://schemas.openxmlformats.org/drawingml/2006/main" xmlns:r="http://schemas.openxmlformats.org/officeDocument/2006/relationships" xmlns:p="http://schemas.openxmlformats.org/presentationml/2006/main">
   <p:cSld>
@@ -8618,21 +8636,21 @@
           <a:p>
             <a:r>
               <a:rPr lang="en-US" dirty="0"/>
-              <a:t>Angels: </a:t>
+              <a:t>Friends/Family</a:t>
             </a:r>
           </a:p>
           <a:p>
             <a:pPr lvl="1"/>
             <a:r>
               <a:rPr lang="en-US" dirty="0"/>
-              <a:t>Angel investors are typically high net worth individuals who invest their own personal capital in startups in exchange for equity. </a:t>
+              <a:t>Friends and family investors are typically motivated by a personal relationship with the entrepreneur and have a lower risk tolerance. </a:t>
             </a:r>
           </a:p>
           <a:p>
             <a:pPr lvl="1"/>
             <a:r>
               <a:rPr lang="en-US" dirty="0"/>
-              <a:t>They have a higher risk tolerance than friends/family investors and expect a higher return on investment.</a:t>
+              <a:t>They expect a lower return on investment and are more focused on supporting the entrepreneur.</a:t>
             </a:r>
           </a:p>
         </p:txBody>
@@ -8656,6 +8674,245 @@
               <a:rPr lang="en-US" smtClean="0"/>
               <a:pPr/>
               <a:t>19</a:t>
+            </a:fld>
+            <a:endParaRPr lang="en-US" dirty="0"/>
+          </a:p>
+        </p:txBody>
+      </p:sp>
+    </p:spTree>
+    <p:extLst>
+      <p:ext uri="{BB962C8B-B14F-4D97-AF65-F5344CB8AC3E}">
+        <p14:creationId xmlns:p14="http://schemas.microsoft.com/office/powerpoint/2010/main" val="1866511371"/>
+      </p:ext>
+    </p:extLst>
+  </p:cSld>
+  <p:clrMapOvr>
+    <a:masterClrMapping/>
+  </p:clrMapOvr>
+</p:sld>
+</file>
+
+<file path=ppt/slides/slide2.xml><?xml version="1.0" encoding="utf-8"?>
+<p:sld xmlns:a="http://schemas.openxmlformats.org/drawingml/2006/main" xmlns:r="http://schemas.openxmlformats.org/officeDocument/2006/relationships" xmlns:p="http://schemas.openxmlformats.org/presentationml/2006/main">
+  <p:cSld>
+    <p:spTree>
+      <p:nvGrpSpPr>
+        <p:cNvPr id="1" name=""/>
+        <p:cNvGrpSpPr/>
+        <p:nvPr/>
+      </p:nvGrpSpPr>
+      <p:grpSpPr>
+        <a:xfrm>
+          <a:off x="0" y="0"/>
+          <a:ext cx="0" cy="0"/>
+          <a:chOff x="0" y="0"/>
+          <a:chExt cx="0" cy="0"/>
+        </a:xfrm>
+      </p:grpSpPr>
+      <p:sp>
+        <p:nvSpPr>
+          <p:cNvPr id="2" name="Title 1"/>
+          <p:cNvSpPr>
+            <a:spLocks noGrp="1"/>
+          </p:cNvSpPr>
+          <p:nvPr>
+            <p:ph type="title"/>
+          </p:nvPr>
+        </p:nvSpPr>
+        <p:spPr/>
+        <p:txBody>
+          <a:bodyPr/>
+          <a:lstStyle/>
+          <a:p>
+            <a:r>
+              <a:rPr lang="en-US" dirty="0"/>
+              <a:t>Outline</a:t>
+            </a:r>
+          </a:p>
+        </p:txBody>
+      </p:sp>
+      <p:sp>
+        <p:nvSpPr>
+          <p:cNvPr id="3" name="Content Placeholder 2"/>
+          <p:cNvSpPr>
+            <a:spLocks noGrp="1"/>
+          </p:cNvSpPr>
+          <p:nvPr>
+            <p:ph idx="1"/>
+          </p:nvPr>
+        </p:nvSpPr>
+        <p:spPr/>
+        <p:txBody>
+          <a:bodyPr/>
+          <a:lstStyle/>
+          <a:p>
+            <a:r>
+              <a:rPr lang="en-US" dirty="0"/>
+              <a:t>Overview</a:t>
+            </a:r>
+          </a:p>
+          <a:p>
+            <a:r>
+              <a:rPr lang="en-US" dirty="0"/>
+              <a:t>Crafting a Compelling Pitch</a:t>
+            </a:r>
+          </a:p>
+          <a:p>
+            <a:r>
+              <a:rPr lang="en-US" dirty="0"/>
+              <a:t>Investor Perspectives and Expectations</a:t>
+            </a:r>
+          </a:p>
+          <a:p>
+            <a:r>
+              <a:rPr lang="en-US" dirty="0"/>
+              <a:t>Due Diligence and Valuation</a:t>
+            </a:r>
+          </a:p>
+          <a:p>
+            <a:r>
+              <a:rPr lang="en-US" dirty="0"/>
+              <a:t>Incubators and Accelerators</a:t>
+            </a:r>
+          </a:p>
+          <a:p>
+            <a:endParaRPr lang="en-US" dirty="0"/>
+          </a:p>
+        </p:txBody>
+      </p:sp>
+      <p:sp>
+        <p:nvSpPr>
+          <p:cNvPr id="4" name="Slide Number Placeholder 3"/>
+          <p:cNvSpPr>
+            <a:spLocks noGrp="1"/>
+          </p:cNvSpPr>
+          <p:nvPr>
+            <p:ph type="sldNum" sz="quarter" idx="12"/>
+          </p:nvPr>
+        </p:nvSpPr>
+        <p:spPr/>
+        <p:txBody>
+          <a:bodyPr/>
+          <a:lstStyle/>
+          <a:p>
+            <a:fld id="{B8DACC02-A2BD-4578-8E03-6D891060A695}" type="slidenum">
+              <a:rPr lang="en-US" smtClean="0"/>
+              <a:pPr/>
+              <a:t>2</a:t>
+            </a:fld>
+            <a:endParaRPr lang="en-US" dirty="0"/>
+          </a:p>
+        </p:txBody>
+      </p:sp>
+    </p:spTree>
+    <p:extLst>
+      <p:ext uri="{BB962C8B-B14F-4D97-AF65-F5344CB8AC3E}">
+        <p14:creationId xmlns:p14="http://schemas.microsoft.com/office/powerpoint/2010/main" val="4056791088"/>
+      </p:ext>
+    </p:extLst>
+  </p:cSld>
+  <p:clrMapOvr>
+    <a:masterClrMapping/>
+  </p:clrMapOvr>
+</p:sld>
+</file>
+
+<file path=ppt/slides/slide20.xml><?xml version="1.0" encoding="utf-8"?>
+<p:sld xmlns:a="http://schemas.openxmlformats.org/drawingml/2006/main" xmlns:r="http://schemas.openxmlformats.org/officeDocument/2006/relationships" xmlns:p="http://schemas.openxmlformats.org/presentationml/2006/main">
+  <p:cSld>
+    <p:spTree>
+      <p:nvGrpSpPr>
+        <p:cNvPr id="1" name=""/>
+        <p:cNvGrpSpPr/>
+        <p:nvPr/>
+      </p:nvGrpSpPr>
+      <p:grpSpPr>
+        <a:xfrm>
+          <a:off x="0" y="0"/>
+          <a:ext cx="0" cy="0"/>
+          <a:chOff x="0" y="0"/>
+          <a:chExt cx="0" cy="0"/>
+        </a:xfrm>
+      </p:grpSpPr>
+      <p:sp>
+        <p:nvSpPr>
+          <p:cNvPr id="2" name="Title 1"/>
+          <p:cNvSpPr>
+            <a:spLocks noGrp="1"/>
+          </p:cNvSpPr>
+          <p:nvPr>
+            <p:ph type="title"/>
+          </p:nvPr>
+        </p:nvSpPr>
+        <p:spPr/>
+        <p:txBody>
+          <a:bodyPr/>
+          <a:lstStyle/>
+          <a:p>
+            <a:r>
+              <a:rPr lang="en-US" dirty="0"/>
+              <a:t>Types of Investors and Their Expectations</a:t>
+            </a:r>
+          </a:p>
+        </p:txBody>
+      </p:sp>
+      <p:sp>
+        <p:nvSpPr>
+          <p:cNvPr id="3" name="Content Placeholder 2"/>
+          <p:cNvSpPr>
+            <a:spLocks noGrp="1"/>
+          </p:cNvSpPr>
+          <p:nvPr>
+            <p:ph idx="1"/>
+          </p:nvPr>
+        </p:nvSpPr>
+        <p:spPr/>
+        <p:txBody>
+          <a:bodyPr>
+            <a:normAutofit/>
+          </a:bodyPr>
+          <a:lstStyle/>
+          <a:p>
+            <a:r>
+              <a:rPr lang="en-US" dirty="0"/>
+              <a:t>Angels: </a:t>
+            </a:r>
+          </a:p>
+          <a:p>
+            <a:pPr lvl="1"/>
+            <a:r>
+              <a:rPr lang="en-US" dirty="0"/>
+              <a:t>Angel investors are typically high net worth individuals who invest their own personal capital in startups in exchange for equity. </a:t>
+            </a:r>
+          </a:p>
+          <a:p>
+            <a:pPr lvl="1"/>
+            <a:r>
+              <a:rPr lang="en-US" dirty="0"/>
+              <a:t>They have a higher risk tolerance than friends/family investors and expect a higher return on investment.</a:t>
+            </a:r>
+          </a:p>
+        </p:txBody>
+      </p:sp>
+      <p:sp>
+        <p:nvSpPr>
+          <p:cNvPr id="4" name="Slide Number Placeholder 3"/>
+          <p:cNvSpPr>
+            <a:spLocks noGrp="1"/>
+          </p:cNvSpPr>
+          <p:nvPr>
+            <p:ph type="sldNum" sz="quarter" idx="12"/>
+          </p:nvPr>
+        </p:nvSpPr>
+        <p:spPr/>
+        <p:txBody>
+          <a:bodyPr/>
+          <a:lstStyle/>
+          <a:p>
+            <a:fld id="{B8DACC02-A2BD-4578-8E03-6D891060A695}" type="slidenum">
+              <a:rPr lang="en-US" smtClean="0"/>
+              <a:pPr/>
+              <a:t>20</a:t>
             </a:fld>
             <a:endParaRPr lang="en-US" dirty="0"/>
           </a:p>
@@ -8715,7 +8972,7 @@
 </p:sld>
 </file>
 
-<file path=ppt/slides/slide2.xml><?xml version="1.0" encoding="utf-8"?>
+<file path=ppt/slides/slide21.xml><?xml version="1.0" encoding="utf-8"?>
 <p:sld xmlns:a="http://schemas.openxmlformats.org/drawingml/2006/main" xmlns:r="http://schemas.openxmlformats.org/officeDocument/2006/relationships" xmlns:p="http://schemas.openxmlformats.org/presentationml/2006/main">
   <p:cSld>
     <p:spTree>
@@ -8749,7 +9006,7 @@
           <a:p>
             <a:r>
               <a:rPr lang="en-US" dirty="0"/>
-              <a:t>Outline</a:t>
+              <a:t>Types of Investors and Their Expectations</a:t>
             </a:r>
           </a:p>
         </p:txBody>
@@ -8766,40 +9023,29 @@
         </p:nvSpPr>
         <p:spPr/>
         <p:txBody>
-          <a:bodyPr/>
-          <a:lstStyle/>
-          <a:p>
-            <a:r>
-              <a:rPr lang="en-US" dirty="0"/>
-              <a:t>Overview</a:t>
-            </a:r>
-          </a:p>
-          <a:p>
-            <a:r>
-              <a:rPr lang="en-US" dirty="0"/>
-              <a:t>Crafting a Compelling Pitch</a:t>
-            </a:r>
-          </a:p>
-          <a:p>
-            <a:r>
-              <a:rPr lang="en-US" dirty="0"/>
-              <a:t>Investor Perspectives and Expectations</a:t>
-            </a:r>
-          </a:p>
-          <a:p>
-            <a:r>
-              <a:rPr lang="en-US" dirty="0"/>
-              <a:t>Due Diligence and Valuation</a:t>
-            </a:r>
-          </a:p>
-          <a:p>
-            <a:r>
-              <a:rPr lang="en-US" dirty="0"/>
-              <a:t>Incubators and Accelerators</a:t>
-            </a:r>
-          </a:p>
-          <a:p>
-            <a:endParaRPr lang="en-US" dirty="0"/>
+          <a:bodyPr>
+            <a:normAutofit/>
+          </a:bodyPr>
+          <a:lstStyle/>
+          <a:p>
+            <a:r>
+              <a:rPr lang="en-US" dirty="0"/>
+              <a:t>VCs</a:t>
+            </a:r>
+          </a:p>
+          <a:p>
+            <a:pPr lvl="1"/>
+            <a:r>
+              <a:rPr lang="en-US" dirty="0"/>
+              <a:t>Venture capitalists (VCs) invest capital in startups in exchange for equity and take an active role in the company's growth. </a:t>
+            </a:r>
+          </a:p>
+          <a:p>
+            <a:pPr lvl="1"/>
+            <a:r>
+              <a:rPr lang="en-US" dirty="0"/>
+              <a:t>They have a high risk tolerance and expect a significant return on investment.</a:t>
+            </a:r>
           </a:p>
         </p:txBody>
       </p:sp>
@@ -8821,121 +9067,7 @@
             <a:fld id="{B8DACC02-A2BD-4578-8E03-6D891060A695}" type="slidenum">
               <a:rPr lang="en-US" smtClean="0"/>
               <a:pPr/>
-              <a:t>2</a:t>
-            </a:fld>
-            <a:endParaRPr lang="en-US" dirty="0"/>
-          </a:p>
-        </p:txBody>
-      </p:sp>
-    </p:spTree>
-    <p:extLst>
-      <p:ext uri="{BB962C8B-B14F-4D97-AF65-F5344CB8AC3E}">
-        <p14:creationId xmlns:p14="http://schemas.microsoft.com/office/powerpoint/2010/main" val="4056791088"/>
-      </p:ext>
-    </p:extLst>
-  </p:cSld>
-  <p:clrMapOvr>
-    <a:masterClrMapping/>
-  </p:clrMapOvr>
-</p:sld>
-</file>
-
-<file path=ppt/slides/slide20.xml><?xml version="1.0" encoding="utf-8"?>
-<p:sld xmlns:a="http://schemas.openxmlformats.org/drawingml/2006/main" xmlns:r="http://schemas.openxmlformats.org/officeDocument/2006/relationships" xmlns:p="http://schemas.openxmlformats.org/presentationml/2006/main">
-  <p:cSld>
-    <p:spTree>
-      <p:nvGrpSpPr>
-        <p:cNvPr id="1" name=""/>
-        <p:cNvGrpSpPr/>
-        <p:nvPr/>
-      </p:nvGrpSpPr>
-      <p:grpSpPr>
-        <a:xfrm>
-          <a:off x="0" y="0"/>
-          <a:ext cx="0" cy="0"/>
-          <a:chOff x="0" y="0"/>
-          <a:chExt cx="0" cy="0"/>
-        </a:xfrm>
-      </p:grpSpPr>
-      <p:sp>
-        <p:nvSpPr>
-          <p:cNvPr id="2" name="Title 1"/>
-          <p:cNvSpPr>
-            <a:spLocks noGrp="1"/>
-          </p:cNvSpPr>
-          <p:nvPr>
-            <p:ph type="title"/>
-          </p:nvPr>
-        </p:nvSpPr>
-        <p:spPr/>
-        <p:txBody>
-          <a:bodyPr/>
-          <a:lstStyle/>
-          <a:p>
-            <a:r>
-              <a:rPr lang="en-US" dirty="0"/>
-              <a:t>Types of Investors and Their Expectations</a:t>
-            </a:r>
-          </a:p>
-        </p:txBody>
-      </p:sp>
-      <p:sp>
-        <p:nvSpPr>
-          <p:cNvPr id="3" name="Content Placeholder 2"/>
-          <p:cNvSpPr>
-            <a:spLocks noGrp="1"/>
-          </p:cNvSpPr>
-          <p:nvPr>
-            <p:ph idx="1"/>
-          </p:nvPr>
-        </p:nvSpPr>
-        <p:spPr/>
-        <p:txBody>
-          <a:bodyPr>
-            <a:normAutofit/>
-          </a:bodyPr>
-          <a:lstStyle/>
-          <a:p>
-            <a:r>
-              <a:rPr lang="en-US" dirty="0"/>
-              <a:t>VCs</a:t>
-            </a:r>
-          </a:p>
-          <a:p>
-            <a:pPr lvl="1"/>
-            <a:r>
-              <a:rPr lang="en-US" dirty="0"/>
-              <a:t>Venture capitalists (VCs) invest capital in startups in exchange for equity and take an active role in the company's growth. </a:t>
-            </a:r>
-          </a:p>
-          <a:p>
-            <a:pPr lvl="1"/>
-            <a:r>
-              <a:rPr lang="en-US" dirty="0"/>
-              <a:t>They have a high risk tolerance and expect a significant return on investment.</a:t>
-            </a:r>
-          </a:p>
-        </p:txBody>
-      </p:sp>
-      <p:sp>
-        <p:nvSpPr>
-          <p:cNvPr id="4" name="Slide Number Placeholder 3"/>
-          <p:cNvSpPr>
-            <a:spLocks noGrp="1"/>
-          </p:cNvSpPr>
-          <p:nvPr>
-            <p:ph type="sldNum" sz="quarter" idx="12"/>
-          </p:nvPr>
-        </p:nvSpPr>
-        <p:spPr/>
-        <p:txBody>
-          <a:bodyPr/>
-          <a:lstStyle/>
-          <a:p>
-            <a:fld id="{B8DACC02-A2BD-4578-8E03-6D891060A695}" type="slidenum">
-              <a:rPr lang="en-US" smtClean="0"/>
-              <a:pPr/>
-              <a:t>20</a:t>
+              <a:t>21</a:t>
             </a:fld>
             <a:endParaRPr lang="en-US" dirty="0"/>
           </a:p>
@@ -8995,7 +9127,7 @@
 </p:sld>
 </file>
 
-<file path=ppt/slides/slide21.xml><?xml version="1.0" encoding="utf-8"?>
+<file path=ppt/slides/slide22.xml><?xml version="1.0" encoding="utf-8"?>
 <p:sld xmlns:a="http://schemas.openxmlformats.org/drawingml/2006/main" xmlns:r="http://schemas.openxmlformats.org/officeDocument/2006/relationships" xmlns:p="http://schemas.openxmlformats.org/presentationml/2006/main">
   <p:cSld>
     <p:spTree>
@@ -9082,7 +9214,7 @@
             <a:fld id="{B8DACC02-A2BD-4578-8E03-6D891060A695}" type="slidenum">
               <a:rPr lang="en-US" smtClean="0"/>
               <a:pPr/>
-              <a:t>21</a:t>
+              <a:t>22</a:t>
             </a:fld>
             <a:endParaRPr lang="en-US" dirty="0"/>
           </a:p>
@@ -9142,116 +9274,6 @@
 </p:sld>
 </file>
 
-<file path=ppt/slides/slide22.xml><?xml version="1.0" encoding="utf-8"?>
-<p:sld xmlns:a="http://schemas.openxmlformats.org/drawingml/2006/main" xmlns:r="http://schemas.openxmlformats.org/officeDocument/2006/relationships" xmlns:p="http://schemas.openxmlformats.org/presentationml/2006/main">
-  <p:cSld>
-    <p:spTree>
-      <p:nvGrpSpPr>
-        <p:cNvPr id="1" name=""/>
-        <p:cNvGrpSpPr/>
-        <p:nvPr/>
-      </p:nvGrpSpPr>
-      <p:grpSpPr>
-        <a:xfrm>
-          <a:off x="0" y="0"/>
-          <a:ext cx="0" cy="0"/>
-          <a:chOff x="0" y="0"/>
-          <a:chExt cx="0" cy="0"/>
-        </a:xfrm>
-      </p:grpSpPr>
-      <p:sp>
-        <p:nvSpPr>
-          <p:cNvPr id="2" name="Title 1"/>
-          <p:cNvSpPr>
-            <a:spLocks noGrp="1"/>
-          </p:cNvSpPr>
-          <p:nvPr>
-            <p:ph type="title"/>
-          </p:nvPr>
-        </p:nvSpPr>
-        <p:spPr/>
-        <p:txBody>
-          <a:bodyPr/>
-          <a:lstStyle/>
-          <a:p>
-            <a:r>
-              <a:rPr lang="en-US" dirty="0"/>
-              <a:t>Meets Investor Expectations</a:t>
-            </a:r>
-          </a:p>
-        </p:txBody>
-      </p:sp>
-      <p:sp>
-        <p:nvSpPr>
-          <p:cNvPr id="3" name="Content Placeholder 2"/>
-          <p:cNvSpPr>
-            <a:spLocks noGrp="1"/>
-          </p:cNvSpPr>
-          <p:nvPr>
-            <p:ph idx="1"/>
-          </p:nvPr>
-        </p:nvSpPr>
-        <p:spPr/>
-        <p:txBody>
-          <a:bodyPr/>
-          <a:lstStyle/>
-          <a:p>
-            <a:r>
-              <a:rPr lang="en-US" dirty="0"/>
-              <a:t>Focus on the problem the startup is solving and the solution it offers.</a:t>
-            </a:r>
-          </a:p>
-          <a:p>
-            <a:r>
-              <a:rPr lang="en-US" dirty="0"/>
-              <a:t>Highlight the market opportunity and the startup's competitive advantage.</a:t>
-            </a:r>
-          </a:p>
-          <a:p>
-            <a:r>
-              <a:rPr lang="en-US" dirty="0"/>
-              <a:t>Emphasize the team's relevant skills and experience.</a:t>
-            </a:r>
-          </a:p>
-        </p:txBody>
-      </p:sp>
-      <p:sp>
-        <p:nvSpPr>
-          <p:cNvPr id="4" name="Slide Number Placeholder 3"/>
-          <p:cNvSpPr>
-            <a:spLocks noGrp="1"/>
-          </p:cNvSpPr>
-          <p:nvPr>
-            <p:ph type="sldNum" sz="quarter" idx="12"/>
-          </p:nvPr>
-        </p:nvSpPr>
-        <p:spPr/>
-        <p:txBody>
-          <a:bodyPr/>
-          <a:lstStyle/>
-          <a:p>
-            <a:fld id="{B8DACC02-A2BD-4578-8E03-6D891060A695}" type="slidenum">
-              <a:rPr lang="en-US" smtClean="0"/>
-              <a:pPr/>
-              <a:t>22</a:t>
-            </a:fld>
-            <a:endParaRPr lang="en-US" dirty="0"/>
-          </a:p>
-        </p:txBody>
-      </p:sp>
-    </p:spTree>
-    <p:extLst>
-      <p:ext uri="{BB962C8B-B14F-4D97-AF65-F5344CB8AC3E}">
-        <p14:creationId xmlns:p14="http://schemas.microsoft.com/office/powerpoint/2010/main" val="3745380419"/>
-      </p:ext>
-    </p:extLst>
-  </p:cSld>
-  <p:clrMapOvr>
-    <a:masterClrMapping/>
-  </p:clrMapOvr>
-</p:sld>
-</file>
-
 <file path=ppt/slides/slide23.xml><?xml version="1.0" encoding="utf-8"?>
 <p:sld xmlns:a="http://schemas.openxmlformats.org/drawingml/2006/main" xmlns:r="http://schemas.openxmlformats.org/officeDocument/2006/relationships" xmlns:p="http://schemas.openxmlformats.org/presentationml/2006/main">
   <p:cSld>
@@ -9286,7 +9308,7 @@
           <a:p>
             <a:r>
               <a:rPr lang="en-US" dirty="0"/>
-              <a:t>Crowdfunding</a:t>
+              <a:t>Meets Investor Expectations</a:t>
             </a:r>
           </a:p>
         </p:txBody>
@@ -9308,19 +9330,19 @@
           <a:p>
             <a:r>
               <a:rPr lang="en-US" dirty="0"/>
-              <a:t>A method of raising capital through small contributions from a large number of people, typically through an online platform.</a:t>
-            </a:r>
-          </a:p>
-          <a:p>
-            <a:r>
-              <a:rPr lang="en-US" dirty="0"/>
-              <a:t>Crowdfunding can provide valuable marketing and exposure for a startup, and it can help entrepreneurs validate their idea and build a community of supporters.</a:t>
-            </a:r>
-          </a:p>
-          <a:p>
-            <a:r>
-              <a:rPr lang="en-US" dirty="0"/>
-              <a:t>Crowdfunding may not provide enough capital to meet a startup's needs, and it can be time-consuming and resource-intensive.</a:t>
+              <a:t>Focus on the problem the startup is solving and the solution it offers.</a:t>
+            </a:r>
+          </a:p>
+          <a:p>
+            <a:r>
+              <a:rPr lang="en-US" dirty="0"/>
+              <a:t>Highlight the market opportunity and the startup's competitive advantage.</a:t>
+            </a:r>
+          </a:p>
+          <a:p>
+            <a:r>
+              <a:rPr lang="en-US" dirty="0"/>
+              <a:t>Emphasize the team's relevant skills and experience.</a:t>
             </a:r>
           </a:p>
         </p:txBody>
@@ -9344,6 +9366,116 @@
               <a:rPr lang="en-US" smtClean="0"/>
               <a:pPr/>
               <a:t>23</a:t>
+            </a:fld>
+            <a:endParaRPr lang="en-US" dirty="0"/>
+          </a:p>
+        </p:txBody>
+      </p:sp>
+    </p:spTree>
+    <p:extLst>
+      <p:ext uri="{BB962C8B-B14F-4D97-AF65-F5344CB8AC3E}">
+        <p14:creationId xmlns:p14="http://schemas.microsoft.com/office/powerpoint/2010/main" val="3745380419"/>
+      </p:ext>
+    </p:extLst>
+  </p:cSld>
+  <p:clrMapOvr>
+    <a:masterClrMapping/>
+  </p:clrMapOvr>
+</p:sld>
+</file>
+
+<file path=ppt/slides/slide24.xml><?xml version="1.0" encoding="utf-8"?>
+<p:sld xmlns:a="http://schemas.openxmlformats.org/drawingml/2006/main" xmlns:r="http://schemas.openxmlformats.org/officeDocument/2006/relationships" xmlns:p="http://schemas.openxmlformats.org/presentationml/2006/main">
+  <p:cSld>
+    <p:spTree>
+      <p:nvGrpSpPr>
+        <p:cNvPr id="1" name=""/>
+        <p:cNvGrpSpPr/>
+        <p:nvPr/>
+      </p:nvGrpSpPr>
+      <p:grpSpPr>
+        <a:xfrm>
+          <a:off x="0" y="0"/>
+          <a:ext cx="0" cy="0"/>
+          <a:chOff x="0" y="0"/>
+          <a:chExt cx="0" cy="0"/>
+        </a:xfrm>
+      </p:grpSpPr>
+      <p:sp>
+        <p:nvSpPr>
+          <p:cNvPr id="2" name="Title 1"/>
+          <p:cNvSpPr>
+            <a:spLocks noGrp="1"/>
+          </p:cNvSpPr>
+          <p:nvPr>
+            <p:ph type="title"/>
+          </p:nvPr>
+        </p:nvSpPr>
+        <p:spPr/>
+        <p:txBody>
+          <a:bodyPr/>
+          <a:lstStyle/>
+          <a:p>
+            <a:r>
+              <a:rPr lang="en-US" dirty="0"/>
+              <a:t>Crowdfunding</a:t>
+            </a:r>
+          </a:p>
+        </p:txBody>
+      </p:sp>
+      <p:sp>
+        <p:nvSpPr>
+          <p:cNvPr id="3" name="Content Placeholder 2"/>
+          <p:cNvSpPr>
+            <a:spLocks noGrp="1"/>
+          </p:cNvSpPr>
+          <p:nvPr>
+            <p:ph idx="1"/>
+          </p:nvPr>
+        </p:nvSpPr>
+        <p:spPr/>
+        <p:txBody>
+          <a:bodyPr/>
+          <a:lstStyle/>
+          <a:p>
+            <a:r>
+              <a:rPr lang="en-US" dirty="0"/>
+              <a:t>A method of raising capital through small contributions from a large number of people, typically through an online platform.</a:t>
+            </a:r>
+          </a:p>
+          <a:p>
+            <a:r>
+              <a:rPr lang="en-US" dirty="0"/>
+              <a:t>Crowdfunding can provide valuable marketing and exposure for a startup, and it can help entrepreneurs validate their idea and build a community of supporters.</a:t>
+            </a:r>
+          </a:p>
+          <a:p>
+            <a:r>
+              <a:rPr lang="en-US" dirty="0"/>
+              <a:t>Crowdfunding may not provide enough capital to meet a startup's needs, and it can be time-consuming and resource-intensive.</a:t>
+            </a:r>
+          </a:p>
+        </p:txBody>
+      </p:sp>
+      <p:sp>
+        <p:nvSpPr>
+          <p:cNvPr id="4" name="Slide Number Placeholder 3"/>
+          <p:cNvSpPr>
+            <a:spLocks noGrp="1"/>
+          </p:cNvSpPr>
+          <p:nvPr>
+            <p:ph type="sldNum" sz="quarter" idx="12"/>
+          </p:nvPr>
+        </p:nvSpPr>
+        <p:spPr/>
+        <p:txBody>
+          <a:bodyPr/>
+          <a:lstStyle/>
+          <a:p>
+            <a:fld id="{B8DACC02-A2BD-4578-8E03-6D891060A695}" type="slidenum">
+              <a:rPr lang="en-US" smtClean="0"/>
+              <a:pPr/>
+              <a:t>24</a:t>
             </a:fld>
             <a:endParaRPr lang="en-US" dirty="0"/>
           </a:p>
@@ -9403,7 +9535,7 @@
 </p:sld>
 </file>
 
-<file path=ppt/slides/slide24.xml><?xml version="1.0" encoding="utf-8"?>
+<file path=ppt/slides/slide25.xml><?xml version="1.0" encoding="utf-8"?>
 <p:sld xmlns:a="http://schemas.openxmlformats.org/drawingml/2006/main" xmlns:r="http://schemas.openxmlformats.org/officeDocument/2006/relationships" xmlns:p="http://schemas.openxmlformats.org/presentationml/2006/main">
   <p:cSld>
     <p:spTree>
@@ -9479,7 +9611,7 @@
             <a:fld id="{B8DACC02-A2BD-4578-8E03-6D891060A695}" type="slidenum">
               <a:rPr lang="en-US" smtClean="0"/>
               <a:pPr/>
-              <a:t>24</a:t>
+              <a:t>25</a:t>
             </a:fld>
             <a:endParaRPr lang="en-US" dirty="0"/>
           </a:p>
@@ -9537,116 +9669,6 @@
 </p:sld>
 </file>
 
-<file path=ppt/slides/slide25.xml><?xml version="1.0" encoding="utf-8"?>
-<p:sld xmlns:a="http://schemas.openxmlformats.org/drawingml/2006/main" xmlns:r="http://schemas.openxmlformats.org/officeDocument/2006/relationships" xmlns:p="http://schemas.openxmlformats.org/presentationml/2006/main">
-  <p:cSld>
-    <p:spTree>
-      <p:nvGrpSpPr>
-        <p:cNvPr id="1" name=""/>
-        <p:cNvGrpSpPr/>
-        <p:nvPr/>
-      </p:nvGrpSpPr>
-      <p:grpSpPr>
-        <a:xfrm>
-          <a:off x="0" y="0"/>
-          <a:ext cx="0" cy="0"/>
-          <a:chOff x="0" y="0"/>
-          <a:chExt cx="0" cy="0"/>
-        </a:xfrm>
-      </p:grpSpPr>
-      <p:sp>
-        <p:nvSpPr>
-          <p:cNvPr id="2" name="Title 1"/>
-          <p:cNvSpPr>
-            <a:spLocks noGrp="1"/>
-          </p:cNvSpPr>
-          <p:nvPr>
-            <p:ph type="title"/>
-          </p:nvPr>
-        </p:nvSpPr>
-        <p:spPr/>
-        <p:txBody>
-          <a:bodyPr/>
-          <a:lstStyle/>
-          <a:p>
-            <a:r>
-              <a:rPr lang="en-US" dirty="0"/>
-              <a:t>Final tips</a:t>
-            </a:r>
-          </a:p>
-        </p:txBody>
-      </p:sp>
-      <p:sp>
-        <p:nvSpPr>
-          <p:cNvPr id="3" name="Content Placeholder 2"/>
-          <p:cNvSpPr>
-            <a:spLocks noGrp="1"/>
-          </p:cNvSpPr>
-          <p:nvPr>
-            <p:ph idx="1"/>
-          </p:nvPr>
-        </p:nvSpPr>
-        <p:spPr/>
-        <p:txBody>
-          <a:bodyPr/>
-          <a:lstStyle/>
-          <a:p>
-            <a:r>
-              <a:rPr lang="en-US" dirty="0"/>
-              <a:t>Research the investor's interests and preferences before crafting a pitch.</a:t>
-            </a:r>
-          </a:p>
-          <a:p>
-            <a:r>
-              <a:rPr lang="en-US" dirty="0"/>
-              <a:t>Use storytelling techniques to engage the investor and make the pitch more memorable.</a:t>
-            </a:r>
-          </a:p>
-          <a:p>
-            <a:r>
-              <a:rPr lang="en-US" dirty="0"/>
-              <a:t>Anticipate questions and have a clear call to action.</a:t>
-            </a:r>
-          </a:p>
-        </p:txBody>
-      </p:sp>
-      <p:sp>
-        <p:nvSpPr>
-          <p:cNvPr id="4" name="Slide Number Placeholder 3"/>
-          <p:cNvSpPr>
-            <a:spLocks noGrp="1"/>
-          </p:cNvSpPr>
-          <p:nvPr>
-            <p:ph type="sldNum" sz="quarter" idx="12"/>
-          </p:nvPr>
-        </p:nvSpPr>
-        <p:spPr/>
-        <p:txBody>
-          <a:bodyPr/>
-          <a:lstStyle/>
-          <a:p>
-            <a:fld id="{B8DACC02-A2BD-4578-8E03-6D891060A695}" type="slidenum">
-              <a:rPr lang="en-US" smtClean="0"/>
-              <a:pPr/>
-              <a:t>25</a:t>
-            </a:fld>
-            <a:endParaRPr lang="en-US" dirty="0"/>
-          </a:p>
-        </p:txBody>
-      </p:sp>
-    </p:spTree>
-    <p:extLst>
-      <p:ext uri="{BB962C8B-B14F-4D97-AF65-F5344CB8AC3E}">
-        <p14:creationId xmlns:p14="http://schemas.microsoft.com/office/powerpoint/2010/main" val="2662691597"/>
-      </p:ext>
-    </p:extLst>
-  </p:cSld>
-  <p:clrMapOvr>
-    <a:masterClrMapping/>
-  </p:clrMapOvr>
-</p:sld>
-</file>
-
 <file path=ppt/slides/slide26.xml><?xml version="1.0" encoding="utf-8"?>
 <p:sld xmlns:a="http://schemas.openxmlformats.org/drawingml/2006/main" xmlns:r="http://schemas.openxmlformats.org/officeDocument/2006/relationships" xmlns:p="http://schemas.openxmlformats.org/presentationml/2006/main">
   <p:cSld>
@@ -9666,7 +9688,7 @@
       </p:grpSpPr>
       <p:sp>
         <p:nvSpPr>
-          <p:cNvPr id="5" name="Title 4"/>
+          <p:cNvPr id="2" name="Title 1"/>
           <p:cNvSpPr>
             <a:spLocks noGrp="1"/>
           </p:cNvSpPr>
@@ -9681,27 +9703,42 @@
           <a:p>
             <a:r>
               <a:rPr lang="en-US" dirty="0"/>
-              <a:t> Due Diligence and Valuation</a:t>
-            </a:r>
-          </a:p>
-        </p:txBody>
-      </p:sp>
-      <p:sp>
-        <p:nvSpPr>
-          <p:cNvPr id="6" name="Text Placeholder 5"/>
-          <p:cNvSpPr>
-            <a:spLocks noGrp="1"/>
-          </p:cNvSpPr>
-          <p:nvPr>
-            <p:ph type="body" idx="1"/>
-          </p:nvPr>
-        </p:nvSpPr>
-        <p:spPr/>
-        <p:txBody>
-          <a:bodyPr/>
-          <a:lstStyle/>
-          <a:p>
-            <a:endParaRPr lang="en-US"/>
+              <a:t>Final tips</a:t>
+            </a:r>
+          </a:p>
+        </p:txBody>
+      </p:sp>
+      <p:sp>
+        <p:nvSpPr>
+          <p:cNvPr id="3" name="Content Placeholder 2"/>
+          <p:cNvSpPr>
+            <a:spLocks noGrp="1"/>
+          </p:cNvSpPr>
+          <p:nvPr>
+            <p:ph idx="1"/>
+          </p:nvPr>
+        </p:nvSpPr>
+        <p:spPr/>
+        <p:txBody>
+          <a:bodyPr/>
+          <a:lstStyle/>
+          <a:p>
+            <a:r>
+              <a:rPr lang="en-US" dirty="0"/>
+              <a:t>Research the investor's interests and preferences before crafting a pitch.</a:t>
+            </a:r>
+          </a:p>
+          <a:p>
+            <a:r>
+              <a:rPr lang="en-US" dirty="0"/>
+              <a:t>Use storytelling techniques to engage the investor and make the pitch more memorable.</a:t>
+            </a:r>
+          </a:p>
+          <a:p>
+            <a:r>
+              <a:rPr lang="en-US" dirty="0"/>
+              <a:t>Anticipate questions and have a clear call to action.</a:t>
+            </a:r>
           </a:p>
         </p:txBody>
       </p:sp>
@@ -9732,7 +9769,7 @@
     </p:spTree>
     <p:extLst>
       <p:ext uri="{BB962C8B-B14F-4D97-AF65-F5344CB8AC3E}">
-        <p14:creationId xmlns:p14="http://schemas.microsoft.com/office/powerpoint/2010/main" val="2221831318"/>
+        <p14:creationId xmlns:p14="http://schemas.microsoft.com/office/powerpoint/2010/main" val="2662691597"/>
       </p:ext>
     </p:extLst>
   </p:cSld>
@@ -9761,7 +9798,7 @@
       </p:grpSpPr>
       <p:sp>
         <p:nvSpPr>
-          <p:cNvPr id="2" name="Title 1"/>
+          <p:cNvPr id="5" name="Title 4"/>
           <p:cNvSpPr>
             <a:spLocks noGrp="1"/>
           </p:cNvSpPr>
@@ -9776,36 +9813,27 @@
           <a:p>
             <a:r>
               <a:rPr lang="en-US" dirty="0"/>
-              <a:t>Due Diligence Process</a:t>
-            </a:r>
-          </a:p>
-        </p:txBody>
-      </p:sp>
-      <p:sp>
-        <p:nvSpPr>
-          <p:cNvPr id="3" name="Content Placeholder 2"/>
-          <p:cNvSpPr>
-            <a:spLocks noGrp="1"/>
-          </p:cNvSpPr>
-          <p:nvPr>
-            <p:ph idx="1"/>
-          </p:nvPr>
-        </p:nvSpPr>
-        <p:spPr/>
-        <p:txBody>
-          <a:bodyPr/>
-          <a:lstStyle/>
-          <a:p>
-            <a:r>
-              <a:rPr lang="en-US" dirty="0"/>
-              <a:t>Due diligence is the process of conducting a thorough examination of a business or investment opportunity to confirm all facts and assess its potential for growth.</a:t>
-            </a:r>
-          </a:p>
-          <a:p>
-            <a:r>
-              <a:rPr lang="en-US" dirty="0"/>
-              <a:t>Due diligence is crucial for investors to make informed decisions and for entrepreneurs to secure funding.</a:t>
-            </a:r>
+              <a:t> Due Diligence and Valuation</a:t>
+            </a:r>
+          </a:p>
+        </p:txBody>
+      </p:sp>
+      <p:sp>
+        <p:nvSpPr>
+          <p:cNvPr id="6" name="Text Placeholder 5"/>
+          <p:cNvSpPr>
+            <a:spLocks noGrp="1"/>
+          </p:cNvSpPr>
+          <p:nvPr>
+            <p:ph type="body" idx="1"/>
+          </p:nvPr>
+        </p:nvSpPr>
+        <p:spPr/>
+        <p:txBody>
+          <a:bodyPr/>
+          <a:lstStyle/>
+          <a:p>
+            <a:endParaRPr lang="en-US"/>
           </a:p>
         </p:txBody>
       </p:sp>
@@ -9836,7 +9864,7 @@
     </p:spTree>
     <p:extLst>
       <p:ext uri="{BB962C8B-B14F-4D97-AF65-F5344CB8AC3E}">
-        <p14:creationId xmlns:p14="http://schemas.microsoft.com/office/powerpoint/2010/main" val="334524276"/>
+        <p14:creationId xmlns:p14="http://schemas.microsoft.com/office/powerpoint/2010/main" val="2221831318"/>
       </p:ext>
     </p:extLst>
   </p:cSld>
@@ -9880,7 +9908,7 @@
           <a:p>
             <a:r>
               <a:rPr lang="en-US" dirty="0"/>
-              <a:t>Key Items to Include in a Due Diligence Package</a:t>
+              <a:t>Due Diligence Process</a:t>
             </a:r>
           </a:p>
         </p:txBody>
@@ -9902,53 +9930,13 @@
           <a:p>
             <a:r>
               <a:rPr lang="en-US" dirty="0"/>
-              <a:t>Business plan</a:t>
-            </a:r>
-          </a:p>
-          <a:p>
-            <a:pPr lvl="1"/>
-            <a:r>
-              <a:rPr lang="en-US" dirty="0"/>
-              <a:t>A comprehensive plan outlining the business model, market opportunity, competitive landscape, and growth strategy.</a:t>
-            </a:r>
-          </a:p>
-          <a:p>
-            <a:r>
-              <a:rPr lang="en-US" dirty="0"/>
-              <a:t>Financial projections</a:t>
-            </a:r>
-          </a:p>
-          <a:p>
-            <a:pPr lvl="1"/>
-            <a:r>
-              <a:rPr lang="en-US" dirty="0"/>
-              <a:t>Detailed financial statements, including income statements, balance sheets, and cash flow statements.</a:t>
-            </a:r>
-          </a:p>
-          <a:p>
-            <a:r>
-              <a:rPr lang="en-US" dirty="0"/>
-              <a:t>Market research</a:t>
-            </a:r>
-          </a:p>
-          <a:p>
-            <a:pPr lvl="1"/>
-            <a:r>
-              <a:rPr lang="en-US" dirty="0"/>
-              <a:t>Analysis of the target market, including size, growth potential, and trends.</a:t>
-            </a:r>
-          </a:p>
-          <a:p>
-            <a:r>
-              <a:rPr lang="en-US" dirty="0"/>
-              <a:t>Legal documents</a:t>
-            </a:r>
-          </a:p>
-          <a:p>
-            <a:pPr lvl="1"/>
-            <a:r>
-              <a:rPr lang="en-US" dirty="0"/>
-              <a:t>Copies of all relevant legal documents, such as contracts, patents, and trademarks.</a:t>
+              <a:t>Due diligence is the process of conducting a thorough examination of a business or investment opportunity to confirm all facts and assess its potential for growth.</a:t>
+            </a:r>
+          </a:p>
+          <a:p>
+            <a:r>
+              <a:rPr lang="en-US" dirty="0"/>
+              <a:t>Due diligence is crucial for investors to make informed decisions and for entrepreneurs to secure funding.</a:t>
             </a:r>
           </a:p>
         </p:txBody>
@@ -9980,7 +9968,7 @@
     </p:spTree>
     <p:extLst>
       <p:ext uri="{BB962C8B-B14F-4D97-AF65-F5344CB8AC3E}">
-        <p14:creationId xmlns:p14="http://schemas.microsoft.com/office/powerpoint/2010/main" val="815546488"/>
+        <p14:creationId xmlns:p14="http://schemas.microsoft.com/office/powerpoint/2010/main" val="334524276"/>
       </p:ext>
     </p:extLst>
   </p:cSld>
@@ -10024,7 +10012,7 @@
           <a:p>
             <a:r>
               <a:rPr lang="en-US" dirty="0"/>
-              <a:t>Overview of Valuations and Term Sheets</a:t>
+              <a:t>Key Items to Include in a Due Diligence Package</a:t>
             </a:r>
           </a:p>
         </p:txBody>
@@ -10046,27 +10034,53 @@
           <a:p>
             <a:r>
               <a:rPr lang="en-US" dirty="0"/>
-              <a:t>Valuation</a:t>
+              <a:t>Business plan</a:t>
             </a:r>
           </a:p>
           <a:p>
             <a:pPr lvl="1"/>
             <a:r>
               <a:rPr lang="en-US" dirty="0"/>
-              <a:t>The process of determining the economic value of a business or asset.</a:t>
-            </a:r>
-          </a:p>
-          <a:p>
-            <a:r>
-              <a:rPr lang="en-US" dirty="0"/>
-              <a:t>Term sheet</a:t>
+              <a:t>A comprehensive plan outlining the business model, market opportunity, competitive landscape, and growth strategy.</a:t>
+            </a:r>
+          </a:p>
+          <a:p>
+            <a:r>
+              <a:rPr lang="en-US" dirty="0"/>
+              <a:t>Financial projections</a:t>
             </a:r>
           </a:p>
           <a:p>
             <a:pPr lvl="1"/>
             <a:r>
               <a:rPr lang="en-US" dirty="0"/>
-              <a:t>A non-binding agreement outlining the basic terms and conditions of a proposed investment.</a:t>
+              <a:t>Detailed financial statements, including income statements, balance sheets, and cash flow statements.</a:t>
+            </a:r>
+          </a:p>
+          <a:p>
+            <a:r>
+              <a:rPr lang="en-US" dirty="0"/>
+              <a:t>Market research</a:t>
+            </a:r>
+          </a:p>
+          <a:p>
+            <a:pPr lvl="1"/>
+            <a:r>
+              <a:rPr lang="en-US" dirty="0"/>
+              <a:t>Analysis of the target market, including size, growth potential, and trends.</a:t>
+            </a:r>
+          </a:p>
+          <a:p>
+            <a:r>
+              <a:rPr lang="en-US" dirty="0"/>
+              <a:t>Legal documents</a:t>
+            </a:r>
+          </a:p>
+          <a:p>
+            <a:pPr lvl="1"/>
+            <a:r>
+              <a:rPr lang="en-US" dirty="0"/>
+              <a:t>Copies of all relevant legal documents, such as contracts, patents, and trademarks.</a:t>
             </a:r>
           </a:p>
         </p:txBody>
@@ -10098,7 +10112,7 @@
     </p:spTree>
     <p:extLst>
       <p:ext uri="{BB962C8B-B14F-4D97-AF65-F5344CB8AC3E}">
-        <p14:creationId xmlns:p14="http://schemas.microsoft.com/office/powerpoint/2010/main" val="1141293993"/>
+        <p14:creationId xmlns:p14="http://schemas.microsoft.com/office/powerpoint/2010/main" val="815546488"/>
       </p:ext>
     </p:extLst>
   </p:cSld>
@@ -10232,14 +10246,12 @@
         </p:nvSpPr>
         <p:spPr/>
         <p:txBody>
-          <a:bodyPr>
-            <a:normAutofit fontScale="90000"/>
-          </a:bodyPr>
-          <a:lstStyle/>
-          <a:p>
-            <a:r>
-              <a:rPr lang="en-US" dirty="0"/>
-              <a:t>Importance of Understanding Terms and Conditions</a:t>
+          <a:bodyPr/>
+          <a:lstStyle/>
+          <a:p>
+            <a:r>
+              <a:rPr lang="en-US" dirty="0"/>
+              <a:t>Overview of Valuations and Term Sheets</a:t>
             </a:r>
           </a:p>
         </p:txBody>
@@ -10261,13 +10273,27 @@
           <a:p>
             <a:r>
               <a:rPr lang="en-US" dirty="0"/>
-              <a:t>Understanding the terms and conditions of funding agreements is crucial for entrepreneurs to avoid misunderstandings and ensure they receive the funding they need.</a:t>
-            </a:r>
-          </a:p>
-          <a:p>
-            <a:r>
-              <a:rPr lang="en-US" dirty="0"/>
-              <a:t>Key terms to focus on include valuation, equity ownership, board representation, and liquidation preferences.</a:t>
+              <a:t>Valuation</a:t>
+            </a:r>
+          </a:p>
+          <a:p>
+            <a:pPr lvl="1"/>
+            <a:r>
+              <a:rPr lang="en-US" dirty="0"/>
+              <a:t>The process of determining the economic value of a business or asset.</a:t>
+            </a:r>
+          </a:p>
+          <a:p>
+            <a:r>
+              <a:rPr lang="en-US" dirty="0"/>
+              <a:t>Term sheet</a:t>
+            </a:r>
+          </a:p>
+          <a:p>
+            <a:pPr lvl="1"/>
+            <a:r>
+              <a:rPr lang="en-US" dirty="0"/>
+              <a:t>A non-binding agreement outlining the basic terms and conditions of a proposed investment.</a:t>
             </a:r>
           </a:p>
         </p:txBody>
@@ -10299,7 +10325,7 @@
     </p:spTree>
     <p:extLst>
       <p:ext uri="{BB962C8B-B14F-4D97-AF65-F5344CB8AC3E}">
-        <p14:creationId xmlns:p14="http://schemas.microsoft.com/office/powerpoint/2010/main" val="993812852"/>
+        <p14:creationId xmlns:p14="http://schemas.microsoft.com/office/powerpoint/2010/main" val="1141293993"/>
       </p:ext>
     </p:extLst>
   </p:cSld>
@@ -10338,12 +10364,14 @@
         </p:nvSpPr>
         <p:spPr/>
         <p:txBody>
-          <a:bodyPr/>
-          <a:lstStyle/>
-          <a:p>
-            <a:r>
-              <a:rPr lang="en-US" dirty="0"/>
-              <a:t>Factors that Contributed to Success</a:t>
+          <a:bodyPr>
+            <a:normAutofit fontScale="90000"/>
+          </a:bodyPr>
+          <a:lstStyle/>
+          <a:p>
+            <a:r>
+              <a:rPr lang="en-US" dirty="0"/>
+              <a:t>Importance of Understanding Terms and Conditions</a:t>
             </a:r>
           </a:p>
         </p:txBody>
@@ -10365,19 +10393,13 @@
           <a:p>
             <a:r>
               <a:rPr lang="en-US" dirty="0"/>
-              <a:t>Strong leadership</a:t>
-            </a:r>
-          </a:p>
-          <a:p>
-            <a:r>
-              <a:rPr lang="en-US" dirty="0"/>
-              <a:t>Innovative products or services</a:t>
-            </a:r>
-          </a:p>
-          <a:p>
-            <a:r>
-              <a:rPr lang="en-US" dirty="0"/>
-              <a:t>Market timing</a:t>
+              <a:t>Understanding the terms and conditions of funding agreements is crucial for entrepreneurs to avoid misunderstandings and ensure they receive the funding they need.</a:t>
+            </a:r>
+          </a:p>
+          <a:p>
+            <a:r>
+              <a:rPr lang="en-US" dirty="0"/>
+              <a:t>Key terms to focus on include valuation, equity ownership, board representation, and liquidation preferences.</a:t>
             </a:r>
           </a:p>
         </p:txBody>
@@ -10409,7 +10431,7 @@
     </p:spTree>
     <p:extLst>
       <p:ext uri="{BB962C8B-B14F-4D97-AF65-F5344CB8AC3E}">
-        <p14:creationId xmlns:p14="http://schemas.microsoft.com/office/powerpoint/2010/main" val="3881086945"/>
+        <p14:creationId xmlns:p14="http://schemas.microsoft.com/office/powerpoint/2010/main" val="993812852"/>
       </p:ext>
     </p:extLst>
   </p:cSld>
@@ -10438,7 +10460,7 @@
       </p:grpSpPr>
       <p:sp>
         <p:nvSpPr>
-          <p:cNvPr id="5" name="Title 4"/>
+          <p:cNvPr id="2" name="Title 1"/>
           <p:cNvSpPr>
             <a:spLocks noGrp="1"/>
           </p:cNvSpPr>
@@ -10453,27 +10475,42 @@
           <a:p>
             <a:r>
               <a:rPr lang="en-US" dirty="0"/>
-              <a:t>Incubators and Accelerators</a:t>
-            </a:r>
-          </a:p>
-        </p:txBody>
-      </p:sp>
-      <p:sp>
-        <p:nvSpPr>
-          <p:cNvPr id="6" name="Text Placeholder 5"/>
-          <p:cNvSpPr>
-            <a:spLocks noGrp="1"/>
-          </p:cNvSpPr>
-          <p:nvPr>
-            <p:ph type="body" idx="1"/>
-          </p:nvPr>
-        </p:nvSpPr>
-        <p:spPr/>
-        <p:txBody>
-          <a:bodyPr/>
-          <a:lstStyle/>
-          <a:p>
-            <a:endParaRPr lang="en-US"/>
+              <a:t>Factors that Contributed to Success</a:t>
+            </a:r>
+          </a:p>
+        </p:txBody>
+      </p:sp>
+      <p:sp>
+        <p:nvSpPr>
+          <p:cNvPr id="3" name="Content Placeholder 2"/>
+          <p:cNvSpPr>
+            <a:spLocks noGrp="1"/>
+          </p:cNvSpPr>
+          <p:nvPr>
+            <p:ph idx="1"/>
+          </p:nvPr>
+        </p:nvSpPr>
+        <p:spPr/>
+        <p:txBody>
+          <a:bodyPr/>
+          <a:lstStyle/>
+          <a:p>
+            <a:r>
+              <a:rPr lang="en-US" dirty="0"/>
+              <a:t>Strong leadership</a:t>
+            </a:r>
+          </a:p>
+          <a:p>
+            <a:r>
+              <a:rPr lang="en-US" dirty="0"/>
+              <a:t>Innovative products or services</a:t>
+            </a:r>
+          </a:p>
+          <a:p>
+            <a:r>
+              <a:rPr lang="en-US" dirty="0"/>
+              <a:t>Market timing</a:t>
+            </a:r>
           </a:p>
         </p:txBody>
       </p:sp>
@@ -10504,7 +10541,7 @@
     </p:spTree>
     <p:extLst>
       <p:ext uri="{BB962C8B-B14F-4D97-AF65-F5344CB8AC3E}">
-        <p14:creationId xmlns:p14="http://schemas.microsoft.com/office/powerpoint/2010/main" val="3037168298"/>
+        <p14:creationId xmlns:p14="http://schemas.microsoft.com/office/powerpoint/2010/main" val="3881086945"/>
       </p:ext>
     </p:extLst>
   </p:cSld>
@@ -10533,7 +10570,7 @@
       </p:grpSpPr>
       <p:sp>
         <p:nvSpPr>
-          <p:cNvPr id="2" name="Title 1"/>
+          <p:cNvPr id="5" name="Title 4"/>
           <p:cNvSpPr>
             <a:spLocks noGrp="1"/>
           </p:cNvSpPr>
@@ -10550,6 +10587,25 @@
               <a:rPr lang="en-US" dirty="0"/>
               <a:t>Incubators and Accelerators</a:t>
             </a:r>
+          </a:p>
+        </p:txBody>
+      </p:sp>
+      <p:sp>
+        <p:nvSpPr>
+          <p:cNvPr id="6" name="Text Placeholder 5"/>
+          <p:cNvSpPr>
+            <a:spLocks noGrp="1"/>
+          </p:cNvSpPr>
+          <p:nvPr>
+            <p:ph type="body" idx="1"/>
+          </p:nvPr>
+        </p:nvSpPr>
+        <p:spPr/>
+        <p:txBody>
+          <a:bodyPr/>
+          <a:lstStyle/>
+          <a:p>
+            <a:endParaRPr lang="en-US"/>
           </a:p>
         </p:txBody>
       </p:sp>
@@ -10572,6 +10628,82 @@
               <a:rPr lang="en-US" smtClean="0"/>
               <a:pPr/>
               <a:t>33</a:t>
+            </a:fld>
+            <a:endParaRPr lang="en-US" dirty="0"/>
+          </a:p>
+        </p:txBody>
+      </p:sp>
+    </p:spTree>
+    <p:extLst>
+      <p:ext uri="{BB962C8B-B14F-4D97-AF65-F5344CB8AC3E}">
+        <p14:creationId xmlns:p14="http://schemas.microsoft.com/office/powerpoint/2010/main" val="3037168298"/>
+      </p:ext>
+    </p:extLst>
+  </p:cSld>
+  <p:clrMapOvr>
+    <a:masterClrMapping/>
+  </p:clrMapOvr>
+</p:sld>
+</file>
+
+<file path=ppt/slides/slide34.xml><?xml version="1.0" encoding="utf-8"?>
+<p:sld xmlns:a="http://schemas.openxmlformats.org/drawingml/2006/main" xmlns:r="http://schemas.openxmlformats.org/officeDocument/2006/relationships" xmlns:p="http://schemas.openxmlformats.org/presentationml/2006/main">
+  <p:cSld>
+    <p:spTree>
+      <p:nvGrpSpPr>
+        <p:cNvPr id="1" name=""/>
+        <p:cNvGrpSpPr/>
+        <p:nvPr/>
+      </p:nvGrpSpPr>
+      <p:grpSpPr>
+        <a:xfrm>
+          <a:off x="0" y="0"/>
+          <a:ext cx="0" cy="0"/>
+          <a:chOff x="0" y="0"/>
+          <a:chExt cx="0" cy="0"/>
+        </a:xfrm>
+      </p:grpSpPr>
+      <p:sp>
+        <p:nvSpPr>
+          <p:cNvPr id="2" name="Title 1"/>
+          <p:cNvSpPr>
+            <a:spLocks noGrp="1"/>
+          </p:cNvSpPr>
+          <p:nvPr>
+            <p:ph type="title"/>
+          </p:nvPr>
+        </p:nvSpPr>
+        <p:spPr/>
+        <p:txBody>
+          <a:bodyPr/>
+          <a:lstStyle/>
+          <a:p>
+            <a:r>
+              <a:rPr lang="en-US" dirty="0"/>
+              <a:t>Incubators and Accelerators</a:t>
+            </a:r>
+          </a:p>
+        </p:txBody>
+      </p:sp>
+      <p:sp>
+        <p:nvSpPr>
+          <p:cNvPr id="4" name="Slide Number Placeholder 3"/>
+          <p:cNvSpPr>
+            <a:spLocks noGrp="1"/>
+          </p:cNvSpPr>
+          <p:nvPr>
+            <p:ph type="sldNum" sz="quarter" idx="12"/>
+          </p:nvPr>
+        </p:nvSpPr>
+        <p:spPr/>
+        <p:txBody>
+          <a:bodyPr/>
+          <a:lstStyle/>
+          <a:p>
+            <a:fld id="{B8DACC02-A2BD-4578-8E03-6D891060A695}" type="slidenum">
+              <a:rPr lang="en-US" smtClean="0"/>
+              <a:pPr/>
+              <a:t>34</a:t>
             </a:fld>
             <a:endParaRPr lang="en-US" dirty="0"/>
           </a:p>
@@ -10631,110 +10763,6 @@
 </p:sld>
 </file>
 
-<file path=ppt/slides/slide34.xml><?xml version="1.0" encoding="utf-8"?>
-<p:sld xmlns:a="http://schemas.openxmlformats.org/drawingml/2006/main" xmlns:r="http://schemas.openxmlformats.org/officeDocument/2006/relationships" xmlns:p="http://schemas.openxmlformats.org/presentationml/2006/main">
-  <p:cSld>
-    <p:spTree>
-      <p:nvGrpSpPr>
-        <p:cNvPr id="1" name=""/>
-        <p:cNvGrpSpPr/>
-        <p:nvPr/>
-      </p:nvGrpSpPr>
-      <p:grpSpPr>
-        <a:xfrm>
-          <a:off x="0" y="0"/>
-          <a:ext cx="0" cy="0"/>
-          <a:chOff x="0" y="0"/>
-          <a:chExt cx="0" cy="0"/>
-        </a:xfrm>
-      </p:grpSpPr>
-      <p:sp>
-        <p:nvSpPr>
-          <p:cNvPr id="2" name="Title 1"/>
-          <p:cNvSpPr>
-            <a:spLocks noGrp="1"/>
-          </p:cNvSpPr>
-          <p:nvPr>
-            <p:ph type="title"/>
-          </p:nvPr>
-        </p:nvSpPr>
-        <p:spPr/>
-        <p:txBody>
-          <a:bodyPr/>
-          <a:lstStyle/>
-          <a:p>
-            <a:r>
-              <a:rPr lang="en-US" dirty="0"/>
-              <a:t>Incubators and Accelerators</a:t>
-            </a:r>
-          </a:p>
-        </p:txBody>
-      </p:sp>
-      <p:sp>
-        <p:nvSpPr>
-          <p:cNvPr id="3" name="Content Placeholder 2"/>
-          <p:cNvSpPr>
-            <a:spLocks noGrp="1"/>
-          </p:cNvSpPr>
-          <p:nvPr>
-            <p:ph idx="1"/>
-          </p:nvPr>
-        </p:nvSpPr>
-        <p:spPr/>
-        <p:txBody>
-          <a:bodyPr/>
-          <a:lstStyle/>
-          <a:p>
-            <a:r>
-              <a:rPr lang="en-US" dirty="0"/>
-              <a:t>Incubators and accelerators are programs designed to support early-stage startups and help them grow and succeed.</a:t>
-            </a:r>
-          </a:p>
-          <a:p>
-            <a:r>
-              <a:rPr lang="en-US" dirty="0"/>
-              <a:t>Incubators focus on nurturing startups in their early stages, while accelerators provide a more structured program with a fixed duration and a focus on scaling.</a:t>
-            </a:r>
-          </a:p>
-        </p:txBody>
-      </p:sp>
-      <p:sp>
-        <p:nvSpPr>
-          <p:cNvPr id="4" name="Slide Number Placeholder 3"/>
-          <p:cNvSpPr>
-            <a:spLocks noGrp="1"/>
-          </p:cNvSpPr>
-          <p:nvPr>
-            <p:ph type="sldNum" sz="quarter" idx="12"/>
-          </p:nvPr>
-        </p:nvSpPr>
-        <p:spPr/>
-        <p:txBody>
-          <a:bodyPr/>
-          <a:lstStyle/>
-          <a:p>
-            <a:fld id="{B8DACC02-A2BD-4578-8E03-6D891060A695}" type="slidenum">
-              <a:rPr lang="en-US" smtClean="0"/>
-              <a:pPr/>
-              <a:t>34</a:t>
-            </a:fld>
-            <a:endParaRPr lang="en-US" dirty="0"/>
-          </a:p>
-        </p:txBody>
-      </p:sp>
-    </p:spTree>
-    <p:extLst>
-      <p:ext uri="{BB962C8B-B14F-4D97-AF65-F5344CB8AC3E}">
-        <p14:creationId xmlns:p14="http://schemas.microsoft.com/office/powerpoint/2010/main" val="3389040952"/>
-      </p:ext>
-    </p:extLst>
-  </p:cSld>
-  <p:clrMapOvr>
-    <a:masterClrMapping/>
-  </p:clrMapOvr>
-</p:sld>
-</file>
-
 <file path=ppt/slides/slide35.xml><?xml version="1.0" encoding="utf-8"?>
 <p:sld xmlns:a="http://schemas.openxmlformats.org/drawingml/2006/main" xmlns:r="http://schemas.openxmlformats.org/officeDocument/2006/relationships" xmlns:p="http://schemas.openxmlformats.org/presentationml/2006/main">
   <p:cSld>
@@ -10784,6 +10812,110 @@
             <p:ph idx="1"/>
           </p:nvPr>
         </p:nvSpPr>
+        <p:spPr/>
+        <p:txBody>
+          <a:bodyPr/>
+          <a:lstStyle/>
+          <a:p>
+            <a:r>
+              <a:rPr lang="en-US" dirty="0"/>
+              <a:t>Incubators and accelerators are programs designed to support early-stage startups and help them grow and succeed.</a:t>
+            </a:r>
+          </a:p>
+          <a:p>
+            <a:r>
+              <a:rPr lang="en-US" dirty="0"/>
+              <a:t>Incubators focus on nurturing startups in their early stages, while accelerators provide a more structured program with a fixed duration and a focus on scaling.</a:t>
+            </a:r>
+          </a:p>
+        </p:txBody>
+      </p:sp>
+      <p:sp>
+        <p:nvSpPr>
+          <p:cNvPr id="4" name="Slide Number Placeholder 3"/>
+          <p:cNvSpPr>
+            <a:spLocks noGrp="1"/>
+          </p:cNvSpPr>
+          <p:nvPr>
+            <p:ph type="sldNum" sz="quarter" idx="12"/>
+          </p:nvPr>
+        </p:nvSpPr>
+        <p:spPr/>
+        <p:txBody>
+          <a:bodyPr/>
+          <a:lstStyle/>
+          <a:p>
+            <a:fld id="{B8DACC02-A2BD-4578-8E03-6D891060A695}" type="slidenum">
+              <a:rPr lang="en-US" smtClean="0"/>
+              <a:pPr/>
+              <a:t>35</a:t>
+            </a:fld>
+            <a:endParaRPr lang="en-US" dirty="0"/>
+          </a:p>
+        </p:txBody>
+      </p:sp>
+    </p:spTree>
+    <p:extLst>
+      <p:ext uri="{BB962C8B-B14F-4D97-AF65-F5344CB8AC3E}">
+        <p14:creationId xmlns:p14="http://schemas.microsoft.com/office/powerpoint/2010/main" val="3389040952"/>
+      </p:ext>
+    </p:extLst>
+  </p:cSld>
+  <p:clrMapOvr>
+    <a:masterClrMapping/>
+  </p:clrMapOvr>
+</p:sld>
+</file>
+
+<file path=ppt/slides/slide36.xml><?xml version="1.0" encoding="utf-8"?>
+<p:sld xmlns:a="http://schemas.openxmlformats.org/drawingml/2006/main" xmlns:r="http://schemas.openxmlformats.org/officeDocument/2006/relationships" xmlns:p="http://schemas.openxmlformats.org/presentationml/2006/main">
+  <p:cSld>
+    <p:spTree>
+      <p:nvGrpSpPr>
+        <p:cNvPr id="1" name=""/>
+        <p:cNvGrpSpPr/>
+        <p:nvPr/>
+      </p:nvGrpSpPr>
+      <p:grpSpPr>
+        <a:xfrm>
+          <a:off x="0" y="0"/>
+          <a:ext cx="0" cy="0"/>
+          <a:chOff x="0" y="0"/>
+          <a:chExt cx="0" cy="0"/>
+        </a:xfrm>
+      </p:grpSpPr>
+      <p:sp>
+        <p:nvSpPr>
+          <p:cNvPr id="2" name="Title 1"/>
+          <p:cNvSpPr>
+            <a:spLocks noGrp="1"/>
+          </p:cNvSpPr>
+          <p:nvPr>
+            <p:ph type="title"/>
+          </p:nvPr>
+        </p:nvSpPr>
+        <p:spPr/>
+        <p:txBody>
+          <a:bodyPr/>
+          <a:lstStyle/>
+          <a:p>
+            <a:r>
+              <a:rPr lang="en-US" dirty="0"/>
+              <a:t>Incubators and Accelerators</a:t>
+            </a:r>
+          </a:p>
+        </p:txBody>
+      </p:sp>
+      <p:sp>
+        <p:nvSpPr>
+          <p:cNvPr id="3" name="Content Placeholder 2"/>
+          <p:cNvSpPr>
+            <a:spLocks noGrp="1"/>
+          </p:cNvSpPr>
+          <p:nvPr>
+            <p:ph idx="1"/>
+          </p:nvPr>
+        </p:nvSpPr>
         <p:spPr>
           <a:xfrm>
             <a:off x="347527" y="1406880"/>
@@ -10825,7 +10957,7 @@
             <a:fld id="{B8DACC02-A2BD-4578-8E03-6D891060A695}" type="slidenum">
               <a:rPr lang="en-US" smtClean="0"/>
               <a:pPr/>
-              <a:t>35</a:t>
+              <a:t>36</a:t>
             </a:fld>
             <a:endParaRPr lang="en-US" dirty="0"/>
           </a:p>
@@ -10883,168 +11015,6 @@
 </p:sld>
 </file>
 
-<file path=ppt/slides/slide36.xml><?xml version="1.0" encoding="utf-8"?>
-<p:sld xmlns:a="http://schemas.openxmlformats.org/drawingml/2006/main" xmlns:r="http://schemas.openxmlformats.org/officeDocument/2006/relationships" xmlns:p="http://schemas.openxmlformats.org/presentationml/2006/main">
-  <p:cSld>
-    <p:spTree>
-      <p:nvGrpSpPr>
-        <p:cNvPr id="1" name=""/>
-        <p:cNvGrpSpPr/>
-        <p:nvPr/>
-      </p:nvGrpSpPr>
-      <p:grpSpPr>
-        <a:xfrm>
-          <a:off x="0" y="0"/>
-          <a:ext cx="0" cy="0"/>
-          <a:chOff x="0" y="0"/>
-          <a:chExt cx="0" cy="0"/>
-        </a:xfrm>
-      </p:grpSpPr>
-      <p:sp>
-        <p:nvSpPr>
-          <p:cNvPr id="2" name="Title 1"/>
-          <p:cNvSpPr>
-            <a:spLocks noGrp="1"/>
-          </p:cNvSpPr>
-          <p:nvPr>
-            <p:ph type="title"/>
-          </p:nvPr>
-        </p:nvSpPr>
-        <p:spPr/>
-        <p:txBody>
-          <a:bodyPr/>
-          <a:lstStyle/>
-          <a:p>
-            <a:r>
-              <a:rPr lang="en-US" dirty="0"/>
-              <a:t>Types of Incubators and Accelerators</a:t>
-            </a:r>
-          </a:p>
-        </p:txBody>
-      </p:sp>
-      <p:sp>
-        <p:nvSpPr>
-          <p:cNvPr id="3" name="Content Placeholder 2"/>
-          <p:cNvSpPr>
-            <a:spLocks noGrp="1"/>
-          </p:cNvSpPr>
-          <p:nvPr>
-            <p:ph idx="1"/>
-          </p:nvPr>
-        </p:nvSpPr>
-        <p:spPr/>
-        <p:txBody>
-          <a:bodyPr/>
-          <a:lstStyle/>
-          <a:p>
-            <a:r>
-              <a:rPr lang="en-US" dirty="0"/>
-              <a:t>Incubators:</a:t>
-            </a:r>
-          </a:p>
-          <a:p>
-            <a:pPr lvl="1"/>
-            <a:r>
-              <a:rPr lang="en-US" dirty="0"/>
-              <a:t>University-based incubators</a:t>
-            </a:r>
-          </a:p>
-          <a:p>
-            <a:pPr lvl="1"/>
-            <a:r>
-              <a:rPr lang="en-US" dirty="0"/>
-              <a:t>Independent incubators</a:t>
-            </a:r>
-          </a:p>
-          <a:p>
-            <a:pPr lvl="1"/>
-            <a:r>
-              <a:rPr lang="en-US" dirty="0"/>
-              <a:t>Corporate incubators</a:t>
-            </a:r>
-          </a:p>
-          <a:p>
-            <a:r>
-              <a:rPr lang="en-US" dirty="0"/>
-              <a:t>Accelerators:</a:t>
-            </a:r>
-          </a:p>
-          <a:p>
-            <a:pPr lvl="1"/>
-            <a:r>
-              <a:rPr lang="en-US" dirty="0"/>
-              <a:t>General accelerators</a:t>
-            </a:r>
-          </a:p>
-          <a:p>
-            <a:pPr lvl="1"/>
-            <a:r>
-              <a:rPr lang="en-US" dirty="0"/>
-              <a:t>Sector-specific accelerators (e.g., </a:t>
-            </a:r>
-            <a:r>
-              <a:rPr lang="en-US" dirty="0" err="1"/>
-              <a:t>fintech</a:t>
-            </a:r>
-            <a:r>
-              <a:rPr lang="en-US" dirty="0"/>
-              <a:t>, </a:t>
-            </a:r>
-            <a:r>
-              <a:rPr lang="en-US" dirty="0" err="1"/>
-              <a:t>healthtech</a:t>
-            </a:r>
-            <a:r>
-              <a:rPr lang="en-US" dirty="0"/>
-              <a:t>)</a:t>
-            </a:r>
-          </a:p>
-          <a:p>
-            <a:pPr lvl="1"/>
-            <a:r>
-              <a:rPr lang="en-US" dirty="0"/>
-              <a:t>Corporate accelerators</a:t>
-            </a:r>
-          </a:p>
-        </p:txBody>
-      </p:sp>
-      <p:sp>
-        <p:nvSpPr>
-          <p:cNvPr id="4" name="Slide Number Placeholder 3"/>
-          <p:cNvSpPr>
-            <a:spLocks noGrp="1"/>
-          </p:cNvSpPr>
-          <p:nvPr>
-            <p:ph type="sldNum" sz="quarter" idx="12"/>
-          </p:nvPr>
-        </p:nvSpPr>
-        <p:spPr/>
-        <p:txBody>
-          <a:bodyPr/>
-          <a:lstStyle/>
-          <a:p>
-            <a:fld id="{B8DACC02-A2BD-4578-8E03-6D891060A695}" type="slidenum">
-              <a:rPr lang="en-US" smtClean="0"/>
-              <a:pPr/>
-              <a:t>36</a:t>
-            </a:fld>
-            <a:endParaRPr lang="en-US" dirty="0"/>
-          </a:p>
-        </p:txBody>
-      </p:sp>
-    </p:spTree>
-    <p:extLst>
-      <p:ext uri="{BB962C8B-B14F-4D97-AF65-F5344CB8AC3E}">
-        <p14:creationId xmlns:p14="http://schemas.microsoft.com/office/powerpoint/2010/main" val="566255972"/>
-      </p:ext>
-    </p:extLst>
-  </p:cSld>
-  <p:clrMapOvr>
-    <a:masterClrMapping/>
-  </p:clrMapOvr>
-</p:sld>
-</file>
-
 <file path=ppt/slides/slide37.xml><?xml version="1.0" encoding="utf-8"?>
 <p:sld xmlns:a="http://schemas.openxmlformats.org/drawingml/2006/main" xmlns:r="http://schemas.openxmlformats.org/officeDocument/2006/relationships" xmlns:p="http://schemas.openxmlformats.org/presentationml/2006/main">
   <p:cSld>
@@ -11079,7 +11049,7 @@
           <a:p>
             <a:r>
               <a:rPr lang="en-US" dirty="0"/>
-              <a:t>Benefits of Incubators and Accelerators</a:t>
+              <a:t>Types of Incubators and Accelerators</a:t>
             </a:r>
           </a:p>
         </p:txBody>
@@ -11101,40 +11071,71 @@
           <a:p>
             <a:r>
               <a:rPr lang="en-US" dirty="0"/>
-              <a:t>Access to resources</a:t>
+              <a:t>Incubators:</a:t>
             </a:r>
           </a:p>
           <a:p>
             <a:pPr lvl="1"/>
             <a:r>
               <a:rPr lang="en-US" dirty="0"/>
-              <a:t>Incubators and accelerators provide startups with access to resources such as office space, mentorship, networking opportunities, and funding.</a:t>
-            </a:r>
-          </a:p>
-          <a:p>
-            <a:r>
-              <a:rPr lang="en-US" dirty="0"/>
-              <a:t>Guidance and support</a:t>
+              <a:t>University-based incubators</a:t>
             </a:r>
           </a:p>
           <a:p>
             <a:pPr lvl="1"/>
             <a:r>
               <a:rPr lang="en-US" dirty="0"/>
-              <a:t>Startups receive guidance and support from experienced entrepreneurs, investors, and industry experts.</a:t>
-            </a:r>
-          </a:p>
-          <a:p>
-            <a:r>
-              <a:rPr lang="en-US" dirty="0"/>
-              <a:t>Focus and accountability</a:t>
+              <a:t>Independent incubators</a:t>
             </a:r>
           </a:p>
           <a:p>
             <a:pPr lvl="1"/>
             <a:r>
               <a:rPr lang="en-US" dirty="0"/>
-              <a:t>Incubators and accelerators provide a structured environment that helps startups stay focused and accountable.</a:t>
+              <a:t>Corporate incubators</a:t>
+            </a:r>
+          </a:p>
+          <a:p>
+            <a:r>
+              <a:rPr lang="en-US" dirty="0"/>
+              <a:t>Accelerators:</a:t>
+            </a:r>
+          </a:p>
+          <a:p>
+            <a:pPr lvl="1"/>
+            <a:r>
+              <a:rPr lang="en-US" dirty="0"/>
+              <a:t>General accelerators</a:t>
+            </a:r>
+          </a:p>
+          <a:p>
+            <a:pPr lvl="1"/>
+            <a:r>
+              <a:rPr lang="en-US" dirty="0"/>
+              <a:t>Sector-specific accelerators (e.g., </a:t>
+            </a:r>
+            <a:r>
+              <a:rPr lang="en-US" dirty="0" err="1"/>
+              <a:t>fintech</a:t>
+            </a:r>
+            <a:r>
+              <a:rPr lang="en-US" dirty="0"/>
+              <a:t>, </a:t>
+            </a:r>
+            <a:r>
+              <a:rPr lang="en-US" dirty="0" err="1"/>
+              <a:t>healthtech</a:t>
+            </a:r>
+            <a:r>
+              <a:rPr lang="en-US" dirty="0"/>
+              <a:t>)</a:t>
+            </a:r>
+          </a:p>
+          <a:p>
+            <a:pPr lvl="1"/>
+            <a:r>
+              <a:rPr lang="en-US" dirty="0"/>
+              <a:t>Corporate accelerators</a:t>
             </a:r>
           </a:p>
         </p:txBody>
@@ -11166,7 +11167,7 @@
     </p:spTree>
     <p:extLst>
       <p:ext uri="{BB962C8B-B14F-4D97-AF65-F5344CB8AC3E}">
-        <p14:creationId xmlns:p14="http://schemas.microsoft.com/office/powerpoint/2010/main" val="2619956534"/>
+        <p14:creationId xmlns:p14="http://schemas.microsoft.com/office/powerpoint/2010/main" val="566255972"/>
       </p:ext>
     </p:extLst>
   </p:cSld>
@@ -11210,7 +11211,7 @@
           <a:p>
             <a:r>
               <a:rPr lang="en-US" dirty="0"/>
-              <a:t>Incubator and Accelerator Programs</a:t>
+              <a:t>Benefits of Incubators and Accelerators</a:t>
             </a:r>
           </a:p>
         </p:txBody>
@@ -11227,76 +11228,45 @@
         </p:nvSpPr>
         <p:spPr/>
         <p:txBody>
-          <a:bodyPr>
-            <a:normAutofit/>
-          </a:bodyPr>
-          <a:lstStyle/>
-          <a:p>
-            <a:r>
-              <a:rPr lang="en-US" dirty="0"/>
-              <a:t>Typical programs offered by incubators:</a:t>
+          <a:bodyPr/>
+          <a:lstStyle/>
+          <a:p>
+            <a:r>
+              <a:rPr lang="en-US" dirty="0"/>
+              <a:t>Access to resources</a:t>
             </a:r>
           </a:p>
           <a:p>
             <a:pPr lvl="1"/>
             <a:r>
               <a:rPr lang="en-US" dirty="0"/>
-              <a:t>Business planning and strategy</a:t>
+              <a:t>Incubators and accelerators provide startups with access to resources such as office space, mentorship, networking opportunities, and funding.</a:t>
+            </a:r>
+          </a:p>
+          <a:p>
+            <a:r>
+              <a:rPr lang="en-US" dirty="0"/>
+              <a:t>Guidance and support</a:t>
             </a:r>
           </a:p>
           <a:p>
             <a:pPr lvl="1"/>
             <a:r>
               <a:rPr lang="en-US" dirty="0"/>
-              <a:t>Marketing and branding</a:t>
+              <a:t>Startups receive guidance and support from experienced entrepreneurs, investors, and industry experts.</a:t>
+            </a:r>
+          </a:p>
+          <a:p>
+            <a:r>
+              <a:rPr lang="en-US" dirty="0"/>
+              <a:t>Focus and accountability</a:t>
             </a:r>
           </a:p>
           <a:p>
             <a:pPr lvl="1"/>
             <a:r>
               <a:rPr lang="en-US" dirty="0"/>
-              <a:t>Legal and regulatory compliance</a:t>
-            </a:r>
-          </a:p>
-          <a:p>
-            <a:pPr lvl="1"/>
-            <a:r>
-              <a:rPr lang="en-US" dirty="0"/>
-              <a:t>Access to funding and finance</a:t>
-            </a:r>
-          </a:p>
-          <a:p>
-            <a:r>
-              <a:rPr lang="en-US" dirty="0"/>
-              <a:t>Typical programs offered by accelerators:</a:t>
-            </a:r>
-          </a:p>
-          <a:p>
-            <a:pPr lvl="1"/>
-            <a:r>
-              <a:rPr lang="en-US" dirty="0"/>
-              <a:t>Mentorship and coaching</a:t>
-            </a:r>
-          </a:p>
-          <a:p>
-            <a:pPr lvl="1"/>
-            <a:r>
-              <a:rPr lang="en-US" dirty="0"/>
-              <a:t>Workshops and training sessions</a:t>
-            </a:r>
-          </a:p>
-          <a:p>
-            <a:pPr lvl="1"/>
-            <a:r>
-              <a:rPr lang="en-US" dirty="0"/>
-              <a:t>Pitching and presentation skills</a:t>
-            </a:r>
-          </a:p>
-          <a:p>
-            <a:pPr lvl="1"/>
-            <a:r>
-              <a:rPr lang="en-US" dirty="0"/>
-              <a:t>Access to funding and investors</a:t>
+              <a:t>Incubators and accelerators provide a structured environment that helps startups stay focused and accountable.</a:t>
             </a:r>
           </a:p>
         </p:txBody>
@@ -11328,7 +11298,7 @@
     </p:spTree>
     <p:extLst>
       <p:ext uri="{BB962C8B-B14F-4D97-AF65-F5344CB8AC3E}">
-        <p14:creationId xmlns:p14="http://schemas.microsoft.com/office/powerpoint/2010/main" val="1245689597"/>
+        <p14:creationId xmlns:p14="http://schemas.microsoft.com/office/powerpoint/2010/main" val="2619956534"/>
       </p:ext>
     </p:extLst>
   </p:cSld>
@@ -11367,136 +11337,98 @@
         </p:nvSpPr>
         <p:spPr/>
         <p:txBody>
+          <a:bodyPr/>
+          <a:lstStyle/>
+          <a:p>
+            <a:r>
+              <a:rPr lang="en-US" dirty="0"/>
+              <a:t>Incubator and Accelerator Programs</a:t>
+            </a:r>
+          </a:p>
+        </p:txBody>
+      </p:sp>
+      <p:sp>
+        <p:nvSpPr>
+          <p:cNvPr id="3" name="Content Placeholder 2"/>
+          <p:cNvSpPr>
+            <a:spLocks noGrp="1"/>
+          </p:cNvSpPr>
+          <p:nvPr>
+            <p:ph idx="1"/>
+          </p:nvPr>
+        </p:nvSpPr>
+        <p:spPr/>
+        <p:txBody>
           <a:bodyPr>
-            <a:normAutofit fontScale="90000"/>
+            <a:normAutofit/>
           </a:bodyPr>
           <a:lstStyle/>
           <a:p>
             <a:r>
               <a:rPr lang="en-US" dirty="0"/>
-              <a:t>Examples of Successful Incubators and Accelerators</a:t>
-            </a:r>
-          </a:p>
-        </p:txBody>
-      </p:sp>
-      <p:sp>
-        <p:nvSpPr>
-          <p:cNvPr id="3" name="Content Placeholder 2"/>
-          <p:cNvSpPr>
-            <a:spLocks noGrp="1"/>
-          </p:cNvSpPr>
-          <p:nvPr>
-            <p:ph idx="1"/>
-          </p:nvPr>
-        </p:nvSpPr>
-        <p:spPr/>
-        <p:txBody>
-          <a:bodyPr/>
-          <a:lstStyle/>
-          <a:p>
-            <a:r>
-              <a:rPr lang="en-US" dirty="0"/>
-              <a:t>Incubators:</a:t>
+              <a:t>Typical programs offered by incubators:</a:t>
             </a:r>
           </a:p>
           <a:p>
             <a:pPr lvl="1"/>
             <a:r>
               <a:rPr lang="en-US" dirty="0"/>
-              <a:t>Y </a:t>
-            </a:r>
-            <a:r>
-              <a:rPr lang="en-US" dirty="0" err="1"/>
-              <a:t>Combinator</a:t>
-            </a:r>
-            <a:r>
-              <a:rPr lang="en-US" dirty="0"/>
-              <a:t> (Airbnb, Dropbox, </a:t>
-            </a:r>
-            <a:r>
-              <a:rPr lang="en-US" dirty="0" err="1"/>
-              <a:t>Reddit</a:t>
-            </a:r>
-            <a:r>
-              <a:rPr lang="en-US" dirty="0"/>
-              <a:t>)</a:t>
+              <a:t>Business planning and strategy</a:t>
             </a:r>
           </a:p>
           <a:p>
             <a:pPr lvl="1"/>
             <a:r>
               <a:rPr lang="en-US" dirty="0"/>
-              <a:t>500 Startups (</a:t>
-            </a:r>
-            <a:r>
-              <a:rPr lang="en-US" dirty="0" err="1"/>
-              <a:t>Twilio</a:t>
-            </a:r>
-            <a:r>
-              <a:rPr lang="en-US" dirty="0"/>
-              <a:t>, </a:t>
-            </a:r>
-            <a:r>
-              <a:rPr lang="en-US" dirty="0" err="1"/>
-              <a:t>SendGrid</a:t>
-            </a:r>
-            <a:r>
-              <a:rPr lang="en-US" dirty="0"/>
-              <a:t>, Intercom)</a:t>
+              <a:t>Marketing and branding</a:t>
             </a:r>
           </a:p>
           <a:p>
             <a:pPr lvl="1"/>
             <a:r>
-              <a:rPr lang="en-US" dirty="0" err="1"/>
-              <a:t>Techstars</a:t>
-            </a:r>
-            <a:r>
-              <a:rPr lang="en-US" dirty="0"/>
-              <a:t> (</a:t>
-            </a:r>
-            <a:r>
-              <a:rPr lang="en-US" dirty="0" err="1"/>
-              <a:t>SendGrid</a:t>
-            </a:r>
-            <a:r>
-              <a:rPr lang="en-US" dirty="0"/>
-              <a:t>, Sphero, Fitbit)</a:t>
-            </a:r>
-          </a:p>
-          <a:p>
-            <a:r>
-              <a:rPr lang="en-US" dirty="0"/>
-              <a:t>Accelerators:</a:t>
+              <a:rPr lang="en-US" dirty="0"/>
+              <a:t>Legal and regulatory compliance</a:t>
             </a:r>
           </a:p>
           <a:p>
             <a:pPr lvl="1"/>
             <a:r>
-              <a:rPr lang="en-US" dirty="0" err="1"/>
-              <a:t>Accel</a:t>
-            </a:r>
-            <a:r>
-              <a:rPr lang="en-US" dirty="0"/>
-              <a:t> (Dropbox, Facebook, Spotify)</a:t>
+              <a:rPr lang="en-US" dirty="0"/>
+              <a:t>Access to funding and finance</a:t>
+            </a:r>
+          </a:p>
+          <a:p>
+            <a:r>
+              <a:rPr lang="en-US" dirty="0"/>
+              <a:t>Typical programs offered by accelerators:</a:t>
             </a:r>
           </a:p>
           <a:p>
             <a:pPr lvl="1"/>
             <a:r>
               <a:rPr lang="en-US" dirty="0"/>
-              <a:t>KPCB (Google, Twitter, Uber)</a:t>
+              <a:t>Mentorship and coaching</a:t>
             </a:r>
           </a:p>
           <a:p>
             <a:pPr lvl="1"/>
             <a:r>
-              <a:rPr lang="en-US" dirty="0" err="1"/>
-              <a:t>Greylock</a:t>
-            </a:r>
-            <a:r>
-              <a:rPr lang="en-US" dirty="0"/>
-              <a:t> (Airbnb, Facebook, LinkedIn)</a:t>
+              <a:rPr lang="en-US" dirty="0"/>
+              <a:t>Workshops and training sessions</a:t>
+            </a:r>
+          </a:p>
+          <a:p>
+            <a:pPr lvl="1"/>
+            <a:r>
+              <a:rPr lang="en-US" dirty="0"/>
+              <a:t>Pitching and presentation skills</a:t>
+            </a:r>
+          </a:p>
+          <a:p>
+            <a:pPr lvl="1"/>
+            <a:r>
+              <a:rPr lang="en-US" dirty="0"/>
+              <a:t>Access to funding and investors</a:t>
             </a:r>
           </a:p>
         </p:txBody>
@@ -11528,7 +11460,7 @@
     </p:spTree>
     <p:extLst>
       <p:ext uri="{BB962C8B-B14F-4D97-AF65-F5344CB8AC3E}">
-        <p14:creationId xmlns:p14="http://schemas.microsoft.com/office/powerpoint/2010/main" val="1967487476"/>
+        <p14:creationId xmlns:p14="http://schemas.microsoft.com/office/powerpoint/2010/main" val="1245689597"/>
       </p:ext>
     </p:extLst>
   </p:cSld>
@@ -11659,12 +11591,14 @@
         </p:nvSpPr>
         <p:spPr/>
         <p:txBody>
-          <a:bodyPr/>
-          <a:lstStyle/>
-          <a:p>
-            <a:r>
-              <a:rPr lang="en-US" dirty="0"/>
-              <a:t>Saudi Incubators and Accelerators </a:t>
+          <a:bodyPr>
+            <a:normAutofit fontScale="90000"/>
+          </a:bodyPr>
+          <a:lstStyle/>
+          <a:p>
+            <a:r>
+              <a:rPr lang="en-US" dirty="0"/>
+              <a:t>Examples of Successful Incubators and Accelerators</a:t>
             </a:r>
           </a:p>
         </p:txBody>
@@ -11681,88 +11615,112 @@
         </p:nvSpPr>
         <p:spPr/>
         <p:txBody>
-          <a:bodyPr>
-            <a:normAutofit fontScale="92500" lnSpcReduction="20000"/>
-          </a:bodyPr>
-          <a:lstStyle/>
-          <a:p>
-            <a:r>
-              <a:rPr lang="en-US" dirty="0"/>
-              <a:t>9/10ths</a:t>
-            </a:r>
-          </a:p>
-          <a:p>
-            <a:r>
-              <a:rPr lang="en-US" dirty="0"/>
-              <a:t>KAUST Innovation Fund</a:t>
-            </a:r>
-          </a:p>
-          <a:p>
-            <a:r>
-              <a:rPr lang="en-US" dirty="0"/>
-              <a:t>Riyadh Valley Company</a:t>
-            </a:r>
-          </a:p>
-          <a:p>
-            <a:r>
-              <a:rPr lang="en-US" dirty="0"/>
-              <a:t>Business Incubators and Accelerators Company</a:t>
-            </a:r>
-          </a:p>
-          <a:p>
+          <a:bodyPr/>
+          <a:lstStyle/>
+          <a:p>
+            <a:r>
+              <a:rPr lang="en-US" dirty="0"/>
+              <a:t>Incubators:</a:t>
+            </a:r>
+          </a:p>
+          <a:p>
+            <a:pPr lvl="1"/>
+            <a:r>
+              <a:rPr lang="en-US" dirty="0"/>
+              <a:t>Y </a:t>
+            </a:r>
             <a:r>
               <a:rPr lang="en-US" dirty="0" err="1"/>
-              <a:t>Taqadam</a:t>
-            </a:r>
-            <a:endParaRPr lang="en-US" dirty="0"/>
-          </a:p>
-          <a:p>
+              <a:t>Combinator</a:t>
+            </a:r>
+            <a:r>
+              <a:rPr lang="en-US" dirty="0"/>
+              <a:t> (Airbnb, Dropbox, </a:t>
+            </a:r>
             <a:r>
               <a:rPr lang="en-US" dirty="0" err="1"/>
-              <a:t>Falak</a:t>
-            </a:r>
-            <a:r>
-              <a:rPr lang="en-US" dirty="0"/>
-              <a:t> Business Hub</a:t>
-            </a:r>
-          </a:p>
-          <a:p>
+              <a:t>Reddit</a:t>
+            </a:r>
+            <a:r>
+              <a:rPr lang="en-US" dirty="0"/>
+              <a:t>)</a:t>
+            </a:r>
+          </a:p>
+          <a:p>
+            <a:pPr lvl="1"/>
+            <a:r>
+              <a:rPr lang="en-US" dirty="0"/>
+              <a:t>500 Startups (</a:t>
+            </a:r>
             <a:r>
               <a:rPr lang="en-US" dirty="0" err="1"/>
-              <a:t>Nomow</a:t>
-            </a:r>
-            <a:r>
-              <a:rPr lang="en-US" dirty="0"/>
-              <a:t> Incubator</a:t>
-            </a:r>
-          </a:p>
-          <a:p>
-            <a:r>
-              <a:rPr lang="en-US" dirty="0"/>
-              <a:t>SURE International Technology</a:t>
-            </a:r>
-          </a:p>
-          <a:p>
-            <a:r>
-              <a:rPr lang="en-US" dirty="0"/>
-              <a:t>Startups House</a:t>
-            </a:r>
-          </a:p>
-          <a:p>
+              <a:t>Twilio</a:t>
+            </a:r>
+            <a:r>
+              <a:rPr lang="en-US" dirty="0"/>
+              <a:t>, </a:t>
+            </a:r>
             <a:r>
               <a:rPr lang="en-US" dirty="0" err="1"/>
-              <a:t>Wa'ed</a:t>
-            </a:r>
-            <a:endParaRPr lang="en-US" dirty="0"/>
-          </a:p>
-          <a:p>
+              <a:t>SendGrid</a:t>
+            </a:r>
+            <a:r>
+              <a:rPr lang="en-US" dirty="0"/>
+              <a:t>, Intercom)</a:t>
+            </a:r>
+          </a:p>
+          <a:p>
+            <a:pPr lvl="1"/>
             <a:r>
               <a:rPr lang="en-US" dirty="0" err="1"/>
-              <a:t>Wadi</a:t>
-            </a:r>
-            <a:r>
-              <a:rPr lang="en-US" dirty="0"/>
-              <a:t> Makkah</a:t>
+              <a:t>Techstars</a:t>
+            </a:r>
+            <a:r>
+              <a:rPr lang="en-US" dirty="0"/>
+              <a:t> (</a:t>
+            </a:r>
+            <a:r>
+              <a:rPr lang="en-US" dirty="0" err="1"/>
+              <a:t>SendGrid</a:t>
+            </a:r>
+            <a:r>
+              <a:rPr lang="en-US" dirty="0"/>
+              <a:t>, Sphero, Fitbit)</a:t>
+            </a:r>
+          </a:p>
+          <a:p>
+            <a:r>
+              <a:rPr lang="en-US" dirty="0"/>
+              <a:t>Accelerators:</a:t>
+            </a:r>
+          </a:p>
+          <a:p>
+            <a:pPr lvl="1"/>
+            <a:r>
+              <a:rPr lang="en-US" dirty="0" err="1"/>
+              <a:t>Accel</a:t>
+            </a:r>
+            <a:r>
+              <a:rPr lang="en-US" dirty="0"/>
+              <a:t> (Dropbox, Facebook, Spotify)</a:t>
+            </a:r>
+          </a:p>
+          <a:p>
+            <a:pPr lvl="1"/>
+            <a:r>
+              <a:rPr lang="en-US" dirty="0"/>
+              <a:t>KPCB (Google, Twitter, Uber)</a:t>
+            </a:r>
+          </a:p>
+          <a:p>
+            <a:pPr lvl="1"/>
+            <a:r>
+              <a:rPr lang="en-US" dirty="0" err="1"/>
+              <a:t>Greylock</a:t>
+            </a:r>
+            <a:r>
+              <a:rPr lang="en-US" dirty="0"/>
+              <a:t> (Airbnb, Facebook, LinkedIn)</a:t>
             </a:r>
           </a:p>
         </p:txBody>
@@ -11786,6 +11744,180 @@
               <a:rPr lang="en-US" smtClean="0"/>
               <a:pPr/>
               <a:t>40</a:t>
+            </a:fld>
+            <a:endParaRPr lang="en-US" dirty="0"/>
+          </a:p>
+        </p:txBody>
+      </p:sp>
+    </p:spTree>
+    <p:extLst>
+      <p:ext uri="{BB962C8B-B14F-4D97-AF65-F5344CB8AC3E}">
+        <p14:creationId xmlns:p14="http://schemas.microsoft.com/office/powerpoint/2010/main" val="1967487476"/>
+      </p:ext>
+    </p:extLst>
+  </p:cSld>
+  <p:clrMapOvr>
+    <a:masterClrMapping/>
+  </p:clrMapOvr>
+</p:sld>
+</file>
+
+<file path=ppt/slides/slide41.xml><?xml version="1.0" encoding="utf-8"?>
+<p:sld xmlns:a="http://schemas.openxmlformats.org/drawingml/2006/main" xmlns:r="http://schemas.openxmlformats.org/officeDocument/2006/relationships" xmlns:p="http://schemas.openxmlformats.org/presentationml/2006/main">
+  <p:cSld>
+    <p:spTree>
+      <p:nvGrpSpPr>
+        <p:cNvPr id="1" name=""/>
+        <p:cNvGrpSpPr/>
+        <p:nvPr/>
+      </p:nvGrpSpPr>
+      <p:grpSpPr>
+        <a:xfrm>
+          <a:off x="0" y="0"/>
+          <a:ext cx="0" cy="0"/>
+          <a:chOff x="0" y="0"/>
+          <a:chExt cx="0" cy="0"/>
+        </a:xfrm>
+      </p:grpSpPr>
+      <p:sp>
+        <p:nvSpPr>
+          <p:cNvPr id="2" name="Title 1"/>
+          <p:cNvSpPr>
+            <a:spLocks noGrp="1"/>
+          </p:cNvSpPr>
+          <p:nvPr>
+            <p:ph type="title"/>
+          </p:nvPr>
+        </p:nvSpPr>
+        <p:spPr/>
+        <p:txBody>
+          <a:bodyPr/>
+          <a:lstStyle/>
+          <a:p>
+            <a:r>
+              <a:rPr lang="en-US" dirty="0"/>
+              <a:t>Saudi Incubators and Accelerators </a:t>
+            </a:r>
+          </a:p>
+        </p:txBody>
+      </p:sp>
+      <p:sp>
+        <p:nvSpPr>
+          <p:cNvPr id="3" name="Content Placeholder 2"/>
+          <p:cNvSpPr>
+            <a:spLocks noGrp="1"/>
+          </p:cNvSpPr>
+          <p:nvPr>
+            <p:ph idx="1"/>
+          </p:nvPr>
+        </p:nvSpPr>
+        <p:spPr/>
+        <p:txBody>
+          <a:bodyPr>
+            <a:normAutofit fontScale="92500" lnSpcReduction="20000"/>
+          </a:bodyPr>
+          <a:lstStyle/>
+          <a:p>
+            <a:r>
+              <a:rPr lang="en-US" dirty="0"/>
+              <a:t>9/10ths</a:t>
+            </a:r>
+          </a:p>
+          <a:p>
+            <a:r>
+              <a:rPr lang="en-US" dirty="0"/>
+              <a:t>KAUST Innovation Fund</a:t>
+            </a:r>
+          </a:p>
+          <a:p>
+            <a:r>
+              <a:rPr lang="en-US" dirty="0"/>
+              <a:t>Riyadh Valley Company</a:t>
+            </a:r>
+          </a:p>
+          <a:p>
+            <a:r>
+              <a:rPr lang="en-US" dirty="0"/>
+              <a:t>Business Incubators and Accelerators Company</a:t>
+            </a:r>
+          </a:p>
+          <a:p>
+            <a:r>
+              <a:rPr lang="en-US" dirty="0" err="1"/>
+              <a:t>Taqadam</a:t>
+            </a:r>
+            <a:endParaRPr lang="en-US" dirty="0"/>
+          </a:p>
+          <a:p>
+            <a:r>
+              <a:rPr lang="en-US" dirty="0" err="1"/>
+              <a:t>Falak</a:t>
+            </a:r>
+            <a:r>
+              <a:rPr lang="en-US" dirty="0"/>
+              <a:t> Business Hub</a:t>
+            </a:r>
+          </a:p>
+          <a:p>
+            <a:r>
+              <a:rPr lang="en-US" dirty="0" err="1"/>
+              <a:t>Nomow</a:t>
+            </a:r>
+            <a:r>
+              <a:rPr lang="en-US" dirty="0"/>
+              <a:t> Incubator</a:t>
+            </a:r>
+          </a:p>
+          <a:p>
+            <a:r>
+              <a:rPr lang="en-US" dirty="0"/>
+              <a:t>SURE International Technology</a:t>
+            </a:r>
+          </a:p>
+          <a:p>
+            <a:r>
+              <a:rPr lang="en-US" dirty="0"/>
+              <a:t>Startups House</a:t>
+            </a:r>
+          </a:p>
+          <a:p>
+            <a:r>
+              <a:rPr lang="en-US" dirty="0" err="1"/>
+              <a:t>Wa'ed</a:t>
+            </a:r>
+            <a:endParaRPr lang="en-US" dirty="0"/>
+          </a:p>
+          <a:p>
+            <a:r>
+              <a:rPr lang="en-US" dirty="0" err="1"/>
+              <a:t>Wadi</a:t>
+            </a:r>
+            <a:r>
+              <a:rPr lang="en-US" dirty="0"/>
+              <a:t> Makkah</a:t>
+            </a:r>
+          </a:p>
+        </p:txBody>
+      </p:sp>
+      <p:sp>
+        <p:nvSpPr>
+          <p:cNvPr id="4" name="Slide Number Placeholder 3"/>
+          <p:cNvSpPr>
+            <a:spLocks noGrp="1"/>
+          </p:cNvSpPr>
+          <p:nvPr>
+            <p:ph type="sldNum" sz="quarter" idx="12"/>
+          </p:nvPr>
+        </p:nvSpPr>
+        <p:spPr/>
+        <p:txBody>
+          <a:bodyPr/>
+          <a:lstStyle/>
+          <a:p>
+            <a:fld id="{B8DACC02-A2BD-4578-8E03-6D891060A695}" type="slidenum">
+              <a:rPr lang="en-US" smtClean="0"/>
+              <a:pPr/>
+              <a:t>41</a:t>
             </a:fld>
             <a:endParaRPr lang="en-US" dirty="0"/>
           </a:p>
@@ -11838,7 +11970,7 @@
           <a:p>
             <a:r>
               <a:rPr lang="en-US" dirty="0"/>
-              <a:t>Introduction to Pitching and Securing Funding</a:t>
+              <a:t>Why?</a:t>
             </a:r>
           </a:p>
         </p:txBody>
@@ -11860,13 +11992,19 @@
           <a:p>
             <a:r>
               <a:rPr lang="en-US" dirty="0"/>
-              <a:t>Pitching is the process of presenting a business idea or plan to potential investors or stakeholders to secure funding.</a:t>
-            </a:r>
-          </a:p>
-          <a:p>
-            <a:r>
-              <a:rPr lang="en-US" dirty="0"/>
-              <a:t>Pitching is crucial for securing funding, as it allows entrepreneurs to showcase their idea, team, and vision to investors, and convince them to invest in their business.</a:t>
+              <a:t>Software startups need funding to turn their ideas into reality</a:t>
+            </a:r>
+          </a:p>
+          <a:p>
+            <a:r>
+              <a:rPr lang="en-US" dirty="0"/>
+              <a:t>Funding can help startups hire talent, develop products, and scale operations</a:t>
+            </a:r>
+          </a:p>
+          <a:p>
+            <a:r>
+              <a:rPr lang="en-US" dirty="0"/>
+              <a:t>Different types of funding options available, each with pros and cons</a:t>
             </a:r>
           </a:p>
         </p:txBody>
@@ -11890,6 +12028,110 @@
               <a:rPr lang="en-US" smtClean="0"/>
               <a:pPr/>
               <a:t>5</a:t>
+            </a:fld>
+            <a:endParaRPr lang="en-US" dirty="0"/>
+          </a:p>
+        </p:txBody>
+      </p:sp>
+    </p:spTree>
+    <p:extLst>
+      <p:ext uri="{BB962C8B-B14F-4D97-AF65-F5344CB8AC3E}">
+        <p14:creationId xmlns:p14="http://schemas.microsoft.com/office/powerpoint/2010/main" val="4130345764"/>
+      </p:ext>
+    </p:extLst>
+  </p:cSld>
+  <p:clrMapOvr>
+    <a:masterClrMapping/>
+  </p:clrMapOvr>
+</p:sld>
+</file>
+
+<file path=ppt/slides/slide6.xml><?xml version="1.0" encoding="utf-8"?>
+<p:sld xmlns:a="http://schemas.openxmlformats.org/drawingml/2006/main" xmlns:r="http://schemas.openxmlformats.org/officeDocument/2006/relationships" xmlns:p="http://schemas.openxmlformats.org/presentationml/2006/main">
+  <p:cSld>
+    <p:spTree>
+      <p:nvGrpSpPr>
+        <p:cNvPr id="1" name=""/>
+        <p:cNvGrpSpPr/>
+        <p:nvPr/>
+      </p:nvGrpSpPr>
+      <p:grpSpPr>
+        <a:xfrm>
+          <a:off x="0" y="0"/>
+          <a:ext cx="0" cy="0"/>
+          <a:chOff x="0" y="0"/>
+          <a:chExt cx="0" cy="0"/>
+        </a:xfrm>
+      </p:grpSpPr>
+      <p:sp>
+        <p:nvSpPr>
+          <p:cNvPr id="2" name="Title 1"/>
+          <p:cNvSpPr>
+            <a:spLocks noGrp="1"/>
+          </p:cNvSpPr>
+          <p:nvPr>
+            <p:ph type="title"/>
+          </p:nvPr>
+        </p:nvSpPr>
+        <p:spPr/>
+        <p:txBody>
+          <a:bodyPr/>
+          <a:lstStyle/>
+          <a:p>
+            <a:r>
+              <a:rPr lang="en-US" dirty="0"/>
+              <a:t>Introduction to Pitching and Securing Funding</a:t>
+            </a:r>
+          </a:p>
+        </p:txBody>
+      </p:sp>
+      <p:sp>
+        <p:nvSpPr>
+          <p:cNvPr id="3" name="Content Placeholder 2"/>
+          <p:cNvSpPr>
+            <a:spLocks noGrp="1"/>
+          </p:cNvSpPr>
+          <p:nvPr>
+            <p:ph idx="1"/>
+          </p:nvPr>
+        </p:nvSpPr>
+        <p:spPr/>
+        <p:txBody>
+          <a:bodyPr/>
+          <a:lstStyle/>
+          <a:p>
+            <a:r>
+              <a:rPr lang="en-US" dirty="0"/>
+              <a:t>Pitching is the process of presenting a business idea or plan to potential investors or stakeholders to secure funding.</a:t>
+            </a:r>
+          </a:p>
+          <a:p>
+            <a:r>
+              <a:rPr lang="en-US" dirty="0"/>
+              <a:t>Pitching is crucial for securing funding, as it allows entrepreneurs to showcase their idea, team, and vision to investors, and convince them to invest in their business.</a:t>
+            </a:r>
+          </a:p>
+        </p:txBody>
+      </p:sp>
+      <p:sp>
+        <p:nvSpPr>
+          <p:cNvPr id="4" name="Slide Number Placeholder 3"/>
+          <p:cNvSpPr>
+            <a:spLocks noGrp="1"/>
+          </p:cNvSpPr>
+          <p:nvPr>
+            <p:ph type="sldNum" sz="quarter" idx="12"/>
+          </p:nvPr>
+        </p:nvSpPr>
+        <p:spPr/>
+        <p:txBody>
+          <a:bodyPr/>
+          <a:lstStyle/>
+          <a:p>
+            <a:fld id="{B8DACC02-A2BD-4578-8E03-6D891060A695}" type="slidenum">
+              <a:rPr lang="en-US" smtClean="0"/>
+              <a:pPr/>
+              <a:t>6</a:t>
             </a:fld>
             <a:endParaRPr lang="en-US" dirty="0"/>
           </a:p>
@@ -11939,7 +12181,7 @@
     </p:spTree>
     <p:extLst>
       <p:ext uri="{BB962C8B-B14F-4D97-AF65-F5344CB8AC3E}">
-        <p14:creationId xmlns:p14="http://schemas.microsoft.com/office/powerpoint/2010/main" val="4130345764"/>
+        <p14:creationId xmlns:p14="http://schemas.microsoft.com/office/powerpoint/2010/main" val="1435021623"/>
       </p:ext>
     </p:extLst>
   </p:cSld>
@@ -11949,7 +12191,7 @@
 </p:sld>
 </file>
 
-<file path=ppt/slides/slide6.xml><?xml version="1.0" encoding="utf-8"?>
+<file path=ppt/slides/slide7.xml><?xml version="1.0" encoding="utf-8"?>
 <p:sld xmlns:a="http://schemas.openxmlformats.org/drawingml/2006/main" xmlns:r="http://schemas.openxmlformats.org/officeDocument/2006/relationships" xmlns:p="http://schemas.openxmlformats.org/presentationml/2006/main">
   <p:cSld>
     <p:spTree>
@@ -12070,7 +12312,7 @@
             <a:fld id="{B8DACC02-A2BD-4578-8E03-6D891060A695}" type="slidenum">
               <a:rPr lang="en-US" smtClean="0"/>
               <a:pPr/>
-              <a:t>6</a:t>
+              <a:t>7</a:t>
             </a:fld>
             <a:endParaRPr lang="en-US" dirty="0"/>
           </a:p>
@@ -12130,7 +12372,7 @@
 </p:sld>
 </file>
 
-<file path=ppt/slides/slide7.xml><?xml version="1.0" encoding="utf-8"?>
+<file path=ppt/slides/slide8.xml><?xml version="1.0" encoding="utf-8"?>
 <p:sld xmlns:a="http://schemas.openxmlformats.org/drawingml/2006/main" xmlns:r="http://schemas.openxmlformats.org/officeDocument/2006/relationships" xmlns:p="http://schemas.openxmlformats.org/presentationml/2006/main">
   <p:cSld>
     <p:spTree>
@@ -12250,7 +12492,7 @@
             <a:fld id="{B8DACC02-A2BD-4578-8E03-6D891060A695}" type="slidenum">
               <a:rPr lang="en-US" smtClean="0"/>
               <a:pPr/>
-              <a:t>7</a:t>
+              <a:t>8</a:t>
             </a:fld>
             <a:endParaRPr lang="en-US" dirty="0"/>
           </a:p>
@@ -12310,137 +12552,6 @@
 </p:sld>
 </file>
 
-<file path=ppt/slides/slide8.xml><?xml version="1.0" encoding="utf-8"?>
-<p:sld xmlns:a="http://schemas.openxmlformats.org/drawingml/2006/main" xmlns:r="http://schemas.openxmlformats.org/officeDocument/2006/relationships" xmlns:p="http://schemas.openxmlformats.org/presentationml/2006/main">
-  <p:cSld>
-    <p:spTree>
-      <p:nvGrpSpPr>
-        <p:cNvPr id="1" name=""/>
-        <p:cNvGrpSpPr/>
-        <p:nvPr/>
-      </p:nvGrpSpPr>
-      <p:grpSpPr>
-        <a:xfrm>
-          <a:off x="0" y="0"/>
-          <a:ext cx="0" cy="0"/>
-          <a:chOff x="0" y="0"/>
-          <a:chExt cx="0" cy="0"/>
-        </a:xfrm>
-      </p:grpSpPr>
-      <p:sp>
-        <p:nvSpPr>
-          <p:cNvPr id="2" name="Title 1"/>
-          <p:cNvSpPr>
-            <a:spLocks noGrp="1"/>
-          </p:cNvSpPr>
-          <p:nvPr>
-            <p:ph type="title"/>
-          </p:nvPr>
-        </p:nvSpPr>
-        <p:spPr/>
-        <p:txBody>
-          <a:bodyPr/>
-          <a:lstStyle/>
-          <a:p>
-            <a:r>
-              <a:rPr lang="en-US" dirty="0"/>
-              <a:t>Research, Practice, and Perfect Your Pitch</a:t>
-            </a:r>
-          </a:p>
-        </p:txBody>
-      </p:sp>
-      <p:sp>
-        <p:nvSpPr>
-          <p:cNvPr id="3" name="Content Placeholder 2"/>
-          <p:cNvSpPr>
-            <a:spLocks noGrp="1"/>
-          </p:cNvSpPr>
-          <p:nvPr>
-            <p:ph idx="1"/>
-          </p:nvPr>
-        </p:nvSpPr>
-        <p:spPr/>
-        <p:txBody>
-          <a:bodyPr/>
-          <a:lstStyle/>
-          <a:p>
-            <a:r>
-              <a:rPr lang="en-US" dirty="0"/>
-              <a:t>Research</a:t>
-            </a:r>
-          </a:p>
-          <a:p>
-            <a:pPr lvl="1"/>
-            <a:r>
-              <a:rPr lang="en-US" dirty="0"/>
-              <a:t>Understand the investor's interests, preferences, and criteria for investment.</a:t>
-            </a:r>
-          </a:p>
-          <a:p>
-            <a:r>
-              <a:rPr lang="en-US" dirty="0"/>
-              <a:t>Practice</a:t>
-            </a:r>
-          </a:p>
-          <a:p>
-            <a:pPr lvl="1"/>
-            <a:r>
-              <a:rPr lang="en-US" dirty="0"/>
-              <a:t>Rehearse the pitch to ensure a smooth and confident delivery.</a:t>
-            </a:r>
-          </a:p>
-          <a:p>
-            <a:r>
-              <a:rPr lang="en-US" dirty="0"/>
-              <a:t>Perfect</a:t>
-            </a:r>
-          </a:p>
-          <a:p>
-            <a:pPr lvl="1"/>
-            <a:r>
-              <a:rPr lang="en-US" dirty="0"/>
-              <a:t>Refine the pitch based on feedback from mentors, advisors, and potential investors.</a:t>
-            </a:r>
-          </a:p>
-        </p:txBody>
-      </p:sp>
-      <p:sp>
-        <p:nvSpPr>
-          <p:cNvPr id="4" name="Slide Number Placeholder 3"/>
-          <p:cNvSpPr>
-            <a:spLocks noGrp="1"/>
-          </p:cNvSpPr>
-          <p:nvPr>
-            <p:ph type="sldNum" sz="quarter" idx="12"/>
-          </p:nvPr>
-        </p:nvSpPr>
-        <p:spPr/>
-        <p:txBody>
-          <a:bodyPr/>
-          <a:lstStyle/>
-          <a:p>
-            <a:fld id="{B8DACC02-A2BD-4578-8E03-6D891060A695}" type="slidenum">
-              <a:rPr lang="en-US" smtClean="0"/>
-              <a:pPr/>
-              <a:t>8</a:t>
-            </a:fld>
-            <a:endParaRPr lang="en-US" dirty="0"/>
-          </a:p>
-        </p:txBody>
-      </p:sp>
-    </p:spTree>
-    <p:extLst>
-      <p:ext uri="{BB962C8B-B14F-4D97-AF65-F5344CB8AC3E}">
-        <p14:creationId xmlns:p14="http://schemas.microsoft.com/office/powerpoint/2010/main" val="3679163058"/>
-      </p:ext>
-    </p:extLst>
-  </p:cSld>
-  <p:clrMapOvr>
-    <a:masterClrMapping/>
-  </p:clrMapOvr>
-</p:sld>
-</file>
-
 <file path=ppt/slides/slide9.xml><?xml version="1.0" encoding="utf-8"?>
 <p:sld xmlns:a="http://schemas.openxmlformats.org/drawingml/2006/main" xmlns:r="http://schemas.openxmlformats.org/officeDocument/2006/relationships" xmlns:p="http://schemas.openxmlformats.org/presentationml/2006/main">
   <p:cSld>
@@ -12475,7 +12586,7 @@
           <a:p>
             <a:r>
               <a:rPr lang="en-US" dirty="0"/>
-              <a:t> Confidence, Passion, and Storytelling</a:t>
+              <a:t>Research, Practice, and Perfect Your Pitch</a:t>
             </a:r>
           </a:p>
         </p:txBody>
@@ -12497,40 +12608,40 @@
           <a:p>
             <a:r>
               <a:rPr lang="en-US" dirty="0"/>
-              <a:t>Confidence</a:t>
+              <a:t>Research</a:t>
             </a:r>
           </a:p>
           <a:p>
             <a:pPr lvl="1"/>
             <a:r>
               <a:rPr lang="en-US" dirty="0"/>
-              <a:t>Show confidence in the business idea and team.</a:t>
-            </a:r>
-          </a:p>
-          <a:p>
-            <a:r>
-              <a:rPr lang="en-US" dirty="0"/>
-              <a:t>Passion</a:t>
+              <a:t>Understand the investor's interests, preferences, and criteria for investment.</a:t>
+            </a:r>
+          </a:p>
+          <a:p>
+            <a:r>
+              <a:rPr lang="en-US" dirty="0"/>
+              <a:t>Practice</a:t>
             </a:r>
           </a:p>
           <a:p>
             <a:pPr lvl="1"/>
             <a:r>
               <a:rPr lang="en-US" dirty="0"/>
-              <a:t>Demonstrate passion for the business and its potential impact.</a:t>
-            </a:r>
-          </a:p>
-          <a:p>
-            <a:r>
-              <a:rPr lang="en-US" dirty="0"/>
-              <a:t>Storytelling</a:t>
+              <a:t>Rehearse the pitch to ensure a smooth and confident delivery.</a:t>
+            </a:r>
+          </a:p>
+          <a:p>
+            <a:r>
+              <a:rPr lang="en-US" dirty="0"/>
+              <a:t>Perfect</a:t>
             </a:r>
           </a:p>
           <a:p>
             <a:pPr lvl="1"/>
             <a:r>
               <a:rPr lang="en-US" dirty="0"/>
-              <a:t>Use storytelling techniques to engage the audience and make the pitch memorable.</a:t>
+              <a:t>Refine the pitch based on feedback from mentors, advisors, and potential investors.</a:t>
             </a:r>
           </a:p>
         </p:txBody>
@@ -12562,7 +12673,7 @@
     </p:spTree>
     <p:extLst>
       <p:ext uri="{BB962C8B-B14F-4D97-AF65-F5344CB8AC3E}">
-        <p14:creationId xmlns:p14="http://schemas.microsoft.com/office/powerpoint/2010/main" val="1594691222"/>
+        <p14:creationId xmlns:p14="http://schemas.microsoft.com/office/powerpoint/2010/main" val="3679163058"/>
       </p:ext>
     </p:extLst>
   </p:cSld>

--- a/SE495/Lectures/5-Securing Funding/Securing Funding.pptx
+++ b/SE495/Lectures/5-Securing Funding/Securing Funding.pptx
@@ -5,7 +5,7 @@
     <p:sldMasterId id="2147483648" r:id="rId1"/>
   </p:sldMasterIdLst>
   <p:notesMasterIdLst>
-    <p:notesMasterId r:id="rId43"/>
+    <p:notesMasterId r:id="rId56"/>
   </p:notesMasterIdLst>
   <p:sldIdLst>
     <p:sldId id="256" r:id="rId2"/>
@@ -34,21 +34,34 @@
     <p:sldId id="770" r:id="rId25"/>
     <p:sldId id="771" r:id="rId26"/>
     <p:sldId id="767" r:id="rId27"/>
-    <p:sldId id="769" r:id="rId28"/>
-    <p:sldId id="768" r:id="rId29"/>
-    <p:sldId id="772" r:id="rId30"/>
-    <p:sldId id="773" r:id="rId31"/>
-    <p:sldId id="774" r:id="rId32"/>
-    <p:sldId id="775" r:id="rId33"/>
-    <p:sldId id="777" r:id="rId34"/>
-    <p:sldId id="776" r:id="rId35"/>
-    <p:sldId id="778" r:id="rId36"/>
-    <p:sldId id="779" r:id="rId37"/>
-    <p:sldId id="780" r:id="rId38"/>
-    <p:sldId id="781" r:id="rId39"/>
-    <p:sldId id="782" r:id="rId40"/>
-    <p:sldId id="783" r:id="rId41"/>
-    <p:sldId id="784" r:id="rId42"/>
+    <p:sldId id="787" r:id="rId28"/>
+    <p:sldId id="788" r:id="rId29"/>
+    <p:sldId id="769" r:id="rId30"/>
+    <p:sldId id="768" r:id="rId31"/>
+    <p:sldId id="772" r:id="rId32"/>
+    <p:sldId id="789" r:id="rId33"/>
+    <p:sldId id="790" r:id="rId34"/>
+    <p:sldId id="773" r:id="rId35"/>
+    <p:sldId id="791" r:id="rId36"/>
+    <p:sldId id="792" r:id="rId37"/>
+    <p:sldId id="793" r:id="rId38"/>
+    <p:sldId id="774" r:id="rId39"/>
+    <p:sldId id="775" r:id="rId40"/>
+    <p:sldId id="777" r:id="rId41"/>
+    <p:sldId id="776" r:id="rId42"/>
+    <p:sldId id="778" r:id="rId43"/>
+    <p:sldId id="779" r:id="rId44"/>
+    <p:sldId id="780" r:id="rId45"/>
+    <p:sldId id="781" r:id="rId46"/>
+    <p:sldId id="782" r:id="rId47"/>
+    <p:sldId id="794" r:id="rId48"/>
+    <p:sldId id="795" r:id="rId49"/>
+    <p:sldId id="796" r:id="rId50"/>
+    <p:sldId id="783" r:id="rId51"/>
+    <p:sldId id="784" r:id="rId52"/>
+    <p:sldId id="797" r:id="rId53"/>
+    <p:sldId id="798" r:id="rId54"/>
+    <p:sldId id="799" r:id="rId55"/>
   </p:sldIdLst>
   <p:sldSz cx="12192000" cy="6858000"/>
   <p:notesSz cx="6858000" cy="9144000"/>
@@ -3191,7 +3204,7 @@
           <a:p>
             <a:fld id="{41DA9887-9249-49FD-809A-BACB264048C3}" type="datetimeFigureOut">
               <a:rPr lang="en-US" smtClean="0"/>
-              <a:t>2/3/2024</a:t>
+              <a:t>2/8/2024</a:t>
             </a:fld>
             <a:endParaRPr lang="en-US"/>
           </a:p>
@@ -3593,7 +3606,7 @@
           <a:p>
             <a:fld id="{EF213E56-3C1A-435A-851B-5B1F221C2038}" type="datetime1">
               <a:rPr lang="en-US" smtClean="0"/>
-              <a:t>2/3/2024</a:t>
+              <a:t>2/8/2024</a:t>
             </a:fld>
             <a:endParaRPr lang="en-US"/>
           </a:p>
@@ -3894,7 +3907,7 @@
           <a:p>
             <a:fld id="{B4696837-4851-4AA6-8AED-554226C981D1}" type="datetime1">
               <a:rPr lang="en-US" smtClean="0"/>
-              <a:t>2/3/2024</a:t>
+              <a:t>2/8/2024</a:t>
             </a:fld>
             <a:endParaRPr lang="en-US"/>
           </a:p>
@@ -4072,7 +4085,7 @@
           <a:p>
             <a:fld id="{BADD32E1-BB70-4827-BA33-FF5AFC435BE9}" type="datetime1">
               <a:rPr lang="en-US" smtClean="0"/>
-              <a:t>2/3/2024</a:t>
+              <a:t>2/8/2024</a:t>
             </a:fld>
             <a:endParaRPr lang="en-US"/>
           </a:p>
@@ -4315,7 +4328,7 @@
             </a:pPr>
             <a:fld id="{40B9EAF6-54F2-4DF5-9C6B-3F6F95B86356}" type="datetime1">
               <a:rPr lang="en-US" smtClean="0"/>
-              <a:t>2/3/2024</a:t>
+              <a:t>2/8/2024</a:t>
             </a:fld>
             <a:endParaRPr lang="en-US"/>
           </a:p>
@@ -4495,7 +4508,7 @@
             </a:pPr>
             <a:fld id="{D3D64A56-6FF4-479A-8655-719A18A98C4B}" type="datetime1">
               <a:rPr lang="en-US" smtClean="0"/>
-              <a:t>2/3/2024</a:t>
+              <a:t>2/8/2024</a:t>
             </a:fld>
             <a:endParaRPr lang="en-US"/>
           </a:p>
@@ -4776,7 +4789,7 @@
           <a:p>
             <a:fld id="{BB961044-FC46-4CBC-9061-59528F4899F3}" type="datetime1">
               <a:rPr lang="en-US" smtClean="0"/>
-              <a:t>2/3/2024</a:t>
+              <a:t>2/8/2024</a:t>
             </a:fld>
             <a:endParaRPr lang="en-US"/>
           </a:p>
@@ -5126,7 +5139,7 @@
           <a:p>
             <a:fld id="{4466A08C-77F3-471E-A5C4-1D2068144BAC}" type="datetime1">
               <a:rPr lang="en-US" smtClean="0"/>
-              <a:t>2/3/2024</a:t>
+              <a:t>2/8/2024</a:t>
             </a:fld>
             <a:endParaRPr lang="en-US"/>
           </a:p>
@@ -5355,7 +5368,7 @@
           <a:p>
             <a:fld id="{B90A7AD1-16F4-44C3-AE32-24C59A599E9D}" type="datetime1">
               <a:rPr lang="en-US" smtClean="0"/>
-              <a:t>2/3/2024</a:t>
+              <a:t>2/8/2024</a:t>
             </a:fld>
             <a:endParaRPr lang="en-US"/>
           </a:p>
@@ -5719,7 +5732,7 @@
           <a:p>
             <a:fld id="{B583DB4F-4316-4DF5-A229-BC1D787C82A0}" type="datetime1">
               <a:rPr lang="en-US" smtClean="0"/>
-              <a:t>2/3/2024</a:t>
+              <a:t>2/8/2024</a:t>
             </a:fld>
             <a:endParaRPr lang="en-US"/>
           </a:p>
@@ -5814,7 +5827,7 @@
           <a:p>
             <a:fld id="{AE6064B7-7A9F-432D-B7B9-6824267AA574}" type="datetime1">
               <a:rPr lang="en-US" smtClean="0"/>
-              <a:t>2/3/2024</a:t>
+              <a:t>2/8/2024</a:t>
             </a:fld>
             <a:endParaRPr lang="en-US"/>
           </a:p>
@@ -6039,7 +6052,7 @@
             <a:fld id="{B2F5E2FA-C428-4CE7-95B0-168D3259A5BB}" type="datetimeFigureOut">
               <a:rPr lang="en-US" smtClean="0"/>
               <a:pPr/>
-              <a:t>2/3/2024</a:t>
+              <a:t>2/8/2024</a:t>
             </a:fld>
             <a:endParaRPr lang="en-US"/>
           </a:p>
@@ -6216,7 +6229,7 @@
           <a:p>
             <a:fld id="{4E1C93A2-B712-486A-8AB5-D41B95D547BE}" type="datetime1">
               <a:rPr lang="en-US" smtClean="0"/>
-              <a:t>2/3/2024</a:t>
+              <a:t>2/8/2024</a:t>
             </a:fld>
             <a:endParaRPr lang="en-US"/>
           </a:p>
@@ -6491,7 +6504,7 @@
           <a:p>
             <a:fld id="{CAB2F318-F19F-4608-B7EF-F7FB8A482213}" type="datetime1">
               <a:rPr lang="en-US" smtClean="0"/>
-              <a:t>2/3/2024</a:t>
+              <a:t>2/8/2024</a:t>
             </a:fld>
             <a:endParaRPr lang="en-US"/>
           </a:p>
@@ -6743,7 +6756,7 @@
           <a:p>
             <a:fld id="{BB9CEF8C-69D6-4C3E-B892-F682F307A7B6}" type="datetime1">
               <a:rPr lang="en-US" smtClean="0"/>
-              <a:t>2/3/2024</a:t>
+              <a:t>2/8/2024</a:t>
             </a:fld>
             <a:endParaRPr lang="en-US"/>
           </a:p>
@@ -6954,7 +6967,7 @@
           <a:p>
             <a:fld id="{FB737C73-4A31-4C17-AFB7-7B8470027787}" type="datetime1">
               <a:rPr lang="en-US" smtClean="0"/>
-              <a:t>2/3/2024</a:t>
+              <a:t>2/8/2024</a:t>
             </a:fld>
             <a:endParaRPr lang="en-US"/>
           </a:p>
@@ -9798,7 +9811,13 @@
       </p:grpSpPr>
       <p:sp>
         <p:nvSpPr>
-          <p:cNvPr id="5" name="Title 4"/>
+          <p:cNvPr id="2" name="Title 1">
+            <a:extLst>
+              <a:ext uri="{FF2B5EF4-FFF2-40B4-BE49-F238E27FC236}">
+                <a16:creationId xmlns:a16="http://schemas.microsoft.com/office/drawing/2014/main" id="{981414CF-F24E-4E17-9209-ADAD3A88F66B}"/>
+              </a:ext>
+            </a:extLst>
+          </p:cNvPr>
           <p:cNvSpPr>
             <a:spLocks noGrp="1"/>
           </p:cNvSpPr>
@@ -9808,38 +9827,106 @@
         </p:nvSpPr>
         <p:spPr/>
         <p:txBody>
-          <a:bodyPr/>
-          <a:lstStyle/>
-          <a:p>
-            <a:r>
-              <a:rPr lang="en-US" dirty="0"/>
-              <a:t> Due Diligence and Valuation</a:t>
-            </a:r>
-          </a:p>
-        </p:txBody>
-      </p:sp>
-      <p:sp>
-        <p:nvSpPr>
-          <p:cNvPr id="6" name="Text Placeholder 5"/>
-          <p:cNvSpPr>
-            <a:spLocks noGrp="1"/>
-          </p:cNvSpPr>
-          <p:nvPr>
-            <p:ph type="body" idx="1"/>
-          </p:nvPr>
-        </p:nvSpPr>
-        <p:spPr/>
-        <p:txBody>
-          <a:bodyPr/>
-          <a:lstStyle/>
-          <a:p>
-            <a:endParaRPr lang="en-US"/>
-          </a:p>
-        </p:txBody>
-      </p:sp>
-      <p:sp>
-        <p:nvSpPr>
-          <p:cNvPr id="4" name="Slide Number Placeholder 3"/>
+          <a:bodyPr>
+            <a:normAutofit/>
+          </a:bodyPr>
+          <a:lstStyle/>
+          <a:p>
+            <a:r>
+              <a:rPr lang="en-US" dirty="0"/>
+              <a:t>Tips for Working with Investors</a:t>
+            </a:r>
+          </a:p>
+        </p:txBody>
+      </p:sp>
+      <p:sp>
+        <p:nvSpPr>
+          <p:cNvPr id="3" name="Content Placeholder 2">
+            <a:extLst>
+              <a:ext uri="{FF2B5EF4-FFF2-40B4-BE49-F238E27FC236}">
+                <a16:creationId xmlns:a16="http://schemas.microsoft.com/office/drawing/2014/main" id="{21A57448-4243-48E1-9111-050F81F7B0D1}"/>
+              </a:ext>
+            </a:extLst>
+          </p:cNvPr>
+          <p:cNvSpPr>
+            <a:spLocks noGrp="1"/>
+          </p:cNvSpPr>
+          <p:nvPr>
+            <p:ph idx="1"/>
+          </p:nvPr>
+        </p:nvSpPr>
+        <p:spPr/>
+        <p:txBody>
+          <a:bodyPr>
+            <a:normAutofit/>
+          </a:bodyPr>
+          <a:lstStyle/>
+          <a:p>
+            <a:pPr>
+              <a:lnSpc>
+                <a:spcPct val="150000"/>
+              </a:lnSpc>
+            </a:pPr>
+            <a:r>
+              <a:rPr lang="en-US" dirty="0"/>
+              <a:t>Be transparent and honest</a:t>
+            </a:r>
+          </a:p>
+          <a:p>
+            <a:pPr>
+              <a:lnSpc>
+                <a:spcPct val="150000"/>
+              </a:lnSpc>
+            </a:pPr>
+            <a:r>
+              <a:rPr lang="en-US" dirty="0"/>
+              <a:t>Set clear expectations</a:t>
+            </a:r>
+          </a:p>
+          <a:p>
+            <a:pPr>
+              <a:lnSpc>
+                <a:spcPct val="150000"/>
+              </a:lnSpc>
+            </a:pPr>
+            <a:r>
+              <a:rPr lang="en-US" dirty="0"/>
+              <a:t>Build relationships</a:t>
+            </a:r>
+          </a:p>
+          <a:p>
+            <a:pPr>
+              <a:lnSpc>
+                <a:spcPct val="150000"/>
+              </a:lnSpc>
+            </a:pPr>
+            <a:r>
+              <a:rPr lang="en-US" dirty="0"/>
+              <a:t>Be responsive</a:t>
+            </a:r>
+          </a:p>
+          <a:p>
+            <a:pPr>
+              <a:lnSpc>
+                <a:spcPct val="150000"/>
+              </a:lnSpc>
+            </a:pPr>
+            <a:r>
+              <a:rPr lang="en-US" dirty="0"/>
+              <a:t>Focus on growth</a:t>
+            </a:r>
+          </a:p>
+        </p:txBody>
+      </p:sp>
+      <p:sp>
+        <p:nvSpPr>
+          <p:cNvPr id="4" name="Slide Number Placeholder 3">
+            <a:extLst>
+              <a:ext uri="{FF2B5EF4-FFF2-40B4-BE49-F238E27FC236}">
+                <a16:creationId xmlns:a16="http://schemas.microsoft.com/office/drawing/2014/main" id="{4190A178-974E-4BD4-8B60-37D4C2EEBBB3}"/>
+              </a:ext>
+            </a:extLst>
+          </p:cNvPr>
           <p:cNvSpPr>
             <a:spLocks noGrp="1"/>
           </p:cNvSpPr>
@@ -9864,7 +9951,7 @@
     </p:spTree>
     <p:extLst>
       <p:ext uri="{BB962C8B-B14F-4D97-AF65-F5344CB8AC3E}">
-        <p14:creationId xmlns:p14="http://schemas.microsoft.com/office/powerpoint/2010/main" val="2221831318"/>
+        <p14:creationId xmlns:p14="http://schemas.microsoft.com/office/powerpoint/2010/main" val="3947333467"/>
       </p:ext>
     </p:extLst>
   </p:cSld>
@@ -9893,7 +9980,13 @@
       </p:grpSpPr>
       <p:sp>
         <p:nvSpPr>
-          <p:cNvPr id="2" name="Title 1"/>
+          <p:cNvPr id="2" name="Title 1">
+            <a:extLst>
+              <a:ext uri="{FF2B5EF4-FFF2-40B4-BE49-F238E27FC236}">
+                <a16:creationId xmlns:a16="http://schemas.microsoft.com/office/drawing/2014/main" id="{559E5992-8E85-4E77-9DD7-9ACED37579EB}"/>
+              </a:ext>
+            </a:extLst>
+          </p:cNvPr>
           <p:cNvSpPr>
             <a:spLocks noGrp="1"/>
           </p:cNvSpPr>
@@ -9903,19 +9996,27 @@
         </p:nvSpPr>
         <p:spPr/>
         <p:txBody>
-          <a:bodyPr/>
-          <a:lstStyle/>
-          <a:p>
-            <a:r>
-              <a:rPr lang="en-US" dirty="0"/>
-              <a:t>Due Diligence Process</a:t>
-            </a:r>
-          </a:p>
-        </p:txBody>
-      </p:sp>
-      <p:sp>
-        <p:nvSpPr>
-          <p:cNvPr id="3" name="Content Placeholder 2"/>
+          <a:bodyPr>
+            <a:normAutofit/>
+          </a:bodyPr>
+          <a:lstStyle/>
+          <a:p>
+            <a:r>
+              <a:rPr lang="en-US" dirty="0"/>
+              <a:t>Common Mistakes to Avoid</a:t>
+            </a:r>
+          </a:p>
+        </p:txBody>
+      </p:sp>
+      <p:sp>
+        <p:nvSpPr>
+          <p:cNvPr id="3" name="Content Placeholder 2">
+            <a:extLst>
+              <a:ext uri="{FF2B5EF4-FFF2-40B4-BE49-F238E27FC236}">
+                <a16:creationId xmlns:a16="http://schemas.microsoft.com/office/drawing/2014/main" id="{2B99EC6E-2991-4362-88EB-CB20444DDC37}"/>
+              </a:ext>
+            </a:extLst>
+          </p:cNvPr>
           <p:cNvSpPr>
             <a:spLocks noGrp="1"/>
           </p:cNvSpPr>
@@ -9925,25 +10026,76 @@
         </p:nvSpPr>
         <p:spPr/>
         <p:txBody>
-          <a:bodyPr/>
-          <a:lstStyle/>
-          <a:p>
-            <a:r>
-              <a:rPr lang="en-US" dirty="0"/>
-              <a:t>Due diligence is the process of conducting a thorough examination of a business or investment opportunity to confirm all facts and assess its potential for growth.</a:t>
-            </a:r>
-          </a:p>
-          <a:p>
-            <a:r>
-              <a:rPr lang="en-US" dirty="0"/>
-              <a:t>Due diligence is crucial for investors to make informed decisions and for entrepreneurs to secure funding.</a:t>
-            </a:r>
-          </a:p>
-        </p:txBody>
-      </p:sp>
-      <p:sp>
-        <p:nvSpPr>
-          <p:cNvPr id="4" name="Slide Number Placeholder 3"/>
+          <a:bodyPr>
+            <a:normAutofit/>
+          </a:bodyPr>
+          <a:lstStyle/>
+          <a:p>
+            <a:pPr>
+              <a:lnSpc>
+                <a:spcPct val="150000"/>
+              </a:lnSpc>
+            </a:pPr>
+            <a:r>
+              <a:rPr lang="en-US" dirty="0"/>
+              <a:t>Not doing your research</a:t>
+            </a:r>
+          </a:p>
+          <a:p>
+            <a:pPr>
+              <a:lnSpc>
+                <a:spcPct val="150000"/>
+              </a:lnSpc>
+            </a:pPr>
+            <a:r>
+              <a:rPr lang="en-US" dirty="0"/>
+              <a:t>Overvaluing your business</a:t>
+            </a:r>
+          </a:p>
+          <a:p>
+            <a:pPr>
+              <a:lnSpc>
+                <a:spcPct val="150000"/>
+              </a:lnSpc>
+            </a:pPr>
+            <a:r>
+              <a:rPr lang="en-US" dirty="0"/>
+              <a:t>Not having a clear plan</a:t>
+            </a:r>
+          </a:p>
+          <a:p>
+            <a:pPr>
+              <a:lnSpc>
+                <a:spcPct val="150000"/>
+              </a:lnSpc>
+            </a:pPr>
+            <a:r>
+              <a:rPr lang="en-US" dirty="0"/>
+              <a:t>Not communicating effectively</a:t>
+            </a:r>
+          </a:p>
+          <a:p>
+            <a:pPr>
+              <a:lnSpc>
+                <a:spcPct val="150000"/>
+              </a:lnSpc>
+            </a:pPr>
+            <a:r>
+              <a:rPr lang="en-US" dirty="0"/>
+              <a:t>Not being prepared</a:t>
+            </a:r>
+          </a:p>
+        </p:txBody>
+      </p:sp>
+      <p:sp>
+        <p:nvSpPr>
+          <p:cNvPr id="4" name="Slide Number Placeholder 3">
+            <a:extLst>
+              <a:ext uri="{FF2B5EF4-FFF2-40B4-BE49-F238E27FC236}">
+                <a16:creationId xmlns:a16="http://schemas.microsoft.com/office/drawing/2014/main" id="{9A334111-A425-4B25-A466-85CFA9D76E70}"/>
+              </a:ext>
+            </a:extLst>
+          </p:cNvPr>
           <p:cNvSpPr>
             <a:spLocks noGrp="1"/>
           </p:cNvSpPr>
@@ -9968,7 +10120,7 @@
     </p:spTree>
     <p:extLst>
       <p:ext uri="{BB962C8B-B14F-4D97-AF65-F5344CB8AC3E}">
-        <p14:creationId xmlns:p14="http://schemas.microsoft.com/office/powerpoint/2010/main" val="334524276"/>
+        <p14:creationId xmlns:p14="http://schemas.microsoft.com/office/powerpoint/2010/main" val="2514964980"/>
       </p:ext>
     </p:extLst>
   </p:cSld>
@@ -9997,7 +10149,7 @@
       </p:grpSpPr>
       <p:sp>
         <p:nvSpPr>
-          <p:cNvPr id="2" name="Title 1"/>
+          <p:cNvPr id="5" name="Title 4"/>
           <p:cNvSpPr>
             <a:spLocks noGrp="1"/>
           </p:cNvSpPr>
@@ -10012,76 +10164,27 @@
           <a:p>
             <a:r>
               <a:rPr lang="en-US" dirty="0"/>
-              <a:t>Key Items to Include in a Due Diligence Package</a:t>
-            </a:r>
-          </a:p>
-        </p:txBody>
-      </p:sp>
-      <p:sp>
-        <p:nvSpPr>
-          <p:cNvPr id="3" name="Content Placeholder 2"/>
-          <p:cNvSpPr>
-            <a:spLocks noGrp="1"/>
-          </p:cNvSpPr>
-          <p:nvPr>
-            <p:ph idx="1"/>
-          </p:nvPr>
-        </p:nvSpPr>
-        <p:spPr/>
-        <p:txBody>
-          <a:bodyPr/>
-          <a:lstStyle/>
-          <a:p>
-            <a:r>
-              <a:rPr lang="en-US" dirty="0"/>
-              <a:t>Business plan</a:t>
-            </a:r>
-          </a:p>
-          <a:p>
-            <a:pPr lvl="1"/>
-            <a:r>
-              <a:rPr lang="en-US" dirty="0"/>
-              <a:t>A comprehensive plan outlining the business model, market opportunity, competitive landscape, and growth strategy.</a:t>
-            </a:r>
-          </a:p>
-          <a:p>
-            <a:r>
-              <a:rPr lang="en-US" dirty="0"/>
-              <a:t>Financial projections</a:t>
-            </a:r>
-          </a:p>
-          <a:p>
-            <a:pPr lvl="1"/>
-            <a:r>
-              <a:rPr lang="en-US" dirty="0"/>
-              <a:t>Detailed financial statements, including income statements, balance sheets, and cash flow statements.</a:t>
-            </a:r>
-          </a:p>
-          <a:p>
-            <a:r>
-              <a:rPr lang="en-US" dirty="0"/>
-              <a:t>Market research</a:t>
-            </a:r>
-          </a:p>
-          <a:p>
-            <a:pPr lvl="1"/>
-            <a:r>
-              <a:rPr lang="en-US" dirty="0"/>
-              <a:t>Analysis of the target market, including size, growth potential, and trends.</a:t>
-            </a:r>
-          </a:p>
-          <a:p>
-            <a:r>
-              <a:rPr lang="en-US" dirty="0"/>
-              <a:t>Legal documents</a:t>
-            </a:r>
-          </a:p>
-          <a:p>
-            <a:pPr lvl="1"/>
-            <a:r>
-              <a:rPr lang="en-US" dirty="0"/>
-              <a:t>Copies of all relevant legal documents, such as contracts, patents, and trademarks.</a:t>
-            </a:r>
+              <a:t> Due Diligence and Valuation</a:t>
+            </a:r>
+          </a:p>
+        </p:txBody>
+      </p:sp>
+      <p:sp>
+        <p:nvSpPr>
+          <p:cNvPr id="6" name="Text Placeholder 5"/>
+          <p:cNvSpPr>
+            <a:spLocks noGrp="1"/>
+          </p:cNvSpPr>
+          <p:nvPr>
+            <p:ph type="body" idx="1"/>
+          </p:nvPr>
+        </p:nvSpPr>
+        <p:spPr/>
+        <p:txBody>
+          <a:bodyPr/>
+          <a:lstStyle/>
+          <a:p>
+            <a:endParaRPr lang="en-US"/>
           </a:p>
         </p:txBody>
       </p:sp>
@@ -10112,7 +10215,7 @@
     </p:spTree>
     <p:extLst>
       <p:ext uri="{BB962C8B-B14F-4D97-AF65-F5344CB8AC3E}">
-        <p14:creationId xmlns:p14="http://schemas.microsoft.com/office/powerpoint/2010/main" val="815546488"/>
+        <p14:creationId xmlns:p14="http://schemas.microsoft.com/office/powerpoint/2010/main" val="2221831318"/>
       </p:ext>
     </p:extLst>
   </p:cSld>
@@ -10251,7 +10354,7 @@
           <a:p>
             <a:r>
               <a:rPr lang="en-US" dirty="0"/>
-              <a:t>Overview of Valuations and Term Sheets</a:t>
+              <a:t>Due Diligence Process</a:t>
             </a:r>
           </a:p>
         </p:txBody>
@@ -10273,27 +10376,13 @@
           <a:p>
             <a:r>
               <a:rPr lang="en-US" dirty="0"/>
-              <a:t>Valuation</a:t>
-            </a:r>
-          </a:p>
-          <a:p>
-            <a:pPr lvl="1"/>
-            <a:r>
-              <a:rPr lang="en-US" dirty="0"/>
-              <a:t>The process of determining the economic value of a business or asset.</a:t>
-            </a:r>
-          </a:p>
-          <a:p>
-            <a:r>
-              <a:rPr lang="en-US" dirty="0"/>
-              <a:t>Term sheet</a:t>
-            </a:r>
-          </a:p>
-          <a:p>
-            <a:pPr lvl="1"/>
-            <a:r>
-              <a:rPr lang="en-US" dirty="0"/>
-              <a:t>A non-binding agreement outlining the basic terms and conditions of a proposed investment.</a:t>
+              <a:t>Due diligence is the process of conducting a thorough examination of a business or investment opportunity to confirm all facts and assess its potential for growth.</a:t>
+            </a:r>
+          </a:p>
+          <a:p>
+            <a:r>
+              <a:rPr lang="en-US" dirty="0"/>
+              <a:t>Due diligence is crucial for investors to make informed decisions and for entrepreneurs to secure funding.</a:t>
             </a:r>
           </a:p>
         </p:txBody>
@@ -10325,7 +10414,7 @@
     </p:spTree>
     <p:extLst>
       <p:ext uri="{BB962C8B-B14F-4D97-AF65-F5344CB8AC3E}">
-        <p14:creationId xmlns:p14="http://schemas.microsoft.com/office/powerpoint/2010/main" val="1141293993"/>
+        <p14:creationId xmlns:p14="http://schemas.microsoft.com/office/powerpoint/2010/main" val="334524276"/>
       </p:ext>
     </p:extLst>
   </p:cSld>
@@ -10364,14 +10453,12 @@
         </p:nvSpPr>
         <p:spPr/>
         <p:txBody>
-          <a:bodyPr>
-            <a:normAutofit fontScale="90000"/>
-          </a:bodyPr>
-          <a:lstStyle/>
-          <a:p>
-            <a:r>
-              <a:rPr lang="en-US" dirty="0"/>
-              <a:t>Importance of Understanding Terms and Conditions</a:t>
+          <a:bodyPr/>
+          <a:lstStyle/>
+          <a:p>
+            <a:r>
+              <a:rPr lang="en-US" dirty="0"/>
+              <a:t>Key Items to Include in a Due Diligence Package</a:t>
             </a:r>
           </a:p>
         </p:txBody>
@@ -10393,13 +10480,53 @@
           <a:p>
             <a:r>
               <a:rPr lang="en-US" dirty="0"/>
-              <a:t>Understanding the terms and conditions of funding agreements is crucial for entrepreneurs to avoid misunderstandings and ensure they receive the funding they need.</a:t>
-            </a:r>
-          </a:p>
-          <a:p>
-            <a:r>
-              <a:rPr lang="en-US" dirty="0"/>
-              <a:t>Key terms to focus on include valuation, equity ownership, board representation, and liquidation preferences.</a:t>
+              <a:t>Business plan</a:t>
+            </a:r>
+          </a:p>
+          <a:p>
+            <a:pPr lvl="1"/>
+            <a:r>
+              <a:rPr lang="en-US" dirty="0"/>
+              <a:t>A comprehensive plan outlining the business model, market opportunity, competitive landscape, and growth strategy.</a:t>
+            </a:r>
+          </a:p>
+          <a:p>
+            <a:r>
+              <a:rPr lang="en-US" dirty="0"/>
+              <a:t>Financial projections</a:t>
+            </a:r>
+          </a:p>
+          <a:p>
+            <a:pPr lvl="1"/>
+            <a:r>
+              <a:rPr lang="en-US" dirty="0"/>
+              <a:t>Detailed financial statements, including income statements, balance sheets, and cash flow statements.</a:t>
+            </a:r>
+          </a:p>
+          <a:p>
+            <a:r>
+              <a:rPr lang="en-US" dirty="0"/>
+              <a:t>Market research</a:t>
+            </a:r>
+          </a:p>
+          <a:p>
+            <a:pPr lvl="1"/>
+            <a:r>
+              <a:rPr lang="en-US" dirty="0"/>
+              <a:t>Analysis of the target market, including size, growth potential, and trends.</a:t>
+            </a:r>
+          </a:p>
+          <a:p>
+            <a:r>
+              <a:rPr lang="en-US" dirty="0"/>
+              <a:t>Legal documents</a:t>
+            </a:r>
+          </a:p>
+          <a:p>
+            <a:pPr lvl="1"/>
+            <a:r>
+              <a:rPr lang="en-US" dirty="0"/>
+              <a:t>Copies of all relevant legal documents, such as contracts, patents, and trademarks.</a:t>
             </a:r>
           </a:p>
         </p:txBody>
@@ -10431,7 +10558,7 @@
     </p:spTree>
     <p:extLst>
       <p:ext uri="{BB962C8B-B14F-4D97-AF65-F5344CB8AC3E}">
-        <p14:creationId xmlns:p14="http://schemas.microsoft.com/office/powerpoint/2010/main" val="993812852"/>
+        <p14:creationId xmlns:p14="http://schemas.microsoft.com/office/powerpoint/2010/main" val="815546488"/>
       </p:ext>
     </p:extLst>
   </p:cSld>
@@ -10460,7 +10587,13 @@
       </p:grpSpPr>
       <p:sp>
         <p:nvSpPr>
-          <p:cNvPr id="2" name="Title 1"/>
+          <p:cNvPr id="2" name="Title 1">
+            <a:extLst>
+              <a:ext uri="{FF2B5EF4-FFF2-40B4-BE49-F238E27FC236}">
+                <a16:creationId xmlns:a16="http://schemas.microsoft.com/office/drawing/2014/main" id="{6AEB58AE-AD7A-4A95-A055-4686A0544D6B}"/>
+              </a:ext>
+            </a:extLst>
+          </p:cNvPr>
           <p:cNvSpPr>
             <a:spLocks noGrp="1"/>
           </p:cNvSpPr>
@@ -10475,14 +10608,20 @@
           <a:p>
             <a:r>
               <a:rPr lang="en-US" dirty="0"/>
-              <a:t>Factors that Contributed to Success</a:t>
-            </a:r>
-          </a:p>
-        </p:txBody>
-      </p:sp>
-      <p:sp>
-        <p:nvSpPr>
-          <p:cNvPr id="3" name="Content Placeholder 2"/>
+              <a:t>Business Plan</a:t>
+            </a:r>
+          </a:p>
+        </p:txBody>
+      </p:sp>
+      <p:sp>
+        <p:nvSpPr>
+          <p:cNvPr id="3" name="Content Placeholder 2">
+            <a:extLst>
+              <a:ext uri="{FF2B5EF4-FFF2-40B4-BE49-F238E27FC236}">
+                <a16:creationId xmlns:a16="http://schemas.microsoft.com/office/drawing/2014/main" id="{04FC2224-C1E5-49E1-91FB-FB5719B597B2}"/>
+              </a:ext>
+            </a:extLst>
+          </p:cNvPr>
           <p:cNvSpPr>
             <a:spLocks noGrp="1"/>
           </p:cNvSpPr>
@@ -10495,28 +10634,19 @@
           <a:bodyPr/>
           <a:lstStyle/>
           <a:p>
-            <a:r>
-              <a:rPr lang="en-US" dirty="0"/>
-              <a:t>Strong leadership</a:t>
-            </a:r>
-          </a:p>
-          <a:p>
-            <a:r>
-              <a:rPr lang="en-US" dirty="0"/>
-              <a:t>Innovative products or services</a:t>
-            </a:r>
-          </a:p>
-          <a:p>
-            <a:r>
-              <a:rPr lang="en-US" dirty="0"/>
-              <a:t>Market timing</a:t>
-            </a:r>
-          </a:p>
-        </p:txBody>
-      </p:sp>
-      <p:sp>
-        <p:nvSpPr>
-          <p:cNvPr id="4" name="Slide Number Placeholder 3"/>
+            <a:endParaRPr lang="en-US"/>
+          </a:p>
+        </p:txBody>
+      </p:sp>
+      <p:sp>
+        <p:nvSpPr>
+          <p:cNvPr id="4" name="Slide Number Placeholder 3">
+            <a:extLst>
+              <a:ext uri="{FF2B5EF4-FFF2-40B4-BE49-F238E27FC236}">
+                <a16:creationId xmlns:a16="http://schemas.microsoft.com/office/drawing/2014/main" id="{2721A48A-CA94-4C21-8351-9E8302DC7FD5}"/>
+              </a:ext>
+            </a:extLst>
+          </p:cNvPr>
           <p:cNvSpPr>
             <a:spLocks noGrp="1"/>
           </p:cNvSpPr>
@@ -10538,10 +10668,57 @@
           </a:p>
         </p:txBody>
       </p:sp>
+      <p:pic>
+        <p:nvPicPr>
+          <p:cNvPr id="1026" name="Picture 2" descr="How to Write a Tech Startup Business Plan to Win Investors">
+            <a:extLst>
+              <a:ext uri="{FF2B5EF4-FFF2-40B4-BE49-F238E27FC236}">
+                <a16:creationId xmlns:a16="http://schemas.microsoft.com/office/drawing/2014/main" id="{95C5A37C-5335-4A05-AED1-0D0FEEF9D46B}"/>
+              </a:ext>
+            </a:extLst>
+          </p:cNvPr>
+          <p:cNvPicPr>
+            <a:picLocks noChangeAspect="1" noChangeArrowheads="1"/>
+          </p:cNvPicPr>
+          <p:nvPr/>
+        </p:nvPicPr>
+        <p:blipFill>
+          <a:blip r:embed="rId2">
+            <a:extLst>
+              <a:ext uri="{28A0092B-C50C-407E-A947-70E740481C1C}">
+                <a14:useLocalDpi xmlns:a14="http://schemas.microsoft.com/office/drawing/2010/main" val="0"/>
+              </a:ext>
+            </a:extLst>
+          </a:blip>
+          <a:srcRect/>
+          <a:stretch>
+            <a:fillRect/>
+          </a:stretch>
+        </p:blipFill>
+        <p:spPr bwMode="auto">
+          <a:xfrm>
+            <a:off x="2571750" y="1970175"/>
+            <a:ext cx="7048500" cy="3619500"/>
+          </a:xfrm>
+          <a:prstGeom prst="rect">
+            <a:avLst/>
+          </a:prstGeom>
+          <a:noFill/>
+          <a:extLst>
+            <a:ext uri="{909E8E84-426E-40DD-AFC4-6F175D3DCCD1}">
+              <a14:hiddenFill xmlns:a14="http://schemas.microsoft.com/office/drawing/2010/main">
+                <a:solidFill>
+                  <a:srgbClr val="FFFFFF"/>
+                </a:solidFill>
+              </a14:hiddenFill>
+            </a:ext>
+          </a:extLst>
+        </p:spPr>
+      </p:pic>
     </p:spTree>
     <p:extLst>
       <p:ext uri="{BB962C8B-B14F-4D97-AF65-F5344CB8AC3E}">
-        <p14:creationId xmlns:p14="http://schemas.microsoft.com/office/powerpoint/2010/main" val="3881086945"/>
+        <p14:creationId xmlns:p14="http://schemas.microsoft.com/office/powerpoint/2010/main" val="3625625474"/>
       </p:ext>
     </p:extLst>
   </p:cSld>
@@ -10570,7 +10747,13 @@
       </p:grpSpPr>
       <p:sp>
         <p:nvSpPr>
-          <p:cNvPr id="5" name="Title 4"/>
+          <p:cNvPr id="2" name="Title 1">
+            <a:extLst>
+              <a:ext uri="{FF2B5EF4-FFF2-40B4-BE49-F238E27FC236}">
+                <a16:creationId xmlns:a16="http://schemas.microsoft.com/office/drawing/2014/main" id="{96F611B3-8F75-45EA-87FE-50B38B640102}"/>
+              </a:ext>
+            </a:extLst>
+          </p:cNvPr>
           <p:cNvSpPr>
             <a:spLocks noGrp="1"/>
           </p:cNvSpPr>
@@ -10580,38 +10763,52 @@
         </p:nvSpPr>
         <p:spPr/>
         <p:txBody>
-          <a:bodyPr/>
-          <a:lstStyle/>
-          <a:p>
-            <a:r>
-              <a:rPr lang="en-US" dirty="0"/>
-              <a:t>Incubators and Accelerators</a:t>
-            </a:r>
-          </a:p>
-        </p:txBody>
-      </p:sp>
-      <p:sp>
-        <p:nvSpPr>
-          <p:cNvPr id="6" name="Text Placeholder 5"/>
-          <p:cNvSpPr>
-            <a:spLocks noGrp="1"/>
-          </p:cNvSpPr>
-          <p:nvPr>
-            <p:ph type="body" idx="1"/>
-          </p:nvPr>
-        </p:nvSpPr>
-        <p:spPr/>
-        <p:txBody>
-          <a:bodyPr/>
-          <a:lstStyle/>
-          <a:p>
-            <a:endParaRPr lang="en-US"/>
-          </a:p>
-        </p:txBody>
-      </p:sp>
-      <p:sp>
-        <p:nvSpPr>
-          <p:cNvPr id="4" name="Slide Number Placeholder 3"/>
+          <a:bodyPr>
+            <a:normAutofit/>
+          </a:bodyPr>
+          <a:lstStyle/>
+          <a:p>
+            <a:r>
+              <a:rPr lang="en-US" dirty="0"/>
+              <a:t>Financial projections</a:t>
+            </a:r>
+          </a:p>
+        </p:txBody>
+      </p:sp>
+      <p:sp>
+        <p:nvSpPr>
+          <p:cNvPr id="3" name="Content Placeholder 2">
+            <a:extLst>
+              <a:ext uri="{FF2B5EF4-FFF2-40B4-BE49-F238E27FC236}">
+                <a16:creationId xmlns:a16="http://schemas.microsoft.com/office/drawing/2014/main" id="{801F333D-C003-432E-ACB6-983483A93765}"/>
+              </a:ext>
+            </a:extLst>
+          </p:cNvPr>
+          <p:cNvSpPr>
+            <a:spLocks noGrp="1"/>
+          </p:cNvSpPr>
+          <p:nvPr>
+            <p:ph idx="1"/>
+          </p:nvPr>
+        </p:nvSpPr>
+        <p:spPr/>
+        <p:txBody>
+          <a:bodyPr/>
+          <a:lstStyle/>
+          <a:p>
+            <a:endParaRPr lang="en-US" dirty="0"/>
+          </a:p>
+        </p:txBody>
+      </p:sp>
+      <p:sp>
+        <p:nvSpPr>
+          <p:cNvPr id="4" name="Slide Number Placeholder 3">
+            <a:extLst>
+              <a:ext uri="{FF2B5EF4-FFF2-40B4-BE49-F238E27FC236}">
+                <a16:creationId xmlns:a16="http://schemas.microsoft.com/office/drawing/2014/main" id="{1C9486CB-905F-4D66-A98F-CAC127AC38B2}"/>
+              </a:ext>
+            </a:extLst>
+          </p:cNvPr>
           <p:cNvSpPr>
             <a:spLocks noGrp="1"/>
           </p:cNvSpPr>
@@ -10633,10 +10830,55 @@
           </a:p>
         </p:txBody>
       </p:sp>
+      <p:pic>
+        <p:nvPicPr>
+          <p:cNvPr id="2050" name="Picture 2" descr="Standard Financial Projections Archives - Lean Business Planning">
+            <a:extLst>
+              <a:ext uri="{FF2B5EF4-FFF2-40B4-BE49-F238E27FC236}">
+                <a16:creationId xmlns:a16="http://schemas.microsoft.com/office/drawing/2014/main" id="{E6A1C671-66B7-4416-80C0-2CC6CCC09E76}"/>
+              </a:ext>
+            </a:extLst>
+          </p:cNvPr>
+          <p:cNvPicPr>
+            <a:picLocks noChangeAspect="1" noChangeArrowheads="1"/>
+          </p:cNvPicPr>
+          <p:nvPr/>
+        </p:nvPicPr>
+        <p:blipFill rotWithShape="1">
+          <a:blip r:embed="rId2">
+            <a:extLst>
+              <a:ext uri="{28A0092B-C50C-407E-A947-70E740481C1C}">
+                <a14:useLocalDpi xmlns:a14="http://schemas.microsoft.com/office/drawing/2010/main" val="0"/>
+              </a:ext>
+            </a:extLst>
+          </a:blip>
+          <a:srcRect b="8758"/>
+          <a:stretch/>
+        </p:blipFill>
+        <p:spPr bwMode="auto">
+          <a:xfrm>
+            <a:off x="3315409" y="2122547"/>
+            <a:ext cx="5715000" cy="3328573"/>
+          </a:xfrm>
+          <a:prstGeom prst="rect">
+            <a:avLst/>
+          </a:prstGeom>
+          <a:noFill/>
+          <a:extLst>
+            <a:ext uri="{909E8E84-426E-40DD-AFC4-6F175D3DCCD1}">
+              <a14:hiddenFill xmlns:a14="http://schemas.microsoft.com/office/drawing/2010/main">
+                <a:solidFill>
+                  <a:srgbClr val="FFFFFF"/>
+                </a:solidFill>
+              </a14:hiddenFill>
+            </a:ext>
+          </a:extLst>
+        </p:spPr>
+      </p:pic>
     </p:spTree>
     <p:extLst>
       <p:ext uri="{BB962C8B-B14F-4D97-AF65-F5344CB8AC3E}">
-        <p14:creationId xmlns:p14="http://schemas.microsoft.com/office/powerpoint/2010/main" val="3037168298"/>
+        <p14:creationId xmlns:p14="http://schemas.microsoft.com/office/powerpoint/2010/main" val="1147293433"/>
       </p:ext>
     </p:extLst>
   </p:cSld>
@@ -10680,7 +10922,49 @@
           <a:p>
             <a:r>
               <a:rPr lang="en-US" dirty="0"/>
-              <a:t>Incubators and Accelerators</a:t>
+              <a:t>Overview of Valuations and Term Sheets</a:t>
+            </a:r>
+          </a:p>
+        </p:txBody>
+      </p:sp>
+      <p:sp>
+        <p:nvSpPr>
+          <p:cNvPr id="3" name="Content Placeholder 2"/>
+          <p:cNvSpPr>
+            <a:spLocks noGrp="1"/>
+          </p:cNvSpPr>
+          <p:nvPr>
+            <p:ph idx="1"/>
+          </p:nvPr>
+        </p:nvSpPr>
+        <p:spPr/>
+        <p:txBody>
+          <a:bodyPr/>
+          <a:lstStyle/>
+          <a:p>
+            <a:r>
+              <a:rPr lang="en-US" dirty="0"/>
+              <a:t>Valuation</a:t>
+            </a:r>
+          </a:p>
+          <a:p>
+            <a:pPr lvl="1"/>
+            <a:r>
+              <a:rPr lang="en-US" dirty="0"/>
+              <a:t>The process of determining the economic value of a business or asset.</a:t>
+            </a:r>
+          </a:p>
+          <a:p>
+            <a:r>
+              <a:rPr lang="en-US" dirty="0"/>
+              <a:t>Term sheet</a:t>
+            </a:r>
+          </a:p>
+          <a:p>
+            <a:pPr lvl="1"/>
+            <a:r>
+              <a:rPr lang="en-US" dirty="0"/>
+              <a:t>A non-binding agreement outlining the basic terms and conditions of a proposed investment.</a:t>
             </a:r>
           </a:p>
         </p:txBody>
@@ -10709,51 +10993,10 @@
           </a:p>
         </p:txBody>
       </p:sp>
-      <p:pic>
-        <p:nvPicPr>
-          <p:cNvPr id="1026" name="Picture 2" descr="Incubators vs. Accelerators… What the heck is the difference? | by Bridge  for Billions | Bridge for Billions | Medium"/>
-          <p:cNvPicPr>
-            <a:picLocks noChangeAspect="1" noChangeArrowheads="1"/>
-          </p:cNvPicPr>
-          <p:nvPr/>
-        </p:nvPicPr>
-        <p:blipFill>
-          <a:blip r:embed="rId2">
-            <a:extLst>
-              <a:ext uri="{28A0092B-C50C-407E-A947-70E740481C1C}">
-                <a14:useLocalDpi xmlns:a14="http://schemas.microsoft.com/office/drawing/2010/main" val="0"/>
-              </a:ext>
-            </a:extLst>
-          </a:blip>
-          <a:srcRect/>
-          <a:stretch>
-            <a:fillRect/>
-          </a:stretch>
-        </p:blipFill>
-        <p:spPr bwMode="auto">
-          <a:xfrm>
-            <a:off x="854315" y="1771470"/>
-            <a:ext cx="9925050" cy="4381501"/>
-          </a:xfrm>
-          <a:prstGeom prst="rect">
-            <a:avLst/>
-          </a:prstGeom>
-          <a:noFill/>
-          <a:extLst>
-            <a:ext uri="{909E8E84-426E-40DD-AFC4-6F175D3DCCD1}">
-              <a14:hiddenFill xmlns:a14="http://schemas.microsoft.com/office/drawing/2010/main">
-                <a:solidFill>
-                  <a:srgbClr val="FFFFFF"/>
-                </a:solidFill>
-              </a14:hiddenFill>
-            </a:ext>
-          </a:extLst>
-        </p:spPr>
-      </p:pic>
     </p:spTree>
     <p:extLst>
       <p:ext uri="{BB962C8B-B14F-4D97-AF65-F5344CB8AC3E}">
-        <p14:creationId xmlns:p14="http://schemas.microsoft.com/office/powerpoint/2010/main" val="1574826483"/>
+        <p14:creationId xmlns:p14="http://schemas.microsoft.com/office/powerpoint/2010/main" val="1141293993"/>
       </p:ext>
     </p:extLst>
   </p:cSld>
@@ -10782,7 +11025,13 @@
       </p:grpSpPr>
       <p:sp>
         <p:nvSpPr>
-          <p:cNvPr id="2" name="Title 1"/>
+          <p:cNvPr id="2" name="Title 1">
+            <a:extLst>
+              <a:ext uri="{FF2B5EF4-FFF2-40B4-BE49-F238E27FC236}">
+                <a16:creationId xmlns:a16="http://schemas.microsoft.com/office/drawing/2014/main" id="{24269262-B7C3-4EEB-A47D-1C58F3AE1DB0}"/>
+              </a:ext>
+            </a:extLst>
+          </p:cNvPr>
           <p:cNvSpPr>
             <a:spLocks noGrp="1"/>
           </p:cNvSpPr>
@@ -10797,14 +11046,20 @@
           <a:p>
             <a:r>
               <a:rPr lang="en-US" dirty="0"/>
-              <a:t>Incubators and Accelerators</a:t>
-            </a:r>
-          </a:p>
-        </p:txBody>
-      </p:sp>
-      <p:sp>
-        <p:nvSpPr>
-          <p:cNvPr id="3" name="Content Placeholder 2"/>
+              <a:t>Valuation</a:t>
+            </a:r>
+          </a:p>
+        </p:txBody>
+      </p:sp>
+      <p:sp>
+        <p:nvSpPr>
+          <p:cNvPr id="3" name="Content Placeholder 2">
+            <a:extLst>
+              <a:ext uri="{FF2B5EF4-FFF2-40B4-BE49-F238E27FC236}">
+                <a16:creationId xmlns:a16="http://schemas.microsoft.com/office/drawing/2014/main" id="{D377C102-6248-4811-A27D-40B7B08AE02A}"/>
+              </a:ext>
+            </a:extLst>
+          </p:cNvPr>
           <p:cNvSpPr>
             <a:spLocks noGrp="1"/>
           </p:cNvSpPr>
@@ -10817,22 +11072,19 @@
           <a:bodyPr/>
           <a:lstStyle/>
           <a:p>
-            <a:r>
-              <a:rPr lang="en-US" dirty="0"/>
-              <a:t>Incubators and accelerators are programs designed to support early-stage startups and help them grow and succeed.</a:t>
-            </a:r>
-          </a:p>
-          <a:p>
-            <a:r>
-              <a:rPr lang="en-US" dirty="0"/>
-              <a:t>Incubators focus on nurturing startups in their early stages, while accelerators provide a more structured program with a fixed duration and a focus on scaling.</a:t>
-            </a:r>
-          </a:p>
-        </p:txBody>
-      </p:sp>
-      <p:sp>
-        <p:nvSpPr>
-          <p:cNvPr id="4" name="Slide Number Placeholder 3"/>
+            <a:endParaRPr lang="en-US"/>
+          </a:p>
+        </p:txBody>
+      </p:sp>
+      <p:sp>
+        <p:nvSpPr>
+          <p:cNvPr id="4" name="Slide Number Placeholder 3">
+            <a:extLst>
+              <a:ext uri="{FF2B5EF4-FFF2-40B4-BE49-F238E27FC236}">
+                <a16:creationId xmlns:a16="http://schemas.microsoft.com/office/drawing/2014/main" id="{9BE1F75A-6CD7-47DC-954A-0DA1D9DA396B}"/>
+              </a:ext>
+            </a:extLst>
+          </p:cNvPr>
           <p:cNvSpPr>
             <a:spLocks noGrp="1"/>
           </p:cNvSpPr>
@@ -10854,10 +11106,57 @@
           </a:p>
         </p:txBody>
       </p:sp>
+      <p:pic>
+        <p:nvPicPr>
+          <p:cNvPr id="3074" name="Picture 2" descr="The best guide on how to value a startup">
+            <a:extLst>
+              <a:ext uri="{FF2B5EF4-FFF2-40B4-BE49-F238E27FC236}">
+                <a16:creationId xmlns:a16="http://schemas.microsoft.com/office/drawing/2014/main" id="{8D2D810F-35BD-4A52-B82E-780E47235746}"/>
+              </a:ext>
+            </a:extLst>
+          </p:cNvPr>
+          <p:cNvPicPr>
+            <a:picLocks noChangeAspect="1" noChangeArrowheads="1"/>
+          </p:cNvPicPr>
+          <p:nvPr/>
+        </p:nvPicPr>
+        <p:blipFill>
+          <a:blip r:embed="rId2">
+            <a:extLst>
+              <a:ext uri="{28A0092B-C50C-407E-A947-70E740481C1C}">
+                <a14:useLocalDpi xmlns:a14="http://schemas.microsoft.com/office/drawing/2010/main" val="0"/>
+              </a:ext>
+            </a:extLst>
+          </a:blip>
+          <a:srcRect/>
+          <a:stretch>
+            <a:fillRect/>
+          </a:stretch>
+        </p:blipFill>
+        <p:spPr bwMode="auto">
+          <a:xfrm>
+            <a:off x="2156604" y="1706962"/>
+            <a:ext cx="7620000" cy="4286250"/>
+          </a:xfrm>
+          <a:prstGeom prst="rect">
+            <a:avLst/>
+          </a:prstGeom>
+          <a:noFill/>
+          <a:extLst>
+            <a:ext uri="{909E8E84-426E-40DD-AFC4-6F175D3DCCD1}">
+              <a14:hiddenFill xmlns:a14="http://schemas.microsoft.com/office/drawing/2010/main">
+                <a:solidFill>
+                  <a:srgbClr val="FFFFFF"/>
+                </a:solidFill>
+              </a14:hiddenFill>
+            </a:ext>
+          </a:extLst>
+        </p:spPr>
+      </p:pic>
     </p:spTree>
     <p:extLst>
       <p:ext uri="{BB962C8B-B14F-4D97-AF65-F5344CB8AC3E}">
-        <p14:creationId xmlns:p14="http://schemas.microsoft.com/office/powerpoint/2010/main" val="3389040952"/>
+        <p14:creationId xmlns:p14="http://schemas.microsoft.com/office/powerpoint/2010/main" val="1098155528"/>
       </p:ext>
     </p:extLst>
   </p:cSld>
@@ -10886,7 +11185,13 @@
       </p:grpSpPr>
       <p:sp>
         <p:nvSpPr>
-          <p:cNvPr id="2" name="Title 1"/>
+          <p:cNvPr id="2" name="Title 1">
+            <a:extLst>
+              <a:ext uri="{FF2B5EF4-FFF2-40B4-BE49-F238E27FC236}">
+                <a16:creationId xmlns:a16="http://schemas.microsoft.com/office/drawing/2014/main" id="{4614D86F-2B95-4F3E-8C5F-81E041B60B09}"/>
+              </a:ext>
+            </a:extLst>
+          </p:cNvPr>
           <p:cNvSpPr>
             <a:spLocks noGrp="1"/>
           </p:cNvSpPr>
@@ -10901,14 +11206,20 @@
           <a:p>
             <a:r>
               <a:rPr lang="en-US" dirty="0"/>
-              <a:t>Incubators and Accelerators</a:t>
-            </a:r>
-          </a:p>
-        </p:txBody>
-      </p:sp>
-      <p:sp>
-        <p:nvSpPr>
-          <p:cNvPr id="3" name="Content Placeholder 2"/>
+              <a:t>Startup Valuations tools</a:t>
+            </a:r>
+          </a:p>
+        </p:txBody>
+      </p:sp>
+      <p:sp>
+        <p:nvSpPr>
+          <p:cNvPr id="3" name="Content Placeholder 2">
+            <a:extLst>
+              <a:ext uri="{FF2B5EF4-FFF2-40B4-BE49-F238E27FC236}">
+                <a16:creationId xmlns:a16="http://schemas.microsoft.com/office/drawing/2014/main" id="{3915245E-8A4E-4457-8789-142329F05B97}"/>
+              </a:ext>
+            </a:extLst>
+          </p:cNvPr>
           <p:cNvSpPr>
             <a:spLocks noGrp="1"/>
           </p:cNvSpPr>
@@ -10916,32 +11227,50 @@
             <p:ph idx="1"/>
           </p:nvPr>
         </p:nvSpPr>
-        <p:spPr>
-          <a:xfrm>
-            <a:off x="347527" y="1406880"/>
-            <a:ext cx="5259644" cy="4746091"/>
-          </a:xfrm>
-        </p:spPr>
-        <p:txBody>
-          <a:bodyPr/>
-          <a:lstStyle/>
-          <a:p>
-            <a:r>
-              <a:rPr lang="en-US" dirty="0"/>
-              <a:t>Incubators focus on nurturing startups in their early stages</a:t>
-            </a:r>
-          </a:p>
-          <a:p>
-            <a:r>
-              <a:rPr lang="en-US" dirty="0"/>
-              <a:t>Accelerators provide a more structured program with a fixed duration and a focus on scaling.</a:t>
-            </a:r>
-          </a:p>
-        </p:txBody>
-      </p:sp>
-      <p:sp>
-        <p:nvSpPr>
-          <p:cNvPr id="4" name="Slide Number Placeholder 3"/>
+        <p:spPr/>
+        <p:txBody>
+          <a:bodyPr/>
+          <a:lstStyle/>
+          <a:p>
+            <a:r>
+              <a:rPr lang="en-US" dirty="0"/>
+              <a:t>High Tech Startup Valuation Estimator by Cayenne Consulting</a:t>
+            </a:r>
+          </a:p>
+          <a:p>
+            <a:endParaRPr lang="en-US" dirty="0"/>
+          </a:p>
+          <a:p>
+            <a:r>
+              <a:rPr lang="en-US" dirty="0"/>
+              <a:t>Startup Valuation Calculator by </a:t>
+            </a:r>
+            <a:r>
+              <a:rPr lang="en-US" dirty="0" err="1"/>
+              <a:t>EquityNet</a:t>
+            </a:r>
+            <a:endParaRPr lang="en-US" dirty="0"/>
+          </a:p>
+          <a:p>
+            <a:endParaRPr lang="en-US" dirty="0"/>
+          </a:p>
+          <a:p>
+            <a:r>
+              <a:rPr lang="en-US" dirty="0"/>
+              <a:t>Pre-Money and Post-money valuation calculator</a:t>
+            </a:r>
+          </a:p>
+        </p:txBody>
+      </p:sp>
+      <p:sp>
+        <p:nvSpPr>
+          <p:cNvPr id="4" name="Slide Number Placeholder 3">
+            <a:extLst>
+              <a:ext uri="{FF2B5EF4-FFF2-40B4-BE49-F238E27FC236}">
+                <a16:creationId xmlns:a16="http://schemas.microsoft.com/office/drawing/2014/main" id="{3C32D30A-C2EE-409C-B55F-7B0B9175CB85}"/>
+              </a:ext>
+            </a:extLst>
+          </p:cNvPr>
           <p:cNvSpPr>
             <a:spLocks noGrp="1"/>
           </p:cNvSpPr>
@@ -10963,49 +11292,10 @@
           </a:p>
         </p:txBody>
       </p:sp>
-      <p:pic>
-        <p:nvPicPr>
-          <p:cNvPr id="2052" name="Picture 4" descr="difference between incubator and accelerator - scoala-de-soferi.ro"/>
-          <p:cNvPicPr>
-            <a:picLocks noChangeAspect="1" noChangeArrowheads="1"/>
-          </p:cNvPicPr>
-          <p:nvPr/>
-        </p:nvPicPr>
-        <p:blipFill rotWithShape="1">
-          <a:blip r:embed="rId2">
-            <a:extLst>
-              <a:ext uri="{28A0092B-C50C-407E-A947-70E740481C1C}">
-                <a14:useLocalDpi xmlns:a14="http://schemas.microsoft.com/office/drawing/2010/main" val="0"/>
-              </a:ext>
-            </a:extLst>
-          </a:blip>
-          <a:srcRect l="16712" t="15932" r="15805" b="7968"/>
-          <a:stretch/>
-        </p:blipFill>
-        <p:spPr bwMode="auto">
-          <a:xfrm>
-            <a:off x="5512279" y="1406880"/>
-            <a:ext cx="6581956" cy="4175185"/>
-          </a:xfrm>
-          <a:prstGeom prst="rect">
-            <a:avLst/>
-          </a:prstGeom>
-          <a:noFill/>
-          <a:extLst>
-            <a:ext uri="{909E8E84-426E-40DD-AFC4-6F175D3DCCD1}">
-              <a14:hiddenFill xmlns:a14="http://schemas.microsoft.com/office/drawing/2010/main">
-                <a:solidFill>
-                  <a:srgbClr val="FFFFFF"/>
-                </a:solidFill>
-              </a14:hiddenFill>
-            </a:ext>
-          </a:extLst>
-        </p:spPr>
-      </p:pic>
     </p:spTree>
     <p:extLst>
       <p:ext uri="{BB962C8B-B14F-4D97-AF65-F5344CB8AC3E}">
-        <p14:creationId xmlns:p14="http://schemas.microsoft.com/office/powerpoint/2010/main" val="3569180062"/>
+        <p14:creationId xmlns:p14="http://schemas.microsoft.com/office/powerpoint/2010/main" val="2365537486"/>
       </p:ext>
     </p:extLst>
   </p:cSld>
@@ -11034,7 +11324,13 @@
       </p:grpSpPr>
       <p:sp>
         <p:nvSpPr>
-          <p:cNvPr id="2" name="Title 1"/>
+          <p:cNvPr id="2" name="Title 1">
+            <a:extLst>
+              <a:ext uri="{FF2B5EF4-FFF2-40B4-BE49-F238E27FC236}">
+                <a16:creationId xmlns:a16="http://schemas.microsoft.com/office/drawing/2014/main" id="{0D327C88-5C29-474C-AACF-180E4C6602A1}"/>
+              </a:ext>
+            </a:extLst>
+          </p:cNvPr>
           <p:cNvSpPr>
             <a:spLocks noGrp="1"/>
           </p:cNvSpPr>
@@ -11044,19 +11340,27 @@
         </p:nvSpPr>
         <p:spPr/>
         <p:txBody>
-          <a:bodyPr/>
-          <a:lstStyle/>
-          <a:p>
-            <a:r>
-              <a:rPr lang="en-US" dirty="0"/>
-              <a:t>Types of Incubators and Accelerators</a:t>
-            </a:r>
-          </a:p>
-        </p:txBody>
-      </p:sp>
-      <p:sp>
-        <p:nvSpPr>
-          <p:cNvPr id="3" name="Content Placeholder 2"/>
+          <a:bodyPr>
+            <a:normAutofit/>
+          </a:bodyPr>
+          <a:lstStyle/>
+          <a:p>
+            <a:r>
+              <a:rPr lang="en-US" dirty="0"/>
+              <a:t>Term sheet</a:t>
+            </a:r>
+          </a:p>
+        </p:txBody>
+      </p:sp>
+      <p:sp>
+        <p:nvSpPr>
+          <p:cNvPr id="3" name="Content Placeholder 2">
+            <a:extLst>
+              <a:ext uri="{FF2B5EF4-FFF2-40B4-BE49-F238E27FC236}">
+                <a16:creationId xmlns:a16="http://schemas.microsoft.com/office/drawing/2014/main" id="{AA2BCBA8-8644-4DCB-84C5-4BAE12574261}"/>
+              </a:ext>
+            </a:extLst>
+          </p:cNvPr>
           <p:cNvSpPr>
             <a:spLocks noGrp="1"/>
           </p:cNvSpPr>
@@ -11064,85 +11368,41 @@
             <p:ph idx="1"/>
           </p:nvPr>
         </p:nvSpPr>
-        <p:spPr/>
-        <p:txBody>
-          <a:bodyPr/>
-          <a:lstStyle/>
-          <a:p>
-            <a:r>
-              <a:rPr lang="en-US" dirty="0"/>
-              <a:t>Incubators:</a:t>
-            </a:r>
-          </a:p>
-          <a:p>
-            <a:pPr lvl="1"/>
-            <a:r>
-              <a:rPr lang="en-US" dirty="0"/>
-              <a:t>University-based incubators</a:t>
-            </a:r>
-          </a:p>
-          <a:p>
-            <a:pPr lvl="1"/>
-            <a:r>
-              <a:rPr lang="en-US" dirty="0"/>
-              <a:t>Independent incubators</a:t>
-            </a:r>
-          </a:p>
-          <a:p>
-            <a:pPr lvl="1"/>
-            <a:r>
-              <a:rPr lang="en-US" dirty="0"/>
-              <a:t>Corporate incubators</a:t>
-            </a:r>
-          </a:p>
-          <a:p>
-            <a:r>
-              <a:rPr lang="en-US" dirty="0"/>
-              <a:t>Accelerators:</a:t>
-            </a:r>
-          </a:p>
-          <a:p>
-            <a:pPr lvl="1"/>
-            <a:r>
-              <a:rPr lang="en-US" dirty="0"/>
-              <a:t>General accelerators</a:t>
-            </a:r>
-          </a:p>
-          <a:p>
-            <a:pPr lvl="1"/>
-            <a:r>
-              <a:rPr lang="en-US" dirty="0"/>
-              <a:t>Sector-specific accelerators (e.g., </a:t>
-            </a:r>
-            <a:r>
-              <a:rPr lang="en-US" dirty="0" err="1"/>
-              <a:t>fintech</a:t>
-            </a:r>
-            <a:r>
-              <a:rPr lang="en-US" dirty="0"/>
-              <a:t>, </a:t>
-            </a:r>
-            <a:r>
-              <a:rPr lang="en-US" dirty="0" err="1"/>
-              <a:t>healthtech</a:t>
-            </a:r>
-            <a:r>
-              <a:rPr lang="en-US" dirty="0"/>
-              <a:t>)</a:t>
-            </a:r>
-          </a:p>
-          <a:p>
-            <a:pPr lvl="1"/>
-            <a:r>
-              <a:rPr lang="en-US" dirty="0"/>
-              <a:t>Corporate accelerators</a:t>
-            </a:r>
-          </a:p>
-        </p:txBody>
-      </p:sp>
-      <p:sp>
-        <p:nvSpPr>
-          <p:cNvPr id="4" name="Slide Number Placeholder 3"/>
+        <p:spPr>
+          <a:xfrm>
+            <a:off x="347527" y="1406880"/>
+            <a:ext cx="7459380" cy="4746091"/>
+          </a:xfrm>
+        </p:spPr>
+        <p:txBody>
+          <a:bodyPr/>
+          <a:lstStyle/>
+          <a:p>
+            <a:r>
+              <a:rPr lang="en-US" dirty="0"/>
+              <a:t>A term sheet is a non-binding document that outlines the basic terms and conditions of a proposed investment or financing deal.</a:t>
+            </a:r>
+          </a:p>
+          <a:p>
+            <a:endParaRPr lang="en-US" dirty="0"/>
+          </a:p>
+          <a:p>
+            <a:r>
+              <a:rPr lang="en-US" dirty="0"/>
+              <a:t>It is typically used as a starting point for negotiations between parties and is meant to provide a summary of the key terms and conditions of the proposed deal.</a:t>
+            </a:r>
+          </a:p>
+        </p:txBody>
+      </p:sp>
+      <p:sp>
+        <p:nvSpPr>
+          <p:cNvPr id="4" name="Slide Number Placeholder 3">
+            <a:extLst>
+              <a:ext uri="{FF2B5EF4-FFF2-40B4-BE49-F238E27FC236}">
+                <a16:creationId xmlns:a16="http://schemas.microsoft.com/office/drawing/2014/main" id="{BE9B42F9-EA6D-4197-87E2-1E8F71D59969}"/>
+              </a:ext>
+            </a:extLst>
+          </p:cNvPr>
           <p:cNvSpPr>
             <a:spLocks noGrp="1"/>
           </p:cNvSpPr>
@@ -11164,10 +11424,55 @@
           </a:p>
         </p:txBody>
       </p:sp>
+      <p:pic>
+        <p:nvPicPr>
+          <p:cNvPr id="4098" name="Picture 2" descr="Startup Funding: What You Need To Know About Term Sheet?">
+            <a:extLst>
+              <a:ext uri="{FF2B5EF4-FFF2-40B4-BE49-F238E27FC236}">
+                <a16:creationId xmlns:a16="http://schemas.microsoft.com/office/drawing/2014/main" id="{B045D63D-7D1C-42FD-94CF-897EA16F4E57}"/>
+              </a:ext>
+            </a:extLst>
+          </p:cNvPr>
+          <p:cNvPicPr>
+            <a:picLocks noChangeAspect="1" noChangeArrowheads="1"/>
+          </p:cNvPicPr>
+          <p:nvPr/>
+        </p:nvPicPr>
+        <p:blipFill rotWithShape="1">
+          <a:blip r:embed="rId2">
+            <a:extLst>
+              <a:ext uri="{28A0092B-C50C-407E-A947-70E740481C1C}">
+                <a14:useLocalDpi xmlns:a14="http://schemas.microsoft.com/office/drawing/2010/main" val="0"/>
+              </a:ext>
+            </a:extLst>
+          </a:blip>
+          <a:srcRect l="4768" t="5936" r="4818" b="6962"/>
+          <a:stretch/>
+        </p:blipFill>
+        <p:spPr bwMode="auto">
+          <a:xfrm>
+            <a:off x="7867696" y="1406880"/>
+            <a:ext cx="3976778" cy="4507900"/>
+          </a:xfrm>
+          <a:prstGeom prst="rect">
+            <a:avLst/>
+          </a:prstGeom>
+          <a:noFill/>
+          <a:extLst>
+            <a:ext uri="{909E8E84-426E-40DD-AFC4-6F175D3DCCD1}">
+              <a14:hiddenFill xmlns:a14="http://schemas.microsoft.com/office/drawing/2010/main">
+                <a:solidFill>
+                  <a:srgbClr val="FFFFFF"/>
+                </a:solidFill>
+              </a14:hiddenFill>
+            </a:ext>
+          </a:extLst>
+        </p:spPr>
+      </p:pic>
     </p:spTree>
     <p:extLst>
       <p:ext uri="{BB962C8B-B14F-4D97-AF65-F5344CB8AC3E}">
-        <p14:creationId xmlns:p14="http://schemas.microsoft.com/office/powerpoint/2010/main" val="566255972"/>
+        <p14:creationId xmlns:p14="http://schemas.microsoft.com/office/powerpoint/2010/main" val="416489422"/>
       </p:ext>
     </p:extLst>
   </p:cSld>
@@ -11206,12 +11511,14 @@
         </p:nvSpPr>
         <p:spPr/>
         <p:txBody>
-          <a:bodyPr/>
-          <a:lstStyle/>
-          <a:p>
-            <a:r>
-              <a:rPr lang="en-US" dirty="0"/>
-              <a:t>Benefits of Incubators and Accelerators</a:t>
+          <a:bodyPr>
+            <a:normAutofit fontScale="90000"/>
+          </a:bodyPr>
+          <a:lstStyle/>
+          <a:p>
+            <a:r>
+              <a:rPr lang="en-US" dirty="0"/>
+              <a:t>Importance of Understanding Terms and Conditions</a:t>
             </a:r>
           </a:p>
         </p:txBody>
@@ -11233,40 +11540,13 @@
           <a:p>
             <a:r>
               <a:rPr lang="en-US" dirty="0"/>
-              <a:t>Access to resources</a:t>
-            </a:r>
-          </a:p>
-          <a:p>
-            <a:pPr lvl="1"/>
-            <a:r>
-              <a:rPr lang="en-US" dirty="0"/>
-              <a:t>Incubators and accelerators provide startups with access to resources such as office space, mentorship, networking opportunities, and funding.</a:t>
-            </a:r>
-          </a:p>
-          <a:p>
-            <a:r>
-              <a:rPr lang="en-US" dirty="0"/>
-              <a:t>Guidance and support</a:t>
-            </a:r>
-          </a:p>
-          <a:p>
-            <a:pPr lvl="1"/>
-            <a:r>
-              <a:rPr lang="en-US" dirty="0"/>
-              <a:t>Startups receive guidance and support from experienced entrepreneurs, investors, and industry experts.</a:t>
-            </a:r>
-          </a:p>
-          <a:p>
-            <a:r>
-              <a:rPr lang="en-US" dirty="0"/>
-              <a:t>Focus and accountability</a:t>
-            </a:r>
-          </a:p>
-          <a:p>
-            <a:pPr lvl="1"/>
-            <a:r>
-              <a:rPr lang="en-US" dirty="0"/>
-              <a:t>Incubators and accelerators provide a structured environment that helps startups stay focused and accountable.</a:t>
+              <a:t>Understanding the terms and conditions of funding agreements is crucial for entrepreneurs to avoid misunderstandings and ensure they receive the funding they need.</a:t>
+            </a:r>
+          </a:p>
+          <a:p>
+            <a:r>
+              <a:rPr lang="en-US" dirty="0"/>
+              <a:t>Key terms to focus on include valuation, equity ownership, board representation, and liquidation preferences.</a:t>
             </a:r>
           </a:p>
         </p:txBody>
@@ -11298,7 +11578,7 @@
     </p:spTree>
     <p:extLst>
       <p:ext uri="{BB962C8B-B14F-4D97-AF65-F5344CB8AC3E}">
-        <p14:creationId xmlns:p14="http://schemas.microsoft.com/office/powerpoint/2010/main" val="2619956534"/>
+        <p14:creationId xmlns:p14="http://schemas.microsoft.com/office/powerpoint/2010/main" val="993812852"/>
       </p:ext>
     </p:extLst>
   </p:cSld>
@@ -11342,7 +11622,7 @@
           <a:p>
             <a:r>
               <a:rPr lang="en-US" dirty="0"/>
-              <a:t>Incubator and Accelerator Programs</a:t>
+              <a:t>Factors that Contributed to Success</a:t>
             </a:r>
           </a:p>
         </p:txBody>
@@ -11359,76 +11639,24 @@
         </p:nvSpPr>
         <p:spPr/>
         <p:txBody>
-          <a:bodyPr>
-            <a:normAutofit/>
-          </a:bodyPr>
-          <a:lstStyle/>
-          <a:p>
-            <a:r>
-              <a:rPr lang="en-US" dirty="0"/>
-              <a:t>Typical programs offered by incubators:</a:t>
-            </a:r>
-          </a:p>
-          <a:p>
-            <a:pPr lvl="1"/>
-            <a:r>
-              <a:rPr lang="en-US" dirty="0"/>
-              <a:t>Business planning and strategy</a:t>
-            </a:r>
-          </a:p>
-          <a:p>
-            <a:pPr lvl="1"/>
-            <a:r>
-              <a:rPr lang="en-US" dirty="0"/>
-              <a:t>Marketing and branding</a:t>
-            </a:r>
-          </a:p>
-          <a:p>
-            <a:pPr lvl="1"/>
-            <a:r>
-              <a:rPr lang="en-US" dirty="0"/>
-              <a:t>Legal and regulatory compliance</a:t>
-            </a:r>
-          </a:p>
-          <a:p>
-            <a:pPr lvl="1"/>
-            <a:r>
-              <a:rPr lang="en-US" dirty="0"/>
-              <a:t>Access to funding and finance</a:t>
-            </a:r>
-          </a:p>
-          <a:p>
-            <a:r>
-              <a:rPr lang="en-US" dirty="0"/>
-              <a:t>Typical programs offered by accelerators:</a:t>
-            </a:r>
-          </a:p>
-          <a:p>
-            <a:pPr lvl="1"/>
-            <a:r>
-              <a:rPr lang="en-US" dirty="0"/>
-              <a:t>Mentorship and coaching</a:t>
-            </a:r>
-          </a:p>
-          <a:p>
-            <a:pPr lvl="1"/>
-            <a:r>
-              <a:rPr lang="en-US" dirty="0"/>
-              <a:t>Workshops and training sessions</a:t>
-            </a:r>
-          </a:p>
-          <a:p>
-            <a:pPr lvl="1"/>
-            <a:r>
-              <a:rPr lang="en-US" dirty="0"/>
-              <a:t>Pitching and presentation skills</a:t>
-            </a:r>
-          </a:p>
-          <a:p>
-            <a:pPr lvl="1"/>
-            <a:r>
-              <a:rPr lang="en-US" dirty="0"/>
-              <a:t>Access to funding and investors</a:t>
+          <a:bodyPr/>
+          <a:lstStyle/>
+          <a:p>
+            <a:r>
+              <a:rPr lang="en-US" dirty="0"/>
+              <a:t>Strong leadership</a:t>
+            </a:r>
+          </a:p>
+          <a:p>
+            <a:r>
+              <a:rPr lang="en-US" dirty="0"/>
+              <a:t>Innovative products or services</a:t>
+            </a:r>
+          </a:p>
+          <a:p>
+            <a:r>
+              <a:rPr lang="en-US" dirty="0"/>
+              <a:t>Market timing</a:t>
             </a:r>
           </a:p>
         </p:txBody>
@@ -11457,10 +11685,100 @@
           </a:p>
         </p:txBody>
       </p:sp>
+      <p:pic>
+        <p:nvPicPr>
+          <p:cNvPr id="5122" name="Picture 2" descr="The Five Key Factors That Lead To Successful Tech Startups ...">
+            <a:extLst>
+              <a:ext uri="{FF2B5EF4-FFF2-40B4-BE49-F238E27FC236}">
+                <a16:creationId xmlns:a16="http://schemas.microsoft.com/office/drawing/2014/main" id="{8BEC5127-68F2-4733-8641-A3038DD76A23}"/>
+              </a:ext>
+            </a:extLst>
+          </p:cNvPr>
+          <p:cNvPicPr>
+            <a:picLocks noChangeAspect="1" noChangeArrowheads="1"/>
+          </p:cNvPicPr>
+          <p:nvPr/>
+        </p:nvPicPr>
+        <p:blipFill rotWithShape="1">
+          <a:blip r:embed="rId2" cstate="print">
+            <a:extLst>
+              <a:ext uri="{28A0092B-C50C-407E-A947-70E740481C1C}">
+                <a14:useLocalDpi xmlns:a14="http://schemas.microsoft.com/office/drawing/2010/main" val="0"/>
+              </a:ext>
+            </a:extLst>
+          </a:blip>
+          <a:srcRect l="5633" t="17605" r="8702" b="8050"/>
+          <a:stretch/>
+        </p:blipFill>
+        <p:spPr bwMode="auto">
+          <a:xfrm>
+            <a:off x="6203677" y="2286000"/>
+            <a:ext cx="5640797" cy="3692105"/>
+          </a:xfrm>
+          <a:prstGeom prst="rect">
+            <a:avLst/>
+          </a:prstGeom>
+          <a:noFill/>
+          <a:extLst>
+            <a:ext uri="{909E8E84-426E-40DD-AFC4-6F175D3DCCD1}">
+              <a14:hiddenFill xmlns:a14="http://schemas.microsoft.com/office/drawing/2010/main">
+                <a:solidFill>
+                  <a:srgbClr val="FFFFFF"/>
+                </a:solidFill>
+              </a14:hiddenFill>
+            </a:ext>
+          </a:extLst>
+        </p:spPr>
+      </p:pic>
+      <p:pic>
+        <p:nvPicPr>
+          <p:cNvPr id="5124" name="Picture 4" descr="The Most Important Factors for Startup Success">
+            <a:extLst>
+              <a:ext uri="{FF2B5EF4-FFF2-40B4-BE49-F238E27FC236}">
+                <a16:creationId xmlns:a16="http://schemas.microsoft.com/office/drawing/2014/main" id="{394206FB-ADFB-40ED-B2F1-16D1B5DE48C3}"/>
+              </a:ext>
+            </a:extLst>
+          </p:cNvPr>
+          <p:cNvPicPr>
+            <a:picLocks noChangeAspect="1" noChangeArrowheads="1"/>
+          </p:cNvPicPr>
+          <p:nvPr/>
+        </p:nvPicPr>
+        <p:blipFill rotWithShape="1">
+          <a:blip r:embed="rId3">
+            <a:extLst>
+              <a:ext uri="{28A0092B-C50C-407E-A947-70E740481C1C}">
+                <a14:useLocalDpi xmlns:a14="http://schemas.microsoft.com/office/drawing/2010/main" val="0"/>
+              </a:ext>
+            </a:extLst>
+          </a:blip>
+          <a:srcRect l="6223" t="23773" r="4916" b="18869"/>
+          <a:stretch/>
+        </p:blipFill>
+        <p:spPr bwMode="auto">
+          <a:xfrm>
+            <a:off x="1252708" y="3108188"/>
+            <a:ext cx="3672975" cy="3214735"/>
+          </a:xfrm>
+          <a:prstGeom prst="rect">
+            <a:avLst/>
+          </a:prstGeom>
+          <a:noFill/>
+          <a:extLst>
+            <a:ext uri="{909E8E84-426E-40DD-AFC4-6F175D3DCCD1}">
+              <a14:hiddenFill xmlns:a14="http://schemas.microsoft.com/office/drawing/2010/main">
+                <a:solidFill>
+                  <a:srgbClr val="FFFFFF"/>
+                </a:solidFill>
+              </a14:hiddenFill>
+            </a:ext>
+          </a:extLst>
+        </p:spPr>
+      </p:pic>
     </p:spTree>
     <p:extLst>
       <p:ext uri="{BB962C8B-B14F-4D97-AF65-F5344CB8AC3E}">
-        <p14:creationId xmlns:p14="http://schemas.microsoft.com/office/powerpoint/2010/main" val="1245689597"/>
+        <p14:creationId xmlns:p14="http://schemas.microsoft.com/office/powerpoint/2010/main" val="3881086945"/>
       </p:ext>
     </p:extLst>
   </p:cSld>
@@ -11581,7 +11899,7 @@
       </p:grpSpPr>
       <p:sp>
         <p:nvSpPr>
-          <p:cNvPr id="2" name="Title 1"/>
+          <p:cNvPr id="5" name="Title 4"/>
           <p:cNvSpPr>
             <a:spLocks noGrp="1"/>
           </p:cNvSpPr>
@@ -11591,137 +11909,32 @@
         </p:nvSpPr>
         <p:spPr/>
         <p:txBody>
-          <a:bodyPr>
-            <a:normAutofit fontScale="90000"/>
-          </a:bodyPr>
-          <a:lstStyle/>
-          <a:p>
-            <a:r>
-              <a:rPr lang="en-US" dirty="0"/>
-              <a:t>Examples of Successful Incubators and Accelerators</a:t>
-            </a:r>
-          </a:p>
-        </p:txBody>
-      </p:sp>
-      <p:sp>
-        <p:nvSpPr>
-          <p:cNvPr id="3" name="Content Placeholder 2"/>
-          <p:cNvSpPr>
-            <a:spLocks noGrp="1"/>
-          </p:cNvSpPr>
-          <p:nvPr>
-            <p:ph idx="1"/>
-          </p:nvPr>
-        </p:nvSpPr>
-        <p:spPr/>
-        <p:txBody>
-          <a:bodyPr/>
-          <a:lstStyle/>
-          <a:p>
-            <a:r>
-              <a:rPr lang="en-US" dirty="0"/>
-              <a:t>Incubators:</a:t>
-            </a:r>
-          </a:p>
-          <a:p>
-            <a:pPr lvl="1"/>
-            <a:r>
-              <a:rPr lang="en-US" dirty="0"/>
-              <a:t>Y </a:t>
-            </a:r>
-            <a:r>
-              <a:rPr lang="en-US" dirty="0" err="1"/>
-              <a:t>Combinator</a:t>
-            </a:r>
-            <a:r>
-              <a:rPr lang="en-US" dirty="0"/>
-              <a:t> (Airbnb, Dropbox, </a:t>
-            </a:r>
-            <a:r>
-              <a:rPr lang="en-US" dirty="0" err="1"/>
-              <a:t>Reddit</a:t>
-            </a:r>
-            <a:r>
-              <a:rPr lang="en-US" dirty="0"/>
-              <a:t>)</a:t>
-            </a:r>
-          </a:p>
-          <a:p>
-            <a:pPr lvl="1"/>
-            <a:r>
-              <a:rPr lang="en-US" dirty="0"/>
-              <a:t>500 Startups (</a:t>
-            </a:r>
-            <a:r>
-              <a:rPr lang="en-US" dirty="0" err="1"/>
-              <a:t>Twilio</a:t>
-            </a:r>
-            <a:r>
-              <a:rPr lang="en-US" dirty="0"/>
-              <a:t>, </a:t>
-            </a:r>
-            <a:r>
-              <a:rPr lang="en-US" dirty="0" err="1"/>
-              <a:t>SendGrid</a:t>
-            </a:r>
-            <a:r>
-              <a:rPr lang="en-US" dirty="0"/>
-              <a:t>, Intercom)</a:t>
-            </a:r>
-          </a:p>
-          <a:p>
-            <a:pPr lvl="1"/>
-            <a:r>
-              <a:rPr lang="en-US" dirty="0" err="1"/>
-              <a:t>Techstars</a:t>
-            </a:r>
-            <a:r>
-              <a:rPr lang="en-US" dirty="0"/>
-              <a:t> (</a:t>
-            </a:r>
-            <a:r>
-              <a:rPr lang="en-US" dirty="0" err="1"/>
-              <a:t>SendGrid</a:t>
-            </a:r>
-            <a:r>
-              <a:rPr lang="en-US" dirty="0"/>
-              <a:t>, Sphero, Fitbit)</a:t>
-            </a:r>
-          </a:p>
-          <a:p>
-            <a:r>
-              <a:rPr lang="en-US" dirty="0"/>
-              <a:t>Accelerators:</a:t>
-            </a:r>
-          </a:p>
-          <a:p>
-            <a:pPr lvl="1"/>
-            <a:r>
-              <a:rPr lang="en-US" dirty="0" err="1"/>
-              <a:t>Accel</a:t>
-            </a:r>
-            <a:r>
-              <a:rPr lang="en-US" dirty="0"/>
-              <a:t> (Dropbox, Facebook, Spotify)</a:t>
-            </a:r>
-          </a:p>
-          <a:p>
-            <a:pPr lvl="1"/>
-            <a:r>
-              <a:rPr lang="en-US" dirty="0"/>
-              <a:t>KPCB (Google, Twitter, Uber)</a:t>
-            </a:r>
-          </a:p>
-          <a:p>
-            <a:pPr lvl="1"/>
-            <a:r>
-              <a:rPr lang="en-US" dirty="0" err="1"/>
-              <a:t>Greylock</a:t>
-            </a:r>
-            <a:r>
-              <a:rPr lang="en-US" dirty="0"/>
-              <a:t> (Airbnb, Facebook, LinkedIn)</a:t>
-            </a:r>
+          <a:bodyPr/>
+          <a:lstStyle/>
+          <a:p>
+            <a:r>
+              <a:rPr lang="en-US" dirty="0"/>
+              <a:t>Incubators and Accelerators</a:t>
+            </a:r>
+          </a:p>
+        </p:txBody>
+      </p:sp>
+      <p:sp>
+        <p:nvSpPr>
+          <p:cNvPr id="6" name="Text Placeholder 5"/>
+          <p:cNvSpPr>
+            <a:spLocks noGrp="1"/>
+          </p:cNvSpPr>
+          <p:nvPr>
+            <p:ph type="body" idx="1"/>
+          </p:nvPr>
+        </p:nvSpPr>
+        <p:spPr/>
+        <p:txBody>
+          <a:bodyPr/>
+          <a:lstStyle/>
+          <a:p>
+            <a:endParaRPr lang="en-US"/>
           </a:p>
         </p:txBody>
       </p:sp>
@@ -11752,7 +11965,7 @@
     </p:spTree>
     <p:extLst>
       <p:ext uri="{BB962C8B-B14F-4D97-AF65-F5344CB8AC3E}">
-        <p14:creationId xmlns:p14="http://schemas.microsoft.com/office/powerpoint/2010/main" val="1967487476"/>
+        <p14:creationId xmlns:p14="http://schemas.microsoft.com/office/powerpoint/2010/main" val="3037168298"/>
       </p:ext>
     </p:extLst>
   </p:cSld>
@@ -11796,105 +12009,7 @@
           <a:p>
             <a:r>
               <a:rPr lang="en-US" dirty="0"/>
-              <a:t>Saudi Incubators and Accelerators </a:t>
-            </a:r>
-          </a:p>
-        </p:txBody>
-      </p:sp>
-      <p:sp>
-        <p:nvSpPr>
-          <p:cNvPr id="3" name="Content Placeholder 2"/>
-          <p:cNvSpPr>
-            <a:spLocks noGrp="1"/>
-          </p:cNvSpPr>
-          <p:nvPr>
-            <p:ph idx="1"/>
-          </p:nvPr>
-        </p:nvSpPr>
-        <p:spPr/>
-        <p:txBody>
-          <a:bodyPr>
-            <a:normAutofit fontScale="92500" lnSpcReduction="20000"/>
-          </a:bodyPr>
-          <a:lstStyle/>
-          <a:p>
-            <a:r>
-              <a:rPr lang="en-US" dirty="0"/>
-              <a:t>9/10ths</a:t>
-            </a:r>
-          </a:p>
-          <a:p>
-            <a:r>
-              <a:rPr lang="en-US" dirty="0"/>
-              <a:t>KAUST Innovation Fund</a:t>
-            </a:r>
-          </a:p>
-          <a:p>
-            <a:r>
-              <a:rPr lang="en-US" dirty="0"/>
-              <a:t>Riyadh Valley Company</a:t>
-            </a:r>
-          </a:p>
-          <a:p>
-            <a:r>
-              <a:rPr lang="en-US" dirty="0"/>
-              <a:t>Business Incubators and Accelerators Company</a:t>
-            </a:r>
-          </a:p>
-          <a:p>
-            <a:r>
-              <a:rPr lang="en-US" dirty="0" err="1"/>
-              <a:t>Taqadam</a:t>
-            </a:r>
-            <a:endParaRPr lang="en-US" dirty="0"/>
-          </a:p>
-          <a:p>
-            <a:r>
-              <a:rPr lang="en-US" dirty="0" err="1"/>
-              <a:t>Falak</a:t>
-            </a:r>
-            <a:r>
-              <a:rPr lang="en-US" dirty="0"/>
-              <a:t> Business Hub</a:t>
-            </a:r>
-          </a:p>
-          <a:p>
-            <a:r>
-              <a:rPr lang="en-US" dirty="0" err="1"/>
-              <a:t>Nomow</a:t>
-            </a:r>
-            <a:r>
-              <a:rPr lang="en-US" dirty="0"/>
-              <a:t> Incubator</a:t>
-            </a:r>
-          </a:p>
-          <a:p>
-            <a:r>
-              <a:rPr lang="en-US" dirty="0"/>
-              <a:t>SURE International Technology</a:t>
-            </a:r>
-          </a:p>
-          <a:p>
-            <a:r>
-              <a:rPr lang="en-US" dirty="0"/>
-              <a:t>Startups House</a:t>
-            </a:r>
-          </a:p>
-          <a:p>
-            <a:r>
-              <a:rPr lang="en-US" dirty="0" err="1"/>
-              <a:t>Wa'ed</a:t>
-            </a:r>
-            <a:endParaRPr lang="en-US" dirty="0"/>
-          </a:p>
-          <a:p>
-            <a:r>
-              <a:rPr lang="en-US" dirty="0" err="1"/>
-              <a:t>Wadi</a:t>
-            </a:r>
-            <a:r>
-              <a:rPr lang="en-US" dirty="0"/>
-              <a:t> Makkah</a:t>
+              <a:t>Incubators and Accelerators</a:t>
             </a:r>
           </a:p>
         </p:txBody>
@@ -11923,10 +12038,1359 @@
           </a:p>
         </p:txBody>
       </p:sp>
+      <p:pic>
+        <p:nvPicPr>
+          <p:cNvPr id="1026" name="Picture 2" descr="Incubators vs. Accelerators… What the heck is the difference? | by Bridge  for Billions | Bridge for Billions | Medium"/>
+          <p:cNvPicPr>
+            <a:picLocks noChangeAspect="1" noChangeArrowheads="1"/>
+          </p:cNvPicPr>
+          <p:nvPr/>
+        </p:nvPicPr>
+        <p:blipFill>
+          <a:blip r:embed="rId2">
+            <a:extLst>
+              <a:ext uri="{28A0092B-C50C-407E-A947-70E740481C1C}">
+                <a14:useLocalDpi xmlns:a14="http://schemas.microsoft.com/office/drawing/2010/main" val="0"/>
+              </a:ext>
+            </a:extLst>
+          </a:blip>
+          <a:srcRect/>
+          <a:stretch>
+            <a:fillRect/>
+          </a:stretch>
+        </p:blipFill>
+        <p:spPr bwMode="auto">
+          <a:xfrm>
+            <a:off x="854315" y="1771470"/>
+            <a:ext cx="9925050" cy="4381501"/>
+          </a:xfrm>
+          <a:prstGeom prst="rect">
+            <a:avLst/>
+          </a:prstGeom>
+          <a:noFill/>
+          <a:extLst>
+            <a:ext uri="{909E8E84-426E-40DD-AFC4-6F175D3DCCD1}">
+              <a14:hiddenFill xmlns:a14="http://schemas.microsoft.com/office/drawing/2010/main">
+                <a:solidFill>
+                  <a:srgbClr val="FFFFFF"/>
+                </a:solidFill>
+              </a14:hiddenFill>
+            </a:ext>
+          </a:extLst>
+        </p:spPr>
+      </p:pic>
     </p:spTree>
     <p:extLst>
       <p:ext uri="{BB962C8B-B14F-4D97-AF65-F5344CB8AC3E}">
-        <p14:creationId xmlns:p14="http://schemas.microsoft.com/office/powerpoint/2010/main" val="369944038"/>
+        <p14:creationId xmlns:p14="http://schemas.microsoft.com/office/powerpoint/2010/main" val="1574826483"/>
+      </p:ext>
+    </p:extLst>
+  </p:cSld>
+  <p:clrMapOvr>
+    <a:masterClrMapping/>
+  </p:clrMapOvr>
+</p:sld>
+</file>
+
+<file path=ppt/slides/slide42.xml><?xml version="1.0" encoding="utf-8"?>
+<p:sld xmlns:a="http://schemas.openxmlformats.org/drawingml/2006/main" xmlns:r="http://schemas.openxmlformats.org/officeDocument/2006/relationships" xmlns:p="http://schemas.openxmlformats.org/presentationml/2006/main">
+  <p:cSld>
+    <p:spTree>
+      <p:nvGrpSpPr>
+        <p:cNvPr id="1" name=""/>
+        <p:cNvGrpSpPr/>
+        <p:nvPr/>
+      </p:nvGrpSpPr>
+      <p:grpSpPr>
+        <a:xfrm>
+          <a:off x="0" y="0"/>
+          <a:ext cx="0" cy="0"/>
+          <a:chOff x="0" y="0"/>
+          <a:chExt cx="0" cy="0"/>
+        </a:xfrm>
+      </p:grpSpPr>
+      <p:sp>
+        <p:nvSpPr>
+          <p:cNvPr id="2" name="Title 1"/>
+          <p:cNvSpPr>
+            <a:spLocks noGrp="1"/>
+          </p:cNvSpPr>
+          <p:nvPr>
+            <p:ph type="title"/>
+          </p:nvPr>
+        </p:nvSpPr>
+        <p:spPr/>
+        <p:txBody>
+          <a:bodyPr/>
+          <a:lstStyle/>
+          <a:p>
+            <a:r>
+              <a:rPr lang="en-US" dirty="0"/>
+              <a:t>Incubators and Accelerators</a:t>
+            </a:r>
+          </a:p>
+        </p:txBody>
+      </p:sp>
+      <p:sp>
+        <p:nvSpPr>
+          <p:cNvPr id="3" name="Content Placeholder 2"/>
+          <p:cNvSpPr>
+            <a:spLocks noGrp="1"/>
+          </p:cNvSpPr>
+          <p:nvPr>
+            <p:ph idx="1"/>
+          </p:nvPr>
+        </p:nvSpPr>
+        <p:spPr/>
+        <p:txBody>
+          <a:bodyPr/>
+          <a:lstStyle/>
+          <a:p>
+            <a:r>
+              <a:rPr lang="en-US" dirty="0"/>
+              <a:t>Incubators and accelerators are programs designed to support early-stage startups and help them grow and succeed.</a:t>
+            </a:r>
+          </a:p>
+          <a:p>
+            <a:r>
+              <a:rPr lang="en-US" dirty="0"/>
+              <a:t>Incubators focus on nurturing startups in their early stages, while accelerators provide a more structured program with a fixed duration and a focus on scaling.</a:t>
+            </a:r>
+          </a:p>
+        </p:txBody>
+      </p:sp>
+      <p:sp>
+        <p:nvSpPr>
+          <p:cNvPr id="4" name="Slide Number Placeholder 3"/>
+          <p:cNvSpPr>
+            <a:spLocks noGrp="1"/>
+          </p:cNvSpPr>
+          <p:nvPr>
+            <p:ph type="sldNum" sz="quarter" idx="12"/>
+          </p:nvPr>
+        </p:nvSpPr>
+        <p:spPr/>
+        <p:txBody>
+          <a:bodyPr/>
+          <a:lstStyle/>
+          <a:p>
+            <a:fld id="{B8DACC02-A2BD-4578-8E03-6D891060A695}" type="slidenum">
+              <a:rPr lang="en-US" smtClean="0"/>
+              <a:pPr/>
+              <a:t>42</a:t>
+            </a:fld>
+            <a:endParaRPr lang="en-US" dirty="0"/>
+          </a:p>
+        </p:txBody>
+      </p:sp>
+    </p:spTree>
+    <p:extLst>
+      <p:ext uri="{BB962C8B-B14F-4D97-AF65-F5344CB8AC3E}">
+        <p14:creationId xmlns:p14="http://schemas.microsoft.com/office/powerpoint/2010/main" val="3389040952"/>
+      </p:ext>
+    </p:extLst>
+  </p:cSld>
+  <p:clrMapOvr>
+    <a:masterClrMapping/>
+  </p:clrMapOvr>
+</p:sld>
+</file>
+
+<file path=ppt/slides/slide43.xml><?xml version="1.0" encoding="utf-8"?>
+<p:sld xmlns:a="http://schemas.openxmlformats.org/drawingml/2006/main" xmlns:r="http://schemas.openxmlformats.org/officeDocument/2006/relationships" xmlns:p="http://schemas.openxmlformats.org/presentationml/2006/main">
+  <p:cSld>
+    <p:spTree>
+      <p:nvGrpSpPr>
+        <p:cNvPr id="1" name=""/>
+        <p:cNvGrpSpPr/>
+        <p:nvPr/>
+      </p:nvGrpSpPr>
+      <p:grpSpPr>
+        <a:xfrm>
+          <a:off x="0" y="0"/>
+          <a:ext cx="0" cy="0"/>
+          <a:chOff x="0" y="0"/>
+          <a:chExt cx="0" cy="0"/>
+        </a:xfrm>
+      </p:grpSpPr>
+      <p:sp>
+        <p:nvSpPr>
+          <p:cNvPr id="2" name="Title 1"/>
+          <p:cNvSpPr>
+            <a:spLocks noGrp="1"/>
+          </p:cNvSpPr>
+          <p:nvPr>
+            <p:ph type="title"/>
+          </p:nvPr>
+        </p:nvSpPr>
+        <p:spPr/>
+        <p:txBody>
+          <a:bodyPr/>
+          <a:lstStyle/>
+          <a:p>
+            <a:r>
+              <a:rPr lang="en-US" dirty="0"/>
+              <a:t>Incubators and Accelerators</a:t>
+            </a:r>
+          </a:p>
+        </p:txBody>
+      </p:sp>
+      <p:sp>
+        <p:nvSpPr>
+          <p:cNvPr id="3" name="Content Placeholder 2"/>
+          <p:cNvSpPr>
+            <a:spLocks noGrp="1"/>
+          </p:cNvSpPr>
+          <p:nvPr>
+            <p:ph idx="1"/>
+          </p:nvPr>
+        </p:nvSpPr>
+        <p:spPr>
+          <a:xfrm>
+            <a:off x="347527" y="1406880"/>
+            <a:ext cx="5259644" cy="4746091"/>
+          </a:xfrm>
+        </p:spPr>
+        <p:txBody>
+          <a:bodyPr/>
+          <a:lstStyle/>
+          <a:p>
+            <a:r>
+              <a:rPr lang="en-US" dirty="0"/>
+              <a:t>Incubators focus on nurturing startups in their early stages</a:t>
+            </a:r>
+          </a:p>
+          <a:p>
+            <a:r>
+              <a:rPr lang="en-US" dirty="0"/>
+              <a:t>Accelerators provide a more structured program with a fixed duration and a focus on scaling.</a:t>
+            </a:r>
+          </a:p>
+        </p:txBody>
+      </p:sp>
+      <p:sp>
+        <p:nvSpPr>
+          <p:cNvPr id="4" name="Slide Number Placeholder 3"/>
+          <p:cNvSpPr>
+            <a:spLocks noGrp="1"/>
+          </p:cNvSpPr>
+          <p:nvPr>
+            <p:ph type="sldNum" sz="quarter" idx="12"/>
+          </p:nvPr>
+        </p:nvSpPr>
+        <p:spPr/>
+        <p:txBody>
+          <a:bodyPr/>
+          <a:lstStyle/>
+          <a:p>
+            <a:fld id="{B8DACC02-A2BD-4578-8E03-6D891060A695}" type="slidenum">
+              <a:rPr lang="en-US" smtClean="0"/>
+              <a:pPr/>
+              <a:t>43</a:t>
+            </a:fld>
+            <a:endParaRPr lang="en-US" dirty="0"/>
+          </a:p>
+        </p:txBody>
+      </p:sp>
+      <p:pic>
+        <p:nvPicPr>
+          <p:cNvPr id="2052" name="Picture 4" descr="difference between incubator and accelerator - scoala-de-soferi.ro"/>
+          <p:cNvPicPr>
+            <a:picLocks noChangeAspect="1" noChangeArrowheads="1"/>
+          </p:cNvPicPr>
+          <p:nvPr/>
+        </p:nvPicPr>
+        <p:blipFill rotWithShape="1">
+          <a:blip r:embed="rId2">
+            <a:extLst>
+              <a:ext uri="{28A0092B-C50C-407E-A947-70E740481C1C}">
+                <a14:useLocalDpi xmlns:a14="http://schemas.microsoft.com/office/drawing/2010/main" val="0"/>
+              </a:ext>
+            </a:extLst>
+          </a:blip>
+          <a:srcRect l="16712" t="15932" r="15805" b="7968"/>
+          <a:stretch/>
+        </p:blipFill>
+        <p:spPr bwMode="auto">
+          <a:xfrm>
+            <a:off x="5512279" y="1406880"/>
+            <a:ext cx="6581956" cy="4175185"/>
+          </a:xfrm>
+          <a:prstGeom prst="rect">
+            <a:avLst/>
+          </a:prstGeom>
+          <a:noFill/>
+          <a:extLst>
+            <a:ext uri="{909E8E84-426E-40DD-AFC4-6F175D3DCCD1}">
+              <a14:hiddenFill xmlns:a14="http://schemas.microsoft.com/office/drawing/2010/main">
+                <a:solidFill>
+                  <a:srgbClr val="FFFFFF"/>
+                </a:solidFill>
+              </a14:hiddenFill>
+            </a:ext>
+          </a:extLst>
+        </p:spPr>
+      </p:pic>
+    </p:spTree>
+    <p:extLst>
+      <p:ext uri="{BB962C8B-B14F-4D97-AF65-F5344CB8AC3E}">
+        <p14:creationId xmlns:p14="http://schemas.microsoft.com/office/powerpoint/2010/main" val="3569180062"/>
+      </p:ext>
+    </p:extLst>
+  </p:cSld>
+  <p:clrMapOvr>
+    <a:masterClrMapping/>
+  </p:clrMapOvr>
+</p:sld>
+</file>
+
+<file path=ppt/slides/slide44.xml><?xml version="1.0" encoding="utf-8"?>
+<p:sld xmlns:a="http://schemas.openxmlformats.org/drawingml/2006/main" xmlns:r="http://schemas.openxmlformats.org/officeDocument/2006/relationships" xmlns:p="http://schemas.openxmlformats.org/presentationml/2006/main">
+  <p:cSld>
+    <p:spTree>
+      <p:nvGrpSpPr>
+        <p:cNvPr id="1" name=""/>
+        <p:cNvGrpSpPr/>
+        <p:nvPr/>
+      </p:nvGrpSpPr>
+      <p:grpSpPr>
+        <a:xfrm>
+          <a:off x="0" y="0"/>
+          <a:ext cx="0" cy="0"/>
+          <a:chOff x="0" y="0"/>
+          <a:chExt cx="0" cy="0"/>
+        </a:xfrm>
+      </p:grpSpPr>
+      <p:sp>
+        <p:nvSpPr>
+          <p:cNvPr id="2" name="Title 1"/>
+          <p:cNvSpPr>
+            <a:spLocks noGrp="1"/>
+          </p:cNvSpPr>
+          <p:nvPr>
+            <p:ph type="title"/>
+          </p:nvPr>
+        </p:nvSpPr>
+        <p:spPr/>
+        <p:txBody>
+          <a:bodyPr/>
+          <a:lstStyle/>
+          <a:p>
+            <a:r>
+              <a:rPr lang="en-US" dirty="0"/>
+              <a:t>Types of Incubators and Accelerators</a:t>
+            </a:r>
+          </a:p>
+        </p:txBody>
+      </p:sp>
+      <p:sp>
+        <p:nvSpPr>
+          <p:cNvPr id="3" name="Content Placeholder 2"/>
+          <p:cNvSpPr>
+            <a:spLocks noGrp="1"/>
+          </p:cNvSpPr>
+          <p:nvPr>
+            <p:ph idx="1"/>
+          </p:nvPr>
+        </p:nvSpPr>
+        <p:spPr/>
+        <p:txBody>
+          <a:bodyPr/>
+          <a:lstStyle/>
+          <a:p>
+            <a:r>
+              <a:rPr lang="en-US" dirty="0"/>
+              <a:t>Incubators:</a:t>
+            </a:r>
+          </a:p>
+          <a:p>
+            <a:pPr lvl="1"/>
+            <a:r>
+              <a:rPr lang="en-US" dirty="0"/>
+              <a:t>University-based incubators</a:t>
+            </a:r>
+          </a:p>
+          <a:p>
+            <a:pPr lvl="1"/>
+            <a:r>
+              <a:rPr lang="en-US" dirty="0"/>
+              <a:t>Independent incubators</a:t>
+            </a:r>
+          </a:p>
+          <a:p>
+            <a:pPr lvl="1"/>
+            <a:r>
+              <a:rPr lang="en-US" dirty="0"/>
+              <a:t>Corporate incubators</a:t>
+            </a:r>
+          </a:p>
+          <a:p>
+            <a:r>
+              <a:rPr lang="en-US" dirty="0"/>
+              <a:t>Accelerators:</a:t>
+            </a:r>
+          </a:p>
+          <a:p>
+            <a:pPr lvl="1"/>
+            <a:r>
+              <a:rPr lang="en-US" dirty="0"/>
+              <a:t>General accelerators</a:t>
+            </a:r>
+          </a:p>
+          <a:p>
+            <a:pPr lvl="1"/>
+            <a:r>
+              <a:rPr lang="en-US" dirty="0"/>
+              <a:t>Sector-specific accelerators (e.g., </a:t>
+            </a:r>
+            <a:r>
+              <a:rPr lang="en-US" dirty="0" err="1"/>
+              <a:t>fintech</a:t>
+            </a:r>
+            <a:r>
+              <a:rPr lang="en-US" dirty="0"/>
+              <a:t>, </a:t>
+            </a:r>
+            <a:r>
+              <a:rPr lang="en-US" dirty="0" err="1"/>
+              <a:t>healthtech</a:t>
+            </a:r>
+            <a:r>
+              <a:rPr lang="en-US" dirty="0"/>
+              <a:t>)</a:t>
+            </a:r>
+          </a:p>
+          <a:p>
+            <a:pPr lvl="1"/>
+            <a:r>
+              <a:rPr lang="en-US" dirty="0"/>
+              <a:t>Corporate accelerators</a:t>
+            </a:r>
+          </a:p>
+        </p:txBody>
+      </p:sp>
+      <p:sp>
+        <p:nvSpPr>
+          <p:cNvPr id="4" name="Slide Number Placeholder 3"/>
+          <p:cNvSpPr>
+            <a:spLocks noGrp="1"/>
+          </p:cNvSpPr>
+          <p:nvPr>
+            <p:ph type="sldNum" sz="quarter" idx="12"/>
+          </p:nvPr>
+        </p:nvSpPr>
+        <p:spPr/>
+        <p:txBody>
+          <a:bodyPr/>
+          <a:lstStyle/>
+          <a:p>
+            <a:fld id="{B8DACC02-A2BD-4578-8E03-6D891060A695}" type="slidenum">
+              <a:rPr lang="en-US" smtClean="0"/>
+              <a:pPr/>
+              <a:t>44</a:t>
+            </a:fld>
+            <a:endParaRPr lang="en-US" dirty="0"/>
+          </a:p>
+        </p:txBody>
+      </p:sp>
+    </p:spTree>
+    <p:extLst>
+      <p:ext uri="{BB962C8B-B14F-4D97-AF65-F5344CB8AC3E}">
+        <p14:creationId xmlns:p14="http://schemas.microsoft.com/office/powerpoint/2010/main" val="566255972"/>
+      </p:ext>
+    </p:extLst>
+  </p:cSld>
+  <p:clrMapOvr>
+    <a:masterClrMapping/>
+  </p:clrMapOvr>
+</p:sld>
+</file>
+
+<file path=ppt/slides/slide45.xml><?xml version="1.0" encoding="utf-8"?>
+<p:sld xmlns:a="http://schemas.openxmlformats.org/drawingml/2006/main" xmlns:r="http://schemas.openxmlformats.org/officeDocument/2006/relationships" xmlns:p="http://schemas.openxmlformats.org/presentationml/2006/main">
+  <p:cSld>
+    <p:spTree>
+      <p:nvGrpSpPr>
+        <p:cNvPr id="1" name=""/>
+        <p:cNvGrpSpPr/>
+        <p:nvPr/>
+      </p:nvGrpSpPr>
+      <p:grpSpPr>
+        <a:xfrm>
+          <a:off x="0" y="0"/>
+          <a:ext cx="0" cy="0"/>
+          <a:chOff x="0" y="0"/>
+          <a:chExt cx="0" cy="0"/>
+        </a:xfrm>
+      </p:grpSpPr>
+      <p:sp>
+        <p:nvSpPr>
+          <p:cNvPr id="2" name="Title 1"/>
+          <p:cNvSpPr>
+            <a:spLocks noGrp="1"/>
+          </p:cNvSpPr>
+          <p:nvPr>
+            <p:ph type="title"/>
+          </p:nvPr>
+        </p:nvSpPr>
+        <p:spPr/>
+        <p:txBody>
+          <a:bodyPr/>
+          <a:lstStyle/>
+          <a:p>
+            <a:r>
+              <a:rPr lang="en-US" dirty="0"/>
+              <a:t>Benefits of Incubators and Accelerators</a:t>
+            </a:r>
+          </a:p>
+        </p:txBody>
+      </p:sp>
+      <p:sp>
+        <p:nvSpPr>
+          <p:cNvPr id="3" name="Content Placeholder 2"/>
+          <p:cNvSpPr>
+            <a:spLocks noGrp="1"/>
+          </p:cNvSpPr>
+          <p:nvPr>
+            <p:ph idx="1"/>
+          </p:nvPr>
+        </p:nvSpPr>
+        <p:spPr/>
+        <p:txBody>
+          <a:bodyPr/>
+          <a:lstStyle/>
+          <a:p>
+            <a:r>
+              <a:rPr lang="en-US" dirty="0"/>
+              <a:t>Access to resources</a:t>
+            </a:r>
+          </a:p>
+          <a:p>
+            <a:pPr lvl="1"/>
+            <a:r>
+              <a:rPr lang="en-US" dirty="0"/>
+              <a:t>Incubators and accelerators provide startups with access to resources such as office space, mentorship, networking opportunities, and funding.</a:t>
+            </a:r>
+          </a:p>
+          <a:p>
+            <a:r>
+              <a:rPr lang="en-US" dirty="0"/>
+              <a:t>Guidance and support</a:t>
+            </a:r>
+          </a:p>
+          <a:p>
+            <a:pPr lvl="1"/>
+            <a:r>
+              <a:rPr lang="en-US" dirty="0"/>
+              <a:t>Startups receive guidance and support from experienced entrepreneurs, investors, and industry experts.</a:t>
+            </a:r>
+          </a:p>
+          <a:p>
+            <a:r>
+              <a:rPr lang="en-US" dirty="0"/>
+              <a:t>Focus and accountability</a:t>
+            </a:r>
+          </a:p>
+          <a:p>
+            <a:pPr lvl="1"/>
+            <a:r>
+              <a:rPr lang="en-US" dirty="0"/>
+              <a:t>Incubators and accelerators provide a structured environment that helps startups stay focused and accountable.</a:t>
+            </a:r>
+          </a:p>
+        </p:txBody>
+      </p:sp>
+      <p:sp>
+        <p:nvSpPr>
+          <p:cNvPr id="4" name="Slide Number Placeholder 3"/>
+          <p:cNvSpPr>
+            <a:spLocks noGrp="1"/>
+          </p:cNvSpPr>
+          <p:nvPr>
+            <p:ph type="sldNum" sz="quarter" idx="12"/>
+          </p:nvPr>
+        </p:nvSpPr>
+        <p:spPr/>
+        <p:txBody>
+          <a:bodyPr/>
+          <a:lstStyle/>
+          <a:p>
+            <a:fld id="{B8DACC02-A2BD-4578-8E03-6D891060A695}" type="slidenum">
+              <a:rPr lang="en-US" smtClean="0"/>
+              <a:pPr/>
+              <a:t>45</a:t>
+            </a:fld>
+            <a:endParaRPr lang="en-US" dirty="0"/>
+          </a:p>
+        </p:txBody>
+      </p:sp>
+    </p:spTree>
+    <p:extLst>
+      <p:ext uri="{BB962C8B-B14F-4D97-AF65-F5344CB8AC3E}">
+        <p14:creationId xmlns:p14="http://schemas.microsoft.com/office/powerpoint/2010/main" val="2619956534"/>
+      </p:ext>
+    </p:extLst>
+  </p:cSld>
+  <p:clrMapOvr>
+    <a:masterClrMapping/>
+  </p:clrMapOvr>
+</p:sld>
+</file>
+
+<file path=ppt/slides/slide46.xml><?xml version="1.0" encoding="utf-8"?>
+<p:sld xmlns:a="http://schemas.openxmlformats.org/drawingml/2006/main" xmlns:r="http://schemas.openxmlformats.org/officeDocument/2006/relationships" xmlns:p="http://schemas.openxmlformats.org/presentationml/2006/main">
+  <p:cSld>
+    <p:spTree>
+      <p:nvGrpSpPr>
+        <p:cNvPr id="1" name=""/>
+        <p:cNvGrpSpPr/>
+        <p:nvPr/>
+      </p:nvGrpSpPr>
+      <p:grpSpPr>
+        <a:xfrm>
+          <a:off x="0" y="0"/>
+          <a:ext cx="0" cy="0"/>
+          <a:chOff x="0" y="0"/>
+          <a:chExt cx="0" cy="0"/>
+        </a:xfrm>
+      </p:grpSpPr>
+      <p:sp>
+        <p:nvSpPr>
+          <p:cNvPr id="2" name="Title 1"/>
+          <p:cNvSpPr>
+            <a:spLocks noGrp="1"/>
+          </p:cNvSpPr>
+          <p:nvPr>
+            <p:ph type="title"/>
+          </p:nvPr>
+        </p:nvSpPr>
+        <p:spPr/>
+        <p:txBody>
+          <a:bodyPr/>
+          <a:lstStyle/>
+          <a:p>
+            <a:r>
+              <a:rPr lang="en-US" dirty="0"/>
+              <a:t>Incubator and Accelerator Programs</a:t>
+            </a:r>
+          </a:p>
+        </p:txBody>
+      </p:sp>
+      <p:sp>
+        <p:nvSpPr>
+          <p:cNvPr id="3" name="Content Placeholder 2"/>
+          <p:cNvSpPr>
+            <a:spLocks noGrp="1"/>
+          </p:cNvSpPr>
+          <p:nvPr>
+            <p:ph idx="1"/>
+          </p:nvPr>
+        </p:nvSpPr>
+        <p:spPr/>
+        <p:txBody>
+          <a:bodyPr>
+            <a:normAutofit/>
+          </a:bodyPr>
+          <a:lstStyle/>
+          <a:p>
+            <a:r>
+              <a:rPr lang="en-US" dirty="0"/>
+              <a:t>Typical programs offered by incubators:</a:t>
+            </a:r>
+          </a:p>
+          <a:p>
+            <a:pPr lvl="1"/>
+            <a:r>
+              <a:rPr lang="en-US" dirty="0"/>
+              <a:t>Business planning and strategy</a:t>
+            </a:r>
+          </a:p>
+          <a:p>
+            <a:pPr lvl="1"/>
+            <a:r>
+              <a:rPr lang="en-US" dirty="0"/>
+              <a:t>Marketing and branding</a:t>
+            </a:r>
+          </a:p>
+          <a:p>
+            <a:pPr lvl="1"/>
+            <a:r>
+              <a:rPr lang="en-US" dirty="0"/>
+              <a:t>Legal and regulatory compliance</a:t>
+            </a:r>
+          </a:p>
+          <a:p>
+            <a:pPr lvl="1"/>
+            <a:r>
+              <a:rPr lang="en-US" dirty="0"/>
+              <a:t>Access to funding and finance</a:t>
+            </a:r>
+          </a:p>
+          <a:p>
+            <a:r>
+              <a:rPr lang="en-US" dirty="0"/>
+              <a:t>Typical programs offered by accelerators:</a:t>
+            </a:r>
+          </a:p>
+          <a:p>
+            <a:pPr lvl="1"/>
+            <a:r>
+              <a:rPr lang="en-US" dirty="0"/>
+              <a:t>Mentorship and coaching</a:t>
+            </a:r>
+          </a:p>
+          <a:p>
+            <a:pPr lvl="1"/>
+            <a:r>
+              <a:rPr lang="en-US" dirty="0"/>
+              <a:t>Workshops and training sessions</a:t>
+            </a:r>
+          </a:p>
+          <a:p>
+            <a:pPr lvl="1"/>
+            <a:r>
+              <a:rPr lang="en-US" dirty="0"/>
+              <a:t>Pitching and presentation skills</a:t>
+            </a:r>
+          </a:p>
+          <a:p>
+            <a:pPr lvl="1"/>
+            <a:r>
+              <a:rPr lang="en-US" dirty="0"/>
+              <a:t>Access to funding and investors</a:t>
+            </a:r>
+          </a:p>
+        </p:txBody>
+      </p:sp>
+      <p:sp>
+        <p:nvSpPr>
+          <p:cNvPr id="4" name="Slide Number Placeholder 3"/>
+          <p:cNvSpPr>
+            <a:spLocks noGrp="1"/>
+          </p:cNvSpPr>
+          <p:nvPr>
+            <p:ph type="sldNum" sz="quarter" idx="12"/>
+          </p:nvPr>
+        </p:nvSpPr>
+        <p:spPr/>
+        <p:txBody>
+          <a:bodyPr/>
+          <a:lstStyle/>
+          <a:p>
+            <a:fld id="{B8DACC02-A2BD-4578-8E03-6D891060A695}" type="slidenum">
+              <a:rPr lang="en-US" smtClean="0"/>
+              <a:pPr/>
+              <a:t>46</a:t>
+            </a:fld>
+            <a:endParaRPr lang="en-US" dirty="0"/>
+          </a:p>
+        </p:txBody>
+      </p:sp>
+      <p:pic>
+        <p:nvPicPr>
+          <p:cNvPr id="6146" name="Picture 2" descr="What is the Difference Between Startup Incubators and Business Accelerators?  - Ann Arbor SPARK">
+            <a:extLst>
+              <a:ext uri="{FF2B5EF4-FFF2-40B4-BE49-F238E27FC236}">
+                <a16:creationId xmlns:a16="http://schemas.microsoft.com/office/drawing/2014/main" id="{26406C88-C020-4948-853C-E8C567CF2E3D}"/>
+              </a:ext>
+            </a:extLst>
+          </p:cNvPr>
+          <p:cNvPicPr>
+            <a:picLocks noChangeAspect="1" noChangeArrowheads="1"/>
+          </p:cNvPicPr>
+          <p:nvPr/>
+        </p:nvPicPr>
+        <p:blipFill rotWithShape="1">
+          <a:blip r:embed="rId2">
+            <a:extLst>
+              <a:ext uri="{28A0092B-C50C-407E-A947-70E740481C1C}">
+                <a14:useLocalDpi xmlns:a14="http://schemas.microsoft.com/office/drawing/2010/main" val="0"/>
+              </a:ext>
+            </a:extLst>
+          </a:blip>
+          <a:srcRect l="4968" t="1094" r="3862" b="2345"/>
+          <a:stretch/>
+        </p:blipFill>
+        <p:spPr bwMode="auto">
+          <a:xfrm>
+            <a:off x="7123335" y="1854680"/>
+            <a:ext cx="4874956" cy="2904286"/>
+          </a:xfrm>
+          <a:prstGeom prst="rect">
+            <a:avLst/>
+          </a:prstGeom>
+          <a:noFill/>
+          <a:extLst>
+            <a:ext uri="{909E8E84-426E-40DD-AFC4-6F175D3DCCD1}">
+              <a14:hiddenFill xmlns:a14="http://schemas.microsoft.com/office/drawing/2010/main">
+                <a:solidFill>
+                  <a:srgbClr val="FFFFFF"/>
+                </a:solidFill>
+              </a14:hiddenFill>
+            </a:ext>
+          </a:extLst>
+        </p:spPr>
+      </p:pic>
+    </p:spTree>
+    <p:extLst>
+      <p:ext uri="{BB962C8B-B14F-4D97-AF65-F5344CB8AC3E}">
+        <p14:creationId xmlns:p14="http://schemas.microsoft.com/office/powerpoint/2010/main" val="1245689597"/>
+      </p:ext>
+    </p:extLst>
+  </p:cSld>
+  <p:clrMapOvr>
+    <a:masterClrMapping/>
+  </p:clrMapOvr>
+</p:sld>
+</file>
+
+<file path=ppt/slides/slide47.xml><?xml version="1.0" encoding="utf-8"?>
+<p:sld xmlns:a="http://schemas.openxmlformats.org/drawingml/2006/main" xmlns:r="http://schemas.openxmlformats.org/officeDocument/2006/relationships" xmlns:p="http://schemas.openxmlformats.org/presentationml/2006/main">
+  <p:cSld>
+    <p:spTree>
+      <p:nvGrpSpPr>
+        <p:cNvPr id="1" name=""/>
+        <p:cNvGrpSpPr/>
+        <p:nvPr/>
+      </p:nvGrpSpPr>
+      <p:grpSpPr>
+        <a:xfrm>
+          <a:off x="0" y="0"/>
+          <a:ext cx="0" cy="0"/>
+          <a:chOff x="0" y="0"/>
+          <a:chExt cx="0" cy="0"/>
+        </a:xfrm>
+      </p:grpSpPr>
+      <p:sp>
+        <p:nvSpPr>
+          <p:cNvPr id="2" name="Title 1">
+            <a:extLst>
+              <a:ext uri="{FF2B5EF4-FFF2-40B4-BE49-F238E27FC236}">
+                <a16:creationId xmlns:a16="http://schemas.microsoft.com/office/drawing/2014/main" id="{3DF41606-56BE-408A-8B5E-5B4AA4DA886B}"/>
+              </a:ext>
+            </a:extLst>
+          </p:cNvPr>
+          <p:cNvSpPr>
+            <a:spLocks noGrp="1"/>
+          </p:cNvSpPr>
+          <p:nvPr>
+            <p:ph type="title"/>
+          </p:nvPr>
+        </p:nvSpPr>
+        <p:spPr/>
+        <p:txBody>
+          <a:bodyPr>
+            <a:normAutofit fontScale="90000"/>
+          </a:bodyPr>
+          <a:lstStyle/>
+          <a:p>
+            <a:r>
+              <a:rPr lang="en-US" dirty="0"/>
+              <a:t>How to Choose the Right Incubator or Accelerator</a:t>
+            </a:r>
+          </a:p>
+        </p:txBody>
+      </p:sp>
+      <p:sp>
+        <p:nvSpPr>
+          <p:cNvPr id="3" name="Content Placeholder 2">
+            <a:extLst>
+              <a:ext uri="{FF2B5EF4-FFF2-40B4-BE49-F238E27FC236}">
+                <a16:creationId xmlns:a16="http://schemas.microsoft.com/office/drawing/2014/main" id="{24CB897F-B6F3-4E42-8264-9C30DC0C1F93}"/>
+              </a:ext>
+            </a:extLst>
+          </p:cNvPr>
+          <p:cNvSpPr>
+            <a:spLocks noGrp="1"/>
+          </p:cNvSpPr>
+          <p:nvPr>
+            <p:ph idx="1"/>
+          </p:nvPr>
+        </p:nvSpPr>
+        <p:spPr/>
+        <p:txBody>
+          <a:bodyPr>
+            <a:normAutofit/>
+          </a:bodyPr>
+          <a:lstStyle/>
+          <a:p>
+            <a:r>
+              <a:rPr lang="en-US" dirty="0"/>
+              <a:t>Factors to Consider:</a:t>
+            </a:r>
+          </a:p>
+          <a:p>
+            <a:pPr lvl="1"/>
+            <a:r>
+              <a:rPr lang="en-US" dirty="0"/>
+              <a:t>Focus</a:t>
+            </a:r>
+          </a:p>
+          <a:p>
+            <a:pPr lvl="1"/>
+            <a:r>
+              <a:rPr lang="en-US" dirty="0"/>
+              <a:t>Location</a:t>
+            </a:r>
+          </a:p>
+          <a:p>
+            <a:pPr lvl="1"/>
+            <a:r>
+              <a:rPr lang="en-US" dirty="0"/>
+              <a:t>Reputation</a:t>
+            </a:r>
+          </a:p>
+          <a:p>
+            <a:pPr lvl="1"/>
+            <a:r>
+              <a:rPr lang="en-US" dirty="0"/>
+              <a:t>Resources</a:t>
+            </a:r>
+          </a:p>
+          <a:p>
+            <a:pPr lvl="1"/>
+            <a:r>
+              <a:rPr lang="en-US" dirty="0"/>
+              <a:t>Mentorship</a:t>
+            </a:r>
+          </a:p>
+          <a:p>
+            <a:pPr lvl="1"/>
+            <a:r>
+              <a:rPr lang="en-US" dirty="0"/>
+              <a:t>Networking</a:t>
+            </a:r>
+          </a:p>
+          <a:p>
+            <a:pPr lvl="1"/>
+            <a:r>
+              <a:rPr lang="en-US" dirty="0"/>
+              <a:t>Funding</a:t>
+            </a:r>
+          </a:p>
+          <a:p>
+            <a:pPr lvl="1"/>
+            <a:r>
+              <a:rPr lang="en-US" dirty="0"/>
+              <a:t>Program duration</a:t>
+            </a:r>
+          </a:p>
+          <a:p>
+            <a:pPr lvl="1"/>
+            <a:r>
+              <a:rPr lang="en-US" dirty="0"/>
+              <a:t>Cost</a:t>
+            </a:r>
+          </a:p>
+        </p:txBody>
+      </p:sp>
+      <p:sp>
+        <p:nvSpPr>
+          <p:cNvPr id="4" name="Slide Number Placeholder 3">
+            <a:extLst>
+              <a:ext uri="{FF2B5EF4-FFF2-40B4-BE49-F238E27FC236}">
+                <a16:creationId xmlns:a16="http://schemas.microsoft.com/office/drawing/2014/main" id="{5223FDB3-FF69-4CA5-B5C8-F6F39A2D6A55}"/>
+              </a:ext>
+            </a:extLst>
+          </p:cNvPr>
+          <p:cNvSpPr>
+            <a:spLocks noGrp="1"/>
+          </p:cNvSpPr>
+          <p:nvPr>
+            <p:ph type="sldNum" sz="quarter" idx="12"/>
+          </p:nvPr>
+        </p:nvSpPr>
+        <p:spPr/>
+        <p:txBody>
+          <a:bodyPr/>
+          <a:lstStyle/>
+          <a:p>
+            <a:fld id="{B8DACC02-A2BD-4578-8E03-6D891060A695}" type="slidenum">
+              <a:rPr lang="en-US" smtClean="0"/>
+              <a:pPr/>
+              <a:t>47</a:t>
+            </a:fld>
+            <a:endParaRPr lang="en-US" dirty="0"/>
+          </a:p>
+        </p:txBody>
+      </p:sp>
+    </p:spTree>
+    <p:extLst>
+      <p:ext uri="{BB962C8B-B14F-4D97-AF65-F5344CB8AC3E}">
+        <p14:creationId xmlns:p14="http://schemas.microsoft.com/office/powerpoint/2010/main" val="3328796608"/>
+      </p:ext>
+    </p:extLst>
+  </p:cSld>
+  <p:clrMapOvr>
+    <a:masterClrMapping/>
+  </p:clrMapOvr>
+</p:sld>
+</file>
+
+<file path=ppt/slides/slide48.xml><?xml version="1.0" encoding="utf-8"?>
+<p:sld xmlns:a="http://schemas.openxmlformats.org/drawingml/2006/main" xmlns:r="http://schemas.openxmlformats.org/officeDocument/2006/relationships" xmlns:p="http://schemas.openxmlformats.org/presentationml/2006/main">
+  <p:cSld>
+    <p:spTree>
+      <p:nvGrpSpPr>
+        <p:cNvPr id="1" name=""/>
+        <p:cNvGrpSpPr/>
+        <p:nvPr/>
+      </p:nvGrpSpPr>
+      <p:grpSpPr>
+        <a:xfrm>
+          <a:off x="0" y="0"/>
+          <a:ext cx="0" cy="0"/>
+          <a:chOff x="0" y="0"/>
+          <a:chExt cx="0" cy="0"/>
+        </a:xfrm>
+      </p:grpSpPr>
+      <p:sp>
+        <p:nvSpPr>
+          <p:cNvPr id="2" name="Title 1">
+            <a:extLst>
+              <a:ext uri="{FF2B5EF4-FFF2-40B4-BE49-F238E27FC236}">
+                <a16:creationId xmlns:a16="http://schemas.microsoft.com/office/drawing/2014/main" id="{3DF41606-56BE-408A-8B5E-5B4AA4DA886B}"/>
+              </a:ext>
+            </a:extLst>
+          </p:cNvPr>
+          <p:cNvSpPr>
+            <a:spLocks noGrp="1"/>
+          </p:cNvSpPr>
+          <p:nvPr>
+            <p:ph type="title"/>
+          </p:nvPr>
+        </p:nvSpPr>
+        <p:spPr/>
+        <p:txBody>
+          <a:bodyPr>
+            <a:normAutofit fontScale="90000"/>
+          </a:bodyPr>
+          <a:lstStyle/>
+          <a:p>
+            <a:r>
+              <a:rPr lang="en-US" dirty="0"/>
+              <a:t>How to Choose the Right Incubator or Accelerator</a:t>
+            </a:r>
+          </a:p>
+        </p:txBody>
+      </p:sp>
+      <p:sp>
+        <p:nvSpPr>
+          <p:cNvPr id="3" name="Content Placeholder 2">
+            <a:extLst>
+              <a:ext uri="{FF2B5EF4-FFF2-40B4-BE49-F238E27FC236}">
+                <a16:creationId xmlns:a16="http://schemas.microsoft.com/office/drawing/2014/main" id="{24CB897F-B6F3-4E42-8264-9C30DC0C1F93}"/>
+              </a:ext>
+            </a:extLst>
+          </p:cNvPr>
+          <p:cNvSpPr>
+            <a:spLocks noGrp="1"/>
+          </p:cNvSpPr>
+          <p:nvPr>
+            <p:ph idx="1"/>
+          </p:nvPr>
+        </p:nvSpPr>
+        <p:spPr/>
+        <p:txBody>
+          <a:bodyPr>
+            <a:normAutofit fontScale="92500"/>
+          </a:bodyPr>
+          <a:lstStyle/>
+          <a:p>
+            <a:r>
+              <a:rPr lang="en-US" dirty="0"/>
+              <a:t>Questions to Ask:</a:t>
+            </a:r>
+          </a:p>
+          <a:p>
+            <a:pPr lvl="1"/>
+            <a:r>
+              <a:rPr lang="en-US" dirty="0"/>
+              <a:t>What is the program's focus and mission?</a:t>
+            </a:r>
+          </a:p>
+          <a:p>
+            <a:pPr lvl="1"/>
+            <a:r>
+              <a:rPr lang="en-US" dirty="0"/>
+              <a:t>What resources does the program offer, and how do they align with my startup's needs?</a:t>
+            </a:r>
+          </a:p>
+          <a:p>
+            <a:pPr lvl="1"/>
+            <a:r>
+              <a:rPr lang="en-US" dirty="0"/>
+              <a:t>What is the reputation of the program, and what success stories can you share?</a:t>
+            </a:r>
+          </a:p>
+          <a:p>
+            <a:pPr lvl="1"/>
+            <a:r>
+              <a:rPr lang="en-US" dirty="0"/>
+              <a:t>Who are the mentors and industry experts involved in the program?</a:t>
+            </a:r>
+          </a:p>
+          <a:p>
+            <a:pPr lvl="1"/>
+            <a:r>
+              <a:rPr lang="en-US" dirty="0"/>
+              <a:t>What networking opportunities does the program offer?</a:t>
+            </a:r>
+          </a:p>
+          <a:p>
+            <a:pPr lvl="1"/>
+            <a:r>
+              <a:rPr lang="en-US" dirty="0"/>
+              <a:t>Does the program provide funding or connections to investors?</a:t>
+            </a:r>
+          </a:p>
+          <a:p>
+            <a:pPr lvl="1"/>
+            <a:r>
+              <a:rPr lang="en-US" dirty="0"/>
+              <a:t>What is the program's duration, and what milestones can I expect to achieve during that time?</a:t>
+            </a:r>
+          </a:p>
+          <a:p>
+            <a:pPr lvl="1"/>
+            <a:r>
+              <a:rPr lang="en-US" dirty="0"/>
+              <a:t>What is the cost of participating in the program, and what equity or fees are involved?</a:t>
+            </a:r>
+          </a:p>
+          <a:p>
+            <a:pPr lvl="1"/>
+            <a:r>
+              <a:rPr lang="en-US" dirty="0"/>
+              <a:t>How does the program support startups in scaling and growing their business?</a:t>
+            </a:r>
+          </a:p>
+          <a:p>
+            <a:pPr lvl="1"/>
+            <a:r>
+              <a:rPr lang="en-US" dirty="0"/>
+              <a:t>What are the program's expectations for commitment and involvement from startup founders?</a:t>
+            </a:r>
+          </a:p>
+        </p:txBody>
+      </p:sp>
+      <p:sp>
+        <p:nvSpPr>
+          <p:cNvPr id="4" name="Slide Number Placeholder 3">
+            <a:extLst>
+              <a:ext uri="{FF2B5EF4-FFF2-40B4-BE49-F238E27FC236}">
+                <a16:creationId xmlns:a16="http://schemas.microsoft.com/office/drawing/2014/main" id="{5223FDB3-FF69-4CA5-B5C8-F6F39A2D6A55}"/>
+              </a:ext>
+            </a:extLst>
+          </p:cNvPr>
+          <p:cNvSpPr>
+            <a:spLocks noGrp="1"/>
+          </p:cNvSpPr>
+          <p:nvPr>
+            <p:ph type="sldNum" sz="quarter" idx="12"/>
+          </p:nvPr>
+        </p:nvSpPr>
+        <p:spPr/>
+        <p:txBody>
+          <a:bodyPr/>
+          <a:lstStyle/>
+          <a:p>
+            <a:fld id="{B8DACC02-A2BD-4578-8E03-6D891060A695}" type="slidenum">
+              <a:rPr lang="en-US" smtClean="0"/>
+              <a:pPr/>
+              <a:t>48</a:t>
+            </a:fld>
+            <a:endParaRPr lang="en-US" dirty="0"/>
+          </a:p>
+        </p:txBody>
+      </p:sp>
+    </p:spTree>
+    <p:extLst>
+      <p:ext uri="{BB962C8B-B14F-4D97-AF65-F5344CB8AC3E}">
+        <p14:creationId xmlns:p14="http://schemas.microsoft.com/office/powerpoint/2010/main" val="790029225"/>
+      </p:ext>
+    </p:extLst>
+  </p:cSld>
+  <p:clrMapOvr>
+    <a:masterClrMapping/>
+  </p:clrMapOvr>
+</p:sld>
+</file>
+
+<file path=ppt/slides/slide49.xml><?xml version="1.0" encoding="utf-8"?>
+<p:sld xmlns:a="http://schemas.openxmlformats.org/drawingml/2006/main" xmlns:r="http://schemas.openxmlformats.org/officeDocument/2006/relationships" xmlns:p="http://schemas.openxmlformats.org/presentationml/2006/main">
+  <p:cSld>
+    <p:spTree>
+      <p:nvGrpSpPr>
+        <p:cNvPr id="1" name=""/>
+        <p:cNvGrpSpPr/>
+        <p:nvPr/>
+      </p:nvGrpSpPr>
+      <p:grpSpPr>
+        <a:xfrm>
+          <a:off x="0" y="0"/>
+          <a:ext cx="0" cy="0"/>
+          <a:chOff x="0" y="0"/>
+          <a:chExt cx="0" cy="0"/>
+        </a:xfrm>
+      </p:grpSpPr>
+      <p:sp>
+        <p:nvSpPr>
+          <p:cNvPr id="2" name="Title 1">
+            <a:extLst>
+              <a:ext uri="{FF2B5EF4-FFF2-40B4-BE49-F238E27FC236}">
+                <a16:creationId xmlns:a16="http://schemas.microsoft.com/office/drawing/2014/main" id="{3DF41606-56BE-408A-8B5E-5B4AA4DA886B}"/>
+              </a:ext>
+            </a:extLst>
+          </p:cNvPr>
+          <p:cNvSpPr>
+            <a:spLocks noGrp="1"/>
+          </p:cNvSpPr>
+          <p:nvPr>
+            <p:ph type="title"/>
+          </p:nvPr>
+        </p:nvSpPr>
+        <p:spPr/>
+        <p:txBody>
+          <a:bodyPr>
+            <a:normAutofit fontScale="90000"/>
+          </a:bodyPr>
+          <a:lstStyle/>
+          <a:p>
+            <a:r>
+              <a:rPr lang="en-US" dirty="0"/>
+              <a:t>How to Choose the Right Incubator or Accelerator</a:t>
+            </a:r>
+          </a:p>
+        </p:txBody>
+      </p:sp>
+      <p:sp>
+        <p:nvSpPr>
+          <p:cNvPr id="3" name="Content Placeholder 2">
+            <a:extLst>
+              <a:ext uri="{FF2B5EF4-FFF2-40B4-BE49-F238E27FC236}">
+                <a16:creationId xmlns:a16="http://schemas.microsoft.com/office/drawing/2014/main" id="{24CB897F-B6F3-4E42-8264-9C30DC0C1F93}"/>
+              </a:ext>
+            </a:extLst>
+          </p:cNvPr>
+          <p:cNvSpPr>
+            <a:spLocks noGrp="1"/>
+          </p:cNvSpPr>
+          <p:nvPr>
+            <p:ph idx="1"/>
+          </p:nvPr>
+        </p:nvSpPr>
+        <p:spPr/>
+        <p:txBody>
+          <a:bodyPr>
+            <a:normAutofit/>
+          </a:bodyPr>
+          <a:lstStyle/>
+          <a:p>
+            <a:r>
+              <a:rPr lang="en-US" dirty="0"/>
+              <a:t>Tips for Selecting the Best Incubator or Accelerator:</a:t>
+            </a:r>
+          </a:p>
+          <a:p>
+            <a:pPr lvl="1"/>
+            <a:r>
+              <a:rPr lang="en-US" dirty="0"/>
+              <a:t>Research thoroughly</a:t>
+            </a:r>
+          </a:p>
+          <a:p>
+            <a:pPr lvl="1"/>
+            <a:r>
+              <a:rPr lang="en-US" dirty="0"/>
+              <a:t>Network with other entrepreneurs</a:t>
+            </a:r>
+          </a:p>
+          <a:p>
+            <a:pPr lvl="1"/>
+            <a:r>
+              <a:rPr lang="en-US" dirty="0"/>
+              <a:t>Look for a program that fits your stage</a:t>
+            </a:r>
+          </a:p>
+          <a:p>
+            <a:pPr lvl="1"/>
+            <a:r>
+              <a:rPr lang="en-US" dirty="0"/>
+              <a:t>Consider the program's investment strategy</a:t>
+            </a:r>
+          </a:p>
+          <a:p>
+            <a:pPr lvl="1"/>
+            <a:r>
+              <a:rPr lang="en-US" dirty="0"/>
+              <a:t>Evaluate the program's network</a:t>
+            </a:r>
+          </a:p>
+          <a:p>
+            <a:pPr lvl="1"/>
+            <a:r>
+              <a:rPr lang="en-US" dirty="0"/>
+              <a:t>Look for a program that offers flexibility</a:t>
+            </a:r>
+          </a:p>
+          <a:p>
+            <a:pPr lvl="1"/>
+            <a:r>
+              <a:rPr lang="en-US" dirty="0"/>
+              <a:t>Evaluate the program's track record</a:t>
+            </a:r>
+          </a:p>
+          <a:p>
+            <a:pPr lvl="1"/>
+            <a:r>
+              <a:rPr lang="en-US" dirty="0"/>
+              <a:t>Look for a program that aligns with your values</a:t>
+            </a:r>
+          </a:p>
+          <a:p>
+            <a:pPr lvl="1"/>
+            <a:r>
+              <a:rPr lang="en-US" dirty="0"/>
+              <a:t>Consider the program's location:</a:t>
+            </a:r>
+          </a:p>
+        </p:txBody>
+      </p:sp>
+      <p:sp>
+        <p:nvSpPr>
+          <p:cNvPr id="4" name="Slide Number Placeholder 3">
+            <a:extLst>
+              <a:ext uri="{FF2B5EF4-FFF2-40B4-BE49-F238E27FC236}">
+                <a16:creationId xmlns:a16="http://schemas.microsoft.com/office/drawing/2014/main" id="{5223FDB3-FF69-4CA5-B5C8-F6F39A2D6A55}"/>
+              </a:ext>
+            </a:extLst>
+          </p:cNvPr>
+          <p:cNvSpPr>
+            <a:spLocks noGrp="1"/>
+          </p:cNvSpPr>
+          <p:nvPr>
+            <p:ph type="sldNum" sz="quarter" idx="12"/>
+          </p:nvPr>
+        </p:nvSpPr>
+        <p:spPr/>
+        <p:txBody>
+          <a:bodyPr/>
+          <a:lstStyle/>
+          <a:p>
+            <a:fld id="{B8DACC02-A2BD-4578-8E03-6D891060A695}" type="slidenum">
+              <a:rPr lang="en-US" smtClean="0"/>
+              <a:pPr/>
+              <a:t>49</a:t>
+            </a:fld>
+            <a:endParaRPr lang="en-US" dirty="0"/>
+          </a:p>
+        </p:txBody>
+      </p:sp>
+    </p:spTree>
+    <p:extLst>
+      <p:ext uri="{BB962C8B-B14F-4D97-AF65-F5344CB8AC3E}">
+        <p14:creationId xmlns:p14="http://schemas.microsoft.com/office/powerpoint/2010/main" val="1007110814"/>
       </p:ext>
     </p:extLst>
   </p:cSld>
@@ -12037,6 +13501,959 @@
     <p:extLst>
       <p:ext uri="{BB962C8B-B14F-4D97-AF65-F5344CB8AC3E}">
         <p14:creationId xmlns:p14="http://schemas.microsoft.com/office/powerpoint/2010/main" val="4130345764"/>
+      </p:ext>
+    </p:extLst>
+  </p:cSld>
+  <p:clrMapOvr>
+    <a:masterClrMapping/>
+  </p:clrMapOvr>
+</p:sld>
+</file>
+
+<file path=ppt/slides/slide50.xml><?xml version="1.0" encoding="utf-8"?>
+<p:sld xmlns:a="http://schemas.openxmlformats.org/drawingml/2006/main" xmlns:r="http://schemas.openxmlformats.org/officeDocument/2006/relationships" xmlns:p="http://schemas.openxmlformats.org/presentationml/2006/main">
+  <p:cSld>
+    <p:spTree>
+      <p:nvGrpSpPr>
+        <p:cNvPr id="1" name=""/>
+        <p:cNvGrpSpPr/>
+        <p:nvPr/>
+      </p:nvGrpSpPr>
+      <p:grpSpPr>
+        <a:xfrm>
+          <a:off x="0" y="0"/>
+          <a:ext cx="0" cy="0"/>
+          <a:chOff x="0" y="0"/>
+          <a:chExt cx="0" cy="0"/>
+        </a:xfrm>
+      </p:grpSpPr>
+      <p:sp>
+        <p:nvSpPr>
+          <p:cNvPr id="2" name="Title 1"/>
+          <p:cNvSpPr>
+            <a:spLocks noGrp="1"/>
+          </p:cNvSpPr>
+          <p:nvPr>
+            <p:ph type="title"/>
+          </p:nvPr>
+        </p:nvSpPr>
+        <p:spPr/>
+        <p:txBody>
+          <a:bodyPr>
+            <a:normAutofit fontScale="90000"/>
+          </a:bodyPr>
+          <a:lstStyle/>
+          <a:p>
+            <a:r>
+              <a:rPr lang="en-US" dirty="0"/>
+              <a:t>Examples of Successful Incubators and Accelerators</a:t>
+            </a:r>
+          </a:p>
+        </p:txBody>
+      </p:sp>
+      <p:sp>
+        <p:nvSpPr>
+          <p:cNvPr id="3" name="Content Placeholder 2"/>
+          <p:cNvSpPr>
+            <a:spLocks noGrp="1"/>
+          </p:cNvSpPr>
+          <p:nvPr>
+            <p:ph idx="1"/>
+          </p:nvPr>
+        </p:nvSpPr>
+        <p:spPr/>
+        <p:txBody>
+          <a:bodyPr/>
+          <a:lstStyle/>
+          <a:p>
+            <a:r>
+              <a:rPr lang="en-US" dirty="0"/>
+              <a:t>Incubators:</a:t>
+            </a:r>
+          </a:p>
+          <a:p>
+            <a:pPr lvl="1"/>
+            <a:r>
+              <a:rPr lang="en-US" dirty="0"/>
+              <a:t>Y </a:t>
+            </a:r>
+            <a:r>
+              <a:rPr lang="en-US" dirty="0" err="1"/>
+              <a:t>Combinator</a:t>
+            </a:r>
+            <a:r>
+              <a:rPr lang="en-US" dirty="0"/>
+              <a:t> (Airbnb, Dropbox, </a:t>
+            </a:r>
+            <a:r>
+              <a:rPr lang="en-US" dirty="0" err="1"/>
+              <a:t>Reddit</a:t>
+            </a:r>
+            <a:r>
+              <a:rPr lang="en-US" dirty="0"/>
+              <a:t>)</a:t>
+            </a:r>
+          </a:p>
+          <a:p>
+            <a:pPr lvl="1"/>
+            <a:r>
+              <a:rPr lang="en-US" dirty="0"/>
+              <a:t>500 Startups (</a:t>
+            </a:r>
+            <a:r>
+              <a:rPr lang="en-US" dirty="0" err="1"/>
+              <a:t>Twilio</a:t>
+            </a:r>
+            <a:r>
+              <a:rPr lang="en-US" dirty="0"/>
+              <a:t>, </a:t>
+            </a:r>
+            <a:r>
+              <a:rPr lang="en-US" dirty="0" err="1"/>
+              <a:t>SendGrid</a:t>
+            </a:r>
+            <a:r>
+              <a:rPr lang="en-US" dirty="0"/>
+              <a:t>, Intercom)</a:t>
+            </a:r>
+          </a:p>
+          <a:p>
+            <a:pPr lvl="1"/>
+            <a:r>
+              <a:rPr lang="en-US" dirty="0" err="1"/>
+              <a:t>Techstars</a:t>
+            </a:r>
+            <a:r>
+              <a:rPr lang="en-US" dirty="0"/>
+              <a:t> (</a:t>
+            </a:r>
+            <a:r>
+              <a:rPr lang="en-US" dirty="0" err="1"/>
+              <a:t>SendGrid</a:t>
+            </a:r>
+            <a:r>
+              <a:rPr lang="en-US" dirty="0"/>
+              <a:t>, Sphero, Fitbit)</a:t>
+            </a:r>
+          </a:p>
+          <a:p>
+            <a:r>
+              <a:rPr lang="en-US" dirty="0"/>
+              <a:t>Accelerators:</a:t>
+            </a:r>
+          </a:p>
+          <a:p>
+            <a:pPr lvl="1"/>
+            <a:r>
+              <a:rPr lang="en-US" dirty="0" err="1"/>
+              <a:t>Accel</a:t>
+            </a:r>
+            <a:r>
+              <a:rPr lang="en-US" dirty="0"/>
+              <a:t> (Dropbox, Facebook, Spotify)</a:t>
+            </a:r>
+          </a:p>
+          <a:p>
+            <a:pPr lvl="1"/>
+            <a:r>
+              <a:rPr lang="en-US" dirty="0"/>
+              <a:t>KPCB (Google, Twitter, Uber)</a:t>
+            </a:r>
+          </a:p>
+          <a:p>
+            <a:pPr lvl="1"/>
+            <a:r>
+              <a:rPr lang="en-US" dirty="0" err="1"/>
+              <a:t>Greylock</a:t>
+            </a:r>
+            <a:r>
+              <a:rPr lang="en-US" dirty="0"/>
+              <a:t> (Airbnb, Facebook, LinkedIn)</a:t>
+            </a:r>
+          </a:p>
+        </p:txBody>
+      </p:sp>
+      <p:sp>
+        <p:nvSpPr>
+          <p:cNvPr id="4" name="Slide Number Placeholder 3"/>
+          <p:cNvSpPr>
+            <a:spLocks noGrp="1"/>
+          </p:cNvSpPr>
+          <p:nvPr>
+            <p:ph type="sldNum" sz="quarter" idx="12"/>
+          </p:nvPr>
+        </p:nvSpPr>
+        <p:spPr/>
+        <p:txBody>
+          <a:bodyPr/>
+          <a:lstStyle/>
+          <a:p>
+            <a:fld id="{B8DACC02-A2BD-4578-8E03-6D891060A695}" type="slidenum">
+              <a:rPr lang="en-US" smtClean="0"/>
+              <a:pPr/>
+              <a:t>50</a:t>
+            </a:fld>
+            <a:endParaRPr lang="en-US" dirty="0"/>
+          </a:p>
+        </p:txBody>
+      </p:sp>
+    </p:spTree>
+    <p:extLst>
+      <p:ext uri="{BB962C8B-B14F-4D97-AF65-F5344CB8AC3E}">
+        <p14:creationId xmlns:p14="http://schemas.microsoft.com/office/powerpoint/2010/main" val="1967487476"/>
+      </p:ext>
+    </p:extLst>
+  </p:cSld>
+  <p:clrMapOvr>
+    <a:masterClrMapping/>
+  </p:clrMapOvr>
+</p:sld>
+</file>
+
+<file path=ppt/slides/slide51.xml><?xml version="1.0" encoding="utf-8"?>
+<p:sld xmlns:a="http://schemas.openxmlformats.org/drawingml/2006/main" xmlns:r="http://schemas.openxmlformats.org/officeDocument/2006/relationships" xmlns:p="http://schemas.openxmlformats.org/presentationml/2006/main">
+  <p:cSld>
+    <p:spTree>
+      <p:nvGrpSpPr>
+        <p:cNvPr id="1" name=""/>
+        <p:cNvGrpSpPr/>
+        <p:nvPr/>
+      </p:nvGrpSpPr>
+      <p:grpSpPr>
+        <a:xfrm>
+          <a:off x="0" y="0"/>
+          <a:ext cx="0" cy="0"/>
+          <a:chOff x="0" y="0"/>
+          <a:chExt cx="0" cy="0"/>
+        </a:xfrm>
+      </p:grpSpPr>
+      <p:sp>
+        <p:nvSpPr>
+          <p:cNvPr id="2" name="Title 1"/>
+          <p:cNvSpPr>
+            <a:spLocks noGrp="1"/>
+          </p:cNvSpPr>
+          <p:nvPr>
+            <p:ph type="title"/>
+          </p:nvPr>
+        </p:nvSpPr>
+        <p:spPr/>
+        <p:txBody>
+          <a:bodyPr/>
+          <a:lstStyle/>
+          <a:p>
+            <a:r>
+              <a:rPr lang="en-US" dirty="0"/>
+              <a:t>Saudi Incubators and Accelerators </a:t>
+            </a:r>
+          </a:p>
+        </p:txBody>
+      </p:sp>
+      <p:sp>
+        <p:nvSpPr>
+          <p:cNvPr id="3" name="Content Placeholder 2"/>
+          <p:cNvSpPr>
+            <a:spLocks noGrp="1"/>
+          </p:cNvSpPr>
+          <p:nvPr>
+            <p:ph idx="1"/>
+          </p:nvPr>
+        </p:nvSpPr>
+        <p:spPr/>
+        <p:txBody>
+          <a:bodyPr numCol="2">
+            <a:normAutofit/>
+          </a:bodyPr>
+          <a:lstStyle/>
+          <a:p>
+            <a:pPr>
+              <a:lnSpc>
+                <a:spcPct val="100000"/>
+              </a:lnSpc>
+            </a:pPr>
+            <a:r>
+              <a:rPr lang="en-US" dirty="0"/>
+              <a:t>9/10ths</a:t>
+            </a:r>
+          </a:p>
+          <a:p>
+            <a:pPr>
+              <a:lnSpc>
+                <a:spcPct val="100000"/>
+              </a:lnSpc>
+            </a:pPr>
+            <a:r>
+              <a:rPr lang="en-US" dirty="0"/>
+              <a:t>KAUST Innovation Fund</a:t>
+            </a:r>
+          </a:p>
+          <a:p>
+            <a:pPr>
+              <a:lnSpc>
+                <a:spcPct val="100000"/>
+              </a:lnSpc>
+            </a:pPr>
+            <a:r>
+              <a:rPr lang="en-US" dirty="0"/>
+              <a:t>Riyadh Valley Company</a:t>
+            </a:r>
+          </a:p>
+          <a:p>
+            <a:pPr>
+              <a:lnSpc>
+                <a:spcPct val="100000"/>
+              </a:lnSpc>
+            </a:pPr>
+            <a:r>
+              <a:rPr lang="en-US" dirty="0"/>
+              <a:t>Business Incubators and Accelerators Company</a:t>
+            </a:r>
+          </a:p>
+          <a:p>
+            <a:pPr>
+              <a:lnSpc>
+                <a:spcPct val="100000"/>
+              </a:lnSpc>
+            </a:pPr>
+            <a:r>
+              <a:rPr lang="en-US" dirty="0" err="1"/>
+              <a:t>Taqadam</a:t>
+            </a:r>
+            <a:endParaRPr lang="en-US" dirty="0"/>
+          </a:p>
+          <a:p>
+            <a:pPr>
+              <a:lnSpc>
+                <a:spcPct val="100000"/>
+              </a:lnSpc>
+            </a:pPr>
+            <a:r>
+              <a:rPr lang="en-US" dirty="0" err="1"/>
+              <a:t>Badir</a:t>
+            </a:r>
+            <a:r>
+              <a:rPr lang="en-US" dirty="0"/>
+              <a:t> Program</a:t>
+            </a:r>
+          </a:p>
+          <a:p>
+            <a:pPr>
+              <a:lnSpc>
+                <a:spcPct val="100000"/>
+              </a:lnSpc>
+            </a:pPr>
+            <a:endParaRPr lang="en-US" dirty="0"/>
+          </a:p>
+          <a:p>
+            <a:pPr>
+              <a:lnSpc>
+                <a:spcPct val="100000"/>
+              </a:lnSpc>
+            </a:pPr>
+            <a:r>
+              <a:rPr lang="en-US" dirty="0" err="1"/>
+              <a:t>Falak</a:t>
+            </a:r>
+            <a:r>
+              <a:rPr lang="en-US" dirty="0"/>
+              <a:t> Business Hub</a:t>
+            </a:r>
+          </a:p>
+          <a:p>
+            <a:pPr>
+              <a:lnSpc>
+                <a:spcPct val="100000"/>
+              </a:lnSpc>
+            </a:pPr>
+            <a:r>
+              <a:rPr lang="en-US" dirty="0" err="1"/>
+              <a:t>Nomow</a:t>
+            </a:r>
+            <a:r>
+              <a:rPr lang="en-US" dirty="0"/>
+              <a:t> Incubator</a:t>
+            </a:r>
+          </a:p>
+          <a:p>
+            <a:pPr>
+              <a:lnSpc>
+                <a:spcPct val="100000"/>
+              </a:lnSpc>
+            </a:pPr>
+            <a:r>
+              <a:rPr lang="en-US" dirty="0"/>
+              <a:t>SURE International Technology</a:t>
+            </a:r>
+          </a:p>
+          <a:p>
+            <a:pPr>
+              <a:lnSpc>
+                <a:spcPct val="100000"/>
+              </a:lnSpc>
+            </a:pPr>
+            <a:r>
+              <a:rPr lang="en-US" dirty="0"/>
+              <a:t>Startups House</a:t>
+            </a:r>
+          </a:p>
+          <a:p>
+            <a:pPr>
+              <a:lnSpc>
+                <a:spcPct val="100000"/>
+              </a:lnSpc>
+            </a:pPr>
+            <a:r>
+              <a:rPr lang="en-US" dirty="0" err="1"/>
+              <a:t>Wa'ed</a:t>
+            </a:r>
+            <a:endParaRPr lang="en-US" dirty="0"/>
+          </a:p>
+          <a:p>
+            <a:pPr>
+              <a:lnSpc>
+                <a:spcPct val="100000"/>
+              </a:lnSpc>
+            </a:pPr>
+            <a:r>
+              <a:rPr lang="en-US" dirty="0" err="1"/>
+              <a:t>Wadi</a:t>
+            </a:r>
+            <a:r>
+              <a:rPr lang="en-US" dirty="0"/>
+              <a:t> Makkah</a:t>
+            </a:r>
+          </a:p>
+        </p:txBody>
+      </p:sp>
+      <p:sp>
+        <p:nvSpPr>
+          <p:cNvPr id="4" name="Slide Number Placeholder 3"/>
+          <p:cNvSpPr>
+            <a:spLocks noGrp="1"/>
+          </p:cNvSpPr>
+          <p:nvPr>
+            <p:ph type="sldNum" sz="quarter" idx="12"/>
+          </p:nvPr>
+        </p:nvSpPr>
+        <p:spPr/>
+        <p:txBody>
+          <a:bodyPr/>
+          <a:lstStyle/>
+          <a:p>
+            <a:fld id="{B8DACC02-A2BD-4578-8E03-6D891060A695}" type="slidenum">
+              <a:rPr lang="en-US" smtClean="0"/>
+              <a:pPr/>
+              <a:t>51</a:t>
+            </a:fld>
+            <a:endParaRPr lang="en-US" dirty="0"/>
+          </a:p>
+        </p:txBody>
+      </p:sp>
+    </p:spTree>
+    <p:extLst>
+      <p:ext uri="{BB962C8B-B14F-4D97-AF65-F5344CB8AC3E}">
+        <p14:creationId xmlns:p14="http://schemas.microsoft.com/office/powerpoint/2010/main" val="369944038"/>
+      </p:ext>
+    </p:extLst>
+  </p:cSld>
+  <p:clrMapOvr>
+    <a:masterClrMapping/>
+  </p:clrMapOvr>
+</p:sld>
+</file>
+
+<file path=ppt/slides/slide52.xml><?xml version="1.0" encoding="utf-8"?>
+<p:sld xmlns:a="http://schemas.openxmlformats.org/drawingml/2006/main" xmlns:r="http://schemas.openxmlformats.org/officeDocument/2006/relationships" xmlns:p="http://schemas.openxmlformats.org/presentationml/2006/main">
+  <p:cSld>
+    <p:spTree>
+      <p:nvGrpSpPr>
+        <p:cNvPr id="1" name=""/>
+        <p:cNvGrpSpPr/>
+        <p:nvPr/>
+      </p:nvGrpSpPr>
+      <p:grpSpPr>
+        <a:xfrm>
+          <a:off x="0" y="0"/>
+          <a:ext cx="0" cy="0"/>
+          <a:chOff x="0" y="0"/>
+          <a:chExt cx="0" cy="0"/>
+        </a:xfrm>
+      </p:grpSpPr>
+      <p:sp>
+        <p:nvSpPr>
+          <p:cNvPr id="2" name="Title 1">
+            <a:extLst>
+              <a:ext uri="{FF2B5EF4-FFF2-40B4-BE49-F238E27FC236}">
+                <a16:creationId xmlns:a16="http://schemas.microsoft.com/office/drawing/2014/main" id="{9591E870-A51B-415F-966C-1520ABAB567F}"/>
+              </a:ext>
+            </a:extLst>
+          </p:cNvPr>
+          <p:cNvSpPr>
+            <a:spLocks noGrp="1"/>
+          </p:cNvSpPr>
+          <p:nvPr>
+            <p:ph type="title"/>
+          </p:nvPr>
+        </p:nvSpPr>
+        <p:spPr/>
+        <p:txBody>
+          <a:bodyPr/>
+          <a:lstStyle/>
+          <a:p>
+            <a:r>
+              <a:rPr lang="en-US" dirty="0"/>
+              <a:t>Example</a:t>
+            </a:r>
+          </a:p>
+        </p:txBody>
+      </p:sp>
+      <p:sp>
+        <p:nvSpPr>
+          <p:cNvPr id="3" name="Content Placeholder 2">
+            <a:extLst>
+              <a:ext uri="{FF2B5EF4-FFF2-40B4-BE49-F238E27FC236}">
+                <a16:creationId xmlns:a16="http://schemas.microsoft.com/office/drawing/2014/main" id="{A1769AC8-F865-484A-A124-0B95FCBA647B}"/>
+              </a:ext>
+            </a:extLst>
+          </p:cNvPr>
+          <p:cNvSpPr>
+            <a:spLocks noGrp="1"/>
+          </p:cNvSpPr>
+          <p:nvPr>
+            <p:ph idx="1"/>
+          </p:nvPr>
+        </p:nvSpPr>
+        <p:spPr/>
+        <p:txBody>
+          <a:bodyPr/>
+          <a:lstStyle/>
+          <a:p>
+            <a:r>
+              <a:rPr lang="en-US" dirty="0" err="1"/>
+              <a:t>ArabiaWeather</a:t>
+            </a:r>
+            <a:r>
+              <a:rPr lang="en-US" dirty="0"/>
+              <a:t> is a weather forecasting and environmental monitoring platform that was founded in 2010 in Riyadh, Saudi Arabia. </a:t>
+            </a:r>
+          </a:p>
+          <a:p>
+            <a:r>
+              <a:rPr lang="en-US" dirty="0"/>
+              <a:t>The platform provides accurate and localized weather forecasts, as well as environmental monitoring services, to individuals, businesses, and government agencies across the Middle East and North Africa.</a:t>
+            </a:r>
+          </a:p>
+        </p:txBody>
+      </p:sp>
+      <p:sp>
+        <p:nvSpPr>
+          <p:cNvPr id="4" name="Slide Number Placeholder 3">
+            <a:extLst>
+              <a:ext uri="{FF2B5EF4-FFF2-40B4-BE49-F238E27FC236}">
+                <a16:creationId xmlns:a16="http://schemas.microsoft.com/office/drawing/2014/main" id="{58756B41-C4FF-4D00-ADEF-BB3CB05F722B}"/>
+              </a:ext>
+            </a:extLst>
+          </p:cNvPr>
+          <p:cNvSpPr>
+            <a:spLocks noGrp="1"/>
+          </p:cNvSpPr>
+          <p:nvPr>
+            <p:ph type="sldNum" sz="quarter" idx="12"/>
+          </p:nvPr>
+        </p:nvSpPr>
+        <p:spPr/>
+        <p:txBody>
+          <a:bodyPr/>
+          <a:lstStyle/>
+          <a:p>
+            <a:fld id="{B8DACC02-A2BD-4578-8E03-6D891060A695}" type="slidenum">
+              <a:rPr lang="en-US" smtClean="0"/>
+              <a:pPr/>
+              <a:t>52</a:t>
+            </a:fld>
+            <a:endParaRPr lang="en-US" dirty="0"/>
+          </a:p>
+        </p:txBody>
+      </p:sp>
+      <p:pic>
+        <p:nvPicPr>
+          <p:cNvPr id="7170" name="Picture 2" descr="ضمن عدد من التغييرات التنظيمية الداخلية والتعيينات الجديدة.. &quot;طقس العرب&quot;  تنشئ وحدة مستقلّة لقسم الأرصاد الجوية | ArabiaWeather | ArabiaWeather">
+            <a:extLst>
+              <a:ext uri="{FF2B5EF4-FFF2-40B4-BE49-F238E27FC236}">
+                <a16:creationId xmlns:a16="http://schemas.microsoft.com/office/drawing/2014/main" id="{22209F37-B4BA-45EC-B26E-D724C683F8BB}"/>
+              </a:ext>
+            </a:extLst>
+          </p:cNvPr>
+          <p:cNvPicPr>
+            <a:picLocks noChangeAspect="1" noChangeArrowheads="1"/>
+          </p:cNvPicPr>
+          <p:nvPr/>
+        </p:nvPicPr>
+        <p:blipFill>
+          <a:blip r:embed="rId2">
+            <a:extLst>
+              <a:ext uri="{28A0092B-C50C-407E-A947-70E740481C1C}">
+                <a14:useLocalDpi xmlns:a14="http://schemas.microsoft.com/office/drawing/2010/main" val="0"/>
+              </a:ext>
+            </a:extLst>
+          </a:blip>
+          <a:srcRect/>
+          <a:stretch>
+            <a:fillRect/>
+          </a:stretch>
+        </p:blipFill>
+        <p:spPr bwMode="auto">
+          <a:xfrm>
+            <a:off x="8899195" y="3908336"/>
+            <a:ext cx="2838450" cy="1609725"/>
+          </a:xfrm>
+          <a:prstGeom prst="rect">
+            <a:avLst/>
+          </a:prstGeom>
+          <a:noFill/>
+          <a:extLst>
+            <a:ext uri="{909E8E84-426E-40DD-AFC4-6F175D3DCCD1}">
+              <a14:hiddenFill xmlns:a14="http://schemas.microsoft.com/office/drawing/2010/main">
+                <a:solidFill>
+                  <a:srgbClr val="FFFFFF"/>
+                </a:solidFill>
+              </a14:hiddenFill>
+            </a:ext>
+          </a:extLst>
+        </p:spPr>
+      </p:pic>
+    </p:spTree>
+    <p:extLst>
+      <p:ext uri="{BB962C8B-B14F-4D97-AF65-F5344CB8AC3E}">
+        <p14:creationId xmlns:p14="http://schemas.microsoft.com/office/powerpoint/2010/main" val="2388063748"/>
+      </p:ext>
+    </p:extLst>
+  </p:cSld>
+  <p:clrMapOvr>
+    <a:masterClrMapping/>
+  </p:clrMapOvr>
+</p:sld>
+</file>
+
+<file path=ppt/slides/slide53.xml><?xml version="1.0" encoding="utf-8"?>
+<p:sld xmlns:a="http://schemas.openxmlformats.org/drawingml/2006/main" xmlns:r="http://schemas.openxmlformats.org/officeDocument/2006/relationships" xmlns:p="http://schemas.openxmlformats.org/presentationml/2006/main">
+  <p:cSld>
+    <p:spTree>
+      <p:nvGrpSpPr>
+        <p:cNvPr id="1" name=""/>
+        <p:cNvGrpSpPr/>
+        <p:nvPr/>
+      </p:nvGrpSpPr>
+      <p:grpSpPr>
+        <a:xfrm>
+          <a:off x="0" y="0"/>
+          <a:ext cx="0" cy="0"/>
+          <a:chOff x="0" y="0"/>
+          <a:chExt cx="0" cy="0"/>
+        </a:xfrm>
+      </p:grpSpPr>
+      <p:sp>
+        <p:nvSpPr>
+          <p:cNvPr id="2" name="Title 1">
+            <a:extLst>
+              <a:ext uri="{FF2B5EF4-FFF2-40B4-BE49-F238E27FC236}">
+                <a16:creationId xmlns:a16="http://schemas.microsoft.com/office/drawing/2014/main" id="{3565114E-50F8-4B7E-9238-56348CEDBD58}"/>
+              </a:ext>
+            </a:extLst>
+          </p:cNvPr>
+          <p:cNvSpPr>
+            <a:spLocks noGrp="1"/>
+          </p:cNvSpPr>
+          <p:nvPr>
+            <p:ph type="title"/>
+          </p:nvPr>
+        </p:nvSpPr>
+        <p:spPr/>
+        <p:txBody>
+          <a:bodyPr/>
+          <a:lstStyle/>
+          <a:p>
+            <a:r>
+              <a:rPr lang="en-US" dirty="0" err="1"/>
+              <a:t>ArabiaWeather</a:t>
+            </a:r>
+            <a:endParaRPr lang="en-US" dirty="0"/>
+          </a:p>
+        </p:txBody>
+      </p:sp>
+      <p:sp>
+        <p:nvSpPr>
+          <p:cNvPr id="3" name="Content Placeholder 2">
+            <a:extLst>
+              <a:ext uri="{FF2B5EF4-FFF2-40B4-BE49-F238E27FC236}">
+                <a16:creationId xmlns:a16="http://schemas.microsoft.com/office/drawing/2014/main" id="{9DB0820E-91AD-4DEC-ACD4-594C000D7F00}"/>
+              </a:ext>
+            </a:extLst>
+          </p:cNvPr>
+          <p:cNvSpPr>
+            <a:spLocks noGrp="1"/>
+          </p:cNvSpPr>
+          <p:nvPr>
+            <p:ph idx="1"/>
+          </p:nvPr>
+        </p:nvSpPr>
+        <p:spPr/>
+        <p:txBody>
+          <a:bodyPr>
+            <a:normAutofit/>
+          </a:bodyPr>
+          <a:lstStyle/>
+          <a:p>
+            <a:r>
+              <a:rPr lang="en-US" dirty="0"/>
+              <a:t>Incubator/Accelerator: </a:t>
+            </a:r>
+            <a:r>
+              <a:rPr lang="en-US" dirty="0" err="1"/>
+              <a:t>Badir</a:t>
+            </a:r>
+            <a:r>
+              <a:rPr lang="en-US" dirty="0"/>
+              <a:t> Program</a:t>
+            </a:r>
+          </a:p>
+          <a:p>
+            <a:pPr lvl="1"/>
+            <a:r>
+              <a:rPr lang="en-US" dirty="0" err="1"/>
+              <a:t>ArabiaWeather</a:t>
+            </a:r>
+            <a:r>
+              <a:rPr lang="en-US" dirty="0"/>
+              <a:t> was incubated at the </a:t>
+            </a:r>
+            <a:r>
+              <a:rPr lang="en-US" dirty="0" err="1"/>
+              <a:t>Badir</a:t>
+            </a:r>
+            <a:r>
+              <a:rPr lang="en-US" dirty="0"/>
+              <a:t> Program</a:t>
+            </a:r>
+          </a:p>
+          <a:p>
+            <a:pPr lvl="1"/>
+            <a:r>
+              <a:rPr lang="en-US" dirty="0" err="1"/>
+              <a:t>Badir</a:t>
+            </a:r>
+            <a:r>
+              <a:rPr lang="en-US" dirty="0"/>
+              <a:t> Program provided access to resources, mentorship, and funding.</a:t>
+            </a:r>
+          </a:p>
+          <a:p>
+            <a:r>
+              <a:rPr lang="en-US" dirty="0"/>
+              <a:t>Impact:</a:t>
+            </a:r>
+          </a:p>
+          <a:p>
+            <a:pPr lvl="1"/>
+            <a:r>
+              <a:rPr lang="en-US" dirty="0" err="1"/>
+              <a:t>ArabiaWeather's</a:t>
+            </a:r>
+            <a:r>
+              <a:rPr lang="en-US" dirty="0"/>
+              <a:t> has raised over $10 million in funding from investors, including a $5 million Series A round led by Saudi Arabia's National Technology Development Program.</a:t>
+            </a:r>
+          </a:p>
+          <a:p>
+            <a:pPr lvl="1"/>
+            <a:r>
+              <a:rPr lang="en-US" dirty="0"/>
+              <a:t>The platform has helped to raise awareness about environmental issues and promote sustainability, and it has also provided critical weather forecasting services to help protect people and property during extreme weather events.</a:t>
+            </a:r>
+          </a:p>
+        </p:txBody>
+      </p:sp>
+      <p:sp>
+        <p:nvSpPr>
+          <p:cNvPr id="4" name="Slide Number Placeholder 3">
+            <a:extLst>
+              <a:ext uri="{FF2B5EF4-FFF2-40B4-BE49-F238E27FC236}">
+                <a16:creationId xmlns:a16="http://schemas.microsoft.com/office/drawing/2014/main" id="{636096EC-BC9B-4D28-BE28-8CAF60109283}"/>
+              </a:ext>
+            </a:extLst>
+          </p:cNvPr>
+          <p:cNvSpPr>
+            <a:spLocks noGrp="1"/>
+          </p:cNvSpPr>
+          <p:nvPr>
+            <p:ph type="sldNum" sz="quarter" idx="12"/>
+          </p:nvPr>
+        </p:nvSpPr>
+        <p:spPr/>
+        <p:txBody>
+          <a:bodyPr/>
+          <a:lstStyle/>
+          <a:p>
+            <a:fld id="{B8DACC02-A2BD-4578-8E03-6D891060A695}" type="slidenum">
+              <a:rPr lang="en-US" smtClean="0"/>
+              <a:pPr/>
+              <a:t>53</a:t>
+            </a:fld>
+            <a:endParaRPr lang="en-US" dirty="0"/>
+          </a:p>
+        </p:txBody>
+      </p:sp>
+    </p:spTree>
+    <p:extLst>
+      <p:ext uri="{BB962C8B-B14F-4D97-AF65-F5344CB8AC3E}">
+        <p14:creationId xmlns:p14="http://schemas.microsoft.com/office/powerpoint/2010/main" val="3288180178"/>
+      </p:ext>
+    </p:extLst>
+  </p:cSld>
+  <p:clrMapOvr>
+    <a:masterClrMapping/>
+  </p:clrMapOvr>
+</p:sld>
+</file>
+
+<file path=ppt/slides/slide54.xml><?xml version="1.0" encoding="utf-8"?>
+<p:sld xmlns:a="http://schemas.openxmlformats.org/drawingml/2006/main" xmlns:r="http://schemas.openxmlformats.org/officeDocument/2006/relationships" xmlns:p="http://schemas.openxmlformats.org/presentationml/2006/main">
+  <p:cSld>
+    <p:spTree>
+      <p:nvGrpSpPr>
+        <p:cNvPr id="1" name=""/>
+        <p:cNvGrpSpPr/>
+        <p:nvPr/>
+      </p:nvGrpSpPr>
+      <p:grpSpPr>
+        <a:xfrm>
+          <a:off x="0" y="0"/>
+          <a:ext cx="0" cy="0"/>
+          <a:chOff x="0" y="0"/>
+          <a:chExt cx="0" cy="0"/>
+        </a:xfrm>
+      </p:grpSpPr>
+      <p:sp>
+        <p:nvSpPr>
+          <p:cNvPr id="2" name="Title 1">
+            <a:extLst>
+              <a:ext uri="{FF2B5EF4-FFF2-40B4-BE49-F238E27FC236}">
+                <a16:creationId xmlns:a16="http://schemas.microsoft.com/office/drawing/2014/main" id="{3565114E-50F8-4B7E-9238-56348CEDBD58}"/>
+              </a:ext>
+            </a:extLst>
+          </p:cNvPr>
+          <p:cNvSpPr>
+            <a:spLocks noGrp="1"/>
+          </p:cNvSpPr>
+          <p:nvPr>
+            <p:ph type="title"/>
+          </p:nvPr>
+        </p:nvSpPr>
+        <p:spPr/>
+        <p:txBody>
+          <a:bodyPr/>
+          <a:lstStyle/>
+          <a:p>
+            <a:r>
+              <a:rPr lang="en-US" dirty="0" err="1"/>
+              <a:t>ArabiaWeather</a:t>
+            </a:r>
+            <a:endParaRPr lang="en-US" dirty="0"/>
+          </a:p>
+        </p:txBody>
+      </p:sp>
+      <p:sp>
+        <p:nvSpPr>
+          <p:cNvPr id="3" name="Content Placeholder 2">
+            <a:extLst>
+              <a:ext uri="{FF2B5EF4-FFF2-40B4-BE49-F238E27FC236}">
+                <a16:creationId xmlns:a16="http://schemas.microsoft.com/office/drawing/2014/main" id="{9DB0820E-91AD-4DEC-ACD4-594C000D7F00}"/>
+              </a:ext>
+            </a:extLst>
+          </p:cNvPr>
+          <p:cNvSpPr>
+            <a:spLocks noGrp="1"/>
+          </p:cNvSpPr>
+          <p:nvPr>
+            <p:ph idx="1"/>
+          </p:nvPr>
+        </p:nvSpPr>
+        <p:spPr/>
+        <p:txBody>
+          <a:bodyPr>
+            <a:normAutofit/>
+          </a:bodyPr>
+          <a:lstStyle/>
+          <a:p>
+            <a:r>
+              <a:rPr lang="en-US" dirty="0"/>
+              <a:t>Lessons Learned:</a:t>
+            </a:r>
+          </a:p>
+          <a:p>
+            <a:pPr lvl="1"/>
+            <a:r>
+              <a:rPr lang="en-US" dirty="0"/>
+              <a:t>It highlights the importance of incubators and accelerators in supporting early-stage startups. </a:t>
+            </a:r>
+          </a:p>
+          <a:p>
+            <a:pPr lvl="1"/>
+            <a:r>
+              <a:rPr lang="en-US" dirty="0"/>
+              <a:t>These programs can provide valuable resources, mentorship, and connections that can help startups to scale and achieve success.</a:t>
+            </a:r>
+          </a:p>
+          <a:p>
+            <a:pPr lvl="1"/>
+            <a:r>
+              <a:rPr lang="en-US" dirty="0"/>
+              <a:t>Saudi Arabia can achieve global success by addressing local needs and challenges. </a:t>
+            </a:r>
+          </a:p>
+          <a:p>
+            <a:pPr lvl="1"/>
+            <a:r>
+              <a:rPr lang="en-US" dirty="0"/>
+              <a:t>The company's focus on providing accurate and localized weather forecasts has helped it to differentiate itself from international competitors and establish a strong presence in the region.</a:t>
+            </a:r>
+          </a:p>
+        </p:txBody>
+      </p:sp>
+      <p:sp>
+        <p:nvSpPr>
+          <p:cNvPr id="4" name="Slide Number Placeholder 3">
+            <a:extLst>
+              <a:ext uri="{FF2B5EF4-FFF2-40B4-BE49-F238E27FC236}">
+                <a16:creationId xmlns:a16="http://schemas.microsoft.com/office/drawing/2014/main" id="{636096EC-BC9B-4D28-BE28-8CAF60109283}"/>
+              </a:ext>
+            </a:extLst>
+          </p:cNvPr>
+          <p:cNvSpPr>
+            <a:spLocks noGrp="1"/>
+          </p:cNvSpPr>
+          <p:nvPr>
+            <p:ph type="sldNum" sz="quarter" idx="12"/>
+          </p:nvPr>
+        </p:nvSpPr>
+        <p:spPr/>
+        <p:txBody>
+          <a:bodyPr/>
+          <a:lstStyle/>
+          <a:p>
+            <a:fld id="{B8DACC02-A2BD-4578-8E03-6D891060A695}" type="slidenum">
+              <a:rPr lang="en-US" smtClean="0"/>
+              <a:pPr/>
+              <a:t>54</a:t>
+            </a:fld>
+            <a:endParaRPr lang="en-US" dirty="0"/>
+          </a:p>
+        </p:txBody>
+      </p:sp>
+    </p:spTree>
+    <p:extLst>
+      <p:ext uri="{BB962C8B-B14F-4D97-AF65-F5344CB8AC3E}">
+        <p14:creationId xmlns:p14="http://schemas.microsoft.com/office/powerpoint/2010/main" val="3151159116"/>
       </p:ext>
     </p:extLst>
   </p:cSld>

--- a/SE495/Lectures/5-Securing Funding/Securing Funding.pptx
+++ b/SE495/Lectures/5-Securing Funding/Securing Funding.pptx
@@ -5,83 +5,84 @@
     <p:sldMasterId id="2147483648" r:id="rId1"/>
   </p:sldMasterIdLst>
   <p:notesMasterIdLst>
-    <p:notesMasterId r:id="rId76"/>
+    <p:notesMasterId r:id="rId77"/>
   </p:notesMasterIdLst>
   <p:sldIdLst>
     <p:sldId id="256" r:id="rId2"/>
     <p:sldId id="744" r:id="rId3"/>
     <p:sldId id="749" r:id="rId4"/>
     <p:sldId id="764" r:id="rId5"/>
-    <p:sldId id="748" r:id="rId6"/>
-    <p:sldId id="786" r:id="rId7"/>
-    <p:sldId id="750" r:id="rId8"/>
-    <p:sldId id="802" r:id="rId9"/>
-    <p:sldId id="803" r:id="rId10"/>
-    <p:sldId id="804" r:id="rId11"/>
-    <p:sldId id="805" r:id="rId12"/>
-    <p:sldId id="801" r:id="rId13"/>
-    <p:sldId id="806" r:id="rId14"/>
-    <p:sldId id="807" r:id="rId15"/>
-    <p:sldId id="809" r:id="rId16"/>
-    <p:sldId id="808" r:id="rId17"/>
-    <p:sldId id="751" r:id="rId18"/>
-    <p:sldId id="752" r:id="rId19"/>
-    <p:sldId id="753" r:id="rId20"/>
-    <p:sldId id="755" r:id="rId21"/>
-    <p:sldId id="754" r:id="rId22"/>
-    <p:sldId id="756" r:id="rId23"/>
-    <p:sldId id="757" r:id="rId24"/>
-    <p:sldId id="758" r:id="rId25"/>
-    <p:sldId id="800" r:id="rId26"/>
-    <p:sldId id="785" r:id="rId27"/>
-    <p:sldId id="760" r:id="rId28"/>
-    <p:sldId id="759" r:id="rId29"/>
-    <p:sldId id="810" r:id="rId30"/>
-    <p:sldId id="811" r:id="rId31"/>
-    <p:sldId id="761" r:id="rId32"/>
-    <p:sldId id="812" r:id="rId33"/>
-    <p:sldId id="762" r:id="rId34"/>
-    <p:sldId id="763" r:id="rId35"/>
-    <p:sldId id="765" r:id="rId36"/>
-    <p:sldId id="766" r:id="rId37"/>
-    <p:sldId id="770" r:id="rId38"/>
-    <p:sldId id="771" r:id="rId39"/>
-    <p:sldId id="813" r:id="rId40"/>
-    <p:sldId id="814" r:id="rId41"/>
-    <p:sldId id="815" r:id="rId42"/>
-    <p:sldId id="816" r:id="rId43"/>
-    <p:sldId id="817" r:id="rId44"/>
-    <p:sldId id="818" r:id="rId45"/>
-    <p:sldId id="819" r:id="rId46"/>
-    <p:sldId id="767" r:id="rId47"/>
-    <p:sldId id="787" r:id="rId48"/>
-    <p:sldId id="788" r:id="rId49"/>
-    <p:sldId id="769" r:id="rId50"/>
-    <p:sldId id="768" r:id="rId51"/>
-    <p:sldId id="772" r:id="rId52"/>
-    <p:sldId id="789" r:id="rId53"/>
-    <p:sldId id="790" r:id="rId54"/>
-    <p:sldId id="773" r:id="rId55"/>
-    <p:sldId id="791" r:id="rId56"/>
-    <p:sldId id="792" r:id="rId57"/>
-    <p:sldId id="793" r:id="rId58"/>
-    <p:sldId id="774" r:id="rId59"/>
-    <p:sldId id="775" r:id="rId60"/>
-    <p:sldId id="777" r:id="rId61"/>
-    <p:sldId id="776" r:id="rId62"/>
-    <p:sldId id="778" r:id="rId63"/>
-    <p:sldId id="779" r:id="rId64"/>
-    <p:sldId id="780" r:id="rId65"/>
-    <p:sldId id="781" r:id="rId66"/>
-    <p:sldId id="782" r:id="rId67"/>
-    <p:sldId id="794" r:id="rId68"/>
-    <p:sldId id="795" r:id="rId69"/>
-    <p:sldId id="796" r:id="rId70"/>
-    <p:sldId id="783" r:id="rId71"/>
-    <p:sldId id="784" r:id="rId72"/>
-    <p:sldId id="797" r:id="rId73"/>
-    <p:sldId id="798" r:id="rId74"/>
-    <p:sldId id="799" r:id="rId75"/>
+    <p:sldId id="820" r:id="rId6"/>
+    <p:sldId id="748" r:id="rId7"/>
+    <p:sldId id="786" r:id="rId8"/>
+    <p:sldId id="750" r:id="rId9"/>
+    <p:sldId id="802" r:id="rId10"/>
+    <p:sldId id="803" r:id="rId11"/>
+    <p:sldId id="804" r:id="rId12"/>
+    <p:sldId id="805" r:id="rId13"/>
+    <p:sldId id="801" r:id="rId14"/>
+    <p:sldId id="806" r:id="rId15"/>
+    <p:sldId id="807" r:id="rId16"/>
+    <p:sldId id="809" r:id="rId17"/>
+    <p:sldId id="808" r:id="rId18"/>
+    <p:sldId id="751" r:id="rId19"/>
+    <p:sldId id="752" r:id="rId20"/>
+    <p:sldId id="753" r:id="rId21"/>
+    <p:sldId id="755" r:id="rId22"/>
+    <p:sldId id="754" r:id="rId23"/>
+    <p:sldId id="756" r:id="rId24"/>
+    <p:sldId id="757" r:id="rId25"/>
+    <p:sldId id="758" r:id="rId26"/>
+    <p:sldId id="800" r:id="rId27"/>
+    <p:sldId id="785" r:id="rId28"/>
+    <p:sldId id="760" r:id="rId29"/>
+    <p:sldId id="759" r:id="rId30"/>
+    <p:sldId id="810" r:id="rId31"/>
+    <p:sldId id="811" r:id="rId32"/>
+    <p:sldId id="761" r:id="rId33"/>
+    <p:sldId id="812" r:id="rId34"/>
+    <p:sldId id="762" r:id="rId35"/>
+    <p:sldId id="763" r:id="rId36"/>
+    <p:sldId id="765" r:id="rId37"/>
+    <p:sldId id="766" r:id="rId38"/>
+    <p:sldId id="770" r:id="rId39"/>
+    <p:sldId id="771" r:id="rId40"/>
+    <p:sldId id="813" r:id="rId41"/>
+    <p:sldId id="814" r:id="rId42"/>
+    <p:sldId id="815" r:id="rId43"/>
+    <p:sldId id="816" r:id="rId44"/>
+    <p:sldId id="817" r:id="rId45"/>
+    <p:sldId id="818" r:id="rId46"/>
+    <p:sldId id="819" r:id="rId47"/>
+    <p:sldId id="767" r:id="rId48"/>
+    <p:sldId id="787" r:id="rId49"/>
+    <p:sldId id="788" r:id="rId50"/>
+    <p:sldId id="769" r:id="rId51"/>
+    <p:sldId id="768" r:id="rId52"/>
+    <p:sldId id="772" r:id="rId53"/>
+    <p:sldId id="789" r:id="rId54"/>
+    <p:sldId id="790" r:id="rId55"/>
+    <p:sldId id="773" r:id="rId56"/>
+    <p:sldId id="791" r:id="rId57"/>
+    <p:sldId id="792" r:id="rId58"/>
+    <p:sldId id="793" r:id="rId59"/>
+    <p:sldId id="774" r:id="rId60"/>
+    <p:sldId id="775" r:id="rId61"/>
+    <p:sldId id="777" r:id="rId62"/>
+    <p:sldId id="776" r:id="rId63"/>
+    <p:sldId id="778" r:id="rId64"/>
+    <p:sldId id="779" r:id="rId65"/>
+    <p:sldId id="780" r:id="rId66"/>
+    <p:sldId id="781" r:id="rId67"/>
+    <p:sldId id="782" r:id="rId68"/>
+    <p:sldId id="794" r:id="rId69"/>
+    <p:sldId id="795" r:id="rId70"/>
+    <p:sldId id="796" r:id="rId71"/>
+    <p:sldId id="783" r:id="rId72"/>
+    <p:sldId id="784" r:id="rId73"/>
+    <p:sldId id="797" r:id="rId74"/>
+    <p:sldId id="798" r:id="rId75"/>
+    <p:sldId id="799" r:id="rId76"/>
   </p:sldIdLst>
   <p:sldSz cx="12192000" cy="6858000"/>
   <p:notesSz cx="6858000" cy="9144000"/>
@@ -7573,7 +7574,7 @@
           <a:p>
             <a:fld id="{41DA9887-9249-49FD-809A-BACB264048C3}" type="datetimeFigureOut">
               <a:rPr lang="en-US" smtClean="0"/>
-              <a:t>2/14/2024</a:t>
+              <a:t>2/29/2024</a:t>
             </a:fld>
             <a:endParaRPr lang="en-US"/>
           </a:p>
@@ -7975,7 +7976,7 @@
           <a:p>
             <a:fld id="{EF213E56-3C1A-435A-851B-5B1F221C2038}" type="datetime1">
               <a:rPr lang="en-US" smtClean="0"/>
-              <a:t>2/14/2024</a:t>
+              <a:t>2/29/2024</a:t>
             </a:fld>
             <a:endParaRPr lang="en-US"/>
           </a:p>
@@ -8276,7 +8277,7 @@
           <a:p>
             <a:fld id="{B4696837-4851-4AA6-8AED-554226C981D1}" type="datetime1">
               <a:rPr lang="en-US" smtClean="0"/>
-              <a:t>2/14/2024</a:t>
+              <a:t>2/29/2024</a:t>
             </a:fld>
             <a:endParaRPr lang="en-US"/>
           </a:p>
@@ -8454,7 +8455,7 @@
           <a:p>
             <a:fld id="{BADD32E1-BB70-4827-BA33-FF5AFC435BE9}" type="datetime1">
               <a:rPr lang="en-US" smtClean="0"/>
-              <a:t>2/14/2024</a:t>
+              <a:t>2/29/2024</a:t>
             </a:fld>
             <a:endParaRPr lang="en-US"/>
           </a:p>
@@ -8697,7 +8698,7 @@
             </a:pPr>
             <a:fld id="{40B9EAF6-54F2-4DF5-9C6B-3F6F95B86356}" type="datetime1">
               <a:rPr lang="en-US" smtClean="0"/>
-              <a:t>2/14/2024</a:t>
+              <a:t>2/29/2024</a:t>
             </a:fld>
             <a:endParaRPr lang="en-US"/>
           </a:p>
@@ -8877,7 +8878,7 @@
             </a:pPr>
             <a:fld id="{D3D64A56-6FF4-479A-8655-719A18A98C4B}" type="datetime1">
               <a:rPr lang="en-US" smtClean="0"/>
-              <a:t>2/14/2024</a:t>
+              <a:t>2/29/2024</a:t>
             </a:fld>
             <a:endParaRPr lang="en-US"/>
           </a:p>
@@ -9158,7 +9159,7 @@
           <a:p>
             <a:fld id="{BB961044-FC46-4CBC-9061-59528F4899F3}" type="datetime1">
               <a:rPr lang="en-US" smtClean="0"/>
-              <a:t>2/14/2024</a:t>
+              <a:t>2/29/2024</a:t>
             </a:fld>
             <a:endParaRPr lang="en-US"/>
           </a:p>
@@ -9508,7 +9509,7 @@
           <a:p>
             <a:fld id="{4466A08C-77F3-471E-A5C4-1D2068144BAC}" type="datetime1">
               <a:rPr lang="en-US" smtClean="0"/>
-              <a:t>2/14/2024</a:t>
+              <a:t>2/29/2024</a:t>
             </a:fld>
             <a:endParaRPr lang="en-US"/>
           </a:p>
@@ -9737,7 +9738,7 @@
           <a:p>
             <a:fld id="{B90A7AD1-16F4-44C3-AE32-24C59A599E9D}" type="datetime1">
               <a:rPr lang="en-US" smtClean="0"/>
-              <a:t>2/14/2024</a:t>
+              <a:t>2/29/2024</a:t>
             </a:fld>
             <a:endParaRPr lang="en-US"/>
           </a:p>
@@ -10101,7 +10102,7 @@
           <a:p>
             <a:fld id="{B583DB4F-4316-4DF5-A229-BC1D787C82A0}" type="datetime1">
               <a:rPr lang="en-US" smtClean="0"/>
-              <a:t>2/14/2024</a:t>
+              <a:t>2/29/2024</a:t>
             </a:fld>
             <a:endParaRPr lang="en-US"/>
           </a:p>
@@ -10196,7 +10197,7 @@
           <a:p>
             <a:fld id="{AE6064B7-7A9F-432D-B7B9-6824267AA574}" type="datetime1">
               <a:rPr lang="en-US" smtClean="0"/>
-              <a:t>2/14/2024</a:t>
+              <a:t>2/29/2024</a:t>
             </a:fld>
             <a:endParaRPr lang="en-US"/>
           </a:p>
@@ -10421,7 +10422,7 @@
             <a:fld id="{B2F5E2FA-C428-4CE7-95B0-168D3259A5BB}" type="datetimeFigureOut">
               <a:rPr lang="en-US" smtClean="0"/>
               <a:pPr/>
-              <a:t>2/14/2024</a:t>
+              <a:t>2/29/2024</a:t>
             </a:fld>
             <a:endParaRPr lang="en-US"/>
           </a:p>
@@ -10598,7 +10599,7 @@
           <a:p>
             <a:fld id="{4E1C93A2-B712-486A-8AB5-D41B95D547BE}" type="datetime1">
               <a:rPr lang="en-US" smtClean="0"/>
-              <a:t>2/14/2024</a:t>
+              <a:t>2/29/2024</a:t>
             </a:fld>
             <a:endParaRPr lang="en-US"/>
           </a:p>
@@ -10873,7 +10874,7 @@
           <a:p>
             <a:fld id="{CAB2F318-F19F-4608-B7EF-F7FB8A482213}" type="datetime1">
               <a:rPr lang="en-US" smtClean="0"/>
-              <a:t>2/14/2024</a:t>
+              <a:t>2/29/2024</a:t>
             </a:fld>
             <a:endParaRPr lang="en-US"/>
           </a:p>
@@ -11125,7 +11126,7 @@
           <a:p>
             <a:fld id="{BB9CEF8C-69D6-4C3E-B892-F682F307A7B6}" type="datetime1">
               <a:rPr lang="en-US" smtClean="0"/>
-              <a:t>2/14/2024</a:t>
+              <a:t>2/29/2024</a:t>
             </a:fld>
             <a:endParaRPr lang="en-US"/>
           </a:p>
@@ -11336,7 +11337,7 @@
           <a:p>
             <a:fld id="{FB737C73-4A31-4C17-AFB7-7B8470027787}" type="datetime1">
               <a:rPr lang="en-US" smtClean="0"/>
-              <a:t>2/14/2024</a:t>
+              <a:t>2/29/2024</a:t>
             </a:fld>
             <a:endParaRPr lang="en-US"/>
           </a:p>
@@ -11902,7 +11903,22 @@
           <a:bodyPr/>
           <a:lstStyle/>
           <a:p>
-            <a:endParaRPr lang="en-US"/>
+            <a:r>
+              <a:rPr lang="en-US" dirty="0"/>
+              <a:t>An investor pitch occurs in the initial stage of raising money with a potential investor. </a:t>
+            </a:r>
+          </a:p>
+          <a:p>
+            <a:r>
+              <a:rPr lang="en-US" dirty="0"/>
+              <a:t>Your slide deck should convey your business idea and persuade your investors to invest in your business. </a:t>
+            </a:r>
+          </a:p>
+          <a:p>
+            <a:r>
+              <a:rPr lang="en-US" dirty="0"/>
+              <a:t>It should also include your business's value proposition, the revenue plan, and a financial breakdown.</a:t>
+            </a:r>
           </a:p>
         </p:txBody>
       </p:sp>
@@ -11931,6 +11947,164 @@
               <a:rPr lang="en-US" smtClean="0"/>
               <a:pPr/>
               <a:t>10</a:t>
+            </a:fld>
+            <a:endParaRPr lang="en-US" dirty="0"/>
+          </a:p>
+        </p:txBody>
+      </p:sp>
+      <p:pic>
+        <p:nvPicPr>
+          <p:cNvPr id="2052" name="Picture 4" descr="Pitch Deck Services and Great powerpoint designs">
+            <a:extLst>
+              <a:ext uri="{FF2B5EF4-FFF2-40B4-BE49-F238E27FC236}">
+                <a16:creationId xmlns:a16="http://schemas.microsoft.com/office/drawing/2014/main" id="{9E205CD1-4B20-4FC8-9CB6-9A25CFBFB8D4}"/>
+              </a:ext>
+            </a:extLst>
+          </p:cNvPr>
+          <p:cNvPicPr>
+            <a:picLocks noChangeAspect="1" noChangeArrowheads="1"/>
+          </p:cNvPicPr>
+          <p:nvPr/>
+        </p:nvPicPr>
+        <p:blipFill rotWithShape="1">
+          <a:blip r:embed="rId2" cstate="print">
+            <a:extLst>
+              <a:ext uri="{28A0092B-C50C-407E-A947-70E740481C1C}">
+                <a14:useLocalDpi xmlns:a14="http://schemas.microsoft.com/office/drawing/2010/main" val="0"/>
+              </a:ext>
+            </a:extLst>
+          </a:blip>
+          <a:srcRect t="21887" b="20514"/>
+          <a:stretch/>
+        </p:blipFill>
+        <p:spPr bwMode="auto">
+          <a:xfrm>
+            <a:off x="7341079" y="4096113"/>
+            <a:ext cx="3866072" cy="2226810"/>
+          </a:xfrm>
+          <a:prstGeom prst="rect">
+            <a:avLst/>
+          </a:prstGeom>
+          <a:noFill/>
+          <a:extLst>
+            <a:ext uri="{909E8E84-426E-40DD-AFC4-6F175D3DCCD1}">
+              <a14:hiddenFill xmlns:a14="http://schemas.microsoft.com/office/drawing/2010/main">
+                <a:solidFill>
+                  <a:srgbClr val="FFFFFF"/>
+                </a:solidFill>
+              </a14:hiddenFill>
+            </a:ext>
+          </a:extLst>
+        </p:spPr>
+      </p:pic>
+    </p:spTree>
+    <p:extLst>
+      <p:ext uri="{BB962C8B-B14F-4D97-AF65-F5344CB8AC3E}">
+        <p14:creationId xmlns:p14="http://schemas.microsoft.com/office/powerpoint/2010/main" val="1371408248"/>
+      </p:ext>
+    </p:extLst>
+  </p:cSld>
+  <p:clrMapOvr>
+    <a:masterClrMapping/>
+  </p:clrMapOvr>
+</p:sld>
+</file>
+
+<file path=ppt/slides/slide11.xml><?xml version="1.0" encoding="utf-8"?>
+<p:sld xmlns:a="http://schemas.openxmlformats.org/drawingml/2006/main" xmlns:r="http://schemas.openxmlformats.org/officeDocument/2006/relationships" xmlns:p="http://schemas.openxmlformats.org/presentationml/2006/main">
+  <p:cSld>
+    <p:spTree>
+      <p:nvGrpSpPr>
+        <p:cNvPr id="1" name=""/>
+        <p:cNvGrpSpPr/>
+        <p:nvPr/>
+      </p:nvGrpSpPr>
+      <p:grpSpPr>
+        <a:xfrm>
+          <a:off x="0" y="0"/>
+          <a:ext cx="0" cy="0"/>
+          <a:chOff x="0" y="0"/>
+          <a:chExt cx="0" cy="0"/>
+        </a:xfrm>
+      </p:grpSpPr>
+      <p:sp>
+        <p:nvSpPr>
+          <p:cNvPr id="2" name="Title 1">
+            <a:extLst>
+              <a:ext uri="{FF2B5EF4-FFF2-40B4-BE49-F238E27FC236}">
+                <a16:creationId xmlns:a16="http://schemas.microsoft.com/office/drawing/2014/main" id="{7FCF3CC4-6B7F-4E61-A0BC-CFD12F10DE2A}"/>
+              </a:ext>
+            </a:extLst>
+          </p:cNvPr>
+          <p:cNvSpPr>
+            <a:spLocks noGrp="1"/>
+          </p:cNvSpPr>
+          <p:nvPr>
+            <p:ph type="title"/>
+          </p:nvPr>
+        </p:nvSpPr>
+        <p:spPr/>
+        <p:txBody>
+          <a:bodyPr/>
+          <a:lstStyle/>
+          <a:p>
+            <a:r>
+              <a:rPr lang="en-US" dirty="0"/>
+              <a:t>Investor Pitch</a:t>
+            </a:r>
+          </a:p>
+        </p:txBody>
+      </p:sp>
+      <p:sp>
+        <p:nvSpPr>
+          <p:cNvPr id="3" name="Content Placeholder 2">
+            <a:extLst>
+              <a:ext uri="{FF2B5EF4-FFF2-40B4-BE49-F238E27FC236}">
+                <a16:creationId xmlns:a16="http://schemas.microsoft.com/office/drawing/2014/main" id="{2A8078B5-EABD-4BF8-B8FD-27E1E32AD88F}"/>
+              </a:ext>
+            </a:extLst>
+          </p:cNvPr>
+          <p:cNvSpPr>
+            <a:spLocks noGrp="1"/>
+          </p:cNvSpPr>
+          <p:nvPr>
+            <p:ph idx="1"/>
+          </p:nvPr>
+        </p:nvSpPr>
+        <p:spPr/>
+        <p:txBody>
+          <a:bodyPr/>
+          <a:lstStyle/>
+          <a:p>
+            <a:endParaRPr lang="en-US"/>
+          </a:p>
+        </p:txBody>
+      </p:sp>
+      <p:sp>
+        <p:nvSpPr>
+          <p:cNvPr id="4" name="Slide Number Placeholder 3">
+            <a:extLst>
+              <a:ext uri="{FF2B5EF4-FFF2-40B4-BE49-F238E27FC236}">
+                <a16:creationId xmlns:a16="http://schemas.microsoft.com/office/drawing/2014/main" id="{B4EDBEAA-0A61-4249-AD28-429D3EF7AC73}"/>
+              </a:ext>
+            </a:extLst>
+          </p:cNvPr>
+          <p:cNvSpPr>
+            <a:spLocks noGrp="1"/>
+          </p:cNvSpPr>
+          <p:nvPr>
+            <p:ph type="sldNum" sz="quarter" idx="12"/>
+          </p:nvPr>
+        </p:nvSpPr>
+        <p:spPr/>
+        <p:txBody>
+          <a:bodyPr/>
+          <a:lstStyle/>
+          <a:p>
+            <a:fld id="{B8DACC02-A2BD-4578-8E03-6D891060A695}" type="slidenum">
+              <a:rPr lang="en-US" smtClean="0"/>
+              <a:pPr/>
+              <a:t>11</a:t>
             </a:fld>
             <a:endParaRPr lang="en-US" dirty="0"/>
           </a:p>
@@ -11994,7 +12168,7 @@
 </p:sld>
 </file>
 
-<file path=ppt/slides/slide11.xml><?xml version="1.0" encoding="utf-8"?>
+<file path=ppt/slides/slide12.xml><?xml version="1.0" encoding="utf-8"?>
 <p:sld xmlns:a="http://schemas.openxmlformats.org/drawingml/2006/main" xmlns:r="http://schemas.openxmlformats.org/officeDocument/2006/relationships" xmlns:p="http://schemas.openxmlformats.org/presentationml/2006/main">
   <p:cSld>
     <p:spTree>
@@ -12088,7 +12262,7 @@
             <a:fld id="{B8DACC02-A2BD-4578-8E03-6D891060A695}" type="slidenum">
               <a:rPr lang="en-US" smtClean="0"/>
               <a:pPr/>
-              <a:t>11</a:t>
+              <a:t>12</a:t>
             </a:fld>
             <a:endParaRPr lang="en-US" dirty="0"/>
           </a:p>
@@ -12152,136 +12326,6 @@
 </p:sld>
 </file>
 
-<file path=ppt/slides/slide12.xml><?xml version="1.0" encoding="utf-8"?>
-<p:sld xmlns:a="http://schemas.openxmlformats.org/drawingml/2006/main" xmlns:r="http://schemas.openxmlformats.org/officeDocument/2006/relationships" xmlns:p="http://schemas.openxmlformats.org/presentationml/2006/main">
-  <p:cSld>
-    <p:spTree>
-      <p:nvGrpSpPr>
-        <p:cNvPr id="1" name=""/>
-        <p:cNvGrpSpPr/>
-        <p:nvPr/>
-      </p:nvGrpSpPr>
-      <p:grpSpPr>
-        <a:xfrm>
-          <a:off x="0" y="0"/>
-          <a:ext cx="0" cy="0"/>
-          <a:chOff x="0" y="0"/>
-          <a:chExt cx="0" cy="0"/>
-        </a:xfrm>
-      </p:grpSpPr>
-      <p:sp>
-        <p:nvSpPr>
-          <p:cNvPr id="2" name="Title 1">
-            <a:extLst>
-              <a:ext uri="{FF2B5EF4-FFF2-40B4-BE49-F238E27FC236}">
-                <a16:creationId xmlns:a16="http://schemas.microsoft.com/office/drawing/2014/main" id="{FF8AA31F-A489-4E87-A618-3281DABC7EF4}"/>
-              </a:ext>
-            </a:extLst>
-          </p:cNvPr>
-          <p:cNvSpPr>
-            <a:spLocks noGrp="1"/>
-          </p:cNvSpPr>
-          <p:nvPr>
-            <p:ph type="title"/>
-          </p:nvPr>
-        </p:nvSpPr>
-        <p:spPr/>
-        <p:txBody>
-          <a:bodyPr>
-            <a:normAutofit/>
-          </a:bodyPr>
-          <a:lstStyle/>
-          <a:p>
-            <a:r>
-              <a:rPr lang="en-US" dirty="0"/>
-              <a:t>Elevator pitch</a:t>
-            </a:r>
-          </a:p>
-        </p:txBody>
-      </p:sp>
-      <p:sp>
-        <p:nvSpPr>
-          <p:cNvPr id="3" name="Content Placeholder 2">
-            <a:extLst>
-              <a:ext uri="{FF2B5EF4-FFF2-40B4-BE49-F238E27FC236}">
-                <a16:creationId xmlns:a16="http://schemas.microsoft.com/office/drawing/2014/main" id="{3C1E1BE4-494D-43B5-8B76-0282C8A7BC68}"/>
-              </a:ext>
-            </a:extLst>
-          </p:cNvPr>
-          <p:cNvSpPr>
-            <a:spLocks noGrp="1"/>
-          </p:cNvSpPr>
-          <p:nvPr>
-            <p:ph idx="1"/>
-          </p:nvPr>
-        </p:nvSpPr>
-        <p:spPr/>
-        <p:txBody>
-          <a:bodyPr/>
-          <a:lstStyle/>
-          <a:p>
-            <a:r>
-              <a:rPr lang="en-US" dirty="0"/>
-              <a:t>An elevator pitch can be delivered within the duration of an elevator ride. </a:t>
-            </a:r>
-          </a:p>
-          <a:p>
-            <a:r>
-              <a:rPr lang="en-US" dirty="0"/>
-              <a:t>It's a one-minute session to talk about your business, your product or service, and even your skill sets as an entrepreneur. </a:t>
-            </a:r>
-          </a:p>
-          <a:p>
-            <a:r>
-              <a:rPr lang="en-US" dirty="0"/>
-              <a:t>This type of pitch must be concise, clear, and persuasive and include a compelling call to action.</a:t>
-            </a:r>
-          </a:p>
-        </p:txBody>
-      </p:sp>
-      <p:sp>
-        <p:nvSpPr>
-          <p:cNvPr id="4" name="Slide Number Placeholder 3">
-            <a:extLst>
-              <a:ext uri="{FF2B5EF4-FFF2-40B4-BE49-F238E27FC236}">
-                <a16:creationId xmlns:a16="http://schemas.microsoft.com/office/drawing/2014/main" id="{F6804993-6E96-4DA3-964A-463A95F36EA3}"/>
-              </a:ext>
-            </a:extLst>
-          </p:cNvPr>
-          <p:cNvSpPr>
-            <a:spLocks noGrp="1"/>
-          </p:cNvSpPr>
-          <p:nvPr>
-            <p:ph type="sldNum" sz="quarter" idx="12"/>
-          </p:nvPr>
-        </p:nvSpPr>
-        <p:spPr/>
-        <p:txBody>
-          <a:bodyPr/>
-          <a:lstStyle/>
-          <a:p>
-            <a:fld id="{B8DACC02-A2BD-4578-8E03-6D891060A695}" type="slidenum">
-              <a:rPr lang="en-US" smtClean="0"/>
-              <a:pPr/>
-              <a:t>12</a:t>
-            </a:fld>
-            <a:endParaRPr lang="en-US" dirty="0"/>
-          </a:p>
-        </p:txBody>
-      </p:sp>
-    </p:spTree>
-    <p:extLst>
-      <p:ext uri="{BB962C8B-B14F-4D97-AF65-F5344CB8AC3E}">
-        <p14:creationId xmlns:p14="http://schemas.microsoft.com/office/powerpoint/2010/main" val="3176053789"/>
-      </p:ext>
-    </p:extLst>
-  </p:cSld>
-  <p:clrMapOvr>
-    <a:masterClrMapping/>
-  </p:clrMapOvr>
-</p:sld>
-</file>
-
 <file path=ppt/slides/slide13.xml><?xml version="1.0" encoding="utf-8"?>
 <p:sld xmlns:a="http://schemas.openxmlformats.org/drawingml/2006/main" xmlns:r="http://schemas.openxmlformats.org/officeDocument/2006/relationships" xmlns:p="http://schemas.openxmlformats.org/presentationml/2006/main">
   <p:cSld>
@@ -12350,7 +12394,22 @@
           <a:bodyPr/>
           <a:lstStyle/>
           <a:p>
-            <a:endParaRPr lang="en-US"/>
+            <a:r>
+              <a:rPr lang="en-US" dirty="0"/>
+              <a:t>An elevator pitch can be delivered within the duration of an elevator ride. </a:t>
+            </a:r>
+          </a:p>
+          <a:p>
+            <a:r>
+              <a:rPr lang="en-US" dirty="0"/>
+              <a:t>It's a one-minute session to talk about your business, your product or service, and even your skill sets as an entrepreneur. </a:t>
+            </a:r>
+          </a:p>
+          <a:p>
+            <a:r>
+              <a:rPr lang="en-US" dirty="0"/>
+              <a:t>This type of pitch must be concise, clear, and persuasive and include a compelling call to action.</a:t>
+            </a:r>
           </a:p>
         </p:txBody>
       </p:sp>
@@ -12379,6 +12438,121 @@
               <a:rPr lang="en-US" smtClean="0"/>
               <a:pPr/>
               <a:t>13</a:t>
+            </a:fld>
+            <a:endParaRPr lang="en-US" dirty="0"/>
+          </a:p>
+        </p:txBody>
+      </p:sp>
+    </p:spTree>
+    <p:extLst>
+      <p:ext uri="{BB962C8B-B14F-4D97-AF65-F5344CB8AC3E}">
+        <p14:creationId xmlns:p14="http://schemas.microsoft.com/office/powerpoint/2010/main" val="3176053789"/>
+      </p:ext>
+    </p:extLst>
+  </p:cSld>
+  <p:clrMapOvr>
+    <a:masterClrMapping/>
+  </p:clrMapOvr>
+</p:sld>
+</file>
+
+<file path=ppt/slides/slide14.xml><?xml version="1.0" encoding="utf-8"?>
+<p:sld xmlns:a="http://schemas.openxmlformats.org/drawingml/2006/main" xmlns:r="http://schemas.openxmlformats.org/officeDocument/2006/relationships" xmlns:p="http://schemas.openxmlformats.org/presentationml/2006/main">
+  <p:cSld>
+    <p:spTree>
+      <p:nvGrpSpPr>
+        <p:cNvPr id="1" name=""/>
+        <p:cNvGrpSpPr/>
+        <p:nvPr/>
+      </p:nvGrpSpPr>
+      <p:grpSpPr>
+        <a:xfrm>
+          <a:off x="0" y="0"/>
+          <a:ext cx="0" cy="0"/>
+          <a:chOff x="0" y="0"/>
+          <a:chExt cx="0" cy="0"/>
+        </a:xfrm>
+      </p:grpSpPr>
+      <p:sp>
+        <p:nvSpPr>
+          <p:cNvPr id="2" name="Title 1">
+            <a:extLst>
+              <a:ext uri="{FF2B5EF4-FFF2-40B4-BE49-F238E27FC236}">
+                <a16:creationId xmlns:a16="http://schemas.microsoft.com/office/drawing/2014/main" id="{FF8AA31F-A489-4E87-A618-3281DABC7EF4}"/>
+              </a:ext>
+            </a:extLst>
+          </p:cNvPr>
+          <p:cNvSpPr>
+            <a:spLocks noGrp="1"/>
+          </p:cNvSpPr>
+          <p:nvPr>
+            <p:ph type="title"/>
+          </p:nvPr>
+        </p:nvSpPr>
+        <p:spPr/>
+        <p:txBody>
+          <a:bodyPr>
+            <a:normAutofit/>
+          </a:bodyPr>
+          <a:lstStyle/>
+          <a:p>
+            <a:r>
+              <a:rPr lang="en-US" dirty="0"/>
+              <a:t>Elevator pitch</a:t>
+            </a:r>
+          </a:p>
+        </p:txBody>
+      </p:sp>
+      <p:sp>
+        <p:nvSpPr>
+          <p:cNvPr id="3" name="Content Placeholder 2">
+            <a:extLst>
+              <a:ext uri="{FF2B5EF4-FFF2-40B4-BE49-F238E27FC236}">
+                <a16:creationId xmlns:a16="http://schemas.microsoft.com/office/drawing/2014/main" id="{3C1E1BE4-494D-43B5-8B76-0282C8A7BC68}"/>
+              </a:ext>
+            </a:extLst>
+          </p:cNvPr>
+          <p:cNvSpPr>
+            <a:spLocks noGrp="1"/>
+          </p:cNvSpPr>
+          <p:nvPr>
+            <p:ph idx="1"/>
+          </p:nvPr>
+        </p:nvSpPr>
+        <p:spPr/>
+        <p:txBody>
+          <a:bodyPr/>
+          <a:lstStyle/>
+          <a:p>
+            <a:endParaRPr lang="en-US"/>
+          </a:p>
+        </p:txBody>
+      </p:sp>
+      <p:sp>
+        <p:nvSpPr>
+          <p:cNvPr id="4" name="Slide Number Placeholder 3">
+            <a:extLst>
+              <a:ext uri="{FF2B5EF4-FFF2-40B4-BE49-F238E27FC236}">
+                <a16:creationId xmlns:a16="http://schemas.microsoft.com/office/drawing/2014/main" id="{F6804993-6E96-4DA3-964A-463A95F36EA3}"/>
+              </a:ext>
+            </a:extLst>
+          </p:cNvPr>
+          <p:cNvSpPr>
+            <a:spLocks noGrp="1"/>
+          </p:cNvSpPr>
+          <p:nvPr>
+            <p:ph type="sldNum" sz="quarter" idx="12"/>
+          </p:nvPr>
+        </p:nvSpPr>
+        <p:spPr/>
+        <p:txBody>
+          <a:bodyPr/>
+          <a:lstStyle/>
+          <a:p>
+            <a:fld id="{B8DACC02-A2BD-4578-8E03-6D891060A695}" type="slidenum">
+              <a:rPr lang="en-US" smtClean="0"/>
+              <a:pPr/>
+              <a:t>14</a:t>
             </a:fld>
             <a:endParaRPr lang="en-US" dirty="0"/>
           </a:p>
@@ -12442,136 +12616,6 @@
 </p:sld>
 </file>
 
-<file path=ppt/slides/slide14.xml><?xml version="1.0" encoding="utf-8"?>
-<p:sld xmlns:a="http://schemas.openxmlformats.org/drawingml/2006/main" xmlns:r="http://schemas.openxmlformats.org/officeDocument/2006/relationships" xmlns:p="http://schemas.openxmlformats.org/presentationml/2006/main">
-  <p:cSld>
-    <p:spTree>
-      <p:nvGrpSpPr>
-        <p:cNvPr id="1" name=""/>
-        <p:cNvGrpSpPr/>
-        <p:nvPr/>
-      </p:nvGrpSpPr>
-      <p:grpSpPr>
-        <a:xfrm>
-          <a:off x="0" y="0"/>
-          <a:ext cx="0" cy="0"/>
-          <a:chOff x="0" y="0"/>
-          <a:chExt cx="0" cy="0"/>
-        </a:xfrm>
-      </p:grpSpPr>
-      <p:sp>
-        <p:nvSpPr>
-          <p:cNvPr id="2" name="Title 1">
-            <a:extLst>
-              <a:ext uri="{FF2B5EF4-FFF2-40B4-BE49-F238E27FC236}">
-                <a16:creationId xmlns:a16="http://schemas.microsoft.com/office/drawing/2014/main" id="{EB6AF18F-8A94-4AF9-AB91-2E4D99FE2958}"/>
-              </a:ext>
-            </a:extLst>
-          </p:cNvPr>
-          <p:cNvSpPr>
-            <a:spLocks noGrp="1"/>
-          </p:cNvSpPr>
-          <p:nvPr>
-            <p:ph type="title"/>
-          </p:nvPr>
-        </p:nvSpPr>
-        <p:spPr/>
-        <p:txBody>
-          <a:bodyPr/>
-          <a:lstStyle/>
-          <a:p>
-            <a:r>
-              <a:rPr lang="en-US" dirty="0"/>
-              <a:t>Sales Pitch </a:t>
-            </a:r>
-          </a:p>
-        </p:txBody>
-      </p:sp>
-      <p:sp>
-        <p:nvSpPr>
-          <p:cNvPr id="3" name="Content Placeholder 2">
-            <a:extLst>
-              <a:ext uri="{FF2B5EF4-FFF2-40B4-BE49-F238E27FC236}">
-                <a16:creationId xmlns:a16="http://schemas.microsoft.com/office/drawing/2014/main" id="{6D5D09E4-11E2-4888-A5A2-9A9095CB520A}"/>
-              </a:ext>
-            </a:extLst>
-          </p:cNvPr>
-          <p:cNvSpPr>
-            <a:spLocks noGrp="1"/>
-          </p:cNvSpPr>
-          <p:nvPr>
-            <p:ph idx="1"/>
-          </p:nvPr>
-        </p:nvSpPr>
-        <p:spPr/>
-        <p:txBody>
-          <a:bodyPr/>
-          <a:lstStyle/>
-          <a:p>
-            <a:r>
-              <a:rPr lang="en-US" dirty="0"/>
-              <a:t>The main objective here is to pitch the value of your product or service to the audience and persuade them to take the desired action. </a:t>
-            </a:r>
-            <a:endParaRPr lang="ar-SA" dirty="0"/>
-          </a:p>
-          <a:p>
-            <a:r>
-              <a:rPr lang="en-US" dirty="0"/>
-              <a:t>These pitches may vary in length and style depending on your target audience and objective. </a:t>
-            </a:r>
-            <a:endParaRPr lang="ar-SA" dirty="0"/>
-          </a:p>
-          <a:p>
-            <a:r>
-              <a:rPr lang="en-US" dirty="0"/>
-              <a:t>Elements of a sales deck include an introduction to your product or service, a value proposition, business case studies, and a clear call to action.</a:t>
-            </a:r>
-          </a:p>
-        </p:txBody>
-      </p:sp>
-      <p:sp>
-        <p:nvSpPr>
-          <p:cNvPr id="4" name="Slide Number Placeholder 3">
-            <a:extLst>
-              <a:ext uri="{FF2B5EF4-FFF2-40B4-BE49-F238E27FC236}">
-                <a16:creationId xmlns:a16="http://schemas.microsoft.com/office/drawing/2014/main" id="{A98F178D-8AE4-4A1E-8824-411C28F82025}"/>
-              </a:ext>
-            </a:extLst>
-          </p:cNvPr>
-          <p:cNvSpPr>
-            <a:spLocks noGrp="1"/>
-          </p:cNvSpPr>
-          <p:nvPr>
-            <p:ph type="sldNum" sz="quarter" idx="12"/>
-          </p:nvPr>
-        </p:nvSpPr>
-        <p:spPr/>
-        <p:txBody>
-          <a:bodyPr/>
-          <a:lstStyle/>
-          <a:p>
-            <a:fld id="{B8DACC02-A2BD-4578-8E03-6D891060A695}" type="slidenum">
-              <a:rPr lang="en-US" smtClean="0"/>
-              <a:pPr/>
-              <a:t>14</a:t>
-            </a:fld>
-            <a:endParaRPr lang="en-US" dirty="0"/>
-          </a:p>
-        </p:txBody>
-      </p:sp>
-    </p:spTree>
-    <p:extLst>
-      <p:ext uri="{BB962C8B-B14F-4D97-AF65-F5344CB8AC3E}">
-        <p14:creationId xmlns:p14="http://schemas.microsoft.com/office/powerpoint/2010/main" val="1387075033"/>
-      </p:ext>
-    </p:extLst>
-  </p:cSld>
-  <p:clrMapOvr>
-    <a:masterClrMapping/>
-  </p:clrMapOvr>
-</p:sld>
-</file>
-
 <file path=ppt/slides/slide15.xml><?xml version="1.0" encoding="utf-8"?>
 <p:sld xmlns:a="http://schemas.openxmlformats.org/drawingml/2006/main" xmlns:r="http://schemas.openxmlformats.org/officeDocument/2006/relationships" xmlns:p="http://schemas.openxmlformats.org/presentationml/2006/main">
   <p:cSld>
@@ -12594,6 +12638,136 @@
           <p:cNvPr id="2" name="Title 1">
             <a:extLst>
               <a:ext uri="{FF2B5EF4-FFF2-40B4-BE49-F238E27FC236}">
+                <a16:creationId xmlns:a16="http://schemas.microsoft.com/office/drawing/2014/main" id="{EB6AF18F-8A94-4AF9-AB91-2E4D99FE2958}"/>
+              </a:ext>
+            </a:extLst>
+          </p:cNvPr>
+          <p:cNvSpPr>
+            <a:spLocks noGrp="1"/>
+          </p:cNvSpPr>
+          <p:nvPr>
+            <p:ph type="title"/>
+          </p:nvPr>
+        </p:nvSpPr>
+        <p:spPr/>
+        <p:txBody>
+          <a:bodyPr/>
+          <a:lstStyle/>
+          <a:p>
+            <a:r>
+              <a:rPr lang="en-US" dirty="0"/>
+              <a:t>Sales Pitch </a:t>
+            </a:r>
+          </a:p>
+        </p:txBody>
+      </p:sp>
+      <p:sp>
+        <p:nvSpPr>
+          <p:cNvPr id="3" name="Content Placeholder 2">
+            <a:extLst>
+              <a:ext uri="{FF2B5EF4-FFF2-40B4-BE49-F238E27FC236}">
+                <a16:creationId xmlns:a16="http://schemas.microsoft.com/office/drawing/2014/main" id="{6D5D09E4-11E2-4888-A5A2-9A9095CB520A}"/>
+              </a:ext>
+            </a:extLst>
+          </p:cNvPr>
+          <p:cNvSpPr>
+            <a:spLocks noGrp="1"/>
+          </p:cNvSpPr>
+          <p:nvPr>
+            <p:ph idx="1"/>
+          </p:nvPr>
+        </p:nvSpPr>
+        <p:spPr/>
+        <p:txBody>
+          <a:bodyPr/>
+          <a:lstStyle/>
+          <a:p>
+            <a:r>
+              <a:rPr lang="en-US" dirty="0"/>
+              <a:t>The main objective here is to pitch the value of your product or service to the audience and persuade them to take the desired action. </a:t>
+            </a:r>
+            <a:endParaRPr lang="ar-SA" dirty="0"/>
+          </a:p>
+          <a:p>
+            <a:r>
+              <a:rPr lang="en-US" dirty="0"/>
+              <a:t>These pitches may vary in length and style depending on your target audience and objective. </a:t>
+            </a:r>
+            <a:endParaRPr lang="ar-SA" dirty="0"/>
+          </a:p>
+          <a:p>
+            <a:r>
+              <a:rPr lang="en-US" dirty="0"/>
+              <a:t>Elements of a sales deck include an introduction to your product or service, a value proposition, business case studies, and a clear call to action.</a:t>
+            </a:r>
+          </a:p>
+        </p:txBody>
+      </p:sp>
+      <p:sp>
+        <p:nvSpPr>
+          <p:cNvPr id="4" name="Slide Number Placeholder 3">
+            <a:extLst>
+              <a:ext uri="{FF2B5EF4-FFF2-40B4-BE49-F238E27FC236}">
+                <a16:creationId xmlns:a16="http://schemas.microsoft.com/office/drawing/2014/main" id="{A98F178D-8AE4-4A1E-8824-411C28F82025}"/>
+              </a:ext>
+            </a:extLst>
+          </p:cNvPr>
+          <p:cNvSpPr>
+            <a:spLocks noGrp="1"/>
+          </p:cNvSpPr>
+          <p:nvPr>
+            <p:ph type="sldNum" sz="quarter" idx="12"/>
+          </p:nvPr>
+        </p:nvSpPr>
+        <p:spPr/>
+        <p:txBody>
+          <a:bodyPr/>
+          <a:lstStyle/>
+          <a:p>
+            <a:fld id="{B8DACC02-A2BD-4578-8E03-6D891060A695}" type="slidenum">
+              <a:rPr lang="en-US" smtClean="0"/>
+              <a:pPr/>
+              <a:t>15</a:t>
+            </a:fld>
+            <a:endParaRPr lang="en-US" dirty="0"/>
+          </a:p>
+        </p:txBody>
+      </p:sp>
+    </p:spTree>
+    <p:extLst>
+      <p:ext uri="{BB962C8B-B14F-4D97-AF65-F5344CB8AC3E}">
+        <p14:creationId xmlns:p14="http://schemas.microsoft.com/office/powerpoint/2010/main" val="1387075033"/>
+      </p:ext>
+    </p:extLst>
+  </p:cSld>
+  <p:clrMapOvr>
+    <a:masterClrMapping/>
+  </p:clrMapOvr>
+</p:sld>
+</file>
+
+<file path=ppt/slides/slide16.xml><?xml version="1.0" encoding="utf-8"?>
+<p:sld xmlns:a="http://schemas.openxmlformats.org/drawingml/2006/main" xmlns:r="http://schemas.openxmlformats.org/officeDocument/2006/relationships" xmlns:p="http://schemas.openxmlformats.org/presentationml/2006/main">
+  <p:cSld>
+    <p:spTree>
+      <p:nvGrpSpPr>
+        <p:cNvPr id="1" name=""/>
+        <p:cNvGrpSpPr/>
+        <p:nvPr/>
+      </p:nvGrpSpPr>
+      <p:grpSpPr>
+        <a:xfrm>
+          <a:off x="0" y="0"/>
+          <a:ext cx="0" cy="0"/>
+          <a:chOff x="0" y="0"/>
+          <a:chExt cx="0" cy="0"/>
+        </a:xfrm>
+      </p:grpSpPr>
+      <p:sp>
+        <p:nvSpPr>
+          <p:cNvPr id="2" name="Title 1">
+            <a:extLst>
+              <a:ext uri="{FF2B5EF4-FFF2-40B4-BE49-F238E27FC236}">
                 <a16:creationId xmlns:a16="http://schemas.microsoft.com/office/drawing/2014/main" id="{E3100565-D206-434F-88B3-A3A11825F135}"/>
               </a:ext>
             </a:extLst>
@@ -12689,7 +12863,7 @@
             <a:fld id="{B8DACC02-A2BD-4578-8E03-6D891060A695}" type="slidenum">
               <a:rPr lang="en-US" smtClean="0"/>
               <a:pPr/>
-              <a:t>15</a:t>
+              <a:t>16</a:t>
             </a:fld>
             <a:endParaRPr lang="en-US" dirty="0"/>
           </a:p>
@@ -12708,7 +12882,7 @@
 </p:sld>
 </file>
 
-<file path=ppt/slides/slide16.xml><?xml version="1.0" encoding="utf-8"?>
+<file path=ppt/slides/slide17.xml><?xml version="1.0" encoding="utf-8"?>
 <p:sld xmlns:a="http://schemas.openxmlformats.org/drawingml/2006/main" xmlns:r="http://schemas.openxmlformats.org/officeDocument/2006/relationships" xmlns:p="http://schemas.openxmlformats.org/presentationml/2006/main">
   <p:cSld>
     <p:spTree>
@@ -12800,7 +12974,7 @@
                 </a:solidFill>
               </a:rPr>
               <a:pPr/>
-              <a:t>16</a:t>
+              <a:t>17</a:t>
             </a:fld>
             <a:endParaRPr lang="en-US" dirty="0">
               <a:solidFill>
@@ -12823,7 +12997,7 @@
 </p:sld>
 </file>
 
-<file path=ppt/slides/slide17.xml><?xml version="1.0" encoding="utf-8"?>
+<file path=ppt/slides/slide18.xml><?xml version="1.0" encoding="utf-8"?>
 <p:sld xmlns:a="http://schemas.openxmlformats.org/drawingml/2006/main" xmlns:r="http://schemas.openxmlformats.org/officeDocument/2006/relationships" xmlns:p="http://schemas.openxmlformats.org/presentationml/2006/main">
   <p:cSld>
     <p:spTree>
@@ -12943,7 +13117,7 @@
             <a:fld id="{B8DACC02-A2BD-4578-8E03-6D891060A695}" type="slidenum">
               <a:rPr lang="en-US" smtClean="0"/>
               <a:pPr/>
-              <a:t>17</a:t>
+              <a:t>18</a:t>
             </a:fld>
             <a:endParaRPr lang="en-US" dirty="0"/>
           </a:p>
@@ -13003,137 +13177,6 @@
 </p:sld>
 </file>
 
-<file path=ppt/slides/slide18.xml><?xml version="1.0" encoding="utf-8"?>
-<p:sld xmlns:a="http://schemas.openxmlformats.org/drawingml/2006/main" xmlns:r="http://schemas.openxmlformats.org/officeDocument/2006/relationships" xmlns:p="http://schemas.openxmlformats.org/presentationml/2006/main">
-  <p:cSld>
-    <p:spTree>
-      <p:nvGrpSpPr>
-        <p:cNvPr id="1" name=""/>
-        <p:cNvGrpSpPr/>
-        <p:nvPr/>
-      </p:nvGrpSpPr>
-      <p:grpSpPr>
-        <a:xfrm>
-          <a:off x="0" y="0"/>
-          <a:ext cx="0" cy="0"/>
-          <a:chOff x="0" y="0"/>
-          <a:chExt cx="0" cy="0"/>
-        </a:xfrm>
-      </p:grpSpPr>
-      <p:sp>
-        <p:nvSpPr>
-          <p:cNvPr id="2" name="Title 1"/>
-          <p:cNvSpPr>
-            <a:spLocks noGrp="1"/>
-          </p:cNvSpPr>
-          <p:nvPr>
-            <p:ph type="title"/>
-          </p:nvPr>
-        </p:nvSpPr>
-        <p:spPr/>
-        <p:txBody>
-          <a:bodyPr/>
-          <a:lstStyle/>
-          <a:p>
-            <a:r>
-              <a:rPr lang="en-US" dirty="0"/>
-              <a:t>Research, Practice, and Perfect Your Pitch</a:t>
-            </a:r>
-          </a:p>
-        </p:txBody>
-      </p:sp>
-      <p:sp>
-        <p:nvSpPr>
-          <p:cNvPr id="3" name="Content Placeholder 2"/>
-          <p:cNvSpPr>
-            <a:spLocks noGrp="1"/>
-          </p:cNvSpPr>
-          <p:nvPr>
-            <p:ph idx="1"/>
-          </p:nvPr>
-        </p:nvSpPr>
-        <p:spPr/>
-        <p:txBody>
-          <a:bodyPr/>
-          <a:lstStyle/>
-          <a:p>
-            <a:r>
-              <a:rPr lang="en-US" dirty="0"/>
-              <a:t>Research</a:t>
-            </a:r>
-          </a:p>
-          <a:p>
-            <a:pPr lvl="1"/>
-            <a:r>
-              <a:rPr lang="en-US" dirty="0"/>
-              <a:t>Understand the investor's interests, preferences, and criteria for investment.</a:t>
-            </a:r>
-          </a:p>
-          <a:p>
-            <a:r>
-              <a:rPr lang="en-US" dirty="0"/>
-              <a:t>Practice</a:t>
-            </a:r>
-          </a:p>
-          <a:p>
-            <a:pPr lvl="1"/>
-            <a:r>
-              <a:rPr lang="en-US" dirty="0"/>
-              <a:t>Rehearse the pitch to ensure a smooth and confident delivery.</a:t>
-            </a:r>
-          </a:p>
-          <a:p>
-            <a:r>
-              <a:rPr lang="en-US" dirty="0"/>
-              <a:t>Perfect</a:t>
-            </a:r>
-          </a:p>
-          <a:p>
-            <a:pPr lvl="1"/>
-            <a:r>
-              <a:rPr lang="en-US" dirty="0"/>
-              <a:t>Refine the pitch based on feedback from mentors, advisors, and potential investors.</a:t>
-            </a:r>
-          </a:p>
-        </p:txBody>
-      </p:sp>
-      <p:sp>
-        <p:nvSpPr>
-          <p:cNvPr id="4" name="Slide Number Placeholder 3"/>
-          <p:cNvSpPr>
-            <a:spLocks noGrp="1"/>
-          </p:cNvSpPr>
-          <p:nvPr>
-            <p:ph type="sldNum" sz="quarter" idx="12"/>
-          </p:nvPr>
-        </p:nvSpPr>
-        <p:spPr/>
-        <p:txBody>
-          <a:bodyPr/>
-          <a:lstStyle/>
-          <a:p>
-            <a:fld id="{B8DACC02-A2BD-4578-8E03-6D891060A695}" type="slidenum">
-              <a:rPr lang="en-US" smtClean="0"/>
-              <a:pPr/>
-              <a:t>18</a:t>
-            </a:fld>
-            <a:endParaRPr lang="en-US" dirty="0"/>
-          </a:p>
-        </p:txBody>
-      </p:sp>
-    </p:spTree>
-    <p:extLst>
-      <p:ext uri="{BB962C8B-B14F-4D97-AF65-F5344CB8AC3E}">
-        <p14:creationId xmlns:p14="http://schemas.microsoft.com/office/powerpoint/2010/main" val="3679163058"/>
-      </p:ext>
-    </p:extLst>
-  </p:cSld>
-  <p:clrMapOvr>
-    <a:masterClrMapping/>
-  </p:clrMapOvr>
-</p:sld>
-</file>
-
 <file path=ppt/slides/slide19.xml><?xml version="1.0" encoding="utf-8"?>
 <p:sld xmlns:a="http://schemas.openxmlformats.org/drawingml/2006/main" xmlns:r="http://schemas.openxmlformats.org/officeDocument/2006/relationships" xmlns:p="http://schemas.openxmlformats.org/presentationml/2006/main">
   <p:cSld>
@@ -13168,7 +13211,7 @@
           <a:p>
             <a:r>
               <a:rPr lang="en-US" dirty="0"/>
-              <a:t> Confidence, Passion, and Storytelling</a:t>
+              <a:t>Research, Practice, and Perfect Your Pitch</a:t>
             </a:r>
           </a:p>
         </p:txBody>
@@ -13190,40 +13233,40 @@
           <a:p>
             <a:r>
               <a:rPr lang="en-US" dirty="0"/>
-              <a:t>Confidence</a:t>
+              <a:t>Research</a:t>
             </a:r>
           </a:p>
           <a:p>
             <a:pPr lvl="1"/>
             <a:r>
               <a:rPr lang="en-US" dirty="0"/>
-              <a:t>Show confidence in the business idea and team.</a:t>
-            </a:r>
-          </a:p>
-          <a:p>
-            <a:r>
-              <a:rPr lang="en-US" dirty="0"/>
-              <a:t>Passion</a:t>
+              <a:t>Understand the investor's interests, preferences, and criteria for investment.</a:t>
+            </a:r>
+          </a:p>
+          <a:p>
+            <a:r>
+              <a:rPr lang="en-US" dirty="0"/>
+              <a:t>Practice</a:t>
             </a:r>
           </a:p>
           <a:p>
             <a:pPr lvl="1"/>
             <a:r>
               <a:rPr lang="en-US" dirty="0"/>
-              <a:t>Demonstrate passion for the business and its potential impact.</a:t>
-            </a:r>
-          </a:p>
-          <a:p>
-            <a:r>
-              <a:rPr lang="en-US" dirty="0"/>
-              <a:t>Storytelling</a:t>
+              <a:t>Rehearse the pitch to ensure a smooth and confident delivery.</a:t>
+            </a:r>
+          </a:p>
+          <a:p>
+            <a:r>
+              <a:rPr lang="en-US" dirty="0"/>
+              <a:t>Perfect</a:t>
             </a:r>
           </a:p>
           <a:p>
             <a:pPr lvl="1"/>
             <a:r>
               <a:rPr lang="en-US" dirty="0"/>
-              <a:t>Use storytelling techniques to engage the audience and make the pitch memorable.</a:t>
+              <a:t>Refine the pitch based on feedback from mentors, advisors, and potential investors.</a:t>
             </a:r>
           </a:p>
         </p:txBody>
@@ -13255,7 +13298,7 @@
     </p:spTree>
     <p:extLst>
       <p:ext uri="{BB962C8B-B14F-4D97-AF65-F5344CB8AC3E}">
-        <p14:creationId xmlns:p14="http://schemas.microsoft.com/office/powerpoint/2010/main" val="1594691222"/>
+        <p14:creationId xmlns:p14="http://schemas.microsoft.com/office/powerpoint/2010/main" val="3679163058"/>
       </p:ext>
     </p:extLst>
   </p:cSld>
@@ -13409,7 +13452,7 @@
       </p:grpSpPr>
       <p:sp>
         <p:nvSpPr>
-          <p:cNvPr id="5" name="Title 4"/>
+          <p:cNvPr id="2" name="Title 1"/>
           <p:cNvSpPr>
             <a:spLocks noGrp="1"/>
           </p:cNvSpPr>
@@ -13424,27 +13467,63 @@
           <a:p>
             <a:r>
               <a:rPr lang="en-US" dirty="0"/>
-              <a:t>Crafting a Compelling Pitch</a:t>
-            </a:r>
-          </a:p>
-        </p:txBody>
-      </p:sp>
-      <p:sp>
-        <p:nvSpPr>
-          <p:cNvPr id="6" name="Text Placeholder 5"/>
-          <p:cNvSpPr>
-            <a:spLocks noGrp="1"/>
-          </p:cNvSpPr>
-          <p:nvPr>
-            <p:ph type="body" idx="1"/>
-          </p:nvPr>
-        </p:nvSpPr>
-        <p:spPr/>
-        <p:txBody>
-          <a:bodyPr/>
-          <a:lstStyle/>
-          <a:p>
-            <a:endParaRPr lang="en-US"/>
+              <a:t> Confidence, Passion, and Storytelling</a:t>
+            </a:r>
+          </a:p>
+        </p:txBody>
+      </p:sp>
+      <p:sp>
+        <p:nvSpPr>
+          <p:cNvPr id="3" name="Content Placeholder 2"/>
+          <p:cNvSpPr>
+            <a:spLocks noGrp="1"/>
+          </p:cNvSpPr>
+          <p:nvPr>
+            <p:ph idx="1"/>
+          </p:nvPr>
+        </p:nvSpPr>
+        <p:spPr/>
+        <p:txBody>
+          <a:bodyPr/>
+          <a:lstStyle/>
+          <a:p>
+            <a:r>
+              <a:rPr lang="en-US" dirty="0"/>
+              <a:t>Confidence</a:t>
+            </a:r>
+          </a:p>
+          <a:p>
+            <a:pPr lvl="1"/>
+            <a:r>
+              <a:rPr lang="en-US" dirty="0"/>
+              <a:t>Show confidence in the business idea and team.</a:t>
+            </a:r>
+          </a:p>
+          <a:p>
+            <a:r>
+              <a:rPr lang="en-US" dirty="0"/>
+              <a:t>Passion</a:t>
+            </a:r>
+          </a:p>
+          <a:p>
+            <a:pPr lvl="1"/>
+            <a:r>
+              <a:rPr lang="en-US" dirty="0"/>
+              <a:t>Demonstrate passion for the business and its potential impact.</a:t>
+            </a:r>
+          </a:p>
+          <a:p>
+            <a:r>
+              <a:rPr lang="en-US" dirty="0"/>
+              <a:t>Storytelling</a:t>
+            </a:r>
+          </a:p>
+          <a:p>
+            <a:pPr lvl="1"/>
+            <a:r>
+              <a:rPr lang="en-US" dirty="0"/>
+              <a:t>Use storytelling techniques to engage the audience and make the pitch memorable.</a:t>
+            </a:r>
           </a:p>
         </p:txBody>
       </p:sp>
@@ -13475,7 +13554,7 @@
     </p:spTree>
     <p:extLst>
       <p:ext uri="{BB962C8B-B14F-4D97-AF65-F5344CB8AC3E}">
-        <p14:creationId xmlns:p14="http://schemas.microsoft.com/office/powerpoint/2010/main" val="3357294653"/>
+        <p14:creationId xmlns:p14="http://schemas.microsoft.com/office/powerpoint/2010/main" val="1594691222"/>
       </p:ext>
     </p:extLst>
   </p:cSld>
@@ -13504,7 +13583,7 @@
       </p:grpSpPr>
       <p:sp>
         <p:nvSpPr>
-          <p:cNvPr id="2" name="Title 1"/>
+          <p:cNvPr id="5" name="Title 4"/>
           <p:cNvSpPr>
             <a:spLocks noGrp="1"/>
           </p:cNvSpPr>
@@ -13526,29 +13605,20 @@
       </p:sp>
       <p:sp>
         <p:nvSpPr>
-          <p:cNvPr id="3" name="Content Placeholder 2"/>
-          <p:cNvSpPr>
-            <a:spLocks noGrp="1"/>
-          </p:cNvSpPr>
-          <p:nvPr>
-            <p:ph idx="1"/>
-          </p:nvPr>
-        </p:nvSpPr>
-        <p:spPr/>
-        <p:txBody>
-          <a:bodyPr/>
-          <a:lstStyle/>
-          <a:p>
-            <a:r>
-              <a:rPr lang="en-US" dirty="0"/>
-              <a:t>A pitch is a presentation that entrepreneurs use to convince investors or stakeholders to invest in their business.</a:t>
-            </a:r>
-          </a:p>
-          <a:p>
-            <a:r>
-              <a:rPr lang="en-US" dirty="0"/>
-              <a:t>A compelling pitch is crucial for securing funding and support for a business.</a:t>
-            </a:r>
+          <p:cNvPr id="6" name="Text Placeholder 5"/>
+          <p:cNvSpPr>
+            <a:spLocks noGrp="1"/>
+          </p:cNvSpPr>
+          <p:nvPr>
+            <p:ph type="body" idx="1"/>
+          </p:nvPr>
+        </p:nvSpPr>
+        <p:spPr/>
+        <p:txBody>
+          <a:bodyPr/>
+          <a:lstStyle/>
+          <a:p>
+            <a:endParaRPr lang="en-US"/>
           </a:p>
         </p:txBody>
       </p:sp>
@@ -13576,32 +13646,10 @@
           </a:p>
         </p:txBody>
       </p:sp>
-      <p:graphicFrame>
-        <p:nvGraphicFramePr>
-          <p:cNvPr id="5" name="Diagram 4"/>
-          <p:cNvGraphicFramePr/>
-          <p:nvPr>
-            <p:extLst>
-              <p:ext uri="{D42A27DB-BD31-4B8C-83A1-F6EECF244321}">
-                <p14:modId xmlns:p14="http://schemas.microsoft.com/office/powerpoint/2010/main" val="974247855"/>
-              </p:ext>
-            </p:extLst>
-          </p:nvPr>
-        </p:nvGraphicFramePr>
-        <p:xfrm>
-          <a:off x="4188604" y="3134824"/>
-          <a:ext cx="6439139" cy="3217727"/>
-        </p:xfrm>
-        <a:graphic>
-          <a:graphicData uri="http://schemas.openxmlformats.org/drawingml/2006/diagram">
-            <dgm:relIds xmlns:dgm="http://schemas.openxmlformats.org/drawingml/2006/diagram" xmlns:r="http://schemas.openxmlformats.org/officeDocument/2006/relationships" r:dm="rId2" r:lo="rId3" r:qs="rId4" r:cs="rId5"/>
-          </a:graphicData>
-        </a:graphic>
-      </p:graphicFrame>
     </p:spTree>
     <p:extLst>
       <p:ext uri="{BB962C8B-B14F-4D97-AF65-F5344CB8AC3E}">
-        <p14:creationId xmlns:p14="http://schemas.microsoft.com/office/powerpoint/2010/main" val="3954808368"/>
+        <p14:creationId xmlns:p14="http://schemas.microsoft.com/office/powerpoint/2010/main" val="3357294653"/>
       </p:ext>
     </p:extLst>
   </p:cSld>
@@ -13645,7 +13693,7 @@
           <a:p>
             <a:r>
               <a:rPr lang="en-US" dirty="0"/>
-              <a:t>Tips for Creating a Clear and Concise Pitch</a:t>
+              <a:t>Crafting a Compelling Pitch</a:t>
             </a:r>
           </a:p>
         </p:txBody>
@@ -13667,40 +13715,13 @@
           <a:p>
             <a:r>
               <a:rPr lang="en-US" dirty="0"/>
-              <a:t>Focus on the essentials</a:t>
-            </a:r>
-          </a:p>
-          <a:p>
-            <a:pPr lvl="1"/>
-            <a:r>
-              <a:rPr lang="en-US" dirty="0"/>
-              <a:t>Avoid unnecessary details and focus on the key elements of the pitch.</a:t>
-            </a:r>
-          </a:p>
-          <a:p>
-            <a:r>
-              <a:rPr lang="en-US" dirty="0"/>
-              <a:t>Practice</a:t>
-            </a:r>
-          </a:p>
-          <a:p>
-            <a:pPr lvl="1"/>
-            <a:r>
-              <a:rPr lang="en-US" dirty="0"/>
-              <a:t>Rehearse the pitch to ensure a smooth and confident delivery.</a:t>
-            </a:r>
-          </a:p>
-          <a:p>
-            <a:r>
-              <a:rPr lang="en-US" dirty="0"/>
-              <a:t>Use storytelling techniques</a:t>
-            </a:r>
-          </a:p>
-          <a:p>
-            <a:pPr lvl="1"/>
-            <a:r>
-              <a:rPr lang="en-US" dirty="0"/>
-              <a:t>Use anecdotes and examples to make the pitch more engaging and memorable.</a:t>
+              <a:t>A pitch is a presentation that entrepreneurs use to convince investors or stakeholders to invest in their business.</a:t>
+            </a:r>
+          </a:p>
+          <a:p>
+            <a:r>
+              <a:rPr lang="en-US" dirty="0"/>
+              <a:t>A compelling pitch is crucial for securing funding and support for a business.</a:t>
             </a:r>
           </a:p>
         </p:txBody>
@@ -13724,6 +13745,159 @@
               <a:rPr lang="en-US" smtClean="0"/>
               <a:pPr/>
               <a:t>22</a:t>
+            </a:fld>
+            <a:endParaRPr lang="en-US" dirty="0"/>
+          </a:p>
+        </p:txBody>
+      </p:sp>
+      <p:graphicFrame>
+        <p:nvGraphicFramePr>
+          <p:cNvPr id="5" name="Diagram 4"/>
+          <p:cNvGraphicFramePr/>
+          <p:nvPr>
+            <p:extLst>
+              <p:ext uri="{D42A27DB-BD31-4B8C-83A1-F6EECF244321}">
+                <p14:modId xmlns:p14="http://schemas.microsoft.com/office/powerpoint/2010/main" val="974247855"/>
+              </p:ext>
+            </p:extLst>
+          </p:nvPr>
+        </p:nvGraphicFramePr>
+        <p:xfrm>
+          <a:off x="4188604" y="3134824"/>
+          <a:ext cx="6439139" cy="3217727"/>
+        </p:xfrm>
+        <a:graphic>
+          <a:graphicData uri="http://schemas.openxmlformats.org/drawingml/2006/diagram">
+            <dgm:relIds xmlns:dgm="http://schemas.openxmlformats.org/drawingml/2006/diagram" xmlns:r="http://schemas.openxmlformats.org/officeDocument/2006/relationships" r:dm="rId2" r:lo="rId3" r:qs="rId4" r:cs="rId5"/>
+          </a:graphicData>
+        </a:graphic>
+      </p:graphicFrame>
+    </p:spTree>
+    <p:extLst>
+      <p:ext uri="{BB962C8B-B14F-4D97-AF65-F5344CB8AC3E}">
+        <p14:creationId xmlns:p14="http://schemas.microsoft.com/office/powerpoint/2010/main" val="3954808368"/>
+      </p:ext>
+    </p:extLst>
+  </p:cSld>
+  <p:clrMapOvr>
+    <a:masterClrMapping/>
+  </p:clrMapOvr>
+</p:sld>
+</file>
+
+<file path=ppt/slides/slide23.xml><?xml version="1.0" encoding="utf-8"?>
+<p:sld xmlns:a="http://schemas.openxmlformats.org/drawingml/2006/main" xmlns:r="http://schemas.openxmlformats.org/officeDocument/2006/relationships" xmlns:p="http://schemas.openxmlformats.org/presentationml/2006/main">
+  <p:cSld>
+    <p:spTree>
+      <p:nvGrpSpPr>
+        <p:cNvPr id="1" name=""/>
+        <p:cNvGrpSpPr/>
+        <p:nvPr/>
+      </p:nvGrpSpPr>
+      <p:grpSpPr>
+        <a:xfrm>
+          <a:off x="0" y="0"/>
+          <a:ext cx="0" cy="0"/>
+          <a:chOff x="0" y="0"/>
+          <a:chExt cx="0" cy="0"/>
+        </a:xfrm>
+      </p:grpSpPr>
+      <p:sp>
+        <p:nvSpPr>
+          <p:cNvPr id="2" name="Title 1"/>
+          <p:cNvSpPr>
+            <a:spLocks noGrp="1"/>
+          </p:cNvSpPr>
+          <p:nvPr>
+            <p:ph type="title"/>
+          </p:nvPr>
+        </p:nvSpPr>
+        <p:spPr/>
+        <p:txBody>
+          <a:bodyPr/>
+          <a:lstStyle/>
+          <a:p>
+            <a:r>
+              <a:rPr lang="en-US" dirty="0"/>
+              <a:t>Tips for Creating a Clear and Concise Pitch</a:t>
+            </a:r>
+          </a:p>
+        </p:txBody>
+      </p:sp>
+      <p:sp>
+        <p:nvSpPr>
+          <p:cNvPr id="3" name="Content Placeholder 2"/>
+          <p:cNvSpPr>
+            <a:spLocks noGrp="1"/>
+          </p:cNvSpPr>
+          <p:nvPr>
+            <p:ph idx="1"/>
+          </p:nvPr>
+        </p:nvSpPr>
+        <p:spPr/>
+        <p:txBody>
+          <a:bodyPr/>
+          <a:lstStyle/>
+          <a:p>
+            <a:r>
+              <a:rPr lang="en-US" dirty="0"/>
+              <a:t>Focus on the essentials</a:t>
+            </a:r>
+          </a:p>
+          <a:p>
+            <a:pPr lvl="1"/>
+            <a:r>
+              <a:rPr lang="en-US" dirty="0"/>
+              <a:t>Avoid unnecessary details and focus on the key elements of the pitch.</a:t>
+            </a:r>
+          </a:p>
+          <a:p>
+            <a:r>
+              <a:rPr lang="en-US" dirty="0"/>
+              <a:t>Practice</a:t>
+            </a:r>
+          </a:p>
+          <a:p>
+            <a:pPr lvl="1"/>
+            <a:r>
+              <a:rPr lang="en-US" dirty="0"/>
+              <a:t>Rehearse the pitch to ensure a smooth and confident delivery.</a:t>
+            </a:r>
+          </a:p>
+          <a:p>
+            <a:r>
+              <a:rPr lang="en-US" dirty="0"/>
+              <a:t>Use storytelling techniques</a:t>
+            </a:r>
+          </a:p>
+          <a:p>
+            <a:pPr lvl="1"/>
+            <a:r>
+              <a:rPr lang="en-US" dirty="0"/>
+              <a:t>Use anecdotes and examples to make the pitch more engaging and memorable.</a:t>
+            </a:r>
+          </a:p>
+        </p:txBody>
+      </p:sp>
+      <p:sp>
+        <p:nvSpPr>
+          <p:cNvPr id="4" name="Slide Number Placeholder 3"/>
+          <p:cNvSpPr>
+            <a:spLocks noGrp="1"/>
+          </p:cNvSpPr>
+          <p:nvPr>
+            <p:ph type="sldNum" sz="quarter" idx="12"/>
+          </p:nvPr>
+        </p:nvSpPr>
+        <p:spPr/>
+        <p:txBody>
+          <a:bodyPr/>
+          <a:lstStyle/>
+          <a:p>
+            <a:fld id="{B8DACC02-A2BD-4578-8E03-6D891060A695}" type="slidenum">
+              <a:rPr lang="en-US" smtClean="0"/>
+              <a:pPr/>
+              <a:t>23</a:t>
             </a:fld>
             <a:endParaRPr lang="en-US" dirty="0"/>
           </a:p>
@@ -13783,137 +13957,6 @@
 </p:sld>
 </file>
 
-<file path=ppt/slides/slide23.xml><?xml version="1.0" encoding="utf-8"?>
-<p:sld xmlns:a="http://schemas.openxmlformats.org/drawingml/2006/main" xmlns:r="http://schemas.openxmlformats.org/officeDocument/2006/relationships" xmlns:p="http://schemas.openxmlformats.org/presentationml/2006/main">
-  <p:cSld>
-    <p:spTree>
-      <p:nvGrpSpPr>
-        <p:cNvPr id="1" name=""/>
-        <p:cNvGrpSpPr/>
-        <p:nvPr/>
-      </p:nvGrpSpPr>
-      <p:grpSpPr>
-        <a:xfrm>
-          <a:off x="0" y="0"/>
-          <a:ext cx="0" cy="0"/>
-          <a:chOff x="0" y="0"/>
-          <a:chExt cx="0" cy="0"/>
-        </a:xfrm>
-      </p:grpSpPr>
-      <p:sp>
-        <p:nvSpPr>
-          <p:cNvPr id="2" name="Title 1"/>
-          <p:cNvSpPr>
-            <a:spLocks noGrp="1"/>
-          </p:cNvSpPr>
-          <p:nvPr>
-            <p:ph type="title"/>
-          </p:nvPr>
-        </p:nvSpPr>
-        <p:spPr/>
-        <p:txBody>
-          <a:bodyPr/>
-          <a:lstStyle/>
-          <a:p>
-            <a:r>
-              <a:rPr lang="en-US" dirty="0"/>
-              <a:t> Common Mistakes to Avoid in a Pitch</a:t>
-            </a:r>
-          </a:p>
-        </p:txBody>
-      </p:sp>
-      <p:sp>
-        <p:nvSpPr>
-          <p:cNvPr id="3" name="Content Placeholder 2"/>
-          <p:cNvSpPr>
-            <a:spLocks noGrp="1"/>
-          </p:cNvSpPr>
-          <p:nvPr>
-            <p:ph idx="1"/>
-          </p:nvPr>
-        </p:nvSpPr>
-        <p:spPr/>
-        <p:txBody>
-          <a:bodyPr/>
-          <a:lstStyle/>
-          <a:p>
-            <a:r>
-              <a:rPr lang="en-US" dirty="0"/>
-              <a:t>Lack of preparation</a:t>
-            </a:r>
-          </a:p>
-          <a:p>
-            <a:pPr lvl="1"/>
-            <a:r>
-              <a:rPr lang="en-US" dirty="0"/>
-              <a:t>Failing to research the investor's interests and preferences.</a:t>
-            </a:r>
-          </a:p>
-          <a:p>
-            <a:r>
-              <a:rPr lang="en-US" dirty="0"/>
-              <a:t>Poor storytelling</a:t>
-            </a:r>
-          </a:p>
-          <a:p>
-            <a:pPr lvl="1"/>
-            <a:r>
-              <a:rPr lang="en-US" dirty="0"/>
-              <a:t>Failing to engage the audience with a compelling narrative.</a:t>
-            </a:r>
-          </a:p>
-          <a:p>
-            <a:r>
-              <a:rPr lang="en-US" dirty="0"/>
-              <a:t>Overemphasis on technology</a:t>
-            </a:r>
-          </a:p>
-          <a:p>
-            <a:pPr lvl="1"/>
-            <a:r>
-              <a:rPr lang="en-US" dirty="0"/>
-              <a:t>Focusing too much on the technical details of the product or service.</a:t>
-            </a:r>
-          </a:p>
-        </p:txBody>
-      </p:sp>
-      <p:sp>
-        <p:nvSpPr>
-          <p:cNvPr id="4" name="Slide Number Placeholder 3"/>
-          <p:cNvSpPr>
-            <a:spLocks noGrp="1"/>
-          </p:cNvSpPr>
-          <p:nvPr>
-            <p:ph type="sldNum" sz="quarter" idx="12"/>
-          </p:nvPr>
-        </p:nvSpPr>
-        <p:spPr/>
-        <p:txBody>
-          <a:bodyPr/>
-          <a:lstStyle/>
-          <a:p>
-            <a:fld id="{B8DACC02-A2BD-4578-8E03-6D891060A695}" type="slidenum">
-              <a:rPr lang="en-US" smtClean="0"/>
-              <a:pPr/>
-              <a:t>23</a:t>
-            </a:fld>
-            <a:endParaRPr lang="en-US" dirty="0"/>
-          </a:p>
-        </p:txBody>
-      </p:sp>
-    </p:spTree>
-    <p:extLst>
-      <p:ext uri="{BB962C8B-B14F-4D97-AF65-F5344CB8AC3E}">
-        <p14:creationId xmlns:p14="http://schemas.microsoft.com/office/powerpoint/2010/main" val="2793348912"/>
-      </p:ext>
-    </p:extLst>
-  </p:cSld>
-  <p:clrMapOvr>
-    <a:masterClrMapping/>
-  </p:clrMapOvr>
-</p:sld>
-</file>
-
 <file path=ppt/slides/slide24.xml><?xml version="1.0" encoding="utf-8"?>
 <p:sld xmlns:a="http://schemas.openxmlformats.org/drawingml/2006/main" xmlns:r="http://schemas.openxmlformats.org/officeDocument/2006/relationships" xmlns:p="http://schemas.openxmlformats.org/presentationml/2006/main">
   <p:cSld>
@@ -13948,7 +13991,7 @@
           <a:p>
             <a:r>
               <a:rPr lang="en-US" dirty="0"/>
-              <a:t>Crafting a Compelling Pitch</a:t>
+              <a:t> Common Mistakes to Avoid in a Pitch</a:t>
             </a:r>
           </a:p>
         </p:txBody>
@@ -13970,49 +14013,40 @@
           <a:p>
             <a:r>
               <a:rPr lang="en-US" dirty="0"/>
-              <a:t>Understanding Your Audience</a:t>
-            </a:r>
-          </a:p>
-          <a:p>
-            <a:r>
-              <a:rPr lang="en-US" dirty="0"/>
-              <a:t>Defining Your Value Proposition</a:t>
-            </a:r>
-          </a:p>
-          <a:p>
-            <a:r>
-              <a:rPr lang="en-US" dirty="0"/>
-              <a:t>Crafting a Captivating Story</a:t>
-            </a:r>
-          </a:p>
-          <a:p>
-            <a:r>
-              <a:rPr lang="en-US" dirty="0"/>
-              <a:t>Building a Strong Brand</a:t>
-            </a:r>
-          </a:p>
-          <a:p>
-            <a:r>
-              <a:rPr lang="en-US" dirty="0"/>
-              <a:t>Creating a Compelling Demo</a:t>
-            </a:r>
-          </a:p>
-          <a:p>
-            <a:r>
-              <a:rPr lang="en-US" dirty="0"/>
-              <a:t>Preparing for Common Questions</a:t>
-            </a:r>
-          </a:p>
-          <a:p>
-            <a:r>
-              <a:rPr lang="en-US" dirty="0"/>
-              <a:t>Practicing Your Pitch</a:t>
-            </a:r>
-          </a:p>
-          <a:p>
-            <a:r>
-              <a:rPr lang="en-US" dirty="0"/>
-              <a:t>Delivering a Confident and Effective Pitch</a:t>
+              <a:t>Lack of preparation</a:t>
+            </a:r>
+          </a:p>
+          <a:p>
+            <a:pPr lvl="1"/>
+            <a:r>
+              <a:rPr lang="en-US" dirty="0"/>
+              <a:t>Failing to research the investor's interests and preferences.</a:t>
+            </a:r>
+          </a:p>
+          <a:p>
+            <a:r>
+              <a:rPr lang="en-US" dirty="0"/>
+              <a:t>Poor storytelling</a:t>
+            </a:r>
+          </a:p>
+          <a:p>
+            <a:pPr lvl="1"/>
+            <a:r>
+              <a:rPr lang="en-US" dirty="0"/>
+              <a:t>Failing to engage the audience with a compelling narrative.</a:t>
+            </a:r>
+          </a:p>
+          <a:p>
+            <a:r>
+              <a:rPr lang="en-US" dirty="0"/>
+              <a:t>Overemphasis on technology</a:t>
+            </a:r>
+          </a:p>
+          <a:p>
+            <a:pPr lvl="1"/>
+            <a:r>
+              <a:rPr lang="en-US" dirty="0"/>
+              <a:t>Focusing too much on the technical details of the product or service.</a:t>
             </a:r>
           </a:p>
         </p:txBody>
@@ -14044,7 +14078,7 @@
     </p:spTree>
     <p:extLst>
       <p:ext uri="{BB962C8B-B14F-4D97-AF65-F5344CB8AC3E}">
-        <p14:creationId xmlns:p14="http://schemas.microsoft.com/office/powerpoint/2010/main" val="2550264859"/>
+        <p14:creationId xmlns:p14="http://schemas.microsoft.com/office/powerpoint/2010/main" val="2793348912"/>
       </p:ext>
     </p:extLst>
   </p:cSld>
@@ -14073,13 +14107,7 @@
       </p:grpSpPr>
       <p:sp>
         <p:nvSpPr>
-          <p:cNvPr id="2" name="Title 1">
-            <a:extLst>
-              <a:ext uri="{FF2B5EF4-FFF2-40B4-BE49-F238E27FC236}">
-                <a16:creationId xmlns:a16="http://schemas.microsoft.com/office/drawing/2014/main" id="{7C0F3038-EFBF-4CC9-BB30-E7D005883616}"/>
-              </a:ext>
-            </a:extLst>
-          </p:cNvPr>
+          <p:cNvPr id="2" name="Title 1"/>
           <p:cNvSpPr>
             <a:spLocks noGrp="1"/>
           </p:cNvSpPr>
@@ -14099,46 +14127,73 @@
           </a:p>
         </p:txBody>
       </p:sp>
-      <p:graphicFrame>
-        <p:nvGraphicFramePr>
-          <p:cNvPr id="5" name="Content Placeholder 4">
-            <a:extLst>
-              <a:ext uri="{FF2B5EF4-FFF2-40B4-BE49-F238E27FC236}">
-                <a16:creationId xmlns:a16="http://schemas.microsoft.com/office/drawing/2014/main" id="{D6D19F2F-CFB4-4268-BA75-F99B91BDACDA}"/>
-              </a:ext>
-            </a:extLst>
-          </p:cNvPr>
-          <p:cNvGraphicFramePr>
-            <a:graphicFrameLocks noGrp="1"/>
-          </p:cNvGraphicFramePr>
+      <p:sp>
+        <p:nvSpPr>
+          <p:cNvPr id="3" name="Content Placeholder 2"/>
+          <p:cNvSpPr>
+            <a:spLocks noGrp="1"/>
+          </p:cNvSpPr>
           <p:nvPr>
             <p:ph idx="1"/>
-            <p:extLst>
-              <p:ext uri="{D42A27DB-BD31-4B8C-83A1-F6EECF244321}">
-                <p14:modId xmlns:p14="http://schemas.microsoft.com/office/powerpoint/2010/main" val="3995805443"/>
-              </p:ext>
-            </p:extLst>
-          </p:nvPr>
-        </p:nvGraphicFramePr>
-        <p:xfrm>
-          <a:off x="347663" y="1406525"/>
-          <a:ext cx="11650662" cy="4746625"/>
-        </p:xfrm>
-        <a:graphic>
-          <a:graphicData uri="http://schemas.openxmlformats.org/drawingml/2006/diagram">
-            <dgm:relIds xmlns:dgm="http://schemas.openxmlformats.org/drawingml/2006/diagram" xmlns:r="http://schemas.openxmlformats.org/officeDocument/2006/relationships" r:dm="rId2" r:lo="rId3" r:qs="rId4" r:cs="rId5"/>
-          </a:graphicData>
-        </a:graphic>
-      </p:graphicFrame>
-      <p:sp>
-        <p:nvSpPr>
-          <p:cNvPr id="4" name="Slide Number Placeholder 3">
-            <a:extLst>
-              <a:ext uri="{FF2B5EF4-FFF2-40B4-BE49-F238E27FC236}">
-                <a16:creationId xmlns:a16="http://schemas.microsoft.com/office/drawing/2014/main" id="{39DD466E-B0BE-42A0-BFD5-542A8B85C301}"/>
-              </a:ext>
-            </a:extLst>
-          </p:cNvPr>
+          </p:nvPr>
+        </p:nvSpPr>
+        <p:spPr/>
+        <p:txBody>
+          <a:bodyPr/>
+          <a:lstStyle/>
+          <a:p>
+            <a:r>
+              <a:rPr lang="en-US" dirty="0"/>
+              <a:t>Understanding Your Audience</a:t>
+            </a:r>
+          </a:p>
+          <a:p>
+            <a:r>
+              <a:rPr lang="en-US" dirty="0"/>
+              <a:t>Defining Your Value Proposition</a:t>
+            </a:r>
+          </a:p>
+          <a:p>
+            <a:r>
+              <a:rPr lang="en-US" dirty="0"/>
+              <a:t>Crafting a Captivating Story</a:t>
+            </a:r>
+          </a:p>
+          <a:p>
+            <a:r>
+              <a:rPr lang="en-US" dirty="0"/>
+              <a:t>Building a Strong Brand</a:t>
+            </a:r>
+          </a:p>
+          <a:p>
+            <a:r>
+              <a:rPr lang="en-US" dirty="0"/>
+              <a:t>Creating a Compelling Demo</a:t>
+            </a:r>
+          </a:p>
+          <a:p>
+            <a:r>
+              <a:rPr lang="en-US" dirty="0"/>
+              <a:t>Preparing for Common Questions</a:t>
+            </a:r>
+          </a:p>
+          <a:p>
+            <a:r>
+              <a:rPr lang="en-US" dirty="0"/>
+              <a:t>Practicing Your Pitch</a:t>
+            </a:r>
+          </a:p>
+          <a:p>
+            <a:r>
+              <a:rPr lang="en-US" dirty="0"/>
+              <a:t>Delivering a Confident and Effective Pitch</a:t>
+            </a:r>
+          </a:p>
+        </p:txBody>
+      </p:sp>
+      <p:sp>
+        <p:nvSpPr>
+          <p:cNvPr id="4" name="Slide Number Placeholder 3"/>
           <p:cNvSpPr>
             <a:spLocks noGrp="1"/>
           </p:cNvSpPr>
@@ -14163,7 +14218,7 @@
     </p:spTree>
     <p:extLst>
       <p:ext uri="{BB962C8B-B14F-4D97-AF65-F5344CB8AC3E}">
-        <p14:creationId xmlns:p14="http://schemas.microsoft.com/office/powerpoint/2010/main" val="145242341"/>
+        <p14:creationId xmlns:p14="http://schemas.microsoft.com/office/powerpoint/2010/main" val="2550264859"/>
       </p:ext>
     </p:extLst>
   </p:cSld>
@@ -14192,7 +14247,13 @@
       </p:grpSpPr>
       <p:sp>
         <p:nvSpPr>
-          <p:cNvPr id="2" name="Title 1"/>
+          <p:cNvPr id="2" name="Title 1">
+            <a:extLst>
+              <a:ext uri="{FF2B5EF4-FFF2-40B4-BE49-F238E27FC236}">
+                <a16:creationId xmlns:a16="http://schemas.microsoft.com/office/drawing/2014/main" id="{7C0F3038-EFBF-4CC9-BB30-E7D005883616}"/>
+              </a:ext>
+            </a:extLst>
+          </p:cNvPr>
           <p:cNvSpPr>
             <a:spLocks noGrp="1"/>
           </p:cNvSpPr>
@@ -14207,48 +14268,51 @@
           <a:p>
             <a:r>
               <a:rPr lang="en-US" dirty="0"/>
-              <a:t>Final tips</a:t>
-            </a:r>
-          </a:p>
-        </p:txBody>
-      </p:sp>
-      <p:sp>
-        <p:nvSpPr>
-          <p:cNvPr id="3" name="Content Placeholder 2"/>
-          <p:cNvSpPr>
-            <a:spLocks noGrp="1"/>
-          </p:cNvSpPr>
+              <a:t>Crafting a Compelling Pitch</a:t>
+            </a:r>
+          </a:p>
+        </p:txBody>
+      </p:sp>
+      <p:graphicFrame>
+        <p:nvGraphicFramePr>
+          <p:cNvPr id="5" name="Content Placeholder 4">
+            <a:extLst>
+              <a:ext uri="{FF2B5EF4-FFF2-40B4-BE49-F238E27FC236}">
+                <a16:creationId xmlns:a16="http://schemas.microsoft.com/office/drawing/2014/main" id="{D6D19F2F-CFB4-4268-BA75-F99B91BDACDA}"/>
+              </a:ext>
+            </a:extLst>
+          </p:cNvPr>
+          <p:cNvGraphicFramePr>
+            <a:graphicFrameLocks noGrp="1"/>
+          </p:cNvGraphicFramePr>
           <p:nvPr>
             <p:ph idx="1"/>
-          </p:nvPr>
-        </p:nvSpPr>
-        <p:spPr/>
-        <p:txBody>
-          <a:bodyPr/>
-          <a:lstStyle/>
-          <a:p>
-            <a:r>
-              <a:rPr lang="en-US" dirty="0"/>
-              <a:t>Be authentic and passionate about the business.</a:t>
-            </a:r>
-          </a:p>
-          <a:p>
-            <a:r>
-              <a:rPr lang="en-US" dirty="0"/>
-              <a:t>Use visual aids to support the pitch.</a:t>
-            </a:r>
-          </a:p>
-          <a:p>
-            <a:r>
-              <a:rPr lang="en-US" dirty="0"/>
-              <a:t>Anticipate questions and have a clear call to action.</a:t>
-            </a:r>
-          </a:p>
-        </p:txBody>
-      </p:sp>
-      <p:sp>
-        <p:nvSpPr>
-          <p:cNvPr id="4" name="Slide Number Placeholder 3"/>
+            <p:extLst>
+              <p:ext uri="{D42A27DB-BD31-4B8C-83A1-F6EECF244321}">
+                <p14:modId xmlns:p14="http://schemas.microsoft.com/office/powerpoint/2010/main" val="3995805443"/>
+              </p:ext>
+            </p:extLst>
+          </p:nvPr>
+        </p:nvGraphicFramePr>
+        <p:xfrm>
+          <a:off x="347663" y="1406525"/>
+          <a:ext cx="11650662" cy="4746625"/>
+        </p:xfrm>
+        <a:graphic>
+          <a:graphicData uri="http://schemas.openxmlformats.org/drawingml/2006/diagram">
+            <dgm:relIds xmlns:dgm="http://schemas.openxmlformats.org/drawingml/2006/diagram" xmlns:r="http://schemas.openxmlformats.org/officeDocument/2006/relationships" r:dm="rId2" r:lo="rId3" r:qs="rId4" r:cs="rId5"/>
+          </a:graphicData>
+        </a:graphic>
+      </p:graphicFrame>
+      <p:sp>
+        <p:nvSpPr>
+          <p:cNvPr id="4" name="Slide Number Placeholder 3">
+            <a:extLst>
+              <a:ext uri="{FF2B5EF4-FFF2-40B4-BE49-F238E27FC236}">
+                <a16:creationId xmlns:a16="http://schemas.microsoft.com/office/drawing/2014/main" id="{39DD466E-B0BE-42A0-BFD5-542A8B85C301}"/>
+              </a:ext>
+            </a:extLst>
+          </p:cNvPr>
           <p:cNvSpPr>
             <a:spLocks noGrp="1"/>
           </p:cNvSpPr>
@@ -14273,7 +14337,7 @@
     </p:spTree>
     <p:extLst>
       <p:ext uri="{BB962C8B-B14F-4D97-AF65-F5344CB8AC3E}">
-        <p14:creationId xmlns:p14="http://schemas.microsoft.com/office/powerpoint/2010/main" val="526589974"/>
+        <p14:creationId xmlns:p14="http://schemas.microsoft.com/office/powerpoint/2010/main" val="145242341"/>
       </p:ext>
     </p:extLst>
   </p:cSld>
@@ -14302,7 +14366,7 @@
       </p:grpSpPr>
       <p:sp>
         <p:nvSpPr>
-          <p:cNvPr id="5" name="Title 4"/>
+          <p:cNvPr id="2" name="Title 1"/>
           <p:cNvSpPr>
             <a:spLocks noGrp="1"/>
           </p:cNvSpPr>
@@ -14317,27 +14381,42 @@
           <a:p>
             <a:r>
               <a:rPr lang="en-US" dirty="0"/>
-              <a:t>Investor Perspectives and Expectations</a:t>
-            </a:r>
-          </a:p>
-        </p:txBody>
-      </p:sp>
-      <p:sp>
-        <p:nvSpPr>
-          <p:cNvPr id="6" name="Text Placeholder 5"/>
-          <p:cNvSpPr>
-            <a:spLocks noGrp="1"/>
-          </p:cNvSpPr>
-          <p:nvPr>
-            <p:ph type="body" idx="1"/>
-          </p:nvPr>
-        </p:nvSpPr>
-        <p:spPr/>
-        <p:txBody>
-          <a:bodyPr/>
-          <a:lstStyle/>
-          <a:p>
-            <a:endParaRPr lang="en-US"/>
+              <a:t>Final tips</a:t>
+            </a:r>
+          </a:p>
+        </p:txBody>
+      </p:sp>
+      <p:sp>
+        <p:nvSpPr>
+          <p:cNvPr id="3" name="Content Placeholder 2"/>
+          <p:cNvSpPr>
+            <a:spLocks noGrp="1"/>
+          </p:cNvSpPr>
+          <p:nvPr>
+            <p:ph idx="1"/>
+          </p:nvPr>
+        </p:nvSpPr>
+        <p:spPr/>
+        <p:txBody>
+          <a:bodyPr/>
+          <a:lstStyle/>
+          <a:p>
+            <a:r>
+              <a:rPr lang="en-US" dirty="0"/>
+              <a:t>Be authentic and passionate about the business.</a:t>
+            </a:r>
+          </a:p>
+          <a:p>
+            <a:r>
+              <a:rPr lang="en-US" dirty="0"/>
+              <a:t>Use visual aids to support the pitch.</a:t>
+            </a:r>
+          </a:p>
+          <a:p>
+            <a:r>
+              <a:rPr lang="en-US" dirty="0"/>
+              <a:t>Anticipate questions and have a clear call to action.</a:t>
+            </a:r>
           </a:p>
         </p:txBody>
       </p:sp>
@@ -14368,7 +14447,7 @@
     </p:spTree>
     <p:extLst>
       <p:ext uri="{BB962C8B-B14F-4D97-AF65-F5344CB8AC3E}">
-        <p14:creationId xmlns:p14="http://schemas.microsoft.com/office/powerpoint/2010/main" val="3656958942"/>
+        <p14:creationId xmlns:p14="http://schemas.microsoft.com/office/powerpoint/2010/main" val="526589974"/>
       </p:ext>
     </p:extLst>
   </p:cSld>
@@ -14397,7 +14476,7 @@
       </p:grpSpPr>
       <p:sp>
         <p:nvSpPr>
-          <p:cNvPr id="2" name="Title 1"/>
+          <p:cNvPr id="5" name="Title 4"/>
           <p:cNvSpPr>
             <a:spLocks noGrp="1"/>
           </p:cNvSpPr>
@@ -14412,36 +14491,27 @@
           <a:p>
             <a:r>
               <a:rPr lang="en-US" dirty="0"/>
-              <a:t>Introduction</a:t>
-            </a:r>
-          </a:p>
-        </p:txBody>
-      </p:sp>
-      <p:sp>
-        <p:nvSpPr>
-          <p:cNvPr id="3" name="Content Placeholder 2"/>
-          <p:cNvSpPr>
-            <a:spLocks noGrp="1"/>
-          </p:cNvSpPr>
-          <p:nvPr>
-            <p:ph idx="1"/>
-          </p:nvPr>
-        </p:nvSpPr>
-        <p:spPr/>
-        <p:txBody>
-          <a:bodyPr/>
-          <a:lstStyle/>
-          <a:p>
-            <a:r>
-              <a:rPr lang="en-US" dirty="0"/>
-              <a:t>Investors are individuals or organizations that provide capital to startups in exchange for equity or other forms of return.</a:t>
-            </a:r>
-          </a:p>
-          <a:p>
-            <a:r>
-              <a:rPr lang="en-US" dirty="0"/>
-              <a:t>Understanding investor perspectives is crucial for crafting a compelling pitch and securing funding.</a:t>
-            </a:r>
+              <a:t>Investor Perspectives and Expectations</a:t>
+            </a:r>
+          </a:p>
+        </p:txBody>
+      </p:sp>
+      <p:sp>
+        <p:nvSpPr>
+          <p:cNvPr id="6" name="Text Placeholder 5"/>
+          <p:cNvSpPr>
+            <a:spLocks noGrp="1"/>
+          </p:cNvSpPr>
+          <p:nvPr>
+            <p:ph type="body" idx="1"/>
+          </p:nvPr>
+        </p:nvSpPr>
+        <p:spPr/>
+        <p:txBody>
+          <a:bodyPr/>
+          <a:lstStyle/>
+          <a:p>
+            <a:endParaRPr lang="en-US"/>
           </a:p>
         </p:txBody>
       </p:sp>
@@ -14464,6 +14534,110 @@
               <a:rPr lang="en-US" smtClean="0"/>
               <a:pPr/>
               <a:t>28</a:t>
+            </a:fld>
+            <a:endParaRPr lang="en-US" dirty="0"/>
+          </a:p>
+        </p:txBody>
+      </p:sp>
+    </p:spTree>
+    <p:extLst>
+      <p:ext uri="{BB962C8B-B14F-4D97-AF65-F5344CB8AC3E}">
+        <p14:creationId xmlns:p14="http://schemas.microsoft.com/office/powerpoint/2010/main" val="3656958942"/>
+      </p:ext>
+    </p:extLst>
+  </p:cSld>
+  <p:clrMapOvr>
+    <a:masterClrMapping/>
+  </p:clrMapOvr>
+</p:sld>
+</file>
+
+<file path=ppt/slides/slide29.xml><?xml version="1.0" encoding="utf-8"?>
+<p:sld xmlns:a="http://schemas.openxmlformats.org/drawingml/2006/main" xmlns:r="http://schemas.openxmlformats.org/officeDocument/2006/relationships" xmlns:p="http://schemas.openxmlformats.org/presentationml/2006/main">
+  <p:cSld>
+    <p:spTree>
+      <p:nvGrpSpPr>
+        <p:cNvPr id="1" name=""/>
+        <p:cNvGrpSpPr/>
+        <p:nvPr/>
+      </p:nvGrpSpPr>
+      <p:grpSpPr>
+        <a:xfrm>
+          <a:off x="0" y="0"/>
+          <a:ext cx="0" cy="0"/>
+          <a:chOff x="0" y="0"/>
+          <a:chExt cx="0" cy="0"/>
+        </a:xfrm>
+      </p:grpSpPr>
+      <p:sp>
+        <p:nvSpPr>
+          <p:cNvPr id="2" name="Title 1"/>
+          <p:cNvSpPr>
+            <a:spLocks noGrp="1"/>
+          </p:cNvSpPr>
+          <p:nvPr>
+            <p:ph type="title"/>
+          </p:nvPr>
+        </p:nvSpPr>
+        <p:spPr/>
+        <p:txBody>
+          <a:bodyPr/>
+          <a:lstStyle/>
+          <a:p>
+            <a:r>
+              <a:rPr lang="en-US" dirty="0"/>
+              <a:t>Introduction</a:t>
+            </a:r>
+          </a:p>
+        </p:txBody>
+      </p:sp>
+      <p:sp>
+        <p:nvSpPr>
+          <p:cNvPr id="3" name="Content Placeholder 2"/>
+          <p:cNvSpPr>
+            <a:spLocks noGrp="1"/>
+          </p:cNvSpPr>
+          <p:nvPr>
+            <p:ph idx="1"/>
+          </p:nvPr>
+        </p:nvSpPr>
+        <p:spPr/>
+        <p:txBody>
+          <a:bodyPr/>
+          <a:lstStyle/>
+          <a:p>
+            <a:r>
+              <a:rPr lang="en-US" dirty="0"/>
+              <a:t>Investors are individuals or organizations that provide capital to startups in exchange for equity or other forms of return.</a:t>
+            </a:r>
+          </a:p>
+          <a:p>
+            <a:r>
+              <a:rPr lang="en-US" dirty="0"/>
+              <a:t>Understanding investor perspectives is crucial for crafting a compelling pitch and securing funding.</a:t>
+            </a:r>
+          </a:p>
+        </p:txBody>
+      </p:sp>
+      <p:sp>
+        <p:nvSpPr>
+          <p:cNvPr id="4" name="Slide Number Placeholder 3"/>
+          <p:cNvSpPr>
+            <a:spLocks noGrp="1"/>
+          </p:cNvSpPr>
+          <p:nvPr>
+            <p:ph type="sldNum" sz="quarter" idx="12"/>
+          </p:nvPr>
+        </p:nvSpPr>
+        <p:spPr/>
+        <p:txBody>
+          <a:bodyPr/>
+          <a:lstStyle/>
+          <a:p>
+            <a:fld id="{B8DACC02-A2BD-4578-8E03-6D891060A695}" type="slidenum">
+              <a:rPr lang="en-US" smtClean="0"/>
+              <a:pPr/>
+              <a:t>29</a:t>
             </a:fld>
             <a:endParaRPr lang="en-US" dirty="0"/>
           </a:p>
@@ -14523,116 +14697,6 @@
 </p:sld>
 </file>
 
-<file path=ppt/slides/slide29.xml><?xml version="1.0" encoding="utf-8"?>
-<p:sld xmlns:a="http://schemas.openxmlformats.org/drawingml/2006/main" xmlns:r="http://schemas.openxmlformats.org/officeDocument/2006/relationships" xmlns:p="http://schemas.openxmlformats.org/presentationml/2006/main">
-  <p:cSld>
-    <p:spTree>
-      <p:nvGrpSpPr>
-        <p:cNvPr id="1" name=""/>
-        <p:cNvGrpSpPr/>
-        <p:nvPr/>
-      </p:nvGrpSpPr>
-      <p:grpSpPr>
-        <a:xfrm>
-          <a:off x="0" y="0"/>
-          <a:ext cx="0" cy="0"/>
-          <a:chOff x="0" y="0"/>
-          <a:chExt cx="0" cy="0"/>
-        </a:xfrm>
-      </p:grpSpPr>
-      <p:sp>
-        <p:nvSpPr>
-          <p:cNvPr id="2" name="Title 1"/>
-          <p:cNvSpPr>
-            <a:spLocks noGrp="1"/>
-          </p:cNvSpPr>
-          <p:nvPr>
-            <p:ph type="title"/>
-          </p:nvPr>
-        </p:nvSpPr>
-        <p:spPr/>
-        <p:txBody>
-          <a:bodyPr/>
-          <a:lstStyle/>
-          <a:p>
-            <a:r>
-              <a:rPr lang="en-US" dirty="0"/>
-              <a:t>Investor Perspectives</a:t>
-            </a:r>
-          </a:p>
-        </p:txBody>
-      </p:sp>
-      <p:sp>
-        <p:nvSpPr>
-          <p:cNvPr id="3" name="Content Placeholder 2"/>
-          <p:cNvSpPr>
-            <a:spLocks noGrp="1"/>
-          </p:cNvSpPr>
-          <p:nvPr>
-            <p:ph idx="1"/>
-          </p:nvPr>
-        </p:nvSpPr>
-        <p:spPr/>
-        <p:txBody>
-          <a:bodyPr/>
-          <a:lstStyle/>
-          <a:p>
-            <a:r>
-              <a:rPr lang="en-US" dirty="0"/>
-              <a:t>Investors are looking for opportunities that offer strong growth potential and returns on their investment.</a:t>
-            </a:r>
-          </a:p>
-          <a:p>
-            <a:r>
-              <a:rPr lang="en-US" dirty="0"/>
-              <a:t>They want to invest in companies that have a clear and scalable business model, a strong team, and a large addressable market.</a:t>
-            </a:r>
-          </a:p>
-          <a:p>
-            <a:r>
-              <a:rPr lang="en-US" dirty="0"/>
-              <a:t>Investors also consider the competitive landscape, market trends, and the potential for disruption in the industry.</a:t>
-            </a:r>
-          </a:p>
-        </p:txBody>
-      </p:sp>
-      <p:sp>
-        <p:nvSpPr>
-          <p:cNvPr id="4" name="Slide Number Placeholder 3"/>
-          <p:cNvSpPr>
-            <a:spLocks noGrp="1"/>
-          </p:cNvSpPr>
-          <p:nvPr>
-            <p:ph type="sldNum" sz="quarter" idx="12"/>
-          </p:nvPr>
-        </p:nvSpPr>
-        <p:spPr/>
-        <p:txBody>
-          <a:bodyPr/>
-          <a:lstStyle/>
-          <a:p>
-            <a:fld id="{B8DACC02-A2BD-4578-8E03-6D891060A695}" type="slidenum">
-              <a:rPr lang="en-US" smtClean="0"/>
-              <a:pPr/>
-              <a:t>29</a:t>
-            </a:fld>
-            <a:endParaRPr lang="en-US" dirty="0"/>
-          </a:p>
-        </p:txBody>
-      </p:sp>
-    </p:spTree>
-    <p:extLst>
-      <p:ext uri="{BB962C8B-B14F-4D97-AF65-F5344CB8AC3E}">
-        <p14:creationId xmlns:p14="http://schemas.microsoft.com/office/powerpoint/2010/main" val="1293657742"/>
-      </p:ext>
-    </p:extLst>
-  </p:cSld>
-  <p:clrMapOvr>
-    <a:masterClrMapping/>
-  </p:clrMapOvr>
-</p:sld>
-</file>
-
 <file path=ppt/slides/slide3.xml><?xml version="1.0" encoding="utf-8"?>
 <p:sld xmlns:a="http://schemas.openxmlformats.org/drawingml/2006/main" xmlns:r="http://schemas.openxmlformats.org/officeDocument/2006/relationships" xmlns:p="http://schemas.openxmlformats.org/presentationml/2006/main">
   <p:cSld>
@@ -14747,13 +14811,7 @@
       </p:grpSpPr>
       <p:sp>
         <p:nvSpPr>
-          <p:cNvPr id="2" name="Title 1">
-            <a:extLst>
-              <a:ext uri="{FF2B5EF4-FFF2-40B4-BE49-F238E27FC236}">
-                <a16:creationId xmlns:a16="http://schemas.microsoft.com/office/drawing/2014/main" id="{4A3B3E29-EA54-4A45-ACE2-9DAAD4761031}"/>
-              </a:ext>
-            </a:extLst>
-          </p:cNvPr>
+          <p:cNvPr id="2" name="Title 1"/>
           <p:cNvSpPr>
             <a:spLocks noGrp="1"/>
           </p:cNvSpPr>
@@ -14768,20 +14826,14 @@
           <a:p>
             <a:r>
               <a:rPr lang="en-US" dirty="0"/>
-              <a:t>Investor Expectations</a:t>
-            </a:r>
-          </a:p>
-        </p:txBody>
-      </p:sp>
-      <p:sp>
-        <p:nvSpPr>
-          <p:cNvPr id="3" name="Content Placeholder 2">
-            <a:extLst>
-              <a:ext uri="{FF2B5EF4-FFF2-40B4-BE49-F238E27FC236}">
-                <a16:creationId xmlns:a16="http://schemas.microsoft.com/office/drawing/2014/main" id="{0830128D-2521-46A0-B854-0DCB1F5C276D}"/>
-              </a:ext>
-            </a:extLst>
-          </p:cNvPr>
+              <a:t>Investor Perspectives</a:t>
+            </a:r>
+          </a:p>
+        </p:txBody>
+      </p:sp>
+      <p:sp>
+        <p:nvSpPr>
+          <p:cNvPr id="3" name="Content Placeholder 2"/>
           <p:cNvSpPr>
             <a:spLocks noGrp="1"/>
           </p:cNvSpPr>
@@ -14796,35 +14848,26 @@
           <a:p>
             <a:r>
               <a:rPr lang="en-US" dirty="0"/>
-              <a:t>Investors expect a clear and compelling value proposition from the companies they invest in.</a:t>
-            </a:r>
-          </a:p>
-          <a:p>
-            <a:r>
-              <a:rPr lang="en-US" dirty="0"/>
-              <a:t>They want to see a well-defined market opportunity, a solid business plan, and a detailed financial model.</a:t>
-            </a:r>
-          </a:p>
-          <a:p>
-            <a:r>
-              <a:rPr lang="en-US" dirty="0"/>
-              <a:t>Investors also expect regular updates and communication from the companies they invest in, as well as a clear path to exit.</a:t>
-            </a:r>
-          </a:p>
-          <a:p>
-            <a:endParaRPr lang="en-US" dirty="0"/>
-          </a:p>
-        </p:txBody>
-      </p:sp>
-      <p:sp>
-        <p:nvSpPr>
-          <p:cNvPr id="4" name="Slide Number Placeholder 3">
-            <a:extLst>
-              <a:ext uri="{FF2B5EF4-FFF2-40B4-BE49-F238E27FC236}">
-                <a16:creationId xmlns:a16="http://schemas.microsoft.com/office/drawing/2014/main" id="{E898439D-9ADB-445F-83C4-C41412622F82}"/>
-              </a:ext>
-            </a:extLst>
-          </p:cNvPr>
+              <a:t>Investors are looking for opportunities that offer strong growth potential and returns on their investment.</a:t>
+            </a:r>
+          </a:p>
+          <a:p>
+            <a:r>
+              <a:rPr lang="en-US" dirty="0"/>
+              <a:t>They want to invest in companies that have a clear and scalable business model, a strong team, and a large addressable market.</a:t>
+            </a:r>
+          </a:p>
+          <a:p>
+            <a:r>
+              <a:rPr lang="en-US" dirty="0"/>
+              <a:t>Investors also consider the competitive landscape, market trends, and the potential for disruption in the industry.</a:t>
+            </a:r>
+          </a:p>
+        </p:txBody>
+      </p:sp>
+      <p:sp>
+        <p:nvSpPr>
+          <p:cNvPr id="4" name="Slide Number Placeholder 3"/>
           <p:cNvSpPr>
             <a:spLocks noGrp="1"/>
           </p:cNvSpPr>
@@ -14849,7 +14892,7 @@
     </p:spTree>
     <p:extLst>
       <p:ext uri="{BB962C8B-B14F-4D97-AF65-F5344CB8AC3E}">
-        <p14:creationId xmlns:p14="http://schemas.microsoft.com/office/powerpoint/2010/main" val="949906417"/>
+        <p14:creationId xmlns:p14="http://schemas.microsoft.com/office/powerpoint/2010/main" val="1293657742"/>
       </p:ext>
     </p:extLst>
   </p:cSld>
@@ -14878,7 +14921,13 @@
       </p:grpSpPr>
       <p:sp>
         <p:nvSpPr>
-          <p:cNvPr id="2" name="Title 1"/>
+          <p:cNvPr id="2" name="Title 1">
+            <a:extLst>
+              <a:ext uri="{FF2B5EF4-FFF2-40B4-BE49-F238E27FC236}">
+                <a16:creationId xmlns:a16="http://schemas.microsoft.com/office/drawing/2014/main" id="{4A3B3E29-EA54-4A45-ACE2-9DAAD4761031}"/>
+              </a:ext>
+            </a:extLst>
+          </p:cNvPr>
           <p:cNvSpPr>
             <a:spLocks noGrp="1"/>
           </p:cNvSpPr>
@@ -14893,14 +14942,20 @@
           <a:p>
             <a:r>
               <a:rPr lang="en-US" dirty="0"/>
-              <a:t>Types of Investors and Their Expectations</a:t>
-            </a:r>
-          </a:p>
-        </p:txBody>
-      </p:sp>
-      <p:sp>
-        <p:nvSpPr>
-          <p:cNvPr id="3" name="Content Placeholder 2"/>
+              <a:t>Investor Expectations</a:t>
+            </a:r>
+          </a:p>
+        </p:txBody>
+      </p:sp>
+      <p:sp>
+        <p:nvSpPr>
+          <p:cNvPr id="3" name="Content Placeholder 2">
+            <a:extLst>
+              <a:ext uri="{FF2B5EF4-FFF2-40B4-BE49-F238E27FC236}">
+                <a16:creationId xmlns:a16="http://schemas.microsoft.com/office/drawing/2014/main" id="{0830128D-2521-46A0-B854-0DCB1F5C276D}"/>
+              </a:ext>
+            </a:extLst>
+          </p:cNvPr>
           <p:cNvSpPr>
             <a:spLocks noGrp="1"/>
           </p:cNvSpPr>
@@ -14910,35 +14965,40 @@
         </p:nvSpPr>
         <p:spPr/>
         <p:txBody>
-          <a:bodyPr>
-            <a:normAutofit/>
-          </a:bodyPr>
-          <a:lstStyle/>
-          <a:p>
-            <a:r>
-              <a:rPr lang="en-US" dirty="0"/>
-              <a:t>Friends/Family</a:t>
-            </a:r>
-          </a:p>
-          <a:p>
-            <a:pPr lvl="1"/>
-            <a:r>
-              <a:rPr lang="en-US" dirty="0"/>
-              <a:t>Friends and family investors are typically motivated by a personal relationship with the entrepreneur and have a lower risk tolerance. </a:t>
-            </a:r>
-          </a:p>
-          <a:p>
-            <a:pPr lvl="1"/>
-            <a:r>
-              <a:rPr lang="en-US" dirty="0"/>
-              <a:t>They expect a lower return on investment and are more focused on supporting the entrepreneur.</a:t>
-            </a:r>
-          </a:p>
-        </p:txBody>
-      </p:sp>
-      <p:sp>
-        <p:nvSpPr>
-          <p:cNvPr id="4" name="Slide Number Placeholder 3"/>
+          <a:bodyPr/>
+          <a:lstStyle/>
+          <a:p>
+            <a:r>
+              <a:rPr lang="en-US" dirty="0"/>
+              <a:t>Investors expect a clear and compelling value proposition from the companies they invest in.</a:t>
+            </a:r>
+          </a:p>
+          <a:p>
+            <a:r>
+              <a:rPr lang="en-US" dirty="0"/>
+              <a:t>They want to see a well-defined market opportunity, a solid business plan, and a detailed financial model.</a:t>
+            </a:r>
+          </a:p>
+          <a:p>
+            <a:r>
+              <a:rPr lang="en-US" dirty="0"/>
+              <a:t>Investors also expect regular updates and communication from the companies they invest in, as well as a clear path to exit.</a:t>
+            </a:r>
+          </a:p>
+          <a:p>
+            <a:endParaRPr lang="en-US" dirty="0"/>
+          </a:p>
+        </p:txBody>
+      </p:sp>
+      <p:sp>
+        <p:nvSpPr>
+          <p:cNvPr id="4" name="Slide Number Placeholder 3">
+            <a:extLst>
+              <a:ext uri="{FF2B5EF4-FFF2-40B4-BE49-F238E27FC236}">
+                <a16:creationId xmlns:a16="http://schemas.microsoft.com/office/drawing/2014/main" id="{E898439D-9ADB-445F-83C4-C41412622F82}"/>
+              </a:ext>
+            </a:extLst>
+          </p:cNvPr>
           <p:cNvSpPr>
             <a:spLocks noGrp="1"/>
           </p:cNvSpPr>
@@ -14963,7 +15023,7 @@
     </p:spTree>
     <p:extLst>
       <p:ext uri="{BB962C8B-B14F-4D97-AF65-F5344CB8AC3E}">
-        <p14:creationId xmlns:p14="http://schemas.microsoft.com/office/powerpoint/2010/main" val="1866511371"/>
+        <p14:creationId xmlns:p14="http://schemas.microsoft.com/office/powerpoint/2010/main" val="949906417"/>
       </p:ext>
     </p:extLst>
   </p:cSld>
@@ -15031,35 +15091,21 @@
           <a:p>
             <a:r>
               <a:rPr lang="en-US" dirty="0"/>
-              <a:t>Seed Investors</a:t>
+              <a:t>Friends/Family</a:t>
             </a:r>
           </a:p>
           <a:p>
             <a:pPr lvl="1"/>
             <a:r>
               <a:rPr lang="en-US" dirty="0"/>
-              <a:t>Investors who provide early-stage funding to startups in exchange for equity</a:t>
+              <a:t>Friends and family investors are typically motivated by a personal relationship with the entrepreneur and have a lower risk tolerance. </a:t>
             </a:r>
           </a:p>
           <a:p>
             <a:pPr lvl="1"/>
             <a:r>
               <a:rPr lang="en-US" dirty="0"/>
-              <a:t>Investment goals: Looking for high returns on investment, often with a focus on scalability and growth potential</a:t>
-            </a:r>
-          </a:p>
-          <a:p>
-            <a:pPr lvl="1"/>
-            <a:r>
-              <a:rPr lang="en-US" dirty="0"/>
-              <a:t>Investment horizon: Typically 3-5 years</a:t>
-            </a:r>
-          </a:p>
-          <a:p>
-            <a:pPr lvl="1"/>
-            <a:r>
-              <a:rPr lang="en-US" dirty="0"/>
-              <a:t>Expectations: Active involvement, regular updates, and a seat on the board</a:t>
+              <a:t>They expect a lower return on investment and are more focused on supporting the entrepreneur.</a:t>
             </a:r>
           </a:p>
         </p:txBody>
@@ -15083,6 +15129,134 @@
               <a:rPr lang="en-US" smtClean="0"/>
               <a:pPr/>
               <a:t>32</a:t>
+            </a:fld>
+            <a:endParaRPr lang="en-US" dirty="0"/>
+          </a:p>
+        </p:txBody>
+      </p:sp>
+    </p:spTree>
+    <p:extLst>
+      <p:ext uri="{BB962C8B-B14F-4D97-AF65-F5344CB8AC3E}">
+        <p14:creationId xmlns:p14="http://schemas.microsoft.com/office/powerpoint/2010/main" val="1866511371"/>
+      </p:ext>
+    </p:extLst>
+  </p:cSld>
+  <p:clrMapOvr>
+    <a:masterClrMapping/>
+  </p:clrMapOvr>
+</p:sld>
+</file>
+
+<file path=ppt/slides/slide33.xml><?xml version="1.0" encoding="utf-8"?>
+<p:sld xmlns:a="http://schemas.openxmlformats.org/drawingml/2006/main" xmlns:r="http://schemas.openxmlformats.org/officeDocument/2006/relationships" xmlns:p="http://schemas.openxmlformats.org/presentationml/2006/main">
+  <p:cSld>
+    <p:spTree>
+      <p:nvGrpSpPr>
+        <p:cNvPr id="1" name=""/>
+        <p:cNvGrpSpPr/>
+        <p:nvPr/>
+      </p:nvGrpSpPr>
+      <p:grpSpPr>
+        <a:xfrm>
+          <a:off x="0" y="0"/>
+          <a:ext cx="0" cy="0"/>
+          <a:chOff x="0" y="0"/>
+          <a:chExt cx="0" cy="0"/>
+        </a:xfrm>
+      </p:grpSpPr>
+      <p:sp>
+        <p:nvSpPr>
+          <p:cNvPr id="2" name="Title 1"/>
+          <p:cNvSpPr>
+            <a:spLocks noGrp="1"/>
+          </p:cNvSpPr>
+          <p:nvPr>
+            <p:ph type="title"/>
+          </p:nvPr>
+        </p:nvSpPr>
+        <p:spPr/>
+        <p:txBody>
+          <a:bodyPr/>
+          <a:lstStyle/>
+          <a:p>
+            <a:r>
+              <a:rPr lang="en-US" dirty="0"/>
+              <a:t>Types of Investors and Their Expectations</a:t>
+            </a:r>
+          </a:p>
+        </p:txBody>
+      </p:sp>
+      <p:sp>
+        <p:nvSpPr>
+          <p:cNvPr id="3" name="Content Placeholder 2"/>
+          <p:cNvSpPr>
+            <a:spLocks noGrp="1"/>
+          </p:cNvSpPr>
+          <p:nvPr>
+            <p:ph idx="1"/>
+          </p:nvPr>
+        </p:nvSpPr>
+        <p:spPr/>
+        <p:txBody>
+          <a:bodyPr>
+            <a:normAutofit/>
+          </a:bodyPr>
+          <a:lstStyle/>
+          <a:p>
+            <a:r>
+              <a:rPr lang="en-US" dirty="0"/>
+              <a:t>Seed Investors</a:t>
+            </a:r>
+          </a:p>
+          <a:p>
+            <a:pPr lvl="1"/>
+            <a:r>
+              <a:rPr lang="en-US" dirty="0"/>
+              <a:t>Investors who provide early-stage funding to startups in exchange for equity</a:t>
+            </a:r>
+          </a:p>
+          <a:p>
+            <a:pPr lvl="1"/>
+            <a:r>
+              <a:rPr lang="en-US" dirty="0"/>
+              <a:t>Investment goals: Looking for high returns on investment, often with a focus on scalability and growth potential</a:t>
+            </a:r>
+          </a:p>
+          <a:p>
+            <a:pPr lvl="1"/>
+            <a:r>
+              <a:rPr lang="en-US" dirty="0"/>
+              <a:t>Investment horizon: Typically 3-5 years</a:t>
+            </a:r>
+          </a:p>
+          <a:p>
+            <a:pPr lvl="1"/>
+            <a:r>
+              <a:rPr lang="en-US" dirty="0"/>
+              <a:t>Expectations: Active involvement, regular updates, and a seat on the board</a:t>
+            </a:r>
+          </a:p>
+        </p:txBody>
+      </p:sp>
+      <p:sp>
+        <p:nvSpPr>
+          <p:cNvPr id="4" name="Slide Number Placeholder 3"/>
+          <p:cNvSpPr>
+            <a:spLocks noGrp="1"/>
+          </p:cNvSpPr>
+          <p:nvPr>
+            <p:ph type="sldNum" sz="quarter" idx="12"/>
+          </p:nvPr>
+        </p:nvSpPr>
+        <p:spPr/>
+        <p:txBody>
+          <a:bodyPr/>
+          <a:lstStyle/>
+          <a:p>
+            <a:fld id="{B8DACC02-A2BD-4578-8E03-6D891060A695}" type="slidenum">
+              <a:rPr lang="en-US" smtClean="0"/>
+              <a:pPr/>
+              <a:t>33</a:t>
             </a:fld>
             <a:endParaRPr lang="en-US" dirty="0"/>
           </a:p>
@@ -15146,7 +15320,7 @@
 </p:sld>
 </file>
 
-<file path=ppt/slides/slide33.xml><?xml version="1.0" encoding="utf-8"?>
+<file path=ppt/slides/slide34.xml><?xml version="1.0" encoding="utf-8"?>
 <p:sld xmlns:a="http://schemas.openxmlformats.org/drawingml/2006/main" xmlns:r="http://schemas.openxmlformats.org/officeDocument/2006/relationships" xmlns:p="http://schemas.openxmlformats.org/presentationml/2006/main">
   <p:cSld>
     <p:spTree>
@@ -15241,7 +15415,7 @@
             <a:fld id="{B8DACC02-A2BD-4578-8E03-6D891060A695}" type="slidenum">
               <a:rPr lang="en-US" smtClean="0"/>
               <a:pPr/>
-              <a:t>33</a:t>
+              <a:t>34</a:t>
             </a:fld>
             <a:endParaRPr lang="en-US" dirty="0"/>
           </a:p>
@@ -15301,7 +15475,7 @@
 </p:sld>
 </file>
 
-<file path=ppt/slides/slide34.xml><?xml version="1.0" encoding="utf-8"?>
+<file path=ppt/slides/slide35.xml><?xml version="1.0" encoding="utf-8"?>
 <p:sld xmlns:a="http://schemas.openxmlformats.org/drawingml/2006/main" xmlns:r="http://schemas.openxmlformats.org/officeDocument/2006/relationships" xmlns:p="http://schemas.openxmlformats.org/presentationml/2006/main">
   <p:cSld>
     <p:spTree>
@@ -15396,7 +15570,7 @@
             <a:fld id="{B8DACC02-A2BD-4578-8E03-6D891060A695}" type="slidenum">
               <a:rPr lang="en-US" smtClean="0"/>
               <a:pPr/>
-              <a:t>34</a:t>
+              <a:t>35</a:t>
             </a:fld>
             <a:endParaRPr lang="en-US" dirty="0"/>
           </a:p>
@@ -15456,7 +15630,7 @@
 </p:sld>
 </file>
 
-<file path=ppt/slides/slide35.xml><?xml version="1.0" encoding="utf-8"?>
+<file path=ppt/slides/slide36.xml><?xml version="1.0" encoding="utf-8"?>
 <p:sld xmlns:a="http://schemas.openxmlformats.org/drawingml/2006/main" xmlns:r="http://schemas.openxmlformats.org/officeDocument/2006/relationships" xmlns:p="http://schemas.openxmlformats.org/presentationml/2006/main">
   <p:cSld>
     <p:spTree>
@@ -15543,7 +15717,7 @@
             <a:fld id="{B8DACC02-A2BD-4578-8E03-6D891060A695}" type="slidenum">
               <a:rPr lang="en-US" smtClean="0"/>
               <a:pPr/>
-              <a:t>35</a:t>
+              <a:t>36</a:t>
             </a:fld>
             <a:endParaRPr lang="en-US" dirty="0"/>
           </a:p>
@@ -15603,116 +15777,6 @@
 </p:sld>
 </file>
 
-<file path=ppt/slides/slide36.xml><?xml version="1.0" encoding="utf-8"?>
-<p:sld xmlns:a="http://schemas.openxmlformats.org/drawingml/2006/main" xmlns:r="http://schemas.openxmlformats.org/officeDocument/2006/relationships" xmlns:p="http://schemas.openxmlformats.org/presentationml/2006/main">
-  <p:cSld>
-    <p:spTree>
-      <p:nvGrpSpPr>
-        <p:cNvPr id="1" name=""/>
-        <p:cNvGrpSpPr/>
-        <p:nvPr/>
-      </p:nvGrpSpPr>
-      <p:grpSpPr>
-        <a:xfrm>
-          <a:off x="0" y="0"/>
-          <a:ext cx="0" cy="0"/>
-          <a:chOff x="0" y="0"/>
-          <a:chExt cx="0" cy="0"/>
-        </a:xfrm>
-      </p:grpSpPr>
-      <p:sp>
-        <p:nvSpPr>
-          <p:cNvPr id="2" name="Title 1"/>
-          <p:cNvSpPr>
-            <a:spLocks noGrp="1"/>
-          </p:cNvSpPr>
-          <p:nvPr>
-            <p:ph type="title"/>
-          </p:nvPr>
-        </p:nvSpPr>
-        <p:spPr/>
-        <p:txBody>
-          <a:bodyPr/>
-          <a:lstStyle/>
-          <a:p>
-            <a:r>
-              <a:rPr lang="en-US" dirty="0"/>
-              <a:t>Meets Investor Expectations</a:t>
-            </a:r>
-          </a:p>
-        </p:txBody>
-      </p:sp>
-      <p:sp>
-        <p:nvSpPr>
-          <p:cNvPr id="3" name="Content Placeholder 2"/>
-          <p:cNvSpPr>
-            <a:spLocks noGrp="1"/>
-          </p:cNvSpPr>
-          <p:nvPr>
-            <p:ph idx="1"/>
-          </p:nvPr>
-        </p:nvSpPr>
-        <p:spPr/>
-        <p:txBody>
-          <a:bodyPr/>
-          <a:lstStyle/>
-          <a:p>
-            <a:r>
-              <a:rPr lang="en-US" dirty="0"/>
-              <a:t>Focus on the problem the startup is solving and the solution it offers.</a:t>
-            </a:r>
-          </a:p>
-          <a:p>
-            <a:r>
-              <a:rPr lang="en-US" dirty="0"/>
-              <a:t>Highlight the market opportunity and the startup's competitive advantage.</a:t>
-            </a:r>
-          </a:p>
-          <a:p>
-            <a:r>
-              <a:rPr lang="en-US" dirty="0"/>
-              <a:t>Emphasize the team's relevant skills and experience.</a:t>
-            </a:r>
-          </a:p>
-        </p:txBody>
-      </p:sp>
-      <p:sp>
-        <p:nvSpPr>
-          <p:cNvPr id="4" name="Slide Number Placeholder 3"/>
-          <p:cNvSpPr>
-            <a:spLocks noGrp="1"/>
-          </p:cNvSpPr>
-          <p:nvPr>
-            <p:ph type="sldNum" sz="quarter" idx="12"/>
-          </p:nvPr>
-        </p:nvSpPr>
-        <p:spPr/>
-        <p:txBody>
-          <a:bodyPr/>
-          <a:lstStyle/>
-          <a:p>
-            <a:fld id="{B8DACC02-A2BD-4578-8E03-6D891060A695}" type="slidenum">
-              <a:rPr lang="en-US" smtClean="0"/>
-              <a:pPr/>
-              <a:t>36</a:t>
-            </a:fld>
-            <a:endParaRPr lang="en-US" dirty="0"/>
-          </a:p>
-        </p:txBody>
-      </p:sp>
-    </p:spTree>
-    <p:extLst>
-      <p:ext uri="{BB962C8B-B14F-4D97-AF65-F5344CB8AC3E}">
-        <p14:creationId xmlns:p14="http://schemas.microsoft.com/office/powerpoint/2010/main" val="3745380419"/>
-      </p:ext>
-    </p:extLst>
-  </p:cSld>
-  <p:clrMapOvr>
-    <a:masterClrMapping/>
-  </p:clrMapOvr>
-</p:sld>
-</file>
-
 <file path=ppt/slides/slide37.xml><?xml version="1.0" encoding="utf-8"?>
 <p:sld xmlns:a="http://schemas.openxmlformats.org/drawingml/2006/main" xmlns:r="http://schemas.openxmlformats.org/officeDocument/2006/relationships" xmlns:p="http://schemas.openxmlformats.org/presentationml/2006/main">
   <p:cSld>
@@ -15747,7 +15811,7 @@
           <a:p>
             <a:r>
               <a:rPr lang="en-US" dirty="0"/>
-              <a:t>Crowdfunding</a:t>
+              <a:t>Meets Investor Expectations</a:t>
             </a:r>
           </a:p>
         </p:txBody>
@@ -15769,19 +15833,19 @@
           <a:p>
             <a:r>
               <a:rPr lang="en-US" dirty="0"/>
-              <a:t>A method of raising capital through small contributions from a large number of people, typically through an online platform.</a:t>
-            </a:r>
-          </a:p>
-          <a:p>
-            <a:r>
-              <a:rPr lang="en-US" dirty="0"/>
-              <a:t>Crowdfunding can provide valuable marketing and exposure for a startup, and it can help entrepreneurs validate their idea and build a community of supporters.</a:t>
-            </a:r>
-          </a:p>
-          <a:p>
-            <a:r>
-              <a:rPr lang="en-US" dirty="0"/>
-              <a:t>Crowdfunding may not provide enough capital to meet a startup's needs, and it can be time-consuming and resource-intensive.</a:t>
+              <a:t>Focus on the problem the startup is solving and the solution it offers.</a:t>
+            </a:r>
+          </a:p>
+          <a:p>
+            <a:r>
+              <a:rPr lang="en-US" dirty="0"/>
+              <a:t>Highlight the market opportunity and the startup's competitive advantage.</a:t>
+            </a:r>
+          </a:p>
+          <a:p>
+            <a:r>
+              <a:rPr lang="en-US" dirty="0"/>
+              <a:t>Emphasize the team's relevant skills and experience.</a:t>
             </a:r>
           </a:p>
         </p:txBody>
@@ -15805,6 +15869,116 @@
               <a:rPr lang="en-US" smtClean="0"/>
               <a:pPr/>
               <a:t>37</a:t>
+            </a:fld>
+            <a:endParaRPr lang="en-US" dirty="0"/>
+          </a:p>
+        </p:txBody>
+      </p:sp>
+    </p:spTree>
+    <p:extLst>
+      <p:ext uri="{BB962C8B-B14F-4D97-AF65-F5344CB8AC3E}">
+        <p14:creationId xmlns:p14="http://schemas.microsoft.com/office/powerpoint/2010/main" val="3745380419"/>
+      </p:ext>
+    </p:extLst>
+  </p:cSld>
+  <p:clrMapOvr>
+    <a:masterClrMapping/>
+  </p:clrMapOvr>
+</p:sld>
+</file>
+
+<file path=ppt/slides/slide38.xml><?xml version="1.0" encoding="utf-8"?>
+<p:sld xmlns:a="http://schemas.openxmlformats.org/drawingml/2006/main" xmlns:r="http://schemas.openxmlformats.org/officeDocument/2006/relationships" xmlns:p="http://schemas.openxmlformats.org/presentationml/2006/main">
+  <p:cSld>
+    <p:spTree>
+      <p:nvGrpSpPr>
+        <p:cNvPr id="1" name=""/>
+        <p:cNvGrpSpPr/>
+        <p:nvPr/>
+      </p:nvGrpSpPr>
+      <p:grpSpPr>
+        <a:xfrm>
+          <a:off x="0" y="0"/>
+          <a:ext cx="0" cy="0"/>
+          <a:chOff x="0" y="0"/>
+          <a:chExt cx="0" cy="0"/>
+        </a:xfrm>
+      </p:grpSpPr>
+      <p:sp>
+        <p:nvSpPr>
+          <p:cNvPr id="2" name="Title 1"/>
+          <p:cNvSpPr>
+            <a:spLocks noGrp="1"/>
+          </p:cNvSpPr>
+          <p:nvPr>
+            <p:ph type="title"/>
+          </p:nvPr>
+        </p:nvSpPr>
+        <p:spPr/>
+        <p:txBody>
+          <a:bodyPr/>
+          <a:lstStyle/>
+          <a:p>
+            <a:r>
+              <a:rPr lang="en-US" dirty="0"/>
+              <a:t>Crowdfunding</a:t>
+            </a:r>
+          </a:p>
+        </p:txBody>
+      </p:sp>
+      <p:sp>
+        <p:nvSpPr>
+          <p:cNvPr id="3" name="Content Placeholder 2"/>
+          <p:cNvSpPr>
+            <a:spLocks noGrp="1"/>
+          </p:cNvSpPr>
+          <p:nvPr>
+            <p:ph idx="1"/>
+          </p:nvPr>
+        </p:nvSpPr>
+        <p:spPr/>
+        <p:txBody>
+          <a:bodyPr/>
+          <a:lstStyle/>
+          <a:p>
+            <a:r>
+              <a:rPr lang="en-US" dirty="0"/>
+              <a:t>A method of raising capital through small contributions from a large number of people, typically through an online platform.</a:t>
+            </a:r>
+          </a:p>
+          <a:p>
+            <a:r>
+              <a:rPr lang="en-US" dirty="0"/>
+              <a:t>Crowdfunding can provide valuable marketing and exposure for a startup, and it can help entrepreneurs validate their idea and build a community of supporters.</a:t>
+            </a:r>
+          </a:p>
+          <a:p>
+            <a:r>
+              <a:rPr lang="en-US" dirty="0"/>
+              <a:t>Crowdfunding may not provide enough capital to meet a startup's needs, and it can be time-consuming and resource-intensive.</a:t>
+            </a:r>
+          </a:p>
+        </p:txBody>
+      </p:sp>
+      <p:sp>
+        <p:nvSpPr>
+          <p:cNvPr id="4" name="Slide Number Placeholder 3"/>
+          <p:cNvSpPr>
+            <a:spLocks noGrp="1"/>
+          </p:cNvSpPr>
+          <p:nvPr>
+            <p:ph type="sldNum" sz="quarter" idx="12"/>
+          </p:nvPr>
+        </p:nvSpPr>
+        <p:spPr/>
+        <p:txBody>
+          <a:bodyPr/>
+          <a:lstStyle/>
+          <a:p>
+            <a:fld id="{B8DACC02-A2BD-4578-8E03-6D891060A695}" type="slidenum">
+              <a:rPr lang="en-US" smtClean="0"/>
+              <a:pPr/>
+              <a:t>38</a:t>
             </a:fld>
             <a:endParaRPr lang="en-US" dirty="0"/>
           </a:p>
@@ -15864,7 +16038,7 @@
 </p:sld>
 </file>
 
-<file path=ppt/slides/slide38.xml><?xml version="1.0" encoding="utf-8"?>
+<file path=ppt/slides/slide39.xml><?xml version="1.0" encoding="utf-8"?>
 <p:sld xmlns:a="http://schemas.openxmlformats.org/drawingml/2006/main" xmlns:r="http://schemas.openxmlformats.org/officeDocument/2006/relationships" xmlns:p="http://schemas.openxmlformats.org/presentationml/2006/main">
   <p:cSld>
     <p:spTree>
@@ -15940,7 +16114,7 @@
             <a:fld id="{B8DACC02-A2BD-4578-8E03-6D891060A695}" type="slidenum">
               <a:rPr lang="en-US" smtClean="0"/>
               <a:pPr/>
-              <a:t>38</a:t>
+              <a:t>39</a:t>
             </a:fld>
             <a:endParaRPr lang="en-US" dirty="0"/>
           </a:p>
@@ -15989,146 +16163,6 @@
     <p:extLst>
       <p:ext uri="{BB962C8B-B14F-4D97-AF65-F5344CB8AC3E}">
         <p14:creationId xmlns:p14="http://schemas.microsoft.com/office/powerpoint/2010/main" val="4083688302"/>
-      </p:ext>
-    </p:extLst>
-  </p:cSld>
-  <p:clrMapOvr>
-    <a:masterClrMapping/>
-  </p:clrMapOvr>
-</p:sld>
-</file>
-
-<file path=ppt/slides/slide39.xml><?xml version="1.0" encoding="utf-8"?>
-<p:sld xmlns:a="http://schemas.openxmlformats.org/drawingml/2006/main" xmlns:r="http://schemas.openxmlformats.org/officeDocument/2006/relationships" xmlns:p="http://schemas.openxmlformats.org/presentationml/2006/main">
-  <p:cSld>
-    <p:spTree>
-      <p:nvGrpSpPr>
-        <p:cNvPr id="1" name=""/>
-        <p:cNvGrpSpPr/>
-        <p:nvPr/>
-      </p:nvGrpSpPr>
-      <p:grpSpPr>
-        <a:xfrm>
-          <a:off x="0" y="0"/>
-          <a:ext cx="0" cy="0"/>
-          <a:chOff x="0" y="0"/>
-          <a:chExt cx="0" cy="0"/>
-        </a:xfrm>
-      </p:grpSpPr>
-      <p:sp>
-        <p:nvSpPr>
-          <p:cNvPr id="2" name="Title 1">
-            <a:extLst>
-              <a:ext uri="{FF2B5EF4-FFF2-40B4-BE49-F238E27FC236}">
-                <a16:creationId xmlns:a16="http://schemas.microsoft.com/office/drawing/2014/main" id="{BC695D01-C9B0-4D73-B6F0-B827B61B6203}"/>
-              </a:ext>
-            </a:extLst>
-          </p:cNvPr>
-          <p:cNvSpPr>
-            <a:spLocks noGrp="1"/>
-          </p:cNvSpPr>
-          <p:nvPr>
-            <p:ph type="title"/>
-          </p:nvPr>
-        </p:nvSpPr>
-        <p:spPr/>
-        <p:txBody>
-          <a:bodyPr/>
-          <a:lstStyle/>
-          <a:p>
-            <a:r>
-              <a:rPr lang="en-US" dirty="0"/>
-              <a:t>Key Metrics for Evaluating Software Startups</a:t>
-            </a:r>
-          </a:p>
-        </p:txBody>
-      </p:sp>
-      <p:sp>
-        <p:nvSpPr>
-          <p:cNvPr id="3" name="Content Placeholder 2">
-            <a:extLst>
-              <a:ext uri="{FF2B5EF4-FFF2-40B4-BE49-F238E27FC236}">
-                <a16:creationId xmlns:a16="http://schemas.microsoft.com/office/drawing/2014/main" id="{F2F1257B-C568-4B09-8D19-727CE1CB0529}"/>
-              </a:ext>
-            </a:extLst>
-          </p:cNvPr>
-          <p:cNvSpPr>
-            <a:spLocks noGrp="1"/>
-          </p:cNvSpPr>
-          <p:nvPr>
-            <p:ph idx="1"/>
-          </p:nvPr>
-        </p:nvSpPr>
-        <p:spPr/>
-        <p:txBody>
-          <a:bodyPr/>
-          <a:lstStyle/>
-          <a:p>
-            <a:r>
-              <a:rPr lang="en-US" dirty="0"/>
-              <a:t>User acquisition cost (UAC)</a:t>
-            </a:r>
-          </a:p>
-          <a:p>
-            <a:r>
-              <a:rPr lang="en-US" dirty="0"/>
-              <a:t>Churn rate</a:t>
-            </a:r>
-          </a:p>
-          <a:p>
-            <a:r>
-              <a:rPr lang="en-US" dirty="0"/>
-              <a:t>Lifetime value (LTV)</a:t>
-            </a:r>
-          </a:p>
-          <a:p>
-            <a:r>
-              <a:rPr lang="en-US" dirty="0"/>
-              <a:t>Customer acquisition cost (CAC)</a:t>
-            </a:r>
-          </a:p>
-          <a:p>
-            <a:r>
-              <a:rPr lang="en-US" dirty="0"/>
-              <a:t>Retention rate</a:t>
-            </a:r>
-          </a:p>
-        </p:txBody>
-      </p:sp>
-      <p:sp>
-        <p:nvSpPr>
-          <p:cNvPr id="4" name="Slide Number Placeholder 3">
-            <a:extLst>
-              <a:ext uri="{FF2B5EF4-FFF2-40B4-BE49-F238E27FC236}">
-                <a16:creationId xmlns:a16="http://schemas.microsoft.com/office/drawing/2014/main" id="{7286C0FD-319D-4C56-BFDB-D9401BD4FB09}"/>
-              </a:ext>
-            </a:extLst>
-          </p:cNvPr>
-          <p:cNvSpPr>
-            <a:spLocks noGrp="1"/>
-          </p:cNvSpPr>
-          <p:nvPr>
-            <p:ph type="sldNum" sz="quarter" idx="12"/>
-          </p:nvPr>
-        </p:nvSpPr>
-        <p:spPr/>
-        <p:txBody>
-          <a:bodyPr/>
-          <a:lstStyle/>
-          <a:p>
-            <a:fld id="{B8DACC02-A2BD-4578-8E03-6D891060A695}" type="slidenum">
-              <a:rPr lang="en-US" smtClean="0"/>
-              <a:pPr/>
-              <a:t>39</a:t>
-            </a:fld>
-            <a:endParaRPr lang="en-US" dirty="0"/>
-          </a:p>
-        </p:txBody>
-      </p:sp>
-    </p:spTree>
-    <p:extLst>
-      <p:ext uri="{BB962C8B-B14F-4D97-AF65-F5344CB8AC3E}">
-        <p14:creationId xmlns:p14="http://schemas.microsoft.com/office/powerpoint/2010/main" val="763497934"/>
       </p:ext>
     </p:extLst>
   </p:cSld>
@@ -16252,7 +16286,7 @@
           <p:cNvPr id="2" name="Title 1">
             <a:extLst>
               <a:ext uri="{FF2B5EF4-FFF2-40B4-BE49-F238E27FC236}">
-                <a16:creationId xmlns:a16="http://schemas.microsoft.com/office/drawing/2014/main" id="{FBA010B2-3489-4628-A2BA-DB7E219EC011}"/>
+                <a16:creationId xmlns:a16="http://schemas.microsoft.com/office/drawing/2014/main" id="{BC695D01-C9B0-4D73-B6F0-B827B61B6203}"/>
               </a:ext>
             </a:extLst>
           </p:cNvPr>
@@ -16270,7 +16304,7 @@
           <a:p>
             <a:r>
               <a:rPr lang="en-US" dirty="0"/>
-              <a:t>Assessing Growth and Scalability</a:t>
+              <a:t>Key Metrics for Evaluating Software Startups</a:t>
             </a:r>
           </a:p>
         </p:txBody>
@@ -16280,7 +16314,7 @@
           <p:cNvPr id="3" name="Content Placeholder 2">
             <a:extLst>
               <a:ext uri="{FF2B5EF4-FFF2-40B4-BE49-F238E27FC236}">
-                <a16:creationId xmlns:a16="http://schemas.microsoft.com/office/drawing/2014/main" id="{0D794337-CA3A-4A76-8DFA-F4137F0BEE7B}"/>
+                <a16:creationId xmlns:a16="http://schemas.microsoft.com/office/drawing/2014/main" id="{F2F1257B-C568-4B09-8D19-727CE1CB0529}"/>
               </a:ext>
             </a:extLst>
           </p:cNvPr>
@@ -16298,25 +16332,31 @@
           <a:p>
             <a:r>
               <a:rPr lang="en-US" dirty="0"/>
-              <a:t>Market opportunity and potential for growth</a:t>
-            </a:r>
-          </a:p>
-          <a:p>
-            <a:r>
-              <a:rPr lang="en-US" dirty="0"/>
-              <a:t>Competitive landscape</a:t>
-            </a:r>
-          </a:p>
-          <a:p>
-            <a:r>
-              <a:rPr lang="en-US" dirty="0"/>
-              <a:t>Market size and growth rate</a:t>
-            </a:r>
-          </a:p>
-          <a:p>
-            <a:r>
-              <a:rPr lang="en-US" dirty="0"/>
-              <a:t>Scalability of the product and business model</a:t>
+              <a:t>User acquisition cost (UAC)</a:t>
+            </a:r>
+          </a:p>
+          <a:p>
+            <a:r>
+              <a:rPr lang="en-US" dirty="0"/>
+              <a:t>Churn rate</a:t>
+            </a:r>
+          </a:p>
+          <a:p>
+            <a:r>
+              <a:rPr lang="en-US" dirty="0"/>
+              <a:t>Lifetime value (LTV)</a:t>
+            </a:r>
+          </a:p>
+          <a:p>
+            <a:r>
+              <a:rPr lang="en-US" dirty="0"/>
+              <a:t>Customer acquisition cost (CAC)</a:t>
+            </a:r>
+          </a:p>
+          <a:p>
+            <a:r>
+              <a:rPr lang="en-US" dirty="0"/>
+              <a:t>Retention rate</a:t>
             </a:r>
           </a:p>
         </p:txBody>
@@ -16326,7 +16366,7 @@
           <p:cNvPr id="4" name="Slide Number Placeholder 3">
             <a:extLst>
               <a:ext uri="{FF2B5EF4-FFF2-40B4-BE49-F238E27FC236}">
-                <a16:creationId xmlns:a16="http://schemas.microsoft.com/office/drawing/2014/main" id="{41424179-B66B-47E7-8637-BC12C0906FEE}"/>
+                <a16:creationId xmlns:a16="http://schemas.microsoft.com/office/drawing/2014/main" id="{7286C0FD-319D-4C56-BFDB-D9401BD4FB09}"/>
               </a:ext>
             </a:extLst>
           </p:cNvPr>
@@ -16354,7 +16394,7 @@
     </p:spTree>
     <p:extLst>
       <p:ext uri="{BB962C8B-B14F-4D97-AF65-F5344CB8AC3E}">
-        <p14:creationId xmlns:p14="http://schemas.microsoft.com/office/powerpoint/2010/main" val="3684957497"/>
+        <p14:creationId xmlns:p14="http://schemas.microsoft.com/office/powerpoint/2010/main" val="763497934"/>
       </p:ext>
     </p:extLst>
   </p:cSld>
@@ -16386,7 +16426,7 @@
           <p:cNvPr id="2" name="Title 1">
             <a:extLst>
               <a:ext uri="{FF2B5EF4-FFF2-40B4-BE49-F238E27FC236}">
-                <a16:creationId xmlns:a16="http://schemas.microsoft.com/office/drawing/2014/main" id="{CD12EC60-F953-46E6-AABB-CB6BA0F0DB9F}"/>
+                <a16:creationId xmlns:a16="http://schemas.microsoft.com/office/drawing/2014/main" id="{FBA010B2-3489-4628-A2BA-DB7E219EC011}"/>
               </a:ext>
             </a:extLst>
           </p:cNvPr>
@@ -16404,7 +16444,7 @@
           <a:p>
             <a:r>
               <a:rPr lang="en-US" dirty="0"/>
-              <a:t>Evaluating the Team</a:t>
+              <a:t>Assessing Growth and Scalability</a:t>
             </a:r>
           </a:p>
         </p:txBody>
@@ -16414,7 +16454,7 @@
           <p:cNvPr id="3" name="Content Placeholder 2">
             <a:extLst>
               <a:ext uri="{FF2B5EF4-FFF2-40B4-BE49-F238E27FC236}">
-                <a16:creationId xmlns:a16="http://schemas.microsoft.com/office/drawing/2014/main" id="{02B660DE-A4A2-49CB-9E54-70DAD1D2C835}"/>
+                <a16:creationId xmlns:a16="http://schemas.microsoft.com/office/drawing/2014/main" id="{0D794337-CA3A-4A76-8DFA-F4137F0BEE7B}"/>
               </a:ext>
             </a:extLst>
           </p:cNvPr>
@@ -16432,25 +16472,25 @@
           <a:p>
             <a:r>
               <a:rPr lang="en-US" dirty="0"/>
-              <a:t>Team dynamics and chemistry</a:t>
-            </a:r>
-          </a:p>
-          <a:p>
-            <a:r>
-              <a:rPr lang="en-US" dirty="0"/>
-              <a:t>Experience and skills of the founding team</a:t>
-            </a:r>
-          </a:p>
-          <a:p>
-            <a:r>
-              <a:rPr lang="en-US" dirty="0"/>
-              <a:t>Ability to execute and drive growth</a:t>
-            </a:r>
-          </a:p>
-          <a:p>
-            <a:r>
-              <a:rPr lang="en-US" dirty="0"/>
-              <a:t>Leadership and vision</a:t>
+              <a:t>Market opportunity and potential for growth</a:t>
+            </a:r>
+          </a:p>
+          <a:p>
+            <a:r>
+              <a:rPr lang="en-US" dirty="0"/>
+              <a:t>Competitive landscape</a:t>
+            </a:r>
+          </a:p>
+          <a:p>
+            <a:r>
+              <a:rPr lang="en-US" dirty="0"/>
+              <a:t>Market size and growth rate</a:t>
+            </a:r>
+          </a:p>
+          <a:p>
+            <a:r>
+              <a:rPr lang="en-US" dirty="0"/>
+              <a:t>Scalability of the product and business model</a:t>
             </a:r>
           </a:p>
         </p:txBody>
@@ -16460,7 +16500,7 @@
           <p:cNvPr id="4" name="Slide Number Placeholder 3">
             <a:extLst>
               <a:ext uri="{FF2B5EF4-FFF2-40B4-BE49-F238E27FC236}">
-                <a16:creationId xmlns:a16="http://schemas.microsoft.com/office/drawing/2014/main" id="{A2709B07-050B-4794-BFCD-C6216DEB4AB1}"/>
+                <a16:creationId xmlns:a16="http://schemas.microsoft.com/office/drawing/2014/main" id="{41424179-B66B-47E7-8637-BC12C0906FEE}"/>
               </a:ext>
             </a:extLst>
           </p:cNvPr>
@@ -16488,7 +16528,7 @@
     </p:spTree>
     <p:extLst>
       <p:ext uri="{BB962C8B-B14F-4D97-AF65-F5344CB8AC3E}">
-        <p14:creationId xmlns:p14="http://schemas.microsoft.com/office/powerpoint/2010/main" val="3273394063"/>
+        <p14:creationId xmlns:p14="http://schemas.microsoft.com/office/powerpoint/2010/main" val="3684957497"/>
       </p:ext>
     </p:extLst>
   </p:cSld>
@@ -16520,7 +16560,7 @@
           <p:cNvPr id="2" name="Title 1">
             <a:extLst>
               <a:ext uri="{FF2B5EF4-FFF2-40B4-BE49-F238E27FC236}">
-                <a16:creationId xmlns:a16="http://schemas.microsoft.com/office/drawing/2014/main" id="{6C485C44-AE67-4B2C-9C57-4C847DA91F4A}"/>
+                <a16:creationId xmlns:a16="http://schemas.microsoft.com/office/drawing/2014/main" id="{CD12EC60-F953-46E6-AABB-CB6BA0F0DB9F}"/>
               </a:ext>
             </a:extLst>
           </p:cNvPr>
@@ -16538,7 +16578,7 @@
           <a:p>
             <a:r>
               <a:rPr lang="en-US" dirty="0"/>
-              <a:t>Evaluating the Product and Technology</a:t>
+              <a:t>Evaluating the Team</a:t>
             </a:r>
           </a:p>
         </p:txBody>
@@ -16548,7 +16588,7 @@
           <p:cNvPr id="3" name="Content Placeholder 2">
             <a:extLst>
               <a:ext uri="{FF2B5EF4-FFF2-40B4-BE49-F238E27FC236}">
-                <a16:creationId xmlns:a16="http://schemas.microsoft.com/office/drawing/2014/main" id="{0FB5FD7B-EA62-4EBB-9A40-F96554E02D35}"/>
+                <a16:creationId xmlns:a16="http://schemas.microsoft.com/office/drawing/2014/main" id="{02B660DE-A4A2-49CB-9E54-70DAD1D2C835}"/>
               </a:ext>
             </a:extLst>
           </p:cNvPr>
@@ -16566,25 +16606,25 @@
           <a:p>
             <a:r>
               <a:rPr lang="en-US" dirty="0"/>
-              <a:t>Product-market fit</a:t>
-            </a:r>
-          </a:p>
-          <a:p>
-            <a:r>
-              <a:rPr lang="en-US" dirty="0"/>
-              <a:t>Scalability and defensibility</a:t>
-            </a:r>
-          </a:p>
-          <a:p>
-            <a:r>
-              <a:rPr lang="en-US" dirty="0"/>
-              <a:t>Technical capabilities and potential</a:t>
-            </a:r>
-          </a:p>
-          <a:p>
-            <a:r>
-              <a:rPr lang="en-US" dirty="0"/>
-              <a:t>Competitive advantage</a:t>
+              <a:t>Team dynamics and chemistry</a:t>
+            </a:r>
+          </a:p>
+          <a:p>
+            <a:r>
+              <a:rPr lang="en-US" dirty="0"/>
+              <a:t>Experience and skills of the founding team</a:t>
+            </a:r>
+          </a:p>
+          <a:p>
+            <a:r>
+              <a:rPr lang="en-US" dirty="0"/>
+              <a:t>Ability to execute and drive growth</a:t>
+            </a:r>
+          </a:p>
+          <a:p>
+            <a:r>
+              <a:rPr lang="en-US" dirty="0"/>
+              <a:t>Leadership and vision</a:t>
             </a:r>
           </a:p>
         </p:txBody>
@@ -16594,7 +16634,7 @@
           <p:cNvPr id="4" name="Slide Number Placeholder 3">
             <a:extLst>
               <a:ext uri="{FF2B5EF4-FFF2-40B4-BE49-F238E27FC236}">
-                <a16:creationId xmlns:a16="http://schemas.microsoft.com/office/drawing/2014/main" id="{68F3C670-FA64-42B7-ADB5-0045F1B652BA}"/>
+                <a16:creationId xmlns:a16="http://schemas.microsoft.com/office/drawing/2014/main" id="{A2709B07-050B-4794-BFCD-C6216DEB4AB1}"/>
               </a:ext>
             </a:extLst>
           </p:cNvPr>
@@ -16622,7 +16662,7 @@
     </p:spTree>
     <p:extLst>
       <p:ext uri="{BB962C8B-B14F-4D97-AF65-F5344CB8AC3E}">
-        <p14:creationId xmlns:p14="http://schemas.microsoft.com/office/powerpoint/2010/main" val="897209259"/>
+        <p14:creationId xmlns:p14="http://schemas.microsoft.com/office/powerpoint/2010/main" val="3273394063"/>
       </p:ext>
     </p:extLst>
   </p:cSld>
@@ -16654,7 +16694,7 @@
           <p:cNvPr id="2" name="Title 1">
             <a:extLst>
               <a:ext uri="{FF2B5EF4-FFF2-40B4-BE49-F238E27FC236}">
-                <a16:creationId xmlns:a16="http://schemas.microsoft.com/office/drawing/2014/main" id="{5397EC52-A4C1-4B31-95E7-2660D175D527}"/>
+                <a16:creationId xmlns:a16="http://schemas.microsoft.com/office/drawing/2014/main" id="{6C485C44-AE67-4B2C-9C57-4C847DA91F4A}"/>
               </a:ext>
             </a:extLst>
           </p:cNvPr>
@@ -16672,7 +16712,7 @@
           <a:p>
             <a:r>
               <a:rPr lang="en-US" dirty="0"/>
-              <a:t>Market Opportunity</a:t>
+              <a:t>Evaluating the Product and Technology</a:t>
             </a:r>
           </a:p>
         </p:txBody>
@@ -16682,7 +16722,7 @@
           <p:cNvPr id="3" name="Content Placeholder 2">
             <a:extLst>
               <a:ext uri="{FF2B5EF4-FFF2-40B4-BE49-F238E27FC236}">
-                <a16:creationId xmlns:a16="http://schemas.microsoft.com/office/drawing/2014/main" id="{2E79FE37-08D0-4B97-882E-E200376F938E}"/>
+                <a16:creationId xmlns:a16="http://schemas.microsoft.com/office/drawing/2014/main" id="{0FB5FD7B-EA62-4EBB-9A40-F96554E02D35}"/>
               </a:ext>
             </a:extLst>
           </p:cNvPr>
@@ -16700,25 +16740,25 @@
           <a:p>
             <a:r>
               <a:rPr lang="en-US" dirty="0"/>
-              <a:t>Market size and growth rate</a:t>
-            </a:r>
-          </a:p>
-          <a:p>
-            <a:r>
-              <a:rPr lang="en-US" dirty="0"/>
-              <a:t>Competitive landscape</a:t>
-            </a:r>
-          </a:p>
-          <a:p>
-            <a:r>
-              <a:rPr lang="en-US" dirty="0"/>
-              <a:t>Target market and customer needs</a:t>
-            </a:r>
-          </a:p>
-          <a:p>
-            <a:r>
-              <a:rPr lang="en-US" dirty="0"/>
-              <a:t>Market trends and potential for disruption</a:t>
+              <a:t>Product-market fit</a:t>
+            </a:r>
+          </a:p>
+          <a:p>
+            <a:r>
+              <a:rPr lang="en-US" dirty="0"/>
+              <a:t>Scalability and defensibility</a:t>
+            </a:r>
+          </a:p>
+          <a:p>
+            <a:r>
+              <a:rPr lang="en-US" dirty="0"/>
+              <a:t>Technical capabilities and potential</a:t>
+            </a:r>
+          </a:p>
+          <a:p>
+            <a:r>
+              <a:rPr lang="en-US" dirty="0"/>
+              <a:t>Competitive advantage</a:t>
             </a:r>
           </a:p>
         </p:txBody>
@@ -16728,7 +16768,7 @@
           <p:cNvPr id="4" name="Slide Number Placeholder 3">
             <a:extLst>
               <a:ext uri="{FF2B5EF4-FFF2-40B4-BE49-F238E27FC236}">
-                <a16:creationId xmlns:a16="http://schemas.microsoft.com/office/drawing/2014/main" id="{9E52D98B-095E-408E-AE36-0B3518B76884}"/>
+                <a16:creationId xmlns:a16="http://schemas.microsoft.com/office/drawing/2014/main" id="{68F3C670-FA64-42B7-ADB5-0045F1B652BA}"/>
               </a:ext>
             </a:extLst>
           </p:cNvPr>
@@ -16756,7 +16796,7 @@
     </p:spTree>
     <p:extLst>
       <p:ext uri="{BB962C8B-B14F-4D97-AF65-F5344CB8AC3E}">
-        <p14:creationId xmlns:p14="http://schemas.microsoft.com/office/powerpoint/2010/main" val="2753436425"/>
+        <p14:creationId xmlns:p14="http://schemas.microsoft.com/office/powerpoint/2010/main" val="897209259"/>
       </p:ext>
     </p:extLst>
   </p:cSld>
@@ -16788,7 +16828,7 @@
           <p:cNvPr id="2" name="Title 1">
             <a:extLst>
               <a:ext uri="{FF2B5EF4-FFF2-40B4-BE49-F238E27FC236}">
-                <a16:creationId xmlns:a16="http://schemas.microsoft.com/office/drawing/2014/main" id="{7E1DDE78-B117-4371-B9AB-66305E3F4EFD}"/>
+                <a16:creationId xmlns:a16="http://schemas.microsoft.com/office/drawing/2014/main" id="{5397EC52-A4C1-4B31-95E7-2660D175D527}"/>
               </a:ext>
             </a:extLst>
           </p:cNvPr>
@@ -16801,14 +16841,12 @@
         </p:nvSpPr>
         <p:spPr/>
         <p:txBody>
-          <a:bodyPr>
-            <a:normAutofit fontScale="90000"/>
-          </a:bodyPr>
-          <a:lstStyle/>
-          <a:p>
-            <a:r>
-              <a:rPr lang="en-US" dirty="0"/>
-              <a:t>Investor Perspectives on Product and Technology</a:t>
+          <a:bodyPr/>
+          <a:lstStyle/>
+          <a:p>
+            <a:r>
+              <a:rPr lang="en-US" dirty="0"/>
+              <a:t>Market Opportunity</a:t>
             </a:r>
           </a:p>
         </p:txBody>
@@ -16818,7 +16856,7 @@
           <p:cNvPr id="3" name="Content Placeholder 2">
             <a:extLst>
               <a:ext uri="{FF2B5EF4-FFF2-40B4-BE49-F238E27FC236}">
-                <a16:creationId xmlns:a16="http://schemas.microsoft.com/office/drawing/2014/main" id="{F6732623-1FC7-43FC-ABBB-4515E02DB896}"/>
+                <a16:creationId xmlns:a16="http://schemas.microsoft.com/office/drawing/2014/main" id="{2E79FE37-08D0-4B97-882E-E200376F938E}"/>
               </a:ext>
             </a:extLst>
           </p:cNvPr>
@@ -16836,19 +16874,25 @@
           <a:p>
             <a:r>
               <a:rPr lang="en-US" dirty="0"/>
-              <a:t>How investors evaluate the product and technology</a:t>
-            </a:r>
-          </a:p>
-          <a:p>
-            <a:r>
-              <a:rPr lang="en-US" dirty="0"/>
-              <a:t>Importance of product-market fit, scalability, and defensibility</a:t>
-            </a:r>
-          </a:p>
-          <a:p>
-            <a:r>
-              <a:rPr lang="en-US" dirty="0"/>
-              <a:t>Use of technical assessments and due diligence to evaluate the startup's product</a:t>
+              <a:t>Market size and growth rate</a:t>
+            </a:r>
+          </a:p>
+          <a:p>
+            <a:r>
+              <a:rPr lang="en-US" dirty="0"/>
+              <a:t>Competitive landscape</a:t>
+            </a:r>
+          </a:p>
+          <a:p>
+            <a:r>
+              <a:rPr lang="en-US" dirty="0"/>
+              <a:t>Target market and customer needs</a:t>
+            </a:r>
+          </a:p>
+          <a:p>
+            <a:r>
+              <a:rPr lang="en-US" dirty="0"/>
+              <a:t>Market trends and potential for disruption</a:t>
             </a:r>
           </a:p>
         </p:txBody>
@@ -16858,7 +16902,7 @@
           <p:cNvPr id="4" name="Slide Number Placeholder 3">
             <a:extLst>
               <a:ext uri="{FF2B5EF4-FFF2-40B4-BE49-F238E27FC236}">
-                <a16:creationId xmlns:a16="http://schemas.microsoft.com/office/drawing/2014/main" id="{ADDFF3E7-3473-40F0-93BF-1C9318440B2D}"/>
+                <a16:creationId xmlns:a16="http://schemas.microsoft.com/office/drawing/2014/main" id="{9E52D98B-095E-408E-AE36-0B3518B76884}"/>
               </a:ext>
             </a:extLst>
           </p:cNvPr>
@@ -16886,7 +16930,7 @@
     </p:spTree>
     <p:extLst>
       <p:ext uri="{BB962C8B-B14F-4D97-AF65-F5344CB8AC3E}">
-        <p14:creationId xmlns:p14="http://schemas.microsoft.com/office/powerpoint/2010/main" val="2271860320"/>
+        <p14:creationId xmlns:p14="http://schemas.microsoft.com/office/powerpoint/2010/main" val="2753436425"/>
       </p:ext>
     </p:extLst>
   </p:cSld>
@@ -16918,7 +16962,7 @@
           <p:cNvPr id="2" name="Title 1">
             <a:extLst>
               <a:ext uri="{FF2B5EF4-FFF2-40B4-BE49-F238E27FC236}">
-                <a16:creationId xmlns:a16="http://schemas.microsoft.com/office/drawing/2014/main" id="{6BC0F9EF-D318-494C-8FC4-C4F96C345753}"/>
+                <a16:creationId xmlns:a16="http://schemas.microsoft.com/office/drawing/2014/main" id="{7E1DDE78-B117-4371-B9AB-66305E3F4EFD}"/>
               </a:ext>
             </a:extLst>
           </p:cNvPr>
@@ -16931,12 +16975,14 @@
         </p:nvSpPr>
         <p:spPr/>
         <p:txBody>
-          <a:bodyPr/>
-          <a:lstStyle/>
-          <a:p>
-            <a:r>
-              <a:rPr lang="en-US" dirty="0"/>
-              <a:t>Investor Perspectives on the Team</a:t>
+          <a:bodyPr>
+            <a:normAutofit fontScale="90000"/>
+          </a:bodyPr>
+          <a:lstStyle/>
+          <a:p>
+            <a:r>
+              <a:rPr lang="en-US" dirty="0"/>
+              <a:t>Investor Perspectives on Product and Technology</a:t>
             </a:r>
           </a:p>
         </p:txBody>
@@ -16946,7 +16992,7 @@
           <p:cNvPr id="3" name="Content Placeholder 2">
             <a:extLst>
               <a:ext uri="{FF2B5EF4-FFF2-40B4-BE49-F238E27FC236}">
-                <a16:creationId xmlns:a16="http://schemas.microsoft.com/office/drawing/2014/main" id="{27BF0EB9-32FA-41AA-8CE1-9E82AAE9AC67}"/>
+                <a16:creationId xmlns:a16="http://schemas.microsoft.com/office/drawing/2014/main" id="{F6732623-1FC7-43FC-ABBB-4515E02DB896}"/>
               </a:ext>
             </a:extLst>
           </p:cNvPr>
@@ -16964,19 +17010,19 @@
           <a:p>
             <a:r>
               <a:rPr lang="en-US" dirty="0"/>
-              <a:t>How investors evaluate the team behind a software startup</a:t>
-            </a:r>
-          </a:p>
-          <a:p>
-            <a:r>
-              <a:rPr lang="en-US" dirty="0"/>
-              <a:t>Importance of team dynamics, experience, and skills</a:t>
-            </a:r>
-          </a:p>
-          <a:p>
-            <a:r>
-              <a:rPr lang="en-US" dirty="0"/>
-              <a:t>Use of reference checks and interviews to assess the team's ability to execute and drive growth</a:t>
+              <a:t>How investors evaluate the product and technology</a:t>
+            </a:r>
+          </a:p>
+          <a:p>
+            <a:r>
+              <a:rPr lang="en-US" dirty="0"/>
+              <a:t>Importance of product-market fit, scalability, and defensibility</a:t>
+            </a:r>
+          </a:p>
+          <a:p>
+            <a:r>
+              <a:rPr lang="en-US" dirty="0"/>
+              <a:t>Use of technical assessments and due diligence to evaluate the startup's product</a:t>
             </a:r>
           </a:p>
         </p:txBody>
@@ -16986,7 +17032,7 @@
           <p:cNvPr id="4" name="Slide Number Placeholder 3">
             <a:extLst>
               <a:ext uri="{FF2B5EF4-FFF2-40B4-BE49-F238E27FC236}">
-                <a16:creationId xmlns:a16="http://schemas.microsoft.com/office/drawing/2014/main" id="{7DE740E5-B202-4A3D-85C0-326159A96EC4}"/>
+                <a16:creationId xmlns:a16="http://schemas.microsoft.com/office/drawing/2014/main" id="{ADDFF3E7-3473-40F0-93BF-1C9318440B2D}"/>
               </a:ext>
             </a:extLst>
           </p:cNvPr>
@@ -17014,7 +17060,7 @@
     </p:spTree>
     <p:extLst>
       <p:ext uri="{BB962C8B-B14F-4D97-AF65-F5344CB8AC3E}">
-        <p14:creationId xmlns:p14="http://schemas.microsoft.com/office/powerpoint/2010/main" val="582880518"/>
+        <p14:creationId xmlns:p14="http://schemas.microsoft.com/office/powerpoint/2010/main" val="2271860320"/>
       </p:ext>
     </p:extLst>
   </p:cSld>
@@ -17043,7 +17089,13 @@
       </p:grpSpPr>
       <p:sp>
         <p:nvSpPr>
-          <p:cNvPr id="2" name="Title 1"/>
+          <p:cNvPr id="2" name="Title 1">
+            <a:extLst>
+              <a:ext uri="{FF2B5EF4-FFF2-40B4-BE49-F238E27FC236}">
+                <a16:creationId xmlns:a16="http://schemas.microsoft.com/office/drawing/2014/main" id="{6BC0F9EF-D318-494C-8FC4-C4F96C345753}"/>
+              </a:ext>
+            </a:extLst>
+          </p:cNvPr>
           <p:cNvSpPr>
             <a:spLocks noGrp="1"/>
           </p:cNvSpPr>
@@ -17058,14 +17110,20 @@
           <a:p>
             <a:r>
               <a:rPr lang="en-US" dirty="0"/>
-              <a:t>Tips</a:t>
-            </a:r>
-          </a:p>
-        </p:txBody>
-      </p:sp>
-      <p:sp>
-        <p:nvSpPr>
-          <p:cNvPr id="3" name="Content Placeholder 2"/>
+              <a:t>Investor Perspectives on the Team</a:t>
+            </a:r>
+          </a:p>
+        </p:txBody>
+      </p:sp>
+      <p:sp>
+        <p:nvSpPr>
+          <p:cNvPr id="3" name="Content Placeholder 2">
+            <a:extLst>
+              <a:ext uri="{FF2B5EF4-FFF2-40B4-BE49-F238E27FC236}">
+                <a16:creationId xmlns:a16="http://schemas.microsoft.com/office/drawing/2014/main" id="{27BF0EB9-32FA-41AA-8CE1-9E82AAE9AC67}"/>
+              </a:ext>
+            </a:extLst>
+          </p:cNvPr>
           <p:cNvSpPr>
             <a:spLocks noGrp="1"/>
           </p:cNvSpPr>
@@ -17080,26 +17138,32 @@
           <a:p>
             <a:r>
               <a:rPr lang="en-US" dirty="0"/>
-              <a:t>Research the investor's interests and preferences before crafting a pitch.</a:t>
-            </a:r>
-          </a:p>
-          <a:p>
-            <a:r>
-              <a:rPr lang="en-US" dirty="0"/>
-              <a:t>Use storytelling techniques to engage the investor and make the pitch more memorable.</a:t>
-            </a:r>
-          </a:p>
-          <a:p>
-            <a:r>
-              <a:rPr lang="en-US" dirty="0"/>
-              <a:t>Anticipate questions and have a clear call to action.</a:t>
-            </a:r>
-          </a:p>
-        </p:txBody>
-      </p:sp>
-      <p:sp>
-        <p:nvSpPr>
-          <p:cNvPr id="4" name="Slide Number Placeholder 3"/>
+              <a:t>How investors evaluate the team behind a software startup</a:t>
+            </a:r>
+          </a:p>
+          <a:p>
+            <a:r>
+              <a:rPr lang="en-US" dirty="0"/>
+              <a:t>Importance of team dynamics, experience, and skills</a:t>
+            </a:r>
+          </a:p>
+          <a:p>
+            <a:r>
+              <a:rPr lang="en-US" dirty="0"/>
+              <a:t>Use of reference checks and interviews to assess the team's ability to execute and drive growth</a:t>
+            </a:r>
+          </a:p>
+        </p:txBody>
+      </p:sp>
+      <p:sp>
+        <p:nvSpPr>
+          <p:cNvPr id="4" name="Slide Number Placeholder 3">
+            <a:extLst>
+              <a:ext uri="{FF2B5EF4-FFF2-40B4-BE49-F238E27FC236}">
+                <a16:creationId xmlns:a16="http://schemas.microsoft.com/office/drawing/2014/main" id="{7DE740E5-B202-4A3D-85C0-326159A96EC4}"/>
+              </a:ext>
+            </a:extLst>
+          </p:cNvPr>
           <p:cNvSpPr>
             <a:spLocks noGrp="1"/>
           </p:cNvSpPr>
@@ -17124,7 +17188,7 @@
     </p:spTree>
     <p:extLst>
       <p:ext uri="{BB962C8B-B14F-4D97-AF65-F5344CB8AC3E}">
-        <p14:creationId xmlns:p14="http://schemas.microsoft.com/office/powerpoint/2010/main" val="2662691597"/>
+        <p14:creationId xmlns:p14="http://schemas.microsoft.com/office/powerpoint/2010/main" val="582880518"/>
       </p:ext>
     </p:extLst>
   </p:cSld>
@@ -17153,13 +17217,7 @@
       </p:grpSpPr>
       <p:sp>
         <p:nvSpPr>
-          <p:cNvPr id="2" name="Title 1">
-            <a:extLst>
-              <a:ext uri="{FF2B5EF4-FFF2-40B4-BE49-F238E27FC236}">
-                <a16:creationId xmlns:a16="http://schemas.microsoft.com/office/drawing/2014/main" id="{981414CF-F24E-4E17-9209-ADAD3A88F66B}"/>
-              </a:ext>
-            </a:extLst>
-          </p:cNvPr>
+          <p:cNvPr id="2" name="Title 1"/>
           <p:cNvSpPr>
             <a:spLocks noGrp="1"/>
           </p:cNvSpPr>
@@ -17169,27 +17227,19 @@
         </p:nvSpPr>
         <p:spPr/>
         <p:txBody>
-          <a:bodyPr>
-            <a:normAutofit/>
-          </a:bodyPr>
-          <a:lstStyle/>
-          <a:p>
-            <a:r>
-              <a:rPr lang="en-US" dirty="0"/>
-              <a:t>Tips for Working with Investors</a:t>
-            </a:r>
-          </a:p>
-        </p:txBody>
-      </p:sp>
-      <p:sp>
-        <p:nvSpPr>
-          <p:cNvPr id="3" name="Content Placeholder 2">
-            <a:extLst>
-              <a:ext uri="{FF2B5EF4-FFF2-40B4-BE49-F238E27FC236}">
-                <a16:creationId xmlns:a16="http://schemas.microsoft.com/office/drawing/2014/main" id="{21A57448-4243-48E1-9111-050F81F7B0D1}"/>
-              </a:ext>
-            </a:extLst>
-          </p:cNvPr>
+          <a:bodyPr/>
+          <a:lstStyle/>
+          <a:p>
+            <a:r>
+              <a:rPr lang="en-US" dirty="0"/>
+              <a:t>Tips</a:t>
+            </a:r>
+          </a:p>
+        </p:txBody>
+      </p:sp>
+      <p:sp>
+        <p:nvSpPr>
+          <p:cNvPr id="3" name="Content Placeholder 2"/>
           <p:cNvSpPr>
             <a:spLocks noGrp="1"/>
           </p:cNvSpPr>
@@ -17199,76 +17249,31 @@
         </p:nvSpPr>
         <p:spPr/>
         <p:txBody>
-          <a:bodyPr>
-            <a:normAutofit/>
-          </a:bodyPr>
-          <a:lstStyle/>
-          <a:p>
-            <a:pPr>
-              <a:lnSpc>
-                <a:spcPct val="150000"/>
-              </a:lnSpc>
-            </a:pPr>
-            <a:r>
-              <a:rPr lang="en-US" dirty="0"/>
-              <a:t>Be transparent and honest</a:t>
-            </a:r>
-          </a:p>
-          <a:p>
-            <a:pPr>
-              <a:lnSpc>
-                <a:spcPct val="150000"/>
-              </a:lnSpc>
-            </a:pPr>
-            <a:r>
-              <a:rPr lang="en-US" dirty="0"/>
-              <a:t>Set clear expectations</a:t>
-            </a:r>
-          </a:p>
-          <a:p>
-            <a:pPr>
-              <a:lnSpc>
-                <a:spcPct val="150000"/>
-              </a:lnSpc>
-            </a:pPr>
-            <a:r>
-              <a:rPr lang="en-US" dirty="0"/>
-              <a:t>Build relationships</a:t>
-            </a:r>
-          </a:p>
-          <a:p>
-            <a:pPr>
-              <a:lnSpc>
-                <a:spcPct val="150000"/>
-              </a:lnSpc>
-            </a:pPr>
-            <a:r>
-              <a:rPr lang="en-US" dirty="0"/>
-              <a:t>Be responsive</a:t>
-            </a:r>
-          </a:p>
-          <a:p>
-            <a:pPr>
-              <a:lnSpc>
-                <a:spcPct val="150000"/>
-              </a:lnSpc>
-            </a:pPr>
-            <a:r>
-              <a:rPr lang="en-US" dirty="0"/>
-              <a:t>Focus on growth</a:t>
-            </a:r>
-          </a:p>
-        </p:txBody>
-      </p:sp>
-      <p:sp>
-        <p:nvSpPr>
-          <p:cNvPr id="4" name="Slide Number Placeholder 3">
-            <a:extLst>
-              <a:ext uri="{FF2B5EF4-FFF2-40B4-BE49-F238E27FC236}">
-                <a16:creationId xmlns:a16="http://schemas.microsoft.com/office/drawing/2014/main" id="{4190A178-974E-4BD4-8B60-37D4C2EEBBB3}"/>
-              </a:ext>
-            </a:extLst>
-          </p:cNvPr>
+          <a:bodyPr/>
+          <a:lstStyle/>
+          <a:p>
+            <a:r>
+              <a:rPr lang="en-US" dirty="0"/>
+              <a:t>Research the investor's interests and preferences before crafting a pitch.</a:t>
+            </a:r>
+          </a:p>
+          <a:p>
+            <a:r>
+              <a:rPr lang="en-US" dirty="0"/>
+              <a:t>Use storytelling techniques to engage the investor and make the pitch more memorable.</a:t>
+            </a:r>
+          </a:p>
+          <a:p>
+            <a:r>
+              <a:rPr lang="en-US" dirty="0"/>
+              <a:t>Anticipate questions and have a clear call to action.</a:t>
+            </a:r>
+          </a:p>
+        </p:txBody>
+      </p:sp>
+      <p:sp>
+        <p:nvSpPr>
+          <p:cNvPr id="4" name="Slide Number Placeholder 3"/>
           <p:cNvSpPr>
             <a:spLocks noGrp="1"/>
           </p:cNvSpPr>
@@ -17293,7 +17298,7 @@
     </p:spTree>
     <p:extLst>
       <p:ext uri="{BB962C8B-B14F-4D97-AF65-F5344CB8AC3E}">
-        <p14:creationId xmlns:p14="http://schemas.microsoft.com/office/powerpoint/2010/main" val="3947333467"/>
+        <p14:creationId xmlns:p14="http://schemas.microsoft.com/office/powerpoint/2010/main" val="2662691597"/>
       </p:ext>
     </p:extLst>
   </p:cSld>
@@ -17325,7 +17330,7 @@
           <p:cNvPr id="2" name="Title 1">
             <a:extLst>
               <a:ext uri="{FF2B5EF4-FFF2-40B4-BE49-F238E27FC236}">
-                <a16:creationId xmlns:a16="http://schemas.microsoft.com/office/drawing/2014/main" id="{559E5992-8E85-4E77-9DD7-9ACED37579EB}"/>
+                <a16:creationId xmlns:a16="http://schemas.microsoft.com/office/drawing/2014/main" id="{981414CF-F24E-4E17-9209-ADAD3A88F66B}"/>
               </a:ext>
             </a:extLst>
           </p:cNvPr>
@@ -17345,7 +17350,7 @@
           <a:p>
             <a:r>
               <a:rPr lang="en-US" dirty="0"/>
-              <a:t>Common Mistakes to Avoid</a:t>
+              <a:t>Tips for Working with Investors</a:t>
             </a:r>
           </a:p>
         </p:txBody>
@@ -17355,7 +17360,7 @@
           <p:cNvPr id="3" name="Content Placeholder 2">
             <a:extLst>
               <a:ext uri="{FF2B5EF4-FFF2-40B4-BE49-F238E27FC236}">
-                <a16:creationId xmlns:a16="http://schemas.microsoft.com/office/drawing/2014/main" id="{2B99EC6E-2991-4362-88EB-CB20444DDC37}"/>
+                <a16:creationId xmlns:a16="http://schemas.microsoft.com/office/drawing/2014/main" id="{21A57448-4243-48E1-9111-050F81F7B0D1}"/>
               </a:ext>
             </a:extLst>
           </p:cNvPr>
@@ -17380,7 +17385,7 @@
             </a:pPr>
             <a:r>
               <a:rPr lang="en-US" dirty="0"/>
-              <a:t>Not doing your research</a:t>
+              <a:t>Be transparent and honest</a:t>
             </a:r>
           </a:p>
           <a:p>
@@ -17391,7 +17396,7 @@
             </a:pPr>
             <a:r>
               <a:rPr lang="en-US" dirty="0"/>
-              <a:t>Overvaluing your business</a:t>
+              <a:t>Set clear expectations</a:t>
             </a:r>
           </a:p>
           <a:p>
@@ -17402,7 +17407,7 @@
             </a:pPr>
             <a:r>
               <a:rPr lang="en-US" dirty="0"/>
-              <a:t>Not having a clear plan</a:t>
+              <a:t>Build relationships</a:t>
             </a:r>
           </a:p>
           <a:p>
@@ -17413,7 +17418,7 @@
             </a:pPr>
             <a:r>
               <a:rPr lang="en-US" dirty="0"/>
-              <a:t>Not communicating effectively</a:t>
+              <a:t>Be responsive</a:t>
             </a:r>
           </a:p>
           <a:p>
@@ -17424,7 +17429,7 @@
             </a:pPr>
             <a:r>
               <a:rPr lang="en-US" dirty="0"/>
-              <a:t>Not being prepared</a:t>
+              <a:t>Focus on growth</a:t>
             </a:r>
           </a:p>
         </p:txBody>
@@ -17434,7 +17439,7 @@
           <p:cNvPr id="4" name="Slide Number Placeholder 3">
             <a:extLst>
               <a:ext uri="{FF2B5EF4-FFF2-40B4-BE49-F238E27FC236}">
-                <a16:creationId xmlns:a16="http://schemas.microsoft.com/office/drawing/2014/main" id="{9A334111-A425-4B25-A466-85CFA9D76E70}"/>
+                <a16:creationId xmlns:a16="http://schemas.microsoft.com/office/drawing/2014/main" id="{4190A178-974E-4BD4-8B60-37D4C2EEBBB3}"/>
               </a:ext>
             </a:extLst>
           </p:cNvPr>
@@ -17462,7 +17467,7 @@
     </p:spTree>
     <p:extLst>
       <p:ext uri="{BB962C8B-B14F-4D97-AF65-F5344CB8AC3E}">
-        <p14:creationId xmlns:p14="http://schemas.microsoft.com/office/powerpoint/2010/main" val="2514964980"/>
+        <p14:creationId xmlns:p14="http://schemas.microsoft.com/office/powerpoint/2010/main" val="3947333467"/>
       </p:ext>
     </p:extLst>
   </p:cSld>
@@ -17491,7 +17496,13 @@
       </p:grpSpPr>
       <p:sp>
         <p:nvSpPr>
-          <p:cNvPr id="5" name="Title 4"/>
+          <p:cNvPr id="2" name="Title 1">
+            <a:extLst>
+              <a:ext uri="{FF2B5EF4-FFF2-40B4-BE49-F238E27FC236}">
+                <a16:creationId xmlns:a16="http://schemas.microsoft.com/office/drawing/2014/main" id="{559E5992-8E85-4E77-9DD7-9ACED37579EB}"/>
+              </a:ext>
+            </a:extLst>
+          </p:cNvPr>
           <p:cNvSpPr>
             <a:spLocks noGrp="1"/>
           </p:cNvSpPr>
@@ -17501,38 +17512,106 @@
         </p:nvSpPr>
         <p:spPr/>
         <p:txBody>
-          <a:bodyPr/>
-          <a:lstStyle/>
-          <a:p>
-            <a:r>
-              <a:rPr lang="en-US" dirty="0"/>
-              <a:t> Due Diligence and Valuation</a:t>
-            </a:r>
-          </a:p>
-        </p:txBody>
-      </p:sp>
-      <p:sp>
-        <p:nvSpPr>
-          <p:cNvPr id="6" name="Text Placeholder 5"/>
-          <p:cNvSpPr>
-            <a:spLocks noGrp="1"/>
-          </p:cNvSpPr>
-          <p:nvPr>
-            <p:ph type="body" idx="1"/>
-          </p:nvPr>
-        </p:nvSpPr>
-        <p:spPr/>
-        <p:txBody>
-          <a:bodyPr/>
-          <a:lstStyle/>
-          <a:p>
-            <a:endParaRPr lang="en-US"/>
-          </a:p>
-        </p:txBody>
-      </p:sp>
-      <p:sp>
-        <p:nvSpPr>
-          <p:cNvPr id="4" name="Slide Number Placeholder 3"/>
+          <a:bodyPr>
+            <a:normAutofit/>
+          </a:bodyPr>
+          <a:lstStyle/>
+          <a:p>
+            <a:r>
+              <a:rPr lang="en-US" dirty="0"/>
+              <a:t>Common Mistakes to Avoid</a:t>
+            </a:r>
+          </a:p>
+        </p:txBody>
+      </p:sp>
+      <p:sp>
+        <p:nvSpPr>
+          <p:cNvPr id="3" name="Content Placeholder 2">
+            <a:extLst>
+              <a:ext uri="{FF2B5EF4-FFF2-40B4-BE49-F238E27FC236}">
+                <a16:creationId xmlns:a16="http://schemas.microsoft.com/office/drawing/2014/main" id="{2B99EC6E-2991-4362-88EB-CB20444DDC37}"/>
+              </a:ext>
+            </a:extLst>
+          </p:cNvPr>
+          <p:cNvSpPr>
+            <a:spLocks noGrp="1"/>
+          </p:cNvSpPr>
+          <p:nvPr>
+            <p:ph idx="1"/>
+          </p:nvPr>
+        </p:nvSpPr>
+        <p:spPr/>
+        <p:txBody>
+          <a:bodyPr>
+            <a:normAutofit/>
+          </a:bodyPr>
+          <a:lstStyle/>
+          <a:p>
+            <a:pPr>
+              <a:lnSpc>
+                <a:spcPct val="150000"/>
+              </a:lnSpc>
+            </a:pPr>
+            <a:r>
+              <a:rPr lang="en-US" dirty="0"/>
+              <a:t>Not doing your research</a:t>
+            </a:r>
+          </a:p>
+          <a:p>
+            <a:pPr>
+              <a:lnSpc>
+                <a:spcPct val="150000"/>
+              </a:lnSpc>
+            </a:pPr>
+            <a:r>
+              <a:rPr lang="en-US" dirty="0"/>
+              <a:t>Overvaluing your business</a:t>
+            </a:r>
+          </a:p>
+          <a:p>
+            <a:pPr>
+              <a:lnSpc>
+                <a:spcPct val="150000"/>
+              </a:lnSpc>
+            </a:pPr>
+            <a:r>
+              <a:rPr lang="en-US" dirty="0"/>
+              <a:t>Not having a clear plan</a:t>
+            </a:r>
+          </a:p>
+          <a:p>
+            <a:pPr>
+              <a:lnSpc>
+                <a:spcPct val="150000"/>
+              </a:lnSpc>
+            </a:pPr>
+            <a:r>
+              <a:rPr lang="en-US" dirty="0"/>
+              <a:t>Not communicating effectively</a:t>
+            </a:r>
+          </a:p>
+          <a:p>
+            <a:pPr>
+              <a:lnSpc>
+                <a:spcPct val="150000"/>
+              </a:lnSpc>
+            </a:pPr>
+            <a:r>
+              <a:rPr lang="en-US" dirty="0"/>
+              <a:t>Not being prepared</a:t>
+            </a:r>
+          </a:p>
+        </p:txBody>
+      </p:sp>
+      <p:sp>
+        <p:nvSpPr>
+          <p:cNvPr id="4" name="Slide Number Placeholder 3">
+            <a:extLst>
+              <a:ext uri="{FF2B5EF4-FFF2-40B4-BE49-F238E27FC236}">
+                <a16:creationId xmlns:a16="http://schemas.microsoft.com/office/drawing/2014/main" id="{9A334111-A425-4B25-A466-85CFA9D76E70}"/>
+              </a:ext>
+            </a:extLst>
+          </p:cNvPr>
           <p:cNvSpPr>
             <a:spLocks noGrp="1"/>
           </p:cNvSpPr>
@@ -17557,7 +17636,7 @@
     </p:spTree>
     <p:extLst>
       <p:ext uri="{BB962C8B-B14F-4D97-AF65-F5344CB8AC3E}">
-        <p14:creationId xmlns:p14="http://schemas.microsoft.com/office/powerpoint/2010/main" val="2221831318"/>
+        <p14:creationId xmlns:p14="http://schemas.microsoft.com/office/powerpoint/2010/main" val="2514964980"/>
       </p:ext>
     </p:extLst>
   </p:cSld>
@@ -17586,63 +17665,13 @@
       </p:grpSpPr>
       <p:sp>
         <p:nvSpPr>
-          <p:cNvPr id="2" name="Title 1"/>
-          <p:cNvSpPr>
-            <a:spLocks noGrp="1"/>
-          </p:cNvSpPr>
-          <p:nvPr>
-            <p:ph type="title"/>
-          </p:nvPr>
-        </p:nvSpPr>
-        <p:spPr/>
-        <p:txBody>
-          <a:bodyPr/>
-          <a:lstStyle/>
-          <a:p>
-            <a:r>
-              <a:rPr lang="en-US" dirty="0"/>
-              <a:t>Why?</a:t>
-            </a:r>
-          </a:p>
-        </p:txBody>
-      </p:sp>
-      <p:sp>
-        <p:nvSpPr>
-          <p:cNvPr id="3" name="Content Placeholder 2"/>
-          <p:cNvSpPr>
-            <a:spLocks noGrp="1"/>
-          </p:cNvSpPr>
-          <p:nvPr>
-            <p:ph idx="1"/>
-          </p:nvPr>
-        </p:nvSpPr>
-        <p:spPr/>
-        <p:txBody>
-          <a:bodyPr/>
-          <a:lstStyle/>
-          <a:p>
-            <a:r>
-              <a:rPr lang="en-US" dirty="0"/>
-              <a:t>Software startups need funding to turn their ideas into reality</a:t>
-            </a:r>
-          </a:p>
-          <a:p>
-            <a:r>
-              <a:rPr lang="en-US" dirty="0"/>
-              <a:t>Funding can help startups hire talent, develop products, and scale operations</a:t>
-            </a:r>
-          </a:p>
-          <a:p>
-            <a:r>
-              <a:rPr lang="en-US" dirty="0"/>
-              <a:t>Different types of funding options available, each with pros and cons</a:t>
-            </a:r>
-          </a:p>
-        </p:txBody>
-      </p:sp>
-      <p:sp>
-        <p:nvSpPr>
-          <p:cNvPr id="4" name="Slide Number Placeholder 3"/>
+          <p:cNvPr id="2" name="Slide Number Placeholder 1">
+            <a:extLst>
+              <a:ext uri="{FF2B5EF4-FFF2-40B4-BE49-F238E27FC236}">
+                <a16:creationId xmlns:a16="http://schemas.microsoft.com/office/drawing/2014/main" id="{B22EC454-9BDB-4077-B4C9-02E2DC58A8F6}"/>
+              </a:ext>
+            </a:extLst>
+          </p:cNvPr>
           <p:cNvSpPr>
             <a:spLocks noGrp="1"/>
           </p:cNvSpPr>
@@ -17657,17 +17686,61 @@
           <a:p>
             <a:fld id="{B8DACC02-A2BD-4578-8E03-6D891060A695}" type="slidenum">
               <a:rPr lang="en-US" smtClean="0"/>
-              <a:pPr/>
               <a:t>5</a:t>
             </a:fld>
-            <a:endParaRPr lang="en-US" dirty="0"/>
-          </a:p>
-        </p:txBody>
-      </p:sp>
+            <a:endParaRPr lang="en-US"/>
+          </a:p>
+        </p:txBody>
+      </p:sp>
+      <p:pic>
+        <p:nvPicPr>
+          <p:cNvPr id="1026" name="Picture 2" descr="Early Stage Startup Funding | When can my Startup receive Funding?">
+            <a:extLst>
+              <a:ext uri="{FF2B5EF4-FFF2-40B4-BE49-F238E27FC236}">
+                <a16:creationId xmlns:a16="http://schemas.microsoft.com/office/drawing/2014/main" id="{E6E937B9-94AC-4B9C-8A88-7196C10421CB}"/>
+              </a:ext>
+            </a:extLst>
+          </p:cNvPr>
+          <p:cNvPicPr>
+            <a:picLocks noChangeAspect="1" noChangeArrowheads="1"/>
+          </p:cNvPicPr>
+          <p:nvPr/>
+        </p:nvPicPr>
+        <p:blipFill rotWithShape="1">
+          <a:blip r:embed="rId2">
+            <a:extLst>
+              <a:ext uri="{28A0092B-C50C-407E-A947-70E740481C1C}">
+                <a14:useLocalDpi xmlns:a14="http://schemas.microsoft.com/office/drawing/2010/main" val="0"/>
+              </a:ext>
+            </a:extLst>
+          </a:blip>
+          <a:srcRect t="4654" b="10314"/>
+          <a:stretch/>
+        </p:blipFill>
+        <p:spPr bwMode="auto">
+          <a:xfrm>
+            <a:off x="0" y="524893"/>
+            <a:ext cx="12192000" cy="5831457"/>
+          </a:xfrm>
+          <a:prstGeom prst="rect">
+            <a:avLst/>
+          </a:prstGeom>
+          <a:noFill/>
+          <a:extLst>
+            <a:ext uri="{909E8E84-426E-40DD-AFC4-6F175D3DCCD1}">
+              <a14:hiddenFill xmlns:a14="http://schemas.microsoft.com/office/drawing/2010/main">
+                <a:solidFill>
+                  <a:srgbClr val="FFFFFF"/>
+                </a:solidFill>
+              </a14:hiddenFill>
+            </a:ext>
+          </a:extLst>
+        </p:spPr>
+      </p:pic>
     </p:spTree>
     <p:extLst>
       <p:ext uri="{BB962C8B-B14F-4D97-AF65-F5344CB8AC3E}">
-        <p14:creationId xmlns:p14="http://schemas.microsoft.com/office/powerpoint/2010/main" val="4130345764"/>
+        <p14:creationId xmlns:p14="http://schemas.microsoft.com/office/powerpoint/2010/main" val="207960873"/>
       </p:ext>
     </p:extLst>
   </p:cSld>
@@ -17696,7 +17769,7 @@
       </p:grpSpPr>
       <p:sp>
         <p:nvSpPr>
-          <p:cNvPr id="2" name="Title 1"/>
+          <p:cNvPr id="5" name="Title 4"/>
           <p:cNvSpPr>
             <a:spLocks noGrp="1"/>
           </p:cNvSpPr>
@@ -17711,36 +17784,27 @@
           <a:p>
             <a:r>
               <a:rPr lang="en-US" dirty="0"/>
-              <a:t>Due Diligence Process</a:t>
-            </a:r>
-          </a:p>
-        </p:txBody>
-      </p:sp>
-      <p:sp>
-        <p:nvSpPr>
-          <p:cNvPr id="3" name="Content Placeholder 2"/>
-          <p:cNvSpPr>
-            <a:spLocks noGrp="1"/>
-          </p:cNvSpPr>
-          <p:nvPr>
-            <p:ph idx="1"/>
-          </p:nvPr>
-        </p:nvSpPr>
-        <p:spPr/>
-        <p:txBody>
-          <a:bodyPr/>
-          <a:lstStyle/>
-          <a:p>
-            <a:r>
-              <a:rPr lang="en-US" dirty="0"/>
-              <a:t>Due diligence is the process of conducting a thorough examination of a business or investment opportunity to confirm all facts and assess its potential for growth.</a:t>
-            </a:r>
-          </a:p>
-          <a:p>
-            <a:r>
-              <a:rPr lang="en-US" dirty="0"/>
-              <a:t>Due diligence is crucial for investors to make informed decisions and for entrepreneurs to secure funding.</a:t>
-            </a:r>
+              <a:t> Due Diligence and Valuation</a:t>
+            </a:r>
+          </a:p>
+        </p:txBody>
+      </p:sp>
+      <p:sp>
+        <p:nvSpPr>
+          <p:cNvPr id="6" name="Text Placeholder 5"/>
+          <p:cNvSpPr>
+            <a:spLocks noGrp="1"/>
+          </p:cNvSpPr>
+          <p:nvPr>
+            <p:ph type="body" idx="1"/>
+          </p:nvPr>
+        </p:nvSpPr>
+        <p:spPr/>
+        <p:txBody>
+          <a:bodyPr/>
+          <a:lstStyle/>
+          <a:p>
+            <a:endParaRPr lang="en-US"/>
           </a:p>
         </p:txBody>
       </p:sp>
@@ -17771,7 +17835,7 @@
     </p:spTree>
     <p:extLst>
       <p:ext uri="{BB962C8B-B14F-4D97-AF65-F5344CB8AC3E}">
-        <p14:creationId xmlns:p14="http://schemas.microsoft.com/office/powerpoint/2010/main" val="334524276"/>
+        <p14:creationId xmlns:p14="http://schemas.microsoft.com/office/powerpoint/2010/main" val="2221831318"/>
       </p:ext>
     </p:extLst>
   </p:cSld>
@@ -17815,7 +17879,7 @@
           <a:p>
             <a:r>
               <a:rPr lang="en-US" dirty="0"/>
-              <a:t>Key Items to Include in a Due Diligence Package</a:t>
+              <a:t>Due Diligence Process</a:t>
             </a:r>
           </a:p>
         </p:txBody>
@@ -17837,53 +17901,13 @@
           <a:p>
             <a:r>
               <a:rPr lang="en-US" dirty="0"/>
-              <a:t>Business plan</a:t>
-            </a:r>
-          </a:p>
-          <a:p>
-            <a:pPr lvl="1"/>
-            <a:r>
-              <a:rPr lang="en-US" dirty="0"/>
-              <a:t>A comprehensive plan outlining the business model, market opportunity, competitive landscape, and growth strategy.</a:t>
-            </a:r>
-          </a:p>
-          <a:p>
-            <a:r>
-              <a:rPr lang="en-US" dirty="0"/>
-              <a:t>Financial projections</a:t>
-            </a:r>
-          </a:p>
-          <a:p>
-            <a:pPr lvl="1"/>
-            <a:r>
-              <a:rPr lang="en-US" dirty="0"/>
-              <a:t>Detailed financial statements, including income statements, balance sheets, and cash flow statements.</a:t>
-            </a:r>
-          </a:p>
-          <a:p>
-            <a:r>
-              <a:rPr lang="en-US" dirty="0"/>
-              <a:t>Market research</a:t>
-            </a:r>
-          </a:p>
-          <a:p>
-            <a:pPr lvl="1"/>
-            <a:r>
-              <a:rPr lang="en-US" dirty="0"/>
-              <a:t>Analysis of the target market, including size, growth potential, and trends.</a:t>
-            </a:r>
-          </a:p>
-          <a:p>
-            <a:r>
-              <a:rPr lang="en-US" dirty="0"/>
-              <a:t>Legal documents</a:t>
-            </a:r>
-          </a:p>
-          <a:p>
-            <a:pPr lvl="1"/>
-            <a:r>
-              <a:rPr lang="en-US" dirty="0"/>
-              <a:t>Copies of all relevant legal documents, such as contracts, patents, and trademarks.</a:t>
+              <a:t>Due diligence is the process of conducting a thorough examination of a business or investment opportunity to confirm all facts and assess its potential for growth.</a:t>
+            </a:r>
+          </a:p>
+          <a:p>
+            <a:r>
+              <a:rPr lang="en-US" dirty="0"/>
+              <a:t>Due diligence is crucial for investors to make informed decisions and for entrepreneurs to secure funding.</a:t>
             </a:r>
           </a:p>
         </p:txBody>
@@ -17915,7 +17939,7 @@
     </p:spTree>
     <p:extLst>
       <p:ext uri="{BB962C8B-B14F-4D97-AF65-F5344CB8AC3E}">
-        <p14:creationId xmlns:p14="http://schemas.microsoft.com/office/powerpoint/2010/main" val="815546488"/>
+        <p14:creationId xmlns:p14="http://schemas.microsoft.com/office/powerpoint/2010/main" val="334524276"/>
       </p:ext>
     </p:extLst>
   </p:cSld>
@@ -17944,6 +17968,150 @@
       </p:grpSpPr>
       <p:sp>
         <p:nvSpPr>
+          <p:cNvPr id="2" name="Title 1"/>
+          <p:cNvSpPr>
+            <a:spLocks noGrp="1"/>
+          </p:cNvSpPr>
+          <p:nvPr>
+            <p:ph type="title"/>
+          </p:nvPr>
+        </p:nvSpPr>
+        <p:spPr/>
+        <p:txBody>
+          <a:bodyPr/>
+          <a:lstStyle/>
+          <a:p>
+            <a:r>
+              <a:rPr lang="en-US" dirty="0"/>
+              <a:t>Key Items to Include in a Due Diligence Package</a:t>
+            </a:r>
+          </a:p>
+        </p:txBody>
+      </p:sp>
+      <p:sp>
+        <p:nvSpPr>
+          <p:cNvPr id="3" name="Content Placeholder 2"/>
+          <p:cNvSpPr>
+            <a:spLocks noGrp="1"/>
+          </p:cNvSpPr>
+          <p:nvPr>
+            <p:ph idx="1"/>
+          </p:nvPr>
+        </p:nvSpPr>
+        <p:spPr/>
+        <p:txBody>
+          <a:bodyPr/>
+          <a:lstStyle/>
+          <a:p>
+            <a:r>
+              <a:rPr lang="en-US" dirty="0"/>
+              <a:t>Business plan</a:t>
+            </a:r>
+          </a:p>
+          <a:p>
+            <a:pPr lvl="1"/>
+            <a:r>
+              <a:rPr lang="en-US" dirty="0"/>
+              <a:t>A comprehensive plan outlining the business model, market opportunity, competitive landscape, and growth strategy.</a:t>
+            </a:r>
+          </a:p>
+          <a:p>
+            <a:r>
+              <a:rPr lang="en-US" dirty="0"/>
+              <a:t>Financial projections</a:t>
+            </a:r>
+          </a:p>
+          <a:p>
+            <a:pPr lvl="1"/>
+            <a:r>
+              <a:rPr lang="en-US" dirty="0"/>
+              <a:t>Detailed financial statements, including income statements, balance sheets, and cash flow statements.</a:t>
+            </a:r>
+          </a:p>
+          <a:p>
+            <a:r>
+              <a:rPr lang="en-US" dirty="0"/>
+              <a:t>Market research</a:t>
+            </a:r>
+          </a:p>
+          <a:p>
+            <a:pPr lvl="1"/>
+            <a:r>
+              <a:rPr lang="en-US" dirty="0"/>
+              <a:t>Analysis of the target market, including size, growth potential, and trends.</a:t>
+            </a:r>
+          </a:p>
+          <a:p>
+            <a:r>
+              <a:rPr lang="en-US" dirty="0"/>
+              <a:t>Legal documents</a:t>
+            </a:r>
+          </a:p>
+          <a:p>
+            <a:pPr lvl="1"/>
+            <a:r>
+              <a:rPr lang="en-US" dirty="0"/>
+              <a:t>Copies of all relevant legal documents, such as contracts, patents, and trademarks.</a:t>
+            </a:r>
+          </a:p>
+        </p:txBody>
+      </p:sp>
+      <p:sp>
+        <p:nvSpPr>
+          <p:cNvPr id="4" name="Slide Number Placeholder 3"/>
+          <p:cNvSpPr>
+            <a:spLocks noGrp="1"/>
+          </p:cNvSpPr>
+          <p:nvPr>
+            <p:ph type="sldNum" sz="quarter" idx="12"/>
+          </p:nvPr>
+        </p:nvSpPr>
+        <p:spPr/>
+        <p:txBody>
+          <a:bodyPr/>
+          <a:lstStyle/>
+          <a:p>
+            <a:fld id="{B8DACC02-A2BD-4578-8E03-6D891060A695}" type="slidenum">
+              <a:rPr lang="en-US" smtClean="0"/>
+              <a:pPr/>
+              <a:t>52</a:t>
+            </a:fld>
+            <a:endParaRPr lang="en-US" dirty="0"/>
+          </a:p>
+        </p:txBody>
+      </p:sp>
+    </p:spTree>
+    <p:extLst>
+      <p:ext uri="{BB962C8B-B14F-4D97-AF65-F5344CB8AC3E}">
+        <p14:creationId xmlns:p14="http://schemas.microsoft.com/office/powerpoint/2010/main" val="815546488"/>
+      </p:ext>
+    </p:extLst>
+  </p:cSld>
+  <p:clrMapOvr>
+    <a:masterClrMapping/>
+  </p:clrMapOvr>
+</p:sld>
+</file>
+
+<file path=ppt/slides/slide53.xml><?xml version="1.0" encoding="utf-8"?>
+<p:sld xmlns:a="http://schemas.openxmlformats.org/drawingml/2006/main" xmlns:r="http://schemas.openxmlformats.org/officeDocument/2006/relationships" xmlns:p="http://schemas.openxmlformats.org/presentationml/2006/main">
+  <p:cSld>
+    <p:spTree>
+      <p:nvGrpSpPr>
+        <p:cNvPr id="1" name=""/>
+        <p:cNvGrpSpPr/>
+        <p:nvPr/>
+      </p:nvGrpSpPr>
+      <p:grpSpPr>
+        <a:xfrm>
+          <a:off x="0" y="0"/>
+          <a:ext cx="0" cy="0"/>
+          <a:chOff x="0" y="0"/>
+          <a:chExt cx="0" cy="0"/>
+        </a:xfrm>
+      </p:grpSpPr>
+      <p:sp>
+        <p:nvSpPr>
           <p:cNvPr id="2" name="Title 1">
             <a:extLst>
               <a:ext uri="{FF2B5EF4-FFF2-40B4-BE49-F238E27FC236}">
@@ -18019,7 +18187,7 @@
             <a:fld id="{B8DACC02-A2BD-4578-8E03-6D891060A695}" type="slidenum">
               <a:rPr lang="en-US" smtClean="0"/>
               <a:pPr/>
-              <a:t>52</a:t>
+              <a:t>53</a:t>
             </a:fld>
             <a:endParaRPr lang="en-US" dirty="0"/>
           </a:p>
@@ -18085,7 +18253,7 @@
 </p:sld>
 </file>
 
-<file path=ppt/slides/slide53.xml><?xml version="1.0" encoding="utf-8"?>
+<file path=ppt/slides/slide54.xml><?xml version="1.0" encoding="utf-8"?>
 <p:sld xmlns:a="http://schemas.openxmlformats.org/drawingml/2006/main" xmlns:r="http://schemas.openxmlformats.org/officeDocument/2006/relationships" xmlns:p="http://schemas.openxmlformats.org/presentationml/2006/main">
   <p:cSld>
     <p:spTree>
@@ -18181,7 +18349,7 @@
             <a:fld id="{B8DACC02-A2BD-4578-8E03-6D891060A695}" type="slidenum">
               <a:rPr lang="en-US" smtClean="0"/>
               <a:pPr/>
-              <a:t>53</a:t>
+              <a:t>54</a:t>
             </a:fld>
             <a:endParaRPr lang="en-US" dirty="0"/>
           </a:p>
@@ -18245,124 +18413,6 @@
 </p:sld>
 </file>
 
-<file path=ppt/slides/slide54.xml><?xml version="1.0" encoding="utf-8"?>
-<p:sld xmlns:a="http://schemas.openxmlformats.org/drawingml/2006/main" xmlns:r="http://schemas.openxmlformats.org/officeDocument/2006/relationships" xmlns:p="http://schemas.openxmlformats.org/presentationml/2006/main">
-  <p:cSld>
-    <p:spTree>
-      <p:nvGrpSpPr>
-        <p:cNvPr id="1" name=""/>
-        <p:cNvGrpSpPr/>
-        <p:nvPr/>
-      </p:nvGrpSpPr>
-      <p:grpSpPr>
-        <a:xfrm>
-          <a:off x="0" y="0"/>
-          <a:ext cx="0" cy="0"/>
-          <a:chOff x="0" y="0"/>
-          <a:chExt cx="0" cy="0"/>
-        </a:xfrm>
-      </p:grpSpPr>
-      <p:sp>
-        <p:nvSpPr>
-          <p:cNvPr id="2" name="Title 1"/>
-          <p:cNvSpPr>
-            <a:spLocks noGrp="1"/>
-          </p:cNvSpPr>
-          <p:nvPr>
-            <p:ph type="title"/>
-          </p:nvPr>
-        </p:nvSpPr>
-        <p:spPr/>
-        <p:txBody>
-          <a:bodyPr/>
-          <a:lstStyle/>
-          <a:p>
-            <a:r>
-              <a:rPr lang="en-US" dirty="0"/>
-              <a:t>Overview of Valuations and Term Sheets</a:t>
-            </a:r>
-          </a:p>
-        </p:txBody>
-      </p:sp>
-      <p:sp>
-        <p:nvSpPr>
-          <p:cNvPr id="3" name="Content Placeholder 2"/>
-          <p:cNvSpPr>
-            <a:spLocks noGrp="1"/>
-          </p:cNvSpPr>
-          <p:nvPr>
-            <p:ph idx="1"/>
-          </p:nvPr>
-        </p:nvSpPr>
-        <p:spPr/>
-        <p:txBody>
-          <a:bodyPr/>
-          <a:lstStyle/>
-          <a:p>
-            <a:r>
-              <a:rPr lang="en-US" dirty="0"/>
-              <a:t>Valuation</a:t>
-            </a:r>
-          </a:p>
-          <a:p>
-            <a:pPr lvl="1"/>
-            <a:r>
-              <a:rPr lang="en-US" dirty="0"/>
-              <a:t>The process of determining the economic value of a business or asset.</a:t>
-            </a:r>
-          </a:p>
-          <a:p>
-            <a:r>
-              <a:rPr lang="en-US" dirty="0"/>
-              <a:t>Term sheet</a:t>
-            </a:r>
-          </a:p>
-          <a:p>
-            <a:pPr lvl="1"/>
-            <a:r>
-              <a:rPr lang="en-US" dirty="0"/>
-              <a:t>A non-binding agreement outlining the basic terms and conditions of a proposed investment.</a:t>
-            </a:r>
-          </a:p>
-        </p:txBody>
-      </p:sp>
-      <p:sp>
-        <p:nvSpPr>
-          <p:cNvPr id="4" name="Slide Number Placeholder 3"/>
-          <p:cNvSpPr>
-            <a:spLocks noGrp="1"/>
-          </p:cNvSpPr>
-          <p:nvPr>
-            <p:ph type="sldNum" sz="quarter" idx="12"/>
-          </p:nvPr>
-        </p:nvSpPr>
-        <p:spPr/>
-        <p:txBody>
-          <a:bodyPr/>
-          <a:lstStyle/>
-          <a:p>
-            <a:fld id="{B8DACC02-A2BD-4578-8E03-6D891060A695}" type="slidenum">
-              <a:rPr lang="en-US" smtClean="0"/>
-              <a:pPr/>
-              <a:t>54</a:t>
-            </a:fld>
-            <a:endParaRPr lang="en-US" dirty="0"/>
-          </a:p>
-        </p:txBody>
-      </p:sp>
-    </p:spTree>
-    <p:extLst>
-      <p:ext uri="{BB962C8B-B14F-4D97-AF65-F5344CB8AC3E}">
-        <p14:creationId xmlns:p14="http://schemas.microsoft.com/office/powerpoint/2010/main" val="1141293993"/>
-      </p:ext>
-    </p:extLst>
-  </p:cSld>
-  <p:clrMapOvr>
-    <a:masterClrMapping/>
-  </p:clrMapOvr>
-</p:sld>
-</file>
-
 <file path=ppt/slides/slide55.xml><?xml version="1.0" encoding="utf-8"?>
 <p:sld xmlns:a="http://schemas.openxmlformats.org/drawingml/2006/main" xmlns:r="http://schemas.openxmlformats.org/officeDocument/2006/relationships" xmlns:p="http://schemas.openxmlformats.org/presentationml/2006/main">
   <p:cSld>
@@ -18382,6 +18432,124 @@
       </p:grpSpPr>
       <p:sp>
         <p:nvSpPr>
+          <p:cNvPr id="2" name="Title 1"/>
+          <p:cNvSpPr>
+            <a:spLocks noGrp="1"/>
+          </p:cNvSpPr>
+          <p:nvPr>
+            <p:ph type="title"/>
+          </p:nvPr>
+        </p:nvSpPr>
+        <p:spPr/>
+        <p:txBody>
+          <a:bodyPr/>
+          <a:lstStyle/>
+          <a:p>
+            <a:r>
+              <a:rPr lang="en-US" dirty="0"/>
+              <a:t>Overview of Valuations and Term Sheets</a:t>
+            </a:r>
+          </a:p>
+        </p:txBody>
+      </p:sp>
+      <p:sp>
+        <p:nvSpPr>
+          <p:cNvPr id="3" name="Content Placeholder 2"/>
+          <p:cNvSpPr>
+            <a:spLocks noGrp="1"/>
+          </p:cNvSpPr>
+          <p:nvPr>
+            <p:ph idx="1"/>
+          </p:nvPr>
+        </p:nvSpPr>
+        <p:spPr/>
+        <p:txBody>
+          <a:bodyPr/>
+          <a:lstStyle/>
+          <a:p>
+            <a:r>
+              <a:rPr lang="en-US" dirty="0"/>
+              <a:t>Valuation</a:t>
+            </a:r>
+          </a:p>
+          <a:p>
+            <a:pPr lvl="1"/>
+            <a:r>
+              <a:rPr lang="en-US" dirty="0"/>
+              <a:t>The process of determining the economic value of a business or asset.</a:t>
+            </a:r>
+          </a:p>
+          <a:p>
+            <a:r>
+              <a:rPr lang="en-US" dirty="0"/>
+              <a:t>Term sheet</a:t>
+            </a:r>
+          </a:p>
+          <a:p>
+            <a:pPr lvl="1"/>
+            <a:r>
+              <a:rPr lang="en-US" dirty="0"/>
+              <a:t>A non-binding agreement outlining the basic terms and conditions of a proposed investment.</a:t>
+            </a:r>
+          </a:p>
+        </p:txBody>
+      </p:sp>
+      <p:sp>
+        <p:nvSpPr>
+          <p:cNvPr id="4" name="Slide Number Placeholder 3"/>
+          <p:cNvSpPr>
+            <a:spLocks noGrp="1"/>
+          </p:cNvSpPr>
+          <p:nvPr>
+            <p:ph type="sldNum" sz="quarter" idx="12"/>
+          </p:nvPr>
+        </p:nvSpPr>
+        <p:spPr/>
+        <p:txBody>
+          <a:bodyPr/>
+          <a:lstStyle/>
+          <a:p>
+            <a:fld id="{B8DACC02-A2BD-4578-8E03-6D891060A695}" type="slidenum">
+              <a:rPr lang="en-US" smtClean="0"/>
+              <a:pPr/>
+              <a:t>55</a:t>
+            </a:fld>
+            <a:endParaRPr lang="en-US" dirty="0"/>
+          </a:p>
+        </p:txBody>
+      </p:sp>
+    </p:spTree>
+    <p:extLst>
+      <p:ext uri="{BB962C8B-B14F-4D97-AF65-F5344CB8AC3E}">
+        <p14:creationId xmlns:p14="http://schemas.microsoft.com/office/powerpoint/2010/main" val="1141293993"/>
+      </p:ext>
+    </p:extLst>
+  </p:cSld>
+  <p:clrMapOvr>
+    <a:masterClrMapping/>
+  </p:clrMapOvr>
+</p:sld>
+</file>
+
+<file path=ppt/slides/slide56.xml><?xml version="1.0" encoding="utf-8"?>
+<p:sld xmlns:a="http://schemas.openxmlformats.org/drawingml/2006/main" xmlns:r="http://schemas.openxmlformats.org/officeDocument/2006/relationships" xmlns:p="http://schemas.openxmlformats.org/presentationml/2006/main">
+  <p:cSld>
+    <p:spTree>
+      <p:nvGrpSpPr>
+        <p:cNvPr id="1" name=""/>
+        <p:cNvGrpSpPr/>
+        <p:nvPr/>
+      </p:nvGrpSpPr>
+      <p:grpSpPr>
+        <a:xfrm>
+          <a:off x="0" y="0"/>
+          <a:ext cx="0" cy="0"/>
+          <a:chOff x="0" y="0"/>
+          <a:chExt cx="0" cy="0"/>
+        </a:xfrm>
+      </p:grpSpPr>
+      <p:sp>
+        <p:nvSpPr>
           <p:cNvPr id="2" name="Title 1">
             <a:extLst>
               <a:ext uri="{FF2B5EF4-FFF2-40B4-BE49-F238E27FC236}">
@@ -18457,7 +18625,7 @@
             <a:fld id="{B8DACC02-A2BD-4578-8E03-6D891060A695}" type="slidenum">
               <a:rPr lang="en-US" smtClean="0"/>
               <a:pPr/>
-              <a:t>55</a:t>
+              <a:t>56</a:t>
             </a:fld>
             <a:endParaRPr lang="en-US" dirty="0"/>
           </a:p>
@@ -18523,145 +18691,6 @@
 </p:sld>
 </file>
 
-<file path=ppt/slides/slide56.xml><?xml version="1.0" encoding="utf-8"?>
-<p:sld xmlns:a="http://schemas.openxmlformats.org/drawingml/2006/main" xmlns:r="http://schemas.openxmlformats.org/officeDocument/2006/relationships" xmlns:p="http://schemas.openxmlformats.org/presentationml/2006/main">
-  <p:cSld>
-    <p:spTree>
-      <p:nvGrpSpPr>
-        <p:cNvPr id="1" name=""/>
-        <p:cNvGrpSpPr/>
-        <p:nvPr/>
-      </p:nvGrpSpPr>
-      <p:grpSpPr>
-        <a:xfrm>
-          <a:off x="0" y="0"/>
-          <a:ext cx="0" cy="0"/>
-          <a:chOff x="0" y="0"/>
-          <a:chExt cx="0" cy="0"/>
-        </a:xfrm>
-      </p:grpSpPr>
-      <p:sp>
-        <p:nvSpPr>
-          <p:cNvPr id="2" name="Title 1">
-            <a:extLst>
-              <a:ext uri="{FF2B5EF4-FFF2-40B4-BE49-F238E27FC236}">
-                <a16:creationId xmlns:a16="http://schemas.microsoft.com/office/drawing/2014/main" id="{4614D86F-2B95-4F3E-8C5F-81E041B60B09}"/>
-              </a:ext>
-            </a:extLst>
-          </p:cNvPr>
-          <p:cNvSpPr>
-            <a:spLocks noGrp="1"/>
-          </p:cNvSpPr>
-          <p:nvPr>
-            <p:ph type="title"/>
-          </p:nvPr>
-        </p:nvSpPr>
-        <p:spPr/>
-        <p:txBody>
-          <a:bodyPr/>
-          <a:lstStyle/>
-          <a:p>
-            <a:r>
-              <a:rPr lang="en-US" dirty="0"/>
-              <a:t>Startup Valuations tools</a:t>
-            </a:r>
-          </a:p>
-        </p:txBody>
-      </p:sp>
-      <p:sp>
-        <p:nvSpPr>
-          <p:cNvPr id="3" name="Content Placeholder 2">
-            <a:extLst>
-              <a:ext uri="{FF2B5EF4-FFF2-40B4-BE49-F238E27FC236}">
-                <a16:creationId xmlns:a16="http://schemas.microsoft.com/office/drawing/2014/main" id="{3915245E-8A4E-4457-8789-142329F05B97}"/>
-              </a:ext>
-            </a:extLst>
-          </p:cNvPr>
-          <p:cNvSpPr>
-            <a:spLocks noGrp="1"/>
-          </p:cNvSpPr>
-          <p:nvPr>
-            <p:ph idx="1"/>
-          </p:nvPr>
-        </p:nvSpPr>
-        <p:spPr/>
-        <p:txBody>
-          <a:bodyPr/>
-          <a:lstStyle/>
-          <a:p>
-            <a:r>
-              <a:rPr lang="en-US" dirty="0"/>
-              <a:t>High Tech Startup Valuation Estimator by Cayenne Consulting</a:t>
-            </a:r>
-          </a:p>
-          <a:p>
-            <a:endParaRPr lang="en-US" dirty="0"/>
-          </a:p>
-          <a:p>
-            <a:r>
-              <a:rPr lang="en-US" dirty="0"/>
-              <a:t>Startup Valuation Calculator by </a:t>
-            </a:r>
-            <a:r>
-              <a:rPr lang="en-US" dirty="0" err="1"/>
-              <a:t>EquityNet</a:t>
-            </a:r>
-            <a:endParaRPr lang="en-US" dirty="0"/>
-          </a:p>
-          <a:p>
-            <a:endParaRPr lang="en-US" dirty="0"/>
-          </a:p>
-          <a:p>
-            <a:r>
-              <a:rPr lang="en-US" dirty="0"/>
-              <a:t>Pre-Money and Post-money valuation calculator</a:t>
-            </a:r>
-          </a:p>
-        </p:txBody>
-      </p:sp>
-      <p:sp>
-        <p:nvSpPr>
-          <p:cNvPr id="4" name="Slide Number Placeholder 3">
-            <a:extLst>
-              <a:ext uri="{FF2B5EF4-FFF2-40B4-BE49-F238E27FC236}">
-                <a16:creationId xmlns:a16="http://schemas.microsoft.com/office/drawing/2014/main" id="{3C32D30A-C2EE-409C-B55F-7B0B9175CB85}"/>
-              </a:ext>
-            </a:extLst>
-          </p:cNvPr>
-          <p:cNvSpPr>
-            <a:spLocks noGrp="1"/>
-          </p:cNvSpPr>
-          <p:nvPr>
-            <p:ph type="sldNum" sz="quarter" idx="12"/>
-          </p:nvPr>
-        </p:nvSpPr>
-        <p:spPr/>
-        <p:txBody>
-          <a:bodyPr/>
-          <a:lstStyle/>
-          <a:p>
-            <a:fld id="{B8DACC02-A2BD-4578-8E03-6D891060A695}" type="slidenum">
-              <a:rPr lang="en-US" smtClean="0"/>
-              <a:pPr/>
-              <a:t>56</a:t>
-            </a:fld>
-            <a:endParaRPr lang="en-US" dirty="0"/>
-          </a:p>
-        </p:txBody>
-      </p:sp>
-    </p:spTree>
-    <p:extLst>
-      <p:ext uri="{BB962C8B-B14F-4D97-AF65-F5344CB8AC3E}">
-        <p14:creationId xmlns:p14="http://schemas.microsoft.com/office/powerpoint/2010/main" val="2365537486"/>
-      </p:ext>
-    </p:extLst>
-  </p:cSld>
-  <p:clrMapOvr>
-    <a:masterClrMapping/>
-  </p:clrMapOvr>
-</p:sld>
-</file>
-
 <file path=ppt/slides/slide57.xml><?xml version="1.0" encoding="utf-8"?>
 <p:sld xmlns:a="http://schemas.openxmlformats.org/drawingml/2006/main" xmlns:r="http://schemas.openxmlformats.org/officeDocument/2006/relationships" xmlns:p="http://schemas.openxmlformats.org/presentationml/2006/main">
   <p:cSld>
@@ -18684,6 +18713,145 @@
           <p:cNvPr id="2" name="Title 1">
             <a:extLst>
               <a:ext uri="{FF2B5EF4-FFF2-40B4-BE49-F238E27FC236}">
+                <a16:creationId xmlns:a16="http://schemas.microsoft.com/office/drawing/2014/main" id="{4614D86F-2B95-4F3E-8C5F-81E041B60B09}"/>
+              </a:ext>
+            </a:extLst>
+          </p:cNvPr>
+          <p:cNvSpPr>
+            <a:spLocks noGrp="1"/>
+          </p:cNvSpPr>
+          <p:nvPr>
+            <p:ph type="title"/>
+          </p:nvPr>
+        </p:nvSpPr>
+        <p:spPr/>
+        <p:txBody>
+          <a:bodyPr/>
+          <a:lstStyle/>
+          <a:p>
+            <a:r>
+              <a:rPr lang="en-US" dirty="0"/>
+              <a:t>Startup Valuations tools</a:t>
+            </a:r>
+          </a:p>
+        </p:txBody>
+      </p:sp>
+      <p:sp>
+        <p:nvSpPr>
+          <p:cNvPr id="3" name="Content Placeholder 2">
+            <a:extLst>
+              <a:ext uri="{FF2B5EF4-FFF2-40B4-BE49-F238E27FC236}">
+                <a16:creationId xmlns:a16="http://schemas.microsoft.com/office/drawing/2014/main" id="{3915245E-8A4E-4457-8789-142329F05B97}"/>
+              </a:ext>
+            </a:extLst>
+          </p:cNvPr>
+          <p:cNvSpPr>
+            <a:spLocks noGrp="1"/>
+          </p:cNvSpPr>
+          <p:nvPr>
+            <p:ph idx="1"/>
+          </p:nvPr>
+        </p:nvSpPr>
+        <p:spPr/>
+        <p:txBody>
+          <a:bodyPr/>
+          <a:lstStyle/>
+          <a:p>
+            <a:r>
+              <a:rPr lang="en-US" dirty="0"/>
+              <a:t>High Tech Startup Valuation Estimator by Cayenne Consulting</a:t>
+            </a:r>
+          </a:p>
+          <a:p>
+            <a:endParaRPr lang="en-US" dirty="0"/>
+          </a:p>
+          <a:p>
+            <a:r>
+              <a:rPr lang="en-US" dirty="0"/>
+              <a:t>Startup Valuation Calculator by </a:t>
+            </a:r>
+            <a:r>
+              <a:rPr lang="en-US" dirty="0" err="1"/>
+              <a:t>EquityNet</a:t>
+            </a:r>
+            <a:endParaRPr lang="en-US" dirty="0"/>
+          </a:p>
+          <a:p>
+            <a:endParaRPr lang="en-US" dirty="0"/>
+          </a:p>
+          <a:p>
+            <a:r>
+              <a:rPr lang="en-US" dirty="0"/>
+              <a:t>Pre-Money and Post-money valuation calculator</a:t>
+            </a:r>
+          </a:p>
+        </p:txBody>
+      </p:sp>
+      <p:sp>
+        <p:nvSpPr>
+          <p:cNvPr id="4" name="Slide Number Placeholder 3">
+            <a:extLst>
+              <a:ext uri="{FF2B5EF4-FFF2-40B4-BE49-F238E27FC236}">
+                <a16:creationId xmlns:a16="http://schemas.microsoft.com/office/drawing/2014/main" id="{3C32D30A-C2EE-409C-B55F-7B0B9175CB85}"/>
+              </a:ext>
+            </a:extLst>
+          </p:cNvPr>
+          <p:cNvSpPr>
+            <a:spLocks noGrp="1"/>
+          </p:cNvSpPr>
+          <p:nvPr>
+            <p:ph type="sldNum" sz="quarter" idx="12"/>
+          </p:nvPr>
+        </p:nvSpPr>
+        <p:spPr/>
+        <p:txBody>
+          <a:bodyPr/>
+          <a:lstStyle/>
+          <a:p>
+            <a:fld id="{B8DACC02-A2BD-4578-8E03-6D891060A695}" type="slidenum">
+              <a:rPr lang="en-US" smtClean="0"/>
+              <a:pPr/>
+              <a:t>57</a:t>
+            </a:fld>
+            <a:endParaRPr lang="en-US" dirty="0"/>
+          </a:p>
+        </p:txBody>
+      </p:sp>
+    </p:spTree>
+    <p:extLst>
+      <p:ext uri="{BB962C8B-B14F-4D97-AF65-F5344CB8AC3E}">
+        <p14:creationId xmlns:p14="http://schemas.microsoft.com/office/powerpoint/2010/main" val="2365537486"/>
+      </p:ext>
+    </p:extLst>
+  </p:cSld>
+  <p:clrMapOvr>
+    <a:masterClrMapping/>
+  </p:clrMapOvr>
+</p:sld>
+</file>
+
+<file path=ppt/slides/slide58.xml><?xml version="1.0" encoding="utf-8"?>
+<p:sld xmlns:a="http://schemas.openxmlformats.org/drawingml/2006/main" xmlns:r="http://schemas.openxmlformats.org/officeDocument/2006/relationships" xmlns:p="http://schemas.openxmlformats.org/presentationml/2006/main">
+  <p:cSld>
+    <p:spTree>
+      <p:nvGrpSpPr>
+        <p:cNvPr id="1" name=""/>
+        <p:cNvGrpSpPr/>
+        <p:nvPr/>
+      </p:nvGrpSpPr>
+      <p:grpSpPr>
+        <a:xfrm>
+          <a:off x="0" y="0"/>
+          <a:ext cx="0" cy="0"/>
+          <a:chOff x="0" y="0"/>
+          <a:chExt cx="0" cy="0"/>
+        </a:xfrm>
+      </p:grpSpPr>
+      <p:sp>
+        <p:nvSpPr>
+          <p:cNvPr id="2" name="Title 1">
+            <a:extLst>
+              <a:ext uri="{FF2B5EF4-FFF2-40B4-BE49-F238E27FC236}">
                 <a16:creationId xmlns:a16="http://schemas.microsoft.com/office/drawing/2014/main" id="{0D327C88-5C29-474C-AACF-180E4C6602A1}"/>
               </a:ext>
             </a:extLst>
@@ -18775,7 +18943,7 @@
             <a:fld id="{B8DACC02-A2BD-4578-8E03-6D891060A695}" type="slidenum">
               <a:rPr lang="en-US" smtClean="0"/>
               <a:pPr/>
-              <a:t>57</a:t>
+              <a:t>58</a:t>
             </a:fld>
             <a:endParaRPr lang="en-US" dirty="0"/>
           </a:p>
@@ -18839,112 +19007,6 @@
 </p:sld>
 </file>
 
-<file path=ppt/slides/slide58.xml><?xml version="1.0" encoding="utf-8"?>
-<p:sld xmlns:a="http://schemas.openxmlformats.org/drawingml/2006/main" xmlns:r="http://schemas.openxmlformats.org/officeDocument/2006/relationships" xmlns:p="http://schemas.openxmlformats.org/presentationml/2006/main">
-  <p:cSld>
-    <p:spTree>
-      <p:nvGrpSpPr>
-        <p:cNvPr id="1" name=""/>
-        <p:cNvGrpSpPr/>
-        <p:nvPr/>
-      </p:nvGrpSpPr>
-      <p:grpSpPr>
-        <a:xfrm>
-          <a:off x="0" y="0"/>
-          <a:ext cx="0" cy="0"/>
-          <a:chOff x="0" y="0"/>
-          <a:chExt cx="0" cy="0"/>
-        </a:xfrm>
-      </p:grpSpPr>
-      <p:sp>
-        <p:nvSpPr>
-          <p:cNvPr id="2" name="Title 1"/>
-          <p:cNvSpPr>
-            <a:spLocks noGrp="1"/>
-          </p:cNvSpPr>
-          <p:nvPr>
-            <p:ph type="title"/>
-          </p:nvPr>
-        </p:nvSpPr>
-        <p:spPr/>
-        <p:txBody>
-          <a:bodyPr>
-            <a:normAutofit fontScale="90000"/>
-          </a:bodyPr>
-          <a:lstStyle/>
-          <a:p>
-            <a:r>
-              <a:rPr lang="en-US" dirty="0"/>
-              <a:t>Importance of Understanding Terms and Conditions</a:t>
-            </a:r>
-          </a:p>
-        </p:txBody>
-      </p:sp>
-      <p:sp>
-        <p:nvSpPr>
-          <p:cNvPr id="3" name="Content Placeholder 2"/>
-          <p:cNvSpPr>
-            <a:spLocks noGrp="1"/>
-          </p:cNvSpPr>
-          <p:nvPr>
-            <p:ph idx="1"/>
-          </p:nvPr>
-        </p:nvSpPr>
-        <p:spPr/>
-        <p:txBody>
-          <a:bodyPr/>
-          <a:lstStyle/>
-          <a:p>
-            <a:r>
-              <a:rPr lang="en-US" dirty="0"/>
-              <a:t>Understanding the terms and conditions of funding agreements is crucial for entrepreneurs to avoid misunderstandings and ensure they receive the funding they need.</a:t>
-            </a:r>
-          </a:p>
-          <a:p>
-            <a:r>
-              <a:rPr lang="en-US" dirty="0"/>
-              <a:t>Key terms to focus on include valuation, equity ownership, board representation, and liquidation preferences.</a:t>
-            </a:r>
-          </a:p>
-        </p:txBody>
-      </p:sp>
-      <p:sp>
-        <p:nvSpPr>
-          <p:cNvPr id="4" name="Slide Number Placeholder 3"/>
-          <p:cNvSpPr>
-            <a:spLocks noGrp="1"/>
-          </p:cNvSpPr>
-          <p:nvPr>
-            <p:ph type="sldNum" sz="quarter" idx="12"/>
-          </p:nvPr>
-        </p:nvSpPr>
-        <p:spPr/>
-        <p:txBody>
-          <a:bodyPr/>
-          <a:lstStyle/>
-          <a:p>
-            <a:fld id="{B8DACC02-A2BD-4578-8E03-6D891060A695}" type="slidenum">
-              <a:rPr lang="en-US" smtClean="0"/>
-              <a:pPr/>
-              <a:t>58</a:t>
-            </a:fld>
-            <a:endParaRPr lang="en-US" dirty="0"/>
-          </a:p>
-        </p:txBody>
-      </p:sp>
-    </p:spTree>
-    <p:extLst>
-      <p:ext uri="{BB962C8B-B14F-4D97-AF65-F5344CB8AC3E}">
-        <p14:creationId xmlns:p14="http://schemas.microsoft.com/office/powerpoint/2010/main" val="993812852"/>
-      </p:ext>
-    </p:extLst>
-  </p:cSld>
-  <p:clrMapOvr>
-    <a:masterClrMapping/>
-  </p:clrMapOvr>
-</p:sld>
-</file>
-
 <file path=ppt/slides/slide59.xml><?xml version="1.0" encoding="utf-8"?>
 <p:sld xmlns:a="http://schemas.openxmlformats.org/drawingml/2006/main" xmlns:r="http://schemas.openxmlformats.org/officeDocument/2006/relationships" xmlns:p="http://schemas.openxmlformats.org/presentationml/2006/main">
   <p:cSld>
@@ -18974,12 +19036,14 @@
         </p:nvSpPr>
         <p:spPr/>
         <p:txBody>
-          <a:bodyPr/>
-          <a:lstStyle/>
-          <a:p>
-            <a:r>
-              <a:rPr lang="en-US" dirty="0"/>
-              <a:t>Factors that Contributed to Success</a:t>
+          <a:bodyPr>
+            <a:normAutofit fontScale="90000"/>
+          </a:bodyPr>
+          <a:lstStyle/>
+          <a:p>
+            <a:r>
+              <a:rPr lang="en-US" dirty="0"/>
+              <a:t>Importance of Understanding Terms and Conditions</a:t>
             </a:r>
           </a:p>
         </p:txBody>
@@ -19001,19 +19065,13 @@
           <a:p>
             <a:r>
               <a:rPr lang="en-US" dirty="0"/>
-              <a:t>Strong leadership</a:t>
-            </a:r>
-          </a:p>
-          <a:p>
-            <a:r>
-              <a:rPr lang="en-US" dirty="0"/>
-              <a:t>Innovative products or services</a:t>
-            </a:r>
-          </a:p>
-          <a:p>
-            <a:r>
-              <a:rPr lang="en-US" dirty="0"/>
-              <a:t>Market timing</a:t>
+              <a:t>Understanding the terms and conditions of funding agreements is crucial for entrepreneurs to avoid misunderstandings and ensure they receive the funding they need.</a:t>
+            </a:r>
+          </a:p>
+          <a:p>
+            <a:r>
+              <a:rPr lang="en-US" dirty="0"/>
+              <a:t>Key terms to focus on include valuation, equity ownership, board representation, and liquidation preferences.</a:t>
             </a:r>
           </a:p>
         </p:txBody>
@@ -19037,6 +19095,226 @@
               <a:rPr lang="en-US" smtClean="0"/>
               <a:pPr/>
               <a:t>59</a:t>
+            </a:fld>
+            <a:endParaRPr lang="en-US" dirty="0"/>
+          </a:p>
+        </p:txBody>
+      </p:sp>
+    </p:spTree>
+    <p:extLst>
+      <p:ext uri="{BB962C8B-B14F-4D97-AF65-F5344CB8AC3E}">
+        <p14:creationId xmlns:p14="http://schemas.microsoft.com/office/powerpoint/2010/main" val="993812852"/>
+      </p:ext>
+    </p:extLst>
+  </p:cSld>
+  <p:clrMapOvr>
+    <a:masterClrMapping/>
+  </p:clrMapOvr>
+</p:sld>
+</file>
+
+<file path=ppt/slides/slide6.xml><?xml version="1.0" encoding="utf-8"?>
+<p:sld xmlns:a="http://schemas.openxmlformats.org/drawingml/2006/main" xmlns:r="http://schemas.openxmlformats.org/officeDocument/2006/relationships" xmlns:p="http://schemas.openxmlformats.org/presentationml/2006/main">
+  <p:cSld>
+    <p:spTree>
+      <p:nvGrpSpPr>
+        <p:cNvPr id="1" name=""/>
+        <p:cNvGrpSpPr/>
+        <p:nvPr/>
+      </p:nvGrpSpPr>
+      <p:grpSpPr>
+        <a:xfrm>
+          <a:off x="0" y="0"/>
+          <a:ext cx="0" cy="0"/>
+          <a:chOff x="0" y="0"/>
+          <a:chExt cx="0" cy="0"/>
+        </a:xfrm>
+      </p:grpSpPr>
+      <p:sp>
+        <p:nvSpPr>
+          <p:cNvPr id="2" name="Title 1"/>
+          <p:cNvSpPr>
+            <a:spLocks noGrp="1"/>
+          </p:cNvSpPr>
+          <p:nvPr>
+            <p:ph type="title"/>
+          </p:nvPr>
+        </p:nvSpPr>
+        <p:spPr/>
+        <p:txBody>
+          <a:bodyPr/>
+          <a:lstStyle/>
+          <a:p>
+            <a:r>
+              <a:rPr lang="en-US" dirty="0"/>
+              <a:t>Why?</a:t>
+            </a:r>
+          </a:p>
+        </p:txBody>
+      </p:sp>
+      <p:sp>
+        <p:nvSpPr>
+          <p:cNvPr id="3" name="Content Placeholder 2"/>
+          <p:cNvSpPr>
+            <a:spLocks noGrp="1"/>
+          </p:cNvSpPr>
+          <p:nvPr>
+            <p:ph idx="1"/>
+          </p:nvPr>
+        </p:nvSpPr>
+        <p:spPr/>
+        <p:txBody>
+          <a:bodyPr/>
+          <a:lstStyle/>
+          <a:p>
+            <a:r>
+              <a:rPr lang="en-US" dirty="0"/>
+              <a:t>Software startups need funding to turn their ideas into reality</a:t>
+            </a:r>
+          </a:p>
+          <a:p>
+            <a:r>
+              <a:rPr lang="en-US" dirty="0"/>
+              <a:t>Funding can help startups hire talent, develop products, and scale operations</a:t>
+            </a:r>
+          </a:p>
+          <a:p>
+            <a:r>
+              <a:rPr lang="en-US" dirty="0"/>
+              <a:t>Different types of funding options available, each with pros and cons</a:t>
+            </a:r>
+          </a:p>
+        </p:txBody>
+      </p:sp>
+      <p:sp>
+        <p:nvSpPr>
+          <p:cNvPr id="4" name="Slide Number Placeholder 3"/>
+          <p:cNvSpPr>
+            <a:spLocks noGrp="1"/>
+          </p:cNvSpPr>
+          <p:nvPr>
+            <p:ph type="sldNum" sz="quarter" idx="12"/>
+          </p:nvPr>
+        </p:nvSpPr>
+        <p:spPr/>
+        <p:txBody>
+          <a:bodyPr/>
+          <a:lstStyle/>
+          <a:p>
+            <a:fld id="{B8DACC02-A2BD-4578-8E03-6D891060A695}" type="slidenum">
+              <a:rPr lang="en-US" smtClean="0"/>
+              <a:pPr/>
+              <a:t>6</a:t>
+            </a:fld>
+            <a:endParaRPr lang="en-US" dirty="0"/>
+          </a:p>
+        </p:txBody>
+      </p:sp>
+    </p:spTree>
+    <p:extLst>
+      <p:ext uri="{BB962C8B-B14F-4D97-AF65-F5344CB8AC3E}">
+        <p14:creationId xmlns:p14="http://schemas.microsoft.com/office/powerpoint/2010/main" val="4130345764"/>
+      </p:ext>
+    </p:extLst>
+  </p:cSld>
+  <p:clrMapOvr>
+    <a:masterClrMapping/>
+  </p:clrMapOvr>
+</p:sld>
+</file>
+
+<file path=ppt/slides/slide60.xml><?xml version="1.0" encoding="utf-8"?>
+<p:sld xmlns:a="http://schemas.openxmlformats.org/drawingml/2006/main" xmlns:r="http://schemas.openxmlformats.org/officeDocument/2006/relationships" xmlns:p="http://schemas.openxmlformats.org/presentationml/2006/main">
+  <p:cSld>
+    <p:spTree>
+      <p:nvGrpSpPr>
+        <p:cNvPr id="1" name=""/>
+        <p:cNvGrpSpPr/>
+        <p:nvPr/>
+      </p:nvGrpSpPr>
+      <p:grpSpPr>
+        <a:xfrm>
+          <a:off x="0" y="0"/>
+          <a:ext cx="0" cy="0"/>
+          <a:chOff x="0" y="0"/>
+          <a:chExt cx="0" cy="0"/>
+        </a:xfrm>
+      </p:grpSpPr>
+      <p:sp>
+        <p:nvSpPr>
+          <p:cNvPr id="2" name="Title 1"/>
+          <p:cNvSpPr>
+            <a:spLocks noGrp="1"/>
+          </p:cNvSpPr>
+          <p:nvPr>
+            <p:ph type="title"/>
+          </p:nvPr>
+        </p:nvSpPr>
+        <p:spPr/>
+        <p:txBody>
+          <a:bodyPr/>
+          <a:lstStyle/>
+          <a:p>
+            <a:r>
+              <a:rPr lang="en-US" dirty="0"/>
+              <a:t>Factors that Contributed to Success</a:t>
+            </a:r>
+          </a:p>
+        </p:txBody>
+      </p:sp>
+      <p:sp>
+        <p:nvSpPr>
+          <p:cNvPr id="3" name="Content Placeholder 2"/>
+          <p:cNvSpPr>
+            <a:spLocks noGrp="1"/>
+          </p:cNvSpPr>
+          <p:nvPr>
+            <p:ph idx="1"/>
+          </p:nvPr>
+        </p:nvSpPr>
+        <p:spPr/>
+        <p:txBody>
+          <a:bodyPr/>
+          <a:lstStyle/>
+          <a:p>
+            <a:r>
+              <a:rPr lang="en-US" dirty="0"/>
+              <a:t>Strong leadership</a:t>
+            </a:r>
+          </a:p>
+          <a:p>
+            <a:r>
+              <a:rPr lang="en-US" dirty="0"/>
+              <a:t>Innovative products or services</a:t>
+            </a:r>
+          </a:p>
+          <a:p>
+            <a:r>
+              <a:rPr lang="en-US" dirty="0"/>
+              <a:t>Market timing</a:t>
+            </a:r>
+          </a:p>
+        </p:txBody>
+      </p:sp>
+      <p:sp>
+        <p:nvSpPr>
+          <p:cNvPr id="4" name="Slide Number Placeholder 3"/>
+          <p:cNvSpPr>
+            <a:spLocks noGrp="1"/>
+          </p:cNvSpPr>
+          <p:nvPr>
+            <p:ph type="sldNum" sz="quarter" idx="12"/>
+          </p:nvPr>
+        </p:nvSpPr>
+        <p:spPr/>
+        <p:txBody>
+          <a:bodyPr/>
+          <a:lstStyle/>
+          <a:p>
+            <a:fld id="{B8DACC02-A2BD-4578-8E03-6D891060A695}" type="slidenum">
+              <a:rPr lang="en-US" smtClean="0"/>
+              <a:pPr/>
+              <a:t>60</a:t>
             </a:fld>
             <a:endParaRPr lang="en-US" dirty="0"/>
           </a:p>
@@ -19145,246 +19423,6 @@
 </p:sld>
 </file>
 
-<file path=ppt/slides/slide6.xml><?xml version="1.0" encoding="utf-8"?>
-<p:sld xmlns:a="http://schemas.openxmlformats.org/drawingml/2006/main" xmlns:r="http://schemas.openxmlformats.org/officeDocument/2006/relationships" xmlns:p="http://schemas.openxmlformats.org/presentationml/2006/main">
-  <p:cSld>
-    <p:spTree>
-      <p:nvGrpSpPr>
-        <p:cNvPr id="1" name=""/>
-        <p:cNvGrpSpPr/>
-        <p:nvPr/>
-      </p:nvGrpSpPr>
-      <p:grpSpPr>
-        <a:xfrm>
-          <a:off x="0" y="0"/>
-          <a:ext cx="0" cy="0"/>
-          <a:chOff x="0" y="0"/>
-          <a:chExt cx="0" cy="0"/>
-        </a:xfrm>
-      </p:grpSpPr>
-      <p:sp>
-        <p:nvSpPr>
-          <p:cNvPr id="2" name="Title 1"/>
-          <p:cNvSpPr>
-            <a:spLocks noGrp="1"/>
-          </p:cNvSpPr>
-          <p:nvPr>
-            <p:ph type="title"/>
-          </p:nvPr>
-        </p:nvSpPr>
-        <p:spPr/>
-        <p:txBody>
-          <a:bodyPr/>
-          <a:lstStyle/>
-          <a:p>
-            <a:r>
-              <a:rPr lang="en-US" dirty="0"/>
-              <a:t>Introduction to Pitching and Securing Funding</a:t>
-            </a:r>
-          </a:p>
-        </p:txBody>
-      </p:sp>
-      <p:sp>
-        <p:nvSpPr>
-          <p:cNvPr id="3" name="Content Placeholder 2"/>
-          <p:cNvSpPr>
-            <a:spLocks noGrp="1"/>
-          </p:cNvSpPr>
-          <p:nvPr>
-            <p:ph idx="1"/>
-          </p:nvPr>
-        </p:nvSpPr>
-        <p:spPr/>
-        <p:txBody>
-          <a:bodyPr/>
-          <a:lstStyle/>
-          <a:p>
-            <a:r>
-              <a:rPr lang="en-US" dirty="0"/>
-              <a:t>Pitching is the process of presenting a business idea or plan to potential investors or stakeholders to secure funding.</a:t>
-            </a:r>
-          </a:p>
-          <a:p>
-            <a:r>
-              <a:rPr lang="en-US" dirty="0"/>
-              <a:t>Pitching is crucial for securing funding, as it allows entrepreneurs to showcase their idea, team, and vision to investors, and convince them to invest in their business.</a:t>
-            </a:r>
-          </a:p>
-        </p:txBody>
-      </p:sp>
-      <p:sp>
-        <p:nvSpPr>
-          <p:cNvPr id="4" name="Slide Number Placeholder 3"/>
-          <p:cNvSpPr>
-            <a:spLocks noGrp="1"/>
-          </p:cNvSpPr>
-          <p:nvPr>
-            <p:ph type="sldNum" sz="quarter" idx="12"/>
-          </p:nvPr>
-        </p:nvSpPr>
-        <p:spPr/>
-        <p:txBody>
-          <a:bodyPr/>
-          <a:lstStyle/>
-          <a:p>
-            <a:fld id="{B8DACC02-A2BD-4578-8E03-6D891060A695}" type="slidenum">
-              <a:rPr lang="en-US" smtClean="0"/>
-              <a:pPr/>
-              <a:t>6</a:t>
-            </a:fld>
-            <a:endParaRPr lang="en-US" dirty="0"/>
-          </a:p>
-        </p:txBody>
-      </p:sp>
-      <p:pic>
-        <p:nvPicPr>
-          <p:cNvPr id="1026" name="Picture 2" descr="5 Steps To Craft A Memorable, Attention-Grabbing Sales Pitch"/>
-          <p:cNvPicPr>
-            <a:picLocks noChangeAspect="1" noChangeArrowheads="1"/>
-          </p:cNvPicPr>
-          <p:nvPr/>
-        </p:nvPicPr>
-        <p:blipFill>
-          <a:blip r:embed="rId2">
-            <a:extLst>
-              <a:ext uri="{28A0092B-C50C-407E-A947-70E740481C1C}">
-                <a14:useLocalDpi xmlns:a14="http://schemas.microsoft.com/office/drawing/2010/main" val="0"/>
-              </a:ext>
-            </a:extLst>
-          </a:blip>
-          <a:srcRect/>
-          <a:stretch>
-            <a:fillRect/>
-          </a:stretch>
-        </p:blipFill>
-        <p:spPr bwMode="auto">
-          <a:xfrm>
-            <a:off x="5469960" y="3233773"/>
-            <a:ext cx="5023007" cy="3089150"/>
-          </a:xfrm>
-          <a:prstGeom prst="rect">
-            <a:avLst/>
-          </a:prstGeom>
-          <a:noFill/>
-          <a:extLst>
-            <a:ext uri="{909E8E84-426E-40DD-AFC4-6F175D3DCCD1}">
-              <a14:hiddenFill xmlns:a14="http://schemas.microsoft.com/office/drawing/2010/main">
-                <a:solidFill>
-                  <a:srgbClr val="FFFFFF"/>
-                </a:solidFill>
-              </a14:hiddenFill>
-            </a:ext>
-          </a:extLst>
-        </p:spPr>
-      </p:pic>
-    </p:spTree>
-    <p:extLst>
-      <p:ext uri="{BB962C8B-B14F-4D97-AF65-F5344CB8AC3E}">
-        <p14:creationId xmlns:p14="http://schemas.microsoft.com/office/powerpoint/2010/main" val="1435021623"/>
-      </p:ext>
-    </p:extLst>
-  </p:cSld>
-  <p:clrMapOvr>
-    <a:masterClrMapping/>
-  </p:clrMapOvr>
-</p:sld>
-</file>
-
-<file path=ppt/slides/slide60.xml><?xml version="1.0" encoding="utf-8"?>
-<p:sld xmlns:a="http://schemas.openxmlformats.org/drawingml/2006/main" xmlns:r="http://schemas.openxmlformats.org/officeDocument/2006/relationships" xmlns:p="http://schemas.openxmlformats.org/presentationml/2006/main">
-  <p:cSld>
-    <p:spTree>
-      <p:nvGrpSpPr>
-        <p:cNvPr id="1" name=""/>
-        <p:cNvGrpSpPr/>
-        <p:nvPr/>
-      </p:nvGrpSpPr>
-      <p:grpSpPr>
-        <a:xfrm>
-          <a:off x="0" y="0"/>
-          <a:ext cx="0" cy="0"/>
-          <a:chOff x="0" y="0"/>
-          <a:chExt cx="0" cy="0"/>
-        </a:xfrm>
-      </p:grpSpPr>
-      <p:sp>
-        <p:nvSpPr>
-          <p:cNvPr id="5" name="Title 4"/>
-          <p:cNvSpPr>
-            <a:spLocks noGrp="1"/>
-          </p:cNvSpPr>
-          <p:nvPr>
-            <p:ph type="title"/>
-          </p:nvPr>
-        </p:nvSpPr>
-        <p:spPr/>
-        <p:txBody>
-          <a:bodyPr/>
-          <a:lstStyle/>
-          <a:p>
-            <a:r>
-              <a:rPr lang="en-US" dirty="0"/>
-              <a:t>Incubators and Accelerators</a:t>
-            </a:r>
-          </a:p>
-        </p:txBody>
-      </p:sp>
-      <p:sp>
-        <p:nvSpPr>
-          <p:cNvPr id="6" name="Text Placeholder 5"/>
-          <p:cNvSpPr>
-            <a:spLocks noGrp="1"/>
-          </p:cNvSpPr>
-          <p:nvPr>
-            <p:ph type="body" idx="1"/>
-          </p:nvPr>
-        </p:nvSpPr>
-        <p:spPr/>
-        <p:txBody>
-          <a:bodyPr/>
-          <a:lstStyle/>
-          <a:p>
-            <a:endParaRPr lang="en-US"/>
-          </a:p>
-        </p:txBody>
-      </p:sp>
-      <p:sp>
-        <p:nvSpPr>
-          <p:cNvPr id="4" name="Slide Number Placeholder 3"/>
-          <p:cNvSpPr>
-            <a:spLocks noGrp="1"/>
-          </p:cNvSpPr>
-          <p:nvPr>
-            <p:ph type="sldNum" sz="quarter" idx="12"/>
-          </p:nvPr>
-        </p:nvSpPr>
-        <p:spPr/>
-        <p:txBody>
-          <a:bodyPr/>
-          <a:lstStyle/>
-          <a:p>
-            <a:fld id="{B8DACC02-A2BD-4578-8E03-6D891060A695}" type="slidenum">
-              <a:rPr lang="en-US" smtClean="0"/>
-              <a:pPr/>
-              <a:t>60</a:t>
-            </a:fld>
-            <a:endParaRPr lang="en-US" dirty="0"/>
-          </a:p>
-        </p:txBody>
-      </p:sp>
-    </p:spTree>
-    <p:extLst>
-      <p:ext uri="{BB962C8B-B14F-4D97-AF65-F5344CB8AC3E}">
-        <p14:creationId xmlns:p14="http://schemas.microsoft.com/office/powerpoint/2010/main" val="3037168298"/>
-      </p:ext>
-    </p:extLst>
-  </p:cSld>
-  <p:clrMapOvr>
-    <a:masterClrMapping/>
-  </p:clrMapOvr>
-</p:sld>
-</file>
-
 <file path=ppt/slides/slide61.xml><?xml version="1.0" encoding="utf-8"?>
 <p:sld xmlns:a="http://schemas.openxmlformats.org/drawingml/2006/main" xmlns:r="http://schemas.openxmlformats.org/officeDocument/2006/relationships" xmlns:p="http://schemas.openxmlformats.org/presentationml/2006/main">
   <p:cSld>
@@ -19404,7 +19442,7 @@
       </p:grpSpPr>
       <p:sp>
         <p:nvSpPr>
-          <p:cNvPr id="2" name="Title 1"/>
+          <p:cNvPr id="5" name="Title 4"/>
           <p:cNvSpPr>
             <a:spLocks noGrp="1"/>
           </p:cNvSpPr>
@@ -19421,6 +19459,25 @@
               <a:rPr lang="en-US" dirty="0"/>
               <a:t>Incubators and Accelerators</a:t>
             </a:r>
+          </a:p>
+        </p:txBody>
+      </p:sp>
+      <p:sp>
+        <p:nvSpPr>
+          <p:cNvPr id="6" name="Text Placeholder 5"/>
+          <p:cNvSpPr>
+            <a:spLocks noGrp="1"/>
+          </p:cNvSpPr>
+          <p:nvPr>
+            <p:ph type="body" idx="1"/>
+          </p:nvPr>
+        </p:nvSpPr>
+        <p:spPr/>
+        <p:txBody>
+          <a:bodyPr/>
+          <a:lstStyle/>
+          <a:p>
+            <a:endParaRPr lang="en-US"/>
           </a:p>
         </p:txBody>
       </p:sp>
@@ -19443,6 +19500,82 @@
               <a:rPr lang="en-US" smtClean="0"/>
               <a:pPr/>
               <a:t>61</a:t>
+            </a:fld>
+            <a:endParaRPr lang="en-US" dirty="0"/>
+          </a:p>
+        </p:txBody>
+      </p:sp>
+    </p:spTree>
+    <p:extLst>
+      <p:ext uri="{BB962C8B-B14F-4D97-AF65-F5344CB8AC3E}">
+        <p14:creationId xmlns:p14="http://schemas.microsoft.com/office/powerpoint/2010/main" val="3037168298"/>
+      </p:ext>
+    </p:extLst>
+  </p:cSld>
+  <p:clrMapOvr>
+    <a:masterClrMapping/>
+  </p:clrMapOvr>
+</p:sld>
+</file>
+
+<file path=ppt/slides/slide62.xml><?xml version="1.0" encoding="utf-8"?>
+<p:sld xmlns:a="http://schemas.openxmlformats.org/drawingml/2006/main" xmlns:r="http://schemas.openxmlformats.org/officeDocument/2006/relationships" xmlns:p="http://schemas.openxmlformats.org/presentationml/2006/main">
+  <p:cSld>
+    <p:spTree>
+      <p:nvGrpSpPr>
+        <p:cNvPr id="1" name=""/>
+        <p:cNvGrpSpPr/>
+        <p:nvPr/>
+      </p:nvGrpSpPr>
+      <p:grpSpPr>
+        <a:xfrm>
+          <a:off x="0" y="0"/>
+          <a:ext cx="0" cy="0"/>
+          <a:chOff x="0" y="0"/>
+          <a:chExt cx="0" cy="0"/>
+        </a:xfrm>
+      </p:grpSpPr>
+      <p:sp>
+        <p:nvSpPr>
+          <p:cNvPr id="2" name="Title 1"/>
+          <p:cNvSpPr>
+            <a:spLocks noGrp="1"/>
+          </p:cNvSpPr>
+          <p:nvPr>
+            <p:ph type="title"/>
+          </p:nvPr>
+        </p:nvSpPr>
+        <p:spPr/>
+        <p:txBody>
+          <a:bodyPr/>
+          <a:lstStyle/>
+          <a:p>
+            <a:r>
+              <a:rPr lang="en-US" dirty="0"/>
+              <a:t>Incubators and Accelerators</a:t>
+            </a:r>
+          </a:p>
+        </p:txBody>
+      </p:sp>
+      <p:sp>
+        <p:nvSpPr>
+          <p:cNvPr id="4" name="Slide Number Placeholder 3"/>
+          <p:cNvSpPr>
+            <a:spLocks noGrp="1"/>
+          </p:cNvSpPr>
+          <p:nvPr>
+            <p:ph type="sldNum" sz="quarter" idx="12"/>
+          </p:nvPr>
+        </p:nvSpPr>
+        <p:spPr/>
+        <p:txBody>
+          <a:bodyPr/>
+          <a:lstStyle/>
+          <a:p>
+            <a:fld id="{B8DACC02-A2BD-4578-8E03-6D891060A695}" type="slidenum">
+              <a:rPr lang="en-US" smtClean="0"/>
+              <a:pPr/>
+              <a:t>62</a:t>
             </a:fld>
             <a:endParaRPr lang="en-US" dirty="0"/>
           </a:p>
@@ -19502,110 +19635,6 @@
 </p:sld>
 </file>
 
-<file path=ppt/slides/slide62.xml><?xml version="1.0" encoding="utf-8"?>
-<p:sld xmlns:a="http://schemas.openxmlformats.org/drawingml/2006/main" xmlns:r="http://schemas.openxmlformats.org/officeDocument/2006/relationships" xmlns:p="http://schemas.openxmlformats.org/presentationml/2006/main">
-  <p:cSld>
-    <p:spTree>
-      <p:nvGrpSpPr>
-        <p:cNvPr id="1" name=""/>
-        <p:cNvGrpSpPr/>
-        <p:nvPr/>
-      </p:nvGrpSpPr>
-      <p:grpSpPr>
-        <a:xfrm>
-          <a:off x="0" y="0"/>
-          <a:ext cx="0" cy="0"/>
-          <a:chOff x="0" y="0"/>
-          <a:chExt cx="0" cy="0"/>
-        </a:xfrm>
-      </p:grpSpPr>
-      <p:sp>
-        <p:nvSpPr>
-          <p:cNvPr id="2" name="Title 1"/>
-          <p:cNvSpPr>
-            <a:spLocks noGrp="1"/>
-          </p:cNvSpPr>
-          <p:nvPr>
-            <p:ph type="title"/>
-          </p:nvPr>
-        </p:nvSpPr>
-        <p:spPr/>
-        <p:txBody>
-          <a:bodyPr/>
-          <a:lstStyle/>
-          <a:p>
-            <a:r>
-              <a:rPr lang="en-US" dirty="0"/>
-              <a:t>Incubators and Accelerators</a:t>
-            </a:r>
-          </a:p>
-        </p:txBody>
-      </p:sp>
-      <p:sp>
-        <p:nvSpPr>
-          <p:cNvPr id="3" name="Content Placeholder 2"/>
-          <p:cNvSpPr>
-            <a:spLocks noGrp="1"/>
-          </p:cNvSpPr>
-          <p:nvPr>
-            <p:ph idx="1"/>
-          </p:nvPr>
-        </p:nvSpPr>
-        <p:spPr/>
-        <p:txBody>
-          <a:bodyPr/>
-          <a:lstStyle/>
-          <a:p>
-            <a:r>
-              <a:rPr lang="en-US" dirty="0"/>
-              <a:t>Incubators and accelerators are programs designed to support early-stage startups and help them grow and succeed.</a:t>
-            </a:r>
-          </a:p>
-          <a:p>
-            <a:r>
-              <a:rPr lang="en-US" dirty="0"/>
-              <a:t>Incubators focus on nurturing startups in their early stages, while accelerators provide a more structured program with a fixed duration and a focus on scaling.</a:t>
-            </a:r>
-          </a:p>
-        </p:txBody>
-      </p:sp>
-      <p:sp>
-        <p:nvSpPr>
-          <p:cNvPr id="4" name="Slide Number Placeholder 3"/>
-          <p:cNvSpPr>
-            <a:spLocks noGrp="1"/>
-          </p:cNvSpPr>
-          <p:nvPr>
-            <p:ph type="sldNum" sz="quarter" idx="12"/>
-          </p:nvPr>
-        </p:nvSpPr>
-        <p:spPr/>
-        <p:txBody>
-          <a:bodyPr/>
-          <a:lstStyle/>
-          <a:p>
-            <a:fld id="{B8DACC02-A2BD-4578-8E03-6D891060A695}" type="slidenum">
-              <a:rPr lang="en-US" smtClean="0"/>
-              <a:pPr/>
-              <a:t>62</a:t>
-            </a:fld>
-            <a:endParaRPr lang="en-US" dirty="0"/>
-          </a:p>
-        </p:txBody>
-      </p:sp>
-    </p:spTree>
-    <p:extLst>
-      <p:ext uri="{BB962C8B-B14F-4D97-AF65-F5344CB8AC3E}">
-        <p14:creationId xmlns:p14="http://schemas.microsoft.com/office/powerpoint/2010/main" val="3389040952"/>
-      </p:ext>
-    </p:extLst>
-  </p:cSld>
-  <p:clrMapOvr>
-    <a:masterClrMapping/>
-  </p:clrMapOvr>
-</p:sld>
-</file>
-
 <file path=ppt/slides/slide63.xml><?xml version="1.0" encoding="utf-8"?>
 <p:sld xmlns:a="http://schemas.openxmlformats.org/drawingml/2006/main" xmlns:r="http://schemas.openxmlformats.org/officeDocument/2006/relationships" xmlns:p="http://schemas.openxmlformats.org/presentationml/2006/main">
   <p:cSld>
@@ -19655,6 +19684,110 @@
             <p:ph idx="1"/>
           </p:nvPr>
         </p:nvSpPr>
+        <p:spPr/>
+        <p:txBody>
+          <a:bodyPr/>
+          <a:lstStyle/>
+          <a:p>
+            <a:r>
+              <a:rPr lang="en-US" dirty="0"/>
+              <a:t>Incubators and accelerators are programs designed to support early-stage startups and help them grow and succeed.</a:t>
+            </a:r>
+          </a:p>
+          <a:p>
+            <a:r>
+              <a:rPr lang="en-US" dirty="0"/>
+              <a:t>Incubators focus on nurturing startups in their early stages, while accelerators provide a more structured program with a fixed duration and a focus on scaling.</a:t>
+            </a:r>
+          </a:p>
+        </p:txBody>
+      </p:sp>
+      <p:sp>
+        <p:nvSpPr>
+          <p:cNvPr id="4" name="Slide Number Placeholder 3"/>
+          <p:cNvSpPr>
+            <a:spLocks noGrp="1"/>
+          </p:cNvSpPr>
+          <p:nvPr>
+            <p:ph type="sldNum" sz="quarter" idx="12"/>
+          </p:nvPr>
+        </p:nvSpPr>
+        <p:spPr/>
+        <p:txBody>
+          <a:bodyPr/>
+          <a:lstStyle/>
+          <a:p>
+            <a:fld id="{B8DACC02-A2BD-4578-8E03-6D891060A695}" type="slidenum">
+              <a:rPr lang="en-US" smtClean="0"/>
+              <a:pPr/>
+              <a:t>63</a:t>
+            </a:fld>
+            <a:endParaRPr lang="en-US" dirty="0"/>
+          </a:p>
+        </p:txBody>
+      </p:sp>
+    </p:spTree>
+    <p:extLst>
+      <p:ext uri="{BB962C8B-B14F-4D97-AF65-F5344CB8AC3E}">
+        <p14:creationId xmlns:p14="http://schemas.microsoft.com/office/powerpoint/2010/main" val="3389040952"/>
+      </p:ext>
+    </p:extLst>
+  </p:cSld>
+  <p:clrMapOvr>
+    <a:masterClrMapping/>
+  </p:clrMapOvr>
+</p:sld>
+</file>
+
+<file path=ppt/slides/slide64.xml><?xml version="1.0" encoding="utf-8"?>
+<p:sld xmlns:a="http://schemas.openxmlformats.org/drawingml/2006/main" xmlns:r="http://schemas.openxmlformats.org/officeDocument/2006/relationships" xmlns:p="http://schemas.openxmlformats.org/presentationml/2006/main">
+  <p:cSld>
+    <p:spTree>
+      <p:nvGrpSpPr>
+        <p:cNvPr id="1" name=""/>
+        <p:cNvGrpSpPr/>
+        <p:nvPr/>
+      </p:nvGrpSpPr>
+      <p:grpSpPr>
+        <a:xfrm>
+          <a:off x="0" y="0"/>
+          <a:ext cx="0" cy="0"/>
+          <a:chOff x="0" y="0"/>
+          <a:chExt cx="0" cy="0"/>
+        </a:xfrm>
+      </p:grpSpPr>
+      <p:sp>
+        <p:nvSpPr>
+          <p:cNvPr id="2" name="Title 1"/>
+          <p:cNvSpPr>
+            <a:spLocks noGrp="1"/>
+          </p:cNvSpPr>
+          <p:nvPr>
+            <p:ph type="title"/>
+          </p:nvPr>
+        </p:nvSpPr>
+        <p:spPr/>
+        <p:txBody>
+          <a:bodyPr/>
+          <a:lstStyle/>
+          <a:p>
+            <a:r>
+              <a:rPr lang="en-US" dirty="0"/>
+              <a:t>Incubators and Accelerators</a:t>
+            </a:r>
+          </a:p>
+        </p:txBody>
+      </p:sp>
+      <p:sp>
+        <p:nvSpPr>
+          <p:cNvPr id="3" name="Content Placeholder 2"/>
+          <p:cNvSpPr>
+            <a:spLocks noGrp="1"/>
+          </p:cNvSpPr>
+          <p:nvPr>
+            <p:ph idx="1"/>
+          </p:nvPr>
+        </p:nvSpPr>
         <p:spPr>
           <a:xfrm>
             <a:off x="347527" y="1406880"/>
@@ -19696,7 +19829,7 @@
             <a:fld id="{B8DACC02-A2BD-4578-8E03-6D891060A695}" type="slidenum">
               <a:rPr lang="en-US" smtClean="0"/>
               <a:pPr/>
-              <a:t>63</a:t>
+              <a:t>64</a:t>
             </a:fld>
             <a:endParaRPr lang="en-US" dirty="0"/>
           </a:p>
@@ -19754,168 +19887,6 @@
 </p:sld>
 </file>
 
-<file path=ppt/slides/slide64.xml><?xml version="1.0" encoding="utf-8"?>
-<p:sld xmlns:a="http://schemas.openxmlformats.org/drawingml/2006/main" xmlns:r="http://schemas.openxmlformats.org/officeDocument/2006/relationships" xmlns:p="http://schemas.openxmlformats.org/presentationml/2006/main">
-  <p:cSld>
-    <p:spTree>
-      <p:nvGrpSpPr>
-        <p:cNvPr id="1" name=""/>
-        <p:cNvGrpSpPr/>
-        <p:nvPr/>
-      </p:nvGrpSpPr>
-      <p:grpSpPr>
-        <a:xfrm>
-          <a:off x="0" y="0"/>
-          <a:ext cx="0" cy="0"/>
-          <a:chOff x="0" y="0"/>
-          <a:chExt cx="0" cy="0"/>
-        </a:xfrm>
-      </p:grpSpPr>
-      <p:sp>
-        <p:nvSpPr>
-          <p:cNvPr id="2" name="Title 1"/>
-          <p:cNvSpPr>
-            <a:spLocks noGrp="1"/>
-          </p:cNvSpPr>
-          <p:nvPr>
-            <p:ph type="title"/>
-          </p:nvPr>
-        </p:nvSpPr>
-        <p:spPr/>
-        <p:txBody>
-          <a:bodyPr/>
-          <a:lstStyle/>
-          <a:p>
-            <a:r>
-              <a:rPr lang="en-US" dirty="0"/>
-              <a:t>Types of Incubators and Accelerators</a:t>
-            </a:r>
-          </a:p>
-        </p:txBody>
-      </p:sp>
-      <p:sp>
-        <p:nvSpPr>
-          <p:cNvPr id="3" name="Content Placeholder 2"/>
-          <p:cNvSpPr>
-            <a:spLocks noGrp="1"/>
-          </p:cNvSpPr>
-          <p:nvPr>
-            <p:ph idx="1"/>
-          </p:nvPr>
-        </p:nvSpPr>
-        <p:spPr/>
-        <p:txBody>
-          <a:bodyPr/>
-          <a:lstStyle/>
-          <a:p>
-            <a:r>
-              <a:rPr lang="en-US" dirty="0"/>
-              <a:t>Incubators:</a:t>
-            </a:r>
-          </a:p>
-          <a:p>
-            <a:pPr lvl="1"/>
-            <a:r>
-              <a:rPr lang="en-US" dirty="0"/>
-              <a:t>University-based incubators</a:t>
-            </a:r>
-          </a:p>
-          <a:p>
-            <a:pPr lvl="1"/>
-            <a:r>
-              <a:rPr lang="en-US" dirty="0"/>
-              <a:t>Independent incubators</a:t>
-            </a:r>
-          </a:p>
-          <a:p>
-            <a:pPr lvl="1"/>
-            <a:r>
-              <a:rPr lang="en-US" dirty="0"/>
-              <a:t>Corporate incubators</a:t>
-            </a:r>
-          </a:p>
-          <a:p>
-            <a:r>
-              <a:rPr lang="en-US" dirty="0"/>
-              <a:t>Accelerators:</a:t>
-            </a:r>
-          </a:p>
-          <a:p>
-            <a:pPr lvl="1"/>
-            <a:r>
-              <a:rPr lang="en-US" dirty="0"/>
-              <a:t>General accelerators</a:t>
-            </a:r>
-          </a:p>
-          <a:p>
-            <a:pPr lvl="1"/>
-            <a:r>
-              <a:rPr lang="en-US" dirty="0"/>
-              <a:t>Sector-specific accelerators (e.g., </a:t>
-            </a:r>
-            <a:r>
-              <a:rPr lang="en-US" dirty="0" err="1"/>
-              <a:t>fintech</a:t>
-            </a:r>
-            <a:r>
-              <a:rPr lang="en-US" dirty="0"/>
-              <a:t>, </a:t>
-            </a:r>
-            <a:r>
-              <a:rPr lang="en-US" dirty="0" err="1"/>
-              <a:t>healthtech</a:t>
-            </a:r>
-            <a:r>
-              <a:rPr lang="en-US" dirty="0"/>
-              <a:t>)</a:t>
-            </a:r>
-          </a:p>
-          <a:p>
-            <a:pPr lvl="1"/>
-            <a:r>
-              <a:rPr lang="en-US" dirty="0"/>
-              <a:t>Corporate accelerators</a:t>
-            </a:r>
-          </a:p>
-        </p:txBody>
-      </p:sp>
-      <p:sp>
-        <p:nvSpPr>
-          <p:cNvPr id="4" name="Slide Number Placeholder 3"/>
-          <p:cNvSpPr>
-            <a:spLocks noGrp="1"/>
-          </p:cNvSpPr>
-          <p:nvPr>
-            <p:ph type="sldNum" sz="quarter" idx="12"/>
-          </p:nvPr>
-        </p:nvSpPr>
-        <p:spPr/>
-        <p:txBody>
-          <a:bodyPr/>
-          <a:lstStyle/>
-          <a:p>
-            <a:fld id="{B8DACC02-A2BD-4578-8E03-6D891060A695}" type="slidenum">
-              <a:rPr lang="en-US" smtClean="0"/>
-              <a:pPr/>
-              <a:t>64</a:t>
-            </a:fld>
-            <a:endParaRPr lang="en-US" dirty="0"/>
-          </a:p>
-        </p:txBody>
-      </p:sp>
-    </p:spTree>
-    <p:extLst>
-      <p:ext uri="{BB962C8B-B14F-4D97-AF65-F5344CB8AC3E}">
-        <p14:creationId xmlns:p14="http://schemas.microsoft.com/office/powerpoint/2010/main" val="566255972"/>
-      </p:ext>
-    </p:extLst>
-  </p:cSld>
-  <p:clrMapOvr>
-    <a:masterClrMapping/>
-  </p:clrMapOvr>
-</p:sld>
-</file>
-
 <file path=ppt/slides/slide65.xml><?xml version="1.0" encoding="utf-8"?>
 <p:sld xmlns:a="http://schemas.openxmlformats.org/drawingml/2006/main" xmlns:r="http://schemas.openxmlformats.org/officeDocument/2006/relationships" xmlns:p="http://schemas.openxmlformats.org/presentationml/2006/main">
   <p:cSld>
@@ -19950,7 +19921,7 @@
           <a:p>
             <a:r>
               <a:rPr lang="en-US" dirty="0"/>
-              <a:t>Benefits of Incubators and Accelerators</a:t>
+              <a:t>Types of Incubators and Accelerators</a:t>
             </a:r>
           </a:p>
         </p:txBody>
@@ -19972,40 +19943,71 @@
           <a:p>
             <a:r>
               <a:rPr lang="en-US" dirty="0"/>
-              <a:t>Access to resources</a:t>
+              <a:t>Incubators:</a:t>
             </a:r>
           </a:p>
           <a:p>
             <a:pPr lvl="1"/>
             <a:r>
               <a:rPr lang="en-US" dirty="0"/>
-              <a:t>Incubators and accelerators provide startups with access to resources such as office space, mentorship, networking opportunities, and funding.</a:t>
-            </a:r>
-          </a:p>
-          <a:p>
-            <a:r>
-              <a:rPr lang="en-US" dirty="0"/>
-              <a:t>Guidance and support</a:t>
+              <a:t>University-based incubators</a:t>
             </a:r>
           </a:p>
           <a:p>
             <a:pPr lvl="1"/>
             <a:r>
               <a:rPr lang="en-US" dirty="0"/>
-              <a:t>Startups receive guidance and support from experienced entrepreneurs, investors, and industry experts.</a:t>
-            </a:r>
-          </a:p>
-          <a:p>
-            <a:r>
-              <a:rPr lang="en-US" dirty="0"/>
-              <a:t>Focus and accountability</a:t>
+              <a:t>Independent incubators</a:t>
             </a:r>
           </a:p>
           <a:p>
             <a:pPr lvl="1"/>
             <a:r>
               <a:rPr lang="en-US" dirty="0"/>
-              <a:t>Incubators and accelerators provide a structured environment that helps startups stay focused and accountable.</a:t>
+              <a:t>Corporate incubators</a:t>
+            </a:r>
+          </a:p>
+          <a:p>
+            <a:r>
+              <a:rPr lang="en-US" dirty="0"/>
+              <a:t>Accelerators:</a:t>
+            </a:r>
+          </a:p>
+          <a:p>
+            <a:pPr lvl="1"/>
+            <a:r>
+              <a:rPr lang="en-US" dirty="0"/>
+              <a:t>General accelerators</a:t>
+            </a:r>
+          </a:p>
+          <a:p>
+            <a:pPr lvl="1"/>
+            <a:r>
+              <a:rPr lang="en-US" dirty="0"/>
+              <a:t>Sector-specific accelerators (e.g., </a:t>
+            </a:r>
+            <a:r>
+              <a:rPr lang="en-US" dirty="0" err="1"/>
+              <a:t>fintech</a:t>
+            </a:r>
+            <a:r>
+              <a:rPr lang="en-US" dirty="0"/>
+              <a:t>, </a:t>
+            </a:r>
+            <a:r>
+              <a:rPr lang="en-US" dirty="0" err="1"/>
+              <a:t>healthtech</a:t>
+            </a:r>
+            <a:r>
+              <a:rPr lang="en-US" dirty="0"/>
+              <a:t>)</a:t>
+            </a:r>
+          </a:p>
+          <a:p>
+            <a:pPr lvl="1"/>
+            <a:r>
+              <a:rPr lang="en-US" dirty="0"/>
+              <a:t>Corporate accelerators</a:t>
             </a:r>
           </a:p>
         </p:txBody>
@@ -20037,7 +20039,7 @@
     </p:spTree>
     <p:extLst>
       <p:ext uri="{BB962C8B-B14F-4D97-AF65-F5344CB8AC3E}">
-        <p14:creationId xmlns:p14="http://schemas.microsoft.com/office/powerpoint/2010/main" val="2619956534"/>
+        <p14:creationId xmlns:p14="http://schemas.microsoft.com/office/powerpoint/2010/main" val="566255972"/>
       </p:ext>
     </p:extLst>
   </p:cSld>
@@ -20081,7 +20083,7 @@
           <a:p>
             <a:r>
               <a:rPr lang="en-US" dirty="0"/>
-              <a:t>Incubator and Accelerator Programs</a:t>
+              <a:t>Benefits of Incubators and Accelerators</a:t>
             </a:r>
           </a:p>
         </p:txBody>
@@ -20098,76 +20100,45 @@
         </p:nvSpPr>
         <p:spPr/>
         <p:txBody>
-          <a:bodyPr>
-            <a:normAutofit/>
-          </a:bodyPr>
-          <a:lstStyle/>
-          <a:p>
-            <a:r>
-              <a:rPr lang="en-US" dirty="0"/>
-              <a:t>Typical programs offered by incubators:</a:t>
+          <a:bodyPr/>
+          <a:lstStyle/>
+          <a:p>
+            <a:r>
+              <a:rPr lang="en-US" dirty="0"/>
+              <a:t>Access to resources</a:t>
             </a:r>
           </a:p>
           <a:p>
             <a:pPr lvl="1"/>
             <a:r>
               <a:rPr lang="en-US" dirty="0"/>
-              <a:t>Business planning and strategy</a:t>
+              <a:t>Incubators and accelerators provide startups with access to resources such as office space, mentorship, networking opportunities, and funding.</a:t>
+            </a:r>
+          </a:p>
+          <a:p>
+            <a:r>
+              <a:rPr lang="en-US" dirty="0"/>
+              <a:t>Guidance and support</a:t>
             </a:r>
           </a:p>
           <a:p>
             <a:pPr lvl="1"/>
             <a:r>
               <a:rPr lang="en-US" dirty="0"/>
-              <a:t>Marketing and branding</a:t>
+              <a:t>Startups receive guidance and support from experienced entrepreneurs, investors, and industry experts.</a:t>
+            </a:r>
+          </a:p>
+          <a:p>
+            <a:r>
+              <a:rPr lang="en-US" dirty="0"/>
+              <a:t>Focus and accountability</a:t>
             </a:r>
           </a:p>
           <a:p>
             <a:pPr lvl="1"/>
             <a:r>
               <a:rPr lang="en-US" dirty="0"/>
-              <a:t>Legal and regulatory compliance</a:t>
-            </a:r>
-          </a:p>
-          <a:p>
-            <a:pPr lvl="1"/>
-            <a:r>
-              <a:rPr lang="en-US" dirty="0"/>
-              <a:t>Access to funding and finance</a:t>
-            </a:r>
-          </a:p>
-          <a:p>
-            <a:r>
-              <a:rPr lang="en-US" dirty="0"/>
-              <a:t>Typical programs offered by accelerators:</a:t>
-            </a:r>
-          </a:p>
-          <a:p>
-            <a:pPr lvl="1"/>
-            <a:r>
-              <a:rPr lang="en-US" dirty="0"/>
-              <a:t>Mentorship and coaching</a:t>
-            </a:r>
-          </a:p>
-          <a:p>
-            <a:pPr lvl="1"/>
-            <a:r>
-              <a:rPr lang="en-US" dirty="0"/>
-              <a:t>Workshops and training sessions</a:t>
-            </a:r>
-          </a:p>
-          <a:p>
-            <a:pPr lvl="1"/>
-            <a:r>
-              <a:rPr lang="en-US" dirty="0"/>
-              <a:t>Pitching and presentation skills</a:t>
-            </a:r>
-          </a:p>
-          <a:p>
-            <a:pPr lvl="1"/>
-            <a:r>
-              <a:rPr lang="en-US" dirty="0"/>
-              <a:t>Access to funding and investors</a:t>
+              <a:t>Incubators and accelerators provide a structured environment that helps startups stay focused and accountable.</a:t>
             </a:r>
           </a:p>
         </p:txBody>
@@ -20191,6 +20162,168 @@
               <a:rPr lang="en-US" smtClean="0"/>
               <a:pPr/>
               <a:t>66</a:t>
+            </a:fld>
+            <a:endParaRPr lang="en-US" dirty="0"/>
+          </a:p>
+        </p:txBody>
+      </p:sp>
+    </p:spTree>
+    <p:extLst>
+      <p:ext uri="{BB962C8B-B14F-4D97-AF65-F5344CB8AC3E}">
+        <p14:creationId xmlns:p14="http://schemas.microsoft.com/office/powerpoint/2010/main" val="2619956534"/>
+      </p:ext>
+    </p:extLst>
+  </p:cSld>
+  <p:clrMapOvr>
+    <a:masterClrMapping/>
+  </p:clrMapOvr>
+</p:sld>
+</file>
+
+<file path=ppt/slides/slide67.xml><?xml version="1.0" encoding="utf-8"?>
+<p:sld xmlns:a="http://schemas.openxmlformats.org/drawingml/2006/main" xmlns:r="http://schemas.openxmlformats.org/officeDocument/2006/relationships" xmlns:p="http://schemas.openxmlformats.org/presentationml/2006/main">
+  <p:cSld>
+    <p:spTree>
+      <p:nvGrpSpPr>
+        <p:cNvPr id="1" name=""/>
+        <p:cNvGrpSpPr/>
+        <p:nvPr/>
+      </p:nvGrpSpPr>
+      <p:grpSpPr>
+        <a:xfrm>
+          <a:off x="0" y="0"/>
+          <a:ext cx="0" cy="0"/>
+          <a:chOff x="0" y="0"/>
+          <a:chExt cx="0" cy="0"/>
+        </a:xfrm>
+      </p:grpSpPr>
+      <p:sp>
+        <p:nvSpPr>
+          <p:cNvPr id="2" name="Title 1"/>
+          <p:cNvSpPr>
+            <a:spLocks noGrp="1"/>
+          </p:cNvSpPr>
+          <p:nvPr>
+            <p:ph type="title"/>
+          </p:nvPr>
+        </p:nvSpPr>
+        <p:spPr/>
+        <p:txBody>
+          <a:bodyPr/>
+          <a:lstStyle/>
+          <a:p>
+            <a:r>
+              <a:rPr lang="en-US" dirty="0"/>
+              <a:t>Incubator and Accelerator Programs</a:t>
+            </a:r>
+          </a:p>
+        </p:txBody>
+      </p:sp>
+      <p:sp>
+        <p:nvSpPr>
+          <p:cNvPr id="3" name="Content Placeholder 2"/>
+          <p:cNvSpPr>
+            <a:spLocks noGrp="1"/>
+          </p:cNvSpPr>
+          <p:nvPr>
+            <p:ph idx="1"/>
+          </p:nvPr>
+        </p:nvSpPr>
+        <p:spPr/>
+        <p:txBody>
+          <a:bodyPr>
+            <a:normAutofit/>
+          </a:bodyPr>
+          <a:lstStyle/>
+          <a:p>
+            <a:r>
+              <a:rPr lang="en-US" dirty="0"/>
+              <a:t>Typical programs offered by incubators:</a:t>
+            </a:r>
+          </a:p>
+          <a:p>
+            <a:pPr lvl="1"/>
+            <a:r>
+              <a:rPr lang="en-US" dirty="0"/>
+              <a:t>Business planning and strategy</a:t>
+            </a:r>
+          </a:p>
+          <a:p>
+            <a:pPr lvl="1"/>
+            <a:r>
+              <a:rPr lang="en-US" dirty="0"/>
+              <a:t>Marketing and branding</a:t>
+            </a:r>
+          </a:p>
+          <a:p>
+            <a:pPr lvl="1"/>
+            <a:r>
+              <a:rPr lang="en-US" dirty="0"/>
+              <a:t>Legal and regulatory compliance</a:t>
+            </a:r>
+          </a:p>
+          <a:p>
+            <a:pPr lvl="1"/>
+            <a:r>
+              <a:rPr lang="en-US" dirty="0"/>
+              <a:t>Access to funding and finance</a:t>
+            </a:r>
+          </a:p>
+          <a:p>
+            <a:r>
+              <a:rPr lang="en-US" dirty="0"/>
+              <a:t>Typical programs offered by accelerators:</a:t>
+            </a:r>
+          </a:p>
+          <a:p>
+            <a:pPr lvl="1"/>
+            <a:r>
+              <a:rPr lang="en-US" dirty="0"/>
+              <a:t>Mentorship and coaching</a:t>
+            </a:r>
+          </a:p>
+          <a:p>
+            <a:pPr lvl="1"/>
+            <a:r>
+              <a:rPr lang="en-US" dirty="0"/>
+              <a:t>Workshops and training sessions</a:t>
+            </a:r>
+          </a:p>
+          <a:p>
+            <a:pPr lvl="1"/>
+            <a:r>
+              <a:rPr lang="en-US" dirty="0"/>
+              <a:t>Pitching and presentation skills</a:t>
+            </a:r>
+          </a:p>
+          <a:p>
+            <a:pPr lvl="1"/>
+            <a:r>
+              <a:rPr lang="en-US" dirty="0"/>
+              <a:t>Access to funding and investors</a:t>
+            </a:r>
+          </a:p>
+        </p:txBody>
+      </p:sp>
+      <p:sp>
+        <p:nvSpPr>
+          <p:cNvPr id="4" name="Slide Number Placeholder 3"/>
+          <p:cNvSpPr>
+            <a:spLocks noGrp="1"/>
+          </p:cNvSpPr>
+          <p:nvPr>
+            <p:ph type="sldNum" sz="quarter" idx="12"/>
+          </p:nvPr>
+        </p:nvSpPr>
+        <p:spPr/>
+        <p:txBody>
+          <a:bodyPr/>
+          <a:lstStyle/>
+          <a:p>
+            <a:fld id="{B8DACC02-A2BD-4578-8E03-6D891060A695}" type="slidenum">
+              <a:rPr lang="en-US" smtClean="0"/>
+              <a:pPr/>
+              <a:t>67</a:t>
             </a:fld>
             <a:endParaRPr lang="en-US" dirty="0"/>
           </a:p>
@@ -20254,189 +20387,6 @@
 </p:sld>
 </file>
 
-<file path=ppt/slides/slide67.xml><?xml version="1.0" encoding="utf-8"?>
-<p:sld xmlns:a="http://schemas.openxmlformats.org/drawingml/2006/main" xmlns:r="http://schemas.openxmlformats.org/officeDocument/2006/relationships" xmlns:p="http://schemas.openxmlformats.org/presentationml/2006/main">
-  <p:cSld>
-    <p:spTree>
-      <p:nvGrpSpPr>
-        <p:cNvPr id="1" name=""/>
-        <p:cNvGrpSpPr/>
-        <p:nvPr/>
-      </p:nvGrpSpPr>
-      <p:grpSpPr>
-        <a:xfrm>
-          <a:off x="0" y="0"/>
-          <a:ext cx="0" cy="0"/>
-          <a:chOff x="0" y="0"/>
-          <a:chExt cx="0" cy="0"/>
-        </a:xfrm>
-      </p:grpSpPr>
-      <p:sp>
-        <p:nvSpPr>
-          <p:cNvPr id="2" name="Title 1">
-            <a:extLst>
-              <a:ext uri="{FF2B5EF4-FFF2-40B4-BE49-F238E27FC236}">
-                <a16:creationId xmlns:a16="http://schemas.microsoft.com/office/drawing/2014/main" id="{3DF41606-56BE-408A-8B5E-5B4AA4DA886B}"/>
-              </a:ext>
-            </a:extLst>
-          </p:cNvPr>
-          <p:cNvSpPr>
-            <a:spLocks noGrp="1"/>
-          </p:cNvSpPr>
-          <p:nvPr>
-            <p:ph type="title"/>
-          </p:nvPr>
-        </p:nvSpPr>
-        <p:spPr/>
-        <p:txBody>
-          <a:bodyPr>
-            <a:normAutofit fontScale="90000"/>
-          </a:bodyPr>
-          <a:lstStyle/>
-          <a:p>
-            <a:r>
-              <a:rPr lang="en-US" dirty="0"/>
-              <a:t>How to Choose the Right Incubator or Accelerator</a:t>
-            </a:r>
-          </a:p>
-        </p:txBody>
-      </p:sp>
-      <p:sp>
-        <p:nvSpPr>
-          <p:cNvPr id="3" name="Content Placeholder 2">
-            <a:extLst>
-              <a:ext uri="{FF2B5EF4-FFF2-40B4-BE49-F238E27FC236}">
-                <a16:creationId xmlns:a16="http://schemas.microsoft.com/office/drawing/2014/main" id="{24CB897F-B6F3-4E42-8264-9C30DC0C1F93}"/>
-              </a:ext>
-            </a:extLst>
-          </p:cNvPr>
-          <p:cNvSpPr>
-            <a:spLocks noGrp="1"/>
-          </p:cNvSpPr>
-          <p:nvPr>
-            <p:ph idx="1"/>
-          </p:nvPr>
-        </p:nvSpPr>
-        <p:spPr/>
-        <p:txBody>
-          <a:bodyPr>
-            <a:normAutofit/>
-          </a:bodyPr>
-          <a:lstStyle/>
-          <a:p>
-            <a:r>
-              <a:rPr lang="en-US" dirty="0"/>
-              <a:t>Factors to Consider:</a:t>
-            </a:r>
-          </a:p>
-          <a:p>
-            <a:pPr lvl="1"/>
-            <a:r>
-              <a:rPr lang="en-US" dirty="0"/>
-              <a:t>Focus</a:t>
-            </a:r>
-          </a:p>
-          <a:p>
-            <a:pPr lvl="1"/>
-            <a:r>
-              <a:rPr lang="en-US" dirty="0"/>
-              <a:t>Location</a:t>
-            </a:r>
-          </a:p>
-          <a:p>
-            <a:pPr lvl="1"/>
-            <a:r>
-              <a:rPr lang="en-US" dirty="0"/>
-              <a:t>Reputation</a:t>
-            </a:r>
-          </a:p>
-          <a:p>
-            <a:pPr lvl="1"/>
-            <a:r>
-              <a:rPr lang="en-US" dirty="0"/>
-              <a:t>Resources</a:t>
-            </a:r>
-          </a:p>
-          <a:p>
-            <a:pPr lvl="1"/>
-            <a:r>
-              <a:rPr lang="en-US" dirty="0"/>
-              <a:t>Mentorship</a:t>
-            </a:r>
-          </a:p>
-          <a:p>
-            <a:pPr lvl="1"/>
-            <a:r>
-              <a:rPr lang="en-US" dirty="0"/>
-              <a:t>Networking</a:t>
-            </a:r>
-          </a:p>
-          <a:p>
-            <a:pPr lvl="1"/>
-            <a:r>
-              <a:rPr lang="en-US" dirty="0"/>
-              <a:t>Funding</a:t>
-            </a:r>
-          </a:p>
-          <a:p>
-            <a:pPr lvl="1"/>
-            <a:r>
-              <a:rPr lang="en-US" dirty="0"/>
-              <a:t>Program duration</a:t>
-            </a:r>
-          </a:p>
-          <a:p>
-            <a:pPr lvl="1"/>
-            <a:r>
-              <a:rPr lang="en-US" dirty="0"/>
-              <a:t>Cost</a:t>
-            </a:r>
-          </a:p>
-        </p:txBody>
-      </p:sp>
-      <p:sp>
-        <p:nvSpPr>
-          <p:cNvPr id="4" name="Slide Number Placeholder 3">
-            <a:extLst>
-              <a:ext uri="{FF2B5EF4-FFF2-40B4-BE49-F238E27FC236}">
-                <a16:creationId xmlns:a16="http://schemas.microsoft.com/office/drawing/2014/main" id="{5223FDB3-FF69-4CA5-B5C8-F6F39A2D6A55}"/>
-              </a:ext>
-            </a:extLst>
-          </p:cNvPr>
-          <p:cNvSpPr>
-            <a:spLocks noGrp="1"/>
-          </p:cNvSpPr>
-          <p:nvPr>
-            <p:ph type="sldNum" sz="quarter" idx="12"/>
-          </p:nvPr>
-        </p:nvSpPr>
-        <p:spPr/>
-        <p:txBody>
-          <a:bodyPr/>
-          <a:lstStyle/>
-          <a:p>
-            <a:fld id="{B8DACC02-A2BD-4578-8E03-6D891060A695}" type="slidenum">
-              <a:rPr lang="en-US" smtClean="0"/>
-              <a:pPr/>
-              <a:t>67</a:t>
-            </a:fld>
-            <a:endParaRPr lang="en-US" dirty="0"/>
-          </a:p>
-        </p:txBody>
-      </p:sp>
-    </p:spTree>
-    <p:extLst>
-      <p:ext uri="{BB962C8B-B14F-4D97-AF65-F5344CB8AC3E}">
-        <p14:creationId xmlns:p14="http://schemas.microsoft.com/office/powerpoint/2010/main" val="3328796608"/>
-      </p:ext>
-    </p:extLst>
-  </p:cSld>
-  <p:clrMapOvr>
-    <a:masterClrMapping/>
-  </p:clrMapOvr>
-</p:sld>
-</file>
-
 <file path=ppt/slides/slide68.xml><?xml version="1.0" encoding="utf-8"?>
 <p:sld xmlns:a="http://schemas.openxmlformats.org/drawingml/2006/main" xmlns:r="http://schemas.openxmlformats.org/officeDocument/2006/relationships" xmlns:p="http://schemas.openxmlformats.org/presentationml/2006/main">
   <p:cSld>
@@ -20503,83 +20453,76 @@
         <p:spPr/>
         <p:txBody>
           <a:bodyPr>
-            <a:normAutofit fontScale="92500"/>
+            <a:normAutofit/>
           </a:bodyPr>
           <a:lstStyle/>
           <a:p>
             <a:r>
               <a:rPr lang="en-US" dirty="0"/>
-              <a:t>Questions to Ask:</a:t>
+              <a:t>Factors to Consider:</a:t>
             </a:r>
           </a:p>
           <a:p>
             <a:pPr lvl="1"/>
             <a:r>
               <a:rPr lang="en-US" dirty="0"/>
-              <a:t>What is the program's focus and mission?</a:t>
+              <a:t>Focus</a:t>
             </a:r>
           </a:p>
           <a:p>
             <a:pPr lvl="1"/>
             <a:r>
               <a:rPr lang="en-US" dirty="0"/>
-              <a:t>What resources does the program offer, and how do they align with my startup's needs?</a:t>
+              <a:t>Location</a:t>
             </a:r>
           </a:p>
           <a:p>
             <a:pPr lvl="1"/>
             <a:r>
               <a:rPr lang="en-US" dirty="0"/>
-              <a:t>What is the reputation of the program, and what success stories can you share?</a:t>
+              <a:t>Reputation</a:t>
             </a:r>
           </a:p>
           <a:p>
             <a:pPr lvl="1"/>
             <a:r>
               <a:rPr lang="en-US" dirty="0"/>
-              <a:t>Who are the mentors and industry experts involved in the program?</a:t>
+              <a:t>Resources</a:t>
             </a:r>
           </a:p>
           <a:p>
             <a:pPr lvl="1"/>
             <a:r>
               <a:rPr lang="en-US" dirty="0"/>
-              <a:t>What networking opportunities does the program offer?</a:t>
+              <a:t>Mentorship</a:t>
             </a:r>
           </a:p>
           <a:p>
             <a:pPr lvl="1"/>
             <a:r>
               <a:rPr lang="en-US" dirty="0"/>
-              <a:t>Does the program provide funding or connections to investors?</a:t>
+              <a:t>Networking</a:t>
             </a:r>
           </a:p>
           <a:p>
             <a:pPr lvl="1"/>
             <a:r>
               <a:rPr lang="en-US" dirty="0"/>
-              <a:t>What is the program's duration, and what milestones can I expect to achieve during that time?</a:t>
+              <a:t>Funding</a:t>
             </a:r>
           </a:p>
           <a:p>
             <a:pPr lvl="1"/>
             <a:r>
               <a:rPr lang="en-US" dirty="0"/>
-              <a:t>What is the cost of participating in the program, and what equity or fees are involved?</a:t>
+              <a:t>Program duration</a:t>
             </a:r>
           </a:p>
           <a:p>
             <a:pPr lvl="1"/>
             <a:r>
               <a:rPr lang="en-US" dirty="0"/>
-              <a:t>How does the program support startups in scaling and growing their business?</a:t>
-            </a:r>
-          </a:p>
-          <a:p>
-            <a:pPr lvl="1"/>
-            <a:r>
-              <a:rPr lang="en-US" dirty="0"/>
-              <a:t>What are the program's expectations for commitment and involvement from startup founders?</a:t>
+              <a:t>Cost</a:t>
             </a:r>
           </a:p>
         </p:txBody>
@@ -20617,7 +20560,7 @@
     </p:spTree>
     <p:extLst>
       <p:ext uri="{BB962C8B-B14F-4D97-AF65-F5344CB8AC3E}">
-        <p14:creationId xmlns:p14="http://schemas.microsoft.com/office/powerpoint/2010/main" val="790029225"/>
+        <p14:creationId xmlns:p14="http://schemas.microsoft.com/office/powerpoint/2010/main" val="3328796608"/>
       </p:ext>
     </p:extLst>
   </p:cSld>
@@ -20693,76 +20636,83 @@
         <p:spPr/>
         <p:txBody>
           <a:bodyPr>
-            <a:normAutofit/>
+            <a:normAutofit fontScale="92500"/>
           </a:bodyPr>
           <a:lstStyle/>
           <a:p>
             <a:r>
               <a:rPr lang="en-US" dirty="0"/>
-              <a:t>Tips for Selecting the Best Incubator or Accelerator:</a:t>
+              <a:t>Questions to Ask:</a:t>
             </a:r>
           </a:p>
           <a:p>
             <a:pPr lvl="1"/>
             <a:r>
               <a:rPr lang="en-US" dirty="0"/>
-              <a:t>Research thoroughly</a:t>
+              <a:t>What is the program's focus and mission?</a:t>
             </a:r>
           </a:p>
           <a:p>
             <a:pPr lvl="1"/>
             <a:r>
               <a:rPr lang="en-US" dirty="0"/>
-              <a:t>Network with other entrepreneurs</a:t>
+              <a:t>What resources does the program offer, and how do they align with my startup's needs?</a:t>
             </a:r>
           </a:p>
           <a:p>
             <a:pPr lvl="1"/>
             <a:r>
               <a:rPr lang="en-US" dirty="0"/>
-              <a:t>Look for a program that fits your stage</a:t>
+              <a:t>What is the reputation of the program, and what success stories can you share?</a:t>
             </a:r>
           </a:p>
           <a:p>
             <a:pPr lvl="1"/>
             <a:r>
               <a:rPr lang="en-US" dirty="0"/>
-              <a:t>Consider the program's investment strategy</a:t>
+              <a:t>Who are the mentors and industry experts involved in the program?</a:t>
             </a:r>
           </a:p>
           <a:p>
             <a:pPr lvl="1"/>
             <a:r>
               <a:rPr lang="en-US" dirty="0"/>
-              <a:t>Evaluate the program's network</a:t>
+              <a:t>What networking opportunities does the program offer?</a:t>
             </a:r>
           </a:p>
           <a:p>
             <a:pPr lvl="1"/>
             <a:r>
               <a:rPr lang="en-US" dirty="0"/>
-              <a:t>Look for a program that offers flexibility</a:t>
+              <a:t>Does the program provide funding or connections to investors?</a:t>
             </a:r>
           </a:p>
           <a:p>
             <a:pPr lvl="1"/>
             <a:r>
               <a:rPr lang="en-US" dirty="0"/>
-              <a:t>Evaluate the program's track record</a:t>
+              <a:t>What is the program's duration, and what milestones can I expect to achieve during that time?</a:t>
             </a:r>
           </a:p>
           <a:p>
             <a:pPr lvl="1"/>
             <a:r>
               <a:rPr lang="en-US" dirty="0"/>
-              <a:t>Look for a program that aligns with your values</a:t>
+              <a:t>What is the cost of participating in the program, and what equity or fees are involved?</a:t>
             </a:r>
           </a:p>
           <a:p>
             <a:pPr lvl="1"/>
             <a:r>
               <a:rPr lang="en-US" dirty="0"/>
-              <a:t>Consider the program's location:</a:t>
+              <a:t>How does the program support startups in scaling and growing their business?</a:t>
+            </a:r>
+          </a:p>
+          <a:p>
+            <a:pPr lvl="1"/>
+            <a:r>
+              <a:rPr lang="en-US" dirty="0"/>
+              <a:t>What are the program's expectations for commitment and involvement from startup founders?</a:t>
             </a:r>
           </a:p>
         </p:txBody>
@@ -20800,7 +20750,7 @@
     </p:spTree>
     <p:extLst>
       <p:ext uri="{BB962C8B-B14F-4D97-AF65-F5344CB8AC3E}">
-        <p14:creationId xmlns:p14="http://schemas.microsoft.com/office/powerpoint/2010/main" val="1007110814"/>
+        <p14:creationId xmlns:p14="http://schemas.microsoft.com/office/powerpoint/2010/main" val="790029225"/>
       </p:ext>
     </p:extLst>
   </p:cSld>
@@ -20844,7 +20794,7 @@
           <a:p>
             <a:r>
               <a:rPr lang="en-US" dirty="0"/>
-              <a:t>Types of Pitches</a:t>
+              <a:t>Introduction to Pitching and Securing Funding</a:t>
             </a:r>
           </a:p>
         </p:txBody>
@@ -20861,54 +20811,18 @@
         </p:nvSpPr>
         <p:spPr/>
         <p:txBody>
-          <a:bodyPr>
-            <a:normAutofit/>
-          </a:bodyPr>
-          <a:lstStyle/>
-          <a:p>
-            <a:r>
-              <a:rPr lang="en-US" dirty="0"/>
-              <a:t>Elevator pitch</a:t>
-            </a:r>
-          </a:p>
-          <a:p>
-            <a:pPr lvl="1"/>
-            <a:r>
-              <a:rPr lang="en-US" dirty="0"/>
-              <a:t>A brief, 30-second to 1-minute pitch that highlights the key aspects of a business idea, often used in informal settings.</a:t>
-            </a:r>
-          </a:p>
-          <a:p>
-            <a:r>
-              <a:rPr lang="en-US" dirty="0"/>
-              <a:t>Pitch deck</a:t>
-            </a:r>
-          </a:p>
-          <a:p>
-            <a:pPr lvl="1"/>
-            <a:r>
-              <a:rPr lang="en-US" dirty="0"/>
-              <a:t>A visual presentation that summarizes a business idea or plan, typically consisting of 10-20 slides, used in formal pitching sessions.</a:t>
-            </a:r>
-          </a:p>
-          <a:p>
-            <a:r>
-              <a:rPr lang="en-US" dirty="0"/>
-              <a:t>Other types of pitches:</a:t>
-            </a:r>
-          </a:p>
-          <a:p>
-            <a:pPr lvl="1"/>
-            <a:r>
-              <a:rPr lang="en-US" dirty="0"/>
-              <a:t>Executive summary</a:t>
-            </a:r>
-          </a:p>
-          <a:p>
-            <a:pPr lvl="1"/>
-            <a:r>
-              <a:rPr lang="en-US" dirty="0"/>
-              <a:t>Business plan</a:t>
+          <a:bodyPr/>
+          <a:lstStyle/>
+          <a:p>
+            <a:r>
+              <a:rPr lang="en-US" dirty="0"/>
+              <a:t>Pitching is the process of presenting a business idea or plan to potential investors or stakeholders to secure funding.</a:t>
+            </a:r>
+          </a:p>
+          <a:p>
+            <a:r>
+              <a:rPr lang="en-US" dirty="0"/>
+              <a:t>Pitching is crucial for securing funding, as it allows entrepreneurs to showcase their idea, team, and vision to investors, and convince them to invest in their business.</a:t>
             </a:r>
           </a:p>
         </p:txBody>
@@ -20939,7 +20853,7 @@
       </p:sp>
       <p:pic>
         <p:nvPicPr>
-          <p:cNvPr id="1026" name="Picture 2" descr="A picture of a person holding a pitch deck,. Image 2 of 4"/>
+          <p:cNvPr id="1026" name="Picture 2" descr="5 Steps To Craft A Memorable, Attention-Grabbing Sales Pitch"/>
           <p:cNvPicPr>
             <a:picLocks noChangeAspect="1" noChangeArrowheads="1"/>
           </p:cNvPicPr>
@@ -20960,8 +20874,8 @@
         </p:blipFill>
         <p:spPr bwMode="auto">
           <a:xfrm>
-            <a:off x="8065998" y="3780800"/>
-            <a:ext cx="2571750" cy="2571751"/>
+            <a:off x="5469960" y="3233773"/>
+            <a:ext cx="5023007" cy="3089150"/>
           </a:xfrm>
           <a:prstGeom prst="rect">
             <a:avLst/>
@@ -20981,7 +20895,7 @@
     </p:spTree>
     <p:extLst>
       <p:ext uri="{BB962C8B-B14F-4D97-AF65-F5344CB8AC3E}">
-        <p14:creationId xmlns:p14="http://schemas.microsoft.com/office/powerpoint/2010/main" val="317722802"/>
+        <p14:creationId xmlns:p14="http://schemas.microsoft.com/office/powerpoint/2010/main" val="1435021623"/>
       </p:ext>
     </p:extLst>
   </p:cSld>
@@ -21010,7 +20924,13 @@
       </p:grpSpPr>
       <p:sp>
         <p:nvSpPr>
-          <p:cNvPr id="2" name="Title 1"/>
+          <p:cNvPr id="2" name="Title 1">
+            <a:extLst>
+              <a:ext uri="{FF2B5EF4-FFF2-40B4-BE49-F238E27FC236}">
+                <a16:creationId xmlns:a16="http://schemas.microsoft.com/office/drawing/2014/main" id="{3DF41606-56BE-408A-8B5E-5B4AA4DA886B}"/>
+              </a:ext>
+            </a:extLst>
+          </p:cNvPr>
           <p:cNvSpPr>
             <a:spLocks noGrp="1"/>
           </p:cNvSpPr>
@@ -21027,14 +20947,20 @@
           <a:p>
             <a:r>
               <a:rPr lang="en-US" dirty="0"/>
-              <a:t>Examples of Successful Incubators and Accelerators</a:t>
-            </a:r>
-          </a:p>
-        </p:txBody>
-      </p:sp>
-      <p:sp>
-        <p:nvSpPr>
-          <p:cNvPr id="3" name="Content Placeholder 2"/>
+              <a:t>How to Choose the Right Incubator or Accelerator</a:t>
+            </a:r>
+          </a:p>
+        </p:txBody>
+      </p:sp>
+      <p:sp>
+        <p:nvSpPr>
+          <p:cNvPr id="3" name="Content Placeholder 2">
+            <a:extLst>
+              <a:ext uri="{FF2B5EF4-FFF2-40B4-BE49-F238E27FC236}">
+                <a16:creationId xmlns:a16="http://schemas.microsoft.com/office/drawing/2014/main" id="{24CB897F-B6F3-4E42-8264-9C30DC0C1F93}"/>
+              </a:ext>
+            </a:extLst>
+          </p:cNvPr>
           <p:cNvSpPr>
             <a:spLocks noGrp="1"/>
           </p:cNvSpPr>
@@ -21044,119 +20970,90 @@
         </p:nvSpPr>
         <p:spPr/>
         <p:txBody>
-          <a:bodyPr/>
-          <a:lstStyle/>
-          <a:p>
-            <a:r>
-              <a:rPr lang="en-US" dirty="0"/>
-              <a:t>Incubators:</a:t>
+          <a:bodyPr>
+            <a:normAutofit/>
+          </a:bodyPr>
+          <a:lstStyle/>
+          <a:p>
+            <a:r>
+              <a:rPr lang="en-US" dirty="0"/>
+              <a:t>Tips for Selecting the Best Incubator or Accelerator:</a:t>
             </a:r>
           </a:p>
           <a:p>
             <a:pPr lvl="1"/>
             <a:r>
               <a:rPr lang="en-US" dirty="0"/>
-              <a:t>Y </a:t>
-            </a:r>
-            <a:r>
-              <a:rPr lang="en-US" dirty="0" err="1"/>
-              <a:t>Combinator</a:t>
-            </a:r>
-            <a:r>
-              <a:rPr lang="en-US" dirty="0"/>
-              <a:t> (Airbnb, Dropbox, </a:t>
-            </a:r>
-            <a:r>
-              <a:rPr lang="en-US" dirty="0" err="1"/>
-              <a:t>Reddit</a:t>
-            </a:r>
-            <a:r>
-              <a:rPr lang="en-US" dirty="0"/>
-              <a:t>)</a:t>
+              <a:t>Research thoroughly</a:t>
             </a:r>
           </a:p>
           <a:p>
             <a:pPr lvl="1"/>
             <a:r>
               <a:rPr lang="en-US" dirty="0"/>
-              <a:t>500 Startups (</a:t>
-            </a:r>
-            <a:r>
-              <a:rPr lang="en-US" dirty="0" err="1"/>
-              <a:t>Twilio</a:t>
-            </a:r>
-            <a:r>
-              <a:rPr lang="en-US" dirty="0"/>
-              <a:t>, </a:t>
-            </a:r>
-            <a:r>
-              <a:rPr lang="en-US" dirty="0" err="1"/>
-              <a:t>SendGrid</a:t>
-            </a:r>
-            <a:r>
-              <a:rPr lang="en-US" dirty="0"/>
-              <a:t>, Intercom)</a:t>
+              <a:t>Network with other entrepreneurs</a:t>
             </a:r>
           </a:p>
           <a:p>
             <a:pPr lvl="1"/>
             <a:r>
-              <a:rPr lang="en-US" dirty="0" err="1"/>
-              <a:t>Techstars</a:t>
-            </a:r>
-            <a:r>
-              <a:rPr lang="en-US" dirty="0"/>
-              <a:t> (</a:t>
-            </a:r>
-            <a:r>
-              <a:rPr lang="en-US" dirty="0" err="1"/>
-              <a:t>SendGrid</a:t>
-            </a:r>
-            <a:r>
-              <a:rPr lang="en-US" dirty="0"/>
-              <a:t>, Sphero, Fitbit)</a:t>
-            </a:r>
-          </a:p>
-          <a:p>
-            <a:r>
-              <a:rPr lang="en-US" dirty="0"/>
-              <a:t>Accelerators:</a:t>
+              <a:rPr lang="en-US" dirty="0"/>
+              <a:t>Look for a program that fits your stage</a:t>
             </a:r>
           </a:p>
           <a:p>
             <a:pPr lvl="1"/>
             <a:r>
-              <a:rPr lang="en-US" dirty="0" err="1"/>
-              <a:t>Accel</a:t>
-            </a:r>
-            <a:r>
-              <a:rPr lang="en-US" dirty="0"/>
-              <a:t> (Dropbox, Facebook, Spotify)</a:t>
+              <a:rPr lang="en-US" dirty="0"/>
+              <a:t>Consider the program's investment strategy</a:t>
             </a:r>
           </a:p>
           <a:p>
             <a:pPr lvl="1"/>
             <a:r>
               <a:rPr lang="en-US" dirty="0"/>
-              <a:t>KPCB (Google, Twitter, Uber)</a:t>
+              <a:t>Evaluate the program's network</a:t>
             </a:r>
           </a:p>
           <a:p>
             <a:pPr lvl="1"/>
             <a:r>
-              <a:rPr lang="en-US" dirty="0" err="1"/>
-              <a:t>Greylock</a:t>
-            </a:r>
-            <a:r>
-              <a:rPr lang="en-US" dirty="0"/>
-              <a:t> (Airbnb, Facebook, LinkedIn)</a:t>
-            </a:r>
-          </a:p>
-        </p:txBody>
-      </p:sp>
-      <p:sp>
-        <p:nvSpPr>
-          <p:cNvPr id="4" name="Slide Number Placeholder 3"/>
+              <a:rPr lang="en-US" dirty="0"/>
+              <a:t>Look for a program that offers flexibility</a:t>
+            </a:r>
+          </a:p>
+          <a:p>
+            <a:pPr lvl="1"/>
+            <a:r>
+              <a:rPr lang="en-US" dirty="0"/>
+              <a:t>Evaluate the program's track record</a:t>
+            </a:r>
+          </a:p>
+          <a:p>
+            <a:pPr lvl="1"/>
+            <a:r>
+              <a:rPr lang="en-US" dirty="0"/>
+              <a:t>Look for a program that aligns with your values</a:t>
+            </a:r>
+          </a:p>
+          <a:p>
+            <a:pPr lvl="1"/>
+            <a:r>
+              <a:rPr lang="en-US" dirty="0"/>
+              <a:t>Consider the program's location:</a:t>
+            </a:r>
+          </a:p>
+        </p:txBody>
+      </p:sp>
+      <p:sp>
+        <p:nvSpPr>
+          <p:cNvPr id="4" name="Slide Number Placeholder 3">
+            <a:extLst>
+              <a:ext uri="{FF2B5EF4-FFF2-40B4-BE49-F238E27FC236}">
+                <a16:creationId xmlns:a16="http://schemas.microsoft.com/office/drawing/2014/main" id="{5223FDB3-FF69-4CA5-B5C8-F6F39A2D6A55}"/>
+              </a:ext>
+            </a:extLst>
+          </p:cNvPr>
           <p:cNvSpPr>
             <a:spLocks noGrp="1"/>
           </p:cNvSpPr>
@@ -21181,7 +21078,7 @@
     </p:spTree>
     <p:extLst>
       <p:ext uri="{BB962C8B-B14F-4D97-AF65-F5344CB8AC3E}">
-        <p14:creationId xmlns:p14="http://schemas.microsoft.com/office/powerpoint/2010/main" val="1967487476"/>
+        <p14:creationId xmlns:p14="http://schemas.microsoft.com/office/powerpoint/2010/main" val="1007110814"/>
       </p:ext>
     </p:extLst>
   </p:cSld>
@@ -21220,12 +21117,14 @@
         </p:nvSpPr>
         <p:spPr/>
         <p:txBody>
-          <a:bodyPr/>
-          <a:lstStyle/>
-          <a:p>
-            <a:r>
-              <a:rPr lang="en-US" dirty="0"/>
-              <a:t>Saudi Incubators and Accelerators </a:t>
+          <a:bodyPr>
+            <a:normAutofit fontScale="90000"/>
+          </a:bodyPr>
+          <a:lstStyle/>
+          <a:p>
+            <a:r>
+              <a:rPr lang="en-US" dirty="0"/>
+              <a:t>Examples of Successful Incubators and Accelerators</a:t>
             </a:r>
           </a:p>
         </p:txBody>
@@ -21242,166 +21141,112 @@
         </p:nvSpPr>
         <p:spPr/>
         <p:txBody>
-          <a:bodyPr numCol="2">
-            <a:normAutofit/>
-          </a:bodyPr>
-          <a:lstStyle/>
-          <a:p>
-            <a:pPr>
-              <a:lnSpc>
-                <a:spcPct val="100000"/>
-              </a:lnSpc>
-            </a:pPr>
-            <a:r>
-              <a:rPr lang="en-US" dirty="0"/>
-              <a:t>9/10ths</a:t>
-            </a:r>
-          </a:p>
-          <a:p>
-            <a:pPr>
-              <a:lnSpc>
-                <a:spcPct val="100000"/>
-              </a:lnSpc>
-            </a:pPr>
-            <a:r>
-              <a:rPr lang="en-US" dirty="0"/>
-              <a:t>KAUST Innovation Fund</a:t>
-            </a:r>
-          </a:p>
-          <a:p>
-            <a:pPr>
-              <a:lnSpc>
-                <a:spcPct val="100000"/>
-              </a:lnSpc>
-            </a:pPr>
-            <a:r>
-              <a:rPr lang="en-US" dirty="0"/>
-              <a:t>Riyadh Valley Company</a:t>
-            </a:r>
-          </a:p>
-          <a:p>
-            <a:pPr>
-              <a:lnSpc>
-                <a:spcPct val="100000"/>
-              </a:lnSpc>
-            </a:pPr>
-            <a:r>
-              <a:rPr lang="en-US" dirty="0"/>
-              <a:t>Business Incubators and Accelerators Company</a:t>
-            </a:r>
-          </a:p>
-          <a:p>
-            <a:pPr>
-              <a:lnSpc>
-                <a:spcPct val="100000"/>
-              </a:lnSpc>
-            </a:pPr>
+          <a:bodyPr/>
+          <a:lstStyle/>
+          <a:p>
+            <a:r>
+              <a:rPr lang="en-US" dirty="0"/>
+              <a:t>Incubators:</a:t>
+            </a:r>
+          </a:p>
+          <a:p>
+            <a:pPr lvl="1"/>
+            <a:r>
+              <a:rPr lang="en-US" dirty="0"/>
+              <a:t>Y </a:t>
+            </a:r>
             <a:r>
               <a:rPr lang="en-US" dirty="0" err="1"/>
-              <a:t>Taqadam</a:t>
-            </a:r>
-            <a:endParaRPr lang="en-US" dirty="0"/>
-          </a:p>
-          <a:p>
-            <a:pPr>
-              <a:lnSpc>
-                <a:spcPct val="100000"/>
-              </a:lnSpc>
-            </a:pPr>
+              <a:t>Combinator</a:t>
+            </a:r>
+            <a:r>
+              <a:rPr lang="en-US" dirty="0"/>
+              <a:t> (Airbnb, Dropbox, </a:t>
+            </a:r>
             <a:r>
               <a:rPr lang="en-US" dirty="0" err="1"/>
-              <a:t>Badir</a:t>
-            </a:r>
-            <a:r>
-              <a:rPr lang="en-US" dirty="0"/>
-              <a:t> Program</a:t>
-            </a:r>
-          </a:p>
-          <a:p>
-            <a:pPr>
-              <a:lnSpc>
-                <a:spcPct val="100000"/>
-              </a:lnSpc>
-            </a:pPr>
-            <a:endParaRPr lang="en-US" dirty="0"/>
-          </a:p>
-          <a:p>
-            <a:pPr>
-              <a:lnSpc>
-                <a:spcPct val="100000"/>
-              </a:lnSpc>
-            </a:pPr>
+              <a:t>Reddit</a:t>
+            </a:r>
+            <a:r>
+              <a:rPr lang="en-US" dirty="0"/>
+              <a:t>)</a:t>
+            </a:r>
+          </a:p>
+          <a:p>
+            <a:pPr lvl="1"/>
+            <a:r>
+              <a:rPr lang="en-US" dirty="0"/>
+              <a:t>500 Startups (</a:t>
+            </a:r>
             <a:r>
               <a:rPr lang="en-US" dirty="0" err="1"/>
-              <a:t>Falak</a:t>
-            </a:r>
-            <a:r>
-              <a:rPr lang="en-US" dirty="0"/>
-              <a:t> Business Hub</a:t>
-            </a:r>
-          </a:p>
-          <a:p>
-            <a:pPr>
-              <a:lnSpc>
-                <a:spcPct val="100000"/>
-              </a:lnSpc>
-            </a:pPr>
+              <a:t>Twilio</a:t>
+            </a:r>
+            <a:r>
+              <a:rPr lang="en-US" dirty="0"/>
+              <a:t>, </a:t>
+            </a:r>
             <a:r>
               <a:rPr lang="en-US" dirty="0" err="1"/>
-              <a:t>Nomow</a:t>
-            </a:r>
-            <a:r>
-              <a:rPr lang="en-US" dirty="0"/>
-              <a:t> Incubator</a:t>
-            </a:r>
-          </a:p>
-          <a:p>
-            <a:pPr>
-              <a:lnSpc>
-                <a:spcPct val="100000"/>
-              </a:lnSpc>
-            </a:pPr>
-            <a:r>
-              <a:rPr lang="en-US" dirty="0"/>
-              <a:t>SURE International Technology</a:t>
-            </a:r>
-          </a:p>
-          <a:p>
-            <a:pPr>
-              <a:lnSpc>
-                <a:spcPct val="100000"/>
-              </a:lnSpc>
-            </a:pPr>
-            <a:r>
-              <a:rPr lang="en-US" dirty="0"/>
-              <a:t>Startups House</a:t>
-            </a:r>
-          </a:p>
-          <a:p>
-            <a:pPr>
-              <a:lnSpc>
-                <a:spcPct val="100000"/>
-              </a:lnSpc>
-            </a:pPr>
+              <a:t>SendGrid</a:t>
+            </a:r>
+            <a:r>
+              <a:rPr lang="en-US" dirty="0"/>
+              <a:t>, Intercom)</a:t>
+            </a:r>
+          </a:p>
+          <a:p>
+            <a:pPr lvl="1"/>
             <a:r>
               <a:rPr lang="en-US" dirty="0" err="1"/>
-              <a:t>Wa'ed</a:t>
-            </a:r>
-            <a:endParaRPr lang="en-US" dirty="0"/>
-          </a:p>
-          <a:p>
-            <a:pPr>
-              <a:lnSpc>
-                <a:spcPct val="100000"/>
-              </a:lnSpc>
-            </a:pPr>
+              <a:t>Techstars</a:t>
+            </a:r>
+            <a:r>
+              <a:rPr lang="en-US" dirty="0"/>
+              <a:t> (</a:t>
+            </a:r>
             <a:r>
               <a:rPr lang="en-US" dirty="0" err="1"/>
-              <a:t>Wadi</a:t>
-            </a:r>
-            <a:r>
-              <a:rPr lang="en-US" dirty="0"/>
-              <a:t> Makkah</a:t>
+              <a:t>SendGrid</a:t>
+            </a:r>
+            <a:r>
+              <a:rPr lang="en-US" dirty="0"/>
+              <a:t>, Sphero, Fitbit)</a:t>
+            </a:r>
+          </a:p>
+          <a:p>
+            <a:r>
+              <a:rPr lang="en-US" dirty="0"/>
+              <a:t>Accelerators:</a:t>
+            </a:r>
+          </a:p>
+          <a:p>
+            <a:pPr lvl="1"/>
+            <a:r>
+              <a:rPr lang="en-US" dirty="0" err="1"/>
+              <a:t>Accel</a:t>
+            </a:r>
+            <a:r>
+              <a:rPr lang="en-US" dirty="0"/>
+              <a:t> (Dropbox, Facebook, Spotify)</a:t>
+            </a:r>
+          </a:p>
+          <a:p>
+            <a:pPr lvl="1"/>
+            <a:r>
+              <a:rPr lang="en-US" dirty="0"/>
+              <a:t>KPCB (Google, Twitter, Uber)</a:t>
+            </a:r>
+          </a:p>
+          <a:p>
+            <a:pPr lvl="1"/>
+            <a:r>
+              <a:rPr lang="en-US" dirty="0" err="1"/>
+              <a:t>Greylock</a:t>
+            </a:r>
+            <a:r>
+              <a:rPr lang="en-US" dirty="0"/>
+              <a:t> (Airbnb, Facebook, LinkedIn)</a:t>
             </a:r>
           </a:p>
         </p:txBody>
@@ -21433,7 +21278,7 @@
     </p:spTree>
     <p:extLst>
       <p:ext uri="{BB962C8B-B14F-4D97-AF65-F5344CB8AC3E}">
-        <p14:creationId xmlns:p14="http://schemas.microsoft.com/office/powerpoint/2010/main" val="369944038"/>
+        <p14:creationId xmlns:p14="http://schemas.microsoft.com/office/powerpoint/2010/main" val="1967487476"/>
       </p:ext>
     </p:extLst>
   </p:cSld>
@@ -21462,6 +21307,258 @@
       </p:grpSpPr>
       <p:sp>
         <p:nvSpPr>
+          <p:cNvPr id="2" name="Title 1"/>
+          <p:cNvSpPr>
+            <a:spLocks noGrp="1"/>
+          </p:cNvSpPr>
+          <p:nvPr>
+            <p:ph type="title"/>
+          </p:nvPr>
+        </p:nvSpPr>
+        <p:spPr/>
+        <p:txBody>
+          <a:bodyPr/>
+          <a:lstStyle/>
+          <a:p>
+            <a:r>
+              <a:rPr lang="en-US" dirty="0"/>
+              <a:t>Saudi Incubators and Accelerators </a:t>
+            </a:r>
+          </a:p>
+        </p:txBody>
+      </p:sp>
+      <p:sp>
+        <p:nvSpPr>
+          <p:cNvPr id="3" name="Content Placeholder 2"/>
+          <p:cNvSpPr>
+            <a:spLocks noGrp="1"/>
+          </p:cNvSpPr>
+          <p:nvPr>
+            <p:ph idx="1"/>
+          </p:nvPr>
+        </p:nvSpPr>
+        <p:spPr/>
+        <p:txBody>
+          <a:bodyPr numCol="2">
+            <a:normAutofit/>
+          </a:bodyPr>
+          <a:lstStyle/>
+          <a:p>
+            <a:pPr>
+              <a:lnSpc>
+                <a:spcPct val="100000"/>
+              </a:lnSpc>
+            </a:pPr>
+            <a:r>
+              <a:rPr lang="en-US" dirty="0"/>
+              <a:t>9/10ths</a:t>
+            </a:r>
+          </a:p>
+          <a:p>
+            <a:pPr>
+              <a:lnSpc>
+                <a:spcPct val="100000"/>
+              </a:lnSpc>
+            </a:pPr>
+            <a:r>
+              <a:rPr lang="en-US" dirty="0"/>
+              <a:t>KAUST Innovation Fund</a:t>
+            </a:r>
+          </a:p>
+          <a:p>
+            <a:pPr>
+              <a:lnSpc>
+                <a:spcPct val="100000"/>
+              </a:lnSpc>
+            </a:pPr>
+            <a:r>
+              <a:rPr lang="en-US" dirty="0"/>
+              <a:t>Riyadh Valley Company</a:t>
+            </a:r>
+          </a:p>
+          <a:p>
+            <a:pPr>
+              <a:lnSpc>
+                <a:spcPct val="100000"/>
+              </a:lnSpc>
+            </a:pPr>
+            <a:r>
+              <a:rPr lang="en-US" dirty="0"/>
+              <a:t>Business Incubators and Accelerators Company</a:t>
+            </a:r>
+          </a:p>
+          <a:p>
+            <a:pPr>
+              <a:lnSpc>
+                <a:spcPct val="100000"/>
+              </a:lnSpc>
+            </a:pPr>
+            <a:r>
+              <a:rPr lang="en-US" dirty="0" err="1"/>
+              <a:t>Taqadam</a:t>
+            </a:r>
+            <a:endParaRPr lang="en-US" dirty="0"/>
+          </a:p>
+          <a:p>
+            <a:pPr>
+              <a:lnSpc>
+                <a:spcPct val="100000"/>
+              </a:lnSpc>
+            </a:pPr>
+            <a:r>
+              <a:rPr lang="en-US" dirty="0" err="1"/>
+              <a:t>Badir</a:t>
+            </a:r>
+            <a:r>
+              <a:rPr lang="en-US" dirty="0"/>
+              <a:t> Program</a:t>
+            </a:r>
+          </a:p>
+          <a:p>
+            <a:pPr>
+              <a:lnSpc>
+                <a:spcPct val="100000"/>
+              </a:lnSpc>
+            </a:pPr>
+            <a:endParaRPr lang="en-US" dirty="0"/>
+          </a:p>
+          <a:p>
+            <a:pPr>
+              <a:lnSpc>
+                <a:spcPct val="100000"/>
+              </a:lnSpc>
+            </a:pPr>
+            <a:r>
+              <a:rPr lang="en-US" dirty="0" err="1"/>
+              <a:t>Falak</a:t>
+            </a:r>
+            <a:r>
+              <a:rPr lang="en-US" dirty="0"/>
+              <a:t> Business Hub</a:t>
+            </a:r>
+          </a:p>
+          <a:p>
+            <a:pPr>
+              <a:lnSpc>
+                <a:spcPct val="100000"/>
+              </a:lnSpc>
+            </a:pPr>
+            <a:r>
+              <a:rPr lang="en-US" dirty="0" err="1"/>
+              <a:t>Nomow</a:t>
+            </a:r>
+            <a:r>
+              <a:rPr lang="en-US" dirty="0"/>
+              <a:t> Incubator</a:t>
+            </a:r>
+          </a:p>
+          <a:p>
+            <a:pPr>
+              <a:lnSpc>
+                <a:spcPct val="100000"/>
+              </a:lnSpc>
+            </a:pPr>
+            <a:r>
+              <a:rPr lang="en-US" dirty="0"/>
+              <a:t>SURE International Technology</a:t>
+            </a:r>
+          </a:p>
+          <a:p>
+            <a:pPr>
+              <a:lnSpc>
+                <a:spcPct val="100000"/>
+              </a:lnSpc>
+            </a:pPr>
+            <a:r>
+              <a:rPr lang="en-US" dirty="0"/>
+              <a:t>Startups House</a:t>
+            </a:r>
+          </a:p>
+          <a:p>
+            <a:pPr>
+              <a:lnSpc>
+                <a:spcPct val="100000"/>
+              </a:lnSpc>
+            </a:pPr>
+            <a:r>
+              <a:rPr lang="en-US" dirty="0" err="1"/>
+              <a:t>Wa'ed</a:t>
+            </a:r>
+            <a:endParaRPr lang="en-US" dirty="0"/>
+          </a:p>
+          <a:p>
+            <a:pPr>
+              <a:lnSpc>
+                <a:spcPct val="100000"/>
+              </a:lnSpc>
+            </a:pPr>
+            <a:r>
+              <a:rPr lang="en-US" dirty="0" err="1"/>
+              <a:t>Wadi</a:t>
+            </a:r>
+            <a:r>
+              <a:rPr lang="en-US" dirty="0"/>
+              <a:t> Makkah</a:t>
+            </a:r>
+          </a:p>
+        </p:txBody>
+      </p:sp>
+      <p:sp>
+        <p:nvSpPr>
+          <p:cNvPr id="4" name="Slide Number Placeholder 3"/>
+          <p:cNvSpPr>
+            <a:spLocks noGrp="1"/>
+          </p:cNvSpPr>
+          <p:nvPr>
+            <p:ph type="sldNum" sz="quarter" idx="12"/>
+          </p:nvPr>
+        </p:nvSpPr>
+        <p:spPr/>
+        <p:txBody>
+          <a:bodyPr/>
+          <a:lstStyle/>
+          <a:p>
+            <a:fld id="{B8DACC02-A2BD-4578-8E03-6D891060A695}" type="slidenum">
+              <a:rPr lang="en-US" smtClean="0"/>
+              <a:pPr/>
+              <a:t>72</a:t>
+            </a:fld>
+            <a:endParaRPr lang="en-US" dirty="0"/>
+          </a:p>
+        </p:txBody>
+      </p:sp>
+    </p:spTree>
+    <p:extLst>
+      <p:ext uri="{BB962C8B-B14F-4D97-AF65-F5344CB8AC3E}">
+        <p14:creationId xmlns:p14="http://schemas.microsoft.com/office/powerpoint/2010/main" val="369944038"/>
+      </p:ext>
+    </p:extLst>
+  </p:cSld>
+  <p:clrMapOvr>
+    <a:masterClrMapping/>
+  </p:clrMapOvr>
+</p:sld>
+</file>
+
+<file path=ppt/slides/slide73.xml><?xml version="1.0" encoding="utf-8"?>
+<p:sld xmlns:a="http://schemas.openxmlformats.org/drawingml/2006/main" xmlns:r="http://schemas.openxmlformats.org/officeDocument/2006/relationships" xmlns:p="http://schemas.openxmlformats.org/presentationml/2006/main">
+  <p:cSld>
+    <p:spTree>
+      <p:nvGrpSpPr>
+        <p:cNvPr id="1" name=""/>
+        <p:cNvGrpSpPr/>
+        <p:nvPr/>
+      </p:nvGrpSpPr>
+      <p:grpSpPr>
+        <a:xfrm>
+          <a:off x="0" y="0"/>
+          <a:ext cx="0" cy="0"/>
+          <a:chOff x="0" y="0"/>
+          <a:chExt cx="0" cy="0"/>
+        </a:xfrm>
+      </p:grpSpPr>
+      <p:sp>
+        <p:nvSpPr>
           <p:cNvPr id="2" name="Title 1">
             <a:extLst>
               <a:ext uri="{FF2B5EF4-FFF2-40B4-BE49-F238E27FC236}">
@@ -21550,7 +21647,7 @@
             <a:fld id="{B8DACC02-A2BD-4578-8E03-6D891060A695}" type="slidenum">
               <a:rPr lang="en-US" smtClean="0"/>
               <a:pPr/>
-              <a:t>72</a:t>
+              <a:t>73</a:t>
             </a:fld>
             <a:endParaRPr lang="en-US" dirty="0"/>
           </a:p>
@@ -21616,187 +21713,6 @@
 </p:sld>
 </file>
 
-<file path=ppt/slides/slide73.xml><?xml version="1.0" encoding="utf-8"?>
-<p:sld xmlns:a="http://schemas.openxmlformats.org/drawingml/2006/main" xmlns:r="http://schemas.openxmlformats.org/officeDocument/2006/relationships" xmlns:p="http://schemas.openxmlformats.org/presentationml/2006/main">
-  <p:cSld>
-    <p:spTree>
-      <p:nvGrpSpPr>
-        <p:cNvPr id="1" name=""/>
-        <p:cNvGrpSpPr/>
-        <p:nvPr/>
-      </p:nvGrpSpPr>
-      <p:grpSpPr>
-        <a:xfrm>
-          <a:off x="0" y="0"/>
-          <a:ext cx="0" cy="0"/>
-          <a:chOff x="0" y="0"/>
-          <a:chExt cx="0" cy="0"/>
-        </a:xfrm>
-      </p:grpSpPr>
-      <p:sp>
-        <p:nvSpPr>
-          <p:cNvPr id="2" name="Title 1">
-            <a:extLst>
-              <a:ext uri="{FF2B5EF4-FFF2-40B4-BE49-F238E27FC236}">
-                <a16:creationId xmlns:a16="http://schemas.microsoft.com/office/drawing/2014/main" id="{3565114E-50F8-4B7E-9238-56348CEDBD58}"/>
-              </a:ext>
-            </a:extLst>
-          </p:cNvPr>
-          <p:cNvSpPr>
-            <a:spLocks noGrp="1"/>
-          </p:cNvSpPr>
-          <p:nvPr>
-            <p:ph type="title"/>
-          </p:nvPr>
-        </p:nvSpPr>
-        <p:spPr/>
-        <p:txBody>
-          <a:bodyPr/>
-          <a:lstStyle/>
-          <a:p>
-            <a:r>
-              <a:rPr lang="en-US" dirty="0" err="1"/>
-              <a:t>ArabiaWeather</a:t>
-            </a:r>
-            <a:endParaRPr lang="en-US" dirty="0"/>
-          </a:p>
-        </p:txBody>
-      </p:sp>
-      <p:sp>
-        <p:nvSpPr>
-          <p:cNvPr id="3" name="Content Placeholder 2">
-            <a:extLst>
-              <a:ext uri="{FF2B5EF4-FFF2-40B4-BE49-F238E27FC236}">
-                <a16:creationId xmlns:a16="http://schemas.microsoft.com/office/drawing/2014/main" id="{9DB0820E-91AD-4DEC-ACD4-594C000D7F00}"/>
-              </a:ext>
-            </a:extLst>
-          </p:cNvPr>
-          <p:cNvSpPr>
-            <a:spLocks noGrp="1"/>
-          </p:cNvSpPr>
-          <p:nvPr>
-            <p:ph idx="1"/>
-          </p:nvPr>
-        </p:nvSpPr>
-        <p:spPr/>
-        <p:txBody>
-          <a:bodyPr>
-            <a:normAutofit/>
-          </a:bodyPr>
-          <a:lstStyle/>
-          <a:p>
-            <a:r>
-              <a:rPr lang="en-US" dirty="0"/>
-              <a:t>Incubator/Accelerator: </a:t>
-            </a:r>
-            <a:r>
-              <a:rPr lang="en-US" dirty="0" err="1"/>
-              <a:t>Badir</a:t>
-            </a:r>
-            <a:r>
-              <a:rPr lang="en-US" dirty="0"/>
-              <a:t> Program</a:t>
-            </a:r>
-          </a:p>
-          <a:p>
-            <a:pPr lvl="1"/>
-            <a:r>
-              <a:rPr lang="en-US" dirty="0" err="1"/>
-              <a:t>ArabiaWeather</a:t>
-            </a:r>
-            <a:r>
-              <a:rPr lang="en-US" dirty="0"/>
-              <a:t> was incubated at the </a:t>
-            </a:r>
-            <a:r>
-              <a:rPr lang="en-US" dirty="0" err="1"/>
-              <a:t>Badir</a:t>
-            </a:r>
-            <a:r>
-              <a:rPr lang="en-US" dirty="0"/>
-              <a:t> Program</a:t>
-            </a:r>
-          </a:p>
-          <a:p>
-            <a:pPr lvl="1"/>
-            <a:r>
-              <a:rPr lang="en-US" dirty="0" err="1"/>
-              <a:t>Badir</a:t>
-            </a:r>
-            <a:r>
-              <a:rPr lang="en-US" dirty="0"/>
-              <a:t> Program provided access to resources, mentorship, and funding.</a:t>
-            </a:r>
-          </a:p>
-          <a:p>
-            <a:r>
-              <a:rPr lang="en-US" dirty="0"/>
-              <a:t>Impact:</a:t>
-            </a:r>
-          </a:p>
-          <a:p>
-            <a:pPr lvl="1"/>
-            <a:r>
-              <a:rPr lang="en-US" dirty="0" err="1"/>
-              <a:t>ArabiaWeather's</a:t>
-            </a:r>
-            <a:r>
-              <a:rPr lang="en-US" dirty="0"/>
-              <a:t> has raised over $10 million in funding from investors, including a $5 million Series A round led by Saudi Arabia's National Technology Development Program.</a:t>
-            </a:r>
-          </a:p>
-          <a:p>
-            <a:pPr lvl="1"/>
-            <a:r>
-              <a:rPr lang="en-US" dirty="0"/>
-              <a:t>The platform has helped to raise awareness about environmental issues and promote sustainability, and it has also provided critical weather forecasting services to help protect people and property during extreme weather events.</a:t>
-            </a:r>
-          </a:p>
-        </p:txBody>
-      </p:sp>
-      <p:sp>
-        <p:nvSpPr>
-          <p:cNvPr id="4" name="Slide Number Placeholder 3">
-            <a:extLst>
-              <a:ext uri="{FF2B5EF4-FFF2-40B4-BE49-F238E27FC236}">
-                <a16:creationId xmlns:a16="http://schemas.microsoft.com/office/drawing/2014/main" id="{636096EC-BC9B-4D28-BE28-8CAF60109283}"/>
-              </a:ext>
-            </a:extLst>
-          </p:cNvPr>
-          <p:cNvSpPr>
-            <a:spLocks noGrp="1"/>
-          </p:cNvSpPr>
-          <p:nvPr>
-            <p:ph type="sldNum" sz="quarter" idx="12"/>
-          </p:nvPr>
-        </p:nvSpPr>
-        <p:spPr/>
-        <p:txBody>
-          <a:bodyPr/>
-          <a:lstStyle/>
-          <a:p>
-            <a:fld id="{B8DACC02-A2BD-4578-8E03-6D891060A695}" type="slidenum">
-              <a:rPr lang="en-US" smtClean="0"/>
-              <a:pPr/>
-              <a:t>73</a:t>
-            </a:fld>
-            <a:endParaRPr lang="en-US" dirty="0"/>
-          </a:p>
-        </p:txBody>
-      </p:sp>
-    </p:spTree>
-    <p:extLst>
-      <p:ext uri="{BB962C8B-B14F-4D97-AF65-F5344CB8AC3E}">
-        <p14:creationId xmlns:p14="http://schemas.microsoft.com/office/powerpoint/2010/main" val="3288180178"/>
-      </p:ext>
-    </p:extLst>
-  </p:cSld>
-  <p:clrMapOvr>
-    <a:masterClrMapping/>
-  </p:clrMapOvr>
-</p:sld>
-</file>
-
 <file path=ppt/slides/slide74.xml><?xml version="1.0" encoding="utf-8"?>
 <p:sld xmlns:a="http://schemas.openxmlformats.org/drawingml/2006/main" xmlns:r="http://schemas.openxmlformats.org/officeDocument/2006/relationships" xmlns:p="http://schemas.openxmlformats.org/presentationml/2006/main">
   <p:cSld>
@@ -21868,35 +21784,69 @@
           <a:p>
             <a:r>
               <a:rPr lang="en-US" dirty="0"/>
-              <a:t>Lessons Learned:</a:t>
+              <a:t>Incubator/Accelerator: </a:t>
+            </a:r>
+            <a:r>
+              <a:rPr lang="en-US" dirty="0" err="1"/>
+              <a:t>Badir</a:t>
+            </a:r>
+            <a:r>
+              <a:rPr lang="en-US" dirty="0"/>
+              <a:t> Program</a:t>
             </a:r>
           </a:p>
           <a:p>
             <a:pPr lvl="1"/>
             <a:r>
-              <a:rPr lang="en-US" dirty="0"/>
-              <a:t>It highlights the importance of incubators and accelerators in supporting early-stage startups. </a:t>
+              <a:rPr lang="en-US" dirty="0" err="1"/>
+              <a:t>ArabiaWeather</a:t>
+            </a:r>
+            <a:r>
+              <a:rPr lang="en-US" dirty="0"/>
+              <a:t> was incubated at the </a:t>
+            </a:r>
+            <a:r>
+              <a:rPr lang="en-US" dirty="0" err="1"/>
+              <a:t>Badir</a:t>
+            </a:r>
+            <a:r>
+              <a:rPr lang="en-US" dirty="0"/>
+              <a:t> Program</a:t>
             </a:r>
           </a:p>
           <a:p>
             <a:pPr lvl="1"/>
             <a:r>
-              <a:rPr lang="en-US" dirty="0"/>
-              <a:t>These programs can provide valuable resources, mentorship, and connections that can help startups to scale and achieve success.</a:t>
+              <a:rPr lang="en-US" dirty="0" err="1"/>
+              <a:t>Badir</a:t>
+            </a:r>
+            <a:r>
+              <a:rPr lang="en-US" dirty="0"/>
+              <a:t> Program provided access to resources, mentorship, and funding.</a:t>
+            </a:r>
+          </a:p>
+          <a:p>
+            <a:r>
+              <a:rPr lang="en-US" dirty="0"/>
+              <a:t>Impact:</a:t>
             </a:r>
           </a:p>
           <a:p>
             <a:pPr lvl="1"/>
             <a:r>
-              <a:rPr lang="en-US" dirty="0"/>
-              <a:t>Saudi Arabia can achieve global success by addressing local needs and challenges. </a:t>
+              <a:rPr lang="en-US" dirty="0" err="1"/>
+              <a:t>ArabiaWeather's</a:t>
+            </a:r>
+            <a:r>
+              <a:rPr lang="en-US" dirty="0"/>
+              <a:t> has raised over $10 million in funding from investors, including a $5 million Series A round led by Saudi Arabia's National Technology Development Program.</a:t>
             </a:r>
           </a:p>
           <a:p>
             <a:pPr lvl="1"/>
             <a:r>
               <a:rPr lang="en-US" dirty="0"/>
-              <a:t>The company's focus on providing accurate and localized weather forecasts has helped it to differentiate itself from international competitors and establish a strong presence in the region.</a:t>
+              <a:t>The platform has helped to raise awareness about environmental issues and promote sustainability, and it has also provided critical weather forecasting services to help protect people and property during extreme weather events.</a:t>
             </a:r>
           </a:p>
         </p:txBody>
@@ -21926,6 +21876,153 @@
               <a:rPr lang="en-US" smtClean="0"/>
               <a:pPr/>
               <a:t>74</a:t>
+            </a:fld>
+            <a:endParaRPr lang="en-US" dirty="0"/>
+          </a:p>
+        </p:txBody>
+      </p:sp>
+    </p:spTree>
+    <p:extLst>
+      <p:ext uri="{BB962C8B-B14F-4D97-AF65-F5344CB8AC3E}">
+        <p14:creationId xmlns:p14="http://schemas.microsoft.com/office/powerpoint/2010/main" val="3288180178"/>
+      </p:ext>
+    </p:extLst>
+  </p:cSld>
+  <p:clrMapOvr>
+    <a:masterClrMapping/>
+  </p:clrMapOvr>
+</p:sld>
+</file>
+
+<file path=ppt/slides/slide75.xml><?xml version="1.0" encoding="utf-8"?>
+<p:sld xmlns:a="http://schemas.openxmlformats.org/drawingml/2006/main" xmlns:r="http://schemas.openxmlformats.org/officeDocument/2006/relationships" xmlns:p="http://schemas.openxmlformats.org/presentationml/2006/main">
+  <p:cSld>
+    <p:spTree>
+      <p:nvGrpSpPr>
+        <p:cNvPr id="1" name=""/>
+        <p:cNvGrpSpPr/>
+        <p:nvPr/>
+      </p:nvGrpSpPr>
+      <p:grpSpPr>
+        <a:xfrm>
+          <a:off x="0" y="0"/>
+          <a:ext cx="0" cy="0"/>
+          <a:chOff x="0" y="0"/>
+          <a:chExt cx="0" cy="0"/>
+        </a:xfrm>
+      </p:grpSpPr>
+      <p:sp>
+        <p:nvSpPr>
+          <p:cNvPr id="2" name="Title 1">
+            <a:extLst>
+              <a:ext uri="{FF2B5EF4-FFF2-40B4-BE49-F238E27FC236}">
+                <a16:creationId xmlns:a16="http://schemas.microsoft.com/office/drawing/2014/main" id="{3565114E-50F8-4B7E-9238-56348CEDBD58}"/>
+              </a:ext>
+            </a:extLst>
+          </p:cNvPr>
+          <p:cNvSpPr>
+            <a:spLocks noGrp="1"/>
+          </p:cNvSpPr>
+          <p:nvPr>
+            <p:ph type="title"/>
+          </p:nvPr>
+        </p:nvSpPr>
+        <p:spPr/>
+        <p:txBody>
+          <a:bodyPr/>
+          <a:lstStyle/>
+          <a:p>
+            <a:r>
+              <a:rPr lang="en-US" dirty="0" err="1"/>
+              <a:t>ArabiaWeather</a:t>
+            </a:r>
+            <a:endParaRPr lang="en-US" dirty="0"/>
+          </a:p>
+        </p:txBody>
+      </p:sp>
+      <p:sp>
+        <p:nvSpPr>
+          <p:cNvPr id="3" name="Content Placeholder 2">
+            <a:extLst>
+              <a:ext uri="{FF2B5EF4-FFF2-40B4-BE49-F238E27FC236}">
+                <a16:creationId xmlns:a16="http://schemas.microsoft.com/office/drawing/2014/main" id="{9DB0820E-91AD-4DEC-ACD4-594C000D7F00}"/>
+              </a:ext>
+            </a:extLst>
+          </p:cNvPr>
+          <p:cNvSpPr>
+            <a:spLocks noGrp="1"/>
+          </p:cNvSpPr>
+          <p:nvPr>
+            <p:ph idx="1"/>
+          </p:nvPr>
+        </p:nvSpPr>
+        <p:spPr/>
+        <p:txBody>
+          <a:bodyPr>
+            <a:normAutofit/>
+          </a:bodyPr>
+          <a:lstStyle/>
+          <a:p>
+            <a:r>
+              <a:rPr lang="en-US" dirty="0"/>
+              <a:t>Lessons Learned:</a:t>
+            </a:r>
+          </a:p>
+          <a:p>
+            <a:pPr lvl="1"/>
+            <a:r>
+              <a:rPr lang="en-US" dirty="0"/>
+              <a:t>It highlights the importance of incubators and accelerators in supporting early-stage startups. </a:t>
+            </a:r>
+          </a:p>
+          <a:p>
+            <a:pPr lvl="1"/>
+            <a:r>
+              <a:rPr lang="en-US" dirty="0"/>
+              <a:t>These programs can provide valuable resources, mentorship, and connections that can help startups to scale and achieve success.</a:t>
+            </a:r>
+          </a:p>
+          <a:p>
+            <a:pPr lvl="1"/>
+            <a:r>
+              <a:rPr lang="en-US" dirty="0"/>
+              <a:t>Saudi Arabia can achieve global success by addressing local needs and challenges. </a:t>
+            </a:r>
+          </a:p>
+          <a:p>
+            <a:pPr lvl="1"/>
+            <a:r>
+              <a:rPr lang="en-US" dirty="0"/>
+              <a:t>The company's focus on providing accurate and localized weather forecasts has helped it to differentiate itself from international competitors and establish a strong presence in the region.</a:t>
+            </a:r>
+          </a:p>
+        </p:txBody>
+      </p:sp>
+      <p:sp>
+        <p:nvSpPr>
+          <p:cNvPr id="4" name="Slide Number Placeholder 3">
+            <a:extLst>
+              <a:ext uri="{FF2B5EF4-FFF2-40B4-BE49-F238E27FC236}">
+                <a16:creationId xmlns:a16="http://schemas.microsoft.com/office/drawing/2014/main" id="{636096EC-BC9B-4D28-BE28-8CAF60109283}"/>
+              </a:ext>
+            </a:extLst>
+          </p:cNvPr>
+          <p:cNvSpPr>
+            <a:spLocks noGrp="1"/>
+          </p:cNvSpPr>
+          <p:nvPr>
+            <p:ph type="sldNum" sz="quarter" idx="12"/>
+          </p:nvPr>
+        </p:nvSpPr>
+        <p:spPr/>
+        <p:txBody>
+          <a:bodyPr/>
+          <a:lstStyle/>
+          <a:p>
+            <a:fld id="{B8DACC02-A2BD-4578-8E03-6D891060A695}" type="slidenum">
+              <a:rPr lang="en-US" smtClean="0"/>
+              <a:pPr/>
+              <a:t>75</a:t>
             </a:fld>
             <a:endParaRPr lang="en-US" dirty="0"/>
           </a:p>
@@ -21963,13 +22060,7 @@
       </p:grpSpPr>
       <p:sp>
         <p:nvSpPr>
-          <p:cNvPr id="2" name="Title 1">
-            <a:extLst>
-              <a:ext uri="{FF2B5EF4-FFF2-40B4-BE49-F238E27FC236}">
-                <a16:creationId xmlns:a16="http://schemas.microsoft.com/office/drawing/2014/main" id="{64EC1FFB-ED79-439C-90C8-9BFBF49095F3}"/>
-              </a:ext>
-            </a:extLst>
-          </p:cNvPr>
+          <p:cNvPr id="2" name="Title 1"/>
           <p:cNvSpPr>
             <a:spLocks noGrp="1"/>
           </p:cNvSpPr>
@@ -21991,13 +22082,7 @@
       </p:sp>
       <p:sp>
         <p:nvSpPr>
-          <p:cNvPr id="3" name="Content Placeholder 2">
-            <a:extLst>
-              <a:ext uri="{FF2B5EF4-FFF2-40B4-BE49-F238E27FC236}">
-                <a16:creationId xmlns:a16="http://schemas.microsoft.com/office/drawing/2014/main" id="{98691586-334B-486E-899B-3D495B1D9CA6}"/>
-              </a:ext>
-            </a:extLst>
-          </p:cNvPr>
+          <p:cNvPr id="3" name="Content Placeholder 2"/>
           <p:cNvSpPr>
             <a:spLocks noGrp="1"/>
           </p:cNvSpPr>
@@ -22005,72 +22090,63 @@
             <p:ph idx="1"/>
           </p:nvPr>
         </p:nvSpPr>
-        <p:spPr>
-          <a:xfrm>
-            <a:off x="347526" y="1319842"/>
-            <a:ext cx="11650767" cy="4833129"/>
-          </a:xfrm>
-        </p:spPr>
+        <p:spPr/>
         <p:txBody>
           <a:bodyPr>
             <a:normAutofit/>
           </a:bodyPr>
           <a:lstStyle/>
           <a:p>
-            <a:pPr>
-              <a:lnSpc>
-                <a:spcPct val="150000"/>
-              </a:lnSpc>
-            </a:pPr>
-            <a:r>
-              <a:rPr lang="en-US" sz="3200" dirty="0"/>
-              <a:t>The investor pitch</a:t>
-            </a:r>
-          </a:p>
-          <a:p>
-            <a:pPr>
-              <a:lnSpc>
-                <a:spcPct val="150000"/>
-              </a:lnSpc>
-            </a:pPr>
-            <a:r>
-              <a:rPr lang="en-US" sz="3200" dirty="0"/>
-              <a:t>The elevator pitch </a:t>
-            </a:r>
-          </a:p>
-          <a:p>
-            <a:pPr>
-              <a:lnSpc>
-                <a:spcPct val="150000"/>
-              </a:lnSpc>
-            </a:pPr>
-            <a:r>
-              <a:rPr lang="en-US" sz="3200" dirty="0"/>
-              <a:t>The sales pitch </a:t>
-            </a:r>
-          </a:p>
-          <a:p>
-            <a:pPr>
-              <a:lnSpc>
-                <a:spcPct val="150000"/>
-              </a:lnSpc>
-            </a:pPr>
-            <a:r>
-              <a:rPr lang="en-US" sz="3200" dirty="0"/>
-              <a:t>The product pitch </a:t>
-            </a:r>
-          </a:p>
-        </p:txBody>
-      </p:sp>
-      <p:sp>
-        <p:nvSpPr>
-          <p:cNvPr id="4" name="Slide Number Placeholder 3">
-            <a:extLst>
-              <a:ext uri="{FF2B5EF4-FFF2-40B4-BE49-F238E27FC236}">
-                <a16:creationId xmlns:a16="http://schemas.microsoft.com/office/drawing/2014/main" id="{9980B1A9-645B-4A7C-9FCD-72DFBF42468A}"/>
-              </a:ext>
-            </a:extLst>
-          </p:cNvPr>
+            <a:r>
+              <a:rPr lang="en-US" dirty="0"/>
+              <a:t>Elevator pitch</a:t>
+            </a:r>
+          </a:p>
+          <a:p>
+            <a:pPr lvl="1"/>
+            <a:r>
+              <a:rPr lang="en-US" dirty="0"/>
+              <a:t>A brief, 30-second to 1-minute pitch that highlights the key aspects of a business idea, often used in informal settings.</a:t>
+            </a:r>
+          </a:p>
+          <a:p>
+            <a:r>
+              <a:rPr lang="en-US" dirty="0"/>
+              <a:t>Pitch deck</a:t>
+            </a:r>
+          </a:p>
+          <a:p>
+            <a:pPr lvl="1"/>
+            <a:r>
+              <a:rPr lang="en-US" dirty="0"/>
+              <a:t>A visual presentation that summarizes a business idea or plan, typically consisting of 10-20 slides, used in formal pitching sessions.</a:t>
+            </a:r>
+          </a:p>
+          <a:p>
+            <a:r>
+              <a:rPr lang="en-US" dirty="0"/>
+              <a:t>Other types of pitches:</a:t>
+            </a:r>
+          </a:p>
+          <a:p>
+            <a:pPr lvl="1"/>
+            <a:r>
+              <a:rPr lang="en-US" dirty="0"/>
+              <a:t>Executive summary</a:t>
+            </a:r>
+          </a:p>
+          <a:p>
+            <a:pPr lvl="1"/>
+            <a:r>
+              <a:rPr lang="en-US" dirty="0"/>
+              <a:t>Business plan</a:t>
+            </a:r>
+          </a:p>
+        </p:txBody>
+      </p:sp>
+      <p:sp>
+        <p:nvSpPr>
+          <p:cNvPr id="4" name="Slide Number Placeholder 3"/>
           <p:cNvSpPr>
             <a:spLocks noGrp="1"/>
           </p:cNvSpPr>
@@ -22092,10 +22168,51 @@
           </a:p>
         </p:txBody>
       </p:sp>
+      <p:pic>
+        <p:nvPicPr>
+          <p:cNvPr id="1026" name="Picture 2" descr="A picture of a person holding a pitch deck,. Image 2 of 4"/>
+          <p:cNvPicPr>
+            <a:picLocks noChangeAspect="1" noChangeArrowheads="1"/>
+          </p:cNvPicPr>
+          <p:nvPr/>
+        </p:nvPicPr>
+        <p:blipFill>
+          <a:blip r:embed="rId2">
+            <a:extLst>
+              <a:ext uri="{28A0092B-C50C-407E-A947-70E740481C1C}">
+                <a14:useLocalDpi xmlns:a14="http://schemas.microsoft.com/office/drawing/2010/main" val="0"/>
+              </a:ext>
+            </a:extLst>
+          </a:blip>
+          <a:srcRect/>
+          <a:stretch>
+            <a:fillRect/>
+          </a:stretch>
+        </p:blipFill>
+        <p:spPr bwMode="auto">
+          <a:xfrm>
+            <a:off x="8065998" y="3780800"/>
+            <a:ext cx="2571750" cy="2571751"/>
+          </a:xfrm>
+          <a:prstGeom prst="rect">
+            <a:avLst/>
+          </a:prstGeom>
+          <a:noFill/>
+          <a:extLst>
+            <a:ext uri="{909E8E84-426E-40DD-AFC4-6F175D3DCCD1}">
+              <a14:hiddenFill xmlns:a14="http://schemas.microsoft.com/office/drawing/2010/main">
+                <a:solidFill>
+                  <a:srgbClr val="FFFFFF"/>
+                </a:solidFill>
+              </a14:hiddenFill>
+            </a:ext>
+          </a:extLst>
+        </p:spPr>
+      </p:pic>
     </p:spTree>
     <p:extLst>
       <p:ext uri="{BB962C8B-B14F-4D97-AF65-F5344CB8AC3E}">
-        <p14:creationId xmlns:p14="http://schemas.microsoft.com/office/powerpoint/2010/main" val="641794067"/>
+        <p14:creationId xmlns:p14="http://schemas.microsoft.com/office/powerpoint/2010/main" val="317722802"/>
       </p:ext>
     </p:extLst>
   </p:cSld>
@@ -22127,7 +22244,7 @@
           <p:cNvPr id="2" name="Title 1">
             <a:extLst>
               <a:ext uri="{FF2B5EF4-FFF2-40B4-BE49-F238E27FC236}">
-                <a16:creationId xmlns:a16="http://schemas.microsoft.com/office/drawing/2014/main" id="{7FCF3CC4-6B7F-4E61-A0BC-CFD12F10DE2A}"/>
+                <a16:creationId xmlns:a16="http://schemas.microsoft.com/office/drawing/2014/main" id="{64EC1FFB-ED79-439C-90C8-9BFBF49095F3}"/>
               </a:ext>
             </a:extLst>
           </p:cNvPr>
@@ -22145,7 +22262,7 @@
           <a:p>
             <a:r>
               <a:rPr lang="en-US" dirty="0"/>
-              <a:t>Investor Pitch</a:t>
+              <a:t>Types of Pitches</a:t>
             </a:r>
           </a:p>
         </p:txBody>
@@ -22155,7 +22272,7 @@
           <p:cNvPr id="3" name="Content Placeholder 2">
             <a:extLst>
               <a:ext uri="{FF2B5EF4-FFF2-40B4-BE49-F238E27FC236}">
-                <a16:creationId xmlns:a16="http://schemas.microsoft.com/office/drawing/2014/main" id="{2A8078B5-EABD-4BF8-B8FD-27E1E32AD88F}"/>
+                <a16:creationId xmlns:a16="http://schemas.microsoft.com/office/drawing/2014/main" id="{98691586-334B-486E-899B-3D495B1D9CA6}"/>
               </a:ext>
             </a:extLst>
           </p:cNvPr>
@@ -22166,26 +22283,59 @@
             <p:ph idx="1"/>
           </p:nvPr>
         </p:nvSpPr>
-        <p:spPr/>
-        <p:txBody>
-          <a:bodyPr/>
-          <a:lstStyle/>
-          <a:p>
-            <a:r>
-              <a:rPr lang="en-US" dirty="0"/>
-              <a:t>An investor pitch occurs in the initial stage of raising money with a potential investor. </a:t>
-            </a:r>
-          </a:p>
-          <a:p>
-            <a:r>
-              <a:rPr lang="en-US" dirty="0"/>
-              <a:t>Your slide deck should convey your business idea and persuade your investors to invest in your business. </a:t>
-            </a:r>
-          </a:p>
-          <a:p>
-            <a:r>
-              <a:rPr lang="en-US" dirty="0"/>
-              <a:t>It should also include your business's value proposition, the revenue plan, and a financial breakdown.</a:t>
+        <p:spPr>
+          <a:xfrm>
+            <a:off x="347526" y="1319842"/>
+            <a:ext cx="11650767" cy="4833129"/>
+          </a:xfrm>
+        </p:spPr>
+        <p:txBody>
+          <a:bodyPr>
+            <a:normAutofit/>
+          </a:bodyPr>
+          <a:lstStyle/>
+          <a:p>
+            <a:pPr>
+              <a:lnSpc>
+                <a:spcPct val="150000"/>
+              </a:lnSpc>
+            </a:pPr>
+            <a:r>
+              <a:rPr lang="en-US" sz="3200" dirty="0"/>
+              <a:t>The investor pitch</a:t>
+            </a:r>
+          </a:p>
+          <a:p>
+            <a:pPr>
+              <a:lnSpc>
+                <a:spcPct val="150000"/>
+              </a:lnSpc>
+            </a:pPr>
+            <a:r>
+              <a:rPr lang="en-US" sz="3200" dirty="0"/>
+              <a:t>The elevator pitch </a:t>
+            </a:r>
+          </a:p>
+          <a:p>
+            <a:pPr>
+              <a:lnSpc>
+                <a:spcPct val="150000"/>
+              </a:lnSpc>
+            </a:pPr>
+            <a:r>
+              <a:rPr lang="en-US" sz="3200" dirty="0"/>
+              <a:t>The sales pitch </a:t>
+            </a:r>
+          </a:p>
+          <a:p>
+            <a:pPr>
+              <a:lnSpc>
+                <a:spcPct val="150000"/>
+              </a:lnSpc>
+            </a:pPr>
+            <a:r>
+              <a:rPr lang="en-US" sz="3200" dirty="0"/>
+              <a:t>The product pitch </a:t>
             </a:r>
           </a:p>
         </p:txBody>
@@ -22195,7 +22345,7 @@
           <p:cNvPr id="4" name="Slide Number Placeholder 3">
             <a:extLst>
               <a:ext uri="{FF2B5EF4-FFF2-40B4-BE49-F238E27FC236}">
-                <a16:creationId xmlns:a16="http://schemas.microsoft.com/office/drawing/2014/main" id="{B4EDBEAA-0A61-4249-AD28-429D3EF7AC73}"/>
+                <a16:creationId xmlns:a16="http://schemas.microsoft.com/office/drawing/2014/main" id="{9980B1A9-645B-4A7C-9FCD-72DFBF42468A}"/>
               </a:ext>
             </a:extLst>
           </p:cNvPr>
@@ -22220,55 +22370,10 @@
           </a:p>
         </p:txBody>
       </p:sp>
-      <p:pic>
-        <p:nvPicPr>
-          <p:cNvPr id="2052" name="Picture 4" descr="Pitch Deck Services and Great powerpoint designs">
-            <a:extLst>
-              <a:ext uri="{FF2B5EF4-FFF2-40B4-BE49-F238E27FC236}">
-                <a16:creationId xmlns:a16="http://schemas.microsoft.com/office/drawing/2014/main" id="{9E205CD1-4B20-4FC8-9CB6-9A25CFBFB8D4}"/>
-              </a:ext>
-            </a:extLst>
-          </p:cNvPr>
-          <p:cNvPicPr>
-            <a:picLocks noChangeAspect="1" noChangeArrowheads="1"/>
-          </p:cNvPicPr>
-          <p:nvPr/>
-        </p:nvPicPr>
-        <p:blipFill rotWithShape="1">
-          <a:blip r:embed="rId2" cstate="print">
-            <a:extLst>
-              <a:ext uri="{28A0092B-C50C-407E-A947-70E740481C1C}">
-                <a14:useLocalDpi xmlns:a14="http://schemas.microsoft.com/office/drawing/2010/main" val="0"/>
-              </a:ext>
-            </a:extLst>
-          </a:blip>
-          <a:srcRect t="21887" b="20514"/>
-          <a:stretch/>
-        </p:blipFill>
-        <p:spPr bwMode="auto">
-          <a:xfrm>
-            <a:off x="7341079" y="4096113"/>
-            <a:ext cx="3866072" cy="2226810"/>
-          </a:xfrm>
-          <a:prstGeom prst="rect">
-            <a:avLst/>
-          </a:prstGeom>
-          <a:noFill/>
-          <a:extLst>
-            <a:ext uri="{909E8E84-426E-40DD-AFC4-6F175D3DCCD1}">
-              <a14:hiddenFill xmlns:a14="http://schemas.microsoft.com/office/drawing/2010/main">
-                <a:solidFill>
-                  <a:srgbClr val="FFFFFF"/>
-                </a:solidFill>
-              </a14:hiddenFill>
-            </a:ext>
-          </a:extLst>
-        </p:spPr>
-      </p:pic>
     </p:spTree>
     <p:extLst>
       <p:ext uri="{BB962C8B-B14F-4D97-AF65-F5344CB8AC3E}">
-        <p14:creationId xmlns:p14="http://schemas.microsoft.com/office/powerpoint/2010/main" val="1371408248"/>
+        <p14:creationId xmlns:p14="http://schemas.microsoft.com/office/powerpoint/2010/main" val="641794067"/>
       </p:ext>
     </p:extLst>
   </p:cSld>

--- a/SE495/Lectures/5-Securing Funding/Securing Funding.pptx
+++ b/SE495/Lectures/5-Securing Funding/Securing Funding.pptx
@@ -7574,7 +7574,7 @@
           <a:p>
             <a:fld id="{41DA9887-9249-49FD-809A-BACB264048C3}" type="datetimeFigureOut">
               <a:rPr lang="en-US" smtClean="0"/>
-              <a:t>2/29/2024</a:t>
+              <a:t>3/4/2024</a:t>
             </a:fld>
             <a:endParaRPr lang="en-US"/>
           </a:p>
@@ -7976,7 +7976,7 @@
           <a:p>
             <a:fld id="{EF213E56-3C1A-435A-851B-5B1F221C2038}" type="datetime1">
               <a:rPr lang="en-US" smtClean="0"/>
-              <a:t>2/29/2024</a:t>
+              <a:t>3/4/2024</a:t>
             </a:fld>
             <a:endParaRPr lang="en-US"/>
           </a:p>
@@ -8277,7 +8277,7 @@
           <a:p>
             <a:fld id="{B4696837-4851-4AA6-8AED-554226C981D1}" type="datetime1">
               <a:rPr lang="en-US" smtClean="0"/>
-              <a:t>2/29/2024</a:t>
+              <a:t>3/4/2024</a:t>
             </a:fld>
             <a:endParaRPr lang="en-US"/>
           </a:p>
@@ -8455,7 +8455,7 @@
           <a:p>
             <a:fld id="{BADD32E1-BB70-4827-BA33-FF5AFC435BE9}" type="datetime1">
               <a:rPr lang="en-US" smtClean="0"/>
-              <a:t>2/29/2024</a:t>
+              <a:t>3/4/2024</a:t>
             </a:fld>
             <a:endParaRPr lang="en-US"/>
           </a:p>
@@ -8698,7 +8698,7 @@
             </a:pPr>
             <a:fld id="{40B9EAF6-54F2-4DF5-9C6B-3F6F95B86356}" type="datetime1">
               <a:rPr lang="en-US" smtClean="0"/>
-              <a:t>2/29/2024</a:t>
+              <a:t>3/4/2024</a:t>
             </a:fld>
             <a:endParaRPr lang="en-US"/>
           </a:p>
@@ -8878,7 +8878,7 @@
             </a:pPr>
             <a:fld id="{D3D64A56-6FF4-479A-8655-719A18A98C4B}" type="datetime1">
               <a:rPr lang="en-US" smtClean="0"/>
-              <a:t>2/29/2024</a:t>
+              <a:t>3/4/2024</a:t>
             </a:fld>
             <a:endParaRPr lang="en-US"/>
           </a:p>
@@ -9159,7 +9159,7 @@
           <a:p>
             <a:fld id="{BB961044-FC46-4CBC-9061-59528F4899F3}" type="datetime1">
               <a:rPr lang="en-US" smtClean="0"/>
-              <a:t>2/29/2024</a:t>
+              <a:t>3/4/2024</a:t>
             </a:fld>
             <a:endParaRPr lang="en-US"/>
           </a:p>
@@ -9509,7 +9509,7 @@
           <a:p>
             <a:fld id="{4466A08C-77F3-471E-A5C4-1D2068144BAC}" type="datetime1">
               <a:rPr lang="en-US" smtClean="0"/>
-              <a:t>2/29/2024</a:t>
+              <a:t>3/4/2024</a:t>
             </a:fld>
             <a:endParaRPr lang="en-US"/>
           </a:p>
@@ -9738,7 +9738,7 @@
           <a:p>
             <a:fld id="{B90A7AD1-16F4-44C3-AE32-24C59A599E9D}" type="datetime1">
               <a:rPr lang="en-US" smtClean="0"/>
-              <a:t>2/29/2024</a:t>
+              <a:t>3/4/2024</a:t>
             </a:fld>
             <a:endParaRPr lang="en-US"/>
           </a:p>
@@ -10102,7 +10102,7 @@
           <a:p>
             <a:fld id="{B583DB4F-4316-4DF5-A229-BC1D787C82A0}" type="datetime1">
               <a:rPr lang="en-US" smtClean="0"/>
-              <a:t>2/29/2024</a:t>
+              <a:t>3/4/2024</a:t>
             </a:fld>
             <a:endParaRPr lang="en-US"/>
           </a:p>
@@ -10197,7 +10197,7 @@
           <a:p>
             <a:fld id="{AE6064B7-7A9F-432D-B7B9-6824267AA574}" type="datetime1">
               <a:rPr lang="en-US" smtClean="0"/>
-              <a:t>2/29/2024</a:t>
+              <a:t>3/4/2024</a:t>
             </a:fld>
             <a:endParaRPr lang="en-US"/>
           </a:p>
@@ -10422,7 +10422,7 @@
             <a:fld id="{B2F5E2FA-C428-4CE7-95B0-168D3259A5BB}" type="datetimeFigureOut">
               <a:rPr lang="en-US" smtClean="0"/>
               <a:pPr/>
-              <a:t>2/29/2024</a:t>
+              <a:t>3/4/2024</a:t>
             </a:fld>
             <a:endParaRPr lang="en-US"/>
           </a:p>
@@ -10599,7 +10599,7 @@
           <a:p>
             <a:fld id="{4E1C93A2-B712-486A-8AB5-D41B95D547BE}" type="datetime1">
               <a:rPr lang="en-US" smtClean="0"/>
-              <a:t>2/29/2024</a:t>
+              <a:t>3/4/2024</a:t>
             </a:fld>
             <a:endParaRPr lang="en-US"/>
           </a:p>
@@ -10874,7 +10874,7 @@
           <a:p>
             <a:fld id="{CAB2F318-F19F-4608-B7EF-F7FB8A482213}" type="datetime1">
               <a:rPr lang="en-US" smtClean="0"/>
-              <a:t>2/29/2024</a:t>
+              <a:t>3/4/2024</a:t>
             </a:fld>
             <a:endParaRPr lang="en-US"/>
           </a:p>
@@ -11126,7 +11126,7 @@
           <a:p>
             <a:fld id="{BB9CEF8C-69D6-4C3E-B892-F682F307A7B6}" type="datetime1">
               <a:rPr lang="en-US" smtClean="0"/>
-              <a:t>2/29/2024</a:t>
+              <a:t>3/4/2024</a:t>
             </a:fld>
             <a:endParaRPr lang="en-US"/>
           </a:p>
@@ -11337,7 +11337,7 @@
           <a:p>
             <a:fld id="{FB737C73-4A31-4C17-AFB7-7B8470027787}" type="datetime1">
               <a:rPr lang="en-US" smtClean="0"/>
-              <a:t>2/29/2024</a:t>
+              <a:t>3/4/2024</a:t>
             </a:fld>
             <a:endParaRPr lang="en-US"/>
           </a:p>
@@ -12229,12 +12229,57 @@
             <p:ph idx="1"/>
           </p:nvPr>
         </p:nvSpPr>
-        <p:spPr/>
-        <p:txBody>
-          <a:bodyPr/>
-          <a:lstStyle/>
-          <a:p>
-            <a:endParaRPr lang="en-US"/>
+        <p:spPr>
+          <a:xfrm>
+            <a:off x="347527" y="1240598"/>
+            <a:ext cx="7166082" cy="5218980"/>
+          </a:xfrm>
+        </p:spPr>
+        <p:txBody>
+          <a:bodyPr>
+            <a:normAutofit/>
+          </a:bodyPr>
+          <a:lstStyle/>
+          <a:p>
+            <a:pPr>
+              <a:lnSpc>
+                <a:spcPct val="150000"/>
+              </a:lnSpc>
+            </a:pPr>
+            <a:r>
+              <a:rPr lang="en-US" dirty="0"/>
+              <a:t>Investor deck is a comprehensive presentation.</a:t>
+            </a:r>
+          </a:p>
+          <a:p>
+            <a:pPr lvl="1">
+              <a:lnSpc>
+                <a:spcPct val="150000"/>
+              </a:lnSpc>
+            </a:pPr>
+            <a:r>
+              <a:rPr lang="en-US" dirty="0"/>
+              <a:t>market analysis, competitive landscape, financial projections, and team management. </a:t>
+            </a:r>
+          </a:p>
+          <a:p>
+            <a:pPr lvl="1">
+              <a:lnSpc>
+                <a:spcPct val="150000"/>
+              </a:lnSpc>
+            </a:pPr>
+            <a:endParaRPr lang="en-US" sz="1100" dirty="0"/>
+          </a:p>
+          <a:p>
+            <a:pPr>
+              <a:lnSpc>
+                <a:spcPct val="150000"/>
+              </a:lnSpc>
+            </a:pPr>
+            <a:r>
+              <a:rPr lang="en-US" dirty="0"/>
+              <a:t>A pitch deck is a shorter, more concise version that highlights the key selling points of the business</a:t>
+            </a:r>
           </a:p>
         </p:txBody>
       </p:sp>
@@ -12295,7 +12340,7 @@
         </p:blipFill>
         <p:spPr bwMode="auto">
           <a:xfrm>
-            <a:off x="7366957" y="1240597"/>
+            <a:off x="7814478" y="1240597"/>
             <a:ext cx="4183813" cy="5218981"/>
           </a:xfrm>
           <a:prstGeom prst="rect">

--- a/SE495/Lectures/5-Securing Funding/Securing Funding.pptx
+++ b/SE495/Lectures/5-Securing Funding/Securing Funding.pptx
@@ -5,7 +5,7 @@
     <p:sldMasterId id="2147483648" r:id="rId1"/>
   </p:sldMasterIdLst>
   <p:notesMasterIdLst>
-    <p:notesMasterId r:id="rId77"/>
+    <p:notesMasterId r:id="rId79"/>
   </p:notesMasterIdLst>
   <p:sldIdLst>
     <p:sldId id="256" r:id="rId2"/>
@@ -43,46 +43,48 @@
     <p:sldId id="812" r:id="rId34"/>
     <p:sldId id="762" r:id="rId35"/>
     <p:sldId id="763" r:id="rId36"/>
-    <p:sldId id="765" r:id="rId37"/>
-    <p:sldId id="766" r:id="rId38"/>
-    <p:sldId id="770" r:id="rId39"/>
-    <p:sldId id="771" r:id="rId40"/>
-    <p:sldId id="813" r:id="rId41"/>
-    <p:sldId id="814" r:id="rId42"/>
-    <p:sldId id="815" r:id="rId43"/>
-    <p:sldId id="816" r:id="rId44"/>
-    <p:sldId id="817" r:id="rId45"/>
-    <p:sldId id="818" r:id="rId46"/>
-    <p:sldId id="819" r:id="rId47"/>
-    <p:sldId id="767" r:id="rId48"/>
-    <p:sldId id="787" r:id="rId49"/>
-    <p:sldId id="788" r:id="rId50"/>
-    <p:sldId id="769" r:id="rId51"/>
-    <p:sldId id="768" r:id="rId52"/>
-    <p:sldId id="772" r:id="rId53"/>
-    <p:sldId id="789" r:id="rId54"/>
-    <p:sldId id="790" r:id="rId55"/>
-    <p:sldId id="773" r:id="rId56"/>
-    <p:sldId id="791" r:id="rId57"/>
-    <p:sldId id="792" r:id="rId58"/>
-    <p:sldId id="793" r:id="rId59"/>
-    <p:sldId id="774" r:id="rId60"/>
-    <p:sldId id="775" r:id="rId61"/>
-    <p:sldId id="777" r:id="rId62"/>
-    <p:sldId id="776" r:id="rId63"/>
-    <p:sldId id="778" r:id="rId64"/>
-    <p:sldId id="779" r:id="rId65"/>
-    <p:sldId id="780" r:id="rId66"/>
-    <p:sldId id="781" r:id="rId67"/>
-    <p:sldId id="782" r:id="rId68"/>
-    <p:sldId id="794" r:id="rId69"/>
-    <p:sldId id="795" r:id="rId70"/>
-    <p:sldId id="796" r:id="rId71"/>
-    <p:sldId id="783" r:id="rId72"/>
-    <p:sldId id="784" r:id="rId73"/>
-    <p:sldId id="797" r:id="rId74"/>
-    <p:sldId id="798" r:id="rId75"/>
-    <p:sldId id="799" r:id="rId76"/>
+    <p:sldId id="821" r:id="rId37"/>
+    <p:sldId id="822" r:id="rId38"/>
+    <p:sldId id="765" r:id="rId39"/>
+    <p:sldId id="766" r:id="rId40"/>
+    <p:sldId id="770" r:id="rId41"/>
+    <p:sldId id="771" r:id="rId42"/>
+    <p:sldId id="813" r:id="rId43"/>
+    <p:sldId id="814" r:id="rId44"/>
+    <p:sldId id="815" r:id="rId45"/>
+    <p:sldId id="816" r:id="rId46"/>
+    <p:sldId id="817" r:id="rId47"/>
+    <p:sldId id="818" r:id="rId48"/>
+    <p:sldId id="819" r:id="rId49"/>
+    <p:sldId id="767" r:id="rId50"/>
+    <p:sldId id="787" r:id="rId51"/>
+    <p:sldId id="788" r:id="rId52"/>
+    <p:sldId id="769" r:id="rId53"/>
+    <p:sldId id="768" r:id="rId54"/>
+    <p:sldId id="772" r:id="rId55"/>
+    <p:sldId id="789" r:id="rId56"/>
+    <p:sldId id="790" r:id="rId57"/>
+    <p:sldId id="773" r:id="rId58"/>
+    <p:sldId id="791" r:id="rId59"/>
+    <p:sldId id="792" r:id="rId60"/>
+    <p:sldId id="793" r:id="rId61"/>
+    <p:sldId id="774" r:id="rId62"/>
+    <p:sldId id="775" r:id="rId63"/>
+    <p:sldId id="777" r:id="rId64"/>
+    <p:sldId id="776" r:id="rId65"/>
+    <p:sldId id="778" r:id="rId66"/>
+    <p:sldId id="779" r:id="rId67"/>
+    <p:sldId id="780" r:id="rId68"/>
+    <p:sldId id="781" r:id="rId69"/>
+    <p:sldId id="782" r:id="rId70"/>
+    <p:sldId id="794" r:id="rId71"/>
+    <p:sldId id="795" r:id="rId72"/>
+    <p:sldId id="796" r:id="rId73"/>
+    <p:sldId id="783" r:id="rId74"/>
+    <p:sldId id="784" r:id="rId75"/>
+    <p:sldId id="797" r:id="rId76"/>
+    <p:sldId id="798" r:id="rId77"/>
+    <p:sldId id="799" r:id="rId78"/>
   </p:sldIdLst>
   <p:sldSz cx="12192000" cy="6858000"/>
   <p:notesSz cx="6858000" cy="9144000"/>
@@ -7574,7 +7576,7 @@
           <a:p>
             <a:fld id="{41DA9887-9249-49FD-809A-BACB264048C3}" type="datetimeFigureOut">
               <a:rPr lang="en-US" smtClean="0"/>
-              <a:t>3/4/2024</a:t>
+              <a:t>4/22/2024</a:t>
             </a:fld>
             <a:endParaRPr lang="en-US"/>
           </a:p>
@@ -7976,7 +7978,7 @@
           <a:p>
             <a:fld id="{EF213E56-3C1A-435A-851B-5B1F221C2038}" type="datetime1">
               <a:rPr lang="en-US" smtClean="0"/>
-              <a:t>3/4/2024</a:t>
+              <a:t>4/22/2024</a:t>
             </a:fld>
             <a:endParaRPr lang="en-US"/>
           </a:p>
@@ -8277,7 +8279,7 @@
           <a:p>
             <a:fld id="{B4696837-4851-4AA6-8AED-554226C981D1}" type="datetime1">
               <a:rPr lang="en-US" smtClean="0"/>
-              <a:t>3/4/2024</a:t>
+              <a:t>4/22/2024</a:t>
             </a:fld>
             <a:endParaRPr lang="en-US"/>
           </a:p>
@@ -8455,7 +8457,7 @@
           <a:p>
             <a:fld id="{BADD32E1-BB70-4827-BA33-FF5AFC435BE9}" type="datetime1">
               <a:rPr lang="en-US" smtClean="0"/>
-              <a:t>3/4/2024</a:t>
+              <a:t>4/22/2024</a:t>
             </a:fld>
             <a:endParaRPr lang="en-US"/>
           </a:p>
@@ -8698,7 +8700,7 @@
             </a:pPr>
             <a:fld id="{40B9EAF6-54F2-4DF5-9C6B-3F6F95B86356}" type="datetime1">
               <a:rPr lang="en-US" smtClean="0"/>
-              <a:t>3/4/2024</a:t>
+              <a:t>4/22/2024</a:t>
             </a:fld>
             <a:endParaRPr lang="en-US"/>
           </a:p>
@@ -8878,7 +8880,7 @@
             </a:pPr>
             <a:fld id="{D3D64A56-6FF4-479A-8655-719A18A98C4B}" type="datetime1">
               <a:rPr lang="en-US" smtClean="0"/>
-              <a:t>3/4/2024</a:t>
+              <a:t>4/22/2024</a:t>
             </a:fld>
             <a:endParaRPr lang="en-US"/>
           </a:p>
@@ -9159,7 +9161,7 @@
           <a:p>
             <a:fld id="{BB961044-FC46-4CBC-9061-59528F4899F3}" type="datetime1">
               <a:rPr lang="en-US" smtClean="0"/>
-              <a:t>3/4/2024</a:t>
+              <a:t>4/22/2024</a:t>
             </a:fld>
             <a:endParaRPr lang="en-US"/>
           </a:p>
@@ -9509,7 +9511,7 @@
           <a:p>
             <a:fld id="{4466A08C-77F3-471E-A5C4-1D2068144BAC}" type="datetime1">
               <a:rPr lang="en-US" smtClean="0"/>
-              <a:t>3/4/2024</a:t>
+              <a:t>4/22/2024</a:t>
             </a:fld>
             <a:endParaRPr lang="en-US"/>
           </a:p>
@@ -9738,7 +9740,7 @@
           <a:p>
             <a:fld id="{B90A7AD1-16F4-44C3-AE32-24C59A599E9D}" type="datetime1">
               <a:rPr lang="en-US" smtClean="0"/>
-              <a:t>3/4/2024</a:t>
+              <a:t>4/22/2024</a:t>
             </a:fld>
             <a:endParaRPr lang="en-US"/>
           </a:p>
@@ -10102,7 +10104,7 @@
           <a:p>
             <a:fld id="{B583DB4F-4316-4DF5-A229-BC1D787C82A0}" type="datetime1">
               <a:rPr lang="en-US" smtClean="0"/>
-              <a:t>3/4/2024</a:t>
+              <a:t>4/22/2024</a:t>
             </a:fld>
             <a:endParaRPr lang="en-US"/>
           </a:p>
@@ -10197,7 +10199,7 @@
           <a:p>
             <a:fld id="{AE6064B7-7A9F-432D-B7B9-6824267AA574}" type="datetime1">
               <a:rPr lang="en-US" smtClean="0"/>
-              <a:t>3/4/2024</a:t>
+              <a:t>4/22/2024</a:t>
             </a:fld>
             <a:endParaRPr lang="en-US"/>
           </a:p>
@@ -10422,7 +10424,7 @@
             <a:fld id="{B2F5E2FA-C428-4CE7-95B0-168D3259A5BB}" type="datetimeFigureOut">
               <a:rPr lang="en-US" smtClean="0"/>
               <a:pPr/>
-              <a:t>3/4/2024</a:t>
+              <a:t>4/22/2024</a:t>
             </a:fld>
             <a:endParaRPr lang="en-US"/>
           </a:p>
@@ -10599,7 +10601,7 @@
           <a:p>
             <a:fld id="{4E1C93A2-B712-486A-8AB5-D41B95D547BE}" type="datetime1">
               <a:rPr lang="en-US" smtClean="0"/>
-              <a:t>3/4/2024</a:t>
+              <a:t>4/22/2024</a:t>
             </a:fld>
             <a:endParaRPr lang="en-US"/>
           </a:p>
@@ -10874,7 +10876,7 @@
           <a:p>
             <a:fld id="{CAB2F318-F19F-4608-B7EF-F7FB8A482213}" type="datetime1">
               <a:rPr lang="en-US" smtClean="0"/>
-              <a:t>3/4/2024</a:t>
+              <a:t>4/22/2024</a:t>
             </a:fld>
             <a:endParaRPr lang="en-US"/>
           </a:p>
@@ -11126,7 +11128,7 @@
           <a:p>
             <a:fld id="{BB9CEF8C-69D6-4C3E-B892-F682F307A7B6}" type="datetime1">
               <a:rPr lang="en-US" smtClean="0"/>
-              <a:t>3/4/2024</a:t>
+              <a:t>4/22/2024</a:t>
             </a:fld>
             <a:endParaRPr lang="en-US"/>
           </a:p>
@@ -11337,7 +11339,7 @@
           <a:p>
             <a:fld id="{FB737C73-4A31-4C17-AFB7-7B8470027787}" type="datetime1">
               <a:rPr lang="en-US" smtClean="0"/>
-              <a:t>3/4/2024</a:t>
+              <a:t>4/22/2024</a:t>
             </a:fld>
             <a:endParaRPr lang="en-US"/>
           </a:p>
@@ -15694,7 +15696,13 @@
       </p:grpSpPr>
       <p:sp>
         <p:nvSpPr>
-          <p:cNvPr id="2" name="Title 1"/>
+          <p:cNvPr id="2" name="Title 1">
+            <a:extLst>
+              <a:ext uri="{FF2B5EF4-FFF2-40B4-BE49-F238E27FC236}">
+                <a16:creationId xmlns:a16="http://schemas.microsoft.com/office/drawing/2014/main" id="{D006984F-EA55-4D49-92E2-E88E79815592}"/>
+              </a:ext>
+            </a:extLst>
+          </p:cNvPr>
           <p:cNvSpPr>
             <a:spLocks noGrp="1"/>
           </p:cNvSpPr>
@@ -15704,49 +15712,88 @@
         </p:nvSpPr>
         <p:spPr/>
         <p:txBody>
+          <a:bodyPr/>
+          <a:lstStyle/>
+          <a:p>
+            <a:r>
+              <a:rPr lang="en-US" dirty="0"/>
+              <a:t>Types of Investors and Their Expectations</a:t>
+            </a:r>
+          </a:p>
+        </p:txBody>
+      </p:sp>
+      <p:sp>
+        <p:nvSpPr>
+          <p:cNvPr id="3" name="Content Placeholder 2">
+            <a:extLst>
+              <a:ext uri="{FF2B5EF4-FFF2-40B4-BE49-F238E27FC236}">
+                <a16:creationId xmlns:a16="http://schemas.microsoft.com/office/drawing/2014/main" id="{25BE659D-7606-43B6-9EDE-C8F0725C3E78}"/>
+              </a:ext>
+            </a:extLst>
+          </p:cNvPr>
+          <p:cNvSpPr>
+            <a:spLocks noGrp="1"/>
+          </p:cNvSpPr>
+          <p:nvPr>
+            <p:ph idx="1"/>
+          </p:nvPr>
+        </p:nvSpPr>
+        <p:spPr>
+          <a:xfrm>
+            <a:off x="347526" y="1406880"/>
+            <a:ext cx="7787183" cy="4746091"/>
+          </a:xfrm>
+        </p:spPr>
+        <p:txBody>
           <a:bodyPr>
-            <a:normAutofit fontScale="90000"/>
+            <a:normAutofit/>
           </a:bodyPr>
           <a:lstStyle/>
           <a:p>
             <a:r>
               <a:rPr lang="en-US" dirty="0"/>
-              <a:t> Importance of Understanding Investor Perspectives</a:t>
-            </a:r>
-          </a:p>
-        </p:txBody>
-      </p:sp>
-      <p:sp>
-        <p:nvSpPr>
-          <p:cNvPr id="3" name="Content Placeholder 2"/>
-          <p:cNvSpPr>
-            <a:spLocks noGrp="1"/>
-          </p:cNvSpPr>
-          <p:nvPr>
-            <p:ph idx="1"/>
-          </p:nvPr>
-        </p:nvSpPr>
-        <p:spPr/>
-        <p:txBody>
-          <a:bodyPr/>
-          <a:lstStyle/>
-          <a:p>
-            <a:r>
-              <a:rPr lang="en-US" dirty="0"/>
-              <a:t>Understanding investor perspectives helps entrepreneurs tailor their pitch to the specific investor.</a:t>
-            </a:r>
-          </a:p>
-          <a:p>
-            <a:r>
-              <a:rPr lang="en-US" dirty="0"/>
-              <a:t>A well-crafted pitch that addresses investor concerns can increase the chances of securing funding.</a:t>
-            </a:r>
-          </a:p>
-        </p:txBody>
-      </p:sp>
-      <p:sp>
-        <p:nvSpPr>
-          <p:cNvPr id="4" name="Slide Number Placeholder 3"/>
+              <a:t>Venture Building: Creating Startups from Scratch</a:t>
+            </a:r>
+          </a:p>
+          <a:p>
+            <a:pPr lvl="1"/>
+            <a:r>
+              <a:rPr lang="en-US" dirty="0"/>
+              <a:t>A process of creating startups from scratch, often by a team of entrepreneurs, investors, or innovation experts</a:t>
+            </a:r>
+          </a:p>
+          <a:p>
+            <a:pPr lvl="1"/>
+            <a:r>
+              <a:rPr lang="en-US" dirty="0"/>
+              <a:t>It involves identifying market opportunities, developing business ideas, and building teams to execute them</a:t>
+            </a:r>
+          </a:p>
+          <a:p>
+            <a:pPr lvl="1"/>
+            <a:r>
+              <a:rPr lang="en-US" dirty="0"/>
+              <a:t>Venture builders provide resources, support, and guidance to help startups grow and succeed</a:t>
+            </a:r>
+          </a:p>
+          <a:p>
+            <a:pPr lvl="1"/>
+            <a:r>
+              <a:rPr lang="en-US" dirty="0"/>
+              <a:t>Examples of venture builders include startup studios, accelerators, and incubators</a:t>
+            </a:r>
+          </a:p>
+        </p:txBody>
+      </p:sp>
+      <p:sp>
+        <p:nvSpPr>
+          <p:cNvPr id="4" name="Slide Number Placeholder 3">
+            <a:extLst>
+              <a:ext uri="{FF2B5EF4-FFF2-40B4-BE49-F238E27FC236}">
+                <a16:creationId xmlns:a16="http://schemas.microsoft.com/office/drawing/2014/main" id="{6CEDAEC8-1EB2-4A17-8191-43AC84FBCD93}"/>
+              </a:ext>
+            </a:extLst>
+          </p:cNvPr>
           <p:cNvSpPr>
             <a:spLocks noGrp="1"/>
           </p:cNvSpPr>
@@ -15763,6 +15810,325 @@
               <a:rPr lang="en-US" smtClean="0"/>
               <a:pPr/>
               <a:t>36</a:t>
+            </a:fld>
+            <a:endParaRPr lang="en-US" dirty="0"/>
+          </a:p>
+        </p:txBody>
+      </p:sp>
+      <p:pic>
+        <p:nvPicPr>
+          <p:cNvPr id="1026" name="Picture 2" descr="Fusion Partners">
+            <a:extLst>
+              <a:ext uri="{FF2B5EF4-FFF2-40B4-BE49-F238E27FC236}">
+                <a16:creationId xmlns:a16="http://schemas.microsoft.com/office/drawing/2014/main" id="{B96035B8-4D9F-43A2-BE2B-DD01E85A59B9}"/>
+              </a:ext>
+            </a:extLst>
+          </p:cNvPr>
+          <p:cNvPicPr>
+            <a:picLocks noChangeAspect="1" noChangeArrowheads="1"/>
+          </p:cNvPicPr>
+          <p:nvPr/>
+        </p:nvPicPr>
+        <p:blipFill rotWithShape="1">
+          <a:blip r:embed="rId2" cstate="print">
+            <a:extLst>
+              <a:ext uri="{28A0092B-C50C-407E-A947-70E740481C1C}">
+                <a14:useLocalDpi xmlns:a14="http://schemas.microsoft.com/office/drawing/2010/main" val="0"/>
+              </a:ext>
+            </a:extLst>
+          </a:blip>
+          <a:srcRect t="17604"/>
+          <a:stretch/>
+        </p:blipFill>
+        <p:spPr bwMode="auto">
+          <a:xfrm>
+            <a:off x="7927490" y="1984075"/>
+            <a:ext cx="4001644" cy="2656936"/>
+          </a:xfrm>
+          <a:prstGeom prst="rect">
+            <a:avLst/>
+          </a:prstGeom>
+          <a:noFill/>
+          <a:extLst>
+            <a:ext uri="{909E8E84-426E-40DD-AFC4-6F175D3DCCD1}">
+              <a14:hiddenFill xmlns:a14="http://schemas.microsoft.com/office/drawing/2010/main">
+                <a:solidFill>
+                  <a:srgbClr val="FFFFFF"/>
+                </a:solidFill>
+              </a14:hiddenFill>
+            </a:ext>
+          </a:extLst>
+        </p:spPr>
+      </p:pic>
+    </p:spTree>
+    <p:extLst>
+      <p:ext uri="{BB962C8B-B14F-4D97-AF65-F5344CB8AC3E}">
+        <p14:creationId xmlns:p14="http://schemas.microsoft.com/office/powerpoint/2010/main" val="2336943596"/>
+      </p:ext>
+    </p:extLst>
+  </p:cSld>
+  <p:clrMapOvr>
+    <a:masterClrMapping/>
+  </p:clrMapOvr>
+</p:sld>
+</file>
+
+<file path=ppt/slides/slide37.xml><?xml version="1.0" encoding="utf-8"?>
+<p:sld xmlns:a="http://schemas.openxmlformats.org/drawingml/2006/main" xmlns:r="http://schemas.openxmlformats.org/officeDocument/2006/relationships" xmlns:p="http://schemas.openxmlformats.org/presentationml/2006/main">
+  <p:cSld>
+    <p:spTree>
+      <p:nvGrpSpPr>
+        <p:cNvPr id="1" name=""/>
+        <p:cNvGrpSpPr/>
+        <p:nvPr/>
+      </p:nvGrpSpPr>
+      <p:grpSpPr>
+        <a:xfrm>
+          <a:off x="0" y="0"/>
+          <a:ext cx="0" cy="0"/>
+          <a:chOff x="0" y="0"/>
+          <a:chExt cx="0" cy="0"/>
+        </a:xfrm>
+      </p:grpSpPr>
+      <p:sp>
+        <p:nvSpPr>
+          <p:cNvPr id="2" name="Title 1">
+            <a:extLst>
+              <a:ext uri="{FF2B5EF4-FFF2-40B4-BE49-F238E27FC236}">
+                <a16:creationId xmlns:a16="http://schemas.microsoft.com/office/drawing/2014/main" id="{D006984F-EA55-4D49-92E2-E88E79815592}"/>
+              </a:ext>
+            </a:extLst>
+          </p:cNvPr>
+          <p:cNvSpPr>
+            <a:spLocks noGrp="1"/>
+          </p:cNvSpPr>
+          <p:nvPr>
+            <p:ph type="title"/>
+          </p:nvPr>
+        </p:nvSpPr>
+        <p:spPr/>
+        <p:txBody>
+          <a:bodyPr/>
+          <a:lstStyle/>
+          <a:p>
+            <a:r>
+              <a:rPr lang="en-US" dirty="0"/>
+              <a:t>Types of Investors and Their Expectations</a:t>
+            </a:r>
+          </a:p>
+        </p:txBody>
+      </p:sp>
+      <p:sp>
+        <p:nvSpPr>
+          <p:cNvPr id="3" name="Content Placeholder 2">
+            <a:extLst>
+              <a:ext uri="{FF2B5EF4-FFF2-40B4-BE49-F238E27FC236}">
+                <a16:creationId xmlns:a16="http://schemas.microsoft.com/office/drawing/2014/main" id="{25BE659D-7606-43B6-9EDE-C8F0725C3E78}"/>
+              </a:ext>
+            </a:extLst>
+          </p:cNvPr>
+          <p:cNvSpPr>
+            <a:spLocks noGrp="1"/>
+          </p:cNvSpPr>
+          <p:nvPr>
+            <p:ph idx="1"/>
+          </p:nvPr>
+        </p:nvSpPr>
+        <p:spPr>
+          <a:xfrm>
+            <a:off x="347526" y="1406880"/>
+            <a:ext cx="7787183" cy="4746091"/>
+          </a:xfrm>
+        </p:spPr>
+        <p:txBody>
+          <a:bodyPr>
+            <a:normAutofit/>
+          </a:bodyPr>
+          <a:lstStyle/>
+          <a:p>
+            <a:r>
+              <a:rPr lang="en-US" dirty="0"/>
+              <a:t>Venture Building: Creating Startups from Scratch</a:t>
+            </a:r>
+          </a:p>
+        </p:txBody>
+      </p:sp>
+      <p:sp>
+        <p:nvSpPr>
+          <p:cNvPr id="4" name="Slide Number Placeholder 3">
+            <a:extLst>
+              <a:ext uri="{FF2B5EF4-FFF2-40B4-BE49-F238E27FC236}">
+                <a16:creationId xmlns:a16="http://schemas.microsoft.com/office/drawing/2014/main" id="{6CEDAEC8-1EB2-4A17-8191-43AC84FBCD93}"/>
+              </a:ext>
+            </a:extLst>
+          </p:cNvPr>
+          <p:cNvSpPr>
+            <a:spLocks noGrp="1"/>
+          </p:cNvSpPr>
+          <p:nvPr>
+            <p:ph type="sldNum" sz="quarter" idx="12"/>
+          </p:nvPr>
+        </p:nvSpPr>
+        <p:spPr/>
+        <p:txBody>
+          <a:bodyPr/>
+          <a:lstStyle/>
+          <a:p>
+            <a:fld id="{B8DACC02-A2BD-4578-8E03-6D891060A695}" type="slidenum">
+              <a:rPr lang="en-US" smtClean="0"/>
+              <a:pPr/>
+              <a:t>37</a:t>
+            </a:fld>
+            <a:endParaRPr lang="en-US" dirty="0"/>
+          </a:p>
+        </p:txBody>
+      </p:sp>
+      <p:pic>
+        <p:nvPicPr>
+          <p:cNvPr id="2050" name="Picture 2" descr="Venture Building: From Idea to Company with a Web 3.0 Specialist Venture  Builder | by GAMI | Medium">
+            <a:extLst>
+              <a:ext uri="{FF2B5EF4-FFF2-40B4-BE49-F238E27FC236}">
+                <a16:creationId xmlns:a16="http://schemas.microsoft.com/office/drawing/2014/main" id="{E30DDA8B-9688-4A55-BDF3-9ACBD44D74E7}"/>
+              </a:ext>
+            </a:extLst>
+          </p:cNvPr>
+          <p:cNvPicPr>
+            <a:picLocks noChangeAspect="1" noChangeArrowheads="1"/>
+          </p:cNvPicPr>
+          <p:nvPr/>
+        </p:nvPicPr>
+        <p:blipFill rotWithShape="1">
+          <a:blip r:embed="rId2">
+            <a:extLst>
+              <a:ext uri="{28A0092B-C50C-407E-A947-70E740481C1C}">
+                <a14:useLocalDpi xmlns:a14="http://schemas.microsoft.com/office/drawing/2010/main" val="0"/>
+              </a:ext>
+            </a:extLst>
+          </a:blip>
+          <a:srcRect t="14687" b="18842"/>
+          <a:stretch/>
+        </p:blipFill>
+        <p:spPr bwMode="auto">
+          <a:xfrm>
+            <a:off x="1304026" y="2124804"/>
+            <a:ext cx="7772400" cy="3450566"/>
+          </a:xfrm>
+          <a:prstGeom prst="rect">
+            <a:avLst/>
+          </a:prstGeom>
+          <a:noFill/>
+          <a:extLst>
+            <a:ext uri="{909E8E84-426E-40DD-AFC4-6F175D3DCCD1}">
+              <a14:hiddenFill xmlns:a14="http://schemas.microsoft.com/office/drawing/2010/main">
+                <a:solidFill>
+                  <a:srgbClr val="FFFFFF"/>
+                </a:solidFill>
+              </a14:hiddenFill>
+            </a:ext>
+          </a:extLst>
+        </p:spPr>
+      </p:pic>
+    </p:spTree>
+    <p:extLst>
+      <p:ext uri="{BB962C8B-B14F-4D97-AF65-F5344CB8AC3E}">
+        <p14:creationId xmlns:p14="http://schemas.microsoft.com/office/powerpoint/2010/main" val="3072003131"/>
+      </p:ext>
+    </p:extLst>
+  </p:cSld>
+  <p:clrMapOvr>
+    <a:masterClrMapping/>
+  </p:clrMapOvr>
+</p:sld>
+</file>
+
+<file path=ppt/slides/slide38.xml><?xml version="1.0" encoding="utf-8"?>
+<p:sld xmlns:a="http://schemas.openxmlformats.org/drawingml/2006/main" xmlns:r="http://schemas.openxmlformats.org/officeDocument/2006/relationships" xmlns:p="http://schemas.openxmlformats.org/presentationml/2006/main">
+  <p:cSld>
+    <p:spTree>
+      <p:nvGrpSpPr>
+        <p:cNvPr id="1" name=""/>
+        <p:cNvGrpSpPr/>
+        <p:nvPr/>
+      </p:nvGrpSpPr>
+      <p:grpSpPr>
+        <a:xfrm>
+          <a:off x="0" y="0"/>
+          <a:ext cx="0" cy="0"/>
+          <a:chOff x="0" y="0"/>
+          <a:chExt cx="0" cy="0"/>
+        </a:xfrm>
+      </p:grpSpPr>
+      <p:sp>
+        <p:nvSpPr>
+          <p:cNvPr id="2" name="Title 1"/>
+          <p:cNvSpPr>
+            <a:spLocks noGrp="1"/>
+          </p:cNvSpPr>
+          <p:nvPr>
+            <p:ph type="title"/>
+          </p:nvPr>
+        </p:nvSpPr>
+        <p:spPr/>
+        <p:txBody>
+          <a:bodyPr>
+            <a:normAutofit fontScale="90000"/>
+          </a:bodyPr>
+          <a:lstStyle/>
+          <a:p>
+            <a:r>
+              <a:rPr lang="en-US" dirty="0"/>
+              <a:t> Importance of Understanding Investor Perspectives</a:t>
+            </a:r>
+          </a:p>
+        </p:txBody>
+      </p:sp>
+      <p:sp>
+        <p:nvSpPr>
+          <p:cNvPr id="3" name="Content Placeholder 2"/>
+          <p:cNvSpPr>
+            <a:spLocks noGrp="1"/>
+          </p:cNvSpPr>
+          <p:nvPr>
+            <p:ph idx="1"/>
+          </p:nvPr>
+        </p:nvSpPr>
+        <p:spPr/>
+        <p:txBody>
+          <a:bodyPr/>
+          <a:lstStyle/>
+          <a:p>
+            <a:r>
+              <a:rPr lang="en-US" dirty="0"/>
+              <a:t>Understanding investor perspectives helps entrepreneurs tailor their pitch to the specific investor.</a:t>
+            </a:r>
+          </a:p>
+          <a:p>
+            <a:r>
+              <a:rPr lang="en-US" dirty="0"/>
+              <a:t>A well-crafted pitch that addresses investor concerns can increase the chances of securing funding.</a:t>
+            </a:r>
+          </a:p>
+        </p:txBody>
+      </p:sp>
+      <p:sp>
+        <p:nvSpPr>
+          <p:cNvPr id="4" name="Slide Number Placeholder 3"/>
+          <p:cNvSpPr>
+            <a:spLocks noGrp="1"/>
+          </p:cNvSpPr>
+          <p:nvPr>
+            <p:ph type="sldNum" sz="quarter" idx="12"/>
+          </p:nvPr>
+        </p:nvSpPr>
+        <p:spPr/>
+        <p:txBody>
+          <a:bodyPr/>
+          <a:lstStyle/>
+          <a:p>
+            <a:fld id="{B8DACC02-A2BD-4578-8E03-6D891060A695}" type="slidenum">
+              <a:rPr lang="en-US" smtClean="0"/>
+              <a:pPr/>
+              <a:t>38</a:t>
             </a:fld>
             <a:endParaRPr lang="en-US" dirty="0"/>
           </a:p>
@@ -15822,267 +16188,6 @@
 </p:sld>
 </file>
 
-<file path=ppt/slides/slide37.xml><?xml version="1.0" encoding="utf-8"?>
-<p:sld xmlns:a="http://schemas.openxmlformats.org/drawingml/2006/main" xmlns:r="http://schemas.openxmlformats.org/officeDocument/2006/relationships" xmlns:p="http://schemas.openxmlformats.org/presentationml/2006/main">
-  <p:cSld>
-    <p:spTree>
-      <p:nvGrpSpPr>
-        <p:cNvPr id="1" name=""/>
-        <p:cNvGrpSpPr/>
-        <p:nvPr/>
-      </p:nvGrpSpPr>
-      <p:grpSpPr>
-        <a:xfrm>
-          <a:off x="0" y="0"/>
-          <a:ext cx="0" cy="0"/>
-          <a:chOff x="0" y="0"/>
-          <a:chExt cx="0" cy="0"/>
-        </a:xfrm>
-      </p:grpSpPr>
-      <p:sp>
-        <p:nvSpPr>
-          <p:cNvPr id="2" name="Title 1"/>
-          <p:cNvSpPr>
-            <a:spLocks noGrp="1"/>
-          </p:cNvSpPr>
-          <p:nvPr>
-            <p:ph type="title"/>
-          </p:nvPr>
-        </p:nvSpPr>
-        <p:spPr/>
-        <p:txBody>
-          <a:bodyPr/>
-          <a:lstStyle/>
-          <a:p>
-            <a:r>
-              <a:rPr lang="en-US" dirty="0"/>
-              <a:t>Meets Investor Expectations</a:t>
-            </a:r>
-          </a:p>
-        </p:txBody>
-      </p:sp>
-      <p:sp>
-        <p:nvSpPr>
-          <p:cNvPr id="3" name="Content Placeholder 2"/>
-          <p:cNvSpPr>
-            <a:spLocks noGrp="1"/>
-          </p:cNvSpPr>
-          <p:nvPr>
-            <p:ph idx="1"/>
-          </p:nvPr>
-        </p:nvSpPr>
-        <p:spPr/>
-        <p:txBody>
-          <a:bodyPr/>
-          <a:lstStyle/>
-          <a:p>
-            <a:r>
-              <a:rPr lang="en-US" dirty="0"/>
-              <a:t>Focus on the problem the startup is solving and the solution it offers.</a:t>
-            </a:r>
-          </a:p>
-          <a:p>
-            <a:r>
-              <a:rPr lang="en-US" dirty="0"/>
-              <a:t>Highlight the market opportunity and the startup's competitive advantage.</a:t>
-            </a:r>
-          </a:p>
-          <a:p>
-            <a:r>
-              <a:rPr lang="en-US" dirty="0"/>
-              <a:t>Emphasize the team's relevant skills and experience.</a:t>
-            </a:r>
-          </a:p>
-        </p:txBody>
-      </p:sp>
-      <p:sp>
-        <p:nvSpPr>
-          <p:cNvPr id="4" name="Slide Number Placeholder 3"/>
-          <p:cNvSpPr>
-            <a:spLocks noGrp="1"/>
-          </p:cNvSpPr>
-          <p:nvPr>
-            <p:ph type="sldNum" sz="quarter" idx="12"/>
-          </p:nvPr>
-        </p:nvSpPr>
-        <p:spPr/>
-        <p:txBody>
-          <a:bodyPr/>
-          <a:lstStyle/>
-          <a:p>
-            <a:fld id="{B8DACC02-A2BD-4578-8E03-6D891060A695}" type="slidenum">
-              <a:rPr lang="en-US" smtClean="0"/>
-              <a:pPr/>
-              <a:t>37</a:t>
-            </a:fld>
-            <a:endParaRPr lang="en-US" dirty="0"/>
-          </a:p>
-        </p:txBody>
-      </p:sp>
-    </p:spTree>
-    <p:extLst>
-      <p:ext uri="{BB962C8B-B14F-4D97-AF65-F5344CB8AC3E}">
-        <p14:creationId xmlns:p14="http://schemas.microsoft.com/office/powerpoint/2010/main" val="3745380419"/>
-      </p:ext>
-    </p:extLst>
-  </p:cSld>
-  <p:clrMapOvr>
-    <a:masterClrMapping/>
-  </p:clrMapOvr>
-</p:sld>
-</file>
-
-<file path=ppt/slides/slide38.xml><?xml version="1.0" encoding="utf-8"?>
-<p:sld xmlns:a="http://schemas.openxmlformats.org/drawingml/2006/main" xmlns:r="http://schemas.openxmlformats.org/officeDocument/2006/relationships" xmlns:p="http://schemas.openxmlformats.org/presentationml/2006/main">
-  <p:cSld>
-    <p:spTree>
-      <p:nvGrpSpPr>
-        <p:cNvPr id="1" name=""/>
-        <p:cNvGrpSpPr/>
-        <p:nvPr/>
-      </p:nvGrpSpPr>
-      <p:grpSpPr>
-        <a:xfrm>
-          <a:off x="0" y="0"/>
-          <a:ext cx="0" cy="0"/>
-          <a:chOff x="0" y="0"/>
-          <a:chExt cx="0" cy="0"/>
-        </a:xfrm>
-      </p:grpSpPr>
-      <p:sp>
-        <p:nvSpPr>
-          <p:cNvPr id="2" name="Title 1"/>
-          <p:cNvSpPr>
-            <a:spLocks noGrp="1"/>
-          </p:cNvSpPr>
-          <p:nvPr>
-            <p:ph type="title"/>
-          </p:nvPr>
-        </p:nvSpPr>
-        <p:spPr/>
-        <p:txBody>
-          <a:bodyPr/>
-          <a:lstStyle/>
-          <a:p>
-            <a:r>
-              <a:rPr lang="en-US" dirty="0"/>
-              <a:t>Crowdfunding</a:t>
-            </a:r>
-          </a:p>
-        </p:txBody>
-      </p:sp>
-      <p:sp>
-        <p:nvSpPr>
-          <p:cNvPr id="3" name="Content Placeholder 2"/>
-          <p:cNvSpPr>
-            <a:spLocks noGrp="1"/>
-          </p:cNvSpPr>
-          <p:nvPr>
-            <p:ph idx="1"/>
-          </p:nvPr>
-        </p:nvSpPr>
-        <p:spPr/>
-        <p:txBody>
-          <a:bodyPr/>
-          <a:lstStyle/>
-          <a:p>
-            <a:r>
-              <a:rPr lang="en-US" dirty="0"/>
-              <a:t>A method of raising capital through small contributions from a large number of people, typically through an online platform.</a:t>
-            </a:r>
-          </a:p>
-          <a:p>
-            <a:r>
-              <a:rPr lang="en-US" dirty="0"/>
-              <a:t>Crowdfunding can provide valuable marketing and exposure for a startup, and it can help entrepreneurs validate their idea and build a community of supporters.</a:t>
-            </a:r>
-          </a:p>
-          <a:p>
-            <a:r>
-              <a:rPr lang="en-US" dirty="0"/>
-              <a:t>Crowdfunding may not provide enough capital to meet a startup's needs, and it can be time-consuming and resource-intensive.</a:t>
-            </a:r>
-          </a:p>
-        </p:txBody>
-      </p:sp>
-      <p:sp>
-        <p:nvSpPr>
-          <p:cNvPr id="4" name="Slide Number Placeholder 3"/>
-          <p:cNvSpPr>
-            <a:spLocks noGrp="1"/>
-          </p:cNvSpPr>
-          <p:nvPr>
-            <p:ph type="sldNum" sz="quarter" idx="12"/>
-          </p:nvPr>
-        </p:nvSpPr>
-        <p:spPr/>
-        <p:txBody>
-          <a:bodyPr/>
-          <a:lstStyle/>
-          <a:p>
-            <a:fld id="{B8DACC02-A2BD-4578-8E03-6D891060A695}" type="slidenum">
-              <a:rPr lang="en-US" smtClean="0"/>
-              <a:pPr/>
-              <a:t>38</a:t>
-            </a:fld>
-            <a:endParaRPr lang="en-US" dirty="0"/>
-          </a:p>
-        </p:txBody>
-      </p:sp>
-      <p:pic>
-        <p:nvPicPr>
-          <p:cNvPr id="9218" name="Picture 2" descr="Crowdfunding explained"/>
-          <p:cNvPicPr>
-            <a:picLocks noChangeAspect="1" noChangeArrowheads="1"/>
-          </p:cNvPicPr>
-          <p:nvPr/>
-        </p:nvPicPr>
-        <p:blipFill>
-          <a:blip r:embed="rId2">
-            <a:extLst>
-              <a:ext uri="{28A0092B-C50C-407E-A947-70E740481C1C}">
-                <a14:useLocalDpi xmlns:a14="http://schemas.microsoft.com/office/drawing/2010/main" val="0"/>
-              </a:ext>
-            </a:extLst>
-          </a:blip>
-          <a:srcRect/>
-          <a:stretch>
-            <a:fillRect/>
-          </a:stretch>
-        </p:blipFill>
-        <p:spPr bwMode="auto">
-          <a:xfrm>
-            <a:off x="6448954" y="4559299"/>
-            <a:ext cx="3933825" cy="1933576"/>
-          </a:xfrm>
-          <a:prstGeom prst="rect">
-            <a:avLst/>
-          </a:prstGeom>
-          <a:noFill/>
-          <a:extLst>
-            <a:ext uri="{909E8E84-426E-40DD-AFC4-6F175D3DCCD1}">
-              <a14:hiddenFill xmlns:a14="http://schemas.microsoft.com/office/drawing/2010/main">
-                <a:solidFill>
-                  <a:srgbClr val="FFFFFF"/>
-                </a:solidFill>
-              </a14:hiddenFill>
-            </a:ext>
-          </a:extLst>
-        </p:spPr>
-      </p:pic>
-    </p:spTree>
-    <p:extLst>
-      <p:ext uri="{BB962C8B-B14F-4D97-AF65-F5344CB8AC3E}">
-        <p14:creationId xmlns:p14="http://schemas.microsoft.com/office/powerpoint/2010/main" val="3382039723"/>
-      </p:ext>
-    </p:extLst>
-  </p:cSld>
-  <p:clrMapOvr>
-    <a:masterClrMapping/>
-  </p:clrMapOvr>
-</p:sld>
-</file>
-
 <file path=ppt/slides/slide39.xml><?xml version="1.0" encoding="utf-8"?>
 <p:sld xmlns:a="http://schemas.openxmlformats.org/drawingml/2006/main" xmlns:r="http://schemas.openxmlformats.org/officeDocument/2006/relationships" xmlns:p="http://schemas.openxmlformats.org/presentationml/2006/main">
   <p:cSld>
@@ -16117,7 +16222,7 @@
           <a:p>
             <a:r>
               <a:rPr lang="en-US" dirty="0"/>
-              <a:t>Crowdfunding</a:t>
+              <a:t>Meets Investor Expectations</a:t>
             </a:r>
           </a:p>
         </p:txBody>
@@ -16137,7 +16242,22 @@
           <a:bodyPr/>
           <a:lstStyle/>
           <a:p>
-            <a:endParaRPr lang="en-US"/>
+            <a:r>
+              <a:rPr lang="en-US" dirty="0"/>
+              <a:t>Focus on the problem the startup is solving and the solution it offers.</a:t>
+            </a:r>
+          </a:p>
+          <a:p>
+            <a:r>
+              <a:rPr lang="en-US" dirty="0"/>
+              <a:t>Highlight the market opportunity and the startup's competitive advantage.</a:t>
+            </a:r>
+          </a:p>
+          <a:p>
+            <a:r>
+              <a:rPr lang="en-US" dirty="0"/>
+              <a:t>Emphasize the team's relevant skills and experience.</a:t>
+            </a:r>
           </a:p>
         </p:txBody>
       </p:sp>
@@ -16165,49 +16285,10 @@
           </a:p>
         </p:txBody>
       </p:sp>
-      <p:pic>
-        <p:nvPicPr>
-          <p:cNvPr id="10242" name="Picture 2" descr="Crowdfunding: What It Is, How It Works, Types &amp; Websites"/>
-          <p:cNvPicPr>
-            <a:picLocks noChangeAspect="1" noChangeArrowheads="1"/>
-          </p:cNvPicPr>
-          <p:nvPr/>
-        </p:nvPicPr>
-        <p:blipFill rotWithShape="1">
-          <a:blip r:embed="rId2">
-            <a:extLst>
-              <a:ext uri="{28A0092B-C50C-407E-A947-70E740481C1C}">
-                <a14:useLocalDpi xmlns:a14="http://schemas.microsoft.com/office/drawing/2010/main" val="0"/>
-              </a:ext>
-            </a:extLst>
-          </a:blip>
-          <a:srcRect t="12848" b="12220"/>
-          <a:stretch/>
-        </p:blipFill>
-        <p:spPr bwMode="auto">
-          <a:xfrm>
-            <a:off x="975084" y="1526635"/>
-            <a:ext cx="9806400" cy="4796288"/>
-          </a:xfrm>
-          <a:prstGeom prst="rect">
-            <a:avLst/>
-          </a:prstGeom>
-          <a:noFill/>
-          <a:extLst>
-            <a:ext uri="{909E8E84-426E-40DD-AFC4-6F175D3DCCD1}">
-              <a14:hiddenFill xmlns:a14="http://schemas.microsoft.com/office/drawing/2010/main">
-                <a:solidFill>
-                  <a:srgbClr val="FFFFFF"/>
-                </a:solidFill>
-              </a14:hiddenFill>
-            </a:ext>
-          </a:extLst>
-        </p:spPr>
-      </p:pic>
     </p:spTree>
     <p:extLst>
       <p:ext uri="{BB962C8B-B14F-4D97-AF65-F5344CB8AC3E}">
-        <p14:creationId xmlns:p14="http://schemas.microsoft.com/office/powerpoint/2010/main" val="4083688302"/>
+        <p14:creationId xmlns:p14="http://schemas.microsoft.com/office/powerpoint/2010/main" val="3745380419"/>
       </p:ext>
     </p:extLst>
   </p:cSld>
@@ -16328,13 +16409,7 @@
       </p:grpSpPr>
       <p:sp>
         <p:nvSpPr>
-          <p:cNvPr id="2" name="Title 1">
-            <a:extLst>
-              <a:ext uri="{FF2B5EF4-FFF2-40B4-BE49-F238E27FC236}">
-                <a16:creationId xmlns:a16="http://schemas.microsoft.com/office/drawing/2014/main" id="{BC695D01-C9B0-4D73-B6F0-B827B61B6203}"/>
-              </a:ext>
-            </a:extLst>
-          </p:cNvPr>
+          <p:cNvPr id="2" name="Title 1"/>
           <p:cNvSpPr>
             <a:spLocks noGrp="1"/>
           </p:cNvSpPr>
@@ -16349,20 +16424,14 @@
           <a:p>
             <a:r>
               <a:rPr lang="en-US" dirty="0"/>
-              <a:t>Key Metrics for Evaluating Software Startups</a:t>
-            </a:r>
-          </a:p>
-        </p:txBody>
-      </p:sp>
-      <p:sp>
-        <p:nvSpPr>
-          <p:cNvPr id="3" name="Content Placeholder 2">
-            <a:extLst>
-              <a:ext uri="{FF2B5EF4-FFF2-40B4-BE49-F238E27FC236}">
-                <a16:creationId xmlns:a16="http://schemas.microsoft.com/office/drawing/2014/main" id="{F2F1257B-C568-4B09-8D19-727CE1CB0529}"/>
-              </a:ext>
-            </a:extLst>
-          </p:cNvPr>
+              <a:t>Crowdfunding</a:t>
+            </a:r>
+          </a:p>
+        </p:txBody>
+      </p:sp>
+      <p:sp>
+        <p:nvSpPr>
+          <p:cNvPr id="3" name="Content Placeholder 2"/>
           <p:cNvSpPr>
             <a:spLocks noGrp="1"/>
           </p:cNvSpPr>
@@ -16377,44 +16446,26 @@
           <a:p>
             <a:r>
               <a:rPr lang="en-US" dirty="0"/>
-              <a:t>User acquisition cost (UAC)</a:t>
-            </a:r>
-          </a:p>
-          <a:p>
-            <a:r>
-              <a:rPr lang="en-US" dirty="0"/>
-              <a:t>Churn rate</a:t>
-            </a:r>
-          </a:p>
-          <a:p>
-            <a:r>
-              <a:rPr lang="en-US" dirty="0"/>
-              <a:t>Lifetime value (LTV)</a:t>
-            </a:r>
-          </a:p>
-          <a:p>
-            <a:r>
-              <a:rPr lang="en-US" dirty="0"/>
-              <a:t>Customer acquisition cost (CAC)</a:t>
-            </a:r>
-          </a:p>
-          <a:p>
-            <a:r>
-              <a:rPr lang="en-US" dirty="0"/>
-              <a:t>Retention rate</a:t>
-            </a:r>
-          </a:p>
-        </p:txBody>
-      </p:sp>
-      <p:sp>
-        <p:nvSpPr>
-          <p:cNvPr id="4" name="Slide Number Placeholder 3">
-            <a:extLst>
-              <a:ext uri="{FF2B5EF4-FFF2-40B4-BE49-F238E27FC236}">
-                <a16:creationId xmlns:a16="http://schemas.microsoft.com/office/drawing/2014/main" id="{7286C0FD-319D-4C56-BFDB-D9401BD4FB09}"/>
-              </a:ext>
-            </a:extLst>
-          </p:cNvPr>
+              <a:t>A method of raising capital through small contributions from a large number of people, typically through an online platform.</a:t>
+            </a:r>
+          </a:p>
+          <a:p>
+            <a:r>
+              <a:rPr lang="en-US" dirty="0"/>
+              <a:t>Crowdfunding can provide valuable marketing and exposure for a startup, and it can help entrepreneurs validate their idea and build a community of supporters.</a:t>
+            </a:r>
+          </a:p>
+          <a:p>
+            <a:r>
+              <a:rPr lang="en-US" dirty="0"/>
+              <a:t>Crowdfunding may not provide enough capital to meet a startup's needs, and it can be time-consuming and resource-intensive.</a:t>
+            </a:r>
+          </a:p>
+        </p:txBody>
+      </p:sp>
+      <p:sp>
+        <p:nvSpPr>
+          <p:cNvPr id="4" name="Slide Number Placeholder 3"/>
           <p:cNvSpPr>
             <a:spLocks noGrp="1"/>
           </p:cNvSpPr>
@@ -16436,10 +16487,51 @@
           </a:p>
         </p:txBody>
       </p:sp>
+      <p:pic>
+        <p:nvPicPr>
+          <p:cNvPr id="9218" name="Picture 2" descr="Crowdfunding explained"/>
+          <p:cNvPicPr>
+            <a:picLocks noChangeAspect="1" noChangeArrowheads="1"/>
+          </p:cNvPicPr>
+          <p:nvPr/>
+        </p:nvPicPr>
+        <p:blipFill>
+          <a:blip r:embed="rId2">
+            <a:extLst>
+              <a:ext uri="{28A0092B-C50C-407E-A947-70E740481C1C}">
+                <a14:useLocalDpi xmlns:a14="http://schemas.microsoft.com/office/drawing/2010/main" val="0"/>
+              </a:ext>
+            </a:extLst>
+          </a:blip>
+          <a:srcRect/>
+          <a:stretch>
+            <a:fillRect/>
+          </a:stretch>
+        </p:blipFill>
+        <p:spPr bwMode="auto">
+          <a:xfrm>
+            <a:off x="6448954" y="4559299"/>
+            <a:ext cx="3933825" cy="1933576"/>
+          </a:xfrm>
+          <a:prstGeom prst="rect">
+            <a:avLst/>
+          </a:prstGeom>
+          <a:noFill/>
+          <a:extLst>
+            <a:ext uri="{909E8E84-426E-40DD-AFC4-6F175D3DCCD1}">
+              <a14:hiddenFill xmlns:a14="http://schemas.microsoft.com/office/drawing/2010/main">
+                <a:solidFill>
+                  <a:srgbClr val="FFFFFF"/>
+                </a:solidFill>
+              </a14:hiddenFill>
+            </a:ext>
+          </a:extLst>
+        </p:spPr>
+      </p:pic>
     </p:spTree>
     <p:extLst>
       <p:ext uri="{BB962C8B-B14F-4D97-AF65-F5344CB8AC3E}">
-        <p14:creationId xmlns:p14="http://schemas.microsoft.com/office/powerpoint/2010/main" val="763497934"/>
+        <p14:creationId xmlns:p14="http://schemas.microsoft.com/office/powerpoint/2010/main" val="3382039723"/>
       </p:ext>
     </p:extLst>
   </p:cSld>
@@ -16468,13 +16560,7 @@
       </p:grpSpPr>
       <p:sp>
         <p:nvSpPr>
-          <p:cNvPr id="2" name="Title 1">
-            <a:extLst>
-              <a:ext uri="{FF2B5EF4-FFF2-40B4-BE49-F238E27FC236}">
-                <a16:creationId xmlns:a16="http://schemas.microsoft.com/office/drawing/2014/main" id="{FBA010B2-3489-4628-A2BA-DB7E219EC011}"/>
-              </a:ext>
-            </a:extLst>
-          </p:cNvPr>
+          <p:cNvPr id="2" name="Title 1"/>
           <p:cNvSpPr>
             <a:spLocks noGrp="1"/>
           </p:cNvSpPr>
@@ -16489,20 +16575,14 @@
           <a:p>
             <a:r>
               <a:rPr lang="en-US" dirty="0"/>
-              <a:t>Assessing Growth and Scalability</a:t>
-            </a:r>
-          </a:p>
-        </p:txBody>
-      </p:sp>
-      <p:sp>
-        <p:nvSpPr>
-          <p:cNvPr id="3" name="Content Placeholder 2">
-            <a:extLst>
-              <a:ext uri="{FF2B5EF4-FFF2-40B4-BE49-F238E27FC236}">
-                <a16:creationId xmlns:a16="http://schemas.microsoft.com/office/drawing/2014/main" id="{0D794337-CA3A-4A76-8DFA-F4137F0BEE7B}"/>
-              </a:ext>
-            </a:extLst>
-          </p:cNvPr>
+              <a:t>Crowdfunding</a:t>
+            </a:r>
+          </a:p>
+        </p:txBody>
+      </p:sp>
+      <p:sp>
+        <p:nvSpPr>
+          <p:cNvPr id="3" name="Content Placeholder 2"/>
           <p:cNvSpPr>
             <a:spLocks noGrp="1"/>
           </p:cNvSpPr>
@@ -16515,40 +16595,13 @@
           <a:bodyPr/>
           <a:lstStyle/>
           <a:p>
-            <a:r>
-              <a:rPr lang="en-US" dirty="0"/>
-              <a:t>Market opportunity and potential for growth</a:t>
-            </a:r>
-          </a:p>
-          <a:p>
-            <a:r>
-              <a:rPr lang="en-US" dirty="0"/>
-              <a:t>Competitive landscape</a:t>
-            </a:r>
-          </a:p>
-          <a:p>
-            <a:r>
-              <a:rPr lang="en-US" dirty="0"/>
-              <a:t>Market size and growth rate</a:t>
-            </a:r>
-          </a:p>
-          <a:p>
-            <a:r>
-              <a:rPr lang="en-US" dirty="0"/>
-              <a:t>Scalability of the product and business model</a:t>
-            </a:r>
-          </a:p>
-        </p:txBody>
-      </p:sp>
-      <p:sp>
-        <p:nvSpPr>
-          <p:cNvPr id="4" name="Slide Number Placeholder 3">
-            <a:extLst>
-              <a:ext uri="{FF2B5EF4-FFF2-40B4-BE49-F238E27FC236}">
-                <a16:creationId xmlns:a16="http://schemas.microsoft.com/office/drawing/2014/main" id="{41424179-B66B-47E7-8637-BC12C0906FEE}"/>
-              </a:ext>
-            </a:extLst>
-          </p:cNvPr>
+            <a:endParaRPr lang="en-US"/>
+          </a:p>
+        </p:txBody>
+      </p:sp>
+      <p:sp>
+        <p:nvSpPr>
+          <p:cNvPr id="4" name="Slide Number Placeholder 3"/>
           <p:cNvSpPr>
             <a:spLocks noGrp="1"/>
           </p:cNvSpPr>
@@ -16570,10 +16623,49 @@
           </a:p>
         </p:txBody>
       </p:sp>
+      <p:pic>
+        <p:nvPicPr>
+          <p:cNvPr id="10242" name="Picture 2" descr="Crowdfunding: What It Is, How It Works, Types &amp; Websites"/>
+          <p:cNvPicPr>
+            <a:picLocks noChangeAspect="1" noChangeArrowheads="1"/>
+          </p:cNvPicPr>
+          <p:nvPr/>
+        </p:nvPicPr>
+        <p:blipFill rotWithShape="1">
+          <a:blip r:embed="rId2">
+            <a:extLst>
+              <a:ext uri="{28A0092B-C50C-407E-A947-70E740481C1C}">
+                <a14:useLocalDpi xmlns:a14="http://schemas.microsoft.com/office/drawing/2010/main" val="0"/>
+              </a:ext>
+            </a:extLst>
+          </a:blip>
+          <a:srcRect t="12848" b="12220"/>
+          <a:stretch/>
+        </p:blipFill>
+        <p:spPr bwMode="auto">
+          <a:xfrm>
+            <a:off x="975084" y="1526635"/>
+            <a:ext cx="9806400" cy="4796288"/>
+          </a:xfrm>
+          <a:prstGeom prst="rect">
+            <a:avLst/>
+          </a:prstGeom>
+          <a:noFill/>
+          <a:extLst>
+            <a:ext uri="{909E8E84-426E-40DD-AFC4-6F175D3DCCD1}">
+              <a14:hiddenFill xmlns:a14="http://schemas.microsoft.com/office/drawing/2010/main">
+                <a:solidFill>
+                  <a:srgbClr val="FFFFFF"/>
+                </a:solidFill>
+              </a14:hiddenFill>
+            </a:ext>
+          </a:extLst>
+        </p:spPr>
+      </p:pic>
     </p:spTree>
     <p:extLst>
       <p:ext uri="{BB962C8B-B14F-4D97-AF65-F5344CB8AC3E}">
-        <p14:creationId xmlns:p14="http://schemas.microsoft.com/office/powerpoint/2010/main" val="3684957497"/>
+        <p14:creationId xmlns:p14="http://schemas.microsoft.com/office/powerpoint/2010/main" val="4083688302"/>
       </p:ext>
     </p:extLst>
   </p:cSld>
@@ -16605,7 +16697,7 @@
           <p:cNvPr id="2" name="Title 1">
             <a:extLst>
               <a:ext uri="{FF2B5EF4-FFF2-40B4-BE49-F238E27FC236}">
-                <a16:creationId xmlns:a16="http://schemas.microsoft.com/office/drawing/2014/main" id="{CD12EC60-F953-46E6-AABB-CB6BA0F0DB9F}"/>
+                <a16:creationId xmlns:a16="http://schemas.microsoft.com/office/drawing/2014/main" id="{BC695D01-C9B0-4D73-B6F0-B827B61B6203}"/>
               </a:ext>
             </a:extLst>
           </p:cNvPr>
@@ -16623,7 +16715,7 @@
           <a:p>
             <a:r>
               <a:rPr lang="en-US" dirty="0"/>
-              <a:t>Evaluating the Team</a:t>
+              <a:t>Key Metrics for Evaluating Software Startups</a:t>
             </a:r>
           </a:p>
         </p:txBody>
@@ -16633,7 +16725,7 @@
           <p:cNvPr id="3" name="Content Placeholder 2">
             <a:extLst>
               <a:ext uri="{FF2B5EF4-FFF2-40B4-BE49-F238E27FC236}">
-                <a16:creationId xmlns:a16="http://schemas.microsoft.com/office/drawing/2014/main" id="{02B660DE-A4A2-49CB-9E54-70DAD1D2C835}"/>
+                <a16:creationId xmlns:a16="http://schemas.microsoft.com/office/drawing/2014/main" id="{F2F1257B-C568-4B09-8D19-727CE1CB0529}"/>
               </a:ext>
             </a:extLst>
           </p:cNvPr>
@@ -16651,25 +16743,31 @@
           <a:p>
             <a:r>
               <a:rPr lang="en-US" dirty="0"/>
-              <a:t>Team dynamics and chemistry</a:t>
-            </a:r>
-          </a:p>
-          <a:p>
-            <a:r>
-              <a:rPr lang="en-US" dirty="0"/>
-              <a:t>Experience and skills of the founding team</a:t>
-            </a:r>
-          </a:p>
-          <a:p>
-            <a:r>
-              <a:rPr lang="en-US" dirty="0"/>
-              <a:t>Ability to execute and drive growth</a:t>
-            </a:r>
-          </a:p>
-          <a:p>
-            <a:r>
-              <a:rPr lang="en-US" dirty="0"/>
-              <a:t>Leadership and vision</a:t>
+              <a:t>User acquisition cost (UAC)</a:t>
+            </a:r>
+          </a:p>
+          <a:p>
+            <a:r>
+              <a:rPr lang="en-US" dirty="0"/>
+              <a:t>Churn rate</a:t>
+            </a:r>
+          </a:p>
+          <a:p>
+            <a:r>
+              <a:rPr lang="en-US" dirty="0"/>
+              <a:t>Lifetime value (LTV)</a:t>
+            </a:r>
+          </a:p>
+          <a:p>
+            <a:r>
+              <a:rPr lang="en-US" dirty="0"/>
+              <a:t>Customer acquisition cost (CAC)</a:t>
+            </a:r>
+          </a:p>
+          <a:p>
+            <a:r>
+              <a:rPr lang="en-US" dirty="0"/>
+              <a:t>Retention rate</a:t>
             </a:r>
           </a:p>
         </p:txBody>
@@ -16679,7 +16777,7 @@
           <p:cNvPr id="4" name="Slide Number Placeholder 3">
             <a:extLst>
               <a:ext uri="{FF2B5EF4-FFF2-40B4-BE49-F238E27FC236}">
-                <a16:creationId xmlns:a16="http://schemas.microsoft.com/office/drawing/2014/main" id="{A2709B07-050B-4794-BFCD-C6216DEB4AB1}"/>
+                <a16:creationId xmlns:a16="http://schemas.microsoft.com/office/drawing/2014/main" id="{7286C0FD-319D-4C56-BFDB-D9401BD4FB09}"/>
               </a:ext>
             </a:extLst>
           </p:cNvPr>
@@ -16707,7 +16805,7 @@
     </p:spTree>
     <p:extLst>
       <p:ext uri="{BB962C8B-B14F-4D97-AF65-F5344CB8AC3E}">
-        <p14:creationId xmlns:p14="http://schemas.microsoft.com/office/powerpoint/2010/main" val="3273394063"/>
+        <p14:creationId xmlns:p14="http://schemas.microsoft.com/office/powerpoint/2010/main" val="763497934"/>
       </p:ext>
     </p:extLst>
   </p:cSld>
@@ -16739,7 +16837,7 @@
           <p:cNvPr id="2" name="Title 1">
             <a:extLst>
               <a:ext uri="{FF2B5EF4-FFF2-40B4-BE49-F238E27FC236}">
-                <a16:creationId xmlns:a16="http://schemas.microsoft.com/office/drawing/2014/main" id="{6C485C44-AE67-4B2C-9C57-4C847DA91F4A}"/>
+                <a16:creationId xmlns:a16="http://schemas.microsoft.com/office/drawing/2014/main" id="{FBA010B2-3489-4628-A2BA-DB7E219EC011}"/>
               </a:ext>
             </a:extLst>
           </p:cNvPr>
@@ -16757,7 +16855,7 @@
           <a:p>
             <a:r>
               <a:rPr lang="en-US" dirty="0"/>
-              <a:t>Evaluating the Product and Technology</a:t>
+              <a:t>Assessing Growth and Scalability</a:t>
             </a:r>
           </a:p>
         </p:txBody>
@@ -16767,7 +16865,7 @@
           <p:cNvPr id="3" name="Content Placeholder 2">
             <a:extLst>
               <a:ext uri="{FF2B5EF4-FFF2-40B4-BE49-F238E27FC236}">
-                <a16:creationId xmlns:a16="http://schemas.microsoft.com/office/drawing/2014/main" id="{0FB5FD7B-EA62-4EBB-9A40-F96554E02D35}"/>
+                <a16:creationId xmlns:a16="http://schemas.microsoft.com/office/drawing/2014/main" id="{0D794337-CA3A-4A76-8DFA-F4137F0BEE7B}"/>
               </a:ext>
             </a:extLst>
           </p:cNvPr>
@@ -16785,25 +16883,25 @@
           <a:p>
             <a:r>
               <a:rPr lang="en-US" dirty="0"/>
-              <a:t>Product-market fit</a:t>
-            </a:r>
-          </a:p>
-          <a:p>
-            <a:r>
-              <a:rPr lang="en-US" dirty="0"/>
-              <a:t>Scalability and defensibility</a:t>
-            </a:r>
-          </a:p>
-          <a:p>
-            <a:r>
-              <a:rPr lang="en-US" dirty="0"/>
-              <a:t>Technical capabilities and potential</a:t>
-            </a:r>
-          </a:p>
-          <a:p>
-            <a:r>
-              <a:rPr lang="en-US" dirty="0"/>
-              <a:t>Competitive advantage</a:t>
+              <a:t>Market opportunity and potential for growth</a:t>
+            </a:r>
+          </a:p>
+          <a:p>
+            <a:r>
+              <a:rPr lang="en-US" dirty="0"/>
+              <a:t>Competitive landscape</a:t>
+            </a:r>
+          </a:p>
+          <a:p>
+            <a:r>
+              <a:rPr lang="en-US" dirty="0"/>
+              <a:t>Market size and growth rate</a:t>
+            </a:r>
+          </a:p>
+          <a:p>
+            <a:r>
+              <a:rPr lang="en-US" dirty="0"/>
+              <a:t>Scalability of the product and business model</a:t>
             </a:r>
           </a:p>
         </p:txBody>
@@ -16813,7 +16911,7 @@
           <p:cNvPr id="4" name="Slide Number Placeholder 3">
             <a:extLst>
               <a:ext uri="{FF2B5EF4-FFF2-40B4-BE49-F238E27FC236}">
-                <a16:creationId xmlns:a16="http://schemas.microsoft.com/office/drawing/2014/main" id="{68F3C670-FA64-42B7-ADB5-0045F1B652BA}"/>
+                <a16:creationId xmlns:a16="http://schemas.microsoft.com/office/drawing/2014/main" id="{41424179-B66B-47E7-8637-BC12C0906FEE}"/>
               </a:ext>
             </a:extLst>
           </p:cNvPr>
@@ -16841,7 +16939,7 @@
     </p:spTree>
     <p:extLst>
       <p:ext uri="{BB962C8B-B14F-4D97-AF65-F5344CB8AC3E}">
-        <p14:creationId xmlns:p14="http://schemas.microsoft.com/office/powerpoint/2010/main" val="897209259"/>
+        <p14:creationId xmlns:p14="http://schemas.microsoft.com/office/powerpoint/2010/main" val="3684957497"/>
       </p:ext>
     </p:extLst>
   </p:cSld>
@@ -16873,7 +16971,7 @@
           <p:cNvPr id="2" name="Title 1">
             <a:extLst>
               <a:ext uri="{FF2B5EF4-FFF2-40B4-BE49-F238E27FC236}">
-                <a16:creationId xmlns:a16="http://schemas.microsoft.com/office/drawing/2014/main" id="{5397EC52-A4C1-4B31-95E7-2660D175D527}"/>
+                <a16:creationId xmlns:a16="http://schemas.microsoft.com/office/drawing/2014/main" id="{CD12EC60-F953-46E6-AABB-CB6BA0F0DB9F}"/>
               </a:ext>
             </a:extLst>
           </p:cNvPr>
@@ -16891,7 +16989,7 @@
           <a:p>
             <a:r>
               <a:rPr lang="en-US" dirty="0"/>
-              <a:t>Market Opportunity</a:t>
+              <a:t>Evaluating the Team</a:t>
             </a:r>
           </a:p>
         </p:txBody>
@@ -16901,7 +16999,7 @@
           <p:cNvPr id="3" name="Content Placeholder 2">
             <a:extLst>
               <a:ext uri="{FF2B5EF4-FFF2-40B4-BE49-F238E27FC236}">
-                <a16:creationId xmlns:a16="http://schemas.microsoft.com/office/drawing/2014/main" id="{2E79FE37-08D0-4B97-882E-E200376F938E}"/>
+                <a16:creationId xmlns:a16="http://schemas.microsoft.com/office/drawing/2014/main" id="{02B660DE-A4A2-49CB-9E54-70DAD1D2C835}"/>
               </a:ext>
             </a:extLst>
           </p:cNvPr>
@@ -16919,25 +17017,25 @@
           <a:p>
             <a:r>
               <a:rPr lang="en-US" dirty="0"/>
-              <a:t>Market size and growth rate</a:t>
-            </a:r>
-          </a:p>
-          <a:p>
-            <a:r>
-              <a:rPr lang="en-US" dirty="0"/>
-              <a:t>Competitive landscape</a:t>
-            </a:r>
-          </a:p>
-          <a:p>
-            <a:r>
-              <a:rPr lang="en-US" dirty="0"/>
-              <a:t>Target market and customer needs</a:t>
-            </a:r>
-          </a:p>
-          <a:p>
-            <a:r>
-              <a:rPr lang="en-US" dirty="0"/>
-              <a:t>Market trends and potential for disruption</a:t>
+              <a:t>Team dynamics and chemistry</a:t>
+            </a:r>
+          </a:p>
+          <a:p>
+            <a:r>
+              <a:rPr lang="en-US" dirty="0"/>
+              <a:t>Experience and skills of the founding team</a:t>
+            </a:r>
+          </a:p>
+          <a:p>
+            <a:r>
+              <a:rPr lang="en-US" dirty="0"/>
+              <a:t>Ability to execute and drive growth</a:t>
+            </a:r>
+          </a:p>
+          <a:p>
+            <a:r>
+              <a:rPr lang="en-US" dirty="0"/>
+              <a:t>Leadership and vision</a:t>
             </a:r>
           </a:p>
         </p:txBody>
@@ -16947,7 +17045,7 @@
           <p:cNvPr id="4" name="Slide Number Placeholder 3">
             <a:extLst>
               <a:ext uri="{FF2B5EF4-FFF2-40B4-BE49-F238E27FC236}">
-                <a16:creationId xmlns:a16="http://schemas.microsoft.com/office/drawing/2014/main" id="{9E52D98B-095E-408E-AE36-0B3518B76884}"/>
+                <a16:creationId xmlns:a16="http://schemas.microsoft.com/office/drawing/2014/main" id="{A2709B07-050B-4794-BFCD-C6216DEB4AB1}"/>
               </a:ext>
             </a:extLst>
           </p:cNvPr>
@@ -16975,7 +17073,7 @@
     </p:spTree>
     <p:extLst>
       <p:ext uri="{BB962C8B-B14F-4D97-AF65-F5344CB8AC3E}">
-        <p14:creationId xmlns:p14="http://schemas.microsoft.com/office/powerpoint/2010/main" val="2753436425"/>
+        <p14:creationId xmlns:p14="http://schemas.microsoft.com/office/powerpoint/2010/main" val="3273394063"/>
       </p:ext>
     </p:extLst>
   </p:cSld>
@@ -17007,7 +17105,7 @@
           <p:cNvPr id="2" name="Title 1">
             <a:extLst>
               <a:ext uri="{FF2B5EF4-FFF2-40B4-BE49-F238E27FC236}">
-                <a16:creationId xmlns:a16="http://schemas.microsoft.com/office/drawing/2014/main" id="{7E1DDE78-B117-4371-B9AB-66305E3F4EFD}"/>
+                <a16:creationId xmlns:a16="http://schemas.microsoft.com/office/drawing/2014/main" id="{6C485C44-AE67-4B2C-9C57-4C847DA91F4A}"/>
               </a:ext>
             </a:extLst>
           </p:cNvPr>
@@ -17020,14 +17118,12 @@
         </p:nvSpPr>
         <p:spPr/>
         <p:txBody>
-          <a:bodyPr>
-            <a:normAutofit fontScale="90000"/>
-          </a:bodyPr>
-          <a:lstStyle/>
-          <a:p>
-            <a:r>
-              <a:rPr lang="en-US" dirty="0"/>
-              <a:t>Investor Perspectives on Product and Technology</a:t>
+          <a:bodyPr/>
+          <a:lstStyle/>
+          <a:p>
+            <a:r>
+              <a:rPr lang="en-US" dirty="0"/>
+              <a:t>Evaluating the Product and Technology</a:t>
             </a:r>
           </a:p>
         </p:txBody>
@@ -17037,7 +17133,7 @@
           <p:cNvPr id="3" name="Content Placeholder 2">
             <a:extLst>
               <a:ext uri="{FF2B5EF4-FFF2-40B4-BE49-F238E27FC236}">
-                <a16:creationId xmlns:a16="http://schemas.microsoft.com/office/drawing/2014/main" id="{F6732623-1FC7-43FC-ABBB-4515E02DB896}"/>
+                <a16:creationId xmlns:a16="http://schemas.microsoft.com/office/drawing/2014/main" id="{0FB5FD7B-EA62-4EBB-9A40-F96554E02D35}"/>
               </a:ext>
             </a:extLst>
           </p:cNvPr>
@@ -17055,19 +17151,25 @@
           <a:p>
             <a:r>
               <a:rPr lang="en-US" dirty="0"/>
-              <a:t>How investors evaluate the product and technology</a:t>
-            </a:r>
-          </a:p>
-          <a:p>
-            <a:r>
-              <a:rPr lang="en-US" dirty="0"/>
-              <a:t>Importance of product-market fit, scalability, and defensibility</a:t>
-            </a:r>
-          </a:p>
-          <a:p>
-            <a:r>
-              <a:rPr lang="en-US" dirty="0"/>
-              <a:t>Use of technical assessments and due diligence to evaluate the startup's product</a:t>
+              <a:t>Product-market fit</a:t>
+            </a:r>
+          </a:p>
+          <a:p>
+            <a:r>
+              <a:rPr lang="en-US" dirty="0"/>
+              <a:t>Scalability and defensibility</a:t>
+            </a:r>
+          </a:p>
+          <a:p>
+            <a:r>
+              <a:rPr lang="en-US" dirty="0"/>
+              <a:t>Technical capabilities and potential</a:t>
+            </a:r>
+          </a:p>
+          <a:p>
+            <a:r>
+              <a:rPr lang="en-US" dirty="0"/>
+              <a:t>Competitive advantage</a:t>
             </a:r>
           </a:p>
         </p:txBody>
@@ -17077,7 +17179,7 @@
           <p:cNvPr id="4" name="Slide Number Placeholder 3">
             <a:extLst>
               <a:ext uri="{FF2B5EF4-FFF2-40B4-BE49-F238E27FC236}">
-                <a16:creationId xmlns:a16="http://schemas.microsoft.com/office/drawing/2014/main" id="{ADDFF3E7-3473-40F0-93BF-1C9318440B2D}"/>
+                <a16:creationId xmlns:a16="http://schemas.microsoft.com/office/drawing/2014/main" id="{68F3C670-FA64-42B7-ADB5-0045F1B652BA}"/>
               </a:ext>
             </a:extLst>
           </p:cNvPr>
@@ -17105,7 +17207,7 @@
     </p:spTree>
     <p:extLst>
       <p:ext uri="{BB962C8B-B14F-4D97-AF65-F5344CB8AC3E}">
-        <p14:creationId xmlns:p14="http://schemas.microsoft.com/office/powerpoint/2010/main" val="2271860320"/>
+        <p14:creationId xmlns:p14="http://schemas.microsoft.com/office/powerpoint/2010/main" val="897209259"/>
       </p:ext>
     </p:extLst>
   </p:cSld>
@@ -17137,7 +17239,7 @@
           <p:cNvPr id="2" name="Title 1">
             <a:extLst>
               <a:ext uri="{FF2B5EF4-FFF2-40B4-BE49-F238E27FC236}">
-                <a16:creationId xmlns:a16="http://schemas.microsoft.com/office/drawing/2014/main" id="{6BC0F9EF-D318-494C-8FC4-C4F96C345753}"/>
+                <a16:creationId xmlns:a16="http://schemas.microsoft.com/office/drawing/2014/main" id="{5397EC52-A4C1-4B31-95E7-2660D175D527}"/>
               </a:ext>
             </a:extLst>
           </p:cNvPr>
@@ -17155,7 +17257,7 @@
           <a:p>
             <a:r>
               <a:rPr lang="en-US" dirty="0"/>
-              <a:t>Investor Perspectives on the Team</a:t>
+              <a:t>Market Opportunity</a:t>
             </a:r>
           </a:p>
         </p:txBody>
@@ -17165,7 +17267,7 @@
           <p:cNvPr id="3" name="Content Placeholder 2">
             <a:extLst>
               <a:ext uri="{FF2B5EF4-FFF2-40B4-BE49-F238E27FC236}">
-                <a16:creationId xmlns:a16="http://schemas.microsoft.com/office/drawing/2014/main" id="{27BF0EB9-32FA-41AA-8CE1-9E82AAE9AC67}"/>
+                <a16:creationId xmlns:a16="http://schemas.microsoft.com/office/drawing/2014/main" id="{2E79FE37-08D0-4B97-882E-E200376F938E}"/>
               </a:ext>
             </a:extLst>
           </p:cNvPr>
@@ -17183,19 +17285,25 @@
           <a:p>
             <a:r>
               <a:rPr lang="en-US" dirty="0"/>
-              <a:t>How investors evaluate the team behind a software startup</a:t>
-            </a:r>
-          </a:p>
-          <a:p>
-            <a:r>
-              <a:rPr lang="en-US" dirty="0"/>
-              <a:t>Importance of team dynamics, experience, and skills</a:t>
-            </a:r>
-          </a:p>
-          <a:p>
-            <a:r>
-              <a:rPr lang="en-US" dirty="0"/>
-              <a:t>Use of reference checks and interviews to assess the team's ability to execute and drive growth</a:t>
+              <a:t>Market size and growth rate</a:t>
+            </a:r>
+          </a:p>
+          <a:p>
+            <a:r>
+              <a:rPr lang="en-US" dirty="0"/>
+              <a:t>Competitive landscape</a:t>
+            </a:r>
+          </a:p>
+          <a:p>
+            <a:r>
+              <a:rPr lang="en-US" dirty="0"/>
+              <a:t>Target market and customer needs</a:t>
+            </a:r>
+          </a:p>
+          <a:p>
+            <a:r>
+              <a:rPr lang="en-US" dirty="0"/>
+              <a:t>Market trends and potential for disruption</a:t>
             </a:r>
           </a:p>
         </p:txBody>
@@ -17205,7 +17313,7 @@
           <p:cNvPr id="4" name="Slide Number Placeholder 3">
             <a:extLst>
               <a:ext uri="{FF2B5EF4-FFF2-40B4-BE49-F238E27FC236}">
-                <a16:creationId xmlns:a16="http://schemas.microsoft.com/office/drawing/2014/main" id="{7DE740E5-B202-4A3D-85C0-326159A96EC4}"/>
+                <a16:creationId xmlns:a16="http://schemas.microsoft.com/office/drawing/2014/main" id="{9E52D98B-095E-408E-AE36-0B3518B76884}"/>
               </a:ext>
             </a:extLst>
           </p:cNvPr>
@@ -17233,7 +17341,7 @@
     </p:spTree>
     <p:extLst>
       <p:ext uri="{BB962C8B-B14F-4D97-AF65-F5344CB8AC3E}">
-        <p14:creationId xmlns:p14="http://schemas.microsoft.com/office/powerpoint/2010/main" val="582880518"/>
+        <p14:creationId xmlns:p14="http://schemas.microsoft.com/office/powerpoint/2010/main" val="2753436425"/>
       </p:ext>
     </p:extLst>
   </p:cSld>
@@ -17262,7 +17370,13 @@
       </p:grpSpPr>
       <p:sp>
         <p:nvSpPr>
-          <p:cNvPr id="2" name="Title 1"/>
+          <p:cNvPr id="2" name="Title 1">
+            <a:extLst>
+              <a:ext uri="{FF2B5EF4-FFF2-40B4-BE49-F238E27FC236}">
+                <a16:creationId xmlns:a16="http://schemas.microsoft.com/office/drawing/2014/main" id="{7E1DDE78-B117-4371-B9AB-66305E3F4EFD}"/>
+              </a:ext>
+            </a:extLst>
+          </p:cNvPr>
           <p:cNvSpPr>
             <a:spLocks noGrp="1"/>
           </p:cNvSpPr>
@@ -17272,19 +17386,27 @@
         </p:nvSpPr>
         <p:spPr/>
         <p:txBody>
-          <a:bodyPr/>
-          <a:lstStyle/>
-          <a:p>
-            <a:r>
-              <a:rPr lang="en-US" dirty="0"/>
-              <a:t>Tips</a:t>
-            </a:r>
-          </a:p>
-        </p:txBody>
-      </p:sp>
-      <p:sp>
-        <p:nvSpPr>
-          <p:cNvPr id="3" name="Content Placeholder 2"/>
+          <a:bodyPr>
+            <a:normAutofit fontScale="90000"/>
+          </a:bodyPr>
+          <a:lstStyle/>
+          <a:p>
+            <a:r>
+              <a:rPr lang="en-US" dirty="0"/>
+              <a:t>Investor Perspectives on Product and Technology</a:t>
+            </a:r>
+          </a:p>
+        </p:txBody>
+      </p:sp>
+      <p:sp>
+        <p:nvSpPr>
+          <p:cNvPr id="3" name="Content Placeholder 2">
+            <a:extLst>
+              <a:ext uri="{FF2B5EF4-FFF2-40B4-BE49-F238E27FC236}">
+                <a16:creationId xmlns:a16="http://schemas.microsoft.com/office/drawing/2014/main" id="{F6732623-1FC7-43FC-ABBB-4515E02DB896}"/>
+              </a:ext>
+            </a:extLst>
+          </p:cNvPr>
           <p:cNvSpPr>
             <a:spLocks noGrp="1"/>
           </p:cNvSpPr>
@@ -17299,26 +17421,32 @@
           <a:p>
             <a:r>
               <a:rPr lang="en-US" dirty="0"/>
-              <a:t>Research the investor's interests and preferences before crafting a pitch.</a:t>
-            </a:r>
-          </a:p>
-          <a:p>
-            <a:r>
-              <a:rPr lang="en-US" dirty="0"/>
-              <a:t>Use storytelling techniques to engage the investor and make the pitch more memorable.</a:t>
-            </a:r>
-          </a:p>
-          <a:p>
-            <a:r>
-              <a:rPr lang="en-US" dirty="0"/>
-              <a:t>Anticipate questions and have a clear call to action.</a:t>
-            </a:r>
-          </a:p>
-        </p:txBody>
-      </p:sp>
-      <p:sp>
-        <p:nvSpPr>
-          <p:cNvPr id="4" name="Slide Number Placeholder 3"/>
+              <a:t>How investors evaluate the product and technology</a:t>
+            </a:r>
+          </a:p>
+          <a:p>
+            <a:r>
+              <a:rPr lang="en-US" dirty="0"/>
+              <a:t>Importance of product-market fit, scalability, and defensibility</a:t>
+            </a:r>
+          </a:p>
+          <a:p>
+            <a:r>
+              <a:rPr lang="en-US" dirty="0"/>
+              <a:t>Use of technical assessments and due diligence to evaluate the startup's product</a:t>
+            </a:r>
+          </a:p>
+        </p:txBody>
+      </p:sp>
+      <p:sp>
+        <p:nvSpPr>
+          <p:cNvPr id="4" name="Slide Number Placeholder 3">
+            <a:extLst>
+              <a:ext uri="{FF2B5EF4-FFF2-40B4-BE49-F238E27FC236}">
+                <a16:creationId xmlns:a16="http://schemas.microsoft.com/office/drawing/2014/main" id="{ADDFF3E7-3473-40F0-93BF-1C9318440B2D}"/>
+              </a:ext>
+            </a:extLst>
+          </p:cNvPr>
           <p:cNvSpPr>
             <a:spLocks noGrp="1"/>
           </p:cNvSpPr>
@@ -17343,7 +17471,7 @@
     </p:spTree>
     <p:extLst>
       <p:ext uri="{BB962C8B-B14F-4D97-AF65-F5344CB8AC3E}">
-        <p14:creationId xmlns:p14="http://schemas.microsoft.com/office/powerpoint/2010/main" val="2662691597"/>
+        <p14:creationId xmlns:p14="http://schemas.microsoft.com/office/powerpoint/2010/main" val="2271860320"/>
       </p:ext>
     </p:extLst>
   </p:cSld>
@@ -17375,7 +17503,7 @@
           <p:cNvPr id="2" name="Title 1">
             <a:extLst>
               <a:ext uri="{FF2B5EF4-FFF2-40B4-BE49-F238E27FC236}">
-                <a16:creationId xmlns:a16="http://schemas.microsoft.com/office/drawing/2014/main" id="{981414CF-F24E-4E17-9209-ADAD3A88F66B}"/>
+                <a16:creationId xmlns:a16="http://schemas.microsoft.com/office/drawing/2014/main" id="{6BC0F9EF-D318-494C-8FC4-C4F96C345753}"/>
               </a:ext>
             </a:extLst>
           </p:cNvPr>
@@ -17388,14 +17516,12 @@
         </p:nvSpPr>
         <p:spPr/>
         <p:txBody>
-          <a:bodyPr>
-            <a:normAutofit/>
-          </a:bodyPr>
-          <a:lstStyle/>
-          <a:p>
-            <a:r>
-              <a:rPr lang="en-US" dirty="0"/>
-              <a:t>Tips for Working with Investors</a:t>
+          <a:bodyPr/>
+          <a:lstStyle/>
+          <a:p>
+            <a:r>
+              <a:rPr lang="en-US" dirty="0"/>
+              <a:t>Investor Perspectives on the Team</a:t>
             </a:r>
           </a:p>
         </p:txBody>
@@ -17405,7 +17531,7 @@
           <p:cNvPr id="3" name="Content Placeholder 2">
             <a:extLst>
               <a:ext uri="{FF2B5EF4-FFF2-40B4-BE49-F238E27FC236}">
-                <a16:creationId xmlns:a16="http://schemas.microsoft.com/office/drawing/2014/main" id="{21A57448-4243-48E1-9111-050F81F7B0D1}"/>
+                <a16:creationId xmlns:a16="http://schemas.microsoft.com/office/drawing/2014/main" id="{27BF0EB9-32FA-41AA-8CE1-9E82AAE9AC67}"/>
               </a:ext>
             </a:extLst>
           </p:cNvPr>
@@ -17418,63 +17544,24 @@
         </p:nvSpPr>
         <p:spPr/>
         <p:txBody>
-          <a:bodyPr>
-            <a:normAutofit/>
-          </a:bodyPr>
-          <a:lstStyle/>
-          <a:p>
-            <a:pPr>
-              <a:lnSpc>
-                <a:spcPct val="150000"/>
-              </a:lnSpc>
-            </a:pPr>
-            <a:r>
-              <a:rPr lang="en-US" dirty="0"/>
-              <a:t>Be transparent and honest</a:t>
-            </a:r>
-          </a:p>
-          <a:p>
-            <a:pPr>
-              <a:lnSpc>
-                <a:spcPct val="150000"/>
-              </a:lnSpc>
-            </a:pPr>
-            <a:r>
-              <a:rPr lang="en-US" dirty="0"/>
-              <a:t>Set clear expectations</a:t>
-            </a:r>
-          </a:p>
-          <a:p>
-            <a:pPr>
-              <a:lnSpc>
-                <a:spcPct val="150000"/>
-              </a:lnSpc>
-            </a:pPr>
-            <a:r>
-              <a:rPr lang="en-US" dirty="0"/>
-              <a:t>Build relationships</a:t>
-            </a:r>
-          </a:p>
-          <a:p>
-            <a:pPr>
-              <a:lnSpc>
-                <a:spcPct val="150000"/>
-              </a:lnSpc>
-            </a:pPr>
-            <a:r>
-              <a:rPr lang="en-US" dirty="0"/>
-              <a:t>Be responsive</a:t>
-            </a:r>
-          </a:p>
-          <a:p>
-            <a:pPr>
-              <a:lnSpc>
-                <a:spcPct val="150000"/>
-              </a:lnSpc>
-            </a:pPr>
-            <a:r>
-              <a:rPr lang="en-US" dirty="0"/>
-              <a:t>Focus on growth</a:t>
+          <a:bodyPr/>
+          <a:lstStyle/>
+          <a:p>
+            <a:r>
+              <a:rPr lang="en-US" dirty="0"/>
+              <a:t>How investors evaluate the team behind a software startup</a:t>
+            </a:r>
+          </a:p>
+          <a:p>
+            <a:r>
+              <a:rPr lang="en-US" dirty="0"/>
+              <a:t>Importance of team dynamics, experience, and skills</a:t>
+            </a:r>
+          </a:p>
+          <a:p>
+            <a:r>
+              <a:rPr lang="en-US" dirty="0"/>
+              <a:t>Use of reference checks and interviews to assess the team's ability to execute and drive growth</a:t>
             </a:r>
           </a:p>
         </p:txBody>
@@ -17484,7 +17571,7 @@
           <p:cNvPr id="4" name="Slide Number Placeholder 3">
             <a:extLst>
               <a:ext uri="{FF2B5EF4-FFF2-40B4-BE49-F238E27FC236}">
-                <a16:creationId xmlns:a16="http://schemas.microsoft.com/office/drawing/2014/main" id="{4190A178-974E-4BD4-8B60-37D4C2EEBBB3}"/>
+                <a16:creationId xmlns:a16="http://schemas.microsoft.com/office/drawing/2014/main" id="{7DE740E5-B202-4A3D-85C0-326159A96EC4}"/>
               </a:ext>
             </a:extLst>
           </p:cNvPr>
@@ -17512,7 +17599,7 @@
     </p:spTree>
     <p:extLst>
       <p:ext uri="{BB962C8B-B14F-4D97-AF65-F5344CB8AC3E}">
-        <p14:creationId xmlns:p14="http://schemas.microsoft.com/office/powerpoint/2010/main" val="3947333467"/>
+        <p14:creationId xmlns:p14="http://schemas.microsoft.com/office/powerpoint/2010/main" val="582880518"/>
       </p:ext>
     </p:extLst>
   </p:cSld>
@@ -17541,13 +17628,7 @@
       </p:grpSpPr>
       <p:sp>
         <p:nvSpPr>
-          <p:cNvPr id="2" name="Title 1">
-            <a:extLst>
-              <a:ext uri="{FF2B5EF4-FFF2-40B4-BE49-F238E27FC236}">
-                <a16:creationId xmlns:a16="http://schemas.microsoft.com/office/drawing/2014/main" id="{559E5992-8E85-4E77-9DD7-9ACED37579EB}"/>
-              </a:ext>
-            </a:extLst>
-          </p:cNvPr>
+          <p:cNvPr id="2" name="Title 1"/>
           <p:cNvSpPr>
             <a:spLocks noGrp="1"/>
           </p:cNvSpPr>
@@ -17557,27 +17638,19 @@
         </p:nvSpPr>
         <p:spPr/>
         <p:txBody>
-          <a:bodyPr>
-            <a:normAutofit/>
-          </a:bodyPr>
-          <a:lstStyle/>
-          <a:p>
-            <a:r>
-              <a:rPr lang="en-US" dirty="0"/>
-              <a:t>Common Mistakes to Avoid</a:t>
-            </a:r>
-          </a:p>
-        </p:txBody>
-      </p:sp>
-      <p:sp>
-        <p:nvSpPr>
-          <p:cNvPr id="3" name="Content Placeholder 2">
-            <a:extLst>
-              <a:ext uri="{FF2B5EF4-FFF2-40B4-BE49-F238E27FC236}">
-                <a16:creationId xmlns:a16="http://schemas.microsoft.com/office/drawing/2014/main" id="{2B99EC6E-2991-4362-88EB-CB20444DDC37}"/>
-              </a:ext>
-            </a:extLst>
-          </p:cNvPr>
+          <a:bodyPr/>
+          <a:lstStyle/>
+          <a:p>
+            <a:r>
+              <a:rPr lang="en-US" dirty="0"/>
+              <a:t>Tips</a:t>
+            </a:r>
+          </a:p>
+        </p:txBody>
+      </p:sp>
+      <p:sp>
+        <p:nvSpPr>
+          <p:cNvPr id="3" name="Content Placeholder 2"/>
           <p:cNvSpPr>
             <a:spLocks noGrp="1"/>
           </p:cNvSpPr>
@@ -17587,76 +17660,31 @@
         </p:nvSpPr>
         <p:spPr/>
         <p:txBody>
-          <a:bodyPr>
-            <a:normAutofit/>
-          </a:bodyPr>
-          <a:lstStyle/>
-          <a:p>
-            <a:pPr>
-              <a:lnSpc>
-                <a:spcPct val="150000"/>
-              </a:lnSpc>
-            </a:pPr>
-            <a:r>
-              <a:rPr lang="en-US" dirty="0"/>
-              <a:t>Not doing your research</a:t>
-            </a:r>
-          </a:p>
-          <a:p>
-            <a:pPr>
-              <a:lnSpc>
-                <a:spcPct val="150000"/>
-              </a:lnSpc>
-            </a:pPr>
-            <a:r>
-              <a:rPr lang="en-US" dirty="0"/>
-              <a:t>Overvaluing your business</a:t>
-            </a:r>
-          </a:p>
-          <a:p>
-            <a:pPr>
-              <a:lnSpc>
-                <a:spcPct val="150000"/>
-              </a:lnSpc>
-            </a:pPr>
-            <a:r>
-              <a:rPr lang="en-US" dirty="0"/>
-              <a:t>Not having a clear plan</a:t>
-            </a:r>
-          </a:p>
-          <a:p>
-            <a:pPr>
-              <a:lnSpc>
-                <a:spcPct val="150000"/>
-              </a:lnSpc>
-            </a:pPr>
-            <a:r>
-              <a:rPr lang="en-US" dirty="0"/>
-              <a:t>Not communicating effectively</a:t>
-            </a:r>
-          </a:p>
-          <a:p>
-            <a:pPr>
-              <a:lnSpc>
-                <a:spcPct val="150000"/>
-              </a:lnSpc>
-            </a:pPr>
-            <a:r>
-              <a:rPr lang="en-US" dirty="0"/>
-              <a:t>Not being prepared</a:t>
-            </a:r>
-          </a:p>
-        </p:txBody>
-      </p:sp>
-      <p:sp>
-        <p:nvSpPr>
-          <p:cNvPr id="4" name="Slide Number Placeholder 3">
-            <a:extLst>
-              <a:ext uri="{FF2B5EF4-FFF2-40B4-BE49-F238E27FC236}">
-                <a16:creationId xmlns:a16="http://schemas.microsoft.com/office/drawing/2014/main" id="{9A334111-A425-4B25-A466-85CFA9D76E70}"/>
-              </a:ext>
-            </a:extLst>
-          </p:cNvPr>
+          <a:bodyPr/>
+          <a:lstStyle/>
+          <a:p>
+            <a:r>
+              <a:rPr lang="en-US" dirty="0"/>
+              <a:t>Research the investor's interests and preferences before crafting a pitch.</a:t>
+            </a:r>
+          </a:p>
+          <a:p>
+            <a:r>
+              <a:rPr lang="en-US" dirty="0"/>
+              <a:t>Use storytelling techniques to engage the investor and make the pitch more memorable.</a:t>
+            </a:r>
+          </a:p>
+          <a:p>
+            <a:r>
+              <a:rPr lang="en-US" dirty="0"/>
+              <a:t>Anticipate questions and have a clear call to action.</a:t>
+            </a:r>
+          </a:p>
+        </p:txBody>
+      </p:sp>
+      <p:sp>
+        <p:nvSpPr>
+          <p:cNvPr id="4" name="Slide Number Placeholder 3"/>
           <p:cNvSpPr>
             <a:spLocks noGrp="1"/>
           </p:cNvSpPr>
@@ -17681,7 +17709,7 @@
     </p:spTree>
     <p:extLst>
       <p:ext uri="{BB962C8B-B14F-4D97-AF65-F5344CB8AC3E}">
-        <p14:creationId xmlns:p14="http://schemas.microsoft.com/office/powerpoint/2010/main" val="2514964980"/>
+        <p14:creationId xmlns:p14="http://schemas.microsoft.com/office/powerpoint/2010/main" val="2662691597"/>
       </p:ext>
     </p:extLst>
   </p:cSld>
@@ -17814,7 +17842,13 @@
       </p:grpSpPr>
       <p:sp>
         <p:nvSpPr>
-          <p:cNvPr id="5" name="Title 4"/>
+          <p:cNvPr id="2" name="Title 1">
+            <a:extLst>
+              <a:ext uri="{FF2B5EF4-FFF2-40B4-BE49-F238E27FC236}">
+                <a16:creationId xmlns:a16="http://schemas.microsoft.com/office/drawing/2014/main" id="{981414CF-F24E-4E17-9209-ADAD3A88F66B}"/>
+              </a:ext>
+            </a:extLst>
+          </p:cNvPr>
           <p:cNvSpPr>
             <a:spLocks noGrp="1"/>
           </p:cNvSpPr>
@@ -17824,38 +17858,106 @@
         </p:nvSpPr>
         <p:spPr/>
         <p:txBody>
-          <a:bodyPr/>
-          <a:lstStyle/>
-          <a:p>
-            <a:r>
-              <a:rPr lang="en-US" dirty="0"/>
-              <a:t> Due Diligence and Valuation</a:t>
-            </a:r>
-          </a:p>
-        </p:txBody>
-      </p:sp>
-      <p:sp>
-        <p:nvSpPr>
-          <p:cNvPr id="6" name="Text Placeholder 5"/>
-          <p:cNvSpPr>
-            <a:spLocks noGrp="1"/>
-          </p:cNvSpPr>
-          <p:nvPr>
-            <p:ph type="body" idx="1"/>
-          </p:nvPr>
-        </p:nvSpPr>
-        <p:spPr/>
-        <p:txBody>
-          <a:bodyPr/>
-          <a:lstStyle/>
-          <a:p>
-            <a:endParaRPr lang="en-US"/>
-          </a:p>
-        </p:txBody>
-      </p:sp>
-      <p:sp>
-        <p:nvSpPr>
-          <p:cNvPr id="4" name="Slide Number Placeholder 3"/>
+          <a:bodyPr>
+            <a:normAutofit/>
+          </a:bodyPr>
+          <a:lstStyle/>
+          <a:p>
+            <a:r>
+              <a:rPr lang="en-US" dirty="0"/>
+              <a:t>Tips for Working with Investors</a:t>
+            </a:r>
+          </a:p>
+        </p:txBody>
+      </p:sp>
+      <p:sp>
+        <p:nvSpPr>
+          <p:cNvPr id="3" name="Content Placeholder 2">
+            <a:extLst>
+              <a:ext uri="{FF2B5EF4-FFF2-40B4-BE49-F238E27FC236}">
+                <a16:creationId xmlns:a16="http://schemas.microsoft.com/office/drawing/2014/main" id="{21A57448-4243-48E1-9111-050F81F7B0D1}"/>
+              </a:ext>
+            </a:extLst>
+          </p:cNvPr>
+          <p:cNvSpPr>
+            <a:spLocks noGrp="1"/>
+          </p:cNvSpPr>
+          <p:nvPr>
+            <p:ph idx="1"/>
+          </p:nvPr>
+        </p:nvSpPr>
+        <p:spPr/>
+        <p:txBody>
+          <a:bodyPr>
+            <a:normAutofit/>
+          </a:bodyPr>
+          <a:lstStyle/>
+          <a:p>
+            <a:pPr>
+              <a:lnSpc>
+                <a:spcPct val="150000"/>
+              </a:lnSpc>
+            </a:pPr>
+            <a:r>
+              <a:rPr lang="en-US" dirty="0"/>
+              <a:t>Be transparent and honest</a:t>
+            </a:r>
+          </a:p>
+          <a:p>
+            <a:pPr>
+              <a:lnSpc>
+                <a:spcPct val="150000"/>
+              </a:lnSpc>
+            </a:pPr>
+            <a:r>
+              <a:rPr lang="en-US" dirty="0"/>
+              <a:t>Set clear expectations</a:t>
+            </a:r>
+          </a:p>
+          <a:p>
+            <a:pPr>
+              <a:lnSpc>
+                <a:spcPct val="150000"/>
+              </a:lnSpc>
+            </a:pPr>
+            <a:r>
+              <a:rPr lang="en-US" dirty="0"/>
+              <a:t>Build relationships</a:t>
+            </a:r>
+          </a:p>
+          <a:p>
+            <a:pPr>
+              <a:lnSpc>
+                <a:spcPct val="150000"/>
+              </a:lnSpc>
+            </a:pPr>
+            <a:r>
+              <a:rPr lang="en-US" dirty="0"/>
+              <a:t>Be responsive</a:t>
+            </a:r>
+          </a:p>
+          <a:p>
+            <a:pPr>
+              <a:lnSpc>
+                <a:spcPct val="150000"/>
+              </a:lnSpc>
+            </a:pPr>
+            <a:r>
+              <a:rPr lang="en-US" dirty="0"/>
+              <a:t>Focus on growth</a:t>
+            </a:r>
+          </a:p>
+        </p:txBody>
+      </p:sp>
+      <p:sp>
+        <p:nvSpPr>
+          <p:cNvPr id="4" name="Slide Number Placeholder 3">
+            <a:extLst>
+              <a:ext uri="{FF2B5EF4-FFF2-40B4-BE49-F238E27FC236}">
+                <a16:creationId xmlns:a16="http://schemas.microsoft.com/office/drawing/2014/main" id="{4190A178-974E-4BD4-8B60-37D4C2EEBBB3}"/>
+              </a:ext>
+            </a:extLst>
+          </p:cNvPr>
           <p:cNvSpPr>
             <a:spLocks noGrp="1"/>
           </p:cNvSpPr>
@@ -17880,7 +17982,7 @@
     </p:spTree>
     <p:extLst>
       <p:ext uri="{BB962C8B-B14F-4D97-AF65-F5344CB8AC3E}">
-        <p14:creationId xmlns:p14="http://schemas.microsoft.com/office/powerpoint/2010/main" val="2221831318"/>
+        <p14:creationId xmlns:p14="http://schemas.microsoft.com/office/powerpoint/2010/main" val="3947333467"/>
       </p:ext>
     </p:extLst>
   </p:cSld>
@@ -17909,7 +18011,13 @@
       </p:grpSpPr>
       <p:sp>
         <p:nvSpPr>
-          <p:cNvPr id="2" name="Title 1"/>
+          <p:cNvPr id="2" name="Title 1">
+            <a:extLst>
+              <a:ext uri="{FF2B5EF4-FFF2-40B4-BE49-F238E27FC236}">
+                <a16:creationId xmlns:a16="http://schemas.microsoft.com/office/drawing/2014/main" id="{559E5992-8E85-4E77-9DD7-9ACED37579EB}"/>
+              </a:ext>
+            </a:extLst>
+          </p:cNvPr>
           <p:cNvSpPr>
             <a:spLocks noGrp="1"/>
           </p:cNvSpPr>
@@ -17919,19 +18027,27 @@
         </p:nvSpPr>
         <p:spPr/>
         <p:txBody>
-          <a:bodyPr/>
-          <a:lstStyle/>
-          <a:p>
-            <a:r>
-              <a:rPr lang="en-US" dirty="0"/>
-              <a:t>Due Diligence Process</a:t>
-            </a:r>
-          </a:p>
-        </p:txBody>
-      </p:sp>
-      <p:sp>
-        <p:nvSpPr>
-          <p:cNvPr id="3" name="Content Placeholder 2"/>
+          <a:bodyPr>
+            <a:normAutofit/>
+          </a:bodyPr>
+          <a:lstStyle/>
+          <a:p>
+            <a:r>
+              <a:rPr lang="en-US" dirty="0"/>
+              <a:t>Common Mistakes to Avoid</a:t>
+            </a:r>
+          </a:p>
+        </p:txBody>
+      </p:sp>
+      <p:sp>
+        <p:nvSpPr>
+          <p:cNvPr id="3" name="Content Placeholder 2">
+            <a:extLst>
+              <a:ext uri="{FF2B5EF4-FFF2-40B4-BE49-F238E27FC236}">
+                <a16:creationId xmlns:a16="http://schemas.microsoft.com/office/drawing/2014/main" id="{2B99EC6E-2991-4362-88EB-CB20444DDC37}"/>
+              </a:ext>
+            </a:extLst>
+          </p:cNvPr>
           <p:cNvSpPr>
             <a:spLocks noGrp="1"/>
           </p:cNvSpPr>
@@ -17941,25 +18057,76 @@
         </p:nvSpPr>
         <p:spPr/>
         <p:txBody>
-          <a:bodyPr/>
-          <a:lstStyle/>
-          <a:p>
-            <a:r>
-              <a:rPr lang="en-US" dirty="0"/>
-              <a:t>Due diligence is the process of conducting a thorough examination of a business or investment opportunity to confirm all facts and assess its potential for growth.</a:t>
-            </a:r>
-          </a:p>
-          <a:p>
-            <a:r>
-              <a:rPr lang="en-US" dirty="0"/>
-              <a:t>Due diligence is crucial for investors to make informed decisions and for entrepreneurs to secure funding.</a:t>
-            </a:r>
-          </a:p>
-        </p:txBody>
-      </p:sp>
-      <p:sp>
-        <p:nvSpPr>
-          <p:cNvPr id="4" name="Slide Number Placeholder 3"/>
+          <a:bodyPr>
+            <a:normAutofit/>
+          </a:bodyPr>
+          <a:lstStyle/>
+          <a:p>
+            <a:pPr>
+              <a:lnSpc>
+                <a:spcPct val="150000"/>
+              </a:lnSpc>
+            </a:pPr>
+            <a:r>
+              <a:rPr lang="en-US" dirty="0"/>
+              <a:t>Not doing your research</a:t>
+            </a:r>
+          </a:p>
+          <a:p>
+            <a:pPr>
+              <a:lnSpc>
+                <a:spcPct val="150000"/>
+              </a:lnSpc>
+            </a:pPr>
+            <a:r>
+              <a:rPr lang="en-US" dirty="0"/>
+              <a:t>Overvaluing your business</a:t>
+            </a:r>
+          </a:p>
+          <a:p>
+            <a:pPr>
+              <a:lnSpc>
+                <a:spcPct val="150000"/>
+              </a:lnSpc>
+            </a:pPr>
+            <a:r>
+              <a:rPr lang="en-US" dirty="0"/>
+              <a:t>Not having a clear plan</a:t>
+            </a:r>
+          </a:p>
+          <a:p>
+            <a:pPr>
+              <a:lnSpc>
+                <a:spcPct val="150000"/>
+              </a:lnSpc>
+            </a:pPr>
+            <a:r>
+              <a:rPr lang="en-US" dirty="0"/>
+              <a:t>Not communicating effectively</a:t>
+            </a:r>
+          </a:p>
+          <a:p>
+            <a:pPr>
+              <a:lnSpc>
+                <a:spcPct val="150000"/>
+              </a:lnSpc>
+            </a:pPr>
+            <a:r>
+              <a:rPr lang="en-US" dirty="0"/>
+              <a:t>Not being prepared</a:t>
+            </a:r>
+          </a:p>
+        </p:txBody>
+      </p:sp>
+      <p:sp>
+        <p:nvSpPr>
+          <p:cNvPr id="4" name="Slide Number Placeholder 3">
+            <a:extLst>
+              <a:ext uri="{FF2B5EF4-FFF2-40B4-BE49-F238E27FC236}">
+                <a16:creationId xmlns:a16="http://schemas.microsoft.com/office/drawing/2014/main" id="{9A334111-A425-4B25-A466-85CFA9D76E70}"/>
+              </a:ext>
+            </a:extLst>
+          </p:cNvPr>
           <p:cNvSpPr>
             <a:spLocks noGrp="1"/>
           </p:cNvSpPr>
@@ -17984,7 +18151,7 @@
     </p:spTree>
     <p:extLst>
       <p:ext uri="{BB962C8B-B14F-4D97-AF65-F5344CB8AC3E}">
-        <p14:creationId xmlns:p14="http://schemas.microsoft.com/office/powerpoint/2010/main" val="334524276"/>
+        <p14:creationId xmlns:p14="http://schemas.microsoft.com/office/powerpoint/2010/main" val="2514964980"/>
       </p:ext>
     </p:extLst>
   </p:cSld>
@@ -18013,7 +18180,7 @@
       </p:grpSpPr>
       <p:sp>
         <p:nvSpPr>
-          <p:cNvPr id="2" name="Title 1"/>
+          <p:cNvPr id="5" name="Title 4"/>
           <p:cNvSpPr>
             <a:spLocks noGrp="1"/>
           </p:cNvSpPr>
@@ -18028,76 +18195,27 @@
           <a:p>
             <a:r>
               <a:rPr lang="en-US" dirty="0"/>
-              <a:t>Key Items to Include in a Due Diligence Package</a:t>
-            </a:r>
-          </a:p>
-        </p:txBody>
-      </p:sp>
-      <p:sp>
-        <p:nvSpPr>
-          <p:cNvPr id="3" name="Content Placeholder 2"/>
-          <p:cNvSpPr>
-            <a:spLocks noGrp="1"/>
-          </p:cNvSpPr>
-          <p:nvPr>
-            <p:ph idx="1"/>
-          </p:nvPr>
-        </p:nvSpPr>
-        <p:spPr/>
-        <p:txBody>
-          <a:bodyPr/>
-          <a:lstStyle/>
-          <a:p>
-            <a:r>
-              <a:rPr lang="en-US" dirty="0"/>
-              <a:t>Business plan</a:t>
-            </a:r>
-          </a:p>
-          <a:p>
-            <a:pPr lvl="1"/>
-            <a:r>
-              <a:rPr lang="en-US" dirty="0"/>
-              <a:t>A comprehensive plan outlining the business model, market opportunity, competitive landscape, and growth strategy.</a:t>
-            </a:r>
-          </a:p>
-          <a:p>
-            <a:r>
-              <a:rPr lang="en-US" dirty="0"/>
-              <a:t>Financial projections</a:t>
-            </a:r>
-          </a:p>
-          <a:p>
-            <a:pPr lvl="1"/>
-            <a:r>
-              <a:rPr lang="en-US" dirty="0"/>
-              <a:t>Detailed financial statements, including income statements, balance sheets, and cash flow statements.</a:t>
-            </a:r>
-          </a:p>
-          <a:p>
-            <a:r>
-              <a:rPr lang="en-US" dirty="0"/>
-              <a:t>Market research</a:t>
-            </a:r>
-          </a:p>
-          <a:p>
-            <a:pPr lvl="1"/>
-            <a:r>
-              <a:rPr lang="en-US" dirty="0"/>
-              <a:t>Analysis of the target market, including size, growth potential, and trends.</a:t>
-            </a:r>
-          </a:p>
-          <a:p>
-            <a:r>
-              <a:rPr lang="en-US" dirty="0"/>
-              <a:t>Legal documents</a:t>
-            </a:r>
-          </a:p>
-          <a:p>
-            <a:pPr lvl="1"/>
-            <a:r>
-              <a:rPr lang="en-US" dirty="0"/>
-              <a:t>Copies of all relevant legal documents, such as contracts, patents, and trademarks.</a:t>
-            </a:r>
+              <a:t> Due Diligence and Valuation</a:t>
+            </a:r>
+          </a:p>
+        </p:txBody>
+      </p:sp>
+      <p:sp>
+        <p:nvSpPr>
+          <p:cNvPr id="6" name="Text Placeholder 5"/>
+          <p:cNvSpPr>
+            <a:spLocks noGrp="1"/>
+          </p:cNvSpPr>
+          <p:nvPr>
+            <p:ph type="body" idx="1"/>
+          </p:nvPr>
+        </p:nvSpPr>
+        <p:spPr/>
+        <p:txBody>
+          <a:bodyPr/>
+          <a:lstStyle/>
+          <a:p>
+            <a:endParaRPr lang="en-US"/>
           </a:p>
         </p:txBody>
       </p:sp>
@@ -18128,7 +18246,7 @@
     </p:spTree>
     <p:extLst>
       <p:ext uri="{BB962C8B-B14F-4D97-AF65-F5344CB8AC3E}">
-        <p14:creationId xmlns:p14="http://schemas.microsoft.com/office/powerpoint/2010/main" val="815546488"/>
+        <p14:creationId xmlns:p14="http://schemas.microsoft.com/office/powerpoint/2010/main" val="2221831318"/>
       </p:ext>
     </p:extLst>
   </p:cSld>
@@ -18157,6 +18275,254 @@
       </p:grpSpPr>
       <p:sp>
         <p:nvSpPr>
+          <p:cNvPr id="2" name="Title 1"/>
+          <p:cNvSpPr>
+            <a:spLocks noGrp="1"/>
+          </p:cNvSpPr>
+          <p:nvPr>
+            <p:ph type="title"/>
+          </p:nvPr>
+        </p:nvSpPr>
+        <p:spPr/>
+        <p:txBody>
+          <a:bodyPr/>
+          <a:lstStyle/>
+          <a:p>
+            <a:r>
+              <a:rPr lang="en-US" dirty="0"/>
+              <a:t>Due Diligence Process</a:t>
+            </a:r>
+          </a:p>
+        </p:txBody>
+      </p:sp>
+      <p:sp>
+        <p:nvSpPr>
+          <p:cNvPr id="3" name="Content Placeholder 2"/>
+          <p:cNvSpPr>
+            <a:spLocks noGrp="1"/>
+          </p:cNvSpPr>
+          <p:nvPr>
+            <p:ph idx="1"/>
+          </p:nvPr>
+        </p:nvSpPr>
+        <p:spPr/>
+        <p:txBody>
+          <a:bodyPr/>
+          <a:lstStyle/>
+          <a:p>
+            <a:r>
+              <a:rPr lang="en-US" dirty="0"/>
+              <a:t>Due diligence is the process of conducting a thorough examination of a business or investment opportunity to confirm all facts and assess its potential for growth.</a:t>
+            </a:r>
+          </a:p>
+          <a:p>
+            <a:r>
+              <a:rPr lang="en-US" dirty="0"/>
+              <a:t>Due diligence is crucial for investors to make informed decisions and for entrepreneurs to secure funding.</a:t>
+            </a:r>
+          </a:p>
+        </p:txBody>
+      </p:sp>
+      <p:sp>
+        <p:nvSpPr>
+          <p:cNvPr id="4" name="Slide Number Placeholder 3"/>
+          <p:cNvSpPr>
+            <a:spLocks noGrp="1"/>
+          </p:cNvSpPr>
+          <p:nvPr>
+            <p:ph type="sldNum" sz="quarter" idx="12"/>
+          </p:nvPr>
+        </p:nvSpPr>
+        <p:spPr/>
+        <p:txBody>
+          <a:bodyPr/>
+          <a:lstStyle/>
+          <a:p>
+            <a:fld id="{B8DACC02-A2BD-4578-8E03-6D891060A695}" type="slidenum">
+              <a:rPr lang="en-US" smtClean="0"/>
+              <a:pPr/>
+              <a:t>53</a:t>
+            </a:fld>
+            <a:endParaRPr lang="en-US" dirty="0"/>
+          </a:p>
+        </p:txBody>
+      </p:sp>
+    </p:spTree>
+    <p:extLst>
+      <p:ext uri="{BB962C8B-B14F-4D97-AF65-F5344CB8AC3E}">
+        <p14:creationId xmlns:p14="http://schemas.microsoft.com/office/powerpoint/2010/main" val="334524276"/>
+      </p:ext>
+    </p:extLst>
+  </p:cSld>
+  <p:clrMapOvr>
+    <a:masterClrMapping/>
+  </p:clrMapOvr>
+</p:sld>
+</file>
+
+<file path=ppt/slides/slide54.xml><?xml version="1.0" encoding="utf-8"?>
+<p:sld xmlns:a="http://schemas.openxmlformats.org/drawingml/2006/main" xmlns:r="http://schemas.openxmlformats.org/officeDocument/2006/relationships" xmlns:p="http://schemas.openxmlformats.org/presentationml/2006/main">
+  <p:cSld>
+    <p:spTree>
+      <p:nvGrpSpPr>
+        <p:cNvPr id="1" name=""/>
+        <p:cNvGrpSpPr/>
+        <p:nvPr/>
+      </p:nvGrpSpPr>
+      <p:grpSpPr>
+        <a:xfrm>
+          <a:off x="0" y="0"/>
+          <a:ext cx="0" cy="0"/>
+          <a:chOff x="0" y="0"/>
+          <a:chExt cx="0" cy="0"/>
+        </a:xfrm>
+      </p:grpSpPr>
+      <p:sp>
+        <p:nvSpPr>
+          <p:cNvPr id="2" name="Title 1"/>
+          <p:cNvSpPr>
+            <a:spLocks noGrp="1"/>
+          </p:cNvSpPr>
+          <p:nvPr>
+            <p:ph type="title"/>
+          </p:nvPr>
+        </p:nvSpPr>
+        <p:spPr/>
+        <p:txBody>
+          <a:bodyPr/>
+          <a:lstStyle/>
+          <a:p>
+            <a:r>
+              <a:rPr lang="en-US" dirty="0"/>
+              <a:t>Key Items to Include in a Due Diligence Package</a:t>
+            </a:r>
+          </a:p>
+        </p:txBody>
+      </p:sp>
+      <p:sp>
+        <p:nvSpPr>
+          <p:cNvPr id="3" name="Content Placeholder 2"/>
+          <p:cNvSpPr>
+            <a:spLocks noGrp="1"/>
+          </p:cNvSpPr>
+          <p:nvPr>
+            <p:ph idx="1"/>
+          </p:nvPr>
+        </p:nvSpPr>
+        <p:spPr/>
+        <p:txBody>
+          <a:bodyPr/>
+          <a:lstStyle/>
+          <a:p>
+            <a:r>
+              <a:rPr lang="en-US" dirty="0"/>
+              <a:t>Business plan</a:t>
+            </a:r>
+          </a:p>
+          <a:p>
+            <a:pPr lvl="1"/>
+            <a:r>
+              <a:rPr lang="en-US" dirty="0"/>
+              <a:t>A comprehensive plan outlining the business model, market opportunity, competitive landscape, and growth strategy.</a:t>
+            </a:r>
+          </a:p>
+          <a:p>
+            <a:r>
+              <a:rPr lang="en-US" dirty="0"/>
+              <a:t>Financial projections</a:t>
+            </a:r>
+          </a:p>
+          <a:p>
+            <a:pPr lvl="1"/>
+            <a:r>
+              <a:rPr lang="en-US" dirty="0"/>
+              <a:t>Detailed financial statements, including income statements, balance sheets, and cash flow statements.</a:t>
+            </a:r>
+          </a:p>
+          <a:p>
+            <a:r>
+              <a:rPr lang="en-US" dirty="0"/>
+              <a:t>Market research</a:t>
+            </a:r>
+          </a:p>
+          <a:p>
+            <a:pPr lvl="1"/>
+            <a:r>
+              <a:rPr lang="en-US" dirty="0"/>
+              <a:t>Analysis of the target market, including size, growth potential, and trends.</a:t>
+            </a:r>
+          </a:p>
+          <a:p>
+            <a:r>
+              <a:rPr lang="en-US" dirty="0"/>
+              <a:t>Legal documents</a:t>
+            </a:r>
+          </a:p>
+          <a:p>
+            <a:pPr lvl="1"/>
+            <a:r>
+              <a:rPr lang="en-US" dirty="0"/>
+              <a:t>Copies of all relevant legal documents, such as contracts, patents, and trademarks.</a:t>
+            </a:r>
+          </a:p>
+        </p:txBody>
+      </p:sp>
+      <p:sp>
+        <p:nvSpPr>
+          <p:cNvPr id="4" name="Slide Number Placeholder 3"/>
+          <p:cNvSpPr>
+            <a:spLocks noGrp="1"/>
+          </p:cNvSpPr>
+          <p:nvPr>
+            <p:ph type="sldNum" sz="quarter" idx="12"/>
+          </p:nvPr>
+        </p:nvSpPr>
+        <p:spPr/>
+        <p:txBody>
+          <a:bodyPr/>
+          <a:lstStyle/>
+          <a:p>
+            <a:fld id="{B8DACC02-A2BD-4578-8E03-6D891060A695}" type="slidenum">
+              <a:rPr lang="en-US" smtClean="0"/>
+              <a:pPr/>
+              <a:t>54</a:t>
+            </a:fld>
+            <a:endParaRPr lang="en-US" dirty="0"/>
+          </a:p>
+        </p:txBody>
+      </p:sp>
+    </p:spTree>
+    <p:extLst>
+      <p:ext uri="{BB962C8B-B14F-4D97-AF65-F5344CB8AC3E}">
+        <p14:creationId xmlns:p14="http://schemas.microsoft.com/office/powerpoint/2010/main" val="815546488"/>
+      </p:ext>
+    </p:extLst>
+  </p:cSld>
+  <p:clrMapOvr>
+    <a:masterClrMapping/>
+  </p:clrMapOvr>
+</p:sld>
+</file>
+
+<file path=ppt/slides/slide55.xml><?xml version="1.0" encoding="utf-8"?>
+<p:sld xmlns:a="http://schemas.openxmlformats.org/drawingml/2006/main" xmlns:r="http://schemas.openxmlformats.org/officeDocument/2006/relationships" xmlns:p="http://schemas.openxmlformats.org/presentationml/2006/main">
+  <p:cSld>
+    <p:spTree>
+      <p:nvGrpSpPr>
+        <p:cNvPr id="1" name=""/>
+        <p:cNvGrpSpPr/>
+        <p:nvPr/>
+      </p:nvGrpSpPr>
+      <p:grpSpPr>
+        <a:xfrm>
+          <a:off x="0" y="0"/>
+          <a:ext cx="0" cy="0"/>
+          <a:chOff x="0" y="0"/>
+          <a:chExt cx="0" cy="0"/>
+        </a:xfrm>
+      </p:grpSpPr>
+      <p:sp>
+        <p:nvSpPr>
           <p:cNvPr id="2" name="Title 1">
             <a:extLst>
               <a:ext uri="{FF2B5EF4-FFF2-40B4-BE49-F238E27FC236}">
@@ -18232,7 +18598,7 @@
             <a:fld id="{B8DACC02-A2BD-4578-8E03-6D891060A695}" type="slidenum">
               <a:rPr lang="en-US" smtClean="0"/>
               <a:pPr/>
-              <a:t>53</a:t>
+              <a:t>55</a:t>
             </a:fld>
             <a:endParaRPr lang="en-US" dirty="0"/>
           </a:p>
@@ -18298,7 +18664,7 @@
 </p:sld>
 </file>
 
-<file path=ppt/slides/slide54.xml><?xml version="1.0" encoding="utf-8"?>
+<file path=ppt/slides/slide56.xml><?xml version="1.0" encoding="utf-8"?>
 <p:sld xmlns:a="http://schemas.openxmlformats.org/drawingml/2006/main" xmlns:r="http://schemas.openxmlformats.org/officeDocument/2006/relationships" xmlns:p="http://schemas.openxmlformats.org/presentationml/2006/main">
   <p:cSld>
     <p:spTree>
@@ -18394,7 +18760,7 @@
             <a:fld id="{B8DACC02-A2BD-4578-8E03-6D891060A695}" type="slidenum">
               <a:rPr lang="en-US" smtClean="0"/>
               <a:pPr/>
-              <a:t>54</a:t>
+              <a:t>56</a:t>
             </a:fld>
             <a:endParaRPr lang="en-US" dirty="0"/>
           </a:p>
@@ -18458,7 +18824,7 @@
 </p:sld>
 </file>
 
-<file path=ppt/slides/slide55.xml><?xml version="1.0" encoding="utf-8"?>
+<file path=ppt/slides/slide57.xml><?xml version="1.0" encoding="utf-8"?>
 <p:sld xmlns:a="http://schemas.openxmlformats.org/drawingml/2006/main" xmlns:r="http://schemas.openxmlformats.org/officeDocument/2006/relationships" xmlns:p="http://schemas.openxmlformats.org/presentationml/2006/main">
   <p:cSld>
     <p:spTree>
@@ -18557,7 +18923,7 @@
             <a:fld id="{B8DACC02-A2BD-4578-8E03-6D891060A695}" type="slidenum">
               <a:rPr lang="en-US" smtClean="0"/>
               <a:pPr/>
-              <a:t>55</a:t>
+              <a:t>57</a:t>
             </a:fld>
             <a:endParaRPr lang="en-US" dirty="0"/>
           </a:p>
@@ -18576,7 +18942,7 @@
 </p:sld>
 </file>
 
-<file path=ppt/slides/slide56.xml><?xml version="1.0" encoding="utf-8"?>
+<file path=ppt/slides/slide58.xml><?xml version="1.0" encoding="utf-8"?>
 <p:sld xmlns:a="http://schemas.openxmlformats.org/drawingml/2006/main" xmlns:r="http://schemas.openxmlformats.org/officeDocument/2006/relationships" xmlns:p="http://schemas.openxmlformats.org/presentationml/2006/main">
   <p:cSld>
     <p:spTree>
@@ -18670,7 +19036,7 @@
             <a:fld id="{B8DACC02-A2BD-4578-8E03-6D891060A695}" type="slidenum">
               <a:rPr lang="en-US" smtClean="0"/>
               <a:pPr/>
-              <a:t>56</a:t>
+              <a:t>58</a:t>
             </a:fld>
             <a:endParaRPr lang="en-US" dirty="0"/>
           </a:p>
@@ -18736,7 +19102,7 @@
 </p:sld>
 </file>
 
-<file path=ppt/slides/slide57.xml><?xml version="1.0" encoding="utf-8"?>
+<file path=ppt/slides/slide59.xml><?xml version="1.0" encoding="utf-8"?>
 <p:sld xmlns:a="http://schemas.openxmlformats.org/drawingml/2006/main" xmlns:r="http://schemas.openxmlformats.org/officeDocument/2006/relationships" xmlns:p="http://schemas.openxmlformats.org/presentationml/2006/main">
   <p:cSld>
     <p:spTree>
@@ -18856,7 +19222,7 @@
             <a:fld id="{B8DACC02-A2BD-4578-8E03-6D891060A695}" type="slidenum">
               <a:rPr lang="en-US" smtClean="0"/>
               <a:pPr/>
-              <a:t>57</a:t>
+              <a:t>59</a:t>
             </a:fld>
             <a:endParaRPr lang="en-US" dirty="0"/>
           </a:p>
@@ -18875,7 +19241,7 @@
 </p:sld>
 </file>
 
-<file path=ppt/slides/slide58.xml><?xml version="1.0" encoding="utf-8"?>
+<file path=ppt/slides/slide6.xml><?xml version="1.0" encoding="utf-8"?>
 <p:sld xmlns:a="http://schemas.openxmlformats.org/drawingml/2006/main" xmlns:r="http://schemas.openxmlformats.org/officeDocument/2006/relationships" xmlns:p="http://schemas.openxmlformats.org/presentationml/2006/main">
   <p:cSld>
     <p:spTree>
@@ -18894,6 +19260,116 @@
       </p:grpSpPr>
       <p:sp>
         <p:nvSpPr>
+          <p:cNvPr id="2" name="Title 1"/>
+          <p:cNvSpPr>
+            <a:spLocks noGrp="1"/>
+          </p:cNvSpPr>
+          <p:nvPr>
+            <p:ph type="title"/>
+          </p:nvPr>
+        </p:nvSpPr>
+        <p:spPr/>
+        <p:txBody>
+          <a:bodyPr/>
+          <a:lstStyle/>
+          <a:p>
+            <a:r>
+              <a:rPr lang="en-US" dirty="0"/>
+              <a:t>Why?</a:t>
+            </a:r>
+          </a:p>
+        </p:txBody>
+      </p:sp>
+      <p:sp>
+        <p:nvSpPr>
+          <p:cNvPr id="3" name="Content Placeholder 2"/>
+          <p:cNvSpPr>
+            <a:spLocks noGrp="1"/>
+          </p:cNvSpPr>
+          <p:nvPr>
+            <p:ph idx="1"/>
+          </p:nvPr>
+        </p:nvSpPr>
+        <p:spPr/>
+        <p:txBody>
+          <a:bodyPr/>
+          <a:lstStyle/>
+          <a:p>
+            <a:r>
+              <a:rPr lang="en-US" dirty="0"/>
+              <a:t>Software startups need funding to turn their ideas into reality</a:t>
+            </a:r>
+          </a:p>
+          <a:p>
+            <a:r>
+              <a:rPr lang="en-US" dirty="0"/>
+              <a:t>Funding can help startups hire talent, develop products, and scale operations</a:t>
+            </a:r>
+          </a:p>
+          <a:p>
+            <a:r>
+              <a:rPr lang="en-US" dirty="0"/>
+              <a:t>Different types of funding options available, each with pros and cons</a:t>
+            </a:r>
+          </a:p>
+        </p:txBody>
+      </p:sp>
+      <p:sp>
+        <p:nvSpPr>
+          <p:cNvPr id="4" name="Slide Number Placeholder 3"/>
+          <p:cNvSpPr>
+            <a:spLocks noGrp="1"/>
+          </p:cNvSpPr>
+          <p:nvPr>
+            <p:ph type="sldNum" sz="quarter" idx="12"/>
+          </p:nvPr>
+        </p:nvSpPr>
+        <p:spPr/>
+        <p:txBody>
+          <a:bodyPr/>
+          <a:lstStyle/>
+          <a:p>
+            <a:fld id="{B8DACC02-A2BD-4578-8E03-6D891060A695}" type="slidenum">
+              <a:rPr lang="en-US" smtClean="0"/>
+              <a:pPr/>
+              <a:t>6</a:t>
+            </a:fld>
+            <a:endParaRPr lang="en-US" dirty="0"/>
+          </a:p>
+        </p:txBody>
+      </p:sp>
+    </p:spTree>
+    <p:extLst>
+      <p:ext uri="{BB962C8B-B14F-4D97-AF65-F5344CB8AC3E}">
+        <p14:creationId xmlns:p14="http://schemas.microsoft.com/office/powerpoint/2010/main" val="4130345764"/>
+      </p:ext>
+    </p:extLst>
+  </p:cSld>
+  <p:clrMapOvr>
+    <a:masterClrMapping/>
+  </p:clrMapOvr>
+</p:sld>
+</file>
+
+<file path=ppt/slides/slide60.xml><?xml version="1.0" encoding="utf-8"?>
+<p:sld xmlns:a="http://schemas.openxmlformats.org/drawingml/2006/main" xmlns:r="http://schemas.openxmlformats.org/officeDocument/2006/relationships" xmlns:p="http://schemas.openxmlformats.org/presentationml/2006/main">
+  <p:cSld>
+    <p:spTree>
+      <p:nvGrpSpPr>
+        <p:cNvPr id="1" name=""/>
+        <p:cNvGrpSpPr/>
+        <p:nvPr/>
+      </p:nvGrpSpPr>
+      <p:grpSpPr>
+        <a:xfrm>
+          <a:off x="0" y="0"/>
+          <a:ext cx="0" cy="0"/>
+          <a:chOff x="0" y="0"/>
+          <a:chExt cx="0" cy="0"/>
+        </a:xfrm>
+      </p:grpSpPr>
+      <p:sp>
+        <p:nvSpPr>
           <p:cNvPr id="2" name="Title 1">
             <a:extLst>
               <a:ext uri="{FF2B5EF4-FFF2-40B4-BE49-F238E27FC236}">
@@ -18988,7 +19464,7 @@
             <a:fld id="{B8DACC02-A2BD-4578-8E03-6D891060A695}" type="slidenum">
               <a:rPr lang="en-US" smtClean="0"/>
               <a:pPr/>
-              <a:t>58</a:t>
+              <a:t>60</a:t>
             </a:fld>
             <a:endParaRPr lang="en-US" dirty="0"/>
           </a:p>
@@ -19052,7 +19528,7 @@
 </p:sld>
 </file>
 
-<file path=ppt/slides/slide59.xml><?xml version="1.0" encoding="utf-8"?>
+<file path=ppt/slides/slide61.xml><?xml version="1.0" encoding="utf-8"?>
 <p:sld xmlns:a="http://schemas.openxmlformats.org/drawingml/2006/main" xmlns:r="http://schemas.openxmlformats.org/officeDocument/2006/relationships" xmlns:p="http://schemas.openxmlformats.org/presentationml/2006/main">
   <p:cSld>
     <p:spTree>
@@ -19139,7 +19615,7 @@
             <a:fld id="{B8DACC02-A2BD-4578-8E03-6D891060A695}" type="slidenum">
               <a:rPr lang="en-US" smtClean="0"/>
               <a:pPr/>
-              <a:t>59</a:t>
+              <a:t>61</a:t>
             </a:fld>
             <a:endParaRPr lang="en-US" dirty="0"/>
           </a:p>
@@ -19158,7 +19634,7 @@
 </p:sld>
 </file>
 
-<file path=ppt/slides/slide6.xml><?xml version="1.0" encoding="utf-8"?>
+<file path=ppt/slides/slide62.xml><?xml version="1.0" encoding="utf-8"?>
 <p:sld xmlns:a="http://schemas.openxmlformats.org/drawingml/2006/main" xmlns:r="http://schemas.openxmlformats.org/officeDocument/2006/relationships" xmlns:p="http://schemas.openxmlformats.org/presentationml/2006/main">
   <p:cSld>
     <p:spTree>
@@ -19192,7 +19668,7 @@
           <a:p>
             <a:r>
               <a:rPr lang="en-US" dirty="0"/>
-              <a:t>Why?</a:t>
+              <a:t>Factors that Contributed to Success</a:t>
             </a:r>
           </a:p>
         </p:txBody>
@@ -19214,19 +19690,19 @@
           <a:p>
             <a:r>
               <a:rPr lang="en-US" dirty="0"/>
-              <a:t>Software startups need funding to turn their ideas into reality</a:t>
-            </a:r>
-          </a:p>
-          <a:p>
-            <a:r>
-              <a:rPr lang="en-US" dirty="0"/>
-              <a:t>Funding can help startups hire talent, develop products, and scale operations</a:t>
-            </a:r>
-          </a:p>
-          <a:p>
-            <a:r>
-              <a:rPr lang="en-US" dirty="0"/>
-              <a:t>Different types of funding options available, each with pros and cons</a:t>
+              <a:t>Strong leadership</a:t>
+            </a:r>
+          </a:p>
+          <a:p>
+            <a:r>
+              <a:rPr lang="en-US" dirty="0"/>
+              <a:t>Innovative products or services</a:t>
+            </a:r>
+          </a:p>
+          <a:p>
+            <a:r>
+              <a:rPr lang="en-US" dirty="0"/>
+              <a:t>Market timing</a:t>
             </a:r>
           </a:p>
         </p:txBody>
@@ -19249,117 +19725,7 @@
             <a:fld id="{B8DACC02-A2BD-4578-8E03-6D891060A695}" type="slidenum">
               <a:rPr lang="en-US" smtClean="0"/>
               <a:pPr/>
-              <a:t>6</a:t>
-            </a:fld>
-            <a:endParaRPr lang="en-US" dirty="0"/>
-          </a:p>
-        </p:txBody>
-      </p:sp>
-    </p:spTree>
-    <p:extLst>
-      <p:ext uri="{BB962C8B-B14F-4D97-AF65-F5344CB8AC3E}">
-        <p14:creationId xmlns:p14="http://schemas.microsoft.com/office/powerpoint/2010/main" val="4130345764"/>
-      </p:ext>
-    </p:extLst>
-  </p:cSld>
-  <p:clrMapOvr>
-    <a:masterClrMapping/>
-  </p:clrMapOvr>
-</p:sld>
-</file>
-
-<file path=ppt/slides/slide60.xml><?xml version="1.0" encoding="utf-8"?>
-<p:sld xmlns:a="http://schemas.openxmlformats.org/drawingml/2006/main" xmlns:r="http://schemas.openxmlformats.org/officeDocument/2006/relationships" xmlns:p="http://schemas.openxmlformats.org/presentationml/2006/main">
-  <p:cSld>
-    <p:spTree>
-      <p:nvGrpSpPr>
-        <p:cNvPr id="1" name=""/>
-        <p:cNvGrpSpPr/>
-        <p:nvPr/>
-      </p:nvGrpSpPr>
-      <p:grpSpPr>
-        <a:xfrm>
-          <a:off x="0" y="0"/>
-          <a:ext cx="0" cy="0"/>
-          <a:chOff x="0" y="0"/>
-          <a:chExt cx="0" cy="0"/>
-        </a:xfrm>
-      </p:grpSpPr>
-      <p:sp>
-        <p:nvSpPr>
-          <p:cNvPr id="2" name="Title 1"/>
-          <p:cNvSpPr>
-            <a:spLocks noGrp="1"/>
-          </p:cNvSpPr>
-          <p:nvPr>
-            <p:ph type="title"/>
-          </p:nvPr>
-        </p:nvSpPr>
-        <p:spPr/>
-        <p:txBody>
-          <a:bodyPr/>
-          <a:lstStyle/>
-          <a:p>
-            <a:r>
-              <a:rPr lang="en-US" dirty="0"/>
-              <a:t>Factors that Contributed to Success</a:t>
-            </a:r>
-          </a:p>
-        </p:txBody>
-      </p:sp>
-      <p:sp>
-        <p:nvSpPr>
-          <p:cNvPr id="3" name="Content Placeholder 2"/>
-          <p:cNvSpPr>
-            <a:spLocks noGrp="1"/>
-          </p:cNvSpPr>
-          <p:nvPr>
-            <p:ph idx="1"/>
-          </p:nvPr>
-        </p:nvSpPr>
-        <p:spPr/>
-        <p:txBody>
-          <a:bodyPr/>
-          <a:lstStyle/>
-          <a:p>
-            <a:r>
-              <a:rPr lang="en-US" dirty="0"/>
-              <a:t>Strong leadership</a:t>
-            </a:r>
-          </a:p>
-          <a:p>
-            <a:r>
-              <a:rPr lang="en-US" dirty="0"/>
-              <a:t>Innovative products or services</a:t>
-            </a:r>
-          </a:p>
-          <a:p>
-            <a:r>
-              <a:rPr lang="en-US" dirty="0"/>
-              <a:t>Market timing</a:t>
-            </a:r>
-          </a:p>
-        </p:txBody>
-      </p:sp>
-      <p:sp>
-        <p:nvSpPr>
-          <p:cNvPr id="4" name="Slide Number Placeholder 3"/>
-          <p:cNvSpPr>
-            <a:spLocks noGrp="1"/>
-          </p:cNvSpPr>
-          <p:nvPr>
-            <p:ph type="sldNum" sz="quarter" idx="12"/>
-          </p:nvPr>
-        </p:nvSpPr>
-        <p:spPr/>
-        <p:txBody>
-          <a:bodyPr/>
-          <a:lstStyle/>
-          <a:p>
-            <a:fld id="{B8DACC02-A2BD-4578-8E03-6D891060A695}" type="slidenum">
-              <a:rPr lang="en-US" smtClean="0"/>
-              <a:pPr/>
-              <a:t>60</a:t>
+              <a:t>62</a:t>
             </a:fld>
             <a:endParaRPr lang="en-US" dirty="0"/>
           </a:p>
@@ -19468,7 +19834,7 @@
 </p:sld>
 </file>
 
-<file path=ppt/slides/slide61.xml><?xml version="1.0" encoding="utf-8"?>
+<file path=ppt/slides/slide63.xml><?xml version="1.0" encoding="utf-8"?>
 <p:sld xmlns:a="http://schemas.openxmlformats.org/drawingml/2006/main" xmlns:r="http://schemas.openxmlformats.org/officeDocument/2006/relationships" xmlns:p="http://schemas.openxmlformats.org/presentationml/2006/main">
   <p:cSld>
     <p:spTree>
@@ -19544,7 +19910,7 @@
             <a:fld id="{B8DACC02-A2BD-4578-8E03-6D891060A695}" type="slidenum">
               <a:rPr lang="en-US" smtClean="0"/>
               <a:pPr/>
-              <a:t>61</a:t>
+              <a:t>63</a:t>
             </a:fld>
             <a:endParaRPr lang="en-US" dirty="0"/>
           </a:p>
@@ -19563,7 +19929,7 @@
 </p:sld>
 </file>
 
-<file path=ppt/slides/slide62.xml><?xml version="1.0" encoding="utf-8"?>
+<file path=ppt/slides/slide64.xml><?xml version="1.0" encoding="utf-8"?>
 <p:sld xmlns:a="http://schemas.openxmlformats.org/drawingml/2006/main" xmlns:r="http://schemas.openxmlformats.org/officeDocument/2006/relationships" xmlns:p="http://schemas.openxmlformats.org/presentationml/2006/main">
   <p:cSld>
     <p:spTree>
@@ -19620,7 +19986,7 @@
             <a:fld id="{B8DACC02-A2BD-4578-8E03-6D891060A695}" type="slidenum">
               <a:rPr lang="en-US" smtClean="0"/>
               <a:pPr/>
-              <a:t>62</a:t>
+              <a:t>64</a:t>
             </a:fld>
             <a:endParaRPr lang="en-US" dirty="0"/>
           </a:p>
@@ -19680,7 +20046,7 @@
 </p:sld>
 </file>
 
-<file path=ppt/slides/slide63.xml><?xml version="1.0" encoding="utf-8"?>
+<file path=ppt/slides/slide65.xml><?xml version="1.0" encoding="utf-8"?>
 <p:sld xmlns:a="http://schemas.openxmlformats.org/drawingml/2006/main" xmlns:r="http://schemas.openxmlformats.org/officeDocument/2006/relationships" xmlns:p="http://schemas.openxmlformats.org/presentationml/2006/main">
   <p:cSld>
     <p:spTree>
@@ -19765,7 +20131,7 @@
             <a:fld id="{B8DACC02-A2BD-4578-8E03-6D891060A695}" type="slidenum">
               <a:rPr lang="en-US" smtClean="0"/>
               <a:pPr/>
-              <a:t>63</a:t>
+              <a:t>65</a:t>
             </a:fld>
             <a:endParaRPr lang="en-US" dirty="0"/>
           </a:p>
@@ -19784,7 +20150,7 @@
 </p:sld>
 </file>
 
-<file path=ppt/slides/slide64.xml><?xml version="1.0" encoding="utf-8"?>
+<file path=ppt/slides/slide66.xml><?xml version="1.0" encoding="utf-8"?>
 <p:sld xmlns:a="http://schemas.openxmlformats.org/drawingml/2006/main" xmlns:r="http://schemas.openxmlformats.org/officeDocument/2006/relationships" xmlns:p="http://schemas.openxmlformats.org/presentationml/2006/main">
   <p:cSld>
     <p:spTree>
@@ -19874,7 +20240,7 @@
             <a:fld id="{B8DACC02-A2BD-4578-8E03-6D891060A695}" type="slidenum">
               <a:rPr lang="en-US" smtClean="0"/>
               <a:pPr/>
-              <a:t>64</a:t>
+              <a:t>66</a:t>
             </a:fld>
             <a:endParaRPr lang="en-US" dirty="0"/>
           </a:p>
@@ -19932,299 +20298,6 @@
 </p:sld>
 </file>
 
-<file path=ppt/slides/slide65.xml><?xml version="1.0" encoding="utf-8"?>
-<p:sld xmlns:a="http://schemas.openxmlformats.org/drawingml/2006/main" xmlns:r="http://schemas.openxmlformats.org/officeDocument/2006/relationships" xmlns:p="http://schemas.openxmlformats.org/presentationml/2006/main">
-  <p:cSld>
-    <p:spTree>
-      <p:nvGrpSpPr>
-        <p:cNvPr id="1" name=""/>
-        <p:cNvGrpSpPr/>
-        <p:nvPr/>
-      </p:nvGrpSpPr>
-      <p:grpSpPr>
-        <a:xfrm>
-          <a:off x="0" y="0"/>
-          <a:ext cx="0" cy="0"/>
-          <a:chOff x="0" y="0"/>
-          <a:chExt cx="0" cy="0"/>
-        </a:xfrm>
-      </p:grpSpPr>
-      <p:sp>
-        <p:nvSpPr>
-          <p:cNvPr id="2" name="Title 1"/>
-          <p:cNvSpPr>
-            <a:spLocks noGrp="1"/>
-          </p:cNvSpPr>
-          <p:nvPr>
-            <p:ph type="title"/>
-          </p:nvPr>
-        </p:nvSpPr>
-        <p:spPr/>
-        <p:txBody>
-          <a:bodyPr/>
-          <a:lstStyle/>
-          <a:p>
-            <a:r>
-              <a:rPr lang="en-US" dirty="0"/>
-              <a:t>Types of Incubators and Accelerators</a:t>
-            </a:r>
-          </a:p>
-        </p:txBody>
-      </p:sp>
-      <p:sp>
-        <p:nvSpPr>
-          <p:cNvPr id="3" name="Content Placeholder 2"/>
-          <p:cNvSpPr>
-            <a:spLocks noGrp="1"/>
-          </p:cNvSpPr>
-          <p:nvPr>
-            <p:ph idx="1"/>
-          </p:nvPr>
-        </p:nvSpPr>
-        <p:spPr/>
-        <p:txBody>
-          <a:bodyPr/>
-          <a:lstStyle/>
-          <a:p>
-            <a:r>
-              <a:rPr lang="en-US" dirty="0"/>
-              <a:t>Incubators:</a:t>
-            </a:r>
-          </a:p>
-          <a:p>
-            <a:pPr lvl="1"/>
-            <a:r>
-              <a:rPr lang="en-US" dirty="0"/>
-              <a:t>University-based incubators</a:t>
-            </a:r>
-          </a:p>
-          <a:p>
-            <a:pPr lvl="1"/>
-            <a:r>
-              <a:rPr lang="en-US" dirty="0"/>
-              <a:t>Independent incubators</a:t>
-            </a:r>
-          </a:p>
-          <a:p>
-            <a:pPr lvl="1"/>
-            <a:r>
-              <a:rPr lang="en-US" dirty="0"/>
-              <a:t>Corporate incubators</a:t>
-            </a:r>
-          </a:p>
-          <a:p>
-            <a:r>
-              <a:rPr lang="en-US" dirty="0"/>
-              <a:t>Accelerators:</a:t>
-            </a:r>
-          </a:p>
-          <a:p>
-            <a:pPr lvl="1"/>
-            <a:r>
-              <a:rPr lang="en-US" dirty="0"/>
-              <a:t>General accelerators</a:t>
-            </a:r>
-          </a:p>
-          <a:p>
-            <a:pPr lvl="1"/>
-            <a:r>
-              <a:rPr lang="en-US" dirty="0"/>
-              <a:t>Sector-specific accelerators (e.g., </a:t>
-            </a:r>
-            <a:r>
-              <a:rPr lang="en-US" dirty="0" err="1"/>
-              <a:t>fintech</a:t>
-            </a:r>
-            <a:r>
-              <a:rPr lang="en-US" dirty="0"/>
-              <a:t>, </a:t>
-            </a:r>
-            <a:r>
-              <a:rPr lang="en-US" dirty="0" err="1"/>
-              <a:t>healthtech</a:t>
-            </a:r>
-            <a:r>
-              <a:rPr lang="en-US" dirty="0"/>
-              <a:t>)</a:t>
-            </a:r>
-          </a:p>
-          <a:p>
-            <a:pPr lvl="1"/>
-            <a:r>
-              <a:rPr lang="en-US" dirty="0"/>
-              <a:t>Corporate accelerators</a:t>
-            </a:r>
-          </a:p>
-        </p:txBody>
-      </p:sp>
-      <p:sp>
-        <p:nvSpPr>
-          <p:cNvPr id="4" name="Slide Number Placeholder 3"/>
-          <p:cNvSpPr>
-            <a:spLocks noGrp="1"/>
-          </p:cNvSpPr>
-          <p:nvPr>
-            <p:ph type="sldNum" sz="quarter" idx="12"/>
-          </p:nvPr>
-        </p:nvSpPr>
-        <p:spPr/>
-        <p:txBody>
-          <a:bodyPr/>
-          <a:lstStyle/>
-          <a:p>
-            <a:fld id="{B8DACC02-A2BD-4578-8E03-6D891060A695}" type="slidenum">
-              <a:rPr lang="en-US" smtClean="0"/>
-              <a:pPr/>
-              <a:t>65</a:t>
-            </a:fld>
-            <a:endParaRPr lang="en-US" dirty="0"/>
-          </a:p>
-        </p:txBody>
-      </p:sp>
-    </p:spTree>
-    <p:extLst>
-      <p:ext uri="{BB962C8B-B14F-4D97-AF65-F5344CB8AC3E}">
-        <p14:creationId xmlns:p14="http://schemas.microsoft.com/office/powerpoint/2010/main" val="566255972"/>
-      </p:ext>
-    </p:extLst>
-  </p:cSld>
-  <p:clrMapOvr>
-    <a:masterClrMapping/>
-  </p:clrMapOvr>
-</p:sld>
-</file>
-
-<file path=ppt/slides/slide66.xml><?xml version="1.0" encoding="utf-8"?>
-<p:sld xmlns:a="http://schemas.openxmlformats.org/drawingml/2006/main" xmlns:r="http://schemas.openxmlformats.org/officeDocument/2006/relationships" xmlns:p="http://schemas.openxmlformats.org/presentationml/2006/main">
-  <p:cSld>
-    <p:spTree>
-      <p:nvGrpSpPr>
-        <p:cNvPr id="1" name=""/>
-        <p:cNvGrpSpPr/>
-        <p:nvPr/>
-      </p:nvGrpSpPr>
-      <p:grpSpPr>
-        <a:xfrm>
-          <a:off x="0" y="0"/>
-          <a:ext cx="0" cy="0"/>
-          <a:chOff x="0" y="0"/>
-          <a:chExt cx="0" cy="0"/>
-        </a:xfrm>
-      </p:grpSpPr>
-      <p:sp>
-        <p:nvSpPr>
-          <p:cNvPr id="2" name="Title 1"/>
-          <p:cNvSpPr>
-            <a:spLocks noGrp="1"/>
-          </p:cNvSpPr>
-          <p:nvPr>
-            <p:ph type="title"/>
-          </p:nvPr>
-        </p:nvSpPr>
-        <p:spPr/>
-        <p:txBody>
-          <a:bodyPr/>
-          <a:lstStyle/>
-          <a:p>
-            <a:r>
-              <a:rPr lang="en-US" dirty="0"/>
-              <a:t>Benefits of Incubators and Accelerators</a:t>
-            </a:r>
-          </a:p>
-        </p:txBody>
-      </p:sp>
-      <p:sp>
-        <p:nvSpPr>
-          <p:cNvPr id="3" name="Content Placeholder 2"/>
-          <p:cNvSpPr>
-            <a:spLocks noGrp="1"/>
-          </p:cNvSpPr>
-          <p:nvPr>
-            <p:ph idx="1"/>
-          </p:nvPr>
-        </p:nvSpPr>
-        <p:spPr/>
-        <p:txBody>
-          <a:bodyPr/>
-          <a:lstStyle/>
-          <a:p>
-            <a:r>
-              <a:rPr lang="en-US" dirty="0"/>
-              <a:t>Access to resources</a:t>
-            </a:r>
-          </a:p>
-          <a:p>
-            <a:pPr lvl="1"/>
-            <a:r>
-              <a:rPr lang="en-US" dirty="0"/>
-              <a:t>Incubators and accelerators provide startups with access to resources such as office space, mentorship, networking opportunities, and funding.</a:t>
-            </a:r>
-          </a:p>
-          <a:p>
-            <a:r>
-              <a:rPr lang="en-US" dirty="0"/>
-              <a:t>Guidance and support</a:t>
-            </a:r>
-          </a:p>
-          <a:p>
-            <a:pPr lvl="1"/>
-            <a:r>
-              <a:rPr lang="en-US" dirty="0"/>
-              <a:t>Startups receive guidance and support from experienced entrepreneurs, investors, and industry experts.</a:t>
-            </a:r>
-          </a:p>
-          <a:p>
-            <a:r>
-              <a:rPr lang="en-US" dirty="0"/>
-              <a:t>Focus and accountability</a:t>
-            </a:r>
-          </a:p>
-          <a:p>
-            <a:pPr lvl="1"/>
-            <a:r>
-              <a:rPr lang="en-US" dirty="0"/>
-              <a:t>Incubators and accelerators provide a structured environment that helps startups stay focused and accountable.</a:t>
-            </a:r>
-          </a:p>
-        </p:txBody>
-      </p:sp>
-      <p:sp>
-        <p:nvSpPr>
-          <p:cNvPr id="4" name="Slide Number Placeholder 3"/>
-          <p:cNvSpPr>
-            <a:spLocks noGrp="1"/>
-          </p:cNvSpPr>
-          <p:nvPr>
-            <p:ph type="sldNum" sz="quarter" idx="12"/>
-          </p:nvPr>
-        </p:nvSpPr>
-        <p:spPr/>
-        <p:txBody>
-          <a:bodyPr/>
-          <a:lstStyle/>
-          <a:p>
-            <a:fld id="{B8DACC02-A2BD-4578-8E03-6D891060A695}" type="slidenum">
-              <a:rPr lang="en-US" smtClean="0"/>
-              <a:pPr/>
-              <a:t>66</a:t>
-            </a:fld>
-            <a:endParaRPr lang="en-US" dirty="0"/>
-          </a:p>
-        </p:txBody>
-      </p:sp>
-    </p:spTree>
-    <p:extLst>
-      <p:ext uri="{BB962C8B-B14F-4D97-AF65-F5344CB8AC3E}">
-        <p14:creationId xmlns:p14="http://schemas.microsoft.com/office/powerpoint/2010/main" val="2619956534"/>
-      </p:ext>
-    </p:extLst>
-  </p:cSld>
-  <p:clrMapOvr>
-    <a:masterClrMapping/>
-  </p:clrMapOvr>
-</p:sld>
-</file>
-
 <file path=ppt/slides/slide67.xml><?xml version="1.0" encoding="utf-8"?>
 <p:sld xmlns:a="http://schemas.openxmlformats.org/drawingml/2006/main" xmlns:r="http://schemas.openxmlformats.org/officeDocument/2006/relationships" xmlns:p="http://schemas.openxmlformats.org/presentationml/2006/main">
   <p:cSld>
@@ -20259,7 +20332,7 @@
           <a:p>
             <a:r>
               <a:rPr lang="en-US" dirty="0"/>
-              <a:t>Incubator and Accelerator Programs</a:t>
+              <a:t>Types of Incubators and Accelerators</a:t>
             </a:r>
           </a:p>
         </p:txBody>
@@ -20276,76 +20349,76 @@
         </p:nvSpPr>
         <p:spPr/>
         <p:txBody>
-          <a:bodyPr>
-            <a:normAutofit/>
-          </a:bodyPr>
-          <a:lstStyle/>
-          <a:p>
-            <a:r>
-              <a:rPr lang="en-US" dirty="0"/>
-              <a:t>Typical programs offered by incubators:</a:t>
+          <a:bodyPr/>
+          <a:lstStyle/>
+          <a:p>
+            <a:r>
+              <a:rPr lang="en-US" dirty="0"/>
+              <a:t>Incubators:</a:t>
             </a:r>
           </a:p>
           <a:p>
             <a:pPr lvl="1"/>
             <a:r>
               <a:rPr lang="en-US" dirty="0"/>
-              <a:t>Business planning and strategy</a:t>
+              <a:t>University-based incubators</a:t>
             </a:r>
           </a:p>
           <a:p>
             <a:pPr lvl="1"/>
             <a:r>
               <a:rPr lang="en-US" dirty="0"/>
-              <a:t>Marketing and branding</a:t>
+              <a:t>Independent incubators</a:t>
             </a:r>
           </a:p>
           <a:p>
             <a:pPr lvl="1"/>
             <a:r>
               <a:rPr lang="en-US" dirty="0"/>
-              <a:t>Legal and regulatory compliance</a:t>
+              <a:t>Corporate incubators</a:t>
+            </a:r>
+          </a:p>
+          <a:p>
+            <a:r>
+              <a:rPr lang="en-US" dirty="0"/>
+              <a:t>Accelerators:</a:t>
             </a:r>
           </a:p>
           <a:p>
             <a:pPr lvl="1"/>
             <a:r>
               <a:rPr lang="en-US" dirty="0"/>
-              <a:t>Access to funding and finance</a:t>
-            </a:r>
-          </a:p>
-          <a:p>
-            <a:r>
-              <a:rPr lang="en-US" dirty="0"/>
-              <a:t>Typical programs offered by accelerators:</a:t>
+              <a:t>General accelerators</a:t>
             </a:r>
           </a:p>
           <a:p>
             <a:pPr lvl="1"/>
             <a:r>
               <a:rPr lang="en-US" dirty="0"/>
-              <a:t>Mentorship and coaching</a:t>
+              <a:t>Sector-specific accelerators (e.g., </a:t>
+            </a:r>
+            <a:r>
+              <a:rPr lang="en-US" dirty="0" err="1"/>
+              <a:t>fintech</a:t>
+            </a:r>
+            <a:r>
+              <a:rPr lang="en-US" dirty="0"/>
+              <a:t>, </a:t>
+            </a:r>
+            <a:r>
+              <a:rPr lang="en-US" dirty="0" err="1"/>
+              <a:t>healthtech</a:t>
+            </a:r>
+            <a:r>
+              <a:rPr lang="en-US" dirty="0"/>
+              <a:t>)</a:t>
             </a:r>
           </a:p>
           <a:p>
             <a:pPr lvl="1"/>
             <a:r>
               <a:rPr lang="en-US" dirty="0"/>
-              <a:t>Workshops and training sessions</a:t>
-            </a:r>
-          </a:p>
-          <a:p>
-            <a:pPr lvl="1"/>
-            <a:r>
-              <a:rPr lang="en-US" dirty="0"/>
-              <a:t>Pitching and presentation skills</a:t>
-            </a:r>
-          </a:p>
-          <a:p>
-            <a:pPr lvl="1"/>
-            <a:r>
-              <a:rPr lang="en-US" dirty="0"/>
-              <a:t>Access to funding and investors</a:t>
+              <a:t>Corporate accelerators</a:t>
             </a:r>
           </a:p>
         </p:txBody>
@@ -20369,6 +20442,299 @@
               <a:rPr lang="en-US" smtClean="0"/>
               <a:pPr/>
               <a:t>67</a:t>
+            </a:fld>
+            <a:endParaRPr lang="en-US" dirty="0"/>
+          </a:p>
+        </p:txBody>
+      </p:sp>
+    </p:spTree>
+    <p:extLst>
+      <p:ext uri="{BB962C8B-B14F-4D97-AF65-F5344CB8AC3E}">
+        <p14:creationId xmlns:p14="http://schemas.microsoft.com/office/powerpoint/2010/main" val="566255972"/>
+      </p:ext>
+    </p:extLst>
+  </p:cSld>
+  <p:clrMapOvr>
+    <a:masterClrMapping/>
+  </p:clrMapOvr>
+</p:sld>
+</file>
+
+<file path=ppt/slides/slide68.xml><?xml version="1.0" encoding="utf-8"?>
+<p:sld xmlns:a="http://schemas.openxmlformats.org/drawingml/2006/main" xmlns:r="http://schemas.openxmlformats.org/officeDocument/2006/relationships" xmlns:p="http://schemas.openxmlformats.org/presentationml/2006/main">
+  <p:cSld>
+    <p:spTree>
+      <p:nvGrpSpPr>
+        <p:cNvPr id="1" name=""/>
+        <p:cNvGrpSpPr/>
+        <p:nvPr/>
+      </p:nvGrpSpPr>
+      <p:grpSpPr>
+        <a:xfrm>
+          <a:off x="0" y="0"/>
+          <a:ext cx="0" cy="0"/>
+          <a:chOff x="0" y="0"/>
+          <a:chExt cx="0" cy="0"/>
+        </a:xfrm>
+      </p:grpSpPr>
+      <p:sp>
+        <p:nvSpPr>
+          <p:cNvPr id="2" name="Title 1"/>
+          <p:cNvSpPr>
+            <a:spLocks noGrp="1"/>
+          </p:cNvSpPr>
+          <p:nvPr>
+            <p:ph type="title"/>
+          </p:nvPr>
+        </p:nvSpPr>
+        <p:spPr/>
+        <p:txBody>
+          <a:bodyPr/>
+          <a:lstStyle/>
+          <a:p>
+            <a:r>
+              <a:rPr lang="en-US" dirty="0"/>
+              <a:t>Benefits of Incubators and Accelerators</a:t>
+            </a:r>
+          </a:p>
+        </p:txBody>
+      </p:sp>
+      <p:sp>
+        <p:nvSpPr>
+          <p:cNvPr id="3" name="Content Placeholder 2"/>
+          <p:cNvSpPr>
+            <a:spLocks noGrp="1"/>
+          </p:cNvSpPr>
+          <p:nvPr>
+            <p:ph idx="1"/>
+          </p:nvPr>
+        </p:nvSpPr>
+        <p:spPr/>
+        <p:txBody>
+          <a:bodyPr/>
+          <a:lstStyle/>
+          <a:p>
+            <a:r>
+              <a:rPr lang="en-US" dirty="0"/>
+              <a:t>Access to resources</a:t>
+            </a:r>
+          </a:p>
+          <a:p>
+            <a:pPr lvl="1"/>
+            <a:r>
+              <a:rPr lang="en-US" dirty="0"/>
+              <a:t>Incubators and accelerators provide startups with access to resources such as office space, mentorship, networking opportunities, and funding.</a:t>
+            </a:r>
+          </a:p>
+          <a:p>
+            <a:r>
+              <a:rPr lang="en-US" dirty="0"/>
+              <a:t>Guidance and support</a:t>
+            </a:r>
+          </a:p>
+          <a:p>
+            <a:pPr lvl="1"/>
+            <a:r>
+              <a:rPr lang="en-US" dirty="0"/>
+              <a:t>Startups receive guidance and support from experienced entrepreneurs, investors, and industry experts.</a:t>
+            </a:r>
+          </a:p>
+          <a:p>
+            <a:r>
+              <a:rPr lang="en-US" dirty="0"/>
+              <a:t>Focus and accountability</a:t>
+            </a:r>
+          </a:p>
+          <a:p>
+            <a:pPr lvl="1"/>
+            <a:r>
+              <a:rPr lang="en-US" dirty="0"/>
+              <a:t>Incubators and accelerators provide a structured environment that helps startups stay focused and accountable.</a:t>
+            </a:r>
+          </a:p>
+        </p:txBody>
+      </p:sp>
+      <p:sp>
+        <p:nvSpPr>
+          <p:cNvPr id="4" name="Slide Number Placeholder 3"/>
+          <p:cNvSpPr>
+            <a:spLocks noGrp="1"/>
+          </p:cNvSpPr>
+          <p:nvPr>
+            <p:ph type="sldNum" sz="quarter" idx="12"/>
+          </p:nvPr>
+        </p:nvSpPr>
+        <p:spPr/>
+        <p:txBody>
+          <a:bodyPr/>
+          <a:lstStyle/>
+          <a:p>
+            <a:fld id="{B8DACC02-A2BD-4578-8E03-6D891060A695}" type="slidenum">
+              <a:rPr lang="en-US" smtClean="0"/>
+              <a:pPr/>
+              <a:t>68</a:t>
+            </a:fld>
+            <a:endParaRPr lang="en-US" dirty="0"/>
+          </a:p>
+        </p:txBody>
+      </p:sp>
+    </p:spTree>
+    <p:extLst>
+      <p:ext uri="{BB962C8B-B14F-4D97-AF65-F5344CB8AC3E}">
+        <p14:creationId xmlns:p14="http://schemas.microsoft.com/office/powerpoint/2010/main" val="2619956534"/>
+      </p:ext>
+    </p:extLst>
+  </p:cSld>
+  <p:clrMapOvr>
+    <a:masterClrMapping/>
+  </p:clrMapOvr>
+</p:sld>
+</file>
+
+<file path=ppt/slides/slide69.xml><?xml version="1.0" encoding="utf-8"?>
+<p:sld xmlns:a="http://schemas.openxmlformats.org/drawingml/2006/main" xmlns:r="http://schemas.openxmlformats.org/officeDocument/2006/relationships" xmlns:p="http://schemas.openxmlformats.org/presentationml/2006/main">
+  <p:cSld>
+    <p:spTree>
+      <p:nvGrpSpPr>
+        <p:cNvPr id="1" name=""/>
+        <p:cNvGrpSpPr/>
+        <p:nvPr/>
+      </p:nvGrpSpPr>
+      <p:grpSpPr>
+        <a:xfrm>
+          <a:off x="0" y="0"/>
+          <a:ext cx="0" cy="0"/>
+          <a:chOff x="0" y="0"/>
+          <a:chExt cx="0" cy="0"/>
+        </a:xfrm>
+      </p:grpSpPr>
+      <p:sp>
+        <p:nvSpPr>
+          <p:cNvPr id="2" name="Title 1"/>
+          <p:cNvSpPr>
+            <a:spLocks noGrp="1"/>
+          </p:cNvSpPr>
+          <p:nvPr>
+            <p:ph type="title"/>
+          </p:nvPr>
+        </p:nvSpPr>
+        <p:spPr/>
+        <p:txBody>
+          <a:bodyPr/>
+          <a:lstStyle/>
+          <a:p>
+            <a:r>
+              <a:rPr lang="en-US" dirty="0"/>
+              <a:t>Incubator and Accelerator Programs</a:t>
+            </a:r>
+          </a:p>
+        </p:txBody>
+      </p:sp>
+      <p:sp>
+        <p:nvSpPr>
+          <p:cNvPr id="3" name="Content Placeholder 2"/>
+          <p:cNvSpPr>
+            <a:spLocks noGrp="1"/>
+          </p:cNvSpPr>
+          <p:nvPr>
+            <p:ph idx="1"/>
+          </p:nvPr>
+        </p:nvSpPr>
+        <p:spPr/>
+        <p:txBody>
+          <a:bodyPr>
+            <a:normAutofit/>
+          </a:bodyPr>
+          <a:lstStyle/>
+          <a:p>
+            <a:r>
+              <a:rPr lang="en-US" dirty="0"/>
+              <a:t>Typical programs offered by incubators:</a:t>
+            </a:r>
+          </a:p>
+          <a:p>
+            <a:pPr lvl="1"/>
+            <a:r>
+              <a:rPr lang="en-US" dirty="0"/>
+              <a:t>Business planning and strategy</a:t>
+            </a:r>
+          </a:p>
+          <a:p>
+            <a:pPr lvl="1"/>
+            <a:r>
+              <a:rPr lang="en-US" dirty="0"/>
+              <a:t>Marketing and branding</a:t>
+            </a:r>
+          </a:p>
+          <a:p>
+            <a:pPr lvl="1"/>
+            <a:r>
+              <a:rPr lang="en-US" dirty="0"/>
+              <a:t>Legal and regulatory compliance</a:t>
+            </a:r>
+          </a:p>
+          <a:p>
+            <a:pPr lvl="1"/>
+            <a:r>
+              <a:rPr lang="en-US" dirty="0"/>
+              <a:t>Access to funding and finance</a:t>
+            </a:r>
+          </a:p>
+          <a:p>
+            <a:r>
+              <a:rPr lang="en-US" dirty="0"/>
+              <a:t>Typical programs offered by accelerators:</a:t>
+            </a:r>
+          </a:p>
+          <a:p>
+            <a:pPr lvl="1"/>
+            <a:r>
+              <a:rPr lang="en-US" dirty="0"/>
+              <a:t>Mentorship and coaching</a:t>
+            </a:r>
+          </a:p>
+          <a:p>
+            <a:pPr lvl="1"/>
+            <a:r>
+              <a:rPr lang="en-US" dirty="0"/>
+              <a:t>Workshops and training sessions</a:t>
+            </a:r>
+          </a:p>
+          <a:p>
+            <a:pPr lvl="1"/>
+            <a:r>
+              <a:rPr lang="en-US" dirty="0"/>
+              <a:t>Pitching and presentation skills</a:t>
+            </a:r>
+          </a:p>
+          <a:p>
+            <a:pPr lvl="1"/>
+            <a:r>
+              <a:rPr lang="en-US" dirty="0"/>
+              <a:t>Access to funding and investors</a:t>
+            </a:r>
+          </a:p>
+        </p:txBody>
+      </p:sp>
+      <p:sp>
+        <p:nvSpPr>
+          <p:cNvPr id="4" name="Slide Number Placeholder 3"/>
+          <p:cNvSpPr>
+            <a:spLocks noGrp="1"/>
+          </p:cNvSpPr>
+          <p:nvPr>
+            <p:ph type="sldNum" sz="quarter" idx="12"/>
+          </p:nvPr>
+        </p:nvSpPr>
+        <p:spPr/>
+        <p:txBody>
+          <a:bodyPr/>
+          <a:lstStyle/>
+          <a:p>
+            <a:fld id="{B8DACC02-A2BD-4578-8E03-6D891060A695}" type="slidenum">
+              <a:rPr lang="en-US" smtClean="0"/>
+              <a:pPr/>
+              <a:t>69</a:t>
             </a:fld>
             <a:endParaRPr lang="en-US" dirty="0"/>
           </a:p>
@@ -20423,379 +20789,6 @@
     <p:extLst>
       <p:ext uri="{BB962C8B-B14F-4D97-AF65-F5344CB8AC3E}">
         <p14:creationId xmlns:p14="http://schemas.microsoft.com/office/powerpoint/2010/main" val="1245689597"/>
-      </p:ext>
-    </p:extLst>
-  </p:cSld>
-  <p:clrMapOvr>
-    <a:masterClrMapping/>
-  </p:clrMapOvr>
-</p:sld>
-</file>
-
-<file path=ppt/slides/slide68.xml><?xml version="1.0" encoding="utf-8"?>
-<p:sld xmlns:a="http://schemas.openxmlformats.org/drawingml/2006/main" xmlns:r="http://schemas.openxmlformats.org/officeDocument/2006/relationships" xmlns:p="http://schemas.openxmlformats.org/presentationml/2006/main">
-  <p:cSld>
-    <p:spTree>
-      <p:nvGrpSpPr>
-        <p:cNvPr id="1" name=""/>
-        <p:cNvGrpSpPr/>
-        <p:nvPr/>
-      </p:nvGrpSpPr>
-      <p:grpSpPr>
-        <a:xfrm>
-          <a:off x="0" y="0"/>
-          <a:ext cx="0" cy="0"/>
-          <a:chOff x="0" y="0"/>
-          <a:chExt cx="0" cy="0"/>
-        </a:xfrm>
-      </p:grpSpPr>
-      <p:sp>
-        <p:nvSpPr>
-          <p:cNvPr id="2" name="Title 1">
-            <a:extLst>
-              <a:ext uri="{FF2B5EF4-FFF2-40B4-BE49-F238E27FC236}">
-                <a16:creationId xmlns:a16="http://schemas.microsoft.com/office/drawing/2014/main" id="{3DF41606-56BE-408A-8B5E-5B4AA4DA886B}"/>
-              </a:ext>
-            </a:extLst>
-          </p:cNvPr>
-          <p:cNvSpPr>
-            <a:spLocks noGrp="1"/>
-          </p:cNvSpPr>
-          <p:nvPr>
-            <p:ph type="title"/>
-          </p:nvPr>
-        </p:nvSpPr>
-        <p:spPr/>
-        <p:txBody>
-          <a:bodyPr>
-            <a:normAutofit fontScale="90000"/>
-          </a:bodyPr>
-          <a:lstStyle/>
-          <a:p>
-            <a:r>
-              <a:rPr lang="en-US" dirty="0"/>
-              <a:t>How to Choose the Right Incubator or Accelerator</a:t>
-            </a:r>
-          </a:p>
-        </p:txBody>
-      </p:sp>
-      <p:sp>
-        <p:nvSpPr>
-          <p:cNvPr id="3" name="Content Placeholder 2">
-            <a:extLst>
-              <a:ext uri="{FF2B5EF4-FFF2-40B4-BE49-F238E27FC236}">
-                <a16:creationId xmlns:a16="http://schemas.microsoft.com/office/drawing/2014/main" id="{24CB897F-B6F3-4E42-8264-9C30DC0C1F93}"/>
-              </a:ext>
-            </a:extLst>
-          </p:cNvPr>
-          <p:cNvSpPr>
-            <a:spLocks noGrp="1"/>
-          </p:cNvSpPr>
-          <p:nvPr>
-            <p:ph idx="1"/>
-          </p:nvPr>
-        </p:nvSpPr>
-        <p:spPr/>
-        <p:txBody>
-          <a:bodyPr>
-            <a:normAutofit/>
-          </a:bodyPr>
-          <a:lstStyle/>
-          <a:p>
-            <a:r>
-              <a:rPr lang="en-US" dirty="0"/>
-              <a:t>Factors to Consider:</a:t>
-            </a:r>
-          </a:p>
-          <a:p>
-            <a:pPr lvl="1"/>
-            <a:r>
-              <a:rPr lang="en-US" dirty="0"/>
-              <a:t>Focus</a:t>
-            </a:r>
-          </a:p>
-          <a:p>
-            <a:pPr lvl="1"/>
-            <a:r>
-              <a:rPr lang="en-US" dirty="0"/>
-              <a:t>Location</a:t>
-            </a:r>
-          </a:p>
-          <a:p>
-            <a:pPr lvl="1"/>
-            <a:r>
-              <a:rPr lang="en-US" dirty="0"/>
-              <a:t>Reputation</a:t>
-            </a:r>
-          </a:p>
-          <a:p>
-            <a:pPr lvl="1"/>
-            <a:r>
-              <a:rPr lang="en-US" dirty="0"/>
-              <a:t>Resources</a:t>
-            </a:r>
-          </a:p>
-          <a:p>
-            <a:pPr lvl="1"/>
-            <a:r>
-              <a:rPr lang="en-US" dirty="0"/>
-              <a:t>Mentorship</a:t>
-            </a:r>
-          </a:p>
-          <a:p>
-            <a:pPr lvl="1"/>
-            <a:r>
-              <a:rPr lang="en-US" dirty="0"/>
-              <a:t>Networking</a:t>
-            </a:r>
-          </a:p>
-          <a:p>
-            <a:pPr lvl="1"/>
-            <a:r>
-              <a:rPr lang="en-US" dirty="0"/>
-              <a:t>Funding</a:t>
-            </a:r>
-          </a:p>
-          <a:p>
-            <a:pPr lvl="1"/>
-            <a:r>
-              <a:rPr lang="en-US" dirty="0"/>
-              <a:t>Program duration</a:t>
-            </a:r>
-          </a:p>
-          <a:p>
-            <a:pPr lvl="1"/>
-            <a:r>
-              <a:rPr lang="en-US" dirty="0"/>
-              <a:t>Cost</a:t>
-            </a:r>
-          </a:p>
-        </p:txBody>
-      </p:sp>
-      <p:sp>
-        <p:nvSpPr>
-          <p:cNvPr id="4" name="Slide Number Placeholder 3">
-            <a:extLst>
-              <a:ext uri="{FF2B5EF4-FFF2-40B4-BE49-F238E27FC236}">
-                <a16:creationId xmlns:a16="http://schemas.microsoft.com/office/drawing/2014/main" id="{5223FDB3-FF69-4CA5-B5C8-F6F39A2D6A55}"/>
-              </a:ext>
-            </a:extLst>
-          </p:cNvPr>
-          <p:cNvSpPr>
-            <a:spLocks noGrp="1"/>
-          </p:cNvSpPr>
-          <p:nvPr>
-            <p:ph type="sldNum" sz="quarter" idx="12"/>
-          </p:nvPr>
-        </p:nvSpPr>
-        <p:spPr/>
-        <p:txBody>
-          <a:bodyPr/>
-          <a:lstStyle/>
-          <a:p>
-            <a:fld id="{B8DACC02-A2BD-4578-8E03-6D891060A695}" type="slidenum">
-              <a:rPr lang="en-US" smtClean="0"/>
-              <a:pPr/>
-              <a:t>68</a:t>
-            </a:fld>
-            <a:endParaRPr lang="en-US" dirty="0"/>
-          </a:p>
-        </p:txBody>
-      </p:sp>
-    </p:spTree>
-    <p:extLst>
-      <p:ext uri="{BB962C8B-B14F-4D97-AF65-F5344CB8AC3E}">
-        <p14:creationId xmlns:p14="http://schemas.microsoft.com/office/powerpoint/2010/main" val="3328796608"/>
-      </p:ext>
-    </p:extLst>
-  </p:cSld>
-  <p:clrMapOvr>
-    <a:masterClrMapping/>
-  </p:clrMapOvr>
-</p:sld>
-</file>
-
-<file path=ppt/slides/slide69.xml><?xml version="1.0" encoding="utf-8"?>
-<p:sld xmlns:a="http://schemas.openxmlformats.org/drawingml/2006/main" xmlns:r="http://schemas.openxmlformats.org/officeDocument/2006/relationships" xmlns:p="http://schemas.openxmlformats.org/presentationml/2006/main">
-  <p:cSld>
-    <p:spTree>
-      <p:nvGrpSpPr>
-        <p:cNvPr id="1" name=""/>
-        <p:cNvGrpSpPr/>
-        <p:nvPr/>
-      </p:nvGrpSpPr>
-      <p:grpSpPr>
-        <a:xfrm>
-          <a:off x="0" y="0"/>
-          <a:ext cx="0" cy="0"/>
-          <a:chOff x="0" y="0"/>
-          <a:chExt cx="0" cy="0"/>
-        </a:xfrm>
-      </p:grpSpPr>
-      <p:sp>
-        <p:nvSpPr>
-          <p:cNvPr id="2" name="Title 1">
-            <a:extLst>
-              <a:ext uri="{FF2B5EF4-FFF2-40B4-BE49-F238E27FC236}">
-                <a16:creationId xmlns:a16="http://schemas.microsoft.com/office/drawing/2014/main" id="{3DF41606-56BE-408A-8B5E-5B4AA4DA886B}"/>
-              </a:ext>
-            </a:extLst>
-          </p:cNvPr>
-          <p:cNvSpPr>
-            <a:spLocks noGrp="1"/>
-          </p:cNvSpPr>
-          <p:nvPr>
-            <p:ph type="title"/>
-          </p:nvPr>
-        </p:nvSpPr>
-        <p:spPr/>
-        <p:txBody>
-          <a:bodyPr>
-            <a:normAutofit fontScale="90000"/>
-          </a:bodyPr>
-          <a:lstStyle/>
-          <a:p>
-            <a:r>
-              <a:rPr lang="en-US" dirty="0"/>
-              <a:t>How to Choose the Right Incubator or Accelerator</a:t>
-            </a:r>
-          </a:p>
-        </p:txBody>
-      </p:sp>
-      <p:sp>
-        <p:nvSpPr>
-          <p:cNvPr id="3" name="Content Placeholder 2">
-            <a:extLst>
-              <a:ext uri="{FF2B5EF4-FFF2-40B4-BE49-F238E27FC236}">
-                <a16:creationId xmlns:a16="http://schemas.microsoft.com/office/drawing/2014/main" id="{24CB897F-B6F3-4E42-8264-9C30DC0C1F93}"/>
-              </a:ext>
-            </a:extLst>
-          </p:cNvPr>
-          <p:cNvSpPr>
-            <a:spLocks noGrp="1"/>
-          </p:cNvSpPr>
-          <p:nvPr>
-            <p:ph idx="1"/>
-          </p:nvPr>
-        </p:nvSpPr>
-        <p:spPr/>
-        <p:txBody>
-          <a:bodyPr>
-            <a:normAutofit fontScale="92500"/>
-          </a:bodyPr>
-          <a:lstStyle/>
-          <a:p>
-            <a:r>
-              <a:rPr lang="en-US" dirty="0"/>
-              <a:t>Questions to Ask:</a:t>
-            </a:r>
-          </a:p>
-          <a:p>
-            <a:pPr lvl="1"/>
-            <a:r>
-              <a:rPr lang="en-US" dirty="0"/>
-              <a:t>What is the program's focus and mission?</a:t>
-            </a:r>
-          </a:p>
-          <a:p>
-            <a:pPr lvl="1"/>
-            <a:r>
-              <a:rPr lang="en-US" dirty="0"/>
-              <a:t>What resources does the program offer, and how do they align with my startup's needs?</a:t>
-            </a:r>
-          </a:p>
-          <a:p>
-            <a:pPr lvl="1"/>
-            <a:r>
-              <a:rPr lang="en-US" dirty="0"/>
-              <a:t>What is the reputation of the program, and what success stories can you share?</a:t>
-            </a:r>
-          </a:p>
-          <a:p>
-            <a:pPr lvl="1"/>
-            <a:r>
-              <a:rPr lang="en-US" dirty="0"/>
-              <a:t>Who are the mentors and industry experts involved in the program?</a:t>
-            </a:r>
-          </a:p>
-          <a:p>
-            <a:pPr lvl="1"/>
-            <a:r>
-              <a:rPr lang="en-US" dirty="0"/>
-              <a:t>What networking opportunities does the program offer?</a:t>
-            </a:r>
-          </a:p>
-          <a:p>
-            <a:pPr lvl="1"/>
-            <a:r>
-              <a:rPr lang="en-US" dirty="0"/>
-              <a:t>Does the program provide funding or connections to investors?</a:t>
-            </a:r>
-          </a:p>
-          <a:p>
-            <a:pPr lvl="1"/>
-            <a:r>
-              <a:rPr lang="en-US" dirty="0"/>
-              <a:t>What is the program's duration, and what milestones can I expect to achieve during that time?</a:t>
-            </a:r>
-          </a:p>
-          <a:p>
-            <a:pPr lvl="1"/>
-            <a:r>
-              <a:rPr lang="en-US" dirty="0"/>
-              <a:t>What is the cost of participating in the program, and what equity or fees are involved?</a:t>
-            </a:r>
-          </a:p>
-          <a:p>
-            <a:pPr lvl="1"/>
-            <a:r>
-              <a:rPr lang="en-US" dirty="0"/>
-              <a:t>How does the program support startups in scaling and growing their business?</a:t>
-            </a:r>
-          </a:p>
-          <a:p>
-            <a:pPr lvl="1"/>
-            <a:r>
-              <a:rPr lang="en-US" dirty="0"/>
-              <a:t>What are the program's expectations for commitment and involvement from startup founders?</a:t>
-            </a:r>
-          </a:p>
-        </p:txBody>
-      </p:sp>
-      <p:sp>
-        <p:nvSpPr>
-          <p:cNvPr id="4" name="Slide Number Placeholder 3">
-            <a:extLst>
-              <a:ext uri="{FF2B5EF4-FFF2-40B4-BE49-F238E27FC236}">
-                <a16:creationId xmlns:a16="http://schemas.microsoft.com/office/drawing/2014/main" id="{5223FDB3-FF69-4CA5-B5C8-F6F39A2D6A55}"/>
-              </a:ext>
-            </a:extLst>
-          </p:cNvPr>
-          <p:cNvSpPr>
-            <a:spLocks noGrp="1"/>
-          </p:cNvSpPr>
-          <p:nvPr>
-            <p:ph type="sldNum" sz="quarter" idx="12"/>
-          </p:nvPr>
-        </p:nvSpPr>
-        <p:spPr/>
-        <p:txBody>
-          <a:bodyPr/>
-          <a:lstStyle/>
-          <a:p>
-            <a:fld id="{B8DACC02-A2BD-4578-8E03-6D891060A695}" type="slidenum">
-              <a:rPr lang="en-US" smtClean="0"/>
-              <a:pPr/>
-              <a:t>69</a:t>
-            </a:fld>
-            <a:endParaRPr lang="en-US" dirty="0"/>
-          </a:p>
-        </p:txBody>
-      </p:sp>
-    </p:spTree>
-    <p:extLst>
-      <p:ext uri="{BB962C8B-B14F-4D97-AF65-F5344CB8AC3E}">
-        <p14:creationId xmlns:p14="http://schemas.microsoft.com/office/powerpoint/2010/main" val="790029225"/>
       </p:ext>
     </p:extLst>
   </p:cSld>
@@ -21022,70 +21015,70 @@
           <a:p>
             <a:r>
               <a:rPr lang="en-US" dirty="0"/>
-              <a:t>Tips for Selecting the Best Incubator or Accelerator:</a:t>
+              <a:t>Factors to Consider:</a:t>
             </a:r>
           </a:p>
           <a:p>
             <a:pPr lvl="1"/>
             <a:r>
               <a:rPr lang="en-US" dirty="0"/>
-              <a:t>Research thoroughly</a:t>
+              <a:t>Focus</a:t>
             </a:r>
           </a:p>
           <a:p>
             <a:pPr lvl="1"/>
             <a:r>
               <a:rPr lang="en-US" dirty="0"/>
-              <a:t>Network with other entrepreneurs</a:t>
+              <a:t>Location</a:t>
             </a:r>
           </a:p>
           <a:p>
             <a:pPr lvl="1"/>
             <a:r>
               <a:rPr lang="en-US" dirty="0"/>
-              <a:t>Look for a program that fits your stage</a:t>
+              <a:t>Reputation</a:t>
             </a:r>
           </a:p>
           <a:p>
             <a:pPr lvl="1"/>
             <a:r>
               <a:rPr lang="en-US" dirty="0"/>
-              <a:t>Consider the program's investment strategy</a:t>
+              <a:t>Resources</a:t>
             </a:r>
           </a:p>
           <a:p>
             <a:pPr lvl="1"/>
             <a:r>
               <a:rPr lang="en-US" dirty="0"/>
-              <a:t>Evaluate the program's network</a:t>
+              <a:t>Mentorship</a:t>
             </a:r>
           </a:p>
           <a:p>
             <a:pPr lvl="1"/>
             <a:r>
               <a:rPr lang="en-US" dirty="0"/>
-              <a:t>Look for a program that offers flexibility</a:t>
+              <a:t>Networking</a:t>
             </a:r>
           </a:p>
           <a:p>
             <a:pPr lvl="1"/>
             <a:r>
               <a:rPr lang="en-US" dirty="0"/>
-              <a:t>Evaluate the program's track record</a:t>
+              <a:t>Funding</a:t>
             </a:r>
           </a:p>
           <a:p>
             <a:pPr lvl="1"/>
             <a:r>
               <a:rPr lang="en-US" dirty="0"/>
-              <a:t>Look for a program that aligns with your values</a:t>
+              <a:t>Program duration</a:t>
             </a:r>
           </a:p>
           <a:p>
             <a:pPr lvl="1"/>
             <a:r>
               <a:rPr lang="en-US" dirty="0"/>
-              <a:t>Consider the program's location:</a:t>
+              <a:t>Cost</a:t>
             </a:r>
           </a:p>
         </p:txBody>
@@ -21123,7 +21116,7 @@
     </p:spTree>
     <p:extLst>
       <p:ext uri="{BB962C8B-B14F-4D97-AF65-F5344CB8AC3E}">
-        <p14:creationId xmlns:p14="http://schemas.microsoft.com/office/powerpoint/2010/main" val="1007110814"/>
+        <p14:creationId xmlns:p14="http://schemas.microsoft.com/office/powerpoint/2010/main" val="3328796608"/>
       </p:ext>
     </p:extLst>
   </p:cSld>
@@ -21152,7 +21145,13 @@
       </p:grpSpPr>
       <p:sp>
         <p:nvSpPr>
-          <p:cNvPr id="2" name="Title 1"/>
+          <p:cNvPr id="2" name="Title 1">
+            <a:extLst>
+              <a:ext uri="{FF2B5EF4-FFF2-40B4-BE49-F238E27FC236}">
+                <a16:creationId xmlns:a16="http://schemas.microsoft.com/office/drawing/2014/main" id="{3DF41606-56BE-408A-8B5E-5B4AA4DA886B}"/>
+              </a:ext>
+            </a:extLst>
+          </p:cNvPr>
           <p:cNvSpPr>
             <a:spLocks noGrp="1"/>
           </p:cNvSpPr>
@@ -21169,14 +21168,20 @@
           <a:p>
             <a:r>
               <a:rPr lang="en-US" dirty="0"/>
-              <a:t>Examples of Successful Incubators and Accelerators</a:t>
-            </a:r>
-          </a:p>
-        </p:txBody>
-      </p:sp>
-      <p:sp>
-        <p:nvSpPr>
-          <p:cNvPr id="3" name="Content Placeholder 2"/>
+              <a:t>How to Choose the Right Incubator or Accelerator</a:t>
+            </a:r>
+          </a:p>
+        </p:txBody>
+      </p:sp>
+      <p:sp>
+        <p:nvSpPr>
+          <p:cNvPr id="3" name="Content Placeholder 2">
+            <a:extLst>
+              <a:ext uri="{FF2B5EF4-FFF2-40B4-BE49-F238E27FC236}">
+                <a16:creationId xmlns:a16="http://schemas.microsoft.com/office/drawing/2014/main" id="{24CB897F-B6F3-4E42-8264-9C30DC0C1F93}"/>
+              </a:ext>
+            </a:extLst>
+          </p:cNvPr>
           <p:cNvSpPr>
             <a:spLocks noGrp="1"/>
           </p:cNvSpPr>
@@ -21186,119 +21191,97 @@
         </p:nvSpPr>
         <p:spPr/>
         <p:txBody>
-          <a:bodyPr/>
-          <a:lstStyle/>
-          <a:p>
-            <a:r>
-              <a:rPr lang="en-US" dirty="0"/>
-              <a:t>Incubators:</a:t>
+          <a:bodyPr>
+            <a:normAutofit fontScale="92500"/>
+          </a:bodyPr>
+          <a:lstStyle/>
+          <a:p>
+            <a:r>
+              <a:rPr lang="en-US" dirty="0"/>
+              <a:t>Questions to Ask:</a:t>
             </a:r>
           </a:p>
           <a:p>
             <a:pPr lvl="1"/>
             <a:r>
               <a:rPr lang="en-US" dirty="0"/>
-              <a:t>Y </a:t>
-            </a:r>
-            <a:r>
-              <a:rPr lang="en-US" dirty="0" err="1"/>
-              <a:t>Combinator</a:t>
-            </a:r>
-            <a:r>
-              <a:rPr lang="en-US" dirty="0"/>
-              <a:t> (Airbnb, Dropbox, </a:t>
-            </a:r>
-            <a:r>
-              <a:rPr lang="en-US" dirty="0" err="1"/>
-              <a:t>Reddit</a:t>
-            </a:r>
-            <a:r>
-              <a:rPr lang="en-US" dirty="0"/>
-              <a:t>)</a:t>
+              <a:t>What is the program's focus and mission?</a:t>
             </a:r>
           </a:p>
           <a:p>
             <a:pPr lvl="1"/>
             <a:r>
               <a:rPr lang="en-US" dirty="0"/>
-              <a:t>500 Startups (</a:t>
-            </a:r>
-            <a:r>
-              <a:rPr lang="en-US" dirty="0" err="1"/>
-              <a:t>Twilio</a:t>
-            </a:r>
-            <a:r>
-              <a:rPr lang="en-US" dirty="0"/>
-              <a:t>, </a:t>
-            </a:r>
-            <a:r>
-              <a:rPr lang="en-US" dirty="0" err="1"/>
-              <a:t>SendGrid</a:t>
-            </a:r>
-            <a:r>
-              <a:rPr lang="en-US" dirty="0"/>
-              <a:t>, Intercom)</a:t>
+              <a:t>What resources does the program offer, and how do they align with my startup's needs?</a:t>
             </a:r>
           </a:p>
           <a:p>
             <a:pPr lvl="1"/>
             <a:r>
-              <a:rPr lang="en-US" dirty="0" err="1"/>
-              <a:t>Techstars</a:t>
-            </a:r>
-            <a:r>
-              <a:rPr lang="en-US" dirty="0"/>
-              <a:t> (</a:t>
-            </a:r>
-            <a:r>
-              <a:rPr lang="en-US" dirty="0" err="1"/>
-              <a:t>SendGrid</a:t>
-            </a:r>
-            <a:r>
-              <a:rPr lang="en-US" dirty="0"/>
-              <a:t>, Sphero, Fitbit)</a:t>
-            </a:r>
-          </a:p>
-          <a:p>
-            <a:r>
-              <a:rPr lang="en-US" dirty="0"/>
-              <a:t>Accelerators:</a:t>
+              <a:rPr lang="en-US" dirty="0"/>
+              <a:t>What is the reputation of the program, and what success stories can you share?</a:t>
             </a:r>
           </a:p>
           <a:p>
             <a:pPr lvl="1"/>
             <a:r>
-              <a:rPr lang="en-US" dirty="0" err="1"/>
-              <a:t>Accel</a:t>
-            </a:r>
-            <a:r>
-              <a:rPr lang="en-US" dirty="0"/>
-              <a:t> (Dropbox, Facebook, Spotify)</a:t>
+              <a:rPr lang="en-US" dirty="0"/>
+              <a:t>Who are the mentors and industry experts involved in the program?</a:t>
             </a:r>
           </a:p>
           <a:p>
             <a:pPr lvl="1"/>
             <a:r>
               <a:rPr lang="en-US" dirty="0"/>
-              <a:t>KPCB (Google, Twitter, Uber)</a:t>
+              <a:t>What networking opportunities does the program offer?</a:t>
             </a:r>
           </a:p>
           <a:p>
             <a:pPr lvl="1"/>
             <a:r>
-              <a:rPr lang="en-US" dirty="0" err="1"/>
-              <a:t>Greylock</a:t>
-            </a:r>
-            <a:r>
-              <a:rPr lang="en-US" dirty="0"/>
-              <a:t> (Airbnb, Facebook, LinkedIn)</a:t>
-            </a:r>
-          </a:p>
-        </p:txBody>
-      </p:sp>
-      <p:sp>
-        <p:nvSpPr>
-          <p:cNvPr id="4" name="Slide Number Placeholder 3"/>
+              <a:rPr lang="en-US" dirty="0"/>
+              <a:t>Does the program provide funding or connections to investors?</a:t>
+            </a:r>
+          </a:p>
+          <a:p>
+            <a:pPr lvl="1"/>
+            <a:r>
+              <a:rPr lang="en-US" dirty="0"/>
+              <a:t>What is the program's duration, and what milestones can I expect to achieve during that time?</a:t>
+            </a:r>
+          </a:p>
+          <a:p>
+            <a:pPr lvl="1"/>
+            <a:r>
+              <a:rPr lang="en-US" dirty="0"/>
+              <a:t>What is the cost of participating in the program, and what equity or fees are involved?</a:t>
+            </a:r>
+          </a:p>
+          <a:p>
+            <a:pPr lvl="1"/>
+            <a:r>
+              <a:rPr lang="en-US" dirty="0"/>
+              <a:t>How does the program support startups in scaling and growing their business?</a:t>
+            </a:r>
+          </a:p>
+          <a:p>
+            <a:pPr lvl="1"/>
+            <a:r>
+              <a:rPr lang="en-US" dirty="0"/>
+              <a:t>What are the program's expectations for commitment and involvement from startup founders?</a:t>
+            </a:r>
+          </a:p>
+        </p:txBody>
+      </p:sp>
+      <p:sp>
+        <p:nvSpPr>
+          <p:cNvPr id="4" name="Slide Number Placeholder 3">
+            <a:extLst>
+              <a:ext uri="{FF2B5EF4-FFF2-40B4-BE49-F238E27FC236}">
+                <a16:creationId xmlns:a16="http://schemas.microsoft.com/office/drawing/2014/main" id="{5223FDB3-FF69-4CA5-B5C8-F6F39A2D6A55}"/>
+              </a:ext>
+            </a:extLst>
+          </p:cNvPr>
           <p:cNvSpPr>
             <a:spLocks noGrp="1"/>
           </p:cNvSpPr>
@@ -21323,7 +21306,7 @@
     </p:spTree>
     <p:extLst>
       <p:ext uri="{BB962C8B-B14F-4D97-AF65-F5344CB8AC3E}">
-        <p14:creationId xmlns:p14="http://schemas.microsoft.com/office/powerpoint/2010/main" val="1967487476"/>
+        <p14:creationId xmlns:p14="http://schemas.microsoft.com/office/powerpoint/2010/main" val="790029225"/>
       </p:ext>
     </p:extLst>
   </p:cSld>
@@ -21352,7 +21335,13 @@
       </p:grpSpPr>
       <p:sp>
         <p:nvSpPr>
-          <p:cNvPr id="2" name="Title 1"/>
+          <p:cNvPr id="2" name="Title 1">
+            <a:extLst>
+              <a:ext uri="{FF2B5EF4-FFF2-40B4-BE49-F238E27FC236}">
+                <a16:creationId xmlns:a16="http://schemas.microsoft.com/office/drawing/2014/main" id="{3DF41606-56BE-408A-8B5E-5B4AA4DA886B}"/>
+              </a:ext>
+            </a:extLst>
+          </p:cNvPr>
           <p:cNvSpPr>
             <a:spLocks noGrp="1"/>
           </p:cNvSpPr>
@@ -21362,19 +21351,27 @@
         </p:nvSpPr>
         <p:spPr/>
         <p:txBody>
-          <a:bodyPr/>
-          <a:lstStyle/>
-          <a:p>
-            <a:r>
-              <a:rPr lang="en-US" dirty="0"/>
-              <a:t>Saudi Incubators and Accelerators </a:t>
-            </a:r>
-          </a:p>
-        </p:txBody>
-      </p:sp>
-      <p:sp>
-        <p:nvSpPr>
-          <p:cNvPr id="3" name="Content Placeholder 2"/>
+          <a:bodyPr>
+            <a:normAutofit fontScale="90000"/>
+          </a:bodyPr>
+          <a:lstStyle/>
+          <a:p>
+            <a:r>
+              <a:rPr lang="en-US" dirty="0"/>
+              <a:t>How to Choose the Right Incubator or Accelerator</a:t>
+            </a:r>
+          </a:p>
+        </p:txBody>
+      </p:sp>
+      <p:sp>
+        <p:nvSpPr>
+          <p:cNvPr id="3" name="Content Placeholder 2">
+            <a:extLst>
+              <a:ext uri="{FF2B5EF4-FFF2-40B4-BE49-F238E27FC236}">
+                <a16:creationId xmlns:a16="http://schemas.microsoft.com/office/drawing/2014/main" id="{24CB897F-B6F3-4E42-8264-9C30DC0C1F93}"/>
+              </a:ext>
+            </a:extLst>
+          </p:cNvPr>
           <p:cNvSpPr>
             <a:spLocks noGrp="1"/>
           </p:cNvSpPr>
@@ -21384,173 +21381,90 @@
         </p:nvSpPr>
         <p:spPr/>
         <p:txBody>
-          <a:bodyPr numCol="2">
+          <a:bodyPr>
             <a:normAutofit/>
           </a:bodyPr>
           <a:lstStyle/>
           <a:p>
-            <a:pPr>
-              <a:lnSpc>
-                <a:spcPct val="100000"/>
-              </a:lnSpc>
-            </a:pPr>
-            <a:r>
-              <a:rPr lang="en-US" dirty="0"/>
-              <a:t>9/10ths</a:t>
-            </a:r>
-          </a:p>
-          <a:p>
-            <a:pPr>
-              <a:lnSpc>
-                <a:spcPct val="100000"/>
-              </a:lnSpc>
-            </a:pPr>
-            <a:r>
-              <a:rPr lang="en-US" dirty="0"/>
-              <a:t>KAUST Innovation Fund</a:t>
-            </a:r>
-          </a:p>
-          <a:p>
-            <a:pPr>
-              <a:lnSpc>
-                <a:spcPct val="100000"/>
-              </a:lnSpc>
-            </a:pPr>
-            <a:r>
-              <a:rPr lang="en-US" dirty="0"/>
-              <a:t>Riyadh Valley Company</a:t>
-            </a:r>
-          </a:p>
-          <a:p>
-            <a:pPr>
-              <a:lnSpc>
-                <a:spcPct val="100000"/>
-              </a:lnSpc>
-            </a:pPr>
-            <a:r>
-              <a:rPr lang="en-US" dirty="0"/>
-              <a:t>Business Incubators and Accelerators Company</a:t>
-            </a:r>
-          </a:p>
-          <a:p>
-            <a:pPr>
-              <a:lnSpc>
-                <a:spcPct val="100000"/>
-              </a:lnSpc>
-            </a:pPr>
-            <a:r>
-              <a:rPr lang="en-US" dirty="0" err="1"/>
-              <a:t>Taqadam</a:t>
-            </a:r>
-            <a:endParaRPr lang="en-US" dirty="0"/>
-          </a:p>
-          <a:p>
-            <a:pPr>
-              <a:lnSpc>
-                <a:spcPct val="100000"/>
-              </a:lnSpc>
-            </a:pPr>
-            <a:r>
-              <a:rPr lang="en-US" dirty="0" err="1"/>
-              <a:t>Badir</a:t>
-            </a:r>
-            <a:r>
-              <a:rPr lang="en-US" dirty="0"/>
-              <a:t> Program</a:t>
-            </a:r>
-          </a:p>
-          <a:p>
-            <a:pPr>
-              <a:lnSpc>
-                <a:spcPct val="100000"/>
-              </a:lnSpc>
-            </a:pPr>
-            <a:endParaRPr lang="en-US" dirty="0"/>
-          </a:p>
-          <a:p>
-            <a:pPr>
-              <a:lnSpc>
-                <a:spcPct val="100000"/>
-              </a:lnSpc>
-            </a:pPr>
-            <a:r>
-              <a:rPr lang="en-US" dirty="0" err="1"/>
-              <a:t>Falak</a:t>
-            </a:r>
-            <a:r>
-              <a:rPr lang="en-US" dirty="0"/>
-              <a:t> Business Hub</a:t>
-            </a:r>
-          </a:p>
-          <a:p>
-            <a:pPr>
-              <a:lnSpc>
-                <a:spcPct val="100000"/>
-              </a:lnSpc>
-            </a:pPr>
-            <a:r>
-              <a:rPr lang="en-US" dirty="0" err="1"/>
-              <a:t>Nomow</a:t>
-            </a:r>
-            <a:r>
-              <a:rPr lang="en-US" dirty="0"/>
-              <a:t> Incubator</a:t>
-            </a:r>
-          </a:p>
-          <a:p>
-            <a:pPr>
-              <a:lnSpc>
-                <a:spcPct val="100000"/>
-              </a:lnSpc>
-            </a:pPr>
-            <a:r>
-              <a:rPr lang="en-US" dirty="0"/>
-              <a:t>SURE International Technology</a:t>
-            </a:r>
-          </a:p>
-          <a:p>
-            <a:pPr>
-              <a:lnSpc>
-                <a:spcPct val="100000"/>
-              </a:lnSpc>
-            </a:pPr>
-            <a:r>
-              <a:rPr lang="en-US" dirty="0"/>
-              <a:t>Startups House</a:t>
-            </a:r>
-          </a:p>
-          <a:p>
-            <a:pPr>
-              <a:lnSpc>
-                <a:spcPct val="100000"/>
-              </a:lnSpc>
-            </a:pPr>
-            <a:r>
-              <a:rPr lang="en-US" dirty="0" err="1"/>
-              <a:t>Wa'ed</a:t>
-            </a:r>
-            <a:endParaRPr lang="en-US" dirty="0"/>
-          </a:p>
-          <a:p>
-            <a:pPr>
-              <a:lnSpc>
-                <a:spcPct val="100000"/>
-              </a:lnSpc>
-            </a:pPr>
-            <a:r>
-              <a:rPr lang="en-US" dirty="0" err="1"/>
-              <a:t>Wadi</a:t>
-            </a:r>
-            <a:r>
-              <a:rPr lang="en-US" dirty="0"/>
-              <a:t> Makkah</a:t>
-            </a:r>
-          </a:p>
-        </p:txBody>
-      </p:sp>
-      <p:sp>
-        <p:nvSpPr>
-          <p:cNvPr id="4" name="Slide Number Placeholder 3"/>
+            <a:r>
+              <a:rPr lang="en-US" dirty="0"/>
+              <a:t>Tips for Selecting the Best Incubator or Accelerator:</a:t>
+            </a:r>
+          </a:p>
+          <a:p>
+            <a:pPr lvl="1"/>
+            <a:r>
+              <a:rPr lang="en-US" dirty="0"/>
+              <a:t>Research thoroughly</a:t>
+            </a:r>
+          </a:p>
+          <a:p>
+            <a:pPr lvl="1"/>
+            <a:r>
+              <a:rPr lang="en-US" dirty="0"/>
+              <a:t>Network with other entrepreneurs</a:t>
+            </a:r>
+          </a:p>
+          <a:p>
+            <a:pPr lvl="1"/>
+            <a:r>
+              <a:rPr lang="en-US" dirty="0"/>
+              <a:t>Look for a program that fits your stage</a:t>
+            </a:r>
+          </a:p>
+          <a:p>
+            <a:pPr lvl="1"/>
+            <a:r>
+              <a:rPr lang="en-US" dirty="0"/>
+              <a:t>Consider the program's investment strategy</a:t>
+            </a:r>
+          </a:p>
+          <a:p>
+            <a:pPr lvl="1"/>
+            <a:r>
+              <a:rPr lang="en-US" dirty="0"/>
+              <a:t>Evaluate the program's network</a:t>
+            </a:r>
+          </a:p>
+          <a:p>
+            <a:pPr lvl="1"/>
+            <a:r>
+              <a:rPr lang="en-US" dirty="0"/>
+              <a:t>Look for a program that offers flexibility</a:t>
+            </a:r>
+          </a:p>
+          <a:p>
+            <a:pPr lvl="1"/>
+            <a:r>
+              <a:rPr lang="en-US" dirty="0"/>
+              <a:t>Evaluate the program's track record</a:t>
+            </a:r>
+          </a:p>
+          <a:p>
+            <a:pPr lvl="1"/>
+            <a:r>
+              <a:rPr lang="en-US" dirty="0"/>
+              <a:t>Look for a program that aligns with your values</a:t>
+            </a:r>
+          </a:p>
+          <a:p>
+            <a:pPr lvl="1"/>
+            <a:r>
+              <a:rPr lang="en-US" dirty="0"/>
+              <a:t>Consider the program's location:</a:t>
+            </a:r>
+          </a:p>
+        </p:txBody>
+      </p:sp>
+      <p:sp>
+        <p:nvSpPr>
+          <p:cNvPr id="4" name="Slide Number Placeholder 3">
+            <a:extLst>
+              <a:ext uri="{FF2B5EF4-FFF2-40B4-BE49-F238E27FC236}">
+                <a16:creationId xmlns:a16="http://schemas.microsoft.com/office/drawing/2014/main" id="{5223FDB3-FF69-4CA5-B5C8-F6F39A2D6A55}"/>
+              </a:ext>
+            </a:extLst>
+          </p:cNvPr>
           <p:cNvSpPr>
             <a:spLocks noGrp="1"/>
           </p:cNvSpPr>
@@ -21575,7 +21489,7 @@
     </p:spTree>
     <p:extLst>
       <p:ext uri="{BB962C8B-B14F-4D97-AF65-F5344CB8AC3E}">
-        <p14:creationId xmlns:p14="http://schemas.microsoft.com/office/powerpoint/2010/main" val="369944038"/>
+        <p14:creationId xmlns:p14="http://schemas.microsoft.com/office/powerpoint/2010/main" val="1007110814"/>
       </p:ext>
     </p:extLst>
   </p:cSld>
@@ -21604,6 +21518,458 @@
       </p:grpSpPr>
       <p:sp>
         <p:nvSpPr>
+          <p:cNvPr id="2" name="Title 1"/>
+          <p:cNvSpPr>
+            <a:spLocks noGrp="1"/>
+          </p:cNvSpPr>
+          <p:nvPr>
+            <p:ph type="title"/>
+          </p:nvPr>
+        </p:nvSpPr>
+        <p:spPr/>
+        <p:txBody>
+          <a:bodyPr>
+            <a:normAutofit fontScale="90000"/>
+          </a:bodyPr>
+          <a:lstStyle/>
+          <a:p>
+            <a:r>
+              <a:rPr lang="en-US" dirty="0"/>
+              <a:t>Examples of Successful Incubators and Accelerators</a:t>
+            </a:r>
+          </a:p>
+        </p:txBody>
+      </p:sp>
+      <p:sp>
+        <p:nvSpPr>
+          <p:cNvPr id="3" name="Content Placeholder 2"/>
+          <p:cNvSpPr>
+            <a:spLocks noGrp="1"/>
+          </p:cNvSpPr>
+          <p:nvPr>
+            <p:ph idx="1"/>
+          </p:nvPr>
+        </p:nvSpPr>
+        <p:spPr/>
+        <p:txBody>
+          <a:bodyPr/>
+          <a:lstStyle/>
+          <a:p>
+            <a:r>
+              <a:rPr lang="en-US" dirty="0"/>
+              <a:t>Incubators:</a:t>
+            </a:r>
+          </a:p>
+          <a:p>
+            <a:pPr lvl="1"/>
+            <a:r>
+              <a:rPr lang="en-US" dirty="0"/>
+              <a:t>Y </a:t>
+            </a:r>
+            <a:r>
+              <a:rPr lang="en-US" dirty="0" err="1"/>
+              <a:t>Combinator</a:t>
+            </a:r>
+            <a:r>
+              <a:rPr lang="en-US" dirty="0"/>
+              <a:t> (Airbnb, Dropbox, </a:t>
+            </a:r>
+            <a:r>
+              <a:rPr lang="en-US" dirty="0" err="1"/>
+              <a:t>Reddit</a:t>
+            </a:r>
+            <a:r>
+              <a:rPr lang="en-US" dirty="0"/>
+              <a:t>)</a:t>
+            </a:r>
+          </a:p>
+          <a:p>
+            <a:pPr lvl="1"/>
+            <a:r>
+              <a:rPr lang="en-US" dirty="0"/>
+              <a:t>500 Startups (</a:t>
+            </a:r>
+            <a:r>
+              <a:rPr lang="en-US" dirty="0" err="1"/>
+              <a:t>Twilio</a:t>
+            </a:r>
+            <a:r>
+              <a:rPr lang="en-US" dirty="0"/>
+              <a:t>, </a:t>
+            </a:r>
+            <a:r>
+              <a:rPr lang="en-US" dirty="0" err="1"/>
+              <a:t>SendGrid</a:t>
+            </a:r>
+            <a:r>
+              <a:rPr lang="en-US" dirty="0"/>
+              <a:t>, Intercom)</a:t>
+            </a:r>
+          </a:p>
+          <a:p>
+            <a:pPr lvl="1"/>
+            <a:r>
+              <a:rPr lang="en-US" dirty="0" err="1"/>
+              <a:t>Techstars</a:t>
+            </a:r>
+            <a:r>
+              <a:rPr lang="en-US" dirty="0"/>
+              <a:t> (</a:t>
+            </a:r>
+            <a:r>
+              <a:rPr lang="en-US" dirty="0" err="1"/>
+              <a:t>SendGrid</a:t>
+            </a:r>
+            <a:r>
+              <a:rPr lang="en-US" dirty="0"/>
+              <a:t>, Sphero, Fitbit)</a:t>
+            </a:r>
+          </a:p>
+          <a:p>
+            <a:r>
+              <a:rPr lang="en-US" dirty="0"/>
+              <a:t>Accelerators:</a:t>
+            </a:r>
+          </a:p>
+          <a:p>
+            <a:pPr lvl="1"/>
+            <a:r>
+              <a:rPr lang="en-US" dirty="0" err="1"/>
+              <a:t>Accel</a:t>
+            </a:r>
+            <a:r>
+              <a:rPr lang="en-US" dirty="0"/>
+              <a:t> (Dropbox, Facebook, Spotify)</a:t>
+            </a:r>
+          </a:p>
+          <a:p>
+            <a:pPr lvl="1"/>
+            <a:r>
+              <a:rPr lang="en-US" dirty="0"/>
+              <a:t>KPCB (Google, Twitter, Uber)</a:t>
+            </a:r>
+          </a:p>
+          <a:p>
+            <a:pPr lvl="1"/>
+            <a:r>
+              <a:rPr lang="en-US" dirty="0" err="1"/>
+              <a:t>Greylock</a:t>
+            </a:r>
+            <a:r>
+              <a:rPr lang="en-US" dirty="0"/>
+              <a:t> (Airbnb, Facebook, LinkedIn)</a:t>
+            </a:r>
+          </a:p>
+        </p:txBody>
+      </p:sp>
+      <p:sp>
+        <p:nvSpPr>
+          <p:cNvPr id="4" name="Slide Number Placeholder 3"/>
+          <p:cNvSpPr>
+            <a:spLocks noGrp="1"/>
+          </p:cNvSpPr>
+          <p:nvPr>
+            <p:ph type="sldNum" sz="quarter" idx="12"/>
+          </p:nvPr>
+        </p:nvSpPr>
+        <p:spPr/>
+        <p:txBody>
+          <a:bodyPr/>
+          <a:lstStyle/>
+          <a:p>
+            <a:fld id="{B8DACC02-A2BD-4578-8E03-6D891060A695}" type="slidenum">
+              <a:rPr lang="en-US" smtClean="0"/>
+              <a:pPr/>
+              <a:t>73</a:t>
+            </a:fld>
+            <a:endParaRPr lang="en-US" dirty="0"/>
+          </a:p>
+        </p:txBody>
+      </p:sp>
+    </p:spTree>
+    <p:extLst>
+      <p:ext uri="{BB962C8B-B14F-4D97-AF65-F5344CB8AC3E}">
+        <p14:creationId xmlns:p14="http://schemas.microsoft.com/office/powerpoint/2010/main" val="1967487476"/>
+      </p:ext>
+    </p:extLst>
+  </p:cSld>
+  <p:clrMapOvr>
+    <a:masterClrMapping/>
+  </p:clrMapOvr>
+</p:sld>
+</file>
+
+<file path=ppt/slides/slide74.xml><?xml version="1.0" encoding="utf-8"?>
+<p:sld xmlns:a="http://schemas.openxmlformats.org/drawingml/2006/main" xmlns:r="http://schemas.openxmlformats.org/officeDocument/2006/relationships" xmlns:p="http://schemas.openxmlformats.org/presentationml/2006/main">
+  <p:cSld>
+    <p:spTree>
+      <p:nvGrpSpPr>
+        <p:cNvPr id="1" name=""/>
+        <p:cNvGrpSpPr/>
+        <p:nvPr/>
+      </p:nvGrpSpPr>
+      <p:grpSpPr>
+        <a:xfrm>
+          <a:off x="0" y="0"/>
+          <a:ext cx="0" cy="0"/>
+          <a:chOff x="0" y="0"/>
+          <a:chExt cx="0" cy="0"/>
+        </a:xfrm>
+      </p:grpSpPr>
+      <p:sp>
+        <p:nvSpPr>
+          <p:cNvPr id="2" name="Title 1"/>
+          <p:cNvSpPr>
+            <a:spLocks noGrp="1"/>
+          </p:cNvSpPr>
+          <p:nvPr>
+            <p:ph type="title"/>
+          </p:nvPr>
+        </p:nvSpPr>
+        <p:spPr/>
+        <p:txBody>
+          <a:bodyPr/>
+          <a:lstStyle/>
+          <a:p>
+            <a:r>
+              <a:rPr lang="en-US" dirty="0"/>
+              <a:t>Saudi Incubators and Accelerators </a:t>
+            </a:r>
+          </a:p>
+        </p:txBody>
+      </p:sp>
+      <p:sp>
+        <p:nvSpPr>
+          <p:cNvPr id="3" name="Content Placeholder 2"/>
+          <p:cNvSpPr>
+            <a:spLocks noGrp="1"/>
+          </p:cNvSpPr>
+          <p:nvPr>
+            <p:ph idx="1"/>
+          </p:nvPr>
+        </p:nvSpPr>
+        <p:spPr/>
+        <p:txBody>
+          <a:bodyPr numCol="2">
+            <a:normAutofit/>
+          </a:bodyPr>
+          <a:lstStyle/>
+          <a:p>
+            <a:pPr>
+              <a:lnSpc>
+                <a:spcPct val="100000"/>
+              </a:lnSpc>
+            </a:pPr>
+            <a:r>
+              <a:rPr lang="en-US" dirty="0"/>
+              <a:t>9/10ths</a:t>
+            </a:r>
+          </a:p>
+          <a:p>
+            <a:pPr>
+              <a:lnSpc>
+                <a:spcPct val="100000"/>
+              </a:lnSpc>
+            </a:pPr>
+            <a:r>
+              <a:rPr lang="en-US" dirty="0"/>
+              <a:t>KAUST Innovation Fund</a:t>
+            </a:r>
+          </a:p>
+          <a:p>
+            <a:pPr>
+              <a:lnSpc>
+                <a:spcPct val="100000"/>
+              </a:lnSpc>
+            </a:pPr>
+            <a:r>
+              <a:rPr lang="en-US" dirty="0"/>
+              <a:t>Riyadh Valley Company</a:t>
+            </a:r>
+          </a:p>
+          <a:p>
+            <a:pPr>
+              <a:lnSpc>
+                <a:spcPct val="100000"/>
+              </a:lnSpc>
+            </a:pPr>
+            <a:r>
+              <a:rPr lang="en-US" dirty="0"/>
+              <a:t>Business Incubators and Accelerators Company</a:t>
+            </a:r>
+          </a:p>
+          <a:p>
+            <a:pPr>
+              <a:lnSpc>
+                <a:spcPct val="100000"/>
+              </a:lnSpc>
+            </a:pPr>
+            <a:r>
+              <a:rPr lang="en-US" dirty="0" err="1"/>
+              <a:t>Taqadam</a:t>
+            </a:r>
+            <a:endParaRPr lang="en-US" dirty="0"/>
+          </a:p>
+          <a:p>
+            <a:pPr>
+              <a:lnSpc>
+                <a:spcPct val="100000"/>
+              </a:lnSpc>
+            </a:pPr>
+            <a:r>
+              <a:rPr lang="en-US" dirty="0" err="1"/>
+              <a:t>Badir</a:t>
+            </a:r>
+            <a:r>
+              <a:rPr lang="en-US" dirty="0"/>
+              <a:t> Program</a:t>
+            </a:r>
+          </a:p>
+          <a:p>
+            <a:pPr>
+              <a:lnSpc>
+                <a:spcPct val="100000"/>
+              </a:lnSpc>
+            </a:pPr>
+            <a:endParaRPr lang="en-US" dirty="0"/>
+          </a:p>
+          <a:p>
+            <a:pPr>
+              <a:lnSpc>
+                <a:spcPct val="100000"/>
+              </a:lnSpc>
+            </a:pPr>
+            <a:r>
+              <a:rPr lang="en-US" dirty="0" err="1"/>
+              <a:t>Falak</a:t>
+            </a:r>
+            <a:r>
+              <a:rPr lang="en-US" dirty="0"/>
+              <a:t> Business Hub</a:t>
+            </a:r>
+          </a:p>
+          <a:p>
+            <a:pPr>
+              <a:lnSpc>
+                <a:spcPct val="100000"/>
+              </a:lnSpc>
+            </a:pPr>
+            <a:r>
+              <a:rPr lang="en-US" dirty="0" err="1"/>
+              <a:t>Nomow</a:t>
+            </a:r>
+            <a:r>
+              <a:rPr lang="en-US" dirty="0"/>
+              <a:t> Incubator</a:t>
+            </a:r>
+          </a:p>
+          <a:p>
+            <a:pPr>
+              <a:lnSpc>
+                <a:spcPct val="100000"/>
+              </a:lnSpc>
+            </a:pPr>
+            <a:r>
+              <a:rPr lang="en-US" dirty="0"/>
+              <a:t>SURE International Technology</a:t>
+            </a:r>
+          </a:p>
+          <a:p>
+            <a:pPr>
+              <a:lnSpc>
+                <a:spcPct val="100000"/>
+              </a:lnSpc>
+            </a:pPr>
+            <a:r>
+              <a:rPr lang="en-US" dirty="0"/>
+              <a:t>Startups House</a:t>
+            </a:r>
+          </a:p>
+          <a:p>
+            <a:pPr>
+              <a:lnSpc>
+                <a:spcPct val="100000"/>
+              </a:lnSpc>
+            </a:pPr>
+            <a:r>
+              <a:rPr lang="en-US" dirty="0" err="1"/>
+              <a:t>Wa'ed</a:t>
+            </a:r>
+            <a:endParaRPr lang="en-US" dirty="0"/>
+          </a:p>
+          <a:p>
+            <a:pPr>
+              <a:lnSpc>
+                <a:spcPct val="100000"/>
+              </a:lnSpc>
+            </a:pPr>
+            <a:r>
+              <a:rPr lang="en-US" dirty="0" err="1"/>
+              <a:t>Wadi</a:t>
+            </a:r>
+            <a:r>
+              <a:rPr lang="en-US" dirty="0"/>
+              <a:t> Makkah</a:t>
+            </a:r>
+          </a:p>
+        </p:txBody>
+      </p:sp>
+      <p:sp>
+        <p:nvSpPr>
+          <p:cNvPr id="4" name="Slide Number Placeholder 3"/>
+          <p:cNvSpPr>
+            <a:spLocks noGrp="1"/>
+          </p:cNvSpPr>
+          <p:nvPr>
+            <p:ph type="sldNum" sz="quarter" idx="12"/>
+          </p:nvPr>
+        </p:nvSpPr>
+        <p:spPr/>
+        <p:txBody>
+          <a:bodyPr/>
+          <a:lstStyle/>
+          <a:p>
+            <a:fld id="{B8DACC02-A2BD-4578-8E03-6D891060A695}" type="slidenum">
+              <a:rPr lang="en-US" smtClean="0"/>
+              <a:pPr/>
+              <a:t>74</a:t>
+            </a:fld>
+            <a:endParaRPr lang="en-US" dirty="0"/>
+          </a:p>
+        </p:txBody>
+      </p:sp>
+    </p:spTree>
+    <p:extLst>
+      <p:ext uri="{BB962C8B-B14F-4D97-AF65-F5344CB8AC3E}">
+        <p14:creationId xmlns:p14="http://schemas.microsoft.com/office/powerpoint/2010/main" val="369944038"/>
+      </p:ext>
+    </p:extLst>
+  </p:cSld>
+  <p:clrMapOvr>
+    <a:masterClrMapping/>
+  </p:clrMapOvr>
+</p:sld>
+</file>
+
+<file path=ppt/slides/slide75.xml><?xml version="1.0" encoding="utf-8"?>
+<p:sld xmlns:a="http://schemas.openxmlformats.org/drawingml/2006/main" xmlns:r="http://schemas.openxmlformats.org/officeDocument/2006/relationships" xmlns:p="http://schemas.openxmlformats.org/presentationml/2006/main">
+  <p:cSld>
+    <p:spTree>
+      <p:nvGrpSpPr>
+        <p:cNvPr id="1" name=""/>
+        <p:cNvGrpSpPr/>
+        <p:nvPr/>
+      </p:nvGrpSpPr>
+      <p:grpSpPr>
+        <a:xfrm>
+          <a:off x="0" y="0"/>
+          <a:ext cx="0" cy="0"/>
+          <a:chOff x="0" y="0"/>
+          <a:chExt cx="0" cy="0"/>
+        </a:xfrm>
+      </p:grpSpPr>
+      <p:sp>
+        <p:nvSpPr>
           <p:cNvPr id="2" name="Title 1">
             <a:extLst>
               <a:ext uri="{FF2B5EF4-FFF2-40B4-BE49-F238E27FC236}">
@@ -21692,7 +22058,7 @@
             <a:fld id="{B8DACC02-A2BD-4578-8E03-6D891060A695}" type="slidenum">
               <a:rPr lang="en-US" smtClean="0"/>
               <a:pPr/>
-              <a:t>73</a:t>
+              <a:t>75</a:t>
             </a:fld>
             <a:endParaRPr lang="en-US" dirty="0"/>
           </a:p>
@@ -21758,7 +22124,7 @@
 </p:sld>
 </file>
 
-<file path=ppt/slides/slide74.xml><?xml version="1.0" encoding="utf-8"?>
+<file path=ppt/slides/slide76.xml><?xml version="1.0" encoding="utf-8"?>
 <p:sld xmlns:a="http://schemas.openxmlformats.org/drawingml/2006/main" xmlns:r="http://schemas.openxmlformats.org/officeDocument/2006/relationships" xmlns:p="http://schemas.openxmlformats.org/presentationml/2006/main">
   <p:cSld>
     <p:spTree>
@@ -21920,7 +22286,7 @@
             <a:fld id="{B8DACC02-A2BD-4578-8E03-6D891060A695}" type="slidenum">
               <a:rPr lang="en-US" smtClean="0"/>
               <a:pPr/>
-              <a:t>74</a:t>
+              <a:t>76</a:t>
             </a:fld>
             <a:endParaRPr lang="en-US" dirty="0"/>
           </a:p>
@@ -21939,7 +22305,7 @@
 </p:sld>
 </file>
 
-<file path=ppt/slides/slide75.xml><?xml version="1.0" encoding="utf-8"?>
+<file path=ppt/slides/slide77.xml><?xml version="1.0" encoding="utf-8"?>
 <p:sld xmlns:a="http://schemas.openxmlformats.org/drawingml/2006/main" xmlns:r="http://schemas.openxmlformats.org/officeDocument/2006/relationships" xmlns:p="http://schemas.openxmlformats.org/presentationml/2006/main">
   <p:cSld>
     <p:spTree>
@@ -22067,7 +22433,7 @@
             <a:fld id="{B8DACC02-A2BD-4578-8E03-6D891060A695}" type="slidenum">
               <a:rPr lang="en-US" smtClean="0"/>
               <a:pPr/>
-              <a:t>75</a:t>
+              <a:t>77</a:t>
             </a:fld>
             <a:endParaRPr lang="en-US" dirty="0"/>
           </a:p>
